--- a/New_U-16.pptx
+++ b/New_U-16.pptx
@@ -12,12 +12,13 @@
     <p:sldId id="262" r:id="rId6"/>
     <p:sldId id="265" r:id="rId7"/>
     <p:sldId id="266" r:id="rId8"/>
-    <p:sldId id="264" r:id="rId9"/>
-    <p:sldId id="267" r:id="rId10"/>
-    <p:sldId id="268" r:id="rId11"/>
-    <p:sldId id="269" r:id="rId12"/>
-    <p:sldId id="270" r:id="rId13"/>
-    <p:sldId id="271" r:id="rId14"/>
+    <p:sldId id="272" r:id="rId9"/>
+    <p:sldId id="264" r:id="rId10"/>
+    <p:sldId id="267" r:id="rId11"/>
+    <p:sldId id="268" r:id="rId12"/>
+    <p:sldId id="269" r:id="rId13"/>
+    <p:sldId id="270" r:id="rId14"/>
+    <p:sldId id="271" r:id="rId15"/>
   </p:sldIdLst>
   <p:sldSz cx="12192000" cy="6858000"/>
   <p:notesSz cx="6858000" cy="9144000"/>
@@ -116,6 +117,11 @@
       </a:defRPr>
     </a:lvl9pPr>
   </p:defaultTextStyle>
+  <p:extLst>
+    <p:ext uri="{EFAFB233-063F-42B5-8137-9DF3F51BA10A}">
+      <p15:sldGuideLst xmlns:p15="http://schemas.microsoft.com/office/powerpoint/2012/main"/>
+    </p:ext>
+  </p:extLst>
 </p:presentation>
 </file>
 
@@ -250,7 +256,7 @@
           <a:p>
             <a:fld id="{883B3C6D-282E-42C1-9E7D-429647502DFC}" type="datetimeFigureOut">
               <a:rPr kumimoji="1" lang="ja-JP" altLang="en-US" smtClean="0"/>
-              <a:t>2018/1/12</a:t>
+              <a:t>2018/1/13</a:t>
             </a:fld>
             <a:endParaRPr kumimoji="1" lang="ja-JP" altLang="en-US"/>
           </a:p>
@@ -452,7 +458,7 @@
           <a:p>
             <a:fld id="{883B3C6D-282E-42C1-9E7D-429647502DFC}" type="datetimeFigureOut">
               <a:rPr kumimoji="1" lang="ja-JP" altLang="en-US" smtClean="0"/>
-              <a:t>2018/1/12</a:t>
+              <a:t>2018/1/13</a:t>
             </a:fld>
             <a:endParaRPr kumimoji="1" lang="ja-JP" altLang="en-US"/>
           </a:p>
@@ -664,7 +670,7 @@
           <a:p>
             <a:fld id="{883B3C6D-282E-42C1-9E7D-429647502DFC}" type="datetimeFigureOut">
               <a:rPr kumimoji="1" lang="ja-JP" altLang="en-US" smtClean="0"/>
-              <a:t>2018/1/12</a:t>
+              <a:t>2018/1/13</a:t>
             </a:fld>
             <a:endParaRPr kumimoji="1" lang="ja-JP" altLang="en-US"/>
           </a:p>
@@ -866,7 +872,7 @@
           <a:p>
             <a:fld id="{883B3C6D-282E-42C1-9E7D-429647502DFC}" type="datetimeFigureOut">
               <a:rPr kumimoji="1" lang="ja-JP" altLang="en-US" smtClean="0"/>
-              <a:t>2018/1/12</a:t>
+              <a:t>2018/1/13</a:t>
             </a:fld>
             <a:endParaRPr kumimoji="1" lang="ja-JP" altLang="en-US"/>
           </a:p>
@@ -1112,7 +1118,7 @@
           <a:p>
             <a:fld id="{883B3C6D-282E-42C1-9E7D-429647502DFC}" type="datetimeFigureOut">
               <a:rPr kumimoji="1" lang="ja-JP" altLang="en-US" smtClean="0"/>
-              <a:t>2018/1/12</a:t>
+              <a:t>2018/1/13</a:t>
             </a:fld>
             <a:endParaRPr kumimoji="1" lang="ja-JP" altLang="en-US"/>
           </a:p>
@@ -1408,7 +1414,7 @@
           <a:p>
             <a:fld id="{883B3C6D-282E-42C1-9E7D-429647502DFC}" type="datetimeFigureOut">
               <a:rPr kumimoji="1" lang="ja-JP" altLang="en-US" smtClean="0"/>
-              <a:t>2018/1/12</a:t>
+              <a:t>2018/1/13</a:t>
             </a:fld>
             <a:endParaRPr kumimoji="1" lang="ja-JP" altLang="en-US"/>
           </a:p>
@@ -1839,7 +1845,7 @@
           <a:p>
             <a:fld id="{883B3C6D-282E-42C1-9E7D-429647502DFC}" type="datetimeFigureOut">
               <a:rPr kumimoji="1" lang="ja-JP" altLang="en-US" smtClean="0"/>
-              <a:t>2018/1/12</a:t>
+              <a:t>2018/1/13</a:t>
             </a:fld>
             <a:endParaRPr kumimoji="1" lang="ja-JP" altLang="en-US"/>
           </a:p>
@@ -1957,7 +1963,7 @@
           <a:p>
             <a:fld id="{883B3C6D-282E-42C1-9E7D-429647502DFC}" type="datetimeFigureOut">
               <a:rPr kumimoji="1" lang="ja-JP" altLang="en-US" smtClean="0"/>
-              <a:t>2018/1/12</a:t>
+              <a:t>2018/1/13</a:t>
             </a:fld>
             <a:endParaRPr kumimoji="1" lang="ja-JP" altLang="en-US"/>
           </a:p>
@@ -2052,7 +2058,7 @@
           <a:p>
             <a:fld id="{883B3C6D-282E-42C1-9E7D-429647502DFC}" type="datetimeFigureOut">
               <a:rPr kumimoji="1" lang="ja-JP" altLang="en-US" smtClean="0"/>
-              <a:t>2018/1/12</a:t>
+              <a:t>2018/1/13</a:t>
             </a:fld>
             <a:endParaRPr kumimoji="1" lang="ja-JP" altLang="en-US"/>
           </a:p>
@@ -2361,7 +2367,7 @@
           <a:p>
             <a:fld id="{883B3C6D-282E-42C1-9E7D-429647502DFC}" type="datetimeFigureOut">
               <a:rPr kumimoji="1" lang="ja-JP" altLang="en-US" smtClean="0"/>
-              <a:t>2018/1/12</a:t>
+              <a:t>2018/1/13</a:t>
             </a:fld>
             <a:endParaRPr kumimoji="1" lang="ja-JP" altLang="en-US"/>
           </a:p>
@@ -2614,7 +2620,7 @@
           <a:p>
             <a:fld id="{883B3C6D-282E-42C1-9E7D-429647502DFC}" type="datetimeFigureOut">
               <a:rPr kumimoji="1" lang="ja-JP" altLang="en-US" smtClean="0"/>
-              <a:t>2018/1/12</a:t>
+              <a:t>2018/1/13</a:t>
             </a:fld>
             <a:endParaRPr kumimoji="1" lang="ja-JP" altLang="en-US"/>
           </a:p>
@@ -2859,7 +2865,7 @@
           <a:p>
             <a:fld id="{883B3C6D-282E-42C1-9E7D-429647502DFC}" type="datetimeFigureOut">
               <a:rPr kumimoji="1" lang="ja-JP" altLang="en-US" smtClean="0"/>
-              <a:t>2018/1/12</a:t>
+              <a:t>2018/1/13</a:t>
             </a:fld>
             <a:endParaRPr kumimoji="1" lang="ja-JP" altLang="en-US"/>
           </a:p>
@@ -3325,6 +3331,13 @@
   <p:clrMapOvr>
     <a:masterClrMapping/>
   </p:clrMapOvr>
+  <p:timing>
+    <p:tnLst>
+      <p:par>
+        <p:cTn id="1" dur="indefinite" restart="never" nodeType="tmRoot"/>
+      </p:par>
+    </p:tnLst>
+  </p:timing>
 </p:sld>
 </file>
 
@@ -3362,6 +3375,290 @@
           <a:p>
             <a:r>
               <a:rPr kumimoji="1" lang="ja-JP" altLang="en-US" dirty="0" smtClean="0"/>
+              <a:t>勝利条件　その２</a:t>
+            </a:r>
+            <a:endParaRPr kumimoji="1" lang="ja-JP" altLang="en-US" dirty="0"/>
+          </a:p>
+        </p:txBody>
+      </p:sp>
+      <p:pic>
+        <p:nvPicPr>
+          <p:cNvPr id="8" name="図 7"/>
+          <p:cNvPicPr>
+            <a:picLocks noChangeAspect="1"/>
+          </p:cNvPicPr>
+          <p:nvPr/>
+        </p:nvPicPr>
+        <p:blipFill>
+          <a:blip r:embed="rId2"/>
+          <a:stretch>
+            <a:fillRect/>
+          </a:stretch>
+        </p:blipFill>
+        <p:spPr>
+          <a:xfrm>
+            <a:off x="7422150" y="1709488"/>
+            <a:ext cx="2103752" cy="2152225"/>
+          </a:xfrm>
+          <a:prstGeom prst="rect">
+            <a:avLst/>
+          </a:prstGeom>
+        </p:spPr>
+      </p:pic>
+      <p:pic>
+        <p:nvPicPr>
+          <p:cNvPr id="9" name="図 8"/>
+          <p:cNvPicPr>
+            <a:picLocks noChangeAspect="1"/>
+          </p:cNvPicPr>
+          <p:nvPr/>
+        </p:nvPicPr>
+        <p:blipFill>
+          <a:blip r:embed="rId3"/>
+          <a:stretch>
+            <a:fillRect/>
+          </a:stretch>
+        </p:blipFill>
+        <p:spPr>
+          <a:xfrm>
+            <a:off x="2316890" y="1690688"/>
+            <a:ext cx="2103302" cy="2158171"/>
+          </a:xfrm>
+          <a:prstGeom prst="rect">
+            <a:avLst/>
+          </a:prstGeom>
+        </p:spPr>
+      </p:pic>
+      <p:pic>
+        <p:nvPicPr>
+          <p:cNvPr id="10" name="図 9"/>
+          <p:cNvPicPr>
+            <a:picLocks noChangeAspect="1"/>
+          </p:cNvPicPr>
+          <p:nvPr/>
+        </p:nvPicPr>
+        <p:blipFill rotWithShape="1">
+          <a:blip r:embed="rId4"/>
+          <a:srcRect l="31892" t="32226" r="31711" b="32226"/>
+          <a:stretch/>
+        </p:blipFill>
+        <p:spPr>
+          <a:xfrm>
+            <a:off x="2984269" y="2401329"/>
+            <a:ext cx="768544" cy="768542"/>
+          </a:xfrm>
+          <a:prstGeom prst="rect">
+            <a:avLst/>
+          </a:prstGeom>
+        </p:spPr>
+      </p:pic>
+      <p:sp>
+        <p:nvSpPr>
+          <p:cNvPr id="14" name="右矢印 13"/>
+          <p:cNvSpPr/>
+          <p:nvPr/>
+        </p:nvSpPr>
+        <p:spPr>
+          <a:xfrm>
+            <a:off x="4744920" y="2442441"/>
+            <a:ext cx="2352502" cy="943110"/>
+          </a:xfrm>
+          <a:prstGeom prst="rightArrow">
+            <a:avLst/>
+          </a:prstGeom>
+          <a:solidFill>
+            <a:srgbClr val="FFFF00"/>
+          </a:solidFill>
+        </p:spPr>
+        <p:style>
+          <a:lnRef idx="2">
+            <a:schemeClr val="accent1">
+              <a:shade val="50000"/>
+            </a:schemeClr>
+          </a:lnRef>
+          <a:fillRef idx="1">
+            <a:schemeClr val="accent1"/>
+          </a:fillRef>
+          <a:effectRef idx="0">
+            <a:schemeClr val="accent1"/>
+          </a:effectRef>
+          <a:fontRef idx="minor">
+            <a:schemeClr val="lt1"/>
+          </a:fontRef>
+        </p:style>
+        <p:txBody>
+          <a:bodyPr rtlCol="0" anchor="ctr"/>
+          <a:lstStyle/>
+          <a:p>
+            <a:pPr algn="ctr"/>
+            <a:endParaRPr kumimoji="1" lang="ja-JP" altLang="en-US"/>
+          </a:p>
+        </p:txBody>
+      </p:sp>
+      <p:sp>
+        <p:nvSpPr>
+          <p:cNvPr id="16" name="テキスト ボックス 15"/>
+          <p:cNvSpPr txBox="1"/>
+          <p:nvPr/>
+        </p:nvSpPr>
+        <p:spPr>
+          <a:xfrm>
+            <a:off x="2565182" y="4003687"/>
+            <a:ext cx="1606717" cy="369332"/>
+          </a:xfrm>
+          <a:prstGeom prst="rect">
+            <a:avLst/>
+          </a:prstGeom>
+          <a:noFill/>
+        </p:spPr>
+        <p:txBody>
+          <a:bodyPr wrap="square" rtlCol="0">
+            <a:spAutoFit/>
+          </a:bodyPr>
+          <a:lstStyle/>
+          <a:p>
+            <a:r>
+              <a:rPr lang="en-US" altLang="ja-JP" dirty="0" smtClean="0"/>
+              <a:t>H</a:t>
+            </a:r>
+            <a:r>
+              <a:rPr kumimoji="1" lang="en-US" altLang="ja-JP" dirty="0" smtClean="0"/>
+              <a:t>ot</a:t>
+            </a:r>
+            <a:r>
+              <a:rPr kumimoji="1" lang="ja-JP" altLang="en-US" dirty="0" smtClean="0"/>
+              <a:t>が・・・</a:t>
+            </a:r>
+            <a:endParaRPr kumimoji="1" lang="ja-JP" altLang="en-US" dirty="0"/>
+          </a:p>
+        </p:txBody>
+      </p:sp>
+      <p:sp>
+        <p:nvSpPr>
+          <p:cNvPr id="17" name="テキスト ボックス 16"/>
+          <p:cNvSpPr txBox="1"/>
+          <p:nvPr/>
+        </p:nvSpPr>
+        <p:spPr>
+          <a:xfrm>
+            <a:off x="7811983" y="4003687"/>
+            <a:ext cx="1606717" cy="369332"/>
+          </a:xfrm>
+          <a:prstGeom prst="rect">
+            <a:avLst/>
+          </a:prstGeom>
+          <a:noFill/>
+        </p:spPr>
+        <p:txBody>
+          <a:bodyPr wrap="square" rtlCol="0">
+            <a:spAutoFit/>
+          </a:bodyPr>
+          <a:lstStyle/>
+          <a:p>
+            <a:r>
+              <a:rPr lang="ja-JP" altLang="en-US" dirty="0"/>
+              <a:t>壁</a:t>
+            </a:r>
+            <a:r>
+              <a:rPr lang="ja-JP" altLang="en-US" dirty="0" smtClean="0"/>
+              <a:t>を</a:t>
+            </a:r>
+            <a:r>
+              <a:rPr lang="ja-JP" altLang="en-US" dirty="0"/>
+              <a:t>置</a:t>
+            </a:r>
+            <a:r>
+              <a:rPr lang="ja-JP" altLang="en-US" dirty="0" smtClean="0"/>
+              <a:t>いた</a:t>
+            </a:r>
+            <a:endParaRPr kumimoji="1" lang="ja-JP" altLang="en-US" dirty="0"/>
+          </a:p>
+        </p:txBody>
+      </p:sp>
+      <p:sp>
+        <p:nvSpPr>
+          <p:cNvPr id="18" name="テキスト ボックス 17"/>
+          <p:cNvSpPr txBox="1"/>
+          <p:nvPr/>
+        </p:nvSpPr>
+        <p:spPr>
+          <a:xfrm>
+            <a:off x="3764842" y="4789701"/>
+            <a:ext cx="4312658" cy="769441"/>
+          </a:xfrm>
+          <a:prstGeom prst="rect">
+            <a:avLst/>
+          </a:prstGeom>
+          <a:noFill/>
+        </p:spPr>
+        <p:txBody>
+          <a:bodyPr wrap="square" rtlCol="0">
+            <a:spAutoFit/>
+          </a:bodyPr>
+          <a:lstStyle/>
+          <a:p>
+            <a:r>
+              <a:rPr kumimoji="1" lang="ja-JP" altLang="en-US" sz="4400" dirty="0" smtClean="0"/>
+              <a:t>敵を壁に埋める</a:t>
+            </a:r>
+            <a:endParaRPr kumimoji="1" lang="ja-JP" altLang="en-US" sz="4400" dirty="0"/>
+          </a:p>
+        </p:txBody>
+      </p:sp>
+    </p:spTree>
+    <p:extLst>
+      <p:ext uri="{BB962C8B-B14F-4D97-AF65-F5344CB8AC3E}">
+        <p14:creationId xmlns:p14="http://schemas.microsoft.com/office/powerpoint/2010/main" val="1740599873"/>
+      </p:ext>
+    </p:extLst>
+  </p:cSld>
+  <p:clrMapOvr>
+    <a:masterClrMapping/>
+  </p:clrMapOvr>
+  <p:timing>
+    <p:tnLst>
+      <p:par>
+        <p:cTn id="1" dur="indefinite" restart="never" nodeType="tmRoot"/>
+      </p:par>
+    </p:tnLst>
+  </p:timing>
+</p:sld>
+</file>
+
+<file path=ppt/slides/slide11.xml><?xml version="1.0" encoding="utf-8"?>
+<p:sld xmlns:a="http://schemas.openxmlformats.org/drawingml/2006/main" xmlns:r="http://schemas.openxmlformats.org/officeDocument/2006/relationships" xmlns:p="http://schemas.openxmlformats.org/presentationml/2006/main">
+  <p:cSld>
+    <p:spTree>
+      <p:nvGrpSpPr>
+        <p:cNvPr id="1" name=""/>
+        <p:cNvGrpSpPr/>
+        <p:nvPr/>
+      </p:nvGrpSpPr>
+      <p:grpSpPr>
+        <a:xfrm>
+          <a:off x="0" y="0"/>
+          <a:ext cx="0" cy="0"/>
+          <a:chOff x="0" y="0"/>
+          <a:chExt cx="0" cy="0"/>
+        </a:xfrm>
+      </p:grpSpPr>
+      <p:sp>
+        <p:nvSpPr>
+          <p:cNvPr id="2" name="タイトル 1"/>
+          <p:cNvSpPr>
+            <a:spLocks noGrp="1"/>
+          </p:cNvSpPr>
+          <p:nvPr>
+            <p:ph type="title"/>
+          </p:nvPr>
+        </p:nvSpPr>
+        <p:spPr/>
+        <p:txBody>
+          <a:bodyPr/>
+          <a:lstStyle/>
+          <a:p>
+            <a:r>
+              <a:rPr kumimoji="1" lang="ja-JP" altLang="en-US" dirty="0" smtClean="0"/>
               <a:t>勝利条件　その３</a:t>
             </a:r>
             <a:endParaRPr kumimoji="1" lang="ja-JP" altLang="en-US" dirty="0"/>
@@ -3592,10 +3889,17 @@
   <p:clrMapOvr>
     <a:masterClrMapping/>
   </p:clrMapOvr>
+  <p:timing>
+    <p:tnLst>
+      <p:par>
+        <p:cTn id="1" dur="indefinite" restart="never" nodeType="tmRoot"/>
+      </p:par>
+    </p:tnLst>
+  </p:timing>
 </p:sld>
 </file>
 
-<file path=ppt/slides/slide11.xml><?xml version="1.0" encoding="utf-8"?>
+<file path=ppt/slides/slide12.xml><?xml version="1.0" encoding="utf-8"?>
 <p:sld xmlns:a="http://schemas.openxmlformats.org/drawingml/2006/main" xmlns:r="http://schemas.openxmlformats.org/officeDocument/2006/relationships" xmlns:p="http://schemas.openxmlformats.org/presentationml/2006/main">
   <p:cSld>
     <p:spTree>
@@ -4121,115 +4425,13 @@
   <p:clrMapOvr>
     <a:masterClrMapping/>
   </p:clrMapOvr>
-</p:sld>
-</file>
-
-<file path=ppt/slides/slide12.xml><?xml version="1.0" encoding="utf-8"?>
-<p:sld xmlns:a="http://schemas.openxmlformats.org/drawingml/2006/main" xmlns:r="http://schemas.openxmlformats.org/officeDocument/2006/relationships" xmlns:p="http://schemas.openxmlformats.org/presentationml/2006/main">
-  <p:cSld>
-    <p:spTree>
-      <p:nvGrpSpPr>
-        <p:cNvPr id="1" name=""/>
-        <p:cNvGrpSpPr/>
-        <p:nvPr/>
-      </p:nvGrpSpPr>
-      <p:grpSpPr>
-        <a:xfrm>
-          <a:off x="0" y="0"/>
-          <a:ext cx="0" cy="0"/>
-          <a:chOff x="0" y="0"/>
-          <a:chExt cx="0" cy="0"/>
-        </a:xfrm>
-      </p:grpSpPr>
-      <p:sp>
-        <p:nvSpPr>
-          <p:cNvPr id="2" name="タイトル 1"/>
-          <p:cNvSpPr>
-            <a:spLocks noGrp="1"/>
-          </p:cNvSpPr>
-          <p:nvPr>
-            <p:ph type="title"/>
-          </p:nvPr>
-        </p:nvSpPr>
-        <p:spPr/>
-        <p:txBody>
-          <a:bodyPr/>
-          <a:lstStyle/>
-          <a:p>
-            <a:r>
-              <a:rPr kumimoji="1" lang="ja-JP" altLang="en-US" dirty="0" smtClean="0"/>
-              <a:t>勝利条件　その５</a:t>
-            </a:r>
-            <a:endParaRPr kumimoji="1" lang="ja-JP" altLang="en-US" dirty="0"/>
-          </a:p>
-        </p:txBody>
-      </p:sp>
-      <p:sp>
-        <p:nvSpPr>
-          <p:cNvPr id="3" name="コンテンツ プレースホルダー 2"/>
-          <p:cNvSpPr>
-            <a:spLocks noGrp="1"/>
-          </p:cNvSpPr>
-          <p:nvPr>
-            <p:ph idx="1"/>
-          </p:nvPr>
-        </p:nvSpPr>
-        <p:spPr>
-          <a:xfrm>
-            <a:off x="2600498" y="2028305"/>
-            <a:ext cx="7474527" cy="3300153"/>
-          </a:xfrm>
-        </p:spPr>
-        <p:txBody>
-          <a:bodyPr>
-            <a:noAutofit/>
-          </a:bodyPr>
-          <a:lstStyle/>
-          <a:p>
-            <a:pPr marL="0" indent="0">
-              <a:buNone/>
-            </a:pPr>
-            <a:r>
-              <a:rPr kumimoji="1" lang="ja-JP" altLang="en-US" sz="4800" dirty="0" smtClean="0"/>
-              <a:t>相手が</a:t>
-            </a:r>
-            <a:endParaRPr kumimoji="1" lang="en-US" altLang="ja-JP" sz="4800" dirty="0" smtClean="0"/>
-          </a:p>
-          <a:p>
-            <a:pPr marL="0" indent="0">
-              <a:buNone/>
-            </a:pPr>
-            <a:r>
-              <a:rPr kumimoji="1" lang="ja-JP" altLang="en-US" sz="4800" dirty="0" smtClean="0"/>
-              <a:t>通信エラーやバグなどの</a:t>
-            </a:r>
-            <a:endParaRPr kumimoji="1" lang="en-US" altLang="ja-JP" sz="4800" dirty="0" smtClean="0"/>
-          </a:p>
-          <a:p>
-            <a:pPr marL="0" indent="0">
-              <a:buNone/>
-            </a:pPr>
-            <a:r>
-              <a:rPr kumimoji="1" lang="ja-JP" altLang="en-US" sz="4800" dirty="0" smtClean="0"/>
-              <a:t>試合が止まる原因を作る</a:t>
-            </a:r>
-            <a:endParaRPr kumimoji="1" lang="en-US" altLang="ja-JP" sz="4800" dirty="0" smtClean="0"/>
-          </a:p>
-          <a:p>
-            <a:endParaRPr kumimoji="1" lang="ja-JP" altLang="en-US" sz="3600" dirty="0"/>
-          </a:p>
-        </p:txBody>
-      </p:sp>
-    </p:spTree>
-    <p:extLst>
-      <p:ext uri="{BB962C8B-B14F-4D97-AF65-F5344CB8AC3E}">
-        <p14:creationId xmlns:p14="http://schemas.microsoft.com/office/powerpoint/2010/main" val="2729481438"/>
-      </p:ext>
-    </p:extLst>
-  </p:cSld>
-  <p:clrMapOvr>
-    <a:masterClrMapping/>
-  </p:clrMapOvr>
+  <p:timing>
+    <p:tnLst>
+      <p:par>
+        <p:cTn id="1" dur="indefinite" restart="never" nodeType="tmRoot"/>
+      </p:par>
+    </p:tnLst>
+  </p:timing>
 </p:sld>
 </file>
 
@@ -4265,7 +4467,11 @@
           <a:bodyPr/>
           <a:lstStyle/>
           <a:p>
-            <a:endParaRPr kumimoji="1" lang="ja-JP" altLang="en-US"/>
+            <a:r>
+              <a:rPr kumimoji="1" lang="ja-JP" altLang="en-US" dirty="0" smtClean="0"/>
+              <a:t>勝利条件　その５</a:t>
+            </a:r>
+            <a:endParaRPr kumimoji="1" lang="ja-JP" altLang="en-US" dirty="0"/>
           </a:p>
         </p:txBody>
       </p:sp>
@@ -4279,25 +4485,439 @@
             <p:ph idx="1"/>
           </p:nvPr>
         </p:nvSpPr>
-        <p:spPr/>
-        <p:txBody>
-          <a:bodyPr/>
-          <a:lstStyle/>
-          <a:p>
-            <a:endParaRPr kumimoji="1" lang="ja-JP" altLang="en-US"/>
+        <p:spPr>
+          <a:xfrm>
+            <a:off x="2600498" y="2028305"/>
+            <a:ext cx="7474527" cy="3300153"/>
+          </a:xfrm>
+        </p:spPr>
+        <p:txBody>
+          <a:bodyPr>
+            <a:noAutofit/>
+          </a:bodyPr>
+          <a:lstStyle/>
+          <a:p>
+            <a:pPr marL="0" indent="0">
+              <a:buNone/>
+            </a:pPr>
+            <a:r>
+              <a:rPr kumimoji="1" lang="ja-JP" altLang="en-US" sz="4800" dirty="0" smtClean="0"/>
+              <a:t>相手が</a:t>
+            </a:r>
+            <a:endParaRPr kumimoji="1" lang="en-US" altLang="ja-JP" sz="4800" dirty="0" smtClean="0"/>
+          </a:p>
+          <a:p>
+            <a:pPr marL="0" indent="0">
+              <a:buNone/>
+            </a:pPr>
+            <a:r>
+              <a:rPr kumimoji="1" lang="ja-JP" altLang="en-US" sz="4800" dirty="0" smtClean="0"/>
+              <a:t>通信エラーやバグなどの</a:t>
+            </a:r>
+            <a:endParaRPr kumimoji="1" lang="en-US" altLang="ja-JP" sz="4800" dirty="0" smtClean="0"/>
+          </a:p>
+          <a:p>
+            <a:pPr marL="0" indent="0">
+              <a:buNone/>
+            </a:pPr>
+            <a:r>
+              <a:rPr kumimoji="1" lang="ja-JP" altLang="en-US" sz="4800" dirty="0" smtClean="0"/>
+              <a:t>試合が止まる原因を作る</a:t>
+            </a:r>
+            <a:endParaRPr kumimoji="1" lang="en-US" altLang="ja-JP" sz="4800" dirty="0" smtClean="0"/>
+          </a:p>
+          <a:p>
+            <a:endParaRPr kumimoji="1" lang="ja-JP" altLang="en-US" sz="3600" dirty="0"/>
           </a:p>
         </p:txBody>
       </p:sp>
     </p:spTree>
     <p:extLst>
       <p:ext uri="{BB962C8B-B14F-4D97-AF65-F5344CB8AC3E}">
-        <p14:creationId xmlns:p14="http://schemas.microsoft.com/office/powerpoint/2010/main" val="2220373729"/>
+        <p14:creationId xmlns:p14="http://schemas.microsoft.com/office/powerpoint/2010/main" val="2729481438"/>
       </p:ext>
     </p:extLst>
   </p:cSld>
   <p:clrMapOvr>
     <a:masterClrMapping/>
   </p:clrMapOvr>
+  <p:timing>
+    <p:tnLst>
+      <p:par>
+        <p:cTn id="1" dur="indefinite" restart="never" nodeType="tmRoot"/>
+      </p:par>
+    </p:tnLst>
+  </p:timing>
+</p:sld>
+</file>
+
+<file path=ppt/slides/slide14.xml><?xml version="1.0" encoding="utf-8"?>
+<p:sld xmlns:a="http://schemas.openxmlformats.org/drawingml/2006/main" xmlns:r="http://schemas.openxmlformats.org/officeDocument/2006/relationships" xmlns:p="http://schemas.openxmlformats.org/presentationml/2006/main">
+  <p:cSld>
+    <p:spTree>
+      <p:nvGrpSpPr>
+        <p:cNvPr id="1" name=""/>
+        <p:cNvGrpSpPr/>
+        <p:nvPr/>
+      </p:nvGrpSpPr>
+      <p:grpSpPr>
+        <a:xfrm>
+          <a:off x="0" y="0"/>
+          <a:ext cx="0" cy="0"/>
+          <a:chOff x="0" y="0"/>
+          <a:chExt cx="0" cy="0"/>
+        </a:xfrm>
+      </p:grpSpPr>
+      <p:pic>
+        <p:nvPicPr>
+          <p:cNvPr id="8" name="図 7"/>
+          <p:cNvPicPr>
+            <a:picLocks noChangeAspect="1"/>
+          </p:cNvPicPr>
+          <p:nvPr/>
+        </p:nvPicPr>
+        <p:blipFill>
+          <a:blip r:embed="rId2"/>
+          <a:stretch>
+            <a:fillRect/>
+          </a:stretch>
+        </p:blipFill>
+        <p:spPr>
+          <a:xfrm>
+            <a:off x="2229336" y="3774142"/>
+            <a:ext cx="6364776" cy="1688738"/>
+          </a:xfrm>
+          <a:prstGeom prst="rect">
+            <a:avLst/>
+          </a:prstGeom>
+        </p:spPr>
+      </p:pic>
+      <p:sp>
+        <p:nvSpPr>
+          <p:cNvPr id="2" name="タイトル 1"/>
+          <p:cNvSpPr>
+            <a:spLocks noGrp="1"/>
+          </p:cNvSpPr>
+          <p:nvPr>
+            <p:ph type="title"/>
+          </p:nvPr>
+        </p:nvSpPr>
+        <p:spPr/>
+        <p:txBody>
+          <a:bodyPr/>
+          <a:lstStyle/>
+          <a:p>
+            <a:r>
+              <a:rPr lang="ja-JP" altLang="en-US" dirty="0" smtClean="0"/>
+              <a:t>引き分け</a:t>
+            </a:r>
+            <a:endParaRPr kumimoji="1" lang="ja-JP" altLang="en-US" dirty="0"/>
+          </a:p>
+        </p:txBody>
+      </p:sp>
+      <p:sp>
+        <p:nvSpPr>
+          <p:cNvPr id="4" name="コンテンツ プレースホルダー 3"/>
+          <p:cNvSpPr>
+            <a:spLocks noGrp="1"/>
+          </p:cNvSpPr>
+          <p:nvPr>
+            <p:ph idx="1"/>
+          </p:nvPr>
+        </p:nvSpPr>
+        <p:spPr>
+          <a:xfrm>
+            <a:off x="838200" y="2279311"/>
+            <a:ext cx="9147048" cy="906208"/>
+          </a:xfrm>
+        </p:spPr>
+        <p:txBody>
+          <a:bodyPr>
+            <a:noAutofit/>
+          </a:bodyPr>
+          <a:lstStyle/>
+          <a:p>
+            <a:pPr marL="0" indent="0">
+              <a:buNone/>
+            </a:pPr>
+            <a:r>
+              <a:rPr kumimoji="1" lang="ja-JP" altLang="en-US" sz="3200" dirty="0" smtClean="0"/>
+              <a:t>残りターンが０になった時に</a:t>
+            </a:r>
+            <a:r>
+              <a:rPr lang="ja-JP" altLang="en-US" sz="3200" dirty="0"/>
+              <a:t>ハート</a:t>
+            </a:r>
+            <a:r>
+              <a:rPr lang="ja-JP" altLang="en-US" sz="3200" dirty="0" smtClean="0"/>
+              <a:t>の持っている数がプレイヤー同士で同じ場合</a:t>
+            </a:r>
+            <a:endParaRPr kumimoji="1" lang="ja-JP" altLang="en-US" sz="3200" dirty="0"/>
+          </a:p>
+        </p:txBody>
+      </p:sp>
+      <p:sp>
+        <p:nvSpPr>
+          <p:cNvPr id="10" name="正方形/長方形 9"/>
+          <p:cNvSpPr/>
+          <p:nvPr/>
+        </p:nvSpPr>
+        <p:spPr>
+          <a:xfrm>
+            <a:off x="2229336" y="3971412"/>
+            <a:ext cx="710737" cy="182880"/>
+          </a:xfrm>
+          <a:prstGeom prst="rect">
+            <a:avLst/>
+          </a:prstGeom>
+          <a:solidFill>
+            <a:schemeClr val="bg1"/>
+          </a:solidFill>
+          <a:ln>
+            <a:solidFill>
+              <a:schemeClr val="bg1"/>
+            </a:solidFill>
+          </a:ln>
+        </p:spPr>
+        <p:style>
+          <a:lnRef idx="2">
+            <a:schemeClr val="accent1">
+              <a:shade val="50000"/>
+            </a:schemeClr>
+          </a:lnRef>
+          <a:fillRef idx="1">
+            <a:schemeClr val="accent1"/>
+          </a:fillRef>
+          <a:effectRef idx="0">
+            <a:schemeClr val="accent1"/>
+          </a:effectRef>
+          <a:fontRef idx="minor">
+            <a:schemeClr val="lt1"/>
+          </a:fontRef>
+        </p:style>
+        <p:txBody>
+          <a:bodyPr rtlCol="0" anchor="ctr"/>
+          <a:lstStyle/>
+          <a:p>
+            <a:pPr algn="ctr"/>
+            <a:endParaRPr kumimoji="1" lang="ja-JP" altLang="en-US">
+              <a:ln>
+                <a:solidFill>
+                  <a:schemeClr val="bg1"/>
+                </a:solidFill>
+              </a:ln>
+              <a:solidFill>
+                <a:schemeClr val="bg1"/>
+              </a:solidFill>
+            </a:endParaRPr>
+          </a:p>
+        </p:txBody>
+      </p:sp>
+      <p:sp>
+        <p:nvSpPr>
+          <p:cNvPr id="6" name="テキスト ボックス 5"/>
+          <p:cNvSpPr txBox="1"/>
+          <p:nvPr/>
+        </p:nvSpPr>
+        <p:spPr>
+          <a:xfrm>
+            <a:off x="2147179" y="3893575"/>
+            <a:ext cx="1024128" cy="338554"/>
+          </a:xfrm>
+          <a:prstGeom prst="rect">
+            <a:avLst/>
+          </a:prstGeom>
+          <a:noFill/>
+        </p:spPr>
+        <p:txBody>
+          <a:bodyPr wrap="square" rtlCol="0">
+            <a:spAutoFit/>
+          </a:bodyPr>
+          <a:lstStyle/>
+          <a:p>
+            <a:r>
+              <a:rPr kumimoji="1" lang="en-US" altLang="ja-JP" sz="1600" dirty="0" smtClean="0">
+                <a:solidFill>
+                  <a:srgbClr val="0322FF"/>
+                </a:solidFill>
+                <a:latin typeface="HGS明朝E" panose="02020900000000000000" pitchFamily="18" charset="-128"/>
+                <a:ea typeface="HGS明朝E" panose="02020900000000000000" pitchFamily="18" charset="-128"/>
+              </a:rPr>
+              <a:t>Cool: 5</a:t>
+            </a:r>
+            <a:endParaRPr kumimoji="1" lang="ja-JP" altLang="en-US" sz="1600" dirty="0">
+              <a:solidFill>
+                <a:srgbClr val="0322FF"/>
+              </a:solidFill>
+              <a:latin typeface="HGS明朝E" panose="02020900000000000000" pitchFamily="18" charset="-128"/>
+              <a:ea typeface="HGS明朝E" panose="02020900000000000000" pitchFamily="18" charset="-128"/>
+            </a:endParaRPr>
+          </a:p>
+        </p:txBody>
+      </p:sp>
+      <p:pic>
+        <p:nvPicPr>
+          <p:cNvPr id="11" name="図 10"/>
+          <p:cNvPicPr>
+            <a:picLocks noChangeAspect="1"/>
+          </p:cNvPicPr>
+          <p:nvPr/>
+        </p:nvPicPr>
+        <p:blipFill>
+          <a:blip r:embed="rId3"/>
+          <a:stretch>
+            <a:fillRect/>
+          </a:stretch>
+        </p:blipFill>
+        <p:spPr>
+          <a:xfrm>
+            <a:off x="7528806" y="3957131"/>
+            <a:ext cx="725487" cy="195089"/>
+          </a:xfrm>
+          <a:prstGeom prst="rect">
+            <a:avLst/>
+          </a:prstGeom>
+        </p:spPr>
+      </p:pic>
+      <p:sp>
+        <p:nvSpPr>
+          <p:cNvPr id="12" name="テキスト ボックス 11"/>
+          <p:cNvSpPr txBox="1"/>
+          <p:nvPr/>
+        </p:nvSpPr>
+        <p:spPr>
+          <a:xfrm>
+            <a:off x="7462304" y="3893575"/>
+            <a:ext cx="1024128" cy="338554"/>
+          </a:xfrm>
+          <a:prstGeom prst="rect">
+            <a:avLst/>
+          </a:prstGeom>
+          <a:noFill/>
+        </p:spPr>
+        <p:txBody>
+          <a:bodyPr wrap="square" rtlCol="0">
+            <a:spAutoFit/>
+          </a:bodyPr>
+          <a:lstStyle/>
+          <a:p>
+            <a:r>
+              <a:rPr lang="en-US" altLang="ja-JP" sz="1600" dirty="0" smtClean="0">
+                <a:solidFill>
+                  <a:srgbClr val="FF0000"/>
+                </a:solidFill>
+                <a:latin typeface="HGS明朝E" panose="02020900000000000000" pitchFamily="18" charset="-128"/>
+                <a:ea typeface="HGS明朝E" panose="02020900000000000000" pitchFamily="18" charset="-128"/>
+              </a:rPr>
+              <a:t>Ho</a:t>
+            </a:r>
+            <a:r>
+              <a:rPr lang="en-US" altLang="ja-JP" sz="1600" dirty="0">
+                <a:solidFill>
+                  <a:srgbClr val="FF0000"/>
+                </a:solidFill>
+                <a:latin typeface="HGS明朝E" panose="02020900000000000000" pitchFamily="18" charset="-128"/>
+                <a:ea typeface="HGS明朝E" panose="02020900000000000000" pitchFamily="18" charset="-128"/>
+              </a:rPr>
+              <a:t>t</a:t>
+            </a:r>
+            <a:r>
+              <a:rPr kumimoji="1" lang="en-US" altLang="ja-JP" sz="1600" dirty="0" smtClean="0">
+                <a:solidFill>
+                  <a:srgbClr val="FF0000"/>
+                </a:solidFill>
+                <a:latin typeface="HGS明朝E" panose="02020900000000000000" pitchFamily="18" charset="-128"/>
+                <a:ea typeface="HGS明朝E" panose="02020900000000000000" pitchFamily="18" charset="-128"/>
+              </a:rPr>
+              <a:t>: 5</a:t>
+            </a:r>
+            <a:endParaRPr kumimoji="1" lang="ja-JP" altLang="en-US" sz="1600" dirty="0">
+              <a:solidFill>
+                <a:srgbClr val="FF0000"/>
+              </a:solidFill>
+              <a:latin typeface="HGS明朝E" panose="02020900000000000000" pitchFamily="18" charset="-128"/>
+              <a:ea typeface="HGS明朝E" panose="02020900000000000000" pitchFamily="18" charset="-128"/>
+            </a:endParaRPr>
+          </a:p>
+        </p:txBody>
+      </p:sp>
+      <p:pic>
+        <p:nvPicPr>
+          <p:cNvPr id="13" name="図 12"/>
+          <p:cNvPicPr>
+            <a:picLocks noChangeAspect="1"/>
+          </p:cNvPicPr>
+          <p:nvPr/>
+        </p:nvPicPr>
+        <p:blipFill>
+          <a:blip r:embed="rId3"/>
+          <a:stretch>
+            <a:fillRect/>
+          </a:stretch>
+        </p:blipFill>
+        <p:spPr>
+          <a:xfrm>
+            <a:off x="5370513" y="3971412"/>
+            <a:ext cx="725487" cy="195089"/>
+          </a:xfrm>
+          <a:prstGeom prst="rect">
+            <a:avLst/>
+          </a:prstGeom>
+        </p:spPr>
+      </p:pic>
+      <p:sp>
+        <p:nvSpPr>
+          <p:cNvPr id="14" name="テキスト ボックス 13"/>
+          <p:cNvSpPr txBox="1"/>
+          <p:nvPr/>
+        </p:nvSpPr>
+        <p:spPr>
+          <a:xfrm>
+            <a:off x="5242960" y="3893575"/>
+            <a:ext cx="1024128" cy="338554"/>
+          </a:xfrm>
+          <a:prstGeom prst="rect">
+            <a:avLst/>
+          </a:prstGeom>
+          <a:noFill/>
+        </p:spPr>
+        <p:txBody>
+          <a:bodyPr wrap="square" rtlCol="0">
+            <a:spAutoFit/>
+          </a:bodyPr>
+          <a:lstStyle/>
+          <a:p>
+            <a:r>
+              <a:rPr lang="ja-JP" altLang="en-US" sz="1600" dirty="0">
+                <a:latin typeface="HGS明朝E" panose="02020900000000000000" pitchFamily="18" charset="-128"/>
+                <a:ea typeface="HGS明朝E" panose="02020900000000000000" pitchFamily="18" charset="-128"/>
+              </a:rPr>
+              <a:t>０</a:t>
+            </a:r>
+            <a:endParaRPr kumimoji="1" lang="ja-JP" altLang="en-US" sz="1600" dirty="0">
+              <a:latin typeface="HGS明朝E" panose="02020900000000000000" pitchFamily="18" charset="-128"/>
+              <a:ea typeface="HGS明朝E" panose="02020900000000000000" pitchFamily="18" charset="-128"/>
+            </a:endParaRPr>
+          </a:p>
+        </p:txBody>
+      </p:sp>
+    </p:spTree>
+    <p:extLst>
+      <p:ext uri="{BB962C8B-B14F-4D97-AF65-F5344CB8AC3E}">
+        <p14:creationId xmlns:p14="http://schemas.microsoft.com/office/powerpoint/2010/main" val="2448246205"/>
+      </p:ext>
+    </p:extLst>
+  </p:cSld>
+  <p:clrMapOvr>
+    <a:masterClrMapping/>
+  </p:clrMapOvr>
+  <p:timing>
+    <p:tnLst>
+      <p:par>
+        <p:cTn id="1" dur="indefinite" restart="never" nodeType="tmRoot"/>
+      </p:par>
+    </p:tnLst>
+  </p:timing>
 </p:sld>
 </file>
 
@@ -4435,6 +5055,13 @@
   <p:clrMapOvr>
     <a:masterClrMapping/>
   </p:clrMapOvr>
+  <p:timing>
+    <p:tnLst>
+      <p:par>
+        <p:cTn id="1" dur="indefinite" restart="never" nodeType="tmRoot"/>
+      </p:par>
+    </p:tnLst>
+  </p:timing>
 </p:sld>
 </file>
 
@@ -4803,6 +5430,13 @@
   <p:clrMapOvr>
     <a:masterClrMapping/>
   </p:clrMapOvr>
+  <p:timing>
+    <p:tnLst>
+      <p:par>
+        <p:cTn id="1" dur="indefinite" restart="never" nodeType="tmRoot"/>
+      </p:par>
+    </p:tnLst>
+  </p:timing>
 </p:sld>
 </file>
 
@@ -5024,6 +5658,13 @@
   <p:clrMapOvr>
     <a:masterClrMapping/>
   </p:clrMapOvr>
+  <p:timing>
+    <p:tnLst>
+      <p:par>
+        <p:cTn id="1" dur="indefinite" restart="never" nodeType="tmRoot"/>
+      </p:par>
+    </p:tnLst>
+  </p:timing>
 </p:sld>
 </file>
 
@@ -5274,6 +5915,13 @@
   <p:clrMapOvr>
     <a:masterClrMapping/>
   </p:clrMapOvr>
+  <p:timing>
+    <p:tnLst>
+      <p:par>
+        <p:cTn id="1" dur="indefinite" restart="never" nodeType="tmRoot"/>
+      </p:par>
+    </p:tnLst>
+  </p:timing>
 </p:sld>
 </file>
 
@@ -5509,6 +6157,13 @@
   <p:clrMapOvr>
     <a:masterClrMapping/>
   </p:clrMapOvr>
+  <p:timing>
+    <p:tnLst>
+      <p:par>
+        <p:cTn id="1" dur="indefinite" restart="never" nodeType="tmRoot"/>
+      </p:par>
+    </p:tnLst>
+  </p:timing>
 </p:sld>
 </file>
 
@@ -5539,7 +6194,12 @@
             <p:ph type="title"/>
           </p:nvPr>
         </p:nvSpPr>
-        <p:spPr/>
+        <p:spPr>
+          <a:xfrm>
+            <a:off x="838200" y="315675"/>
+            <a:ext cx="10515600" cy="1325563"/>
+          </a:xfrm>
+        </p:spPr>
         <p:txBody>
           <a:bodyPr/>
           <a:lstStyle/>
@@ -5566,7 +6226,12 @@
             <p:ph idx="1"/>
           </p:nvPr>
         </p:nvSpPr>
-        <p:spPr/>
+        <p:spPr>
+          <a:xfrm>
+            <a:off x="1170709" y="1690688"/>
+            <a:ext cx="10515600" cy="4351338"/>
+          </a:xfrm>
+        </p:spPr>
         <p:txBody>
           <a:bodyPr/>
           <a:lstStyle/>
@@ -5601,7 +6266,7 @@
         </p:nvSpPr>
         <p:spPr>
           <a:xfrm>
-            <a:off x="2136371" y="3915295"/>
+            <a:off x="2546466" y="3940234"/>
             <a:ext cx="6633556" cy="369332"/>
           </a:xfrm>
           <a:prstGeom prst="rect">
@@ -5633,6 +6298,13 @@
   <p:clrMapOvr>
     <a:masterClrMapping/>
   </p:clrMapOvr>
+  <p:timing>
+    <p:tnLst>
+      <p:par>
+        <p:cTn id="1" dur="indefinite" restart="never" nodeType="tmRoot"/>
+      </p:par>
+    </p:tnLst>
+  </p:timing>
 </p:sld>
 </file>
 
@@ -5670,101 +6342,767 @@
           <a:p>
             <a:r>
               <a:rPr kumimoji="1" lang="ja-JP" altLang="en-US" dirty="0" smtClean="0"/>
-              <a:t>勝利条件　その１</a:t>
+              <a:t>プレイヤーが</a:t>
+            </a:r>
+            <a:r>
+              <a:rPr lang="ja-JP" altLang="en-US" dirty="0" smtClean="0"/>
+              <a:t>１ターンでできること</a:t>
             </a:r>
             <a:endParaRPr kumimoji="1" lang="ja-JP" altLang="en-US" dirty="0"/>
           </a:p>
         </p:txBody>
       </p:sp>
+      <p:graphicFrame>
+        <p:nvGraphicFramePr>
+          <p:cNvPr id="26" name="表 25"/>
+          <p:cNvGraphicFramePr>
+            <a:graphicFrameLocks noGrp="1"/>
+          </p:cNvGraphicFramePr>
+          <p:nvPr>
+            <p:extLst>
+              <p:ext uri="{D42A27DB-BD31-4B8C-83A1-F6EECF244321}">
+                <p14:modId xmlns:p14="http://schemas.microsoft.com/office/powerpoint/2010/main" val="1866828610"/>
+              </p:ext>
+            </p:extLst>
+          </p:nvPr>
+        </p:nvGraphicFramePr>
+        <p:xfrm>
+          <a:off x="8455411" y="1522012"/>
+          <a:ext cx="1463166" cy="1530228"/>
+        </p:xfrm>
+        <a:graphic>
+          <a:graphicData uri="http://schemas.openxmlformats.org/drawingml/2006/table">
+            <a:tbl>
+              <a:tblPr firstRow="1" bandRow="1">
+                <a:tableStyleId>{5C22544A-7EE6-4342-B048-85BDC9FD1C3A}</a:tableStyleId>
+              </a:tblPr>
+              <a:tblGrid>
+                <a:gridCol w="487722">
+                  <a:extLst>
+                    <a:ext uri="{9D8B030D-6E8A-4147-A177-3AD203B41FA5}">
+                      <a16:colId xmlns:a16="http://schemas.microsoft.com/office/drawing/2014/main" val="2712960937"/>
+                    </a:ext>
+                  </a:extLst>
+                </a:gridCol>
+                <a:gridCol w="487722">
+                  <a:extLst>
+                    <a:ext uri="{9D8B030D-6E8A-4147-A177-3AD203B41FA5}">
+                      <a16:colId xmlns:a16="http://schemas.microsoft.com/office/drawing/2014/main" val="1352865225"/>
+                    </a:ext>
+                  </a:extLst>
+                </a:gridCol>
+                <a:gridCol w="487722">
+                  <a:extLst>
+                    <a:ext uri="{9D8B030D-6E8A-4147-A177-3AD203B41FA5}">
+                      <a16:colId xmlns:a16="http://schemas.microsoft.com/office/drawing/2014/main" val="455385180"/>
+                    </a:ext>
+                  </a:extLst>
+                </a:gridCol>
+              </a:tblGrid>
+              <a:tr h="510076">
+                <a:tc>
+                  <a:txBody>
+                    <a:bodyPr/>
+                    <a:lstStyle/>
+                    <a:p>
+                      <a:r>
+                        <a:rPr kumimoji="1" lang="ja-JP" altLang="en-US" dirty="0" smtClean="0">
+                          <a:solidFill>
+                            <a:srgbClr val="00B050"/>
+                          </a:solidFill>
+                          <a:latin typeface="+mn-ea"/>
+                          <a:ea typeface="+mn-ea"/>
+                        </a:rPr>
+                        <a:t>１</a:t>
+                      </a:r>
+                      <a:endParaRPr kumimoji="1" lang="ja-JP" altLang="en-US" dirty="0">
+                        <a:solidFill>
+                          <a:srgbClr val="00B050"/>
+                        </a:solidFill>
+                        <a:latin typeface="+mn-ea"/>
+                        <a:ea typeface="+mn-ea"/>
+                      </a:endParaRPr>
+                    </a:p>
+                  </a:txBody>
+                  <a:tcPr>
+                    <a:lnL w="12700" cap="flat" cmpd="sng" algn="ctr">
+                      <a:solidFill>
+                        <a:schemeClr val="tx1">
+                          <a:lumMod val="95000"/>
+                          <a:lumOff val="5000"/>
+                        </a:schemeClr>
+                      </a:solidFill>
+                      <a:prstDash val="solid"/>
+                      <a:round/>
+                      <a:headEnd type="none" w="med" len="med"/>
+                      <a:tailEnd type="none" w="med" len="med"/>
+                    </a:lnL>
+                    <a:lnR w="12700" cap="flat" cmpd="sng" algn="ctr">
+                      <a:solidFill>
+                        <a:schemeClr val="tx1">
+                          <a:lumMod val="95000"/>
+                          <a:lumOff val="5000"/>
+                        </a:schemeClr>
+                      </a:solidFill>
+                      <a:prstDash val="solid"/>
+                      <a:round/>
+                      <a:headEnd type="none" w="med" len="med"/>
+                      <a:tailEnd type="none" w="med" len="med"/>
+                    </a:lnR>
+                    <a:lnT w="12700" cap="flat" cmpd="sng" algn="ctr">
+                      <a:solidFill>
+                        <a:schemeClr val="tx1">
+                          <a:lumMod val="95000"/>
+                          <a:lumOff val="5000"/>
+                        </a:schemeClr>
+                      </a:solidFill>
+                      <a:prstDash val="solid"/>
+                      <a:round/>
+                      <a:headEnd type="none" w="med" len="med"/>
+                      <a:tailEnd type="none" w="med" len="med"/>
+                    </a:lnT>
+                    <a:lnB w="12700" cap="flat" cmpd="sng" algn="ctr">
+                      <a:solidFill>
+                        <a:schemeClr val="tx1">
+                          <a:lumMod val="95000"/>
+                          <a:lumOff val="5000"/>
+                        </a:schemeClr>
+                      </a:solidFill>
+                      <a:prstDash val="solid"/>
+                      <a:round/>
+                      <a:headEnd type="none" w="med" len="med"/>
+                      <a:tailEnd type="none" w="med" len="med"/>
+                    </a:lnB>
+                    <a:solidFill>
+                      <a:schemeClr val="bg1"/>
+                    </a:solidFill>
+                  </a:tcPr>
+                </a:tc>
+                <a:tc>
+                  <a:txBody>
+                    <a:bodyPr/>
+                    <a:lstStyle/>
+                    <a:p>
+                      <a:r>
+                        <a:rPr kumimoji="1" lang="ja-JP" altLang="en-US" dirty="0" smtClean="0">
+                          <a:solidFill>
+                            <a:srgbClr val="00B050"/>
+                          </a:solidFill>
+                        </a:rPr>
+                        <a:t>２</a:t>
+                      </a:r>
+                      <a:endParaRPr kumimoji="1" lang="ja-JP" altLang="en-US" dirty="0">
+                        <a:solidFill>
+                          <a:srgbClr val="00B050"/>
+                        </a:solidFill>
+                      </a:endParaRPr>
+                    </a:p>
+                  </a:txBody>
+                  <a:tcPr>
+                    <a:lnL w="12700" cap="flat" cmpd="sng" algn="ctr">
+                      <a:solidFill>
+                        <a:schemeClr val="tx1">
+                          <a:lumMod val="95000"/>
+                          <a:lumOff val="5000"/>
+                        </a:schemeClr>
+                      </a:solidFill>
+                      <a:prstDash val="solid"/>
+                      <a:round/>
+                      <a:headEnd type="none" w="med" len="med"/>
+                      <a:tailEnd type="none" w="med" len="med"/>
+                    </a:lnL>
+                    <a:lnR w="12700" cap="flat" cmpd="sng" algn="ctr">
+                      <a:solidFill>
+                        <a:schemeClr val="tx1">
+                          <a:lumMod val="95000"/>
+                          <a:lumOff val="5000"/>
+                        </a:schemeClr>
+                      </a:solidFill>
+                      <a:prstDash val="solid"/>
+                      <a:round/>
+                      <a:headEnd type="none" w="med" len="med"/>
+                      <a:tailEnd type="none" w="med" len="med"/>
+                    </a:lnR>
+                    <a:lnT w="12700" cap="flat" cmpd="sng" algn="ctr">
+                      <a:solidFill>
+                        <a:schemeClr val="tx1">
+                          <a:lumMod val="95000"/>
+                          <a:lumOff val="5000"/>
+                        </a:schemeClr>
+                      </a:solidFill>
+                      <a:prstDash val="solid"/>
+                      <a:round/>
+                      <a:headEnd type="none" w="med" len="med"/>
+                      <a:tailEnd type="none" w="med" len="med"/>
+                    </a:lnT>
+                    <a:lnB w="12700" cap="flat" cmpd="sng" algn="ctr">
+                      <a:solidFill>
+                        <a:schemeClr val="tx1">
+                          <a:lumMod val="95000"/>
+                          <a:lumOff val="5000"/>
+                        </a:schemeClr>
+                      </a:solidFill>
+                      <a:prstDash val="solid"/>
+                      <a:round/>
+                      <a:headEnd type="none" w="med" len="med"/>
+                      <a:tailEnd type="none" w="med" len="med"/>
+                    </a:lnB>
+                    <a:solidFill>
+                      <a:schemeClr val="bg1"/>
+                    </a:solidFill>
+                  </a:tcPr>
+                </a:tc>
+                <a:tc>
+                  <a:txBody>
+                    <a:bodyPr/>
+                    <a:lstStyle/>
+                    <a:p>
+                      <a:r>
+                        <a:rPr kumimoji="1" lang="ja-JP" altLang="en-US" dirty="0" smtClean="0">
+                          <a:solidFill>
+                            <a:srgbClr val="00B050"/>
+                          </a:solidFill>
+                        </a:rPr>
+                        <a:t>３</a:t>
+                      </a:r>
+                      <a:endParaRPr kumimoji="1" lang="ja-JP" altLang="en-US" dirty="0">
+                        <a:solidFill>
+                          <a:srgbClr val="00B050"/>
+                        </a:solidFill>
+                      </a:endParaRPr>
+                    </a:p>
+                  </a:txBody>
+                  <a:tcPr>
+                    <a:lnL w="12700" cap="flat" cmpd="sng" algn="ctr">
+                      <a:solidFill>
+                        <a:schemeClr val="tx1">
+                          <a:lumMod val="95000"/>
+                          <a:lumOff val="5000"/>
+                        </a:schemeClr>
+                      </a:solidFill>
+                      <a:prstDash val="solid"/>
+                      <a:round/>
+                      <a:headEnd type="none" w="med" len="med"/>
+                      <a:tailEnd type="none" w="med" len="med"/>
+                    </a:lnL>
+                    <a:lnR w="12700" cap="flat" cmpd="sng" algn="ctr">
+                      <a:solidFill>
+                        <a:schemeClr val="tx1">
+                          <a:lumMod val="95000"/>
+                          <a:lumOff val="5000"/>
+                        </a:schemeClr>
+                      </a:solidFill>
+                      <a:prstDash val="solid"/>
+                      <a:round/>
+                      <a:headEnd type="none" w="med" len="med"/>
+                      <a:tailEnd type="none" w="med" len="med"/>
+                    </a:lnR>
+                    <a:lnT w="12700" cap="flat" cmpd="sng" algn="ctr">
+                      <a:solidFill>
+                        <a:schemeClr val="tx1">
+                          <a:lumMod val="95000"/>
+                          <a:lumOff val="5000"/>
+                        </a:schemeClr>
+                      </a:solidFill>
+                      <a:prstDash val="solid"/>
+                      <a:round/>
+                      <a:headEnd type="none" w="med" len="med"/>
+                      <a:tailEnd type="none" w="med" len="med"/>
+                    </a:lnT>
+                    <a:lnB w="12700" cap="flat" cmpd="sng" algn="ctr">
+                      <a:solidFill>
+                        <a:schemeClr val="tx1">
+                          <a:lumMod val="95000"/>
+                          <a:lumOff val="5000"/>
+                        </a:schemeClr>
+                      </a:solidFill>
+                      <a:prstDash val="solid"/>
+                      <a:round/>
+                      <a:headEnd type="none" w="med" len="med"/>
+                      <a:tailEnd type="none" w="med" len="med"/>
+                    </a:lnB>
+                    <a:solidFill>
+                      <a:schemeClr val="bg1"/>
+                    </a:solidFill>
+                  </a:tcPr>
+                </a:tc>
+                <a:extLst>
+                  <a:ext uri="{0D108BD9-81ED-4DB2-BD59-A6C34878D82A}">
+                    <a16:rowId xmlns:a16="http://schemas.microsoft.com/office/drawing/2014/main" val="1301424847"/>
+                  </a:ext>
+                </a:extLst>
+              </a:tr>
+              <a:tr h="510076">
+                <a:tc>
+                  <a:txBody>
+                    <a:bodyPr/>
+                    <a:lstStyle/>
+                    <a:p>
+                      <a:r>
+                        <a:rPr kumimoji="1" lang="ja-JP" altLang="en-US" dirty="0" smtClean="0">
+                          <a:solidFill>
+                            <a:srgbClr val="00B050"/>
+                          </a:solidFill>
+                        </a:rPr>
+                        <a:t>４</a:t>
+                      </a:r>
+                      <a:endParaRPr kumimoji="1" lang="ja-JP" altLang="en-US" dirty="0">
+                        <a:solidFill>
+                          <a:srgbClr val="00B050"/>
+                        </a:solidFill>
+                      </a:endParaRPr>
+                    </a:p>
+                  </a:txBody>
+                  <a:tcPr>
+                    <a:lnL w="12700" cap="flat" cmpd="sng" algn="ctr">
+                      <a:solidFill>
+                        <a:schemeClr val="tx1">
+                          <a:lumMod val="95000"/>
+                          <a:lumOff val="5000"/>
+                        </a:schemeClr>
+                      </a:solidFill>
+                      <a:prstDash val="solid"/>
+                      <a:round/>
+                      <a:headEnd type="none" w="med" len="med"/>
+                      <a:tailEnd type="none" w="med" len="med"/>
+                    </a:lnL>
+                    <a:lnR w="12700" cap="flat" cmpd="sng" algn="ctr">
+                      <a:solidFill>
+                        <a:schemeClr val="tx1">
+                          <a:lumMod val="95000"/>
+                          <a:lumOff val="5000"/>
+                        </a:schemeClr>
+                      </a:solidFill>
+                      <a:prstDash val="solid"/>
+                      <a:round/>
+                      <a:headEnd type="none" w="med" len="med"/>
+                      <a:tailEnd type="none" w="med" len="med"/>
+                    </a:lnR>
+                    <a:lnT w="12700" cap="flat" cmpd="sng" algn="ctr">
+                      <a:solidFill>
+                        <a:schemeClr val="tx1">
+                          <a:lumMod val="95000"/>
+                          <a:lumOff val="5000"/>
+                        </a:schemeClr>
+                      </a:solidFill>
+                      <a:prstDash val="solid"/>
+                      <a:round/>
+                      <a:headEnd type="none" w="med" len="med"/>
+                      <a:tailEnd type="none" w="med" len="med"/>
+                    </a:lnT>
+                    <a:lnB w="12700" cap="flat" cmpd="sng" algn="ctr">
+                      <a:solidFill>
+                        <a:schemeClr val="tx1">
+                          <a:lumMod val="95000"/>
+                          <a:lumOff val="5000"/>
+                        </a:schemeClr>
+                      </a:solidFill>
+                      <a:prstDash val="solid"/>
+                      <a:round/>
+                      <a:headEnd type="none" w="med" len="med"/>
+                      <a:tailEnd type="none" w="med" len="med"/>
+                    </a:lnB>
+                    <a:solidFill>
+                      <a:schemeClr val="bg1"/>
+                    </a:solidFill>
+                  </a:tcPr>
+                </a:tc>
+                <a:tc>
+                  <a:txBody>
+                    <a:bodyPr/>
+                    <a:lstStyle/>
+                    <a:p>
+                      <a:endParaRPr kumimoji="1" lang="ja-JP" altLang="en-US" dirty="0">
+                        <a:solidFill>
+                          <a:srgbClr val="00B050"/>
+                        </a:solidFill>
+                      </a:endParaRPr>
+                    </a:p>
+                  </a:txBody>
+                  <a:tcPr>
+                    <a:lnL w="12700" cap="flat" cmpd="sng" algn="ctr">
+                      <a:solidFill>
+                        <a:schemeClr val="tx1">
+                          <a:lumMod val="95000"/>
+                          <a:lumOff val="5000"/>
+                        </a:schemeClr>
+                      </a:solidFill>
+                      <a:prstDash val="solid"/>
+                      <a:round/>
+                      <a:headEnd type="none" w="med" len="med"/>
+                      <a:tailEnd type="none" w="med" len="med"/>
+                    </a:lnL>
+                    <a:lnR w="12700" cap="flat" cmpd="sng" algn="ctr">
+                      <a:solidFill>
+                        <a:schemeClr val="tx1">
+                          <a:lumMod val="95000"/>
+                          <a:lumOff val="5000"/>
+                        </a:schemeClr>
+                      </a:solidFill>
+                      <a:prstDash val="solid"/>
+                      <a:round/>
+                      <a:headEnd type="none" w="med" len="med"/>
+                      <a:tailEnd type="none" w="med" len="med"/>
+                    </a:lnR>
+                    <a:lnT w="12700" cap="flat" cmpd="sng" algn="ctr">
+                      <a:solidFill>
+                        <a:schemeClr val="tx1">
+                          <a:lumMod val="95000"/>
+                          <a:lumOff val="5000"/>
+                        </a:schemeClr>
+                      </a:solidFill>
+                      <a:prstDash val="solid"/>
+                      <a:round/>
+                      <a:headEnd type="none" w="med" len="med"/>
+                      <a:tailEnd type="none" w="med" len="med"/>
+                    </a:lnT>
+                    <a:lnB w="12700" cap="flat" cmpd="sng" algn="ctr">
+                      <a:solidFill>
+                        <a:schemeClr val="tx1">
+                          <a:lumMod val="95000"/>
+                          <a:lumOff val="5000"/>
+                        </a:schemeClr>
+                      </a:solidFill>
+                      <a:prstDash val="solid"/>
+                      <a:round/>
+                      <a:headEnd type="none" w="med" len="med"/>
+                      <a:tailEnd type="none" w="med" len="med"/>
+                    </a:lnB>
+                    <a:solidFill>
+                      <a:schemeClr val="bg1"/>
+                    </a:solidFill>
+                  </a:tcPr>
+                </a:tc>
+                <a:tc>
+                  <a:txBody>
+                    <a:bodyPr/>
+                    <a:lstStyle/>
+                    <a:p>
+                      <a:r>
+                        <a:rPr kumimoji="1" lang="ja-JP" altLang="en-US" dirty="0" smtClean="0">
+                          <a:solidFill>
+                            <a:srgbClr val="00B050"/>
+                          </a:solidFill>
+                        </a:rPr>
+                        <a:t>６</a:t>
+                      </a:r>
+                      <a:endParaRPr kumimoji="1" lang="ja-JP" altLang="en-US" dirty="0">
+                        <a:solidFill>
+                          <a:srgbClr val="00B050"/>
+                        </a:solidFill>
+                      </a:endParaRPr>
+                    </a:p>
+                  </a:txBody>
+                  <a:tcPr>
+                    <a:lnL w="12700" cap="flat" cmpd="sng" algn="ctr">
+                      <a:solidFill>
+                        <a:schemeClr val="tx1">
+                          <a:lumMod val="95000"/>
+                          <a:lumOff val="5000"/>
+                        </a:schemeClr>
+                      </a:solidFill>
+                      <a:prstDash val="solid"/>
+                      <a:round/>
+                      <a:headEnd type="none" w="med" len="med"/>
+                      <a:tailEnd type="none" w="med" len="med"/>
+                    </a:lnL>
+                    <a:lnR w="12700" cap="flat" cmpd="sng" algn="ctr">
+                      <a:solidFill>
+                        <a:schemeClr val="tx1">
+                          <a:lumMod val="95000"/>
+                          <a:lumOff val="5000"/>
+                        </a:schemeClr>
+                      </a:solidFill>
+                      <a:prstDash val="solid"/>
+                      <a:round/>
+                      <a:headEnd type="none" w="med" len="med"/>
+                      <a:tailEnd type="none" w="med" len="med"/>
+                    </a:lnR>
+                    <a:lnT w="12700" cap="flat" cmpd="sng" algn="ctr">
+                      <a:solidFill>
+                        <a:schemeClr val="tx1">
+                          <a:lumMod val="95000"/>
+                          <a:lumOff val="5000"/>
+                        </a:schemeClr>
+                      </a:solidFill>
+                      <a:prstDash val="solid"/>
+                      <a:round/>
+                      <a:headEnd type="none" w="med" len="med"/>
+                      <a:tailEnd type="none" w="med" len="med"/>
+                    </a:lnT>
+                    <a:lnB w="12700" cap="flat" cmpd="sng" algn="ctr">
+                      <a:solidFill>
+                        <a:schemeClr val="tx1">
+                          <a:lumMod val="95000"/>
+                          <a:lumOff val="5000"/>
+                        </a:schemeClr>
+                      </a:solidFill>
+                      <a:prstDash val="solid"/>
+                      <a:round/>
+                      <a:headEnd type="none" w="med" len="med"/>
+                      <a:tailEnd type="none" w="med" len="med"/>
+                    </a:lnB>
+                    <a:solidFill>
+                      <a:schemeClr val="bg1"/>
+                    </a:solidFill>
+                  </a:tcPr>
+                </a:tc>
+                <a:extLst>
+                  <a:ext uri="{0D108BD9-81ED-4DB2-BD59-A6C34878D82A}">
+                    <a16:rowId xmlns:a16="http://schemas.microsoft.com/office/drawing/2014/main" val="3667364987"/>
+                  </a:ext>
+                </a:extLst>
+              </a:tr>
+              <a:tr h="510076">
+                <a:tc>
+                  <a:txBody>
+                    <a:bodyPr/>
+                    <a:lstStyle/>
+                    <a:p>
+                      <a:r>
+                        <a:rPr kumimoji="1" lang="ja-JP" altLang="en-US" dirty="0" smtClean="0">
+                          <a:solidFill>
+                            <a:srgbClr val="00B050"/>
+                          </a:solidFill>
+                        </a:rPr>
+                        <a:t>７</a:t>
+                      </a:r>
+                      <a:endParaRPr kumimoji="1" lang="ja-JP" altLang="en-US" dirty="0">
+                        <a:solidFill>
+                          <a:srgbClr val="00B050"/>
+                        </a:solidFill>
+                      </a:endParaRPr>
+                    </a:p>
+                  </a:txBody>
+                  <a:tcPr>
+                    <a:lnL w="12700" cap="flat" cmpd="sng" algn="ctr">
+                      <a:solidFill>
+                        <a:schemeClr val="tx1">
+                          <a:lumMod val="95000"/>
+                          <a:lumOff val="5000"/>
+                        </a:schemeClr>
+                      </a:solidFill>
+                      <a:prstDash val="solid"/>
+                      <a:round/>
+                      <a:headEnd type="none" w="med" len="med"/>
+                      <a:tailEnd type="none" w="med" len="med"/>
+                    </a:lnL>
+                    <a:lnR w="12700" cap="flat" cmpd="sng" algn="ctr">
+                      <a:solidFill>
+                        <a:schemeClr val="tx1">
+                          <a:lumMod val="95000"/>
+                          <a:lumOff val="5000"/>
+                        </a:schemeClr>
+                      </a:solidFill>
+                      <a:prstDash val="solid"/>
+                      <a:round/>
+                      <a:headEnd type="none" w="med" len="med"/>
+                      <a:tailEnd type="none" w="med" len="med"/>
+                    </a:lnR>
+                    <a:lnT w="12700" cap="flat" cmpd="sng" algn="ctr">
+                      <a:solidFill>
+                        <a:schemeClr val="tx1">
+                          <a:lumMod val="95000"/>
+                          <a:lumOff val="5000"/>
+                        </a:schemeClr>
+                      </a:solidFill>
+                      <a:prstDash val="solid"/>
+                      <a:round/>
+                      <a:headEnd type="none" w="med" len="med"/>
+                      <a:tailEnd type="none" w="med" len="med"/>
+                    </a:lnT>
+                    <a:lnB w="12700" cap="flat" cmpd="sng" algn="ctr">
+                      <a:solidFill>
+                        <a:schemeClr val="tx1">
+                          <a:lumMod val="95000"/>
+                          <a:lumOff val="5000"/>
+                        </a:schemeClr>
+                      </a:solidFill>
+                      <a:prstDash val="solid"/>
+                      <a:round/>
+                      <a:headEnd type="none" w="med" len="med"/>
+                      <a:tailEnd type="none" w="med" len="med"/>
+                    </a:lnB>
+                    <a:solidFill>
+                      <a:schemeClr val="bg1"/>
+                    </a:solidFill>
+                  </a:tcPr>
+                </a:tc>
+                <a:tc>
+                  <a:txBody>
+                    <a:bodyPr/>
+                    <a:lstStyle/>
+                    <a:p>
+                      <a:r>
+                        <a:rPr kumimoji="1" lang="ja-JP" altLang="en-US" dirty="0" smtClean="0">
+                          <a:solidFill>
+                            <a:srgbClr val="00B050"/>
+                          </a:solidFill>
+                        </a:rPr>
+                        <a:t>８</a:t>
+                      </a:r>
+                      <a:endParaRPr kumimoji="1" lang="ja-JP" altLang="en-US" dirty="0">
+                        <a:solidFill>
+                          <a:srgbClr val="00B050"/>
+                        </a:solidFill>
+                      </a:endParaRPr>
+                    </a:p>
+                  </a:txBody>
+                  <a:tcPr>
+                    <a:lnL w="12700" cap="flat" cmpd="sng" algn="ctr">
+                      <a:solidFill>
+                        <a:schemeClr val="tx1">
+                          <a:lumMod val="95000"/>
+                          <a:lumOff val="5000"/>
+                        </a:schemeClr>
+                      </a:solidFill>
+                      <a:prstDash val="solid"/>
+                      <a:round/>
+                      <a:headEnd type="none" w="med" len="med"/>
+                      <a:tailEnd type="none" w="med" len="med"/>
+                    </a:lnL>
+                    <a:lnR w="12700" cap="flat" cmpd="sng" algn="ctr">
+                      <a:solidFill>
+                        <a:schemeClr val="tx1">
+                          <a:lumMod val="95000"/>
+                          <a:lumOff val="5000"/>
+                        </a:schemeClr>
+                      </a:solidFill>
+                      <a:prstDash val="solid"/>
+                      <a:round/>
+                      <a:headEnd type="none" w="med" len="med"/>
+                      <a:tailEnd type="none" w="med" len="med"/>
+                    </a:lnR>
+                    <a:lnT w="12700" cap="flat" cmpd="sng" algn="ctr">
+                      <a:solidFill>
+                        <a:schemeClr val="tx1">
+                          <a:lumMod val="95000"/>
+                          <a:lumOff val="5000"/>
+                        </a:schemeClr>
+                      </a:solidFill>
+                      <a:prstDash val="solid"/>
+                      <a:round/>
+                      <a:headEnd type="none" w="med" len="med"/>
+                      <a:tailEnd type="none" w="med" len="med"/>
+                    </a:lnT>
+                    <a:lnB w="12700" cap="flat" cmpd="sng" algn="ctr">
+                      <a:solidFill>
+                        <a:schemeClr val="tx1">
+                          <a:lumMod val="95000"/>
+                          <a:lumOff val="5000"/>
+                        </a:schemeClr>
+                      </a:solidFill>
+                      <a:prstDash val="solid"/>
+                      <a:round/>
+                      <a:headEnd type="none" w="med" len="med"/>
+                      <a:tailEnd type="none" w="med" len="med"/>
+                    </a:lnB>
+                    <a:solidFill>
+                      <a:schemeClr val="bg1"/>
+                    </a:solidFill>
+                  </a:tcPr>
+                </a:tc>
+                <a:tc>
+                  <a:txBody>
+                    <a:bodyPr/>
+                    <a:lstStyle/>
+                    <a:p>
+                      <a:r>
+                        <a:rPr kumimoji="1" lang="ja-JP" altLang="en-US" dirty="0" smtClean="0">
+                          <a:solidFill>
+                            <a:srgbClr val="00B050"/>
+                          </a:solidFill>
+                        </a:rPr>
+                        <a:t>９</a:t>
+                      </a:r>
+                      <a:endParaRPr kumimoji="1" lang="ja-JP" altLang="en-US" dirty="0">
+                        <a:solidFill>
+                          <a:srgbClr val="00B050"/>
+                        </a:solidFill>
+                      </a:endParaRPr>
+                    </a:p>
+                  </a:txBody>
+                  <a:tcPr>
+                    <a:lnL w="12700" cap="flat" cmpd="sng" algn="ctr">
+                      <a:solidFill>
+                        <a:schemeClr val="tx1">
+                          <a:lumMod val="95000"/>
+                          <a:lumOff val="5000"/>
+                        </a:schemeClr>
+                      </a:solidFill>
+                      <a:prstDash val="solid"/>
+                      <a:round/>
+                      <a:headEnd type="none" w="med" len="med"/>
+                      <a:tailEnd type="none" w="med" len="med"/>
+                    </a:lnL>
+                    <a:lnR w="12700" cap="flat" cmpd="sng" algn="ctr">
+                      <a:solidFill>
+                        <a:schemeClr val="tx1">
+                          <a:lumMod val="95000"/>
+                          <a:lumOff val="5000"/>
+                        </a:schemeClr>
+                      </a:solidFill>
+                      <a:prstDash val="solid"/>
+                      <a:round/>
+                      <a:headEnd type="none" w="med" len="med"/>
+                      <a:tailEnd type="none" w="med" len="med"/>
+                    </a:lnR>
+                    <a:lnT w="12700" cap="flat" cmpd="sng" algn="ctr">
+                      <a:solidFill>
+                        <a:schemeClr val="tx1">
+                          <a:lumMod val="95000"/>
+                          <a:lumOff val="5000"/>
+                        </a:schemeClr>
+                      </a:solidFill>
+                      <a:prstDash val="solid"/>
+                      <a:round/>
+                      <a:headEnd type="none" w="med" len="med"/>
+                      <a:tailEnd type="none" w="med" len="med"/>
+                    </a:lnT>
+                    <a:lnB w="12700" cap="flat" cmpd="sng" algn="ctr">
+                      <a:solidFill>
+                        <a:schemeClr val="tx1">
+                          <a:lumMod val="95000"/>
+                          <a:lumOff val="5000"/>
+                        </a:schemeClr>
+                      </a:solidFill>
+                      <a:prstDash val="solid"/>
+                      <a:round/>
+                      <a:headEnd type="none" w="med" len="med"/>
+                      <a:tailEnd type="none" w="med" len="med"/>
+                    </a:lnB>
+                    <a:solidFill>
+                      <a:schemeClr val="bg1"/>
+                    </a:solidFill>
+                  </a:tcPr>
+                </a:tc>
+                <a:extLst>
+                  <a:ext uri="{0D108BD9-81ED-4DB2-BD59-A6C34878D82A}">
+                    <a16:rowId xmlns:a16="http://schemas.microsoft.com/office/drawing/2014/main" val="2169824223"/>
+                  </a:ext>
+                </a:extLst>
+              </a:tr>
+            </a:tbl>
+          </a:graphicData>
+        </a:graphic>
+      </p:graphicFrame>
       <p:pic>
         <p:nvPicPr>
-          <p:cNvPr id="4" name="コンテンツ プレースホルダー 3"/>
-          <p:cNvPicPr>
-            <a:picLocks noGrp="1" noChangeAspect="1"/>
-          </p:cNvPicPr>
-          <p:nvPr>
-            <p:ph idx="1"/>
-          </p:nvPr>
-        </p:nvPicPr>
-        <p:blipFill rotWithShape="1">
-          <a:blip r:embed="rId2"/>
-          <a:srcRect l="189" r="-189" b="69860"/>
-          <a:stretch/>
-        </p:blipFill>
-        <p:spPr>
-          <a:xfrm>
-            <a:off x="2914607" y="1690688"/>
-            <a:ext cx="6362783" cy="1688659"/>
-          </a:xfrm>
-          <a:prstGeom prst="rect">
-            <a:avLst/>
-          </a:prstGeom>
-        </p:spPr>
-      </p:pic>
-      <p:sp>
-        <p:nvSpPr>
-          <p:cNvPr id="6" name="正方形/長方形 5"/>
-          <p:cNvSpPr/>
-          <p:nvPr/>
-        </p:nvSpPr>
-        <p:spPr>
-          <a:xfrm>
-            <a:off x="2787343" y="1862460"/>
-            <a:ext cx="911820" cy="240249"/>
-          </a:xfrm>
-          <a:prstGeom prst="rect">
-            <a:avLst/>
-          </a:prstGeom>
-          <a:noFill/>
-          <a:ln w="28575">
-            <a:solidFill>
-              <a:srgbClr val="FF0000"/>
-            </a:solidFill>
-          </a:ln>
-        </p:spPr>
-        <p:style>
-          <a:lnRef idx="2">
-            <a:schemeClr val="accent1">
-              <a:shade val="50000"/>
-            </a:schemeClr>
-          </a:lnRef>
-          <a:fillRef idx="1">
-            <a:schemeClr val="accent1"/>
-          </a:fillRef>
-          <a:effectRef idx="0">
-            <a:schemeClr val="accent1"/>
-          </a:effectRef>
-          <a:fontRef idx="minor">
-            <a:schemeClr val="lt1"/>
-          </a:fontRef>
-        </p:style>
-        <p:txBody>
-          <a:bodyPr rtlCol="0" anchor="ctr"/>
-          <a:lstStyle/>
-          <a:p>
-            <a:pPr algn="ctr"/>
-            <a:endParaRPr kumimoji="1" lang="ja-JP" altLang="en-US"/>
-          </a:p>
-        </p:txBody>
-      </p:sp>
-      <p:pic>
-        <p:nvPicPr>
-          <p:cNvPr id="7" name="図 6"/>
+          <p:cNvPr id="18" name="図 17"/>
           <p:cNvPicPr>
             <a:picLocks noChangeAspect="1"/>
           </p:cNvPicPr>
           <p:nvPr/>
         </p:nvPicPr>
-        <p:blipFill>
-          <a:blip r:embed="rId3"/>
-          <a:stretch>
-            <a:fillRect/>
-          </a:stretch>
+        <p:blipFill rotWithShape="1">
+          <a:blip r:embed="rId2"/>
+          <a:srcRect l="35040" t="33422" r="32803" b="32930"/>
+          <a:stretch/>
         </p:blipFill>
         <p:spPr>
           <a:xfrm>
-            <a:off x="8117337" y="1862460"/>
-            <a:ext cx="944962" cy="256054"/>
+            <a:off x="8951735" y="2029673"/>
+            <a:ext cx="470517" cy="514906"/>
           </a:xfrm>
           <a:prstGeom prst="rect">
             <a:avLst/>
@@ -5773,14 +7111,14 @@
       </p:pic>
       <p:sp>
         <p:nvSpPr>
-          <p:cNvPr id="11" name="テキスト ボックス 10"/>
+          <p:cNvPr id="28" name="テキスト ボックス 27"/>
           <p:cNvSpPr txBox="1"/>
           <p:nvPr/>
         </p:nvSpPr>
         <p:spPr>
           <a:xfrm>
-            <a:off x="2679467" y="4258937"/>
-            <a:ext cx="6833062" cy="646331"/>
+            <a:off x="838200" y="1769707"/>
+            <a:ext cx="6592410" cy="400110"/>
           </a:xfrm>
           <a:prstGeom prst="rect">
             <a:avLst/>
@@ -5794,23 +7132,43 @@
           <a:lstStyle/>
           <a:p>
             <a:r>
-              <a:rPr kumimoji="1" lang="ja-JP" altLang="en-US" sz="3600" dirty="0" smtClean="0"/>
-              <a:t>ハートを相手より多く獲得する</a:t>
-            </a:r>
-            <a:endParaRPr kumimoji="1" lang="ja-JP" altLang="en-US" sz="3600" dirty="0"/>
-          </a:p>
-        </p:txBody>
-      </p:sp>
-      <p:sp>
-        <p:nvSpPr>
-          <p:cNvPr id="12" name="テキスト ボックス 11"/>
+              <a:rPr kumimoji="1" lang="en-US" altLang="ja-JP" sz="2000" dirty="0" smtClean="0"/>
+              <a:t>1. </a:t>
+            </a:r>
+            <a:r>
+              <a:rPr kumimoji="1" lang="ja-JP" altLang="en-US" sz="2000" dirty="0" smtClean="0"/>
+              <a:t>プレイヤーの周囲</a:t>
+            </a:r>
+            <a:r>
+              <a:rPr kumimoji="1" lang="en-US" altLang="ja-JP" sz="2000" dirty="0" smtClean="0"/>
+              <a:t>8</a:t>
+            </a:r>
+            <a:r>
+              <a:rPr kumimoji="1" lang="ja-JP" altLang="en-US" sz="2000" dirty="0" smtClean="0"/>
+              <a:t>マスの情報を受け取り</a:t>
+            </a:r>
+            <a:r>
+              <a:rPr lang="ja-JP" altLang="en-US" sz="2000" dirty="0" smtClean="0"/>
+              <a:t>ま</a:t>
+            </a:r>
+            <a:r>
+              <a:rPr lang="ja-JP" altLang="en-US" sz="2000" dirty="0"/>
+              <a:t>す</a:t>
+            </a:r>
+            <a:endParaRPr kumimoji="1" lang="ja-JP" altLang="en-US" sz="2000" dirty="0"/>
+          </a:p>
+        </p:txBody>
+      </p:sp>
+      <p:sp>
+        <p:nvSpPr>
+          <p:cNvPr id="29" name="テキスト ボックス 28"/>
           <p:cNvSpPr txBox="1"/>
           <p:nvPr/>
         </p:nvSpPr>
         <p:spPr>
           <a:xfrm>
-            <a:off x="4490299" y="3900664"/>
-            <a:ext cx="3807229" cy="369332"/>
+            <a:off x="838200" y="3222595"/>
+            <a:ext cx="6938639" cy="400110"/>
           </a:xfrm>
           <a:prstGeom prst="rect">
             <a:avLst/>
@@ -5824,23 +7182,34 @@
           <a:lstStyle/>
           <a:p>
             <a:r>
-              <a:rPr lang="ja-JP" altLang="en-US" dirty="0" smtClean="0"/>
-              <a:t>残りターンが０になったとき</a:t>
-            </a:r>
-            <a:endParaRPr kumimoji="1" lang="ja-JP" altLang="en-US" dirty="0"/>
+              <a:rPr kumimoji="1" lang="en-US" altLang="ja-JP" sz="2000" dirty="0" smtClean="0"/>
+              <a:t>2. </a:t>
+            </a:r>
+            <a:r>
+              <a:rPr kumimoji="1" lang="ja-JP" altLang="en-US" sz="2000" dirty="0" smtClean="0"/>
+              <a:t>動くか、さらに周囲を見るか、壁を置くことができます</a:t>
+            </a:r>
+            <a:endParaRPr kumimoji="1" lang="ja-JP" altLang="en-US" sz="2000" dirty="0"/>
           </a:p>
         </p:txBody>
       </p:sp>
     </p:spTree>
     <p:extLst>
       <p:ext uri="{BB962C8B-B14F-4D97-AF65-F5344CB8AC3E}">
-        <p14:creationId xmlns:p14="http://schemas.microsoft.com/office/powerpoint/2010/main" val="1462779022"/>
+        <p14:creationId xmlns:p14="http://schemas.microsoft.com/office/powerpoint/2010/main" val="3687528902"/>
       </p:ext>
     </p:extLst>
   </p:cSld>
   <p:clrMapOvr>
     <a:masterClrMapping/>
   </p:clrMapOvr>
+  <p:timing>
+    <p:tnLst>
+      <p:par>
+        <p:cTn id="1" dur="indefinite" restart="never" nodeType="tmRoot"/>
+      </p:par>
+    </p:tnLst>
+  </p:timing>
 </p:sld>
 </file>
 
@@ -5878,7 +7247,7 @@
           <a:p>
             <a:r>
               <a:rPr kumimoji="1" lang="ja-JP" altLang="en-US" dirty="0" smtClean="0"/>
-              <a:t>勝利条件　その２</a:t>
+              <a:t>勝利条件　その１</a:t>
             </a:r>
             <a:endParaRPr kumimoji="1" lang="ja-JP" altLang="en-US" dirty="0"/>
           </a:p>
@@ -5886,69 +7255,23 @@
       </p:sp>
       <p:pic>
         <p:nvPicPr>
-          <p:cNvPr id="8" name="図 7"/>
+          <p:cNvPr id="4" name="コンテンツ プレースホルダー 3"/>
           <p:cNvPicPr>
-            <a:picLocks noChangeAspect="1"/>
+            <a:picLocks noGrp="1" noChangeAspect="1"/>
           </p:cNvPicPr>
-          <p:nvPr/>
-        </p:nvPicPr>
-        <p:blipFill>
-          <a:blip r:embed="rId2"/>
-          <a:stretch>
-            <a:fillRect/>
-          </a:stretch>
-        </p:blipFill>
-        <p:spPr>
-          <a:xfrm>
-            <a:off x="7422150" y="1709488"/>
-            <a:ext cx="2103752" cy="2152225"/>
-          </a:xfrm>
-          <a:prstGeom prst="rect">
-            <a:avLst/>
-          </a:prstGeom>
-        </p:spPr>
-      </p:pic>
-      <p:pic>
-        <p:nvPicPr>
-          <p:cNvPr id="9" name="図 8"/>
-          <p:cNvPicPr>
-            <a:picLocks noChangeAspect="1"/>
-          </p:cNvPicPr>
-          <p:nvPr/>
-        </p:nvPicPr>
-        <p:blipFill>
-          <a:blip r:embed="rId3"/>
-          <a:stretch>
-            <a:fillRect/>
-          </a:stretch>
-        </p:blipFill>
-        <p:spPr>
-          <a:xfrm>
-            <a:off x="2316890" y="1690688"/>
-            <a:ext cx="2103302" cy="2158171"/>
-          </a:xfrm>
-          <a:prstGeom prst="rect">
-            <a:avLst/>
-          </a:prstGeom>
-        </p:spPr>
-      </p:pic>
-      <p:pic>
-        <p:nvPicPr>
-          <p:cNvPr id="10" name="図 9"/>
-          <p:cNvPicPr>
-            <a:picLocks noChangeAspect="1"/>
-          </p:cNvPicPr>
-          <p:nvPr/>
+          <p:nvPr>
+            <p:ph idx="1"/>
+          </p:nvPr>
         </p:nvPicPr>
         <p:blipFill rotWithShape="1">
-          <a:blip r:embed="rId4"/>
-          <a:srcRect l="31892" t="32226" r="31711" b="32226"/>
+          <a:blip r:embed="rId2"/>
+          <a:srcRect l="189" r="-189" b="69860"/>
           <a:stretch/>
         </p:blipFill>
         <p:spPr>
           <a:xfrm>
-            <a:off x="2984269" y="2401329"/>
-            <a:ext cx="768544" cy="768542"/>
+            <a:off x="2787343" y="1690688"/>
+            <a:ext cx="6362783" cy="1688659"/>
           </a:xfrm>
           <a:prstGeom prst="rect">
             <a:avLst/>
@@ -5957,21 +7280,24 @@
       </p:pic>
       <p:sp>
         <p:nvSpPr>
-          <p:cNvPr id="14" name="右矢印 13"/>
+          <p:cNvPr id="6" name="正方形/長方形 5"/>
           <p:cNvSpPr/>
           <p:nvPr/>
         </p:nvSpPr>
         <p:spPr>
           <a:xfrm>
-            <a:off x="4744920" y="2442441"/>
-            <a:ext cx="2352502" cy="943110"/>
-          </a:xfrm>
-          <a:prstGeom prst="rightArrow">
-            <a:avLst/>
-          </a:prstGeom>
-          <a:solidFill>
-            <a:srgbClr val="FFFF00"/>
-          </a:solidFill>
+            <a:off x="2787343" y="1862460"/>
+            <a:ext cx="911820" cy="240249"/>
+          </a:xfrm>
+          <a:prstGeom prst="rect">
+            <a:avLst/>
+          </a:prstGeom>
+          <a:noFill/>
+          <a:ln w="28575">
+            <a:solidFill>
+              <a:srgbClr val="FF0000"/>
+            </a:solidFill>
+          </a:ln>
         </p:spPr>
         <p:style>
           <a:lnRef idx="2">
@@ -5998,16 +7324,40 @@
           </a:p>
         </p:txBody>
       </p:sp>
-      <p:sp>
-        <p:nvSpPr>
-          <p:cNvPr id="16" name="テキスト ボックス 15"/>
+      <p:pic>
+        <p:nvPicPr>
+          <p:cNvPr id="7" name="図 6"/>
+          <p:cNvPicPr>
+            <a:picLocks noChangeAspect="1"/>
+          </p:cNvPicPr>
+          <p:nvPr/>
+        </p:nvPicPr>
+        <p:blipFill>
+          <a:blip r:embed="rId3"/>
+          <a:stretch>
+            <a:fillRect/>
+          </a:stretch>
+        </p:blipFill>
+        <p:spPr>
+          <a:xfrm>
+            <a:off x="8117337" y="1862460"/>
+            <a:ext cx="944962" cy="256054"/>
+          </a:xfrm>
+          <a:prstGeom prst="rect">
+            <a:avLst/>
+          </a:prstGeom>
+        </p:spPr>
+      </p:pic>
+      <p:sp>
+        <p:nvSpPr>
+          <p:cNvPr id="11" name="テキスト ボックス 10"/>
           <p:cNvSpPr txBox="1"/>
           <p:nvPr/>
         </p:nvSpPr>
         <p:spPr>
           <a:xfrm>
-            <a:off x="2565182" y="4003687"/>
-            <a:ext cx="1606717" cy="369332"/>
+            <a:off x="2679467" y="4258937"/>
+            <a:ext cx="6833062" cy="646331"/>
           </a:xfrm>
           <a:prstGeom prst="rect">
             <a:avLst/>
@@ -6021,31 +7371,23 @@
           <a:lstStyle/>
           <a:p>
             <a:r>
-              <a:rPr lang="en-US" altLang="ja-JP" dirty="0" smtClean="0"/>
-              <a:t>H</a:t>
-            </a:r>
-            <a:r>
-              <a:rPr kumimoji="1" lang="en-US" altLang="ja-JP" dirty="0" smtClean="0"/>
-              <a:t>ot</a:t>
-            </a:r>
-            <a:r>
-              <a:rPr kumimoji="1" lang="ja-JP" altLang="en-US" dirty="0" smtClean="0"/>
-              <a:t>が・・・</a:t>
-            </a:r>
-            <a:endParaRPr kumimoji="1" lang="ja-JP" altLang="en-US" dirty="0"/>
-          </a:p>
-        </p:txBody>
-      </p:sp>
-      <p:sp>
-        <p:nvSpPr>
-          <p:cNvPr id="17" name="テキスト ボックス 16"/>
+              <a:rPr kumimoji="1" lang="ja-JP" altLang="en-US" sz="3600" dirty="0" smtClean="0"/>
+              <a:t>ハートを相手より多く獲得する</a:t>
+            </a:r>
+            <a:endParaRPr kumimoji="1" lang="ja-JP" altLang="en-US" sz="3600" dirty="0"/>
+          </a:p>
+        </p:txBody>
+      </p:sp>
+      <p:sp>
+        <p:nvSpPr>
+          <p:cNvPr id="12" name="テキスト ボックス 11"/>
           <p:cNvSpPr txBox="1"/>
           <p:nvPr/>
         </p:nvSpPr>
         <p:spPr>
           <a:xfrm>
-            <a:off x="7811983" y="4003687"/>
-            <a:ext cx="1606717" cy="369332"/>
+            <a:off x="4490299" y="3900664"/>
+            <a:ext cx="3807229" cy="369332"/>
           </a:xfrm>
           <a:prstGeom prst="rect">
             <a:avLst/>
@@ -6059,65 +7401,30 @@
           <a:lstStyle/>
           <a:p>
             <a:r>
-              <a:rPr lang="ja-JP" altLang="en-US" dirty="0"/>
-              <a:t>壁</a:t>
-            </a:r>
-            <a:r>
               <a:rPr lang="ja-JP" altLang="en-US" dirty="0" smtClean="0"/>
-              <a:t>を</a:t>
-            </a:r>
-            <a:r>
-              <a:rPr lang="ja-JP" altLang="en-US" dirty="0"/>
-              <a:t>置</a:t>
-            </a:r>
-            <a:r>
-              <a:rPr lang="ja-JP" altLang="en-US" dirty="0" smtClean="0"/>
-              <a:t>いた</a:t>
+              <a:t>残りターンが０になったとき</a:t>
             </a:r>
             <a:endParaRPr kumimoji="1" lang="ja-JP" altLang="en-US" dirty="0"/>
-          </a:p>
-        </p:txBody>
-      </p:sp>
-      <p:sp>
-        <p:nvSpPr>
-          <p:cNvPr id="18" name="テキスト ボックス 17"/>
-          <p:cNvSpPr txBox="1"/>
-          <p:nvPr/>
-        </p:nvSpPr>
-        <p:spPr>
-          <a:xfrm>
-            <a:off x="3764842" y="4789701"/>
-            <a:ext cx="4312658" cy="769441"/>
-          </a:xfrm>
-          <a:prstGeom prst="rect">
-            <a:avLst/>
-          </a:prstGeom>
-          <a:noFill/>
-        </p:spPr>
-        <p:txBody>
-          <a:bodyPr wrap="square" rtlCol="0">
-            <a:spAutoFit/>
-          </a:bodyPr>
-          <a:lstStyle/>
-          <a:p>
-            <a:r>
-              <a:rPr kumimoji="1" lang="ja-JP" altLang="en-US" sz="4400" dirty="0" smtClean="0"/>
-              <a:t>敵を壁に埋める</a:t>
-            </a:r>
-            <a:endParaRPr kumimoji="1" lang="ja-JP" altLang="en-US" sz="4400" dirty="0"/>
           </a:p>
         </p:txBody>
       </p:sp>
     </p:spTree>
     <p:extLst>
       <p:ext uri="{BB962C8B-B14F-4D97-AF65-F5344CB8AC3E}">
-        <p14:creationId xmlns:p14="http://schemas.microsoft.com/office/powerpoint/2010/main" val="1740599873"/>
+        <p14:creationId xmlns:p14="http://schemas.microsoft.com/office/powerpoint/2010/main" val="1462779022"/>
       </p:ext>
     </p:extLst>
   </p:cSld>
   <p:clrMapOvr>
     <a:masterClrMapping/>
   </p:clrMapOvr>
+  <p:timing>
+    <p:tnLst>
+      <p:par>
+        <p:cTn id="1" dur="indefinite" restart="never" nodeType="tmRoot"/>
+      </p:par>
+    </p:tnLst>
+  </p:timing>
 </p:sld>
 </file>
 

--- a/New_U-16.pptx
+++ b/New_U-16.pptx
@@ -3,22 +3,29 @@
 <p:presentation xmlns:a="http://schemas.openxmlformats.org/drawingml/2006/main" xmlns:r="http://schemas.openxmlformats.org/officeDocument/2006/relationships" xmlns:p="http://schemas.openxmlformats.org/presentationml/2006/main" saveSubsetFonts="1">
   <p:sldMasterIdLst>
     <p:sldMasterId id="2147483648" r:id="rId1"/>
+    <p:sldMasterId id="2147483660" r:id="rId2"/>
   </p:sldMasterIdLst>
   <p:sldIdLst>
-    <p:sldId id="256" r:id="rId2"/>
-    <p:sldId id="257" r:id="rId3"/>
-    <p:sldId id="259" r:id="rId4"/>
-    <p:sldId id="261" r:id="rId5"/>
-    <p:sldId id="262" r:id="rId6"/>
-    <p:sldId id="265" r:id="rId7"/>
-    <p:sldId id="266" r:id="rId8"/>
-    <p:sldId id="272" r:id="rId9"/>
-    <p:sldId id="264" r:id="rId10"/>
-    <p:sldId id="267" r:id="rId11"/>
-    <p:sldId id="268" r:id="rId12"/>
-    <p:sldId id="269" r:id="rId13"/>
-    <p:sldId id="270" r:id="rId14"/>
-    <p:sldId id="271" r:id="rId15"/>
+    <p:sldId id="256" r:id="rId3"/>
+    <p:sldId id="257" r:id="rId4"/>
+    <p:sldId id="259" r:id="rId5"/>
+    <p:sldId id="261" r:id="rId6"/>
+    <p:sldId id="262" r:id="rId7"/>
+    <p:sldId id="265" r:id="rId8"/>
+    <p:sldId id="266" r:id="rId9"/>
+    <p:sldId id="280" r:id="rId10"/>
+    <p:sldId id="264" r:id="rId11"/>
+    <p:sldId id="267" r:id="rId12"/>
+    <p:sldId id="268" r:id="rId13"/>
+    <p:sldId id="269" r:id="rId14"/>
+    <p:sldId id="270" r:id="rId15"/>
+    <p:sldId id="281" r:id="rId16"/>
+    <p:sldId id="272" r:id="rId17"/>
+    <p:sldId id="273" r:id="rId18"/>
+    <p:sldId id="274" r:id="rId19"/>
+    <p:sldId id="275" r:id="rId20"/>
+    <p:sldId id="276" r:id="rId21"/>
+    <p:sldId id="277" r:id="rId22"/>
   </p:sldIdLst>
   <p:sldSz cx="12192000" cy="6858000"/>
   <p:notesSz cx="6858000" cy="9144000"/>
@@ -117,11 +124,6 @@
       </a:defRPr>
     </a:lvl9pPr>
   </p:defaultTextStyle>
-  <p:extLst>
-    <p:ext uri="{EFAFB233-063F-42B5-8137-9DF3F51BA10A}">
-      <p15:sldGuideLst xmlns:p15="http://schemas.microsoft.com/office/powerpoint/2012/main"/>
-    </p:ext>
-  </p:extLst>
 </p:presentation>
 </file>
 
@@ -731,6 +733,2151 @@
 </p:sldLayout>
 </file>
 
+<file path=ppt/slideLayouts/slideLayout12.xml><?xml version="1.0" encoding="utf-8"?>
+<p:sldLayout xmlns:a="http://schemas.openxmlformats.org/drawingml/2006/main" xmlns:r="http://schemas.openxmlformats.org/officeDocument/2006/relationships" xmlns:p="http://schemas.openxmlformats.org/presentationml/2006/main" type="title" preserve="1">
+  <p:cSld name="タイトル スライド">
+    <p:spTree>
+      <p:nvGrpSpPr>
+        <p:cNvPr id="1" name=""/>
+        <p:cNvGrpSpPr/>
+        <p:nvPr/>
+      </p:nvGrpSpPr>
+      <p:grpSpPr>
+        <a:xfrm>
+          <a:off x="0" y="0"/>
+          <a:ext cx="0" cy="0"/>
+          <a:chOff x="0" y="0"/>
+          <a:chExt cx="0" cy="0"/>
+        </a:xfrm>
+      </p:grpSpPr>
+      <p:sp>
+        <p:nvSpPr>
+          <p:cNvPr id="2" name="タイトル 1"/>
+          <p:cNvSpPr>
+            <a:spLocks noGrp="1"/>
+          </p:cNvSpPr>
+          <p:nvPr>
+            <p:ph type="ctrTitle"/>
+          </p:nvPr>
+        </p:nvSpPr>
+        <p:spPr>
+          <a:xfrm>
+            <a:off x="1524000" y="1122363"/>
+            <a:ext cx="9144000" cy="2387600"/>
+          </a:xfrm>
+        </p:spPr>
+        <p:txBody>
+          <a:bodyPr anchor="b"/>
+          <a:lstStyle>
+            <a:lvl1pPr algn="ctr">
+              <a:defRPr sz="6000"/>
+            </a:lvl1pPr>
+          </a:lstStyle>
+          <a:p>
+            <a:r>
+              <a:rPr kumimoji="1" lang="ja-JP" altLang="en-US" smtClean="0"/>
+              <a:t>マスター タイトルの書式設定</a:t>
+            </a:r>
+            <a:endParaRPr kumimoji="1" lang="ja-JP" altLang="en-US"/>
+          </a:p>
+        </p:txBody>
+      </p:sp>
+      <p:sp>
+        <p:nvSpPr>
+          <p:cNvPr id="3" name="サブタイトル 2"/>
+          <p:cNvSpPr>
+            <a:spLocks noGrp="1"/>
+          </p:cNvSpPr>
+          <p:nvPr>
+            <p:ph type="subTitle" idx="1"/>
+          </p:nvPr>
+        </p:nvSpPr>
+        <p:spPr>
+          <a:xfrm>
+            <a:off x="1524000" y="3602038"/>
+            <a:ext cx="9144000" cy="1655762"/>
+          </a:xfrm>
+        </p:spPr>
+        <p:txBody>
+          <a:bodyPr/>
+          <a:lstStyle>
+            <a:lvl1pPr marL="0" indent="0" algn="ctr">
+              <a:buNone/>
+              <a:defRPr sz="2400"/>
+            </a:lvl1pPr>
+            <a:lvl2pPr marL="457200" indent="0" algn="ctr">
+              <a:buNone/>
+              <a:defRPr sz="2000"/>
+            </a:lvl2pPr>
+            <a:lvl3pPr marL="914400" indent="0" algn="ctr">
+              <a:buNone/>
+              <a:defRPr sz="1800"/>
+            </a:lvl3pPr>
+            <a:lvl4pPr marL="1371600" indent="0" algn="ctr">
+              <a:buNone/>
+              <a:defRPr sz="1600"/>
+            </a:lvl4pPr>
+            <a:lvl5pPr marL="1828800" indent="0" algn="ctr">
+              <a:buNone/>
+              <a:defRPr sz="1600"/>
+            </a:lvl5pPr>
+            <a:lvl6pPr marL="2286000" indent="0" algn="ctr">
+              <a:buNone/>
+              <a:defRPr sz="1600"/>
+            </a:lvl6pPr>
+            <a:lvl7pPr marL="2743200" indent="0" algn="ctr">
+              <a:buNone/>
+              <a:defRPr sz="1600"/>
+            </a:lvl7pPr>
+            <a:lvl8pPr marL="3200400" indent="0" algn="ctr">
+              <a:buNone/>
+              <a:defRPr sz="1600"/>
+            </a:lvl8pPr>
+            <a:lvl9pPr marL="3657600" indent="0" algn="ctr">
+              <a:buNone/>
+              <a:defRPr sz="1600"/>
+            </a:lvl9pPr>
+          </a:lstStyle>
+          <a:p>
+            <a:r>
+              <a:rPr kumimoji="1" lang="ja-JP" altLang="en-US" smtClean="0"/>
+              <a:t>マスター サブタイトルの書式設定</a:t>
+            </a:r>
+            <a:endParaRPr kumimoji="1" lang="ja-JP" altLang="en-US"/>
+          </a:p>
+        </p:txBody>
+      </p:sp>
+      <p:sp>
+        <p:nvSpPr>
+          <p:cNvPr id="4" name="日付プレースホルダー 3"/>
+          <p:cNvSpPr>
+            <a:spLocks noGrp="1"/>
+          </p:cNvSpPr>
+          <p:nvPr>
+            <p:ph type="dt" sz="half" idx="10"/>
+          </p:nvPr>
+        </p:nvSpPr>
+        <p:spPr/>
+        <p:txBody>
+          <a:bodyPr/>
+          <a:lstStyle/>
+          <a:p>
+            <a:fld id="{883B3C6D-282E-42C1-9E7D-429647502DFC}" type="datetimeFigureOut">
+              <a:rPr lang="ja-JP" altLang="en-US" smtClean="0">
+                <a:solidFill>
+                  <a:prstClr val="black">
+                    <a:tint val="75000"/>
+                  </a:prstClr>
+                </a:solidFill>
+              </a:rPr>
+              <a:pPr/>
+              <a:t>2018/1/13</a:t>
+            </a:fld>
+            <a:endParaRPr lang="ja-JP" altLang="en-US">
+              <a:solidFill>
+                <a:prstClr val="black">
+                  <a:tint val="75000"/>
+                </a:prstClr>
+              </a:solidFill>
+            </a:endParaRPr>
+          </a:p>
+        </p:txBody>
+      </p:sp>
+      <p:sp>
+        <p:nvSpPr>
+          <p:cNvPr id="5" name="フッター プレースホルダー 4"/>
+          <p:cNvSpPr>
+            <a:spLocks noGrp="1"/>
+          </p:cNvSpPr>
+          <p:nvPr>
+            <p:ph type="ftr" sz="quarter" idx="11"/>
+          </p:nvPr>
+        </p:nvSpPr>
+        <p:spPr/>
+        <p:txBody>
+          <a:bodyPr/>
+          <a:lstStyle/>
+          <a:p>
+            <a:endParaRPr lang="ja-JP" altLang="en-US">
+              <a:solidFill>
+                <a:prstClr val="black">
+                  <a:tint val="75000"/>
+                </a:prstClr>
+              </a:solidFill>
+            </a:endParaRPr>
+          </a:p>
+        </p:txBody>
+      </p:sp>
+      <p:sp>
+        <p:nvSpPr>
+          <p:cNvPr id="6" name="スライド番号プレースホルダー 5"/>
+          <p:cNvSpPr>
+            <a:spLocks noGrp="1"/>
+          </p:cNvSpPr>
+          <p:nvPr>
+            <p:ph type="sldNum" sz="quarter" idx="12"/>
+          </p:nvPr>
+        </p:nvSpPr>
+        <p:spPr/>
+        <p:txBody>
+          <a:bodyPr/>
+          <a:lstStyle/>
+          <a:p>
+            <a:fld id="{2DA3CA9B-CCFC-4673-9E7E-B5DFFFD59962}" type="slidenum">
+              <a:rPr lang="ja-JP" altLang="en-US" smtClean="0">
+                <a:solidFill>
+                  <a:prstClr val="black">
+                    <a:tint val="75000"/>
+                  </a:prstClr>
+                </a:solidFill>
+              </a:rPr>
+              <a:pPr/>
+              <a:t>‹#›</a:t>
+            </a:fld>
+            <a:endParaRPr lang="ja-JP" altLang="en-US">
+              <a:solidFill>
+                <a:prstClr val="black">
+                  <a:tint val="75000"/>
+                </a:prstClr>
+              </a:solidFill>
+            </a:endParaRPr>
+          </a:p>
+        </p:txBody>
+      </p:sp>
+    </p:spTree>
+    <p:extLst>
+      <p:ext uri="{BB962C8B-B14F-4D97-AF65-F5344CB8AC3E}">
+        <p14:creationId xmlns:p14="http://schemas.microsoft.com/office/powerpoint/2010/main" val="269974956"/>
+      </p:ext>
+    </p:extLst>
+  </p:cSld>
+  <p:clrMapOvr>
+    <a:masterClrMapping/>
+  </p:clrMapOvr>
+</p:sldLayout>
+</file>
+
+<file path=ppt/slideLayouts/slideLayout13.xml><?xml version="1.0" encoding="utf-8"?>
+<p:sldLayout xmlns:a="http://schemas.openxmlformats.org/drawingml/2006/main" xmlns:r="http://schemas.openxmlformats.org/officeDocument/2006/relationships" xmlns:p="http://schemas.openxmlformats.org/presentationml/2006/main" type="obj" preserve="1">
+  <p:cSld name="タイトルとコンテンツ">
+    <p:spTree>
+      <p:nvGrpSpPr>
+        <p:cNvPr id="1" name=""/>
+        <p:cNvGrpSpPr/>
+        <p:nvPr/>
+      </p:nvGrpSpPr>
+      <p:grpSpPr>
+        <a:xfrm>
+          <a:off x="0" y="0"/>
+          <a:ext cx="0" cy="0"/>
+          <a:chOff x="0" y="0"/>
+          <a:chExt cx="0" cy="0"/>
+        </a:xfrm>
+      </p:grpSpPr>
+      <p:sp>
+        <p:nvSpPr>
+          <p:cNvPr id="2" name="タイトル 1"/>
+          <p:cNvSpPr>
+            <a:spLocks noGrp="1"/>
+          </p:cNvSpPr>
+          <p:nvPr>
+            <p:ph type="title"/>
+          </p:nvPr>
+        </p:nvSpPr>
+        <p:spPr/>
+        <p:txBody>
+          <a:bodyPr/>
+          <a:lstStyle/>
+          <a:p>
+            <a:r>
+              <a:rPr kumimoji="1" lang="ja-JP" altLang="en-US" smtClean="0"/>
+              <a:t>マスター タイトルの書式設定</a:t>
+            </a:r>
+            <a:endParaRPr kumimoji="1" lang="ja-JP" altLang="en-US"/>
+          </a:p>
+        </p:txBody>
+      </p:sp>
+      <p:sp>
+        <p:nvSpPr>
+          <p:cNvPr id="3" name="コンテンツ プレースホルダー 2"/>
+          <p:cNvSpPr>
+            <a:spLocks noGrp="1"/>
+          </p:cNvSpPr>
+          <p:nvPr>
+            <p:ph idx="1"/>
+          </p:nvPr>
+        </p:nvSpPr>
+        <p:spPr/>
+        <p:txBody>
+          <a:bodyPr/>
+          <a:lstStyle/>
+          <a:p>
+            <a:pPr lvl="0"/>
+            <a:r>
+              <a:rPr kumimoji="1" lang="ja-JP" altLang="en-US" smtClean="0"/>
+              <a:t>マスター テキストの書式設定</a:t>
+            </a:r>
+          </a:p>
+          <a:p>
+            <a:pPr lvl="1"/>
+            <a:r>
+              <a:rPr kumimoji="1" lang="ja-JP" altLang="en-US" smtClean="0"/>
+              <a:t>第 </a:t>
+            </a:r>
+            <a:r>
+              <a:rPr kumimoji="1" lang="en-US" altLang="ja-JP" smtClean="0"/>
+              <a:t>2 </a:t>
+            </a:r>
+            <a:r>
+              <a:rPr kumimoji="1" lang="ja-JP" altLang="en-US" smtClean="0"/>
+              <a:t>レベル</a:t>
+            </a:r>
+          </a:p>
+          <a:p>
+            <a:pPr lvl="2"/>
+            <a:r>
+              <a:rPr kumimoji="1" lang="ja-JP" altLang="en-US" smtClean="0"/>
+              <a:t>第 </a:t>
+            </a:r>
+            <a:r>
+              <a:rPr kumimoji="1" lang="en-US" altLang="ja-JP" smtClean="0"/>
+              <a:t>3 </a:t>
+            </a:r>
+            <a:r>
+              <a:rPr kumimoji="1" lang="ja-JP" altLang="en-US" smtClean="0"/>
+              <a:t>レベル</a:t>
+            </a:r>
+          </a:p>
+          <a:p>
+            <a:pPr lvl="3"/>
+            <a:r>
+              <a:rPr kumimoji="1" lang="ja-JP" altLang="en-US" smtClean="0"/>
+              <a:t>第 </a:t>
+            </a:r>
+            <a:r>
+              <a:rPr kumimoji="1" lang="en-US" altLang="ja-JP" smtClean="0"/>
+              <a:t>4 </a:t>
+            </a:r>
+            <a:r>
+              <a:rPr kumimoji="1" lang="ja-JP" altLang="en-US" smtClean="0"/>
+              <a:t>レベル</a:t>
+            </a:r>
+          </a:p>
+          <a:p>
+            <a:pPr lvl="4"/>
+            <a:r>
+              <a:rPr kumimoji="1" lang="ja-JP" altLang="en-US" smtClean="0"/>
+              <a:t>第 </a:t>
+            </a:r>
+            <a:r>
+              <a:rPr kumimoji="1" lang="en-US" altLang="ja-JP" smtClean="0"/>
+              <a:t>5 </a:t>
+            </a:r>
+            <a:r>
+              <a:rPr kumimoji="1" lang="ja-JP" altLang="en-US" smtClean="0"/>
+              <a:t>レベル</a:t>
+            </a:r>
+            <a:endParaRPr kumimoji="1" lang="ja-JP" altLang="en-US"/>
+          </a:p>
+        </p:txBody>
+      </p:sp>
+      <p:sp>
+        <p:nvSpPr>
+          <p:cNvPr id="4" name="日付プレースホルダー 3"/>
+          <p:cNvSpPr>
+            <a:spLocks noGrp="1"/>
+          </p:cNvSpPr>
+          <p:nvPr>
+            <p:ph type="dt" sz="half" idx="10"/>
+          </p:nvPr>
+        </p:nvSpPr>
+        <p:spPr/>
+        <p:txBody>
+          <a:bodyPr/>
+          <a:lstStyle/>
+          <a:p>
+            <a:fld id="{883B3C6D-282E-42C1-9E7D-429647502DFC}" type="datetimeFigureOut">
+              <a:rPr lang="ja-JP" altLang="en-US" smtClean="0">
+                <a:solidFill>
+                  <a:prstClr val="black">
+                    <a:tint val="75000"/>
+                  </a:prstClr>
+                </a:solidFill>
+              </a:rPr>
+              <a:pPr/>
+              <a:t>2018/1/13</a:t>
+            </a:fld>
+            <a:endParaRPr lang="ja-JP" altLang="en-US">
+              <a:solidFill>
+                <a:prstClr val="black">
+                  <a:tint val="75000"/>
+                </a:prstClr>
+              </a:solidFill>
+            </a:endParaRPr>
+          </a:p>
+        </p:txBody>
+      </p:sp>
+      <p:sp>
+        <p:nvSpPr>
+          <p:cNvPr id="5" name="フッター プレースホルダー 4"/>
+          <p:cNvSpPr>
+            <a:spLocks noGrp="1"/>
+          </p:cNvSpPr>
+          <p:nvPr>
+            <p:ph type="ftr" sz="quarter" idx="11"/>
+          </p:nvPr>
+        </p:nvSpPr>
+        <p:spPr/>
+        <p:txBody>
+          <a:bodyPr/>
+          <a:lstStyle/>
+          <a:p>
+            <a:endParaRPr lang="ja-JP" altLang="en-US">
+              <a:solidFill>
+                <a:prstClr val="black">
+                  <a:tint val="75000"/>
+                </a:prstClr>
+              </a:solidFill>
+            </a:endParaRPr>
+          </a:p>
+        </p:txBody>
+      </p:sp>
+      <p:sp>
+        <p:nvSpPr>
+          <p:cNvPr id="6" name="スライド番号プレースホルダー 5"/>
+          <p:cNvSpPr>
+            <a:spLocks noGrp="1"/>
+          </p:cNvSpPr>
+          <p:nvPr>
+            <p:ph type="sldNum" sz="quarter" idx="12"/>
+          </p:nvPr>
+        </p:nvSpPr>
+        <p:spPr/>
+        <p:txBody>
+          <a:bodyPr/>
+          <a:lstStyle/>
+          <a:p>
+            <a:fld id="{2DA3CA9B-CCFC-4673-9E7E-B5DFFFD59962}" type="slidenum">
+              <a:rPr lang="ja-JP" altLang="en-US" smtClean="0">
+                <a:solidFill>
+                  <a:prstClr val="black">
+                    <a:tint val="75000"/>
+                  </a:prstClr>
+                </a:solidFill>
+              </a:rPr>
+              <a:pPr/>
+              <a:t>‹#›</a:t>
+            </a:fld>
+            <a:endParaRPr lang="ja-JP" altLang="en-US">
+              <a:solidFill>
+                <a:prstClr val="black">
+                  <a:tint val="75000"/>
+                </a:prstClr>
+              </a:solidFill>
+            </a:endParaRPr>
+          </a:p>
+        </p:txBody>
+      </p:sp>
+    </p:spTree>
+    <p:extLst>
+      <p:ext uri="{BB962C8B-B14F-4D97-AF65-F5344CB8AC3E}">
+        <p14:creationId xmlns:p14="http://schemas.microsoft.com/office/powerpoint/2010/main" val="2838411739"/>
+      </p:ext>
+    </p:extLst>
+  </p:cSld>
+  <p:clrMapOvr>
+    <a:masterClrMapping/>
+  </p:clrMapOvr>
+</p:sldLayout>
+</file>
+
+<file path=ppt/slideLayouts/slideLayout14.xml><?xml version="1.0" encoding="utf-8"?>
+<p:sldLayout xmlns:a="http://schemas.openxmlformats.org/drawingml/2006/main" xmlns:r="http://schemas.openxmlformats.org/officeDocument/2006/relationships" xmlns:p="http://schemas.openxmlformats.org/presentationml/2006/main" type="secHead" preserve="1">
+  <p:cSld name="セクション見出し">
+    <p:spTree>
+      <p:nvGrpSpPr>
+        <p:cNvPr id="1" name=""/>
+        <p:cNvGrpSpPr/>
+        <p:nvPr/>
+      </p:nvGrpSpPr>
+      <p:grpSpPr>
+        <a:xfrm>
+          <a:off x="0" y="0"/>
+          <a:ext cx="0" cy="0"/>
+          <a:chOff x="0" y="0"/>
+          <a:chExt cx="0" cy="0"/>
+        </a:xfrm>
+      </p:grpSpPr>
+      <p:sp>
+        <p:nvSpPr>
+          <p:cNvPr id="2" name="タイトル 1"/>
+          <p:cNvSpPr>
+            <a:spLocks noGrp="1"/>
+          </p:cNvSpPr>
+          <p:nvPr>
+            <p:ph type="title"/>
+          </p:nvPr>
+        </p:nvSpPr>
+        <p:spPr>
+          <a:xfrm>
+            <a:off x="831850" y="1709738"/>
+            <a:ext cx="10515600" cy="2852737"/>
+          </a:xfrm>
+        </p:spPr>
+        <p:txBody>
+          <a:bodyPr anchor="b"/>
+          <a:lstStyle>
+            <a:lvl1pPr>
+              <a:defRPr sz="6000"/>
+            </a:lvl1pPr>
+          </a:lstStyle>
+          <a:p>
+            <a:r>
+              <a:rPr kumimoji="1" lang="ja-JP" altLang="en-US" smtClean="0"/>
+              <a:t>マスター タイトルの書式設定</a:t>
+            </a:r>
+            <a:endParaRPr kumimoji="1" lang="ja-JP" altLang="en-US"/>
+          </a:p>
+        </p:txBody>
+      </p:sp>
+      <p:sp>
+        <p:nvSpPr>
+          <p:cNvPr id="3" name="テキスト プレースホルダー 2"/>
+          <p:cNvSpPr>
+            <a:spLocks noGrp="1"/>
+          </p:cNvSpPr>
+          <p:nvPr>
+            <p:ph type="body" idx="1"/>
+          </p:nvPr>
+        </p:nvSpPr>
+        <p:spPr>
+          <a:xfrm>
+            <a:off x="831850" y="4589463"/>
+            <a:ext cx="10515600" cy="1500187"/>
+          </a:xfrm>
+        </p:spPr>
+        <p:txBody>
+          <a:bodyPr/>
+          <a:lstStyle>
+            <a:lvl1pPr marL="0" indent="0">
+              <a:buNone/>
+              <a:defRPr sz="2400">
+                <a:solidFill>
+                  <a:schemeClr val="tx1">
+                    <a:tint val="75000"/>
+                  </a:schemeClr>
+                </a:solidFill>
+              </a:defRPr>
+            </a:lvl1pPr>
+            <a:lvl2pPr marL="457200" indent="0">
+              <a:buNone/>
+              <a:defRPr sz="2000">
+                <a:solidFill>
+                  <a:schemeClr val="tx1">
+                    <a:tint val="75000"/>
+                  </a:schemeClr>
+                </a:solidFill>
+              </a:defRPr>
+            </a:lvl2pPr>
+            <a:lvl3pPr marL="914400" indent="0">
+              <a:buNone/>
+              <a:defRPr sz="1800">
+                <a:solidFill>
+                  <a:schemeClr val="tx1">
+                    <a:tint val="75000"/>
+                  </a:schemeClr>
+                </a:solidFill>
+              </a:defRPr>
+            </a:lvl3pPr>
+            <a:lvl4pPr marL="1371600" indent="0">
+              <a:buNone/>
+              <a:defRPr sz="1600">
+                <a:solidFill>
+                  <a:schemeClr val="tx1">
+                    <a:tint val="75000"/>
+                  </a:schemeClr>
+                </a:solidFill>
+              </a:defRPr>
+            </a:lvl4pPr>
+            <a:lvl5pPr marL="1828800" indent="0">
+              <a:buNone/>
+              <a:defRPr sz="1600">
+                <a:solidFill>
+                  <a:schemeClr val="tx1">
+                    <a:tint val="75000"/>
+                  </a:schemeClr>
+                </a:solidFill>
+              </a:defRPr>
+            </a:lvl5pPr>
+            <a:lvl6pPr marL="2286000" indent="0">
+              <a:buNone/>
+              <a:defRPr sz="1600">
+                <a:solidFill>
+                  <a:schemeClr val="tx1">
+                    <a:tint val="75000"/>
+                  </a:schemeClr>
+                </a:solidFill>
+              </a:defRPr>
+            </a:lvl6pPr>
+            <a:lvl7pPr marL="2743200" indent="0">
+              <a:buNone/>
+              <a:defRPr sz="1600">
+                <a:solidFill>
+                  <a:schemeClr val="tx1">
+                    <a:tint val="75000"/>
+                  </a:schemeClr>
+                </a:solidFill>
+              </a:defRPr>
+            </a:lvl7pPr>
+            <a:lvl8pPr marL="3200400" indent="0">
+              <a:buNone/>
+              <a:defRPr sz="1600">
+                <a:solidFill>
+                  <a:schemeClr val="tx1">
+                    <a:tint val="75000"/>
+                  </a:schemeClr>
+                </a:solidFill>
+              </a:defRPr>
+            </a:lvl8pPr>
+            <a:lvl9pPr marL="3657600" indent="0">
+              <a:buNone/>
+              <a:defRPr sz="1600">
+                <a:solidFill>
+                  <a:schemeClr val="tx1">
+                    <a:tint val="75000"/>
+                  </a:schemeClr>
+                </a:solidFill>
+              </a:defRPr>
+            </a:lvl9pPr>
+          </a:lstStyle>
+          <a:p>
+            <a:pPr lvl="0"/>
+            <a:r>
+              <a:rPr kumimoji="1" lang="ja-JP" altLang="en-US" smtClean="0"/>
+              <a:t>マスター テキストの書式設定</a:t>
+            </a:r>
+          </a:p>
+        </p:txBody>
+      </p:sp>
+      <p:sp>
+        <p:nvSpPr>
+          <p:cNvPr id="4" name="日付プレースホルダー 3"/>
+          <p:cNvSpPr>
+            <a:spLocks noGrp="1"/>
+          </p:cNvSpPr>
+          <p:nvPr>
+            <p:ph type="dt" sz="half" idx="10"/>
+          </p:nvPr>
+        </p:nvSpPr>
+        <p:spPr/>
+        <p:txBody>
+          <a:bodyPr/>
+          <a:lstStyle/>
+          <a:p>
+            <a:fld id="{883B3C6D-282E-42C1-9E7D-429647502DFC}" type="datetimeFigureOut">
+              <a:rPr lang="ja-JP" altLang="en-US" smtClean="0">
+                <a:solidFill>
+                  <a:prstClr val="black">
+                    <a:tint val="75000"/>
+                  </a:prstClr>
+                </a:solidFill>
+              </a:rPr>
+              <a:pPr/>
+              <a:t>2018/1/13</a:t>
+            </a:fld>
+            <a:endParaRPr lang="ja-JP" altLang="en-US">
+              <a:solidFill>
+                <a:prstClr val="black">
+                  <a:tint val="75000"/>
+                </a:prstClr>
+              </a:solidFill>
+            </a:endParaRPr>
+          </a:p>
+        </p:txBody>
+      </p:sp>
+      <p:sp>
+        <p:nvSpPr>
+          <p:cNvPr id="5" name="フッター プレースホルダー 4"/>
+          <p:cNvSpPr>
+            <a:spLocks noGrp="1"/>
+          </p:cNvSpPr>
+          <p:nvPr>
+            <p:ph type="ftr" sz="quarter" idx="11"/>
+          </p:nvPr>
+        </p:nvSpPr>
+        <p:spPr/>
+        <p:txBody>
+          <a:bodyPr/>
+          <a:lstStyle/>
+          <a:p>
+            <a:endParaRPr lang="ja-JP" altLang="en-US">
+              <a:solidFill>
+                <a:prstClr val="black">
+                  <a:tint val="75000"/>
+                </a:prstClr>
+              </a:solidFill>
+            </a:endParaRPr>
+          </a:p>
+        </p:txBody>
+      </p:sp>
+      <p:sp>
+        <p:nvSpPr>
+          <p:cNvPr id="6" name="スライド番号プレースホルダー 5"/>
+          <p:cNvSpPr>
+            <a:spLocks noGrp="1"/>
+          </p:cNvSpPr>
+          <p:nvPr>
+            <p:ph type="sldNum" sz="quarter" idx="12"/>
+          </p:nvPr>
+        </p:nvSpPr>
+        <p:spPr/>
+        <p:txBody>
+          <a:bodyPr/>
+          <a:lstStyle/>
+          <a:p>
+            <a:fld id="{2DA3CA9B-CCFC-4673-9E7E-B5DFFFD59962}" type="slidenum">
+              <a:rPr lang="ja-JP" altLang="en-US" smtClean="0">
+                <a:solidFill>
+                  <a:prstClr val="black">
+                    <a:tint val="75000"/>
+                  </a:prstClr>
+                </a:solidFill>
+              </a:rPr>
+              <a:pPr/>
+              <a:t>‹#›</a:t>
+            </a:fld>
+            <a:endParaRPr lang="ja-JP" altLang="en-US">
+              <a:solidFill>
+                <a:prstClr val="black">
+                  <a:tint val="75000"/>
+                </a:prstClr>
+              </a:solidFill>
+            </a:endParaRPr>
+          </a:p>
+        </p:txBody>
+      </p:sp>
+    </p:spTree>
+    <p:extLst>
+      <p:ext uri="{BB962C8B-B14F-4D97-AF65-F5344CB8AC3E}">
+        <p14:creationId xmlns:p14="http://schemas.microsoft.com/office/powerpoint/2010/main" val="304671532"/>
+      </p:ext>
+    </p:extLst>
+  </p:cSld>
+  <p:clrMapOvr>
+    <a:masterClrMapping/>
+  </p:clrMapOvr>
+</p:sldLayout>
+</file>
+
+<file path=ppt/slideLayouts/slideLayout15.xml><?xml version="1.0" encoding="utf-8"?>
+<p:sldLayout xmlns:a="http://schemas.openxmlformats.org/drawingml/2006/main" xmlns:r="http://schemas.openxmlformats.org/officeDocument/2006/relationships" xmlns:p="http://schemas.openxmlformats.org/presentationml/2006/main" type="twoObj" preserve="1">
+  <p:cSld name="2 つのコンテンツ">
+    <p:spTree>
+      <p:nvGrpSpPr>
+        <p:cNvPr id="1" name=""/>
+        <p:cNvGrpSpPr/>
+        <p:nvPr/>
+      </p:nvGrpSpPr>
+      <p:grpSpPr>
+        <a:xfrm>
+          <a:off x="0" y="0"/>
+          <a:ext cx="0" cy="0"/>
+          <a:chOff x="0" y="0"/>
+          <a:chExt cx="0" cy="0"/>
+        </a:xfrm>
+      </p:grpSpPr>
+      <p:sp>
+        <p:nvSpPr>
+          <p:cNvPr id="2" name="タイトル 1"/>
+          <p:cNvSpPr>
+            <a:spLocks noGrp="1"/>
+          </p:cNvSpPr>
+          <p:nvPr>
+            <p:ph type="title"/>
+          </p:nvPr>
+        </p:nvSpPr>
+        <p:spPr/>
+        <p:txBody>
+          <a:bodyPr/>
+          <a:lstStyle/>
+          <a:p>
+            <a:r>
+              <a:rPr kumimoji="1" lang="ja-JP" altLang="en-US" smtClean="0"/>
+              <a:t>マスター タイトルの書式設定</a:t>
+            </a:r>
+            <a:endParaRPr kumimoji="1" lang="ja-JP" altLang="en-US"/>
+          </a:p>
+        </p:txBody>
+      </p:sp>
+      <p:sp>
+        <p:nvSpPr>
+          <p:cNvPr id="3" name="コンテンツ プレースホルダー 2"/>
+          <p:cNvSpPr>
+            <a:spLocks noGrp="1"/>
+          </p:cNvSpPr>
+          <p:nvPr>
+            <p:ph sz="half" idx="1"/>
+          </p:nvPr>
+        </p:nvSpPr>
+        <p:spPr>
+          <a:xfrm>
+            <a:off x="838200" y="1825625"/>
+            <a:ext cx="5181600" cy="4351338"/>
+          </a:xfrm>
+        </p:spPr>
+        <p:txBody>
+          <a:bodyPr/>
+          <a:lstStyle/>
+          <a:p>
+            <a:pPr lvl="0"/>
+            <a:r>
+              <a:rPr kumimoji="1" lang="ja-JP" altLang="en-US" smtClean="0"/>
+              <a:t>マスター テキストの書式設定</a:t>
+            </a:r>
+          </a:p>
+          <a:p>
+            <a:pPr lvl="1"/>
+            <a:r>
+              <a:rPr kumimoji="1" lang="ja-JP" altLang="en-US" smtClean="0"/>
+              <a:t>第 </a:t>
+            </a:r>
+            <a:r>
+              <a:rPr kumimoji="1" lang="en-US" altLang="ja-JP" smtClean="0"/>
+              <a:t>2 </a:t>
+            </a:r>
+            <a:r>
+              <a:rPr kumimoji="1" lang="ja-JP" altLang="en-US" smtClean="0"/>
+              <a:t>レベル</a:t>
+            </a:r>
+          </a:p>
+          <a:p>
+            <a:pPr lvl="2"/>
+            <a:r>
+              <a:rPr kumimoji="1" lang="ja-JP" altLang="en-US" smtClean="0"/>
+              <a:t>第 </a:t>
+            </a:r>
+            <a:r>
+              <a:rPr kumimoji="1" lang="en-US" altLang="ja-JP" smtClean="0"/>
+              <a:t>3 </a:t>
+            </a:r>
+            <a:r>
+              <a:rPr kumimoji="1" lang="ja-JP" altLang="en-US" smtClean="0"/>
+              <a:t>レベル</a:t>
+            </a:r>
+          </a:p>
+          <a:p>
+            <a:pPr lvl="3"/>
+            <a:r>
+              <a:rPr kumimoji="1" lang="ja-JP" altLang="en-US" smtClean="0"/>
+              <a:t>第 </a:t>
+            </a:r>
+            <a:r>
+              <a:rPr kumimoji="1" lang="en-US" altLang="ja-JP" smtClean="0"/>
+              <a:t>4 </a:t>
+            </a:r>
+            <a:r>
+              <a:rPr kumimoji="1" lang="ja-JP" altLang="en-US" smtClean="0"/>
+              <a:t>レベル</a:t>
+            </a:r>
+          </a:p>
+          <a:p>
+            <a:pPr lvl="4"/>
+            <a:r>
+              <a:rPr kumimoji="1" lang="ja-JP" altLang="en-US" smtClean="0"/>
+              <a:t>第 </a:t>
+            </a:r>
+            <a:r>
+              <a:rPr kumimoji="1" lang="en-US" altLang="ja-JP" smtClean="0"/>
+              <a:t>5 </a:t>
+            </a:r>
+            <a:r>
+              <a:rPr kumimoji="1" lang="ja-JP" altLang="en-US" smtClean="0"/>
+              <a:t>レベル</a:t>
+            </a:r>
+            <a:endParaRPr kumimoji="1" lang="ja-JP" altLang="en-US"/>
+          </a:p>
+        </p:txBody>
+      </p:sp>
+      <p:sp>
+        <p:nvSpPr>
+          <p:cNvPr id="4" name="コンテンツ プレースホルダー 3"/>
+          <p:cNvSpPr>
+            <a:spLocks noGrp="1"/>
+          </p:cNvSpPr>
+          <p:nvPr>
+            <p:ph sz="half" idx="2"/>
+          </p:nvPr>
+        </p:nvSpPr>
+        <p:spPr>
+          <a:xfrm>
+            <a:off x="6172200" y="1825625"/>
+            <a:ext cx="5181600" cy="4351338"/>
+          </a:xfrm>
+        </p:spPr>
+        <p:txBody>
+          <a:bodyPr/>
+          <a:lstStyle/>
+          <a:p>
+            <a:pPr lvl="0"/>
+            <a:r>
+              <a:rPr kumimoji="1" lang="ja-JP" altLang="en-US" smtClean="0"/>
+              <a:t>マスター テキストの書式設定</a:t>
+            </a:r>
+          </a:p>
+          <a:p>
+            <a:pPr lvl="1"/>
+            <a:r>
+              <a:rPr kumimoji="1" lang="ja-JP" altLang="en-US" smtClean="0"/>
+              <a:t>第 </a:t>
+            </a:r>
+            <a:r>
+              <a:rPr kumimoji="1" lang="en-US" altLang="ja-JP" smtClean="0"/>
+              <a:t>2 </a:t>
+            </a:r>
+            <a:r>
+              <a:rPr kumimoji="1" lang="ja-JP" altLang="en-US" smtClean="0"/>
+              <a:t>レベル</a:t>
+            </a:r>
+          </a:p>
+          <a:p>
+            <a:pPr lvl="2"/>
+            <a:r>
+              <a:rPr kumimoji="1" lang="ja-JP" altLang="en-US" smtClean="0"/>
+              <a:t>第 </a:t>
+            </a:r>
+            <a:r>
+              <a:rPr kumimoji="1" lang="en-US" altLang="ja-JP" smtClean="0"/>
+              <a:t>3 </a:t>
+            </a:r>
+            <a:r>
+              <a:rPr kumimoji="1" lang="ja-JP" altLang="en-US" smtClean="0"/>
+              <a:t>レベル</a:t>
+            </a:r>
+          </a:p>
+          <a:p>
+            <a:pPr lvl="3"/>
+            <a:r>
+              <a:rPr kumimoji="1" lang="ja-JP" altLang="en-US" smtClean="0"/>
+              <a:t>第 </a:t>
+            </a:r>
+            <a:r>
+              <a:rPr kumimoji="1" lang="en-US" altLang="ja-JP" smtClean="0"/>
+              <a:t>4 </a:t>
+            </a:r>
+            <a:r>
+              <a:rPr kumimoji="1" lang="ja-JP" altLang="en-US" smtClean="0"/>
+              <a:t>レベル</a:t>
+            </a:r>
+          </a:p>
+          <a:p>
+            <a:pPr lvl="4"/>
+            <a:r>
+              <a:rPr kumimoji="1" lang="ja-JP" altLang="en-US" smtClean="0"/>
+              <a:t>第 </a:t>
+            </a:r>
+            <a:r>
+              <a:rPr kumimoji="1" lang="en-US" altLang="ja-JP" smtClean="0"/>
+              <a:t>5 </a:t>
+            </a:r>
+            <a:r>
+              <a:rPr kumimoji="1" lang="ja-JP" altLang="en-US" smtClean="0"/>
+              <a:t>レベル</a:t>
+            </a:r>
+            <a:endParaRPr kumimoji="1" lang="ja-JP" altLang="en-US"/>
+          </a:p>
+        </p:txBody>
+      </p:sp>
+      <p:sp>
+        <p:nvSpPr>
+          <p:cNvPr id="5" name="日付プレースホルダー 4"/>
+          <p:cNvSpPr>
+            <a:spLocks noGrp="1"/>
+          </p:cNvSpPr>
+          <p:nvPr>
+            <p:ph type="dt" sz="half" idx="10"/>
+          </p:nvPr>
+        </p:nvSpPr>
+        <p:spPr/>
+        <p:txBody>
+          <a:bodyPr/>
+          <a:lstStyle/>
+          <a:p>
+            <a:fld id="{883B3C6D-282E-42C1-9E7D-429647502DFC}" type="datetimeFigureOut">
+              <a:rPr lang="ja-JP" altLang="en-US" smtClean="0">
+                <a:solidFill>
+                  <a:prstClr val="black">
+                    <a:tint val="75000"/>
+                  </a:prstClr>
+                </a:solidFill>
+              </a:rPr>
+              <a:pPr/>
+              <a:t>2018/1/13</a:t>
+            </a:fld>
+            <a:endParaRPr lang="ja-JP" altLang="en-US">
+              <a:solidFill>
+                <a:prstClr val="black">
+                  <a:tint val="75000"/>
+                </a:prstClr>
+              </a:solidFill>
+            </a:endParaRPr>
+          </a:p>
+        </p:txBody>
+      </p:sp>
+      <p:sp>
+        <p:nvSpPr>
+          <p:cNvPr id="6" name="フッター プレースホルダー 5"/>
+          <p:cNvSpPr>
+            <a:spLocks noGrp="1"/>
+          </p:cNvSpPr>
+          <p:nvPr>
+            <p:ph type="ftr" sz="quarter" idx="11"/>
+          </p:nvPr>
+        </p:nvSpPr>
+        <p:spPr/>
+        <p:txBody>
+          <a:bodyPr/>
+          <a:lstStyle/>
+          <a:p>
+            <a:endParaRPr lang="ja-JP" altLang="en-US">
+              <a:solidFill>
+                <a:prstClr val="black">
+                  <a:tint val="75000"/>
+                </a:prstClr>
+              </a:solidFill>
+            </a:endParaRPr>
+          </a:p>
+        </p:txBody>
+      </p:sp>
+      <p:sp>
+        <p:nvSpPr>
+          <p:cNvPr id="7" name="スライド番号プレースホルダー 6"/>
+          <p:cNvSpPr>
+            <a:spLocks noGrp="1"/>
+          </p:cNvSpPr>
+          <p:nvPr>
+            <p:ph type="sldNum" sz="quarter" idx="12"/>
+          </p:nvPr>
+        </p:nvSpPr>
+        <p:spPr/>
+        <p:txBody>
+          <a:bodyPr/>
+          <a:lstStyle/>
+          <a:p>
+            <a:fld id="{2DA3CA9B-CCFC-4673-9E7E-B5DFFFD59962}" type="slidenum">
+              <a:rPr lang="ja-JP" altLang="en-US" smtClean="0">
+                <a:solidFill>
+                  <a:prstClr val="black">
+                    <a:tint val="75000"/>
+                  </a:prstClr>
+                </a:solidFill>
+              </a:rPr>
+              <a:pPr/>
+              <a:t>‹#›</a:t>
+            </a:fld>
+            <a:endParaRPr lang="ja-JP" altLang="en-US">
+              <a:solidFill>
+                <a:prstClr val="black">
+                  <a:tint val="75000"/>
+                </a:prstClr>
+              </a:solidFill>
+            </a:endParaRPr>
+          </a:p>
+        </p:txBody>
+      </p:sp>
+    </p:spTree>
+    <p:extLst>
+      <p:ext uri="{BB962C8B-B14F-4D97-AF65-F5344CB8AC3E}">
+        <p14:creationId xmlns:p14="http://schemas.microsoft.com/office/powerpoint/2010/main" val="404563187"/>
+      </p:ext>
+    </p:extLst>
+  </p:cSld>
+  <p:clrMapOvr>
+    <a:masterClrMapping/>
+  </p:clrMapOvr>
+</p:sldLayout>
+</file>
+
+<file path=ppt/slideLayouts/slideLayout16.xml><?xml version="1.0" encoding="utf-8"?>
+<p:sldLayout xmlns:a="http://schemas.openxmlformats.org/drawingml/2006/main" xmlns:r="http://schemas.openxmlformats.org/officeDocument/2006/relationships" xmlns:p="http://schemas.openxmlformats.org/presentationml/2006/main" type="twoTxTwoObj" preserve="1">
+  <p:cSld name="比較">
+    <p:spTree>
+      <p:nvGrpSpPr>
+        <p:cNvPr id="1" name=""/>
+        <p:cNvGrpSpPr/>
+        <p:nvPr/>
+      </p:nvGrpSpPr>
+      <p:grpSpPr>
+        <a:xfrm>
+          <a:off x="0" y="0"/>
+          <a:ext cx="0" cy="0"/>
+          <a:chOff x="0" y="0"/>
+          <a:chExt cx="0" cy="0"/>
+        </a:xfrm>
+      </p:grpSpPr>
+      <p:sp>
+        <p:nvSpPr>
+          <p:cNvPr id="2" name="タイトル 1"/>
+          <p:cNvSpPr>
+            <a:spLocks noGrp="1"/>
+          </p:cNvSpPr>
+          <p:nvPr>
+            <p:ph type="title"/>
+          </p:nvPr>
+        </p:nvSpPr>
+        <p:spPr>
+          <a:xfrm>
+            <a:off x="839788" y="365125"/>
+            <a:ext cx="10515600" cy="1325563"/>
+          </a:xfrm>
+        </p:spPr>
+        <p:txBody>
+          <a:bodyPr/>
+          <a:lstStyle/>
+          <a:p>
+            <a:r>
+              <a:rPr kumimoji="1" lang="ja-JP" altLang="en-US" smtClean="0"/>
+              <a:t>マスター タイトルの書式設定</a:t>
+            </a:r>
+            <a:endParaRPr kumimoji="1" lang="ja-JP" altLang="en-US"/>
+          </a:p>
+        </p:txBody>
+      </p:sp>
+      <p:sp>
+        <p:nvSpPr>
+          <p:cNvPr id="3" name="テキスト プレースホルダー 2"/>
+          <p:cNvSpPr>
+            <a:spLocks noGrp="1"/>
+          </p:cNvSpPr>
+          <p:nvPr>
+            <p:ph type="body" idx="1"/>
+          </p:nvPr>
+        </p:nvSpPr>
+        <p:spPr>
+          <a:xfrm>
+            <a:off x="839788" y="1681163"/>
+            <a:ext cx="5157787" cy="823912"/>
+          </a:xfrm>
+        </p:spPr>
+        <p:txBody>
+          <a:bodyPr anchor="b"/>
+          <a:lstStyle>
+            <a:lvl1pPr marL="0" indent="0">
+              <a:buNone/>
+              <a:defRPr sz="2400" b="1"/>
+            </a:lvl1pPr>
+            <a:lvl2pPr marL="457200" indent="0">
+              <a:buNone/>
+              <a:defRPr sz="2000" b="1"/>
+            </a:lvl2pPr>
+            <a:lvl3pPr marL="914400" indent="0">
+              <a:buNone/>
+              <a:defRPr sz="1800" b="1"/>
+            </a:lvl3pPr>
+            <a:lvl4pPr marL="1371600" indent="0">
+              <a:buNone/>
+              <a:defRPr sz="1600" b="1"/>
+            </a:lvl4pPr>
+            <a:lvl5pPr marL="1828800" indent="0">
+              <a:buNone/>
+              <a:defRPr sz="1600" b="1"/>
+            </a:lvl5pPr>
+            <a:lvl6pPr marL="2286000" indent="0">
+              <a:buNone/>
+              <a:defRPr sz="1600" b="1"/>
+            </a:lvl6pPr>
+            <a:lvl7pPr marL="2743200" indent="0">
+              <a:buNone/>
+              <a:defRPr sz="1600" b="1"/>
+            </a:lvl7pPr>
+            <a:lvl8pPr marL="3200400" indent="0">
+              <a:buNone/>
+              <a:defRPr sz="1600" b="1"/>
+            </a:lvl8pPr>
+            <a:lvl9pPr marL="3657600" indent="0">
+              <a:buNone/>
+              <a:defRPr sz="1600" b="1"/>
+            </a:lvl9pPr>
+          </a:lstStyle>
+          <a:p>
+            <a:pPr lvl="0"/>
+            <a:r>
+              <a:rPr kumimoji="1" lang="ja-JP" altLang="en-US" smtClean="0"/>
+              <a:t>マスター テキストの書式設定</a:t>
+            </a:r>
+          </a:p>
+        </p:txBody>
+      </p:sp>
+      <p:sp>
+        <p:nvSpPr>
+          <p:cNvPr id="4" name="コンテンツ プレースホルダー 3"/>
+          <p:cNvSpPr>
+            <a:spLocks noGrp="1"/>
+          </p:cNvSpPr>
+          <p:nvPr>
+            <p:ph sz="half" idx="2"/>
+          </p:nvPr>
+        </p:nvSpPr>
+        <p:spPr>
+          <a:xfrm>
+            <a:off x="839788" y="2505075"/>
+            <a:ext cx="5157787" cy="3684588"/>
+          </a:xfrm>
+        </p:spPr>
+        <p:txBody>
+          <a:bodyPr/>
+          <a:lstStyle/>
+          <a:p>
+            <a:pPr lvl="0"/>
+            <a:r>
+              <a:rPr kumimoji="1" lang="ja-JP" altLang="en-US" smtClean="0"/>
+              <a:t>マスター テキストの書式設定</a:t>
+            </a:r>
+          </a:p>
+          <a:p>
+            <a:pPr lvl="1"/>
+            <a:r>
+              <a:rPr kumimoji="1" lang="ja-JP" altLang="en-US" smtClean="0"/>
+              <a:t>第 </a:t>
+            </a:r>
+            <a:r>
+              <a:rPr kumimoji="1" lang="en-US" altLang="ja-JP" smtClean="0"/>
+              <a:t>2 </a:t>
+            </a:r>
+            <a:r>
+              <a:rPr kumimoji="1" lang="ja-JP" altLang="en-US" smtClean="0"/>
+              <a:t>レベル</a:t>
+            </a:r>
+          </a:p>
+          <a:p>
+            <a:pPr lvl="2"/>
+            <a:r>
+              <a:rPr kumimoji="1" lang="ja-JP" altLang="en-US" smtClean="0"/>
+              <a:t>第 </a:t>
+            </a:r>
+            <a:r>
+              <a:rPr kumimoji="1" lang="en-US" altLang="ja-JP" smtClean="0"/>
+              <a:t>3 </a:t>
+            </a:r>
+            <a:r>
+              <a:rPr kumimoji="1" lang="ja-JP" altLang="en-US" smtClean="0"/>
+              <a:t>レベル</a:t>
+            </a:r>
+          </a:p>
+          <a:p>
+            <a:pPr lvl="3"/>
+            <a:r>
+              <a:rPr kumimoji="1" lang="ja-JP" altLang="en-US" smtClean="0"/>
+              <a:t>第 </a:t>
+            </a:r>
+            <a:r>
+              <a:rPr kumimoji="1" lang="en-US" altLang="ja-JP" smtClean="0"/>
+              <a:t>4 </a:t>
+            </a:r>
+            <a:r>
+              <a:rPr kumimoji="1" lang="ja-JP" altLang="en-US" smtClean="0"/>
+              <a:t>レベル</a:t>
+            </a:r>
+          </a:p>
+          <a:p>
+            <a:pPr lvl="4"/>
+            <a:r>
+              <a:rPr kumimoji="1" lang="ja-JP" altLang="en-US" smtClean="0"/>
+              <a:t>第 </a:t>
+            </a:r>
+            <a:r>
+              <a:rPr kumimoji="1" lang="en-US" altLang="ja-JP" smtClean="0"/>
+              <a:t>5 </a:t>
+            </a:r>
+            <a:r>
+              <a:rPr kumimoji="1" lang="ja-JP" altLang="en-US" smtClean="0"/>
+              <a:t>レベル</a:t>
+            </a:r>
+            <a:endParaRPr kumimoji="1" lang="ja-JP" altLang="en-US"/>
+          </a:p>
+        </p:txBody>
+      </p:sp>
+      <p:sp>
+        <p:nvSpPr>
+          <p:cNvPr id="5" name="テキスト プレースホルダー 4"/>
+          <p:cNvSpPr>
+            <a:spLocks noGrp="1"/>
+          </p:cNvSpPr>
+          <p:nvPr>
+            <p:ph type="body" sz="quarter" idx="3"/>
+          </p:nvPr>
+        </p:nvSpPr>
+        <p:spPr>
+          <a:xfrm>
+            <a:off x="6172200" y="1681163"/>
+            <a:ext cx="5183188" cy="823912"/>
+          </a:xfrm>
+        </p:spPr>
+        <p:txBody>
+          <a:bodyPr anchor="b"/>
+          <a:lstStyle>
+            <a:lvl1pPr marL="0" indent="0">
+              <a:buNone/>
+              <a:defRPr sz="2400" b="1"/>
+            </a:lvl1pPr>
+            <a:lvl2pPr marL="457200" indent="0">
+              <a:buNone/>
+              <a:defRPr sz="2000" b="1"/>
+            </a:lvl2pPr>
+            <a:lvl3pPr marL="914400" indent="0">
+              <a:buNone/>
+              <a:defRPr sz="1800" b="1"/>
+            </a:lvl3pPr>
+            <a:lvl4pPr marL="1371600" indent="0">
+              <a:buNone/>
+              <a:defRPr sz="1600" b="1"/>
+            </a:lvl4pPr>
+            <a:lvl5pPr marL="1828800" indent="0">
+              <a:buNone/>
+              <a:defRPr sz="1600" b="1"/>
+            </a:lvl5pPr>
+            <a:lvl6pPr marL="2286000" indent="0">
+              <a:buNone/>
+              <a:defRPr sz="1600" b="1"/>
+            </a:lvl6pPr>
+            <a:lvl7pPr marL="2743200" indent="0">
+              <a:buNone/>
+              <a:defRPr sz="1600" b="1"/>
+            </a:lvl7pPr>
+            <a:lvl8pPr marL="3200400" indent="0">
+              <a:buNone/>
+              <a:defRPr sz="1600" b="1"/>
+            </a:lvl8pPr>
+            <a:lvl9pPr marL="3657600" indent="0">
+              <a:buNone/>
+              <a:defRPr sz="1600" b="1"/>
+            </a:lvl9pPr>
+          </a:lstStyle>
+          <a:p>
+            <a:pPr lvl="0"/>
+            <a:r>
+              <a:rPr kumimoji="1" lang="ja-JP" altLang="en-US" smtClean="0"/>
+              <a:t>マスター テキストの書式設定</a:t>
+            </a:r>
+          </a:p>
+        </p:txBody>
+      </p:sp>
+      <p:sp>
+        <p:nvSpPr>
+          <p:cNvPr id="6" name="コンテンツ プレースホルダー 5"/>
+          <p:cNvSpPr>
+            <a:spLocks noGrp="1"/>
+          </p:cNvSpPr>
+          <p:nvPr>
+            <p:ph sz="quarter" idx="4"/>
+          </p:nvPr>
+        </p:nvSpPr>
+        <p:spPr>
+          <a:xfrm>
+            <a:off x="6172200" y="2505075"/>
+            <a:ext cx="5183188" cy="3684588"/>
+          </a:xfrm>
+        </p:spPr>
+        <p:txBody>
+          <a:bodyPr/>
+          <a:lstStyle/>
+          <a:p>
+            <a:pPr lvl="0"/>
+            <a:r>
+              <a:rPr kumimoji="1" lang="ja-JP" altLang="en-US" smtClean="0"/>
+              <a:t>マスター テキストの書式設定</a:t>
+            </a:r>
+          </a:p>
+          <a:p>
+            <a:pPr lvl="1"/>
+            <a:r>
+              <a:rPr kumimoji="1" lang="ja-JP" altLang="en-US" smtClean="0"/>
+              <a:t>第 </a:t>
+            </a:r>
+            <a:r>
+              <a:rPr kumimoji="1" lang="en-US" altLang="ja-JP" smtClean="0"/>
+              <a:t>2 </a:t>
+            </a:r>
+            <a:r>
+              <a:rPr kumimoji="1" lang="ja-JP" altLang="en-US" smtClean="0"/>
+              <a:t>レベル</a:t>
+            </a:r>
+          </a:p>
+          <a:p>
+            <a:pPr lvl="2"/>
+            <a:r>
+              <a:rPr kumimoji="1" lang="ja-JP" altLang="en-US" smtClean="0"/>
+              <a:t>第 </a:t>
+            </a:r>
+            <a:r>
+              <a:rPr kumimoji="1" lang="en-US" altLang="ja-JP" smtClean="0"/>
+              <a:t>3 </a:t>
+            </a:r>
+            <a:r>
+              <a:rPr kumimoji="1" lang="ja-JP" altLang="en-US" smtClean="0"/>
+              <a:t>レベル</a:t>
+            </a:r>
+          </a:p>
+          <a:p>
+            <a:pPr lvl="3"/>
+            <a:r>
+              <a:rPr kumimoji="1" lang="ja-JP" altLang="en-US" smtClean="0"/>
+              <a:t>第 </a:t>
+            </a:r>
+            <a:r>
+              <a:rPr kumimoji="1" lang="en-US" altLang="ja-JP" smtClean="0"/>
+              <a:t>4 </a:t>
+            </a:r>
+            <a:r>
+              <a:rPr kumimoji="1" lang="ja-JP" altLang="en-US" smtClean="0"/>
+              <a:t>レベル</a:t>
+            </a:r>
+          </a:p>
+          <a:p>
+            <a:pPr lvl="4"/>
+            <a:r>
+              <a:rPr kumimoji="1" lang="ja-JP" altLang="en-US" smtClean="0"/>
+              <a:t>第 </a:t>
+            </a:r>
+            <a:r>
+              <a:rPr kumimoji="1" lang="en-US" altLang="ja-JP" smtClean="0"/>
+              <a:t>5 </a:t>
+            </a:r>
+            <a:r>
+              <a:rPr kumimoji="1" lang="ja-JP" altLang="en-US" smtClean="0"/>
+              <a:t>レベル</a:t>
+            </a:r>
+            <a:endParaRPr kumimoji="1" lang="ja-JP" altLang="en-US"/>
+          </a:p>
+        </p:txBody>
+      </p:sp>
+      <p:sp>
+        <p:nvSpPr>
+          <p:cNvPr id="7" name="日付プレースホルダー 6"/>
+          <p:cNvSpPr>
+            <a:spLocks noGrp="1"/>
+          </p:cNvSpPr>
+          <p:nvPr>
+            <p:ph type="dt" sz="half" idx="10"/>
+          </p:nvPr>
+        </p:nvSpPr>
+        <p:spPr/>
+        <p:txBody>
+          <a:bodyPr/>
+          <a:lstStyle/>
+          <a:p>
+            <a:fld id="{883B3C6D-282E-42C1-9E7D-429647502DFC}" type="datetimeFigureOut">
+              <a:rPr lang="ja-JP" altLang="en-US" smtClean="0">
+                <a:solidFill>
+                  <a:prstClr val="black">
+                    <a:tint val="75000"/>
+                  </a:prstClr>
+                </a:solidFill>
+              </a:rPr>
+              <a:pPr/>
+              <a:t>2018/1/13</a:t>
+            </a:fld>
+            <a:endParaRPr lang="ja-JP" altLang="en-US">
+              <a:solidFill>
+                <a:prstClr val="black">
+                  <a:tint val="75000"/>
+                </a:prstClr>
+              </a:solidFill>
+            </a:endParaRPr>
+          </a:p>
+        </p:txBody>
+      </p:sp>
+      <p:sp>
+        <p:nvSpPr>
+          <p:cNvPr id="8" name="フッター プレースホルダー 7"/>
+          <p:cNvSpPr>
+            <a:spLocks noGrp="1"/>
+          </p:cNvSpPr>
+          <p:nvPr>
+            <p:ph type="ftr" sz="quarter" idx="11"/>
+          </p:nvPr>
+        </p:nvSpPr>
+        <p:spPr/>
+        <p:txBody>
+          <a:bodyPr/>
+          <a:lstStyle/>
+          <a:p>
+            <a:endParaRPr lang="ja-JP" altLang="en-US">
+              <a:solidFill>
+                <a:prstClr val="black">
+                  <a:tint val="75000"/>
+                </a:prstClr>
+              </a:solidFill>
+            </a:endParaRPr>
+          </a:p>
+        </p:txBody>
+      </p:sp>
+      <p:sp>
+        <p:nvSpPr>
+          <p:cNvPr id="9" name="スライド番号プレースホルダー 8"/>
+          <p:cNvSpPr>
+            <a:spLocks noGrp="1"/>
+          </p:cNvSpPr>
+          <p:nvPr>
+            <p:ph type="sldNum" sz="quarter" idx="12"/>
+          </p:nvPr>
+        </p:nvSpPr>
+        <p:spPr/>
+        <p:txBody>
+          <a:bodyPr/>
+          <a:lstStyle/>
+          <a:p>
+            <a:fld id="{2DA3CA9B-CCFC-4673-9E7E-B5DFFFD59962}" type="slidenum">
+              <a:rPr lang="ja-JP" altLang="en-US" smtClean="0">
+                <a:solidFill>
+                  <a:prstClr val="black">
+                    <a:tint val="75000"/>
+                  </a:prstClr>
+                </a:solidFill>
+              </a:rPr>
+              <a:pPr/>
+              <a:t>‹#›</a:t>
+            </a:fld>
+            <a:endParaRPr lang="ja-JP" altLang="en-US">
+              <a:solidFill>
+                <a:prstClr val="black">
+                  <a:tint val="75000"/>
+                </a:prstClr>
+              </a:solidFill>
+            </a:endParaRPr>
+          </a:p>
+        </p:txBody>
+      </p:sp>
+    </p:spTree>
+    <p:extLst>
+      <p:ext uri="{BB962C8B-B14F-4D97-AF65-F5344CB8AC3E}">
+        <p14:creationId xmlns:p14="http://schemas.microsoft.com/office/powerpoint/2010/main" val="37923996"/>
+      </p:ext>
+    </p:extLst>
+  </p:cSld>
+  <p:clrMapOvr>
+    <a:masterClrMapping/>
+  </p:clrMapOvr>
+</p:sldLayout>
+</file>
+
+<file path=ppt/slideLayouts/slideLayout17.xml><?xml version="1.0" encoding="utf-8"?>
+<p:sldLayout xmlns:a="http://schemas.openxmlformats.org/drawingml/2006/main" xmlns:r="http://schemas.openxmlformats.org/officeDocument/2006/relationships" xmlns:p="http://schemas.openxmlformats.org/presentationml/2006/main" type="titleOnly" preserve="1">
+  <p:cSld name="タイトルのみ">
+    <p:spTree>
+      <p:nvGrpSpPr>
+        <p:cNvPr id="1" name=""/>
+        <p:cNvGrpSpPr/>
+        <p:nvPr/>
+      </p:nvGrpSpPr>
+      <p:grpSpPr>
+        <a:xfrm>
+          <a:off x="0" y="0"/>
+          <a:ext cx="0" cy="0"/>
+          <a:chOff x="0" y="0"/>
+          <a:chExt cx="0" cy="0"/>
+        </a:xfrm>
+      </p:grpSpPr>
+      <p:sp>
+        <p:nvSpPr>
+          <p:cNvPr id="2" name="タイトル 1"/>
+          <p:cNvSpPr>
+            <a:spLocks noGrp="1"/>
+          </p:cNvSpPr>
+          <p:nvPr>
+            <p:ph type="title"/>
+          </p:nvPr>
+        </p:nvSpPr>
+        <p:spPr/>
+        <p:txBody>
+          <a:bodyPr/>
+          <a:lstStyle/>
+          <a:p>
+            <a:r>
+              <a:rPr kumimoji="1" lang="ja-JP" altLang="en-US" smtClean="0"/>
+              <a:t>マスター タイトルの書式設定</a:t>
+            </a:r>
+            <a:endParaRPr kumimoji="1" lang="ja-JP" altLang="en-US"/>
+          </a:p>
+        </p:txBody>
+      </p:sp>
+      <p:sp>
+        <p:nvSpPr>
+          <p:cNvPr id="3" name="日付プレースホルダー 2"/>
+          <p:cNvSpPr>
+            <a:spLocks noGrp="1"/>
+          </p:cNvSpPr>
+          <p:nvPr>
+            <p:ph type="dt" sz="half" idx="10"/>
+          </p:nvPr>
+        </p:nvSpPr>
+        <p:spPr/>
+        <p:txBody>
+          <a:bodyPr/>
+          <a:lstStyle/>
+          <a:p>
+            <a:fld id="{883B3C6D-282E-42C1-9E7D-429647502DFC}" type="datetimeFigureOut">
+              <a:rPr lang="ja-JP" altLang="en-US" smtClean="0">
+                <a:solidFill>
+                  <a:prstClr val="black">
+                    <a:tint val="75000"/>
+                  </a:prstClr>
+                </a:solidFill>
+              </a:rPr>
+              <a:pPr/>
+              <a:t>2018/1/13</a:t>
+            </a:fld>
+            <a:endParaRPr lang="ja-JP" altLang="en-US">
+              <a:solidFill>
+                <a:prstClr val="black">
+                  <a:tint val="75000"/>
+                </a:prstClr>
+              </a:solidFill>
+            </a:endParaRPr>
+          </a:p>
+        </p:txBody>
+      </p:sp>
+      <p:sp>
+        <p:nvSpPr>
+          <p:cNvPr id="4" name="フッター プレースホルダー 3"/>
+          <p:cNvSpPr>
+            <a:spLocks noGrp="1"/>
+          </p:cNvSpPr>
+          <p:nvPr>
+            <p:ph type="ftr" sz="quarter" idx="11"/>
+          </p:nvPr>
+        </p:nvSpPr>
+        <p:spPr/>
+        <p:txBody>
+          <a:bodyPr/>
+          <a:lstStyle/>
+          <a:p>
+            <a:endParaRPr lang="ja-JP" altLang="en-US">
+              <a:solidFill>
+                <a:prstClr val="black">
+                  <a:tint val="75000"/>
+                </a:prstClr>
+              </a:solidFill>
+            </a:endParaRPr>
+          </a:p>
+        </p:txBody>
+      </p:sp>
+      <p:sp>
+        <p:nvSpPr>
+          <p:cNvPr id="5" name="スライド番号プレースホルダー 4"/>
+          <p:cNvSpPr>
+            <a:spLocks noGrp="1"/>
+          </p:cNvSpPr>
+          <p:nvPr>
+            <p:ph type="sldNum" sz="quarter" idx="12"/>
+          </p:nvPr>
+        </p:nvSpPr>
+        <p:spPr/>
+        <p:txBody>
+          <a:bodyPr/>
+          <a:lstStyle/>
+          <a:p>
+            <a:fld id="{2DA3CA9B-CCFC-4673-9E7E-B5DFFFD59962}" type="slidenum">
+              <a:rPr lang="ja-JP" altLang="en-US" smtClean="0">
+                <a:solidFill>
+                  <a:prstClr val="black">
+                    <a:tint val="75000"/>
+                  </a:prstClr>
+                </a:solidFill>
+              </a:rPr>
+              <a:pPr/>
+              <a:t>‹#›</a:t>
+            </a:fld>
+            <a:endParaRPr lang="ja-JP" altLang="en-US">
+              <a:solidFill>
+                <a:prstClr val="black">
+                  <a:tint val="75000"/>
+                </a:prstClr>
+              </a:solidFill>
+            </a:endParaRPr>
+          </a:p>
+        </p:txBody>
+      </p:sp>
+    </p:spTree>
+    <p:extLst>
+      <p:ext uri="{BB962C8B-B14F-4D97-AF65-F5344CB8AC3E}">
+        <p14:creationId xmlns:p14="http://schemas.microsoft.com/office/powerpoint/2010/main" val="2167255230"/>
+      </p:ext>
+    </p:extLst>
+  </p:cSld>
+  <p:clrMapOvr>
+    <a:masterClrMapping/>
+  </p:clrMapOvr>
+</p:sldLayout>
+</file>
+
+<file path=ppt/slideLayouts/slideLayout18.xml><?xml version="1.0" encoding="utf-8"?>
+<p:sldLayout xmlns:a="http://schemas.openxmlformats.org/drawingml/2006/main" xmlns:r="http://schemas.openxmlformats.org/officeDocument/2006/relationships" xmlns:p="http://schemas.openxmlformats.org/presentationml/2006/main" type="blank" preserve="1">
+  <p:cSld name="白紙">
+    <p:spTree>
+      <p:nvGrpSpPr>
+        <p:cNvPr id="1" name=""/>
+        <p:cNvGrpSpPr/>
+        <p:nvPr/>
+      </p:nvGrpSpPr>
+      <p:grpSpPr>
+        <a:xfrm>
+          <a:off x="0" y="0"/>
+          <a:ext cx="0" cy="0"/>
+          <a:chOff x="0" y="0"/>
+          <a:chExt cx="0" cy="0"/>
+        </a:xfrm>
+      </p:grpSpPr>
+      <p:sp>
+        <p:nvSpPr>
+          <p:cNvPr id="2" name="日付プレースホルダー 1"/>
+          <p:cNvSpPr>
+            <a:spLocks noGrp="1"/>
+          </p:cNvSpPr>
+          <p:nvPr>
+            <p:ph type="dt" sz="half" idx="10"/>
+          </p:nvPr>
+        </p:nvSpPr>
+        <p:spPr/>
+        <p:txBody>
+          <a:bodyPr/>
+          <a:lstStyle/>
+          <a:p>
+            <a:fld id="{883B3C6D-282E-42C1-9E7D-429647502DFC}" type="datetimeFigureOut">
+              <a:rPr lang="ja-JP" altLang="en-US" smtClean="0">
+                <a:solidFill>
+                  <a:prstClr val="black">
+                    <a:tint val="75000"/>
+                  </a:prstClr>
+                </a:solidFill>
+              </a:rPr>
+              <a:pPr/>
+              <a:t>2018/1/13</a:t>
+            </a:fld>
+            <a:endParaRPr lang="ja-JP" altLang="en-US">
+              <a:solidFill>
+                <a:prstClr val="black">
+                  <a:tint val="75000"/>
+                </a:prstClr>
+              </a:solidFill>
+            </a:endParaRPr>
+          </a:p>
+        </p:txBody>
+      </p:sp>
+      <p:sp>
+        <p:nvSpPr>
+          <p:cNvPr id="3" name="フッター プレースホルダー 2"/>
+          <p:cNvSpPr>
+            <a:spLocks noGrp="1"/>
+          </p:cNvSpPr>
+          <p:nvPr>
+            <p:ph type="ftr" sz="quarter" idx="11"/>
+          </p:nvPr>
+        </p:nvSpPr>
+        <p:spPr/>
+        <p:txBody>
+          <a:bodyPr/>
+          <a:lstStyle/>
+          <a:p>
+            <a:endParaRPr lang="ja-JP" altLang="en-US">
+              <a:solidFill>
+                <a:prstClr val="black">
+                  <a:tint val="75000"/>
+                </a:prstClr>
+              </a:solidFill>
+            </a:endParaRPr>
+          </a:p>
+        </p:txBody>
+      </p:sp>
+      <p:sp>
+        <p:nvSpPr>
+          <p:cNvPr id="4" name="スライド番号プレースホルダー 3"/>
+          <p:cNvSpPr>
+            <a:spLocks noGrp="1"/>
+          </p:cNvSpPr>
+          <p:nvPr>
+            <p:ph type="sldNum" sz="quarter" idx="12"/>
+          </p:nvPr>
+        </p:nvSpPr>
+        <p:spPr/>
+        <p:txBody>
+          <a:bodyPr/>
+          <a:lstStyle/>
+          <a:p>
+            <a:fld id="{2DA3CA9B-CCFC-4673-9E7E-B5DFFFD59962}" type="slidenum">
+              <a:rPr lang="ja-JP" altLang="en-US" smtClean="0">
+                <a:solidFill>
+                  <a:prstClr val="black">
+                    <a:tint val="75000"/>
+                  </a:prstClr>
+                </a:solidFill>
+              </a:rPr>
+              <a:pPr/>
+              <a:t>‹#›</a:t>
+            </a:fld>
+            <a:endParaRPr lang="ja-JP" altLang="en-US">
+              <a:solidFill>
+                <a:prstClr val="black">
+                  <a:tint val="75000"/>
+                </a:prstClr>
+              </a:solidFill>
+            </a:endParaRPr>
+          </a:p>
+        </p:txBody>
+      </p:sp>
+    </p:spTree>
+    <p:extLst>
+      <p:ext uri="{BB962C8B-B14F-4D97-AF65-F5344CB8AC3E}">
+        <p14:creationId xmlns:p14="http://schemas.microsoft.com/office/powerpoint/2010/main" val="2269405499"/>
+      </p:ext>
+    </p:extLst>
+  </p:cSld>
+  <p:clrMapOvr>
+    <a:masterClrMapping/>
+  </p:clrMapOvr>
+</p:sldLayout>
+</file>
+
+<file path=ppt/slideLayouts/slideLayout19.xml><?xml version="1.0" encoding="utf-8"?>
+<p:sldLayout xmlns:a="http://schemas.openxmlformats.org/drawingml/2006/main" xmlns:r="http://schemas.openxmlformats.org/officeDocument/2006/relationships" xmlns:p="http://schemas.openxmlformats.org/presentationml/2006/main" type="objTx" preserve="1">
+  <p:cSld name="タイトル付きの&#10;コンテンツ">
+    <p:spTree>
+      <p:nvGrpSpPr>
+        <p:cNvPr id="1" name=""/>
+        <p:cNvGrpSpPr/>
+        <p:nvPr/>
+      </p:nvGrpSpPr>
+      <p:grpSpPr>
+        <a:xfrm>
+          <a:off x="0" y="0"/>
+          <a:ext cx="0" cy="0"/>
+          <a:chOff x="0" y="0"/>
+          <a:chExt cx="0" cy="0"/>
+        </a:xfrm>
+      </p:grpSpPr>
+      <p:sp>
+        <p:nvSpPr>
+          <p:cNvPr id="2" name="タイトル 1"/>
+          <p:cNvSpPr>
+            <a:spLocks noGrp="1"/>
+          </p:cNvSpPr>
+          <p:nvPr>
+            <p:ph type="title"/>
+          </p:nvPr>
+        </p:nvSpPr>
+        <p:spPr>
+          <a:xfrm>
+            <a:off x="839788" y="457200"/>
+            <a:ext cx="3932237" cy="1600200"/>
+          </a:xfrm>
+        </p:spPr>
+        <p:txBody>
+          <a:bodyPr anchor="b"/>
+          <a:lstStyle>
+            <a:lvl1pPr>
+              <a:defRPr sz="3200"/>
+            </a:lvl1pPr>
+          </a:lstStyle>
+          <a:p>
+            <a:r>
+              <a:rPr kumimoji="1" lang="ja-JP" altLang="en-US" smtClean="0"/>
+              <a:t>マスター タイトルの書式設定</a:t>
+            </a:r>
+            <a:endParaRPr kumimoji="1" lang="ja-JP" altLang="en-US"/>
+          </a:p>
+        </p:txBody>
+      </p:sp>
+      <p:sp>
+        <p:nvSpPr>
+          <p:cNvPr id="3" name="コンテンツ プレースホルダー 2"/>
+          <p:cNvSpPr>
+            <a:spLocks noGrp="1"/>
+          </p:cNvSpPr>
+          <p:nvPr>
+            <p:ph idx="1"/>
+          </p:nvPr>
+        </p:nvSpPr>
+        <p:spPr>
+          <a:xfrm>
+            <a:off x="5183188" y="987425"/>
+            <a:ext cx="6172200" cy="4873625"/>
+          </a:xfrm>
+        </p:spPr>
+        <p:txBody>
+          <a:bodyPr/>
+          <a:lstStyle>
+            <a:lvl1pPr>
+              <a:defRPr sz="3200"/>
+            </a:lvl1pPr>
+            <a:lvl2pPr>
+              <a:defRPr sz="2800"/>
+            </a:lvl2pPr>
+            <a:lvl3pPr>
+              <a:defRPr sz="2400"/>
+            </a:lvl3pPr>
+            <a:lvl4pPr>
+              <a:defRPr sz="2000"/>
+            </a:lvl4pPr>
+            <a:lvl5pPr>
+              <a:defRPr sz="2000"/>
+            </a:lvl5pPr>
+            <a:lvl6pPr>
+              <a:defRPr sz="2000"/>
+            </a:lvl6pPr>
+            <a:lvl7pPr>
+              <a:defRPr sz="2000"/>
+            </a:lvl7pPr>
+            <a:lvl8pPr>
+              <a:defRPr sz="2000"/>
+            </a:lvl8pPr>
+            <a:lvl9pPr>
+              <a:defRPr sz="2000"/>
+            </a:lvl9pPr>
+          </a:lstStyle>
+          <a:p>
+            <a:pPr lvl="0"/>
+            <a:r>
+              <a:rPr kumimoji="1" lang="ja-JP" altLang="en-US" smtClean="0"/>
+              <a:t>マスター テキストの書式設定</a:t>
+            </a:r>
+          </a:p>
+          <a:p>
+            <a:pPr lvl="1"/>
+            <a:r>
+              <a:rPr kumimoji="1" lang="ja-JP" altLang="en-US" smtClean="0"/>
+              <a:t>第 </a:t>
+            </a:r>
+            <a:r>
+              <a:rPr kumimoji="1" lang="en-US" altLang="ja-JP" smtClean="0"/>
+              <a:t>2 </a:t>
+            </a:r>
+            <a:r>
+              <a:rPr kumimoji="1" lang="ja-JP" altLang="en-US" smtClean="0"/>
+              <a:t>レベル</a:t>
+            </a:r>
+          </a:p>
+          <a:p>
+            <a:pPr lvl="2"/>
+            <a:r>
+              <a:rPr kumimoji="1" lang="ja-JP" altLang="en-US" smtClean="0"/>
+              <a:t>第 </a:t>
+            </a:r>
+            <a:r>
+              <a:rPr kumimoji="1" lang="en-US" altLang="ja-JP" smtClean="0"/>
+              <a:t>3 </a:t>
+            </a:r>
+            <a:r>
+              <a:rPr kumimoji="1" lang="ja-JP" altLang="en-US" smtClean="0"/>
+              <a:t>レベル</a:t>
+            </a:r>
+          </a:p>
+          <a:p>
+            <a:pPr lvl="3"/>
+            <a:r>
+              <a:rPr kumimoji="1" lang="ja-JP" altLang="en-US" smtClean="0"/>
+              <a:t>第 </a:t>
+            </a:r>
+            <a:r>
+              <a:rPr kumimoji="1" lang="en-US" altLang="ja-JP" smtClean="0"/>
+              <a:t>4 </a:t>
+            </a:r>
+            <a:r>
+              <a:rPr kumimoji="1" lang="ja-JP" altLang="en-US" smtClean="0"/>
+              <a:t>レベル</a:t>
+            </a:r>
+          </a:p>
+          <a:p>
+            <a:pPr lvl="4"/>
+            <a:r>
+              <a:rPr kumimoji="1" lang="ja-JP" altLang="en-US" smtClean="0"/>
+              <a:t>第 </a:t>
+            </a:r>
+            <a:r>
+              <a:rPr kumimoji="1" lang="en-US" altLang="ja-JP" smtClean="0"/>
+              <a:t>5 </a:t>
+            </a:r>
+            <a:r>
+              <a:rPr kumimoji="1" lang="ja-JP" altLang="en-US" smtClean="0"/>
+              <a:t>レベル</a:t>
+            </a:r>
+            <a:endParaRPr kumimoji="1" lang="ja-JP" altLang="en-US"/>
+          </a:p>
+        </p:txBody>
+      </p:sp>
+      <p:sp>
+        <p:nvSpPr>
+          <p:cNvPr id="4" name="テキスト プレースホルダー 3"/>
+          <p:cNvSpPr>
+            <a:spLocks noGrp="1"/>
+          </p:cNvSpPr>
+          <p:nvPr>
+            <p:ph type="body" sz="half" idx="2"/>
+          </p:nvPr>
+        </p:nvSpPr>
+        <p:spPr>
+          <a:xfrm>
+            <a:off x="839788" y="2057400"/>
+            <a:ext cx="3932237" cy="3811588"/>
+          </a:xfrm>
+        </p:spPr>
+        <p:txBody>
+          <a:bodyPr/>
+          <a:lstStyle>
+            <a:lvl1pPr marL="0" indent="0">
+              <a:buNone/>
+              <a:defRPr sz="1600"/>
+            </a:lvl1pPr>
+            <a:lvl2pPr marL="457200" indent="0">
+              <a:buNone/>
+              <a:defRPr sz="1400"/>
+            </a:lvl2pPr>
+            <a:lvl3pPr marL="914400" indent="0">
+              <a:buNone/>
+              <a:defRPr sz="1200"/>
+            </a:lvl3pPr>
+            <a:lvl4pPr marL="1371600" indent="0">
+              <a:buNone/>
+              <a:defRPr sz="1000"/>
+            </a:lvl4pPr>
+            <a:lvl5pPr marL="1828800" indent="0">
+              <a:buNone/>
+              <a:defRPr sz="1000"/>
+            </a:lvl5pPr>
+            <a:lvl6pPr marL="2286000" indent="0">
+              <a:buNone/>
+              <a:defRPr sz="1000"/>
+            </a:lvl6pPr>
+            <a:lvl7pPr marL="2743200" indent="0">
+              <a:buNone/>
+              <a:defRPr sz="1000"/>
+            </a:lvl7pPr>
+            <a:lvl8pPr marL="3200400" indent="0">
+              <a:buNone/>
+              <a:defRPr sz="1000"/>
+            </a:lvl8pPr>
+            <a:lvl9pPr marL="3657600" indent="0">
+              <a:buNone/>
+              <a:defRPr sz="1000"/>
+            </a:lvl9pPr>
+          </a:lstStyle>
+          <a:p>
+            <a:pPr lvl="0"/>
+            <a:r>
+              <a:rPr kumimoji="1" lang="ja-JP" altLang="en-US" smtClean="0"/>
+              <a:t>マスター テキストの書式設定</a:t>
+            </a:r>
+          </a:p>
+        </p:txBody>
+      </p:sp>
+      <p:sp>
+        <p:nvSpPr>
+          <p:cNvPr id="5" name="日付プレースホルダー 4"/>
+          <p:cNvSpPr>
+            <a:spLocks noGrp="1"/>
+          </p:cNvSpPr>
+          <p:nvPr>
+            <p:ph type="dt" sz="half" idx="10"/>
+          </p:nvPr>
+        </p:nvSpPr>
+        <p:spPr/>
+        <p:txBody>
+          <a:bodyPr/>
+          <a:lstStyle/>
+          <a:p>
+            <a:fld id="{883B3C6D-282E-42C1-9E7D-429647502DFC}" type="datetimeFigureOut">
+              <a:rPr lang="ja-JP" altLang="en-US" smtClean="0">
+                <a:solidFill>
+                  <a:prstClr val="black">
+                    <a:tint val="75000"/>
+                  </a:prstClr>
+                </a:solidFill>
+              </a:rPr>
+              <a:pPr/>
+              <a:t>2018/1/13</a:t>
+            </a:fld>
+            <a:endParaRPr lang="ja-JP" altLang="en-US">
+              <a:solidFill>
+                <a:prstClr val="black">
+                  <a:tint val="75000"/>
+                </a:prstClr>
+              </a:solidFill>
+            </a:endParaRPr>
+          </a:p>
+        </p:txBody>
+      </p:sp>
+      <p:sp>
+        <p:nvSpPr>
+          <p:cNvPr id="6" name="フッター プレースホルダー 5"/>
+          <p:cNvSpPr>
+            <a:spLocks noGrp="1"/>
+          </p:cNvSpPr>
+          <p:nvPr>
+            <p:ph type="ftr" sz="quarter" idx="11"/>
+          </p:nvPr>
+        </p:nvSpPr>
+        <p:spPr/>
+        <p:txBody>
+          <a:bodyPr/>
+          <a:lstStyle/>
+          <a:p>
+            <a:endParaRPr lang="ja-JP" altLang="en-US">
+              <a:solidFill>
+                <a:prstClr val="black">
+                  <a:tint val="75000"/>
+                </a:prstClr>
+              </a:solidFill>
+            </a:endParaRPr>
+          </a:p>
+        </p:txBody>
+      </p:sp>
+      <p:sp>
+        <p:nvSpPr>
+          <p:cNvPr id="7" name="スライド番号プレースホルダー 6"/>
+          <p:cNvSpPr>
+            <a:spLocks noGrp="1"/>
+          </p:cNvSpPr>
+          <p:nvPr>
+            <p:ph type="sldNum" sz="quarter" idx="12"/>
+          </p:nvPr>
+        </p:nvSpPr>
+        <p:spPr/>
+        <p:txBody>
+          <a:bodyPr/>
+          <a:lstStyle/>
+          <a:p>
+            <a:fld id="{2DA3CA9B-CCFC-4673-9E7E-B5DFFFD59962}" type="slidenum">
+              <a:rPr lang="ja-JP" altLang="en-US" smtClean="0">
+                <a:solidFill>
+                  <a:prstClr val="black">
+                    <a:tint val="75000"/>
+                  </a:prstClr>
+                </a:solidFill>
+              </a:rPr>
+              <a:pPr/>
+              <a:t>‹#›</a:t>
+            </a:fld>
+            <a:endParaRPr lang="ja-JP" altLang="en-US">
+              <a:solidFill>
+                <a:prstClr val="black">
+                  <a:tint val="75000"/>
+                </a:prstClr>
+              </a:solidFill>
+            </a:endParaRPr>
+          </a:p>
+        </p:txBody>
+      </p:sp>
+    </p:spTree>
+    <p:extLst>
+      <p:ext uri="{BB962C8B-B14F-4D97-AF65-F5344CB8AC3E}">
+        <p14:creationId xmlns:p14="http://schemas.microsoft.com/office/powerpoint/2010/main" val="228825561"/>
+      </p:ext>
+    </p:extLst>
+  </p:cSld>
+  <p:clrMapOvr>
+    <a:masterClrMapping/>
+  </p:clrMapOvr>
+</p:sldLayout>
+</file>
+
 <file path=ppt/slideLayouts/slideLayout2.xml><?xml version="1.0" encoding="utf-8"?>
 <p:sldLayout xmlns:a="http://schemas.openxmlformats.org/drawingml/2006/main" xmlns:r="http://schemas.openxmlformats.org/officeDocument/2006/relationships" xmlns:p="http://schemas.openxmlformats.org/presentationml/2006/main" type="obj" preserve="1">
   <p:cSld name="タイトルとコンテンツ">
@@ -924,6 +3071,769 @@
     <p:extLst>
       <p:ext uri="{BB962C8B-B14F-4D97-AF65-F5344CB8AC3E}">
         <p14:creationId xmlns:p14="http://schemas.microsoft.com/office/powerpoint/2010/main" val="438634331"/>
+      </p:ext>
+    </p:extLst>
+  </p:cSld>
+  <p:clrMapOvr>
+    <a:masterClrMapping/>
+  </p:clrMapOvr>
+</p:sldLayout>
+</file>
+
+<file path=ppt/slideLayouts/slideLayout20.xml><?xml version="1.0" encoding="utf-8"?>
+<p:sldLayout xmlns:a="http://schemas.openxmlformats.org/drawingml/2006/main" xmlns:r="http://schemas.openxmlformats.org/officeDocument/2006/relationships" xmlns:p="http://schemas.openxmlformats.org/presentationml/2006/main" type="picTx" preserve="1">
+  <p:cSld name="タイトル付きの図">
+    <p:spTree>
+      <p:nvGrpSpPr>
+        <p:cNvPr id="1" name=""/>
+        <p:cNvGrpSpPr/>
+        <p:nvPr/>
+      </p:nvGrpSpPr>
+      <p:grpSpPr>
+        <a:xfrm>
+          <a:off x="0" y="0"/>
+          <a:ext cx="0" cy="0"/>
+          <a:chOff x="0" y="0"/>
+          <a:chExt cx="0" cy="0"/>
+        </a:xfrm>
+      </p:grpSpPr>
+      <p:sp>
+        <p:nvSpPr>
+          <p:cNvPr id="2" name="タイトル 1"/>
+          <p:cNvSpPr>
+            <a:spLocks noGrp="1"/>
+          </p:cNvSpPr>
+          <p:nvPr>
+            <p:ph type="title"/>
+          </p:nvPr>
+        </p:nvSpPr>
+        <p:spPr>
+          <a:xfrm>
+            <a:off x="839788" y="457200"/>
+            <a:ext cx="3932237" cy="1600200"/>
+          </a:xfrm>
+        </p:spPr>
+        <p:txBody>
+          <a:bodyPr anchor="b"/>
+          <a:lstStyle>
+            <a:lvl1pPr>
+              <a:defRPr sz="3200"/>
+            </a:lvl1pPr>
+          </a:lstStyle>
+          <a:p>
+            <a:r>
+              <a:rPr kumimoji="1" lang="ja-JP" altLang="en-US" smtClean="0"/>
+              <a:t>マスター タイトルの書式設定</a:t>
+            </a:r>
+            <a:endParaRPr kumimoji="1" lang="ja-JP" altLang="en-US"/>
+          </a:p>
+        </p:txBody>
+      </p:sp>
+      <p:sp>
+        <p:nvSpPr>
+          <p:cNvPr id="3" name="図プレースホルダー 2"/>
+          <p:cNvSpPr>
+            <a:spLocks noGrp="1"/>
+          </p:cNvSpPr>
+          <p:nvPr>
+            <p:ph type="pic" idx="1"/>
+          </p:nvPr>
+        </p:nvSpPr>
+        <p:spPr>
+          <a:xfrm>
+            <a:off x="5183188" y="987425"/>
+            <a:ext cx="6172200" cy="4873625"/>
+          </a:xfrm>
+        </p:spPr>
+        <p:txBody>
+          <a:bodyPr/>
+          <a:lstStyle>
+            <a:lvl1pPr marL="0" indent="0">
+              <a:buNone/>
+              <a:defRPr sz="3200"/>
+            </a:lvl1pPr>
+            <a:lvl2pPr marL="457200" indent="0">
+              <a:buNone/>
+              <a:defRPr sz="2800"/>
+            </a:lvl2pPr>
+            <a:lvl3pPr marL="914400" indent="0">
+              <a:buNone/>
+              <a:defRPr sz="2400"/>
+            </a:lvl3pPr>
+            <a:lvl4pPr marL="1371600" indent="0">
+              <a:buNone/>
+              <a:defRPr sz="2000"/>
+            </a:lvl4pPr>
+            <a:lvl5pPr marL="1828800" indent="0">
+              <a:buNone/>
+              <a:defRPr sz="2000"/>
+            </a:lvl5pPr>
+            <a:lvl6pPr marL="2286000" indent="0">
+              <a:buNone/>
+              <a:defRPr sz="2000"/>
+            </a:lvl6pPr>
+            <a:lvl7pPr marL="2743200" indent="0">
+              <a:buNone/>
+              <a:defRPr sz="2000"/>
+            </a:lvl7pPr>
+            <a:lvl8pPr marL="3200400" indent="0">
+              <a:buNone/>
+              <a:defRPr sz="2000"/>
+            </a:lvl8pPr>
+            <a:lvl9pPr marL="3657600" indent="0">
+              <a:buNone/>
+              <a:defRPr sz="2000"/>
+            </a:lvl9pPr>
+          </a:lstStyle>
+          <a:p>
+            <a:endParaRPr kumimoji="1" lang="ja-JP" altLang="en-US"/>
+          </a:p>
+        </p:txBody>
+      </p:sp>
+      <p:sp>
+        <p:nvSpPr>
+          <p:cNvPr id="4" name="テキスト プレースホルダー 3"/>
+          <p:cNvSpPr>
+            <a:spLocks noGrp="1"/>
+          </p:cNvSpPr>
+          <p:nvPr>
+            <p:ph type="body" sz="half" idx="2"/>
+          </p:nvPr>
+        </p:nvSpPr>
+        <p:spPr>
+          <a:xfrm>
+            <a:off x="839788" y="2057400"/>
+            <a:ext cx="3932237" cy="3811588"/>
+          </a:xfrm>
+        </p:spPr>
+        <p:txBody>
+          <a:bodyPr/>
+          <a:lstStyle>
+            <a:lvl1pPr marL="0" indent="0">
+              <a:buNone/>
+              <a:defRPr sz="1600"/>
+            </a:lvl1pPr>
+            <a:lvl2pPr marL="457200" indent="0">
+              <a:buNone/>
+              <a:defRPr sz="1400"/>
+            </a:lvl2pPr>
+            <a:lvl3pPr marL="914400" indent="0">
+              <a:buNone/>
+              <a:defRPr sz="1200"/>
+            </a:lvl3pPr>
+            <a:lvl4pPr marL="1371600" indent="0">
+              <a:buNone/>
+              <a:defRPr sz="1000"/>
+            </a:lvl4pPr>
+            <a:lvl5pPr marL="1828800" indent="0">
+              <a:buNone/>
+              <a:defRPr sz="1000"/>
+            </a:lvl5pPr>
+            <a:lvl6pPr marL="2286000" indent="0">
+              <a:buNone/>
+              <a:defRPr sz="1000"/>
+            </a:lvl6pPr>
+            <a:lvl7pPr marL="2743200" indent="0">
+              <a:buNone/>
+              <a:defRPr sz="1000"/>
+            </a:lvl7pPr>
+            <a:lvl8pPr marL="3200400" indent="0">
+              <a:buNone/>
+              <a:defRPr sz="1000"/>
+            </a:lvl8pPr>
+            <a:lvl9pPr marL="3657600" indent="0">
+              <a:buNone/>
+              <a:defRPr sz="1000"/>
+            </a:lvl9pPr>
+          </a:lstStyle>
+          <a:p>
+            <a:pPr lvl="0"/>
+            <a:r>
+              <a:rPr kumimoji="1" lang="ja-JP" altLang="en-US" smtClean="0"/>
+              <a:t>マスター テキストの書式設定</a:t>
+            </a:r>
+          </a:p>
+        </p:txBody>
+      </p:sp>
+      <p:sp>
+        <p:nvSpPr>
+          <p:cNvPr id="5" name="日付プレースホルダー 4"/>
+          <p:cNvSpPr>
+            <a:spLocks noGrp="1"/>
+          </p:cNvSpPr>
+          <p:nvPr>
+            <p:ph type="dt" sz="half" idx="10"/>
+          </p:nvPr>
+        </p:nvSpPr>
+        <p:spPr/>
+        <p:txBody>
+          <a:bodyPr/>
+          <a:lstStyle/>
+          <a:p>
+            <a:fld id="{883B3C6D-282E-42C1-9E7D-429647502DFC}" type="datetimeFigureOut">
+              <a:rPr lang="ja-JP" altLang="en-US" smtClean="0">
+                <a:solidFill>
+                  <a:prstClr val="black">
+                    <a:tint val="75000"/>
+                  </a:prstClr>
+                </a:solidFill>
+              </a:rPr>
+              <a:pPr/>
+              <a:t>2018/1/13</a:t>
+            </a:fld>
+            <a:endParaRPr lang="ja-JP" altLang="en-US">
+              <a:solidFill>
+                <a:prstClr val="black">
+                  <a:tint val="75000"/>
+                </a:prstClr>
+              </a:solidFill>
+            </a:endParaRPr>
+          </a:p>
+        </p:txBody>
+      </p:sp>
+      <p:sp>
+        <p:nvSpPr>
+          <p:cNvPr id="6" name="フッター プレースホルダー 5"/>
+          <p:cNvSpPr>
+            <a:spLocks noGrp="1"/>
+          </p:cNvSpPr>
+          <p:nvPr>
+            <p:ph type="ftr" sz="quarter" idx="11"/>
+          </p:nvPr>
+        </p:nvSpPr>
+        <p:spPr/>
+        <p:txBody>
+          <a:bodyPr/>
+          <a:lstStyle/>
+          <a:p>
+            <a:endParaRPr lang="ja-JP" altLang="en-US">
+              <a:solidFill>
+                <a:prstClr val="black">
+                  <a:tint val="75000"/>
+                </a:prstClr>
+              </a:solidFill>
+            </a:endParaRPr>
+          </a:p>
+        </p:txBody>
+      </p:sp>
+      <p:sp>
+        <p:nvSpPr>
+          <p:cNvPr id="7" name="スライド番号プレースホルダー 6"/>
+          <p:cNvSpPr>
+            <a:spLocks noGrp="1"/>
+          </p:cNvSpPr>
+          <p:nvPr>
+            <p:ph type="sldNum" sz="quarter" idx="12"/>
+          </p:nvPr>
+        </p:nvSpPr>
+        <p:spPr/>
+        <p:txBody>
+          <a:bodyPr/>
+          <a:lstStyle/>
+          <a:p>
+            <a:fld id="{2DA3CA9B-CCFC-4673-9E7E-B5DFFFD59962}" type="slidenum">
+              <a:rPr lang="ja-JP" altLang="en-US" smtClean="0">
+                <a:solidFill>
+                  <a:prstClr val="black">
+                    <a:tint val="75000"/>
+                  </a:prstClr>
+                </a:solidFill>
+              </a:rPr>
+              <a:pPr/>
+              <a:t>‹#›</a:t>
+            </a:fld>
+            <a:endParaRPr lang="ja-JP" altLang="en-US">
+              <a:solidFill>
+                <a:prstClr val="black">
+                  <a:tint val="75000"/>
+                </a:prstClr>
+              </a:solidFill>
+            </a:endParaRPr>
+          </a:p>
+        </p:txBody>
+      </p:sp>
+    </p:spTree>
+    <p:extLst>
+      <p:ext uri="{BB962C8B-B14F-4D97-AF65-F5344CB8AC3E}">
+        <p14:creationId xmlns:p14="http://schemas.microsoft.com/office/powerpoint/2010/main" val="704269943"/>
+      </p:ext>
+    </p:extLst>
+  </p:cSld>
+  <p:clrMapOvr>
+    <a:masterClrMapping/>
+  </p:clrMapOvr>
+</p:sldLayout>
+</file>
+
+<file path=ppt/slideLayouts/slideLayout21.xml><?xml version="1.0" encoding="utf-8"?>
+<p:sldLayout xmlns:a="http://schemas.openxmlformats.org/drawingml/2006/main" xmlns:r="http://schemas.openxmlformats.org/officeDocument/2006/relationships" xmlns:p="http://schemas.openxmlformats.org/presentationml/2006/main" type="vertTx" preserve="1">
+  <p:cSld name="タイトルと&#10;縦書きテキスト">
+    <p:spTree>
+      <p:nvGrpSpPr>
+        <p:cNvPr id="1" name=""/>
+        <p:cNvGrpSpPr/>
+        <p:nvPr/>
+      </p:nvGrpSpPr>
+      <p:grpSpPr>
+        <a:xfrm>
+          <a:off x="0" y="0"/>
+          <a:ext cx="0" cy="0"/>
+          <a:chOff x="0" y="0"/>
+          <a:chExt cx="0" cy="0"/>
+        </a:xfrm>
+      </p:grpSpPr>
+      <p:sp>
+        <p:nvSpPr>
+          <p:cNvPr id="2" name="タイトル 1"/>
+          <p:cNvSpPr>
+            <a:spLocks noGrp="1"/>
+          </p:cNvSpPr>
+          <p:nvPr>
+            <p:ph type="title"/>
+          </p:nvPr>
+        </p:nvSpPr>
+        <p:spPr/>
+        <p:txBody>
+          <a:bodyPr/>
+          <a:lstStyle/>
+          <a:p>
+            <a:r>
+              <a:rPr kumimoji="1" lang="ja-JP" altLang="en-US" smtClean="0"/>
+              <a:t>マスター タイトルの書式設定</a:t>
+            </a:r>
+            <a:endParaRPr kumimoji="1" lang="ja-JP" altLang="en-US"/>
+          </a:p>
+        </p:txBody>
+      </p:sp>
+      <p:sp>
+        <p:nvSpPr>
+          <p:cNvPr id="3" name="縦書きテキスト プレースホルダー 2"/>
+          <p:cNvSpPr>
+            <a:spLocks noGrp="1"/>
+          </p:cNvSpPr>
+          <p:nvPr>
+            <p:ph type="body" orient="vert" idx="1"/>
+          </p:nvPr>
+        </p:nvSpPr>
+        <p:spPr/>
+        <p:txBody>
+          <a:bodyPr vert="eaVert"/>
+          <a:lstStyle/>
+          <a:p>
+            <a:pPr lvl="0"/>
+            <a:r>
+              <a:rPr kumimoji="1" lang="ja-JP" altLang="en-US" smtClean="0"/>
+              <a:t>マスター テキストの書式設定</a:t>
+            </a:r>
+          </a:p>
+          <a:p>
+            <a:pPr lvl="1"/>
+            <a:r>
+              <a:rPr kumimoji="1" lang="ja-JP" altLang="en-US" smtClean="0"/>
+              <a:t>第 </a:t>
+            </a:r>
+            <a:r>
+              <a:rPr kumimoji="1" lang="en-US" altLang="ja-JP" smtClean="0"/>
+              <a:t>2 </a:t>
+            </a:r>
+            <a:r>
+              <a:rPr kumimoji="1" lang="ja-JP" altLang="en-US" smtClean="0"/>
+              <a:t>レベル</a:t>
+            </a:r>
+          </a:p>
+          <a:p>
+            <a:pPr lvl="2"/>
+            <a:r>
+              <a:rPr kumimoji="1" lang="ja-JP" altLang="en-US" smtClean="0"/>
+              <a:t>第 </a:t>
+            </a:r>
+            <a:r>
+              <a:rPr kumimoji="1" lang="en-US" altLang="ja-JP" smtClean="0"/>
+              <a:t>3 </a:t>
+            </a:r>
+            <a:r>
+              <a:rPr kumimoji="1" lang="ja-JP" altLang="en-US" smtClean="0"/>
+              <a:t>レベル</a:t>
+            </a:r>
+          </a:p>
+          <a:p>
+            <a:pPr lvl="3"/>
+            <a:r>
+              <a:rPr kumimoji="1" lang="ja-JP" altLang="en-US" smtClean="0"/>
+              <a:t>第 </a:t>
+            </a:r>
+            <a:r>
+              <a:rPr kumimoji="1" lang="en-US" altLang="ja-JP" smtClean="0"/>
+              <a:t>4 </a:t>
+            </a:r>
+            <a:r>
+              <a:rPr kumimoji="1" lang="ja-JP" altLang="en-US" smtClean="0"/>
+              <a:t>レベル</a:t>
+            </a:r>
+          </a:p>
+          <a:p>
+            <a:pPr lvl="4"/>
+            <a:r>
+              <a:rPr kumimoji="1" lang="ja-JP" altLang="en-US" smtClean="0"/>
+              <a:t>第 </a:t>
+            </a:r>
+            <a:r>
+              <a:rPr kumimoji="1" lang="en-US" altLang="ja-JP" smtClean="0"/>
+              <a:t>5 </a:t>
+            </a:r>
+            <a:r>
+              <a:rPr kumimoji="1" lang="ja-JP" altLang="en-US" smtClean="0"/>
+              <a:t>レベル</a:t>
+            </a:r>
+            <a:endParaRPr kumimoji="1" lang="ja-JP" altLang="en-US"/>
+          </a:p>
+        </p:txBody>
+      </p:sp>
+      <p:sp>
+        <p:nvSpPr>
+          <p:cNvPr id="4" name="日付プレースホルダー 3"/>
+          <p:cNvSpPr>
+            <a:spLocks noGrp="1"/>
+          </p:cNvSpPr>
+          <p:nvPr>
+            <p:ph type="dt" sz="half" idx="10"/>
+          </p:nvPr>
+        </p:nvSpPr>
+        <p:spPr/>
+        <p:txBody>
+          <a:bodyPr/>
+          <a:lstStyle/>
+          <a:p>
+            <a:fld id="{883B3C6D-282E-42C1-9E7D-429647502DFC}" type="datetimeFigureOut">
+              <a:rPr lang="ja-JP" altLang="en-US" smtClean="0">
+                <a:solidFill>
+                  <a:prstClr val="black">
+                    <a:tint val="75000"/>
+                  </a:prstClr>
+                </a:solidFill>
+              </a:rPr>
+              <a:pPr/>
+              <a:t>2018/1/13</a:t>
+            </a:fld>
+            <a:endParaRPr lang="ja-JP" altLang="en-US">
+              <a:solidFill>
+                <a:prstClr val="black">
+                  <a:tint val="75000"/>
+                </a:prstClr>
+              </a:solidFill>
+            </a:endParaRPr>
+          </a:p>
+        </p:txBody>
+      </p:sp>
+      <p:sp>
+        <p:nvSpPr>
+          <p:cNvPr id="5" name="フッター プレースホルダー 4"/>
+          <p:cNvSpPr>
+            <a:spLocks noGrp="1"/>
+          </p:cNvSpPr>
+          <p:nvPr>
+            <p:ph type="ftr" sz="quarter" idx="11"/>
+          </p:nvPr>
+        </p:nvSpPr>
+        <p:spPr/>
+        <p:txBody>
+          <a:bodyPr/>
+          <a:lstStyle/>
+          <a:p>
+            <a:endParaRPr lang="ja-JP" altLang="en-US">
+              <a:solidFill>
+                <a:prstClr val="black">
+                  <a:tint val="75000"/>
+                </a:prstClr>
+              </a:solidFill>
+            </a:endParaRPr>
+          </a:p>
+        </p:txBody>
+      </p:sp>
+      <p:sp>
+        <p:nvSpPr>
+          <p:cNvPr id="6" name="スライド番号プレースホルダー 5"/>
+          <p:cNvSpPr>
+            <a:spLocks noGrp="1"/>
+          </p:cNvSpPr>
+          <p:nvPr>
+            <p:ph type="sldNum" sz="quarter" idx="12"/>
+          </p:nvPr>
+        </p:nvSpPr>
+        <p:spPr/>
+        <p:txBody>
+          <a:bodyPr/>
+          <a:lstStyle/>
+          <a:p>
+            <a:fld id="{2DA3CA9B-CCFC-4673-9E7E-B5DFFFD59962}" type="slidenum">
+              <a:rPr lang="ja-JP" altLang="en-US" smtClean="0">
+                <a:solidFill>
+                  <a:prstClr val="black">
+                    <a:tint val="75000"/>
+                  </a:prstClr>
+                </a:solidFill>
+              </a:rPr>
+              <a:pPr/>
+              <a:t>‹#›</a:t>
+            </a:fld>
+            <a:endParaRPr lang="ja-JP" altLang="en-US">
+              <a:solidFill>
+                <a:prstClr val="black">
+                  <a:tint val="75000"/>
+                </a:prstClr>
+              </a:solidFill>
+            </a:endParaRPr>
+          </a:p>
+        </p:txBody>
+      </p:sp>
+    </p:spTree>
+    <p:extLst>
+      <p:ext uri="{BB962C8B-B14F-4D97-AF65-F5344CB8AC3E}">
+        <p14:creationId xmlns:p14="http://schemas.microsoft.com/office/powerpoint/2010/main" val="835889803"/>
+      </p:ext>
+    </p:extLst>
+  </p:cSld>
+  <p:clrMapOvr>
+    <a:masterClrMapping/>
+  </p:clrMapOvr>
+</p:sldLayout>
+</file>
+
+<file path=ppt/slideLayouts/slideLayout22.xml><?xml version="1.0" encoding="utf-8"?>
+<p:sldLayout xmlns:a="http://schemas.openxmlformats.org/drawingml/2006/main" xmlns:r="http://schemas.openxmlformats.org/officeDocument/2006/relationships" xmlns:p="http://schemas.openxmlformats.org/presentationml/2006/main" type="vertTitleAndTx" preserve="1">
+  <p:cSld name="縦書きタイトルと&#10;縦書きテキスト">
+    <p:spTree>
+      <p:nvGrpSpPr>
+        <p:cNvPr id="1" name=""/>
+        <p:cNvGrpSpPr/>
+        <p:nvPr/>
+      </p:nvGrpSpPr>
+      <p:grpSpPr>
+        <a:xfrm>
+          <a:off x="0" y="0"/>
+          <a:ext cx="0" cy="0"/>
+          <a:chOff x="0" y="0"/>
+          <a:chExt cx="0" cy="0"/>
+        </a:xfrm>
+      </p:grpSpPr>
+      <p:sp>
+        <p:nvSpPr>
+          <p:cNvPr id="2" name="縦書きタイトル 1"/>
+          <p:cNvSpPr>
+            <a:spLocks noGrp="1"/>
+          </p:cNvSpPr>
+          <p:nvPr>
+            <p:ph type="title" orient="vert"/>
+          </p:nvPr>
+        </p:nvSpPr>
+        <p:spPr>
+          <a:xfrm>
+            <a:off x="8724900" y="365125"/>
+            <a:ext cx="2628900" cy="5811838"/>
+          </a:xfrm>
+        </p:spPr>
+        <p:txBody>
+          <a:bodyPr vert="eaVert"/>
+          <a:lstStyle/>
+          <a:p>
+            <a:r>
+              <a:rPr kumimoji="1" lang="ja-JP" altLang="en-US" smtClean="0"/>
+              <a:t>マスター タイトルの書式設定</a:t>
+            </a:r>
+            <a:endParaRPr kumimoji="1" lang="ja-JP" altLang="en-US"/>
+          </a:p>
+        </p:txBody>
+      </p:sp>
+      <p:sp>
+        <p:nvSpPr>
+          <p:cNvPr id="3" name="縦書きテキスト プレースホルダー 2"/>
+          <p:cNvSpPr>
+            <a:spLocks noGrp="1"/>
+          </p:cNvSpPr>
+          <p:nvPr>
+            <p:ph type="body" orient="vert" idx="1"/>
+          </p:nvPr>
+        </p:nvSpPr>
+        <p:spPr>
+          <a:xfrm>
+            <a:off x="838200" y="365125"/>
+            <a:ext cx="7734300" cy="5811838"/>
+          </a:xfrm>
+        </p:spPr>
+        <p:txBody>
+          <a:bodyPr vert="eaVert"/>
+          <a:lstStyle/>
+          <a:p>
+            <a:pPr lvl="0"/>
+            <a:r>
+              <a:rPr kumimoji="1" lang="ja-JP" altLang="en-US" smtClean="0"/>
+              <a:t>マスター テキストの書式設定</a:t>
+            </a:r>
+          </a:p>
+          <a:p>
+            <a:pPr lvl="1"/>
+            <a:r>
+              <a:rPr kumimoji="1" lang="ja-JP" altLang="en-US" smtClean="0"/>
+              <a:t>第 </a:t>
+            </a:r>
+            <a:r>
+              <a:rPr kumimoji="1" lang="en-US" altLang="ja-JP" smtClean="0"/>
+              <a:t>2 </a:t>
+            </a:r>
+            <a:r>
+              <a:rPr kumimoji="1" lang="ja-JP" altLang="en-US" smtClean="0"/>
+              <a:t>レベル</a:t>
+            </a:r>
+          </a:p>
+          <a:p>
+            <a:pPr lvl="2"/>
+            <a:r>
+              <a:rPr kumimoji="1" lang="ja-JP" altLang="en-US" smtClean="0"/>
+              <a:t>第 </a:t>
+            </a:r>
+            <a:r>
+              <a:rPr kumimoji="1" lang="en-US" altLang="ja-JP" smtClean="0"/>
+              <a:t>3 </a:t>
+            </a:r>
+            <a:r>
+              <a:rPr kumimoji="1" lang="ja-JP" altLang="en-US" smtClean="0"/>
+              <a:t>レベル</a:t>
+            </a:r>
+          </a:p>
+          <a:p>
+            <a:pPr lvl="3"/>
+            <a:r>
+              <a:rPr kumimoji="1" lang="ja-JP" altLang="en-US" smtClean="0"/>
+              <a:t>第 </a:t>
+            </a:r>
+            <a:r>
+              <a:rPr kumimoji="1" lang="en-US" altLang="ja-JP" smtClean="0"/>
+              <a:t>4 </a:t>
+            </a:r>
+            <a:r>
+              <a:rPr kumimoji="1" lang="ja-JP" altLang="en-US" smtClean="0"/>
+              <a:t>レベル</a:t>
+            </a:r>
+          </a:p>
+          <a:p>
+            <a:pPr lvl="4"/>
+            <a:r>
+              <a:rPr kumimoji="1" lang="ja-JP" altLang="en-US" smtClean="0"/>
+              <a:t>第 </a:t>
+            </a:r>
+            <a:r>
+              <a:rPr kumimoji="1" lang="en-US" altLang="ja-JP" smtClean="0"/>
+              <a:t>5 </a:t>
+            </a:r>
+            <a:r>
+              <a:rPr kumimoji="1" lang="ja-JP" altLang="en-US" smtClean="0"/>
+              <a:t>レベル</a:t>
+            </a:r>
+            <a:endParaRPr kumimoji="1" lang="ja-JP" altLang="en-US"/>
+          </a:p>
+        </p:txBody>
+      </p:sp>
+      <p:sp>
+        <p:nvSpPr>
+          <p:cNvPr id="4" name="日付プレースホルダー 3"/>
+          <p:cNvSpPr>
+            <a:spLocks noGrp="1"/>
+          </p:cNvSpPr>
+          <p:nvPr>
+            <p:ph type="dt" sz="half" idx="10"/>
+          </p:nvPr>
+        </p:nvSpPr>
+        <p:spPr/>
+        <p:txBody>
+          <a:bodyPr/>
+          <a:lstStyle/>
+          <a:p>
+            <a:fld id="{883B3C6D-282E-42C1-9E7D-429647502DFC}" type="datetimeFigureOut">
+              <a:rPr lang="ja-JP" altLang="en-US" smtClean="0">
+                <a:solidFill>
+                  <a:prstClr val="black">
+                    <a:tint val="75000"/>
+                  </a:prstClr>
+                </a:solidFill>
+              </a:rPr>
+              <a:pPr/>
+              <a:t>2018/1/13</a:t>
+            </a:fld>
+            <a:endParaRPr lang="ja-JP" altLang="en-US">
+              <a:solidFill>
+                <a:prstClr val="black">
+                  <a:tint val="75000"/>
+                </a:prstClr>
+              </a:solidFill>
+            </a:endParaRPr>
+          </a:p>
+        </p:txBody>
+      </p:sp>
+      <p:sp>
+        <p:nvSpPr>
+          <p:cNvPr id="5" name="フッター プレースホルダー 4"/>
+          <p:cNvSpPr>
+            <a:spLocks noGrp="1"/>
+          </p:cNvSpPr>
+          <p:nvPr>
+            <p:ph type="ftr" sz="quarter" idx="11"/>
+          </p:nvPr>
+        </p:nvSpPr>
+        <p:spPr/>
+        <p:txBody>
+          <a:bodyPr/>
+          <a:lstStyle/>
+          <a:p>
+            <a:endParaRPr lang="ja-JP" altLang="en-US">
+              <a:solidFill>
+                <a:prstClr val="black">
+                  <a:tint val="75000"/>
+                </a:prstClr>
+              </a:solidFill>
+            </a:endParaRPr>
+          </a:p>
+        </p:txBody>
+      </p:sp>
+      <p:sp>
+        <p:nvSpPr>
+          <p:cNvPr id="6" name="スライド番号プレースホルダー 5"/>
+          <p:cNvSpPr>
+            <a:spLocks noGrp="1"/>
+          </p:cNvSpPr>
+          <p:nvPr>
+            <p:ph type="sldNum" sz="quarter" idx="12"/>
+          </p:nvPr>
+        </p:nvSpPr>
+        <p:spPr/>
+        <p:txBody>
+          <a:bodyPr/>
+          <a:lstStyle/>
+          <a:p>
+            <a:fld id="{2DA3CA9B-CCFC-4673-9E7E-B5DFFFD59962}" type="slidenum">
+              <a:rPr lang="ja-JP" altLang="en-US" smtClean="0">
+                <a:solidFill>
+                  <a:prstClr val="black">
+                    <a:tint val="75000"/>
+                  </a:prstClr>
+                </a:solidFill>
+              </a:rPr>
+              <a:pPr/>
+              <a:t>‹#›</a:t>
+            </a:fld>
+            <a:endParaRPr lang="ja-JP" altLang="en-US">
+              <a:solidFill>
+                <a:prstClr val="black">
+                  <a:tint val="75000"/>
+                </a:prstClr>
+              </a:solidFill>
+            </a:endParaRPr>
+          </a:p>
+        </p:txBody>
+      </p:sp>
+    </p:spTree>
+    <p:extLst>
+      <p:ext uri="{BB962C8B-B14F-4D97-AF65-F5344CB8AC3E}">
+        <p14:creationId xmlns:p14="http://schemas.microsoft.com/office/powerpoint/2010/main" val="3597080282"/>
       </p:ext>
     </p:extLst>
   </p:cSld>
@@ -3253,6 +6163,610 @@
 </p:sldMaster>
 </file>
 
+<file path=ppt/slideMasters/slideMaster2.xml><?xml version="1.0" encoding="utf-8"?>
+<p:sldMaster xmlns:a="http://schemas.openxmlformats.org/drawingml/2006/main" xmlns:r="http://schemas.openxmlformats.org/officeDocument/2006/relationships" xmlns:p="http://schemas.openxmlformats.org/presentationml/2006/main">
+  <p:cSld>
+    <p:bg>
+      <p:bgRef idx="1001">
+        <a:schemeClr val="bg1"/>
+      </p:bgRef>
+    </p:bg>
+    <p:spTree>
+      <p:nvGrpSpPr>
+        <p:cNvPr id="1" name=""/>
+        <p:cNvGrpSpPr/>
+        <p:nvPr/>
+      </p:nvGrpSpPr>
+      <p:grpSpPr>
+        <a:xfrm>
+          <a:off x="0" y="0"/>
+          <a:ext cx="0" cy="0"/>
+          <a:chOff x="0" y="0"/>
+          <a:chExt cx="0" cy="0"/>
+        </a:xfrm>
+      </p:grpSpPr>
+      <p:sp>
+        <p:nvSpPr>
+          <p:cNvPr id="2" name="タイトル プレースホルダー 1"/>
+          <p:cNvSpPr>
+            <a:spLocks noGrp="1"/>
+          </p:cNvSpPr>
+          <p:nvPr>
+            <p:ph type="title"/>
+          </p:nvPr>
+        </p:nvSpPr>
+        <p:spPr>
+          <a:xfrm>
+            <a:off x="838200" y="365125"/>
+            <a:ext cx="10515600" cy="1325563"/>
+          </a:xfrm>
+          <a:prstGeom prst="rect">
+            <a:avLst/>
+          </a:prstGeom>
+        </p:spPr>
+        <p:txBody>
+          <a:bodyPr vert="horz" lIns="91440" tIns="45720" rIns="91440" bIns="45720" rtlCol="0" anchor="ctr">
+            <a:normAutofit/>
+          </a:bodyPr>
+          <a:lstStyle/>
+          <a:p>
+            <a:r>
+              <a:rPr kumimoji="1" lang="ja-JP" altLang="en-US" smtClean="0"/>
+              <a:t>マスター タイトルの書式設定</a:t>
+            </a:r>
+            <a:endParaRPr kumimoji="1" lang="ja-JP" altLang="en-US"/>
+          </a:p>
+        </p:txBody>
+      </p:sp>
+      <p:sp>
+        <p:nvSpPr>
+          <p:cNvPr id="3" name="テキスト プレースホルダー 2"/>
+          <p:cNvSpPr>
+            <a:spLocks noGrp="1"/>
+          </p:cNvSpPr>
+          <p:nvPr>
+            <p:ph type="body" idx="1"/>
+          </p:nvPr>
+        </p:nvSpPr>
+        <p:spPr>
+          <a:xfrm>
+            <a:off x="838200" y="1825625"/>
+            <a:ext cx="10515600" cy="4351338"/>
+          </a:xfrm>
+          <a:prstGeom prst="rect">
+            <a:avLst/>
+          </a:prstGeom>
+        </p:spPr>
+        <p:txBody>
+          <a:bodyPr vert="horz" lIns="91440" tIns="45720" rIns="91440" bIns="45720" rtlCol="0">
+            <a:normAutofit/>
+          </a:bodyPr>
+          <a:lstStyle/>
+          <a:p>
+            <a:pPr lvl="0"/>
+            <a:r>
+              <a:rPr kumimoji="1" lang="ja-JP" altLang="en-US" smtClean="0"/>
+              <a:t>マスター テキストの書式設定</a:t>
+            </a:r>
+          </a:p>
+          <a:p>
+            <a:pPr lvl="1"/>
+            <a:r>
+              <a:rPr kumimoji="1" lang="ja-JP" altLang="en-US" smtClean="0"/>
+              <a:t>第 </a:t>
+            </a:r>
+            <a:r>
+              <a:rPr kumimoji="1" lang="en-US" altLang="ja-JP" smtClean="0"/>
+              <a:t>2 </a:t>
+            </a:r>
+            <a:r>
+              <a:rPr kumimoji="1" lang="ja-JP" altLang="en-US" smtClean="0"/>
+              <a:t>レベル</a:t>
+            </a:r>
+          </a:p>
+          <a:p>
+            <a:pPr lvl="2"/>
+            <a:r>
+              <a:rPr kumimoji="1" lang="ja-JP" altLang="en-US" smtClean="0"/>
+              <a:t>第 </a:t>
+            </a:r>
+            <a:r>
+              <a:rPr kumimoji="1" lang="en-US" altLang="ja-JP" smtClean="0"/>
+              <a:t>3 </a:t>
+            </a:r>
+            <a:r>
+              <a:rPr kumimoji="1" lang="ja-JP" altLang="en-US" smtClean="0"/>
+              <a:t>レベル</a:t>
+            </a:r>
+          </a:p>
+          <a:p>
+            <a:pPr lvl="3"/>
+            <a:r>
+              <a:rPr kumimoji="1" lang="ja-JP" altLang="en-US" smtClean="0"/>
+              <a:t>第 </a:t>
+            </a:r>
+            <a:r>
+              <a:rPr kumimoji="1" lang="en-US" altLang="ja-JP" smtClean="0"/>
+              <a:t>4 </a:t>
+            </a:r>
+            <a:r>
+              <a:rPr kumimoji="1" lang="ja-JP" altLang="en-US" smtClean="0"/>
+              <a:t>レベル</a:t>
+            </a:r>
+          </a:p>
+          <a:p>
+            <a:pPr lvl="4"/>
+            <a:r>
+              <a:rPr kumimoji="1" lang="ja-JP" altLang="en-US" smtClean="0"/>
+              <a:t>第 </a:t>
+            </a:r>
+            <a:r>
+              <a:rPr kumimoji="1" lang="en-US" altLang="ja-JP" smtClean="0"/>
+              <a:t>5 </a:t>
+            </a:r>
+            <a:r>
+              <a:rPr kumimoji="1" lang="ja-JP" altLang="en-US" smtClean="0"/>
+              <a:t>レベル</a:t>
+            </a:r>
+            <a:endParaRPr kumimoji="1" lang="ja-JP" altLang="en-US"/>
+          </a:p>
+        </p:txBody>
+      </p:sp>
+      <p:sp>
+        <p:nvSpPr>
+          <p:cNvPr id="4" name="日付プレースホルダー 3"/>
+          <p:cNvSpPr>
+            <a:spLocks noGrp="1"/>
+          </p:cNvSpPr>
+          <p:nvPr>
+            <p:ph type="dt" sz="half" idx="2"/>
+          </p:nvPr>
+        </p:nvSpPr>
+        <p:spPr>
+          <a:xfrm>
+            <a:off x="838200" y="6356350"/>
+            <a:ext cx="2743200" cy="365125"/>
+          </a:xfrm>
+          <a:prstGeom prst="rect">
+            <a:avLst/>
+          </a:prstGeom>
+        </p:spPr>
+        <p:txBody>
+          <a:bodyPr vert="horz" lIns="91440" tIns="45720" rIns="91440" bIns="45720" rtlCol="0" anchor="ctr"/>
+          <a:lstStyle>
+            <a:lvl1pPr algn="l">
+              <a:defRPr sz="1200">
+                <a:solidFill>
+                  <a:schemeClr val="tx1">
+                    <a:tint val="75000"/>
+                  </a:schemeClr>
+                </a:solidFill>
+              </a:defRPr>
+            </a:lvl1pPr>
+          </a:lstStyle>
+          <a:p>
+            <a:fld id="{883B3C6D-282E-42C1-9E7D-429647502DFC}" type="datetimeFigureOut">
+              <a:rPr lang="ja-JP" altLang="en-US" smtClean="0">
+                <a:solidFill>
+                  <a:prstClr val="black">
+                    <a:tint val="75000"/>
+                  </a:prstClr>
+                </a:solidFill>
+              </a:rPr>
+              <a:pPr/>
+              <a:t>2018/1/13</a:t>
+            </a:fld>
+            <a:endParaRPr lang="ja-JP" altLang="en-US">
+              <a:solidFill>
+                <a:prstClr val="black">
+                  <a:tint val="75000"/>
+                </a:prstClr>
+              </a:solidFill>
+            </a:endParaRPr>
+          </a:p>
+        </p:txBody>
+      </p:sp>
+      <p:sp>
+        <p:nvSpPr>
+          <p:cNvPr id="5" name="フッター プレースホルダー 4"/>
+          <p:cNvSpPr>
+            <a:spLocks noGrp="1"/>
+          </p:cNvSpPr>
+          <p:nvPr>
+            <p:ph type="ftr" sz="quarter" idx="3"/>
+          </p:nvPr>
+        </p:nvSpPr>
+        <p:spPr>
+          <a:xfrm>
+            <a:off x="4038600" y="6356350"/>
+            <a:ext cx="4114800" cy="365125"/>
+          </a:xfrm>
+          <a:prstGeom prst="rect">
+            <a:avLst/>
+          </a:prstGeom>
+        </p:spPr>
+        <p:txBody>
+          <a:bodyPr vert="horz" lIns="91440" tIns="45720" rIns="91440" bIns="45720" rtlCol="0" anchor="ctr"/>
+          <a:lstStyle>
+            <a:lvl1pPr algn="ctr">
+              <a:defRPr sz="1200">
+                <a:solidFill>
+                  <a:schemeClr val="tx1">
+                    <a:tint val="75000"/>
+                  </a:schemeClr>
+                </a:solidFill>
+              </a:defRPr>
+            </a:lvl1pPr>
+          </a:lstStyle>
+          <a:p>
+            <a:endParaRPr lang="ja-JP" altLang="en-US">
+              <a:solidFill>
+                <a:prstClr val="black">
+                  <a:tint val="75000"/>
+                </a:prstClr>
+              </a:solidFill>
+            </a:endParaRPr>
+          </a:p>
+        </p:txBody>
+      </p:sp>
+      <p:sp>
+        <p:nvSpPr>
+          <p:cNvPr id="6" name="スライド番号プレースホルダー 5"/>
+          <p:cNvSpPr>
+            <a:spLocks noGrp="1"/>
+          </p:cNvSpPr>
+          <p:nvPr>
+            <p:ph type="sldNum" sz="quarter" idx="4"/>
+          </p:nvPr>
+        </p:nvSpPr>
+        <p:spPr>
+          <a:xfrm>
+            <a:off x="8610600" y="6356350"/>
+            <a:ext cx="2743200" cy="365125"/>
+          </a:xfrm>
+          <a:prstGeom prst="rect">
+            <a:avLst/>
+          </a:prstGeom>
+        </p:spPr>
+        <p:txBody>
+          <a:bodyPr vert="horz" lIns="91440" tIns="45720" rIns="91440" bIns="45720" rtlCol="0" anchor="ctr"/>
+          <a:lstStyle>
+            <a:lvl1pPr algn="r">
+              <a:defRPr sz="1200">
+                <a:solidFill>
+                  <a:schemeClr val="tx1">
+                    <a:tint val="75000"/>
+                  </a:schemeClr>
+                </a:solidFill>
+              </a:defRPr>
+            </a:lvl1pPr>
+          </a:lstStyle>
+          <a:p>
+            <a:fld id="{2DA3CA9B-CCFC-4673-9E7E-B5DFFFD59962}" type="slidenum">
+              <a:rPr lang="ja-JP" altLang="en-US" smtClean="0">
+                <a:solidFill>
+                  <a:prstClr val="black">
+                    <a:tint val="75000"/>
+                  </a:prstClr>
+                </a:solidFill>
+              </a:rPr>
+              <a:pPr/>
+              <a:t>‹#›</a:t>
+            </a:fld>
+            <a:endParaRPr lang="ja-JP" altLang="en-US">
+              <a:solidFill>
+                <a:prstClr val="black">
+                  <a:tint val="75000"/>
+                </a:prstClr>
+              </a:solidFill>
+            </a:endParaRPr>
+          </a:p>
+        </p:txBody>
+      </p:sp>
+    </p:spTree>
+    <p:extLst>
+      <p:ext uri="{BB962C8B-B14F-4D97-AF65-F5344CB8AC3E}">
+        <p14:creationId xmlns:p14="http://schemas.microsoft.com/office/powerpoint/2010/main" val="2189405737"/>
+      </p:ext>
+    </p:extLst>
+  </p:cSld>
+  <p:clrMap bg1="lt1" tx1="dk1" bg2="lt2" tx2="dk2" accent1="accent1" accent2="accent2" accent3="accent3" accent4="accent4" accent5="accent5" accent6="accent6" hlink="hlink" folHlink="folHlink"/>
+  <p:sldLayoutIdLst>
+    <p:sldLayoutId id="2147483661" r:id="rId1"/>
+    <p:sldLayoutId id="2147483662" r:id="rId2"/>
+    <p:sldLayoutId id="2147483663" r:id="rId3"/>
+    <p:sldLayoutId id="2147483664" r:id="rId4"/>
+    <p:sldLayoutId id="2147483665" r:id="rId5"/>
+    <p:sldLayoutId id="2147483666" r:id="rId6"/>
+    <p:sldLayoutId id="2147483667" r:id="rId7"/>
+    <p:sldLayoutId id="2147483668" r:id="rId8"/>
+    <p:sldLayoutId id="2147483669" r:id="rId9"/>
+    <p:sldLayoutId id="2147483670" r:id="rId10"/>
+    <p:sldLayoutId id="2147483671" r:id="rId11"/>
+  </p:sldLayoutIdLst>
+  <p:txStyles>
+    <p:titleStyle>
+      <a:lvl1pPr algn="l" defTabSz="914400" rtl="0" eaLnBrk="1" latinLnBrk="0" hangingPunct="1">
+        <a:lnSpc>
+          <a:spcPct val="90000"/>
+        </a:lnSpc>
+        <a:spcBef>
+          <a:spcPct val="0"/>
+        </a:spcBef>
+        <a:buNone/>
+        <a:defRPr kumimoji="1" sz="4400" kern="1200">
+          <a:solidFill>
+            <a:schemeClr val="tx1"/>
+          </a:solidFill>
+          <a:latin typeface="+mj-lt"/>
+          <a:ea typeface="+mj-ea"/>
+          <a:cs typeface="+mj-cs"/>
+        </a:defRPr>
+      </a:lvl1pPr>
+    </p:titleStyle>
+    <p:bodyStyle>
+      <a:lvl1pPr marL="228600" indent="-228600" algn="l" defTabSz="914400" rtl="0" eaLnBrk="1" latinLnBrk="0" hangingPunct="1">
+        <a:lnSpc>
+          <a:spcPct val="90000"/>
+        </a:lnSpc>
+        <a:spcBef>
+          <a:spcPts val="1000"/>
+        </a:spcBef>
+        <a:buFont typeface="Arial" panose="020B0604020202020204" pitchFamily="34" charset="0"/>
+        <a:buChar char="•"/>
+        <a:defRPr kumimoji="1" sz="2800" kern="1200">
+          <a:solidFill>
+            <a:schemeClr val="tx1"/>
+          </a:solidFill>
+          <a:latin typeface="+mn-lt"/>
+          <a:ea typeface="+mn-ea"/>
+          <a:cs typeface="+mn-cs"/>
+        </a:defRPr>
+      </a:lvl1pPr>
+      <a:lvl2pPr marL="685800" indent="-228600" algn="l" defTabSz="914400" rtl="0" eaLnBrk="1" latinLnBrk="0" hangingPunct="1">
+        <a:lnSpc>
+          <a:spcPct val="90000"/>
+        </a:lnSpc>
+        <a:spcBef>
+          <a:spcPts val="500"/>
+        </a:spcBef>
+        <a:buFont typeface="Arial" panose="020B0604020202020204" pitchFamily="34" charset="0"/>
+        <a:buChar char="•"/>
+        <a:defRPr kumimoji="1" sz="2400" kern="1200">
+          <a:solidFill>
+            <a:schemeClr val="tx1"/>
+          </a:solidFill>
+          <a:latin typeface="+mn-lt"/>
+          <a:ea typeface="+mn-ea"/>
+          <a:cs typeface="+mn-cs"/>
+        </a:defRPr>
+      </a:lvl2pPr>
+      <a:lvl3pPr marL="1143000" indent="-228600" algn="l" defTabSz="914400" rtl="0" eaLnBrk="1" latinLnBrk="0" hangingPunct="1">
+        <a:lnSpc>
+          <a:spcPct val="90000"/>
+        </a:lnSpc>
+        <a:spcBef>
+          <a:spcPts val="500"/>
+        </a:spcBef>
+        <a:buFont typeface="Arial" panose="020B0604020202020204" pitchFamily="34" charset="0"/>
+        <a:buChar char="•"/>
+        <a:defRPr kumimoji="1" sz="2000" kern="1200">
+          <a:solidFill>
+            <a:schemeClr val="tx1"/>
+          </a:solidFill>
+          <a:latin typeface="+mn-lt"/>
+          <a:ea typeface="+mn-ea"/>
+          <a:cs typeface="+mn-cs"/>
+        </a:defRPr>
+      </a:lvl3pPr>
+      <a:lvl4pPr marL="1600200" indent="-228600" algn="l" defTabSz="914400" rtl="0" eaLnBrk="1" latinLnBrk="0" hangingPunct="1">
+        <a:lnSpc>
+          <a:spcPct val="90000"/>
+        </a:lnSpc>
+        <a:spcBef>
+          <a:spcPts val="500"/>
+        </a:spcBef>
+        <a:buFont typeface="Arial" panose="020B0604020202020204" pitchFamily="34" charset="0"/>
+        <a:buChar char="•"/>
+        <a:defRPr kumimoji="1" sz="1800" kern="1200">
+          <a:solidFill>
+            <a:schemeClr val="tx1"/>
+          </a:solidFill>
+          <a:latin typeface="+mn-lt"/>
+          <a:ea typeface="+mn-ea"/>
+          <a:cs typeface="+mn-cs"/>
+        </a:defRPr>
+      </a:lvl4pPr>
+      <a:lvl5pPr marL="2057400" indent="-228600" algn="l" defTabSz="914400" rtl="0" eaLnBrk="1" latinLnBrk="0" hangingPunct="1">
+        <a:lnSpc>
+          <a:spcPct val="90000"/>
+        </a:lnSpc>
+        <a:spcBef>
+          <a:spcPts val="500"/>
+        </a:spcBef>
+        <a:buFont typeface="Arial" panose="020B0604020202020204" pitchFamily="34" charset="0"/>
+        <a:buChar char="•"/>
+        <a:defRPr kumimoji="1" sz="1800" kern="1200">
+          <a:solidFill>
+            <a:schemeClr val="tx1"/>
+          </a:solidFill>
+          <a:latin typeface="+mn-lt"/>
+          <a:ea typeface="+mn-ea"/>
+          <a:cs typeface="+mn-cs"/>
+        </a:defRPr>
+      </a:lvl5pPr>
+      <a:lvl6pPr marL="2514600" indent="-228600" algn="l" defTabSz="914400" rtl="0" eaLnBrk="1" latinLnBrk="0" hangingPunct="1">
+        <a:lnSpc>
+          <a:spcPct val="90000"/>
+        </a:lnSpc>
+        <a:spcBef>
+          <a:spcPts val="500"/>
+        </a:spcBef>
+        <a:buFont typeface="Arial" panose="020B0604020202020204" pitchFamily="34" charset="0"/>
+        <a:buChar char="•"/>
+        <a:defRPr kumimoji="1" sz="1800" kern="1200">
+          <a:solidFill>
+            <a:schemeClr val="tx1"/>
+          </a:solidFill>
+          <a:latin typeface="+mn-lt"/>
+          <a:ea typeface="+mn-ea"/>
+          <a:cs typeface="+mn-cs"/>
+        </a:defRPr>
+      </a:lvl6pPr>
+      <a:lvl7pPr marL="2971800" indent="-228600" algn="l" defTabSz="914400" rtl="0" eaLnBrk="1" latinLnBrk="0" hangingPunct="1">
+        <a:lnSpc>
+          <a:spcPct val="90000"/>
+        </a:lnSpc>
+        <a:spcBef>
+          <a:spcPts val="500"/>
+        </a:spcBef>
+        <a:buFont typeface="Arial" panose="020B0604020202020204" pitchFamily="34" charset="0"/>
+        <a:buChar char="•"/>
+        <a:defRPr kumimoji="1" sz="1800" kern="1200">
+          <a:solidFill>
+            <a:schemeClr val="tx1"/>
+          </a:solidFill>
+          <a:latin typeface="+mn-lt"/>
+          <a:ea typeface="+mn-ea"/>
+          <a:cs typeface="+mn-cs"/>
+        </a:defRPr>
+      </a:lvl7pPr>
+      <a:lvl8pPr marL="3429000" indent="-228600" algn="l" defTabSz="914400" rtl="0" eaLnBrk="1" latinLnBrk="0" hangingPunct="1">
+        <a:lnSpc>
+          <a:spcPct val="90000"/>
+        </a:lnSpc>
+        <a:spcBef>
+          <a:spcPts val="500"/>
+        </a:spcBef>
+        <a:buFont typeface="Arial" panose="020B0604020202020204" pitchFamily="34" charset="0"/>
+        <a:buChar char="•"/>
+        <a:defRPr kumimoji="1" sz="1800" kern="1200">
+          <a:solidFill>
+            <a:schemeClr val="tx1"/>
+          </a:solidFill>
+          <a:latin typeface="+mn-lt"/>
+          <a:ea typeface="+mn-ea"/>
+          <a:cs typeface="+mn-cs"/>
+        </a:defRPr>
+      </a:lvl8pPr>
+      <a:lvl9pPr marL="3886200" indent="-228600" algn="l" defTabSz="914400" rtl="0" eaLnBrk="1" latinLnBrk="0" hangingPunct="1">
+        <a:lnSpc>
+          <a:spcPct val="90000"/>
+        </a:lnSpc>
+        <a:spcBef>
+          <a:spcPts val="500"/>
+        </a:spcBef>
+        <a:buFont typeface="Arial" panose="020B0604020202020204" pitchFamily="34" charset="0"/>
+        <a:buChar char="•"/>
+        <a:defRPr kumimoji="1" sz="1800" kern="1200">
+          <a:solidFill>
+            <a:schemeClr val="tx1"/>
+          </a:solidFill>
+          <a:latin typeface="+mn-lt"/>
+          <a:ea typeface="+mn-ea"/>
+          <a:cs typeface="+mn-cs"/>
+        </a:defRPr>
+      </a:lvl9pPr>
+    </p:bodyStyle>
+    <p:otherStyle>
+      <a:defPPr>
+        <a:defRPr lang="ja-JP"/>
+      </a:defPPr>
+      <a:lvl1pPr marL="0" algn="l" defTabSz="914400" rtl="0" eaLnBrk="1" latinLnBrk="0" hangingPunct="1">
+        <a:defRPr kumimoji="1" sz="1800" kern="1200">
+          <a:solidFill>
+            <a:schemeClr val="tx1"/>
+          </a:solidFill>
+          <a:latin typeface="+mn-lt"/>
+          <a:ea typeface="+mn-ea"/>
+          <a:cs typeface="+mn-cs"/>
+        </a:defRPr>
+      </a:lvl1pPr>
+      <a:lvl2pPr marL="457200" algn="l" defTabSz="914400" rtl="0" eaLnBrk="1" latinLnBrk="0" hangingPunct="1">
+        <a:defRPr kumimoji="1" sz="1800" kern="1200">
+          <a:solidFill>
+            <a:schemeClr val="tx1"/>
+          </a:solidFill>
+          <a:latin typeface="+mn-lt"/>
+          <a:ea typeface="+mn-ea"/>
+          <a:cs typeface="+mn-cs"/>
+        </a:defRPr>
+      </a:lvl2pPr>
+      <a:lvl3pPr marL="914400" algn="l" defTabSz="914400" rtl="0" eaLnBrk="1" latinLnBrk="0" hangingPunct="1">
+        <a:defRPr kumimoji="1" sz="1800" kern="1200">
+          <a:solidFill>
+            <a:schemeClr val="tx1"/>
+          </a:solidFill>
+          <a:latin typeface="+mn-lt"/>
+          <a:ea typeface="+mn-ea"/>
+          <a:cs typeface="+mn-cs"/>
+        </a:defRPr>
+      </a:lvl3pPr>
+      <a:lvl4pPr marL="1371600" algn="l" defTabSz="914400" rtl="0" eaLnBrk="1" latinLnBrk="0" hangingPunct="1">
+        <a:defRPr kumimoji="1" sz="1800" kern="1200">
+          <a:solidFill>
+            <a:schemeClr val="tx1"/>
+          </a:solidFill>
+          <a:latin typeface="+mn-lt"/>
+          <a:ea typeface="+mn-ea"/>
+          <a:cs typeface="+mn-cs"/>
+        </a:defRPr>
+      </a:lvl4pPr>
+      <a:lvl5pPr marL="1828800" algn="l" defTabSz="914400" rtl="0" eaLnBrk="1" latinLnBrk="0" hangingPunct="1">
+        <a:defRPr kumimoji="1" sz="1800" kern="1200">
+          <a:solidFill>
+            <a:schemeClr val="tx1"/>
+          </a:solidFill>
+          <a:latin typeface="+mn-lt"/>
+          <a:ea typeface="+mn-ea"/>
+          <a:cs typeface="+mn-cs"/>
+        </a:defRPr>
+      </a:lvl5pPr>
+      <a:lvl6pPr marL="2286000" algn="l" defTabSz="914400" rtl="0" eaLnBrk="1" latinLnBrk="0" hangingPunct="1">
+        <a:defRPr kumimoji="1" sz="1800" kern="1200">
+          <a:solidFill>
+            <a:schemeClr val="tx1"/>
+          </a:solidFill>
+          <a:latin typeface="+mn-lt"/>
+          <a:ea typeface="+mn-ea"/>
+          <a:cs typeface="+mn-cs"/>
+        </a:defRPr>
+      </a:lvl6pPr>
+      <a:lvl7pPr marL="2743200" algn="l" defTabSz="914400" rtl="0" eaLnBrk="1" latinLnBrk="0" hangingPunct="1">
+        <a:defRPr kumimoji="1" sz="1800" kern="1200">
+          <a:solidFill>
+            <a:schemeClr val="tx1"/>
+          </a:solidFill>
+          <a:latin typeface="+mn-lt"/>
+          <a:ea typeface="+mn-ea"/>
+          <a:cs typeface="+mn-cs"/>
+        </a:defRPr>
+      </a:lvl7pPr>
+      <a:lvl8pPr marL="3200400" algn="l" defTabSz="914400" rtl="0" eaLnBrk="1" latinLnBrk="0" hangingPunct="1">
+        <a:defRPr kumimoji="1" sz="1800" kern="1200">
+          <a:solidFill>
+            <a:schemeClr val="tx1"/>
+          </a:solidFill>
+          <a:latin typeface="+mn-lt"/>
+          <a:ea typeface="+mn-ea"/>
+          <a:cs typeface="+mn-cs"/>
+        </a:defRPr>
+      </a:lvl8pPr>
+      <a:lvl9pPr marL="3657600" algn="l" defTabSz="914400" rtl="0" eaLnBrk="1" latinLnBrk="0" hangingPunct="1">
+        <a:defRPr kumimoji="1" sz="1800" kern="1200">
+          <a:solidFill>
+            <a:schemeClr val="tx1"/>
+          </a:solidFill>
+          <a:latin typeface="+mn-lt"/>
+          <a:ea typeface="+mn-ea"/>
+          <a:cs typeface="+mn-cs"/>
+        </a:defRPr>
+      </a:lvl9pPr>
+    </p:otherStyle>
+  </p:txStyles>
+</p:sldMaster>
+</file>
+
 <file path=ppt/slides/slide1.xml><?xml version="1.0" encoding="utf-8"?>
 <p:sld xmlns:a="http://schemas.openxmlformats.org/drawingml/2006/main" xmlns:r="http://schemas.openxmlformats.org/officeDocument/2006/relationships" xmlns:p="http://schemas.openxmlformats.org/presentationml/2006/main">
   <p:cSld>
@@ -3374,10 +6888,10 @@
           <a:lstStyle/>
           <a:p>
             <a:r>
-              <a:rPr kumimoji="1" lang="ja-JP" altLang="en-US" dirty="0" smtClean="0"/>
+              <a:rPr kumimoji="1" lang="ja-JP" altLang="en-US" b="1" dirty="0" smtClean="0"/>
               <a:t>勝利条件　その２</a:t>
             </a:r>
-            <a:endParaRPr kumimoji="1" lang="ja-JP" altLang="en-US" dirty="0"/>
+            <a:endParaRPr kumimoji="1" lang="ja-JP" altLang="en-US" b="1" dirty="0"/>
           </a:p>
         </p:txBody>
       </p:sp>
@@ -3583,7 +7097,7 @@
         </p:nvSpPr>
         <p:spPr>
           <a:xfrm>
-            <a:off x="3764842" y="4789701"/>
+            <a:off x="3752813" y="4598633"/>
             <a:ext cx="4312658" cy="769441"/>
           </a:xfrm>
           <a:prstGeom prst="rect">
@@ -3602,6 +7116,40 @@
               <a:t>敵を壁に埋める</a:t>
             </a:r>
             <a:endParaRPr kumimoji="1" lang="ja-JP" altLang="en-US" sz="4400" dirty="0"/>
+          </a:p>
+        </p:txBody>
+      </p:sp>
+      <p:sp>
+        <p:nvSpPr>
+          <p:cNvPr id="3" name="テキスト ボックス 2"/>
+          <p:cNvSpPr txBox="1"/>
+          <p:nvPr/>
+        </p:nvSpPr>
+        <p:spPr>
+          <a:xfrm>
+            <a:off x="5025553" y="5368074"/>
+            <a:ext cx="1467843" cy="523220"/>
+          </a:xfrm>
+          <a:prstGeom prst="rect">
+            <a:avLst/>
+          </a:prstGeom>
+          <a:noFill/>
+        </p:spPr>
+        <p:txBody>
+          <a:bodyPr wrap="square" rtlCol="0">
+            <a:spAutoFit/>
+          </a:bodyPr>
+          <a:lstStyle/>
+          <a:p>
+            <a:r>
+              <a:rPr kumimoji="1" lang="en-US" altLang="ja-JP" sz="2800" dirty="0" smtClean="0"/>
+              <a:t>put</a:t>
+            </a:r>
+            <a:r>
+              <a:rPr kumimoji="1" lang="ja-JP" altLang="en-US" sz="2800" dirty="0" smtClean="0"/>
+              <a:t>勝ち</a:t>
+            </a:r>
+            <a:endParaRPr kumimoji="1" lang="ja-JP" altLang="en-US" sz="2800" dirty="0"/>
           </a:p>
         </p:txBody>
       </p:sp>
@@ -3658,10 +7206,10 @@
           <a:lstStyle/>
           <a:p>
             <a:r>
-              <a:rPr kumimoji="1" lang="ja-JP" altLang="en-US" dirty="0" smtClean="0"/>
+              <a:rPr kumimoji="1" lang="ja-JP" altLang="en-US" b="1" dirty="0" smtClean="0"/>
               <a:t>勝利条件　その３</a:t>
             </a:r>
-            <a:endParaRPr kumimoji="1" lang="ja-JP" altLang="en-US" dirty="0"/>
+            <a:endParaRPr kumimoji="1" lang="ja-JP" altLang="en-US" b="1" dirty="0"/>
           </a:p>
         </p:txBody>
       </p:sp>
@@ -3956,10 +7504,10 @@
           <a:lstStyle/>
           <a:p>
             <a:r>
-              <a:rPr kumimoji="1" lang="ja-JP" altLang="en-US" dirty="0" smtClean="0"/>
+              <a:rPr kumimoji="1" lang="ja-JP" altLang="en-US" b="1" dirty="0" smtClean="0"/>
               <a:t>勝利条件　その４</a:t>
             </a:r>
-            <a:endParaRPr kumimoji="1" lang="ja-JP" altLang="en-US" dirty="0"/>
+            <a:endParaRPr kumimoji="1" lang="ja-JP" altLang="en-US" b="1" dirty="0"/>
           </a:p>
         </p:txBody>
       </p:sp>
@@ -4468,10 +8016,10 @@
           <a:lstStyle/>
           <a:p>
             <a:r>
-              <a:rPr kumimoji="1" lang="ja-JP" altLang="en-US" dirty="0" smtClean="0"/>
+              <a:rPr kumimoji="1" lang="ja-JP" altLang="en-US" b="1" dirty="0" smtClean="0"/>
               <a:t>勝利条件　その５</a:t>
             </a:r>
-            <a:endParaRPr kumimoji="1" lang="ja-JP" altLang="en-US" dirty="0"/>
+            <a:endParaRPr kumimoji="1" lang="ja-JP" altLang="en-US" b="1" dirty="0"/>
           </a:p>
         </p:txBody>
       </p:sp>
@@ -4584,7 +8132,7 @@
         </p:blipFill>
         <p:spPr>
           <a:xfrm>
-            <a:off x="2229336" y="3774142"/>
+            <a:off x="2550868" y="3820029"/>
             <a:ext cx="6364776" cy="1688738"/>
           </a:xfrm>
           <a:prstGeom prst="rect">
@@ -4608,10 +8156,10 @@
           <a:lstStyle/>
           <a:p>
             <a:r>
-              <a:rPr lang="ja-JP" altLang="en-US" dirty="0" smtClean="0"/>
-              <a:t>引き分け</a:t>
-            </a:r>
-            <a:endParaRPr kumimoji="1" lang="ja-JP" altLang="en-US" dirty="0"/>
+              <a:rPr lang="ja-JP" altLang="en-US" b="1" dirty="0" smtClean="0"/>
+              <a:t>引き分け条件</a:t>
+            </a:r>
+            <a:endParaRPr kumimoji="1" lang="ja-JP" altLang="en-US" b="1" dirty="0"/>
           </a:p>
         </p:txBody>
       </p:sp>
@@ -4664,7 +8212,7 @@
         </p:nvSpPr>
         <p:spPr>
           <a:xfrm>
-            <a:off x="2229336" y="3971412"/>
+            <a:off x="2550868" y="4010285"/>
             <a:ext cx="710737" cy="182880"/>
           </a:xfrm>
           <a:prstGeom prst="rect">
@@ -4721,7 +8269,7 @@
         </p:nvSpPr>
         <p:spPr>
           <a:xfrm>
-            <a:off x="2147179" y="3893575"/>
+            <a:off x="2462412" y="3943483"/>
             <a:ext cx="1024128" cy="338554"/>
           </a:xfrm>
           <a:prstGeom prst="rect">
@@ -4771,7 +8319,7 @@
         </p:blipFill>
         <p:spPr>
           <a:xfrm>
-            <a:off x="7528806" y="3957131"/>
+            <a:off x="7838566" y="4028863"/>
             <a:ext cx="725487" cy="195089"/>
           </a:xfrm>
           <a:prstGeom prst="rect">
@@ -4787,7 +8335,7 @@
         </p:nvSpPr>
         <p:spPr>
           <a:xfrm>
-            <a:off x="7462304" y="3893575"/>
+            <a:off x="7783974" y="3932448"/>
             <a:ext cx="1024128" cy="338554"/>
           </a:xfrm>
           <a:prstGeom prst="rect">
@@ -4857,7 +8405,7 @@
         </p:blipFill>
         <p:spPr>
           <a:xfrm>
-            <a:off x="5370513" y="3971412"/>
+            <a:off x="5726943" y="4004180"/>
             <a:ext cx="725487" cy="195089"/>
           </a:xfrm>
           <a:prstGeom prst="rect">
@@ -4873,7 +8421,7 @@
         </p:nvSpPr>
         <p:spPr>
           <a:xfrm>
-            <a:off x="5242960" y="3893575"/>
+            <a:off x="5577623" y="3957130"/>
             <a:ext cx="1024128" cy="338554"/>
           </a:xfrm>
           <a:prstGeom prst="rect">
@@ -4904,7 +8452,781 @@
     </p:spTree>
     <p:extLst>
       <p:ext uri="{BB962C8B-B14F-4D97-AF65-F5344CB8AC3E}">
-        <p14:creationId xmlns:p14="http://schemas.microsoft.com/office/powerpoint/2010/main" val="2448246205"/>
+        <p14:creationId xmlns:p14="http://schemas.microsoft.com/office/powerpoint/2010/main" val="1676685930"/>
+      </p:ext>
+    </p:extLst>
+  </p:cSld>
+  <p:clrMapOvr>
+    <a:masterClrMapping/>
+  </p:clrMapOvr>
+  <p:timing>
+    <p:tnLst>
+      <p:par>
+        <p:cTn id="1" dur="indefinite" restart="never" nodeType="tmRoot"/>
+      </p:par>
+    </p:tnLst>
+  </p:timing>
+</p:sld>
+</file>
+
+<file path=ppt/slides/slide15.xml><?xml version="1.0" encoding="utf-8"?>
+<p:sld xmlns:a="http://schemas.openxmlformats.org/drawingml/2006/main" xmlns:r="http://schemas.openxmlformats.org/officeDocument/2006/relationships" xmlns:p="http://schemas.openxmlformats.org/presentationml/2006/main">
+  <p:cSld>
+    <p:spTree>
+      <p:nvGrpSpPr>
+        <p:cNvPr id="1" name=""/>
+        <p:cNvGrpSpPr/>
+        <p:nvPr/>
+      </p:nvGrpSpPr>
+      <p:grpSpPr>
+        <a:xfrm>
+          <a:off x="0" y="0"/>
+          <a:ext cx="0" cy="0"/>
+          <a:chOff x="0" y="0"/>
+          <a:chExt cx="0" cy="0"/>
+        </a:xfrm>
+      </p:grpSpPr>
+      <p:sp>
+        <p:nvSpPr>
+          <p:cNvPr id="2" name="タイトル 1"/>
+          <p:cNvSpPr>
+            <a:spLocks noGrp="1"/>
+          </p:cNvSpPr>
+          <p:nvPr>
+            <p:ph type="title"/>
+          </p:nvPr>
+        </p:nvSpPr>
+        <p:spPr>
+          <a:xfrm>
+            <a:off x="837822" y="503716"/>
+            <a:ext cx="4334272" cy="1143000"/>
+          </a:xfrm>
+        </p:spPr>
+        <p:txBody>
+          <a:bodyPr/>
+          <a:lstStyle/>
+          <a:p>
+            <a:r>
+              <a:rPr kumimoji="1" lang="ja-JP" altLang="en-US" b="1" dirty="0" smtClean="0"/>
+              <a:t>対戦形式</a:t>
+            </a:r>
+            <a:endParaRPr kumimoji="1" lang="ja-JP" altLang="en-US" b="1" dirty="0"/>
+          </a:p>
+        </p:txBody>
+      </p:sp>
+      <p:sp>
+        <p:nvSpPr>
+          <p:cNvPr id="3" name="コンテンツ プレースホルダー 2"/>
+          <p:cNvSpPr>
+            <a:spLocks noGrp="1"/>
+          </p:cNvSpPr>
+          <p:nvPr>
+            <p:ph idx="1"/>
+          </p:nvPr>
+        </p:nvSpPr>
+        <p:spPr>
+          <a:xfrm>
+            <a:off x="1635890" y="2423449"/>
+            <a:ext cx="10972800" cy="3456384"/>
+          </a:xfrm>
+        </p:spPr>
+        <p:txBody>
+          <a:bodyPr>
+            <a:normAutofit/>
+          </a:bodyPr>
+          <a:lstStyle/>
+          <a:p>
+            <a:pPr marL="0" indent="0">
+              <a:buNone/>
+            </a:pPr>
+            <a:r>
+              <a:rPr kumimoji="1" lang="ja-JP" altLang="en-US" sz="4400" dirty="0" smtClean="0"/>
+              <a:t>二回ずつ同じマップで</a:t>
+            </a:r>
+            <a:endParaRPr kumimoji="1" lang="en-US" altLang="ja-JP" sz="4400" dirty="0" smtClean="0"/>
+          </a:p>
+          <a:p>
+            <a:pPr marL="0" indent="0">
+              <a:buNone/>
+            </a:pPr>
+            <a:r>
+              <a:rPr kumimoji="1" lang="ja-JP" altLang="en-US" sz="4400" dirty="0" smtClean="0"/>
+              <a:t>先攻と後攻を入れ替えて試合をする</a:t>
+            </a:r>
+            <a:endParaRPr kumimoji="1" lang="ja-JP" altLang="en-US" sz="4400" dirty="0"/>
+          </a:p>
+        </p:txBody>
+      </p:sp>
+      <p:sp>
+        <p:nvSpPr>
+          <p:cNvPr id="4" name="テキスト ボックス 3"/>
+          <p:cNvSpPr txBox="1"/>
+          <p:nvPr/>
+        </p:nvSpPr>
+        <p:spPr>
+          <a:xfrm>
+            <a:off x="3667485" y="4286884"/>
+            <a:ext cx="6336704" cy="523220"/>
+          </a:xfrm>
+          <a:prstGeom prst="rect">
+            <a:avLst/>
+          </a:prstGeom>
+          <a:noFill/>
+        </p:spPr>
+        <p:txBody>
+          <a:bodyPr wrap="square" rtlCol="0">
+            <a:spAutoFit/>
+          </a:bodyPr>
+          <a:lstStyle/>
+          <a:p>
+            <a:r>
+              <a:rPr kumimoji="1" lang="en-US" altLang="ja-JP" sz="2800" dirty="0" smtClean="0"/>
+              <a:t>Cool</a:t>
+            </a:r>
+            <a:r>
+              <a:rPr kumimoji="1" lang="ja-JP" altLang="en-US" sz="2800" dirty="0" smtClean="0"/>
+              <a:t>と</a:t>
+            </a:r>
+            <a:r>
+              <a:rPr kumimoji="1" lang="en-US" altLang="ja-JP" sz="2800" dirty="0" smtClean="0"/>
+              <a:t>Hot</a:t>
+            </a:r>
+            <a:r>
+              <a:rPr kumimoji="1" lang="ja-JP" altLang="en-US" sz="2800" dirty="0" smtClean="0"/>
+              <a:t>が入れ替わる</a:t>
+            </a:r>
+            <a:endParaRPr kumimoji="1" lang="ja-JP" altLang="en-US" sz="2800" dirty="0"/>
+          </a:p>
+        </p:txBody>
+      </p:sp>
+    </p:spTree>
+    <p:extLst>
+      <p:ext uri="{BB962C8B-B14F-4D97-AF65-F5344CB8AC3E}">
+        <p14:creationId xmlns:p14="http://schemas.microsoft.com/office/powerpoint/2010/main" val="4286316280"/>
+      </p:ext>
+    </p:extLst>
+  </p:cSld>
+  <p:clrMapOvr>
+    <a:masterClrMapping/>
+  </p:clrMapOvr>
+  <p:timing>
+    <p:tnLst>
+      <p:par>
+        <p:cTn id="1" dur="indefinite" restart="never" nodeType="tmRoot"/>
+      </p:par>
+    </p:tnLst>
+  </p:timing>
+</p:sld>
+</file>
+
+<file path=ppt/slides/slide16.xml><?xml version="1.0" encoding="utf-8"?>
+<p:sld xmlns:a="http://schemas.openxmlformats.org/drawingml/2006/main" xmlns:r="http://schemas.openxmlformats.org/officeDocument/2006/relationships" xmlns:p="http://schemas.openxmlformats.org/presentationml/2006/main">
+  <p:cSld>
+    <p:spTree>
+      <p:nvGrpSpPr>
+        <p:cNvPr id="1" name=""/>
+        <p:cNvGrpSpPr/>
+        <p:nvPr/>
+      </p:nvGrpSpPr>
+      <p:grpSpPr>
+        <a:xfrm>
+          <a:off x="0" y="0"/>
+          <a:ext cx="0" cy="0"/>
+          <a:chOff x="0" y="0"/>
+          <a:chExt cx="0" cy="0"/>
+        </a:xfrm>
+      </p:grpSpPr>
+      <p:sp>
+        <p:nvSpPr>
+          <p:cNvPr id="2" name="タイトル 1"/>
+          <p:cNvSpPr>
+            <a:spLocks noGrp="1"/>
+          </p:cNvSpPr>
+          <p:nvPr>
+            <p:ph type="title"/>
+          </p:nvPr>
+        </p:nvSpPr>
+        <p:spPr>
+          <a:xfrm>
+            <a:off x="839374" y="506308"/>
+            <a:ext cx="4334272" cy="1143000"/>
+          </a:xfrm>
+        </p:spPr>
+        <p:txBody>
+          <a:bodyPr/>
+          <a:lstStyle/>
+          <a:p>
+            <a:r>
+              <a:rPr kumimoji="1" lang="ja-JP" altLang="en-US" b="1" dirty="0" smtClean="0"/>
+              <a:t>対戦形式</a:t>
+            </a:r>
+            <a:endParaRPr kumimoji="1" lang="ja-JP" altLang="en-US" b="1" dirty="0"/>
+          </a:p>
+        </p:txBody>
+      </p:sp>
+      <p:sp>
+        <p:nvSpPr>
+          <p:cNvPr id="3" name="コンテンツ プレースホルダー 2"/>
+          <p:cNvSpPr>
+            <a:spLocks noGrp="1"/>
+          </p:cNvSpPr>
+          <p:nvPr>
+            <p:ph idx="1"/>
+          </p:nvPr>
+        </p:nvSpPr>
+        <p:spPr>
+          <a:xfrm>
+            <a:off x="2249382" y="2843058"/>
+            <a:ext cx="10972800" cy="3456384"/>
+          </a:xfrm>
+        </p:spPr>
+        <p:txBody>
+          <a:bodyPr>
+            <a:normAutofit/>
+          </a:bodyPr>
+          <a:lstStyle/>
+          <a:p>
+            <a:pPr marL="0" indent="0">
+              <a:buNone/>
+            </a:pPr>
+            <a:r>
+              <a:rPr kumimoji="1" lang="ja-JP" altLang="en-US" sz="5400" dirty="0" smtClean="0"/>
+              <a:t>２回とも勝ったら勝利</a:t>
+            </a:r>
+            <a:endParaRPr kumimoji="1" lang="ja-JP" altLang="en-US" sz="5400" dirty="0"/>
+          </a:p>
+        </p:txBody>
+      </p:sp>
+    </p:spTree>
+    <p:extLst>
+      <p:ext uri="{BB962C8B-B14F-4D97-AF65-F5344CB8AC3E}">
+        <p14:creationId xmlns:p14="http://schemas.microsoft.com/office/powerpoint/2010/main" val="2441399538"/>
+      </p:ext>
+    </p:extLst>
+  </p:cSld>
+  <p:clrMapOvr>
+    <a:masterClrMapping/>
+  </p:clrMapOvr>
+  <p:timing>
+    <p:tnLst>
+      <p:par>
+        <p:cTn id="1" dur="indefinite" restart="never" nodeType="tmRoot"/>
+      </p:par>
+    </p:tnLst>
+  </p:timing>
+</p:sld>
+</file>
+
+<file path=ppt/slides/slide17.xml><?xml version="1.0" encoding="utf-8"?>
+<p:sld xmlns:a="http://schemas.openxmlformats.org/drawingml/2006/main" xmlns:r="http://schemas.openxmlformats.org/officeDocument/2006/relationships" xmlns:p="http://schemas.openxmlformats.org/presentationml/2006/main">
+  <p:cSld>
+    <p:spTree>
+      <p:nvGrpSpPr>
+        <p:cNvPr id="1" name=""/>
+        <p:cNvGrpSpPr/>
+        <p:nvPr/>
+      </p:nvGrpSpPr>
+      <p:grpSpPr>
+        <a:xfrm>
+          <a:off x="0" y="0"/>
+          <a:ext cx="0" cy="0"/>
+          <a:chOff x="0" y="0"/>
+          <a:chExt cx="0" cy="0"/>
+        </a:xfrm>
+      </p:grpSpPr>
+      <p:sp>
+        <p:nvSpPr>
+          <p:cNvPr id="2" name="タイトル 1"/>
+          <p:cNvSpPr>
+            <a:spLocks noGrp="1"/>
+          </p:cNvSpPr>
+          <p:nvPr>
+            <p:ph type="title"/>
+          </p:nvPr>
+        </p:nvSpPr>
+        <p:spPr>
+          <a:xfrm>
+            <a:off x="839375" y="492659"/>
+            <a:ext cx="4334272" cy="1143000"/>
+          </a:xfrm>
+        </p:spPr>
+        <p:txBody>
+          <a:bodyPr/>
+          <a:lstStyle/>
+          <a:p>
+            <a:r>
+              <a:rPr kumimoji="1" lang="ja-JP" altLang="en-US" b="1" dirty="0" smtClean="0"/>
+              <a:t>対戦形式</a:t>
+            </a:r>
+            <a:endParaRPr kumimoji="1" lang="ja-JP" altLang="en-US" b="1" dirty="0"/>
+          </a:p>
+        </p:txBody>
+      </p:sp>
+      <p:sp>
+        <p:nvSpPr>
+          <p:cNvPr id="3" name="コンテンツ プレースホルダー 2"/>
+          <p:cNvSpPr>
+            <a:spLocks noGrp="1"/>
+          </p:cNvSpPr>
+          <p:nvPr>
+            <p:ph idx="1"/>
+          </p:nvPr>
+        </p:nvSpPr>
+        <p:spPr>
+          <a:xfrm>
+            <a:off x="1155654" y="1863152"/>
+            <a:ext cx="11905323" cy="3456384"/>
+          </a:xfrm>
+        </p:spPr>
+        <p:txBody>
+          <a:bodyPr>
+            <a:normAutofit/>
+          </a:bodyPr>
+          <a:lstStyle/>
+          <a:p>
+            <a:pPr marL="0" indent="0">
+              <a:buNone/>
+            </a:pPr>
+            <a:r>
+              <a:rPr kumimoji="1" lang="ja-JP" altLang="en-US" sz="4000" dirty="0" smtClean="0"/>
+              <a:t>一勝</a:t>
+            </a:r>
+            <a:r>
+              <a:rPr lang="ja-JP" altLang="en-US" sz="4000" dirty="0" smtClean="0"/>
+              <a:t>一敗のときは・・・</a:t>
+            </a:r>
+            <a:endParaRPr lang="en-US" altLang="ja-JP" sz="4000" dirty="0" smtClean="0"/>
+          </a:p>
+          <a:p>
+            <a:pPr marL="0" indent="0">
+              <a:buNone/>
+            </a:pPr>
+            <a:endParaRPr lang="en-US" altLang="ja-JP" sz="4000" dirty="0" smtClean="0"/>
+          </a:p>
+          <a:p>
+            <a:pPr marL="0" indent="0">
+              <a:buNone/>
+            </a:pPr>
+            <a:r>
+              <a:rPr lang="ja-JP" altLang="en-US" sz="4800" dirty="0"/>
+              <a:t>壁</a:t>
+            </a:r>
+            <a:r>
+              <a:rPr lang="ja-JP" altLang="en-US" sz="4800" dirty="0" smtClean="0"/>
+              <a:t>を置いて相手を埋めて</a:t>
+            </a:r>
+            <a:endParaRPr lang="en-US" altLang="ja-JP" sz="4800" dirty="0" smtClean="0"/>
+          </a:p>
+          <a:p>
+            <a:pPr marL="0" indent="0">
+              <a:buNone/>
+            </a:pPr>
+            <a:r>
+              <a:rPr lang="ja-JP" altLang="en-US" sz="4800" dirty="0" smtClean="0"/>
+              <a:t>勝った回数（</a:t>
+            </a:r>
+            <a:r>
+              <a:rPr lang="en-US" altLang="ja-JP" sz="4800" dirty="0" smtClean="0"/>
+              <a:t>put</a:t>
+            </a:r>
+            <a:r>
+              <a:rPr lang="ja-JP" altLang="en-US" sz="4800" dirty="0"/>
+              <a:t>勝ち</a:t>
+            </a:r>
+            <a:r>
+              <a:rPr lang="ja-JP" altLang="en-US" sz="4800" dirty="0" smtClean="0"/>
+              <a:t>）の多い方が勝利</a:t>
+            </a:r>
+            <a:endParaRPr kumimoji="1" lang="en-US" altLang="ja-JP" sz="4800" dirty="0" smtClean="0"/>
+          </a:p>
+        </p:txBody>
+      </p:sp>
+      <p:pic>
+        <p:nvPicPr>
+          <p:cNvPr id="1026" name="Picture 2"/>
+          <p:cNvPicPr>
+            <a:picLocks noChangeAspect="1" noChangeArrowheads="1"/>
+          </p:cNvPicPr>
+          <p:nvPr/>
+        </p:nvPicPr>
+        <p:blipFill>
+          <a:blip r:embed="rId2">
+            <a:extLst>
+              <a:ext uri="{28A0092B-C50C-407E-A947-70E740481C1C}">
+                <a14:useLocalDpi xmlns:a14="http://schemas.microsoft.com/office/drawing/2010/main" val="0"/>
+              </a:ext>
+            </a:extLst>
+          </a:blip>
+          <a:srcRect/>
+          <a:stretch>
+            <a:fillRect/>
+          </a:stretch>
+        </p:blipFill>
+        <p:spPr bwMode="auto">
+          <a:xfrm>
+            <a:off x="8699500" y="1646166"/>
+            <a:ext cx="2103438" cy="2152650"/>
+          </a:xfrm>
+          <a:prstGeom prst="rect">
+            <a:avLst/>
+          </a:prstGeom>
+          <a:noFill/>
+          <a:ln>
+            <a:noFill/>
+          </a:ln>
+          <a:effectLst/>
+          <a:extLst>
+            <a:ext uri="{909E8E84-426E-40DD-AFC4-6F175D3DCCD1}">
+              <a14:hiddenFill xmlns:a14="http://schemas.microsoft.com/office/drawing/2010/main">
+                <a:solidFill>
+                  <a:schemeClr val="accent1"/>
+                </a:solidFill>
+              </a14:hiddenFill>
+            </a:ext>
+            <a:ext uri="{91240B29-F687-4F45-9708-019B960494DF}">
+              <a14:hiddenLine xmlns:a14="http://schemas.microsoft.com/office/drawing/2010/main" w="9525">
+                <a:solidFill>
+                  <a:schemeClr val="tx1"/>
+                </a:solidFill>
+                <a:miter lim="800000"/>
+                <a:headEnd/>
+                <a:tailEnd/>
+              </a14:hiddenLine>
+            </a:ext>
+            <a:ext uri="{AF507438-7753-43E0-B8FC-AC1667EBCBE1}">
+              <a14:hiddenEffects xmlns:a14="http://schemas.microsoft.com/office/drawing/2010/main">
+                <a:effectLst>
+                  <a:outerShdw dist="35921" dir="2700000" algn="ctr" rotWithShape="0">
+                    <a:schemeClr val="bg2"/>
+                  </a:outerShdw>
+                </a:effectLst>
+              </a14:hiddenEffects>
+            </a:ext>
+          </a:extLst>
+        </p:spPr>
+      </p:pic>
+    </p:spTree>
+    <p:extLst>
+      <p:ext uri="{BB962C8B-B14F-4D97-AF65-F5344CB8AC3E}">
+        <p14:creationId xmlns:p14="http://schemas.microsoft.com/office/powerpoint/2010/main" val="3150665655"/>
+      </p:ext>
+    </p:extLst>
+  </p:cSld>
+  <p:clrMapOvr>
+    <a:masterClrMapping/>
+  </p:clrMapOvr>
+  <p:timing>
+    <p:tnLst>
+      <p:par>
+        <p:cTn id="1" dur="indefinite" restart="never" nodeType="tmRoot"/>
+      </p:par>
+    </p:tnLst>
+  </p:timing>
+</p:sld>
+</file>
+
+<file path=ppt/slides/slide18.xml><?xml version="1.0" encoding="utf-8"?>
+<p:sld xmlns:a="http://schemas.openxmlformats.org/drawingml/2006/main" xmlns:r="http://schemas.openxmlformats.org/officeDocument/2006/relationships" xmlns:p="http://schemas.openxmlformats.org/presentationml/2006/main">
+  <p:cSld>
+    <p:spTree>
+      <p:nvGrpSpPr>
+        <p:cNvPr id="1" name=""/>
+        <p:cNvGrpSpPr/>
+        <p:nvPr/>
+      </p:nvGrpSpPr>
+      <p:grpSpPr>
+        <a:xfrm>
+          <a:off x="0" y="0"/>
+          <a:ext cx="0" cy="0"/>
+          <a:chOff x="0" y="0"/>
+          <a:chExt cx="0" cy="0"/>
+        </a:xfrm>
+      </p:grpSpPr>
+      <p:sp>
+        <p:nvSpPr>
+          <p:cNvPr id="2" name="タイトル 1"/>
+          <p:cNvSpPr>
+            <a:spLocks noGrp="1"/>
+          </p:cNvSpPr>
+          <p:nvPr>
+            <p:ph type="title"/>
+          </p:nvPr>
+        </p:nvSpPr>
+        <p:spPr>
+          <a:xfrm>
+            <a:off x="839376" y="492661"/>
+            <a:ext cx="4334272" cy="1143000"/>
+          </a:xfrm>
+        </p:spPr>
+        <p:txBody>
+          <a:bodyPr/>
+          <a:lstStyle/>
+          <a:p>
+            <a:r>
+              <a:rPr kumimoji="1" lang="ja-JP" altLang="en-US" b="1" dirty="0" smtClean="0"/>
+              <a:t>対戦形式</a:t>
+            </a:r>
+            <a:endParaRPr kumimoji="1" lang="ja-JP" altLang="en-US" b="1" dirty="0"/>
+          </a:p>
+        </p:txBody>
+      </p:sp>
+      <p:sp>
+        <p:nvSpPr>
+          <p:cNvPr id="3" name="コンテンツ プレースホルダー 2"/>
+          <p:cNvSpPr>
+            <a:spLocks noGrp="1"/>
+          </p:cNvSpPr>
+          <p:nvPr>
+            <p:ph idx="1"/>
+          </p:nvPr>
+        </p:nvSpPr>
+        <p:spPr>
+          <a:xfrm>
+            <a:off x="883651" y="1853273"/>
+            <a:ext cx="10972800" cy="3456384"/>
+          </a:xfrm>
+        </p:spPr>
+        <p:txBody>
+          <a:bodyPr>
+            <a:normAutofit/>
+          </a:bodyPr>
+          <a:lstStyle/>
+          <a:p>
+            <a:pPr marL="0" indent="0">
+              <a:buNone/>
+            </a:pPr>
+            <a:r>
+              <a:rPr lang="ja-JP" altLang="en-US" sz="4000" dirty="0" smtClean="0"/>
+              <a:t>どちらも</a:t>
+            </a:r>
+            <a:r>
+              <a:rPr lang="ja-JP" altLang="en-US" sz="4000" dirty="0"/>
+              <a:t>相手</a:t>
+            </a:r>
+            <a:r>
+              <a:rPr lang="ja-JP" altLang="en-US" sz="4000" dirty="0" smtClean="0"/>
+              <a:t>を埋めて勝ったときは・・・</a:t>
+            </a:r>
+            <a:endParaRPr lang="en-US" altLang="ja-JP" sz="4000" dirty="0" smtClean="0"/>
+          </a:p>
+          <a:p>
+            <a:pPr marL="0" indent="0">
+              <a:buNone/>
+            </a:pPr>
+            <a:endParaRPr lang="en-US" altLang="ja-JP" sz="4000" dirty="0" smtClean="0"/>
+          </a:p>
+          <a:p>
+            <a:pPr marL="0" indent="0">
+              <a:buNone/>
+            </a:pPr>
+            <a:r>
+              <a:rPr lang="ja-JP" altLang="en-US" sz="4800" dirty="0" smtClean="0"/>
+              <a:t>　二試合の</a:t>
+            </a:r>
+            <a:endParaRPr lang="en-US" altLang="ja-JP" sz="4800" dirty="0" smtClean="0"/>
+          </a:p>
+          <a:p>
+            <a:pPr marL="0" indent="0">
+              <a:buNone/>
+            </a:pPr>
+            <a:r>
+              <a:rPr lang="ja-JP" altLang="en-US" sz="4800" dirty="0" smtClean="0"/>
+              <a:t>　合計ハート取得数の多い方が勝利</a:t>
+            </a:r>
+            <a:endParaRPr kumimoji="1" lang="en-US" altLang="ja-JP" sz="4800" dirty="0" smtClean="0"/>
+          </a:p>
+        </p:txBody>
+      </p:sp>
+      <p:pic>
+        <p:nvPicPr>
+          <p:cNvPr id="2050" name="Picture 2"/>
+          <p:cNvPicPr>
+            <a:picLocks noChangeAspect="1" noChangeArrowheads="1"/>
+          </p:cNvPicPr>
+          <p:nvPr/>
+        </p:nvPicPr>
+        <p:blipFill>
+          <a:blip r:embed="rId2">
+            <a:extLst>
+              <a:ext uri="{28A0092B-C50C-407E-A947-70E740481C1C}">
+                <a14:useLocalDpi xmlns:a14="http://schemas.microsoft.com/office/drawing/2010/main" val="0"/>
+              </a:ext>
+            </a:extLst>
+          </a:blip>
+          <a:srcRect/>
+          <a:stretch>
+            <a:fillRect/>
+          </a:stretch>
+        </p:blipFill>
+        <p:spPr bwMode="auto">
+          <a:xfrm>
+            <a:off x="9300192" y="2802933"/>
+            <a:ext cx="1011238" cy="1011237"/>
+          </a:xfrm>
+          <a:prstGeom prst="rect">
+            <a:avLst/>
+          </a:prstGeom>
+          <a:noFill/>
+          <a:ln>
+            <a:noFill/>
+          </a:ln>
+          <a:effectLst/>
+          <a:extLst>
+            <a:ext uri="{909E8E84-426E-40DD-AFC4-6F175D3DCCD1}">
+              <a14:hiddenFill xmlns:a14="http://schemas.microsoft.com/office/drawing/2010/main">
+                <a:solidFill>
+                  <a:schemeClr val="accent1"/>
+                </a:solidFill>
+              </a14:hiddenFill>
+            </a:ext>
+            <a:ext uri="{91240B29-F687-4F45-9708-019B960494DF}">
+              <a14:hiddenLine xmlns:a14="http://schemas.microsoft.com/office/drawing/2010/main" w="9525">
+                <a:solidFill>
+                  <a:schemeClr val="tx1"/>
+                </a:solidFill>
+                <a:miter lim="800000"/>
+                <a:headEnd/>
+                <a:tailEnd/>
+              </a14:hiddenLine>
+            </a:ext>
+            <a:ext uri="{AF507438-7753-43E0-B8FC-AC1667EBCBE1}">
+              <a14:hiddenEffects xmlns:a14="http://schemas.microsoft.com/office/drawing/2010/main">
+                <a:effectLst>
+                  <a:outerShdw dist="35921" dir="2700000" algn="ctr" rotWithShape="0">
+                    <a:schemeClr val="bg2"/>
+                  </a:outerShdw>
+                </a:effectLst>
+              </a14:hiddenEffects>
+            </a:ext>
+          </a:extLst>
+        </p:spPr>
+      </p:pic>
+    </p:spTree>
+    <p:extLst>
+      <p:ext uri="{BB962C8B-B14F-4D97-AF65-F5344CB8AC3E}">
+        <p14:creationId xmlns:p14="http://schemas.microsoft.com/office/powerpoint/2010/main" val="4220186637"/>
+      </p:ext>
+    </p:extLst>
+  </p:cSld>
+  <p:clrMapOvr>
+    <a:masterClrMapping/>
+  </p:clrMapOvr>
+  <p:timing>
+    <p:tnLst>
+      <p:par>
+        <p:cTn id="1" dur="indefinite" restart="never" nodeType="tmRoot"/>
+      </p:par>
+    </p:tnLst>
+  </p:timing>
+</p:sld>
+</file>
+
+<file path=ppt/slides/slide19.xml><?xml version="1.0" encoding="utf-8"?>
+<p:sld xmlns:a="http://schemas.openxmlformats.org/drawingml/2006/main" xmlns:r="http://schemas.openxmlformats.org/officeDocument/2006/relationships" xmlns:p="http://schemas.openxmlformats.org/presentationml/2006/main">
+  <p:cSld>
+    <p:spTree>
+      <p:nvGrpSpPr>
+        <p:cNvPr id="1" name=""/>
+        <p:cNvGrpSpPr/>
+        <p:nvPr/>
+      </p:nvGrpSpPr>
+      <p:grpSpPr>
+        <a:xfrm>
+          <a:off x="0" y="0"/>
+          <a:ext cx="0" cy="0"/>
+          <a:chOff x="0" y="0"/>
+          <a:chExt cx="0" cy="0"/>
+        </a:xfrm>
+      </p:grpSpPr>
+      <p:sp>
+        <p:nvSpPr>
+          <p:cNvPr id="2" name="タイトル 1"/>
+          <p:cNvSpPr>
+            <a:spLocks noGrp="1"/>
+          </p:cNvSpPr>
+          <p:nvPr>
+            <p:ph type="title"/>
+          </p:nvPr>
+        </p:nvSpPr>
+        <p:spPr>
+          <a:xfrm>
+            <a:off x="839374" y="506310"/>
+            <a:ext cx="3514262" cy="1143000"/>
+          </a:xfrm>
+        </p:spPr>
+        <p:txBody>
+          <a:bodyPr/>
+          <a:lstStyle/>
+          <a:p>
+            <a:r>
+              <a:rPr kumimoji="1" lang="ja-JP" altLang="en-US" b="1" dirty="0" smtClean="0"/>
+              <a:t>対戦形式</a:t>
+            </a:r>
+            <a:endParaRPr kumimoji="1" lang="ja-JP" altLang="en-US" b="1" dirty="0"/>
+          </a:p>
+        </p:txBody>
+      </p:sp>
+      <p:sp>
+        <p:nvSpPr>
+          <p:cNvPr id="3" name="コンテンツ プレースホルダー 2"/>
+          <p:cNvSpPr>
+            <a:spLocks noGrp="1"/>
+          </p:cNvSpPr>
+          <p:nvPr>
+            <p:ph idx="1"/>
+          </p:nvPr>
+        </p:nvSpPr>
+        <p:spPr>
+          <a:xfrm>
+            <a:off x="1606984" y="2112582"/>
+            <a:ext cx="10972800" cy="3456384"/>
+          </a:xfrm>
+        </p:spPr>
+        <p:txBody>
+          <a:bodyPr>
+            <a:normAutofit/>
+          </a:bodyPr>
+          <a:lstStyle/>
+          <a:p>
+            <a:pPr marL="0" indent="0">
+              <a:buNone/>
+            </a:pPr>
+            <a:r>
+              <a:rPr lang="ja-JP" altLang="en-US" sz="4000" dirty="0" smtClean="0"/>
+              <a:t>アイテムの取得数も同じときは・・・</a:t>
+            </a:r>
+            <a:endParaRPr lang="en-US" altLang="ja-JP" sz="4000" dirty="0" smtClean="0"/>
+          </a:p>
+          <a:p>
+            <a:pPr marL="0" indent="0">
+              <a:buNone/>
+            </a:pPr>
+            <a:endParaRPr lang="en-US" altLang="ja-JP" sz="4000" dirty="0" smtClean="0"/>
+          </a:p>
+          <a:p>
+            <a:pPr marL="0" indent="0">
+              <a:buNone/>
+            </a:pPr>
+            <a:r>
+              <a:rPr lang="ja-JP" altLang="en-US" sz="6000" dirty="0" smtClean="0"/>
+              <a:t>　違う</a:t>
+            </a:r>
+            <a:r>
+              <a:rPr lang="ja-JP" altLang="en-US" sz="6000" dirty="0"/>
+              <a:t>マップ</a:t>
+            </a:r>
+            <a:r>
+              <a:rPr lang="ja-JP" altLang="en-US" sz="6000" dirty="0" smtClean="0"/>
+              <a:t>で再試合</a:t>
+            </a:r>
+            <a:endParaRPr lang="en-US" altLang="ja-JP" sz="6000" dirty="0" smtClean="0"/>
+          </a:p>
+        </p:txBody>
+      </p:sp>
+    </p:spTree>
+    <p:extLst>
+      <p:ext uri="{BB962C8B-B14F-4D97-AF65-F5344CB8AC3E}">
+        <p14:creationId xmlns:p14="http://schemas.microsoft.com/office/powerpoint/2010/main" val="656912958"/>
       </p:ext>
     </p:extLst>
   </p:cSld>
@@ -4954,38 +9276,38 @@
           <a:lstStyle/>
           <a:p>
             <a:r>
-              <a:rPr kumimoji="1" lang="en-US" altLang="ja-JP" dirty="0" smtClean="0"/>
+              <a:rPr kumimoji="1" lang="en-US" altLang="ja-JP" b="1" dirty="0" smtClean="0"/>
               <a:t>Chaser(</a:t>
             </a:r>
             <a:r>
+              <a:rPr kumimoji="1" lang="ja-JP" altLang="en-US" b="1" dirty="0" smtClean="0"/>
+              <a:t>チェイサー）とは？</a:t>
+            </a:r>
+            <a:endParaRPr kumimoji="1" lang="ja-JP" altLang="en-US" b="1" dirty="0"/>
+          </a:p>
+        </p:txBody>
+      </p:sp>
+      <p:sp>
+        <p:nvSpPr>
+          <p:cNvPr id="3" name="コンテンツ プレースホルダー 2"/>
+          <p:cNvSpPr>
+            <a:spLocks noGrp="1"/>
+          </p:cNvSpPr>
+          <p:nvPr>
+            <p:ph idx="1"/>
+          </p:nvPr>
+        </p:nvSpPr>
+        <p:spPr/>
+        <p:txBody>
+          <a:bodyPr/>
+          <a:lstStyle/>
+          <a:p>
+            <a:pPr marL="0" indent="0">
+              <a:buNone/>
+            </a:pPr>
+            <a:r>
               <a:rPr kumimoji="1" lang="ja-JP" altLang="en-US" dirty="0" smtClean="0"/>
-              <a:t>チェイサー）とは？</a:t>
-            </a:r>
-            <a:endParaRPr kumimoji="1" lang="ja-JP" altLang="en-US" dirty="0"/>
-          </a:p>
-        </p:txBody>
-      </p:sp>
-      <p:sp>
-        <p:nvSpPr>
-          <p:cNvPr id="3" name="コンテンツ プレースホルダー 2"/>
-          <p:cNvSpPr>
-            <a:spLocks noGrp="1"/>
-          </p:cNvSpPr>
-          <p:nvPr>
-            <p:ph idx="1"/>
-          </p:nvPr>
-        </p:nvSpPr>
-        <p:spPr/>
-        <p:txBody>
-          <a:bodyPr/>
-          <a:lstStyle/>
-          <a:p>
-            <a:pPr marL="0" indent="0">
-              <a:buNone/>
-            </a:pPr>
-            <a:r>
-              <a:rPr kumimoji="1" lang="ja-JP" altLang="en-US" dirty="0" smtClean="0"/>
-              <a:t>碁盤目のフィールド上でプログラム同士が戦う競技</a:t>
+              <a:t>　　  碁盤目のフィールド上でプログラム同士が戦う競技</a:t>
             </a:r>
             <a:endParaRPr kumimoji="1" lang="ja-JP" altLang="en-US" dirty="0"/>
           </a:p>
@@ -5049,6 +9371,150 @@
     <p:extLst>
       <p:ext uri="{BB962C8B-B14F-4D97-AF65-F5344CB8AC3E}">
         <p14:creationId xmlns:p14="http://schemas.microsoft.com/office/powerpoint/2010/main" val="2741625001"/>
+      </p:ext>
+    </p:extLst>
+  </p:cSld>
+  <p:clrMapOvr>
+    <a:masterClrMapping/>
+  </p:clrMapOvr>
+  <p:timing>
+    <p:tnLst>
+      <p:par>
+        <p:cTn id="1" dur="indefinite" restart="never" nodeType="tmRoot"/>
+      </p:par>
+    </p:tnLst>
+  </p:timing>
+</p:sld>
+</file>
+
+<file path=ppt/slides/slide20.xml><?xml version="1.0" encoding="utf-8"?>
+<p:sld xmlns:a="http://schemas.openxmlformats.org/drawingml/2006/main" xmlns:r="http://schemas.openxmlformats.org/officeDocument/2006/relationships" xmlns:p="http://schemas.openxmlformats.org/presentationml/2006/main">
+  <p:cSld>
+    <p:spTree>
+      <p:nvGrpSpPr>
+        <p:cNvPr id="1" name=""/>
+        <p:cNvGrpSpPr/>
+        <p:nvPr/>
+      </p:nvGrpSpPr>
+      <p:grpSpPr>
+        <a:xfrm>
+          <a:off x="0" y="0"/>
+          <a:ext cx="0" cy="0"/>
+          <a:chOff x="0" y="0"/>
+          <a:chExt cx="0" cy="0"/>
+        </a:xfrm>
+      </p:grpSpPr>
+      <p:sp>
+        <p:nvSpPr>
+          <p:cNvPr id="2" name="タイトル 1"/>
+          <p:cNvSpPr>
+            <a:spLocks noGrp="1"/>
+          </p:cNvSpPr>
+          <p:nvPr>
+            <p:ph type="title"/>
+          </p:nvPr>
+        </p:nvSpPr>
+        <p:spPr>
+          <a:xfrm>
+            <a:off x="853024" y="506308"/>
+            <a:ext cx="4334272" cy="1143000"/>
+          </a:xfrm>
+        </p:spPr>
+        <p:txBody>
+          <a:bodyPr/>
+          <a:lstStyle/>
+          <a:p>
+            <a:r>
+              <a:rPr kumimoji="1" lang="ja-JP" altLang="en-US" dirty="0" smtClean="0"/>
+              <a:t>対戦形式</a:t>
+            </a:r>
+            <a:endParaRPr kumimoji="1" lang="ja-JP" altLang="en-US" dirty="0"/>
+          </a:p>
+        </p:txBody>
+      </p:sp>
+      <p:sp>
+        <p:nvSpPr>
+          <p:cNvPr id="3" name="コンテンツ プレースホルダー 2"/>
+          <p:cNvSpPr>
+            <a:spLocks noGrp="1"/>
+          </p:cNvSpPr>
+          <p:nvPr>
+            <p:ph idx="1"/>
+          </p:nvPr>
+        </p:nvSpPr>
+        <p:spPr>
+          <a:xfrm>
+            <a:off x="1168825" y="1907863"/>
+            <a:ext cx="11376587" cy="3456384"/>
+          </a:xfrm>
+        </p:spPr>
+        <p:txBody>
+          <a:bodyPr>
+            <a:normAutofit/>
+          </a:bodyPr>
+          <a:lstStyle/>
+          <a:p>
+            <a:pPr marL="0" indent="0">
+              <a:buNone/>
+            </a:pPr>
+            <a:r>
+              <a:rPr lang="ja-JP" altLang="en-US" sz="4000" dirty="0" smtClean="0"/>
+              <a:t>通信エラーなどで試合が</a:t>
+            </a:r>
+            <a:r>
+              <a:rPr lang="ja-JP" altLang="en-US" sz="4000" dirty="0"/>
+              <a:t>止まった</a:t>
+            </a:r>
+            <a:r>
+              <a:rPr lang="ja-JP" altLang="en-US" sz="4000" dirty="0" smtClean="0"/>
+              <a:t>ら・・・</a:t>
+            </a:r>
+            <a:endParaRPr lang="en-US" altLang="ja-JP" sz="4000" dirty="0" smtClean="0"/>
+          </a:p>
+          <a:p>
+            <a:pPr marL="0" indent="0">
+              <a:buNone/>
+            </a:pPr>
+            <a:endParaRPr lang="en-US" altLang="ja-JP" sz="4000" dirty="0" smtClean="0"/>
+          </a:p>
+          <a:p>
+            <a:pPr marL="0" indent="0">
+              <a:buNone/>
+            </a:pPr>
+            <a:r>
+              <a:rPr lang="ja-JP" altLang="en-US" sz="6000" dirty="0" smtClean="0"/>
+              <a:t>　　原因となった方は</a:t>
+            </a:r>
+            <a:endParaRPr lang="en-US" altLang="ja-JP" sz="6000" dirty="0" smtClean="0"/>
+          </a:p>
+          <a:p>
+            <a:pPr marL="0" indent="0">
+              <a:buNone/>
+            </a:pPr>
+            <a:r>
+              <a:rPr lang="ja-JP" altLang="en-US" sz="6000" dirty="0"/>
+              <a:t>　</a:t>
+            </a:r>
+            <a:r>
+              <a:rPr lang="ja-JP" altLang="en-US" sz="6000" dirty="0" smtClean="0"/>
+              <a:t>　</a:t>
+            </a:r>
+            <a:r>
+              <a:rPr lang="en-US" altLang="ja-JP" sz="6000" dirty="0" smtClean="0"/>
+              <a:t>put</a:t>
+            </a:r>
+            <a:r>
+              <a:rPr lang="ja-JP" altLang="en-US" sz="6000" dirty="0" smtClean="0"/>
+              <a:t>負け扱いとなる</a:t>
+            </a:r>
+            <a:endParaRPr lang="en-US" altLang="ja-JP" sz="6000" dirty="0" smtClean="0"/>
+          </a:p>
+        </p:txBody>
+      </p:sp>
+    </p:spTree>
+    <p:extLst>
+      <p:ext uri="{BB962C8B-B14F-4D97-AF65-F5344CB8AC3E}">
+        <p14:creationId xmlns:p14="http://schemas.microsoft.com/office/powerpoint/2010/main" val="2335333239"/>
       </p:ext>
     </p:extLst>
   </p:cSld>
@@ -5307,14 +9773,14 @@
           </a:lstStyle>
           <a:p>
             <a:r>
-              <a:rPr lang="en-US" altLang="ja-JP" smtClean="0"/>
+              <a:rPr lang="en-US" altLang="ja-JP" b="1" dirty="0" smtClean="0"/>
               <a:t>Chaser(</a:t>
             </a:r>
             <a:r>
-              <a:rPr lang="ja-JP" altLang="en-US" smtClean="0"/>
+              <a:rPr lang="ja-JP" altLang="en-US" b="1" dirty="0" smtClean="0"/>
               <a:t>チェイサー）とは？</a:t>
             </a:r>
-            <a:endParaRPr lang="ja-JP" altLang="en-US" dirty="0"/>
+            <a:endParaRPr lang="ja-JP" altLang="en-US" b="1" dirty="0"/>
           </a:p>
         </p:txBody>
       </p:sp>
@@ -5525,14 +9991,14 @@
           </a:lstStyle>
           <a:p>
             <a:r>
-              <a:rPr lang="en-US" altLang="ja-JP" smtClean="0"/>
+              <a:rPr lang="en-US" altLang="ja-JP" b="1" dirty="0" smtClean="0"/>
               <a:t>Chaser(</a:t>
             </a:r>
             <a:r>
-              <a:rPr lang="ja-JP" altLang="en-US" smtClean="0"/>
+              <a:rPr lang="ja-JP" altLang="en-US" b="1" dirty="0" smtClean="0"/>
               <a:t>チェイサー）とは？</a:t>
             </a:r>
-            <a:endParaRPr lang="ja-JP" altLang="en-US" dirty="0"/>
+            <a:endParaRPr lang="ja-JP" altLang="en-US" b="1" dirty="0"/>
           </a:p>
         </p:txBody>
       </p:sp>
@@ -5753,14 +10219,14 @@
           </a:lstStyle>
           <a:p>
             <a:r>
-              <a:rPr lang="en-US" altLang="ja-JP" smtClean="0"/>
+              <a:rPr lang="en-US" altLang="ja-JP" b="1" dirty="0" smtClean="0"/>
               <a:t>Chaser(</a:t>
             </a:r>
             <a:r>
-              <a:rPr lang="ja-JP" altLang="en-US" smtClean="0"/>
+              <a:rPr lang="ja-JP" altLang="en-US" b="1" dirty="0" smtClean="0"/>
               <a:t>チェイサー）とは？</a:t>
             </a:r>
-            <a:endParaRPr lang="ja-JP" altLang="en-US" dirty="0"/>
+            <a:endParaRPr lang="ja-JP" altLang="en-US" b="1" dirty="0"/>
           </a:p>
         </p:txBody>
       </p:sp>
@@ -6010,14 +10476,14 @@
           </a:lstStyle>
           <a:p>
             <a:r>
-              <a:rPr lang="en-US" altLang="ja-JP" smtClean="0"/>
+              <a:rPr lang="en-US" altLang="ja-JP" b="1" dirty="0" smtClean="0"/>
               <a:t>Chaser(</a:t>
             </a:r>
             <a:r>
-              <a:rPr lang="ja-JP" altLang="en-US" smtClean="0"/>
+              <a:rPr lang="ja-JP" altLang="en-US" b="1" dirty="0" smtClean="0"/>
               <a:t>チェイサー）とは？</a:t>
             </a:r>
-            <a:endParaRPr lang="ja-JP" altLang="en-US" dirty="0"/>
+            <a:endParaRPr lang="ja-JP" altLang="en-US" b="1" dirty="0"/>
           </a:p>
         </p:txBody>
       </p:sp>
@@ -6106,8 +10572,8 @@
         </p:nvSpPr>
         <p:spPr>
           <a:xfrm>
-            <a:off x="6907876" y="4015048"/>
-            <a:ext cx="3532909" cy="646331"/>
+            <a:off x="6561457" y="4175487"/>
+            <a:ext cx="4099648" cy="369332"/>
           </a:xfrm>
           <a:prstGeom prst="rect">
             <a:avLst/>
@@ -6122,26 +10588,11 @@
           <a:p>
             <a:r>
               <a:rPr kumimoji="1" lang="ja-JP" altLang="en-US" dirty="0" smtClean="0"/>
-              <a:t>自分が動いて</a:t>
-            </a:r>
-            <a:r>
-              <a:rPr kumimoji="1" lang="en-US" altLang="ja-JP" dirty="0" smtClean="0"/>
-              <a:t>1</a:t>
-            </a:r>
-            <a:r>
-              <a:rPr kumimoji="1" lang="ja-JP" altLang="en-US" dirty="0" smtClean="0"/>
-              <a:t>ターン</a:t>
-            </a:r>
-            <a:endParaRPr kumimoji="1" lang="en-US" altLang="ja-JP" dirty="0" smtClean="0"/>
-          </a:p>
-          <a:p>
-            <a:r>
-              <a:rPr lang="ja-JP" altLang="en-US" dirty="0"/>
-              <a:t>相手</a:t>
+              <a:t>自分と相手が動いて</a:t>
             </a:r>
             <a:r>
               <a:rPr lang="ja-JP" altLang="en-US" dirty="0" smtClean="0"/>
-              <a:t>が動いて１ターンずつ減る</a:t>
+              <a:t>１ターンずつ減る</a:t>
             </a:r>
             <a:endParaRPr kumimoji="1" lang="ja-JP" altLang="en-US" dirty="0"/>
           </a:p>
@@ -6194,25 +10645,20 @@
             <p:ph type="title"/>
           </p:nvPr>
         </p:nvSpPr>
-        <p:spPr>
-          <a:xfrm>
-            <a:off x="838200" y="315675"/>
-            <a:ext cx="10515600" cy="1325563"/>
-          </a:xfrm>
-        </p:spPr>
+        <p:spPr/>
         <p:txBody>
           <a:bodyPr/>
           <a:lstStyle/>
           <a:p>
             <a:r>
-              <a:rPr lang="ja-JP" altLang="en-US" dirty="0" smtClean="0"/>
+              <a:rPr lang="ja-JP" altLang="en-US" b="1" dirty="0" smtClean="0"/>
               <a:t>プレイヤー本体</a:t>
             </a:r>
             <a:r>
-              <a:rPr kumimoji="1" lang="ja-JP" altLang="en-US" dirty="0" smtClean="0"/>
+              <a:rPr kumimoji="1" lang="ja-JP" altLang="en-US" b="1" dirty="0" smtClean="0"/>
               <a:t>ができること</a:t>
             </a:r>
-            <a:endParaRPr kumimoji="1" lang="ja-JP" altLang="en-US" dirty="0"/>
+            <a:endParaRPr kumimoji="1" lang="ja-JP" altLang="en-US" b="1" dirty="0"/>
           </a:p>
         </p:txBody>
       </p:sp>
@@ -6228,33 +10674,35 @@
         </p:nvSpPr>
         <p:spPr>
           <a:xfrm>
-            <a:off x="1170709" y="1690688"/>
-            <a:ext cx="10515600" cy="4351338"/>
-          </a:xfrm>
-        </p:spPr>
-        <p:txBody>
-          <a:bodyPr/>
-          <a:lstStyle/>
-          <a:p>
-            <a:r>
-              <a:rPr kumimoji="1" lang="ja-JP" altLang="en-US" dirty="0" smtClean="0"/>
+            <a:off x="2645657" y="2086338"/>
+            <a:ext cx="7321952" cy="4351338"/>
+          </a:xfrm>
+        </p:spPr>
+        <p:txBody>
+          <a:bodyPr>
+            <a:normAutofit/>
+          </a:bodyPr>
+          <a:lstStyle/>
+          <a:p>
+            <a:r>
+              <a:rPr kumimoji="1" lang="ja-JP" altLang="en-US" sz="4800" dirty="0" smtClean="0"/>
               <a:t>上下左右に移動する</a:t>
             </a:r>
-            <a:endParaRPr kumimoji="1" lang="en-US" altLang="ja-JP" dirty="0" smtClean="0"/>
-          </a:p>
-          <a:p>
-            <a:r>
-              <a:rPr lang="ja-JP" altLang="en-US" dirty="0" smtClean="0"/>
+            <a:endParaRPr kumimoji="1" lang="en-US" altLang="ja-JP" sz="4800" dirty="0" smtClean="0"/>
+          </a:p>
+          <a:p>
+            <a:r>
+              <a:rPr lang="ja-JP" altLang="en-US" sz="4800" dirty="0" smtClean="0"/>
               <a:t>壁を置く</a:t>
             </a:r>
-            <a:endParaRPr lang="en-US" altLang="ja-JP" dirty="0" smtClean="0"/>
-          </a:p>
-          <a:p>
-            <a:r>
-              <a:rPr kumimoji="1" lang="ja-JP" altLang="en-US" dirty="0" smtClean="0"/>
+            <a:endParaRPr lang="en-US" altLang="ja-JP" sz="4800" dirty="0" smtClean="0"/>
+          </a:p>
+          <a:p>
+            <a:r>
+              <a:rPr kumimoji="1" lang="ja-JP" altLang="en-US" sz="4800" dirty="0" smtClean="0"/>
               <a:t>周りの情報を得る</a:t>
             </a:r>
-            <a:endParaRPr kumimoji="1" lang="ja-JP" altLang="en-US" dirty="0"/>
+            <a:endParaRPr kumimoji="1" lang="ja-JP" altLang="en-US" sz="4800" dirty="0"/>
           </a:p>
         </p:txBody>
       </p:sp>
@@ -6266,8 +10714,8 @@
         </p:nvSpPr>
         <p:spPr>
           <a:xfrm>
-            <a:off x="2546466" y="3940234"/>
-            <a:ext cx="6633556" cy="369332"/>
+            <a:off x="2909975" y="5014888"/>
+            <a:ext cx="6633556" cy="461665"/>
           </a:xfrm>
           <a:prstGeom prst="rect">
             <a:avLst/>
@@ -6281,10 +10729,18 @@
           <a:lstStyle/>
           <a:p>
             <a:r>
-              <a:rPr kumimoji="1" lang="ja-JP" altLang="en-US" dirty="0" smtClean="0"/>
-              <a:t>これらを組み合わせてプレイヤー本体を動かす</a:t>
-            </a:r>
-            <a:endParaRPr kumimoji="1" lang="ja-JP" altLang="en-US" dirty="0"/>
+              <a:rPr kumimoji="1" lang="ja-JP" altLang="en-US" sz="2400" dirty="0" smtClean="0"/>
+              <a:t>これらを組み合わせて</a:t>
+            </a:r>
+            <a:r>
+              <a:rPr lang="ja-JP" altLang="en-US" sz="2400" dirty="0"/>
+              <a:t>勝利</a:t>
+            </a:r>
+            <a:r>
+              <a:rPr lang="ja-JP" altLang="en-US" sz="2400" dirty="0" smtClean="0"/>
+              <a:t>を目指す</a:t>
+            </a:r>
+            <a:endParaRPr kumimoji="1" lang="ja-JP" altLang="en-US" sz="2400" dirty="0"/>
           </a:p>
         </p:txBody>
       </p:sp>
@@ -6341,14 +10797,14 @@
           <a:lstStyle/>
           <a:p>
             <a:r>
-              <a:rPr kumimoji="1" lang="ja-JP" altLang="en-US" dirty="0" smtClean="0"/>
+              <a:rPr kumimoji="1" lang="ja-JP" altLang="en-US" b="1" dirty="0" smtClean="0"/>
               <a:t>プレイヤーが</a:t>
             </a:r>
             <a:r>
-              <a:rPr lang="ja-JP" altLang="en-US" dirty="0" smtClean="0"/>
+              <a:rPr lang="ja-JP" altLang="en-US" b="1" dirty="0" smtClean="0"/>
               <a:t>１ターンでできること</a:t>
             </a:r>
-            <a:endParaRPr kumimoji="1" lang="ja-JP" altLang="en-US" dirty="0"/>
+            <a:endParaRPr kumimoji="1" lang="ja-JP" altLang="en-US" b="1" dirty="0"/>
           </a:p>
         </p:txBody>
       </p:sp>
@@ -6361,13 +10817,13 @@
           <p:nvPr>
             <p:extLst>
               <p:ext uri="{D42A27DB-BD31-4B8C-83A1-F6EECF244321}">
-                <p14:modId xmlns:p14="http://schemas.microsoft.com/office/powerpoint/2010/main" val="1866828610"/>
+                <p14:modId xmlns:p14="http://schemas.microsoft.com/office/powerpoint/2010/main" val="1701266179"/>
               </p:ext>
             </p:extLst>
           </p:nvPr>
         </p:nvGraphicFramePr>
         <p:xfrm>
-          <a:off x="8455411" y="1522012"/>
+          <a:off x="8455410" y="2226614"/>
           <a:ext cx="1463166" cy="1530228"/>
         </p:xfrm>
         <a:graphic>
@@ -6380,21 +10836,21 @@
                 <a:gridCol w="487722">
                   <a:extLst>
                     <a:ext uri="{9D8B030D-6E8A-4147-A177-3AD203B41FA5}">
-                      <a16:colId xmlns:a16="http://schemas.microsoft.com/office/drawing/2014/main" val="2712960937"/>
+                      <a16:colId xmlns="" xmlns:a16="http://schemas.microsoft.com/office/drawing/2014/main" val="2712960937"/>
                     </a:ext>
                   </a:extLst>
                 </a:gridCol>
                 <a:gridCol w="487722">
                   <a:extLst>
                     <a:ext uri="{9D8B030D-6E8A-4147-A177-3AD203B41FA5}">
-                      <a16:colId xmlns:a16="http://schemas.microsoft.com/office/drawing/2014/main" val="1352865225"/>
+                      <a16:colId xmlns="" xmlns:a16="http://schemas.microsoft.com/office/drawing/2014/main" val="1352865225"/>
                     </a:ext>
                   </a:extLst>
                 </a:gridCol>
                 <a:gridCol w="487722">
                   <a:extLst>
                     <a:ext uri="{9D8B030D-6E8A-4147-A177-3AD203B41FA5}">
-                      <a16:colId xmlns:a16="http://schemas.microsoft.com/office/drawing/2014/main" val="455385180"/>
+                      <a16:colId xmlns="" xmlns:a16="http://schemas.microsoft.com/office/drawing/2014/main" val="455385180"/>
                     </a:ext>
                   </a:extLst>
                 </a:gridCol>
@@ -6628,7 +11084,7 @@
                 </a:tc>
                 <a:extLst>
                   <a:ext uri="{0D108BD9-81ED-4DB2-BD59-A6C34878D82A}">
-                    <a16:rowId xmlns:a16="http://schemas.microsoft.com/office/drawing/2014/main" val="1301424847"/>
+                    <a16:rowId xmlns="" xmlns:a16="http://schemas.microsoft.com/office/drawing/2014/main" val="1301424847"/>
                   </a:ext>
                 </a:extLst>
               </a:tr>
@@ -6849,7 +11305,7 @@
                 </a:tc>
                 <a:extLst>
                   <a:ext uri="{0D108BD9-81ED-4DB2-BD59-A6C34878D82A}">
-                    <a16:rowId xmlns:a16="http://schemas.microsoft.com/office/drawing/2014/main" val="3667364987"/>
+                    <a16:rowId xmlns="" xmlns:a16="http://schemas.microsoft.com/office/drawing/2014/main" val="3667364987"/>
                   </a:ext>
                 </a:extLst>
               </a:tr>
@@ -7078,7 +11534,7 @@
                 </a:tc>
                 <a:extLst>
                   <a:ext uri="{0D108BD9-81ED-4DB2-BD59-A6C34878D82A}">
-                    <a16:rowId xmlns:a16="http://schemas.microsoft.com/office/drawing/2014/main" val="2169824223"/>
+                    <a16:rowId xmlns="" xmlns:a16="http://schemas.microsoft.com/office/drawing/2014/main" val="2169824223"/>
                   </a:ext>
                 </a:extLst>
               </a:tr>
@@ -7101,7 +11557,7 @@
         </p:blipFill>
         <p:spPr>
           <a:xfrm>
-            <a:off x="8951735" y="2029673"/>
+            <a:off x="8951734" y="2734275"/>
             <a:ext cx="470517" cy="514906"/>
           </a:xfrm>
           <a:prstGeom prst="rect">
@@ -7117,7 +11573,7 @@
         </p:nvSpPr>
         <p:spPr>
           <a:xfrm>
-            <a:off x="838200" y="1769707"/>
+            <a:off x="1397759" y="2791673"/>
             <a:ext cx="6592410" cy="400110"/>
           </a:xfrm>
           <a:prstGeom prst="rect">
@@ -7131,31 +11587,54 @@
           </a:bodyPr>
           <a:lstStyle/>
           <a:p>
-            <a:r>
-              <a:rPr kumimoji="1" lang="en-US" altLang="ja-JP" sz="2000" dirty="0" smtClean="0"/>
-              <a:t>1. </a:t>
-            </a:r>
-            <a:r>
-              <a:rPr kumimoji="1" lang="ja-JP" altLang="en-US" sz="2000" dirty="0" smtClean="0"/>
-              <a:t>プレイヤーの周囲</a:t>
-            </a:r>
-            <a:r>
-              <a:rPr kumimoji="1" lang="en-US" altLang="ja-JP" sz="2000" dirty="0" smtClean="0"/>
+            <a:pPr marL="457200" indent="-457200">
+              <a:buAutoNum type="arabicPeriod"/>
+            </a:pPr>
+            <a:r>
+              <a:rPr lang="ja-JP" altLang="en-US" sz="2000" dirty="0" smtClean="0">
+                <a:solidFill>
+                  <a:prstClr val="black"/>
+                </a:solidFill>
+              </a:rPr>
+              <a:t>プレイヤー</a:t>
+            </a:r>
+            <a:r>
+              <a:rPr lang="ja-JP" altLang="en-US" sz="2000" dirty="0" smtClean="0">
+                <a:solidFill>
+                  <a:prstClr val="black"/>
+                </a:solidFill>
+              </a:rPr>
+              <a:t>の周囲</a:t>
+            </a:r>
+            <a:r>
+              <a:rPr lang="en-US" altLang="ja-JP" sz="2000" dirty="0" smtClean="0">
+                <a:solidFill>
+                  <a:prstClr val="black"/>
+                </a:solidFill>
+              </a:rPr>
               <a:t>8</a:t>
             </a:r>
             <a:r>
-              <a:rPr kumimoji="1" lang="ja-JP" altLang="en-US" sz="2000" dirty="0" smtClean="0"/>
-              <a:t>マスの情報を受け取り</a:t>
-            </a:r>
-            <a:r>
-              <a:rPr lang="ja-JP" altLang="en-US" sz="2000" dirty="0" smtClean="0"/>
-              <a:t>ま</a:t>
-            </a:r>
-            <a:r>
-              <a:rPr lang="ja-JP" altLang="en-US" sz="2000" dirty="0"/>
-              <a:t>す</a:t>
-            </a:r>
-            <a:endParaRPr kumimoji="1" lang="ja-JP" altLang="en-US" sz="2000" dirty="0"/>
+              <a:rPr lang="ja-JP" altLang="en-US" sz="2000" dirty="0" smtClean="0">
+                <a:solidFill>
+                  <a:prstClr val="black"/>
+                </a:solidFill>
+              </a:rPr>
+              <a:t>マスの情報を</a:t>
+            </a:r>
+            <a:r>
+              <a:rPr lang="ja-JP" altLang="en-US" sz="2000" dirty="0" smtClean="0">
+                <a:solidFill>
+                  <a:prstClr val="black"/>
+                </a:solidFill>
+              </a:rPr>
+              <a:t>受け取る</a:t>
+            </a:r>
+            <a:endParaRPr lang="en-US" altLang="ja-JP" sz="2000" dirty="0" smtClean="0">
+              <a:solidFill>
+                <a:prstClr val="black"/>
+              </a:solidFill>
+            </a:endParaRPr>
           </a:p>
         </p:txBody>
       </p:sp>
@@ -7167,8 +11646,8 @@
         </p:nvSpPr>
         <p:spPr>
           <a:xfrm>
-            <a:off x="838200" y="3222595"/>
-            <a:ext cx="6938639" cy="400110"/>
+            <a:off x="1397758" y="4024538"/>
+            <a:ext cx="5371532" cy="400110"/>
           </a:xfrm>
           <a:prstGeom prst="rect">
             <a:avLst/>
@@ -7182,21 +11661,280 @@
           <a:lstStyle/>
           <a:p>
             <a:r>
-              <a:rPr kumimoji="1" lang="en-US" altLang="ja-JP" sz="2000" dirty="0" smtClean="0"/>
+              <a:rPr lang="en-US" altLang="ja-JP" sz="2000" dirty="0" smtClean="0">
+                <a:solidFill>
+                  <a:prstClr val="black"/>
+                </a:solidFill>
+              </a:rPr>
               <a:t>2. </a:t>
             </a:r>
             <a:r>
-              <a:rPr kumimoji="1" lang="ja-JP" altLang="en-US" sz="2000" dirty="0" smtClean="0"/>
-              <a:t>動くか、さらに周囲を見るか、壁を置くことができます</a:t>
-            </a:r>
-            <a:endParaRPr kumimoji="1" lang="ja-JP" altLang="en-US" sz="2000" dirty="0"/>
-          </a:p>
-        </p:txBody>
-      </p:sp>
+              <a:rPr lang="ja-JP" altLang="en-US" sz="2000" dirty="0" smtClean="0">
+                <a:solidFill>
+                  <a:prstClr val="black"/>
+                </a:solidFill>
+              </a:rPr>
+              <a:t>　動く</a:t>
+            </a:r>
+            <a:r>
+              <a:rPr lang="ja-JP" altLang="en-US" sz="2000" dirty="0" smtClean="0">
+                <a:solidFill>
+                  <a:prstClr val="black"/>
+                </a:solidFill>
+              </a:rPr>
+              <a:t>か、さらに周囲を見るか、壁を</a:t>
+            </a:r>
+            <a:r>
+              <a:rPr lang="ja-JP" altLang="en-US" sz="2000" dirty="0" smtClean="0">
+                <a:solidFill>
+                  <a:prstClr val="black"/>
+                </a:solidFill>
+              </a:rPr>
+              <a:t>置く</a:t>
+            </a:r>
+            <a:endParaRPr lang="ja-JP" altLang="en-US" sz="2000" dirty="0">
+              <a:solidFill>
+                <a:prstClr val="black"/>
+              </a:solidFill>
+            </a:endParaRPr>
+          </a:p>
+        </p:txBody>
+      </p:sp>
+      <p:sp>
+        <p:nvSpPr>
+          <p:cNvPr id="4" name="テキスト ボックス 3"/>
+          <p:cNvSpPr txBox="1"/>
+          <p:nvPr/>
+        </p:nvSpPr>
+        <p:spPr>
+          <a:xfrm>
+            <a:off x="2670981" y="1506453"/>
+            <a:ext cx="2825087" cy="523220"/>
+          </a:xfrm>
+          <a:prstGeom prst="rect">
+            <a:avLst/>
+          </a:prstGeom>
+          <a:noFill/>
+        </p:spPr>
+        <p:txBody>
+          <a:bodyPr wrap="square" rtlCol="0">
+            <a:spAutoFit/>
+          </a:bodyPr>
+          <a:lstStyle/>
+          <a:p>
+            <a:r>
+              <a:rPr kumimoji="1" lang="ja-JP" altLang="en-US" sz="2800" dirty="0" smtClean="0"/>
+              <a:t>ターン開始</a:t>
+            </a:r>
+            <a:endParaRPr kumimoji="1" lang="ja-JP" altLang="en-US" sz="2800" dirty="0"/>
+          </a:p>
+        </p:txBody>
+      </p:sp>
+      <p:sp>
+        <p:nvSpPr>
+          <p:cNvPr id="5" name="テキスト ボックス 4"/>
+          <p:cNvSpPr txBox="1"/>
+          <p:nvPr/>
+        </p:nvSpPr>
+        <p:spPr>
+          <a:xfrm>
+            <a:off x="2770495" y="5349923"/>
+            <a:ext cx="2292824" cy="523220"/>
+          </a:xfrm>
+          <a:prstGeom prst="rect">
+            <a:avLst/>
+          </a:prstGeom>
+          <a:noFill/>
+        </p:spPr>
+        <p:txBody>
+          <a:bodyPr wrap="square" rtlCol="0">
+            <a:spAutoFit/>
+          </a:bodyPr>
+          <a:lstStyle/>
+          <a:p>
+            <a:r>
+              <a:rPr kumimoji="1" lang="ja-JP" altLang="en-US" sz="2800" dirty="0" smtClean="0"/>
+              <a:t>ターン終了</a:t>
+            </a:r>
+            <a:endParaRPr kumimoji="1" lang="ja-JP" altLang="en-US" sz="2800" dirty="0"/>
+          </a:p>
+        </p:txBody>
+      </p:sp>
+      <p:sp>
+        <p:nvSpPr>
+          <p:cNvPr id="6" name="下矢印 5"/>
+          <p:cNvSpPr/>
+          <p:nvPr/>
+        </p:nvSpPr>
+        <p:spPr>
+          <a:xfrm>
+            <a:off x="3466531" y="2142699"/>
+            <a:ext cx="450376" cy="401880"/>
+          </a:xfrm>
+          <a:prstGeom prst="downArrow">
+            <a:avLst/>
+          </a:prstGeom>
+          <a:solidFill>
+            <a:srgbClr val="FFFF00"/>
+          </a:solidFill>
+        </p:spPr>
+        <p:style>
+          <a:lnRef idx="2">
+            <a:schemeClr val="accent1">
+              <a:shade val="50000"/>
+            </a:schemeClr>
+          </a:lnRef>
+          <a:fillRef idx="1">
+            <a:schemeClr val="accent1"/>
+          </a:fillRef>
+          <a:effectRef idx="0">
+            <a:schemeClr val="accent1"/>
+          </a:effectRef>
+          <a:fontRef idx="minor">
+            <a:schemeClr val="lt1"/>
+          </a:fontRef>
+        </p:style>
+        <p:txBody>
+          <a:bodyPr rtlCol="0" anchor="ctr"/>
+          <a:lstStyle/>
+          <a:p>
+            <a:pPr algn="ctr"/>
+            <a:endParaRPr kumimoji="1" lang="ja-JP" altLang="en-US"/>
+          </a:p>
+        </p:txBody>
+      </p:sp>
+      <p:pic>
+        <p:nvPicPr>
+          <p:cNvPr id="1026" name="Picture 2"/>
+          <p:cNvPicPr>
+            <a:picLocks noChangeAspect="1" noChangeArrowheads="1"/>
+          </p:cNvPicPr>
+          <p:nvPr/>
+        </p:nvPicPr>
+        <p:blipFill>
+          <a:blip r:embed="rId3">
+            <a:extLst>
+              <a:ext uri="{28A0092B-C50C-407E-A947-70E740481C1C}">
+                <a14:useLocalDpi xmlns:a14="http://schemas.microsoft.com/office/drawing/2010/main" val="0"/>
+              </a:ext>
+            </a:extLst>
+          </a:blip>
+          <a:srcRect/>
+          <a:stretch>
+            <a:fillRect/>
+          </a:stretch>
+        </p:blipFill>
+        <p:spPr bwMode="auto">
+          <a:xfrm>
+            <a:off x="3466531" y="3417900"/>
+            <a:ext cx="487362" cy="420687"/>
+          </a:xfrm>
+          <a:prstGeom prst="rect">
+            <a:avLst/>
+          </a:prstGeom>
+          <a:noFill/>
+          <a:ln>
+            <a:noFill/>
+          </a:ln>
+          <a:effectLst/>
+          <a:extLst>
+            <a:ext uri="{909E8E84-426E-40DD-AFC4-6F175D3DCCD1}">
+              <a14:hiddenFill xmlns:a14="http://schemas.microsoft.com/office/drawing/2010/main">
+                <a:solidFill>
+                  <a:schemeClr val="accent1"/>
+                </a:solidFill>
+              </a14:hiddenFill>
+            </a:ext>
+            <a:ext uri="{91240B29-F687-4F45-9708-019B960494DF}">
+              <a14:hiddenLine xmlns:a14="http://schemas.microsoft.com/office/drawing/2010/main" w="9525">
+                <a:solidFill>
+                  <a:schemeClr val="tx1"/>
+                </a:solidFill>
+                <a:miter lim="800000"/>
+                <a:headEnd/>
+                <a:tailEnd/>
+              </a14:hiddenLine>
+            </a:ext>
+            <a:ext uri="{AF507438-7753-43E0-B8FC-AC1667EBCBE1}">
+              <a14:hiddenEffects xmlns:a14="http://schemas.microsoft.com/office/drawing/2010/main">
+                <a:effectLst>
+                  <a:outerShdw dist="35921" dir="2700000" algn="ctr" rotWithShape="0">
+                    <a:schemeClr val="bg2"/>
+                  </a:outerShdw>
+                </a:effectLst>
+              </a14:hiddenEffects>
+            </a:ext>
+          </a:extLst>
+        </p:spPr>
+      </p:pic>
+      <p:pic>
+        <p:nvPicPr>
+          <p:cNvPr id="1027" name="Picture 3"/>
+          <p:cNvPicPr>
+            <a:picLocks noChangeAspect="1" noChangeArrowheads="1"/>
+          </p:cNvPicPr>
+          <p:nvPr/>
+        </p:nvPicPr>
+        <p:blipFill>
+          <a:blip r:embed="rId3">
+            <a:extLst>
+              <a:ext uri="{28A0092B-C50C-407E-A947-70E740481C1C}">
+                <a14:useLocalDpi xmlns:a14="http://schemas.microsoft.com/office/drawing/2010/main" val="0"/>
+              </a:ext>
+            </a:extLst>
+          </a:blip>
+          <a:srcRect/>
+          <a:stretch>
+            <a:fillRect/>
+          </a:stretch>
+        </p:blipFill>
+        <p:spPr bwMode="auto">
+          <a:xfrm>
+            <a:off x="3466531" y="4681348"/>
+            <a:ext cx="487362" cy="420687"/>
+          </a:xfrm>
+          <a:prstGeom prst="rect">
+            <a:avLst/>
+          </a:prstGeom>
+          <a:noFill/>
+          <a:ln>
+            <a:noFill/>
+          </a:ln>
+          <a:effectLst/>
+          <a:extLst>
+            <a:ext uri="{909E8E84-426E-40DD-AFC4-6F175D3DCCD1}">
+              <a14:hiddenFill xmlns:a14="http://schemas.microsoft.com/office/drawing/2010/main">
+                <a:solidFill>
+                  <a:schemeClr val="accent1"/>
+                </a:solidFill>
+              </a14:hiddenFill>
+            </a:ext>
+            <a:ext uri="{91240B29-F687-4F45-9708-019B960494DF}">
+              <a14:hiddenLine xmlns:a14="http://schemas.microsoft.com/office/drawing/2010/main" w="9525">
+                <a:solidFill>
+                  <a:schemeClr val="tx1"/>
+                </a:solidFill>
+                <a:miter lim="800000"/>
+                <a:headEnd/>
+                <a:tailEnd/>
+              </a14:hiddenLine>
+            </a:ext>
+            <a:ext uri="{AF507438-7753-43E0-B8FC-AC1667EBCBE1}">
+              <a14:hiddenEffects xmlns:a14="http://schemas.microsoft.com/office/drawing/2010/main">
+                <a:effectLst>
+                  <a:outerShdw dist="35921" dir="2700000" algn="ctr" rotWithShape="0">
+                    <a:schemeClr val="bg2"/>
+                  </a:outerShdw>
+                </a:effectLst>
+              </a14:hiddenEffects>
+            </a:ext>
+          </a:extLst>
+        </p:spPr>
+      </p:pic>
     </p:spTree>
     <p:extLst>
       <p:ext uri="{BB962C8B-B14F-4D97-AF65-F5344CB8AC3E}">
-        <p14:creationId xmlns:p14="http://schemas.microsoft.com/office/powerpoint/2010/main" val="3687528902"/>
+        <p14:creationId xmlns:p14="http://schemas.microsoft.com/office/powerpoint/2010/main" val="1641148834"/>
       </p:ext>
     </p:extLst>
   </p:cSld>
@@ -7246,10 +11984,10 @@
           <a:lstStyle/>
           <a:p>
             <a:r>
-              <a:rPr kumimoji="1" lang="ja-JP" altLang="en-US" dirty="0" smtClean="0"/>
+              <a:rPr kumimoji="1" lang="ja-JP" altLang="en-US" b="1" dirty="0" smtClean="0"/>
               <a:t>勝利条件　その１</a:t>
             </a:r>
-            <a:endParaRPr kumimoji="1" lang="ja-JP" altLang="en-US" dirty="0"/>
+            <a:endParaRPr kumimoji="1" lang="ja-JP" altLang="en-US" b="1" dirty="0"/>
           </a:p>
         </p:txBody>
       </p:sp>
@@ -7270,8 +12008,8 @@
         </p:blipFill>
         <p:spPr>
           <a:xfrm>
-            <a:off x="2787343" y="1690688"/>
-            <a:ext cx="6362783" cy="1688659"/>
+            <a:off x="1798780" y="1519669"/>
+            <a:ext cx="8971470" cy="2380995"/>
           </a:xfrm>
           <a:prstGeom prst="rect">
             <a:avLst/>
@@ -7286,14 +12024,14 @@
         </p:nvSpPr>
         <p:spPr>
           <a:xfrm>
-            <a:off x="2787343" y="1862460"/>
-            <a:ext cx="911820" cy="240249"/>
+            <a:off x="1794942" y="1733265"/>
+            <a:ext cx="1043792" cy="385249"/>
           </a:xfrm>
           <a:prstGeom prst="rect">
             <a:avLst/>
           </a:prstGeom>
           <a:noFill/>
-          <a:ln w="28575">
+          <a:ln w="38100">
             <a:solidFill>
               <a:srgbClr val="FF0000"/>
             </a:solidFill>
@@ -7324,90 +12062,249 @@
           </a:p>
         </p:txBody>
       </p:sp>
+      <p:sp>
+        <p:nvSpPr>
+          <p:cNvPr id="11" name="テキスト ボックス 10"/>
+          <p:cNvSpPr txBox="1"/>
+          <p:nvPr/>
+        </p:nvSpPr>
+        <p:spPr>
+          <a:xfrm>
+            <a:off x="2679467" y="4709313"/>
+            <a:ext cx="6833062" cy="646331"/>
+          </a:xfrm>
+          <a:prstGeom prst="rect">
+            <a:avLst/>
+          </a:prstGeom>
+          <a:noFill/>
+        </p:spPr>
+        <p:txBody>
+          <a:bodyPr wrap="square" rtlCol="0">
+            <a:spAutoFit/>
+          </a:bodyPr>
+          <a:lstStyle/>
+          <a:p>
+            <a:r>
+              <a:rPr kumimoji="1" lang="ja-JP" altLang="en-US" sz="3600" dirty="0" smtClean="0"/>
+              <a:t>ハートを相手より多く獲得する</a:t>
+            </a:r>
+            <a:endParaRPr kumimoji="1" lang="ja-JP" altLang="en-US" sz="3600" dirty="0"/>
+          </a:p>
+        </p:txBody>
+      </p:sp>
+      <p:sp>
+        <p:nvSpPr>
+          <p:cNvPr id="12" name="テキスト ボックス 11"/>
+          <p:cNvSpPr txBox="1"/>
+          <p:nvPr/>
+        </p:nvSpPr>
+        <p:spPr>
+          <a:xfrm>
+            <a:off x="4490298" y="4269996"/>
+            <a:ext cx="3807229" cy="400110"/>
+          </a:xfrm>
+          <a:prstGeom prst="rect">
+            <a:avLst/>
+          </a:prstGeom>
+          <a:noFill/>
+        </p:spPr>
+        <p:txBody>
+          <a:bodyPr wrap="square" rtlCol="0">
+            <a:spAutoFit/>
+          </a:bodyPr>
+          <a:lstStyle/>
+          <a:p>
+            <a:r>
+              <a:rPr lang="ja-JP" altLang="en-US" sz="2000" dirty="0" smtClean="0"/>
+              <a:t>残りターンが０になったとき</a:t>
+            </a:r>
+            <a:endParaRPr kumimoji="1" lang="ja-JP" altLang="en-US" sz="2000" dirty="0"/>
+          </a:p>
+        </p:txBody>
+      </p:sp>
+      <p:sp>
+        <p:nvSpPr>
+          <p:cNvPr id="8" name="正方形/長方形 7"/>
+          <p:cNvSpPr/>
+          <p:nvPr/>
+        </p:nvSpPr>
+        <p:spPr>
+          <a:xfrm>
+            <a:off x="9259943" y="1721891"/>
+            <a:ext cx="1043792" cy="385249"/>
+          </a:xfrm>
+          <a:prstGeom prst="rect">
+            <a:avLst/>
+          </a:prstGeom>
+          <a:noFill/>
+          <a:ln w="38100">
+            <a:solidFill>
+              <a:srgbClr val="FF0000"/>
+            </a:solidFill>
+          </a:ln>
+        </p:spPr>
+        <p:style>
+          <a:lnRef idx="2">
+            <a:schemeClr val="accent1">
+              <a:shade val="50000"/>
+            </a:schemeClr>
+          </a:lnRef>
+          <a:fillRef idx="1">
+            <a:schemeClr val="accent1"/>
+          </a:fillRef>
+          <a:effectRef idx="0">
+            <a:schemeClr val="accent1"/>
+          </a:effectRef>
+          <a:fontRef idx="minor">
+            <a:schemeClr val="lt1"/>
+          </a:fontRef>
+        </p:style>
+        <p:txBody>
+          <a:bodyPr rtlCol="0" anchor="ctr"/>
+          <a:lstStyle/>
+          <a:p>
+            <a:pPr algn="ctr"/>
+            <a:endParaRPr kumimoji="1" lang="ja-JP" altLang="en-US"/>
+          </a:p>
+        </p:txBody>
+      </p:sp>
+      <p:sp>
+        <p:nvSpPr>
+          <p:cNvPr id="3" name="テキスト ボックス 2"/>
+          <p:cNvSpPr txBox="1"/>
+          <p:nvPr/>
+        </p:nvSpPr>
+        <p:spPr>
+          <a:xfrm>
+            <a:off x="4448546" y="2145809"/>
+            <a:ext cx="3985769" cy="523220"/>
+          </a:xfrm>
+          <a:prstGeom prst="rect">
+            <a:avLst/>
+          </a:prstGeom>
+          <a:noFill/>
+        </p:spPr>
+        <p:txBody>
+          <a:bodyPr wrap="square" rtlCol="0">
+            <a:spAutoFit/>
+          </a:bodyPr>
+          <a:lstStyle/>
+          <a:p>
+            <a:r>
+              <a:rPr kumimoji="1" lang="ja-JP" altLang="en-US" sz="2800" b="1" dirty="0" smtClean="0"/>
+              <a:t>現在のハートの取得数</a:t>
+            </a:r>
+            <a:endParaRPr kumimoji="1" lang="ja-JP" altLang="en-US" sz="2800" b="1" dirty="0"/>
+          </a:p>
+        </p:txBody>
+      </p:sp>
+      <p:sp>
+        <p:nvSpPr>
+          <p:cNvPr id="5" name="右矢印 4"/>
+          <p:cNvSpPr/>
+          <p:nvPr/>
+        </p:nvSpPr>
+        <p:spPr>
+          <a:xfrm rot="20327689">
+            <a:off x="8323673" y="2051248"/>
+            <a:ext cx="709685" cy="277412"/>
+          </a:xfrm>
+          <a:prstGeom prst="rightArrow">
+            <a:avLst/>
+          </a:prstGeom>
+          <a:solidFill>
+            <a:srgbClr val="FFFF00"/>
+          </a:solidFill>
+        </p:spPr>
+        <p:style>
+          <a:lnRef idx="2">
+            <a:schemeClr val="accent1">
+              <a:shade val="50000"/>
+            </a:schemeClr>
+          </a:lnRef>
+          <a:fillRef idx="1">
+            <a:schemeClr val="accent1"/>
+          </a:fillRef>
+          <a:effectRef idx="0">
+            <a:schemeClr val="accent1"/>
+          </a:effectRef>
+          <a:fontRef idx="minor">
+            <a:schemeClr val="lt1"/>
+          </a:fontRef>
+        </p:style>
+        <p:txBody>
+          <a:bodyPr rtlCol="0" anchor="ctr"/>
+          <a:lstStyle/>
+          <a:p>
+            <a:pPr algn="ctr"/>
+            <a:endParaRPr kumimoji="1" lang="ja-JP" altLang="en-US"/>
+          </a:p>
+        </p:txBody>
+      </p:sp>
       <p:pic>
         <p:nvPicPr>
-          <p:cNvPr id="7" name="図 6"/>
+          <p:cNvPr id="3074" name="Picture 2"/>
           <p:cNvPicPr>
-            <a:picLocks noChangeAspect="1"/>
+            <a:picLocks noChangeAspect="1" noChangeArrowheads="1"/>
           </p:cNvPicPr>
           <p:nvPr/>
         </p:nvPicPr>
         <p:blipFill>
-          <a:blip r:embed="rId3"/>
+          <a:blip r:embed="rId3">
+            <a:extLst>
+              <a:ext uri="{28A0092B-C50C-407E-A947-70E740481C1C}">
+                <a14:useLocalDpi xmlns:a14="http://schemas.microsoft.com/office/drawing/2010/main" val="0"/>
+              </a:ext>
+            </a:extLst>
+          </a:blip>
+          <a:srcRect/>
           <a:stretch>
             <a:fillRect/>
           </a:stretch>
         </p:blipFill>
-        <p:spPr>
-          <a:xfrm>
-            <a:off x="8117337" y="1862460"/>
-            <a:ext cx="944962" cy="256054"/>
-          </a:xfrm>
-          <a:prstGeom prst="rect">
-            <a:avLst/>
-          </a:prstGeom>
-        </p:spPr>
-      </p:pic>
-      <p:sp>
-        <p:nvSpPr>
-          <p:cNvPr id="11" name="テキスト ボックス 10"/>
-          <p:cNvSpPr txBox="1"/>
-          <p:nvPr/>
-        </p:nvSpPr>
-        <p:spPr>
-          <a:xfrm>
-            <a:off x="2679467" y="4258937"/>
-            <a:ext cx="6833062" cy="646331"/>
+        <p:spPr bwMode="auto">
+          <a:xfrm flipH="1">
+            <a:off x="3715222" y="1932290"/>
+            <a:ext cx="712788" cy="427037"/>
           </a:xfrm>
           <a:prstGeom prst="rect">
             <a:avLst/>
           </a:prstGeom>
           <a:noFill/>
-        </p:spPr>
-        <p:txBody>
-          <a:bodyPr wrap="square" rtlCol="0">
-            <a:spAutoFit/>
-          </a:bodyPr>
-          <a:lstStyle/>
-          <a:p>
-            <a:r>
-              <a:rPr kumimoji="1" lang="ja-JP" altLang="en-US" sz="3600" dirty="0" smtClean="0"/>
-              <a:t>ハートを相手より多く獲得する</a:t>
-            </a:r>
-            <a:endParaRPr kumimoji="1" lang="ja-JP" altLang="en-US" sz="3600" dirty="0"/>
-          </a:p>
-        </p:txBody>
-      </p:sp>
-      <p:sp>
-        <p:nvSpPr>
-          <p:cNvPr id="12" name="テキスト ボックス 11"/>
-          <p:cNvSpPr txBox="1"/>
-          <p:nvPr/>
-        </p:nvSpPr>
-        <p:spPr>
-          <a:xfrm>
-            <a:off x="4490299" y="3900664"/>
-            <a:ext cx="3807229" cy="369332"/>
-          </a:xfrm>
-          <a:prstGeom prst="rect">
-            <a:avLst/>
-          </a:prstGeom>
-          <a:noFill/>
-        </p:spPr>
-        <p:txBody>
-          <a:bodyPr wrap="square" rtlCol="0">
-            <a:spAutoFit/>
-          </a:bodyPr>
-          <a:lstStyle/>
-          <a:p>
-            <a:r>
-              <a:rPr lang="ja-JP" altLang="en-US" dirty="0" smtClean="0"/>
-              <a:t>残りターンが０になったとき</a:t>
-            </a:r>
-            <a:endParaRPr kumimoji="1" lang="ja-JP" altLang="en-US" dirty="0"/>
-          </a:p>
-        </p:txBody>
-      </p:sp>
+          <a:ln>
+            <a:noFill/>
+          </a:ln>
+          <a:effectLst/>
+          <a:extLst>
+            <a:ext uri="{909E8E84-426E-40DD-AFC4-6F175D3DCCD1}">
+              <a14:hiddenFill xmlns:a14="http://schemas.microsoft.com/office/drawing/2010/main">
+                <a:solidFill>
+                  <a:schemeClr val="accent1"/>
+                </a:solidFill>
+              </a14:hiddenFill>
+            </a:ext>
+            <a:ext uri="{91240B29-F687-4F45-9708-019B960494DF}">
+              <a14:hiddenLine xmlns:a14="http://schemas.microsoft.com/office/drawing/2010/main" w="9525">
+                <a:solidFill>
+                  <a:schemeClr val="tx1"/>
+                </a:solidFill>
+                <a:miter lim="800000"/>
+                <a:headEnd/>
+                <a:tailEnd/>
+              </a14:hiddenLine>
+            </a:ext>
+            <a:ext uri="{AF507438-7753-43E0-B8FC-AC1667EBCBE1}">
+              <a14:hiddenEffects xmlns:a14="http://schemas.microsoft.com/office/drawing/2010/main">
+                <a:effectLst>
+                  <a:outerShdw dist="35921" dir="2700000" algn="ctr" rotWithShape="0">
+                    <a:schemeClr val="bg2"/>
+                  </a:outerShdw>
+                </a:effectLst>
+              </a14:hiddenEffects>
+            </a:ext>
+          </a:extLst>
+        </p:spPr>
+      </p:pic>
     </p:spTree>
     <p:extLst>
       <p:ext uri="{BB962C8B-B14F-4D97-AF65-F5344CB8AC3E}">
@@ -7683,7 +12580,268 @@
   <a:extraClrSchemeLst/>
   <a:extLst>
     <a:ext uri="{05A4C25C-085E-4340-85A3-A5531E510DB2}">
-      <thm15:themeFamily xmlns:thm15="http://schemas.microsoft.com/office/thememl/2012/main" name="Office Theme" id="{62F939B6-93AF-4DB8-9C6B-D6C7DFDC589F}" vid="{4A3C46E8-61CC-4603-A589-7422A47A8E4A}"/>
+      <thm15:themeFamily xmlns:thm15="http://schemas.microsoft.com/office/thememl/2012/main" xmlns="" name="Office Theme" id="{62F939B6-93AF-4DB8-9C6B-D6C7DFDC589F}" vid="{4A3C46E8-61CC-4603-A589-7422A47A8E4A}"/>
+    </a:ext>
+  </a:extLst>
+</a:theme>
+</file>
+
+<file path=ppt/theme/theme2.xml><?xml version="1.0" encoding="utf-8"?>
+<a:theme xmlns:a="http://schemas.openxmlformats.org/drawingml/2006/main" name="1_Office テーマ">
+  <a:themeElements>
+    <a:clrScheme name="Office">
+      <a:dk1>
+        <a:sysClr val="windowText" lastClr="000000"/>
+      </a:dk1>
+      <a:lt1>
+        <a:sysClr val="window" lastClr="FFFFFF"/>
+      </a:lt1>
+      <a:dk2>
+        <a:srgbClr val="44546A"/>
+      </a:dk2>
+      <a:lt2>
+        <a:srgbClr val="E7E6E6"/>
+      </a:lt2>
+      <a:accent1>
+        <a:srgbClr val="5B9BD5"/>
+      </a:accent1>
+      <a:accent2>
+        <a:srgbClr val="ED7D31"/>
+      </a:accent2>
+      <a:accent3>
+        <a:srgbClr val="A5A5A5"/>
+      </a:accent3>
+      <a:accent4>
+        <a:srgbClr val="FFC000"/>
+      </a:accent4>
+      <a:accent5>
+        <a:srgbClr val="4472C4"/>
+      </a:accent5>
+      <a:accent6>
+        <a:srgbClr val="70AD47"/>
+      </a:accent6>
+      <a:hlink>
+        <a:srgbClr val="0563C1"/>
+      </a:hlink>
+      <a:folHlink>
+        <a:srgbClr val="954F72"/>
+      </a:folHlink>
+    </a:clrScheme>
+    <a:fontScheme name="Office">
+      <a:majorFont>
+        <a:latin typeface="游ゴシック Light" panose="020F0302020204030204"/>
+        <a:ea typeface=""/>
+        <a:cs typeface=""/>
+        <a:font script="Jpan" typeface="游ゴシック Light"/>
+        <a:font script="Hang" typeface="맑은 고딕"/>
+        <a:font script="Hans" typeface="等线 Light"/>
+        <a:font script="Hant" typeface="新細明體"/>
+        <a:font script="Arab" typeface="Times New Roman"/>
+        <a:font script="Hebr" typeface="Times New Roman"/>
+        <a:font script="Thai" typeface="Angsana New"/>
+        <a:font script="Ethi" typeface="Nyala"/>
+        <a:font script="Beng" typeface="Vrinda"/>
+        <a:font script="Gujr" typeface="Shruti"/>
+        <a:font script="Khmr" typeface="MoolBoran"/>
+        <a:font script="Knda" typeface="Tunga"/>
+        <a:font script="Guru" typeface="Raavi"/>
+        <a:font script="Cans" typeface="Euphemia"/>
+        <a:font script="Cher" typeface="Plantagenet Cherokee"/>
+        <a:font script="Yiii" typeface="Microsoft Yi Baiti"/>
+        <a:font script="Tibt" typeface="Microsoft Himalaya"/>
+        <a:font script="Thaa" typeface="MV Boli"/>
+        <a:font script="Deva" typeface="Mangal"/>
+        <a:font script="Telu" typeface="Gautami"/>
+        <a:font script="Taml" typeface="Latha"/>
+        <a:font script="Syrc" typeface="Estrangelo Edessa"/>
+        <a:font script="Orya" typeface="Kalinga"/>
+        <a:font script="Mlym" typeface="Kartika"/>
+        <a:font script="Laoo" typeface="DokChampa"/>
+        <a:font script="Sinh" typeface="Iskoola Pota"/>
+        <a:font script="Mong" typeface="Mongolian Baiti"/>
+        <a:font script="Viet" typeface="Times New Roman"/>
+        <a:font script="Uigh" typeface="Microsoft Uighur"/>
+        <a:font script="Geor" typeface="Sylfaen"/>
+      </a:majorFont>
+      <a:minorFont>
+        <a:latin typeface="游ゴシック" panose="020F0502020204030204"/>
+        <a:ea typeface=""/>
+        <a:cs typeface=""/>
+        <a:font script="Jpan" typeface="游ゴシック"/>
+        <a:font script="Hang" typeface="맑은 고딕"/>
+        <a:font script="Hans" typeface="等线"/>
+        <a:font script="Hant" typeface="新細明體"/>
+        <a:font script="Arab" typeface="Arial"/>
+        <a:font script="Hebr" typeface="Arial"/>
+        <a:font script="Thai" typeface="Cordia New"/>
+        <a:font script="Ethi" typeface="Nyala"/>
+        <a:font script="Beng" typeface="Vrinda"/>
+        <a:font script="Gujr" typeface="Shruti"/>
+        <a:font script="Khmr" typeface="DaunPenh"/>
+        <a:font script="Knda" typeface="Tunga"/>
+        <a:font script="Guru" typeface="Raavi"/>
+        <a:font script="Cans" typeface="Euphemia"/>
+        <a:font script="Cher" typeface="Plantagenet Cherokee"/>
+        <a:font script="Yiii" typeface="Microsoft Yi Baiti"/>
+        <a:font script="Tibt" typeface="Microsoft Himalaya"/>
+        <a:font script="Thaa" typeface="MV Boli"/>
+        <a:font script="Deva" typeface="Mangal"/>
+        <a:font script="Telu" typeface="Gautami"/>
+        <a:font script="Taml" typeface="Latha"/>
+        <a:font script="Syrc" typeface="Estrangelo Edessa"/>
+        <a:font script="Orya" typeface="Kalinga"/>
+        <a:font script="Mlym" typeface="Kartika"/>
+        <a:font script="Laoo" typeface="DokChampa"/>
+        <a:font script="Sinh" typeface="Iskoola Pota"/>
+        <a:font script="Mong" typeface="Mongolian Baiti"/>
+        <a:font script="Viet" typeface="Arial"/>
+        <a:font script="Uigh" typeface="Microsoft Uighur"/>
+        <a:font script="Geor" typeface="Sylfaen"/>
+      </a:minorFont>
+    </a:fontScheme>
+    <a:fmtScheme name="Office">
+      <a:fillStyleLst>
+        <a:solidFill>
+          <a:schemeClr val="phClr"/>
+        </a:solidFill>
+        <a:gradFill rotWithShape="1">
+          <a:gsLst>
+            <a:gs pos="0">
+              <a:schemeClr val="phClr">
+                <a:lumMod val="110000"/>
+                <a:satMod val="105000"/>
+                <a:tint val="67000"/>
+              </a:schemeClr>
+            </a:gs>
+            <a:gs pos="50000">
+              <a:schemeClr val="phClr">
+                <a:lumMod val="105000"/>
+                <a:satMod val="103000"/>
+                <a:tint val="73000"/>
+              </a:schemeClr>
+            </a:gs>
+            <a:gs pos="100000">
+              <a:schemeClr val="phClr">
+                <a:lumMod val="105000"/>
+                <a:satMod val="109000"/>
+                <a:tint val="81000"/>
+              </a:schemeClr>
+            </a:gs>
+          </a:gsLst>
+          <a:lin ang="5400000" scaled="0"/>
+        </a:gradFill>
+        <a:gradFill rotWithShape="1">
+          <a:gsLst>
+            <a:gs pos="0">
+              <a:schemeClr val="phClr">
+                <a:satMod val="103000"/>
+                <a:lumMod val="102000"/>
+                <a:tint val="94000"/>
+              </a:schemeClr>
+            </a:gs>
+            <a:gs pos="50000">
+              <a:schemeClr val="phClr">
+                <a:satMod val="110000"/>
+                <a:lumMod val="100000"/>
+                <a:shade val="100000"/>
+              </a:schemeClr>
+            </a:gs>
+            <a:gs pos="100000">
+              <a:schemeClr val="phClr">
+                <a:lumMod val="99000"/>
+                <a:satMod val="120000"/>
+                <a:shade val="78000"/>
+              </a:schemeClr>
+            </a:gs>
+          </a:gsLst>
+          <a:lin ang="5400000" scaled="0"/>
+        </a:gradFill>
+      </a:fillStyleLst>
+      <a:lnStyleLst>
+        <a:ln w="6350" cap="flat" cmpd="sng" algn="ctr">
+          <a:solidFill>
+            <a:schemeClr val="phClr"/>
+          </a:solidFill>
+          <a:prstDash val="solid"/>
+          <a:miter lim="800000"/>
+        </a:ln>
+        <a:ln w="12700" cap="flat" cmpd="sng" algn="ctr">
+          <a:solidFill>
+            <a:schemeClr val="phClr"/>
+          </a:solidFill>
+          <a:prstDash val="solid"/>
+          <a:miter lim="800000"/>
+        </a:ln>
+        <a:ln w="19050" cap="flat" cmpd="sng" algn="ctr">
+          <a:solidFill>
+            <a:schemeClr val="phClr"/>
+          </a:solidFill>
+          <a:prstDash val="solid"/>
+          <a:miter lim="800000"/>
+        </a:ln>
+      </a:lnStyleLst>
+      <a:effectStyleLst>
+        <a:effectStyle>
+          <a:effectLst/>
+        </a:effectStyle>
+        <a:effectStyle>
+          <a:effectLst/>
+        </a:effectStyle>
+        <a:effectStyle>
+          <a:effectLst>
+            <a:outerShdw blurRad="57150" dist="19050" dir="5400000" algn="ctr" rotWithShape="0">
+              <a:srgbClr val="000000">
+                <a:alpha val="63000"/>
+              </a:srgbClr>
+            </a:outerShdw>
+          </a:effectLst>
+        </a:effectStyle>
+      </a:effectStyleLst>
+      <a:bgFillStyleLst>
+        <a:solidFill>
+          <a:schemeClr val="phClr"/>
+        </a:solidFill>
+        <a:solidFill>
+          <a:schemeClr val="phClr">
+            <a:tint val="95000"/>
+            <a:satMod val="170000"/>
+          </a:schemeClr>
+        </a:solidFill>
+        <a:gradFill rotWithShape="1">
+          <a:gsLst>
+            <a:gs pos="0">
+              <a:schemeClr val="phClr">
+                <a:tint val="93000"/>
+                <a:satMod val="150000"/>
+                <a:shade val="98000"/>
+                <a:lumMod val="102000"/>
+              </a:schemeClr>
+            </a:gs>
+            <a:gs pos="50000">
+              <a:schemeClr val="phClr">
+                <a:tint val="98000"/>
+                <a:satMod val="130000"/>
+                <a:shade val="90000"/>
+                <a:lumMod val="103000"/>
+              </a:schemeClr>
+            </a:gs>
+            <a:gs pos="100000">
+              <a:schemeClr val="phClr">
+                <a:shade val="63000"/>
+                <a:satMod val="120000"/>
+              </a:schemeClr>
+            </a:gs>
+          </a:gsLst>
+          <a:lin ang="5400000" scaled="0"/>
+        </a:gradFill>
+      </a:bgFillStyleLst>
+    </a:fmtScheme>
+  </a:themeElements>
+  <a:objectDefaults/>
+  <a:extraClrSchemeLst/>
+  <a:extLst>
+    <a:ext uri="{05A4C25C-085E-4340-85A3-A5531E510DB2}">
+      <thm15:themeFamily xmlns="" xmlns:thm15="http://schemas.microsoft.com/office/thememl/2012/main" name="Office Theme" id="{62F939B6-93AF-4DB8-9C6B-D6C7DFDC589F}" vid="{4A3C46E8-61CC-4603-A589-7422A47A8E4A}"/>
     </a:ext>
   </a:extLst>
 </a:theme>

--- a/New_U-16.pptx
+++ b/New_U-16.pptx
@@ -870,7 +870,7 @@
           <a:p>
             <a:fld id="{883B3C6D-282E-42C1-9E7D-429647502DFC}" type="datetimeFigureOut">
               <a:rPr kumimoji="1" lang="ja-JP" altLang="en-US" smtClean="0"/>
-              <a:t>2018/1/14</a:t>
+              <a:t>2018/7/6</a:t>
             </a:fld>
             <a:endParaRPr kumimoji="1" lang="ja-JP" altLang="en-US"/>
           </a:p>
@@ -1121,7 +1121,7 @@
           <a:p>
             <a:fld id="{883B3C6D-282E-42C1-9E7D-429647502DFC}" type="datetimeFigureOut">
               <a:rPr kumimoji="1" lang="ja-JP" altLang="en-US" smtClean="0"/>
-              <a:t>2018/1/14</a:t>
+              <a:t>2018/7/6</a:t>
             </a:fld>
             <a:endParaRPr kumimoji="1" lang="ja-JP" altLang="en-US"/>
           </a:p>
@@ -1435,7 +1435,7 @@
           <a:p>
             <a:fld id="{883B3C6D-282E-42C1-9E7D-429647502DFC}" type="datetimeFigureOut">
               <a:rPr kumimoji="1" lang="ja-JP" altLang="en-US" smtClean="0"/>
-              <a:t>2018/1/14</a:t>
+              <a:t>2018/7/6</a:t>
             </a:fld>
             <a:endParaRPr kumimoji="1" lang="ja-JP" altLang="en-US"/>
           </a:p>
@@ -1776,7 +1776,7 @@
           <a:p>
             <a:fld id="{883B3C6D-282E-42C1-9E7D-429647502DFC}" type="datetimeFigureOut">
               <a:rPr kumimoji="1" lang="ja-JP" altLang="en-US" smtClean="0"/>
-              <a:t>2018/1/14</a:t>
+              <a:t>2018/7/6</a:t>
             </a:fld>
             <a:endParaRPr kumimoji="1" lang="ja-JP" altLang="en-US"/>
           </a:p>
@@ -2090,7 +2090,7 @@
           <a:p>
             <a:fld id="{883B3C6D-282E-42C1-9E7D-429647502DFC}" type="datetimeFigureOut">
               <a:rPr kumimoji="1" lang="ja-JP" altLang="en-US" smtClean="0"/>
-              <a:t>2018/1/14</a:t>
+              <a:t>2018/7/6</a:t>
             </a:fld>
             <a:endParaRPr kumimoji="1" lang="ja-JP" altLang="en-US"/>
           </a:p>
@@ -2483,7 +2483,7 @@
           <a:p>
             <a:fld id="{883B3C6D-282E-42C1-9E7D-429647502DFC}" type="datetimeFigureOut">
               <a:rPr kumimoji="1" lang="ja-JP" altLang="en-US" smtClean="0"/>
-              <a:t>2018/1/14</a:t>
+              <a:t>2018/7/6</a:t>
             </a:fld>
             <a:endParaRPr kumimoji="1" lang="ja-JP" altLang="en-US"/>
           </a:p>
@@ -2685,7 +2685,7 @@
           <a:p>
             <a:fld id="{883B3C6D-282E-42C1-9E7D-429647502DFC}" type="datetimeFigureOut">
               <a:rPr kumimoji="1" lang="ja-JP" altLang="en-US" smtClean="0"/>
-              <a:t>2018/1/14</a:t>
+              <a:t>2018/7/6</a:t>
             </a:fld>
             <a:endParaRPr kumimoji="1" lang="ja-JP" altLang="en-US"/>
           </a:p>
@@ -2897,7 +2897,7 @@
           <a:p>
             <a:fld id="{883B3C6D-282E-42C1-9E7D-429647502DFC}" type="datetimeFigureOut">
               <a:rPr kumimoji="1" lang="ja-JP" altLang="en-US" smtClean="0"/>
-              <a:t>2018/1/14</a:t>
+              <a:t>2018/7/6</a:t>
             </a:fld>
             <a:endParaRPr kumimoji="1" lang="ja-JP" altLang="en-US"/>
           </a:p>
@@ -3105,7 +3105,7 @@
           <a:p>
             <a:fld id="{883B3C6D-282E-42C1-9E7D-429647502DFC}" type="datetimeFigureOut">
               <a:rPr kumimoji="1" lang="ja-JP" altLang="en-US" smtClean="0"/>
-              <a:t>2018/1/14</a:t>
+              <a:t>2018/7/6</a:t>
             </a:fld>
             <a:endParaRPr kumimoji="1" lang="ja-JP" altLang="en-US"/>
           </a:p>
@@ -3352,7 +3352,7 @@
           <a:p>
             <a:fld id="{883B3C6D-282E-42C1-9E7D-429647502DFC}" type="datetimeFigureOut">
               <a:rPr kumimoji="1" lang="ja-JP" altLang="en-US" smtClean="0"/>
-              <a:t>2018/1/14</a:t>
+              <a:t>2018/7/6</a:t>
             </a:fld>
             <a:endParaRPr kumimoji="1" lang="ja-JP" altLang="en-US"/>
           </a:p>
@@ -3648,7 +3648,7 @@
           <a:p>
             <a:fld id="{883B3C6D-282E-42C1-9E7D-429647502DFC}" type="datetimeFigureOut">
               <a:rPr kumimoji="1" lang="ja-JP" altLang="en-US" smtClean="0"/>
-              <a:t>2018/1/14</a:t>
+              <a:t>2018/7/6</a:t>
             </a:fld>
             <a:endParaRPr kumimoji="1" lang="ja-JP" altLang="en-US"/>
           </a:p>
@@ -4086,7 +4086,7 @@
           <a:p>
             <a:fld id="{883B3C6D-282E-42C1-9E7D-429647502DFC}" type="datetimeFigureOut">
               <a:rPr kumimoji="1" lang="ja-JP" altLang="en-US" smtClean="0"/>
-              <a:t>2018/1/14</a:t>
+              <a:t>2018/7/6</a:t>
             </a:fld>
             <a:endParaRPr kumimoji="1" lang="ja-JP" altLang="en-US"/>
           </a:p>
@@ -4209,7 +4209,7 @@
           <a:p>
             <a:fld id="{883B3C6D-282E-42C1-9E7D-429647502DFC}" type="datetimeFigureOut">
               <a:rPr kumimoji="1" lang="ja-JP" altLang="en-US" smtClean="0"/>
-              <a:t>2018/1/14</a:t>
+              <a:t>2018/7/6</a:t>
             </a:fld>
             <a:endParaRPr kumimoji="1" lang="ja-JP" altLang="en-US"/>
           </a:p>
@@ -4304,7 +4304,7 @@
           <a:p>
             <a:fld id="{883B3C6D-282E-42C1-9E7D-429647502DFC}" type="datetimeFigureOut">
               <a:rPr kumimoji="1" lang="ja-JP" altLang="en-US" smtClean="0"/>
-              <a:t>2018/1/14</a:t>
+              <a:t>2018/7/6</a:t>
             </a:fld>
             <a:endParaRPr kumimoji="1" lang="ja-JP" altLang="en-US"/>
           </a:p>
@@ -4591,7 +4591,7 @@
           <a:p>
             <a:fld id="{883B3C6D-282E-42C1-9E7D-429647502DFC}" type="datetimeFigureOut">
               <a:rPr kumimoji="1" lang="ja-JP" altLang="en-US" smtClean="0"/>
-              <a:t>2018/1/14</a:t>
+              <a:t>2018/7/6</a:t>
             </a:fld>
             <a:endParaRPr kumimoji="1" lang="ja-JP" altLang="en-US"/>
           </a:p>
@@ -4854,7 +4854,7 @@
           <a:p>
             <a:fld id="{883B3C6D-282E-42C1-9E7D-429647502DFC}" type="datetimeFigureOut">
               <a:rPr kumimoji="1" lang="ja-JP" altLang="en-US" smtClean="0"/>
-              <a:t>2018/1/14</a:t>
+              <a:t>2018/7/6</a:t>
             </a:fld>
             <a:endParaRPr kumimoji="1" lang="ja-JP" altLang="en-US"/>
           </a:p>
@@ -5629,7 +5629,7 @@
           <a:p>
             <a:fld id="{883B3C6D-282E-42C1-9E7D-429647502DFC}" type="datetimeFigureOut">
               <a:rPr kumimoji="1" lang="ja-JP" altLang="en-US" smtClean="0"/>
-              <a:t>2018/1/14</a:t>
+              <a:t>2018/7/6</a:t>
             </a:fld>
             <a:endParaRPr kumimoji="1" lang="ja-JP" altLang="en-US"/>
           </a:p>
@@ -6214,6 +6214,13 @@
   <p:clrMapOvr>
     <a:masterClrMapping/>
   </p:clrMapOvr>
+  <p:timing>
+    <p:tnLst>
+      <p:par>
+        <p:cTn id="1" dur="indefinite" restart="never" nodeType="tmRoot"/>
+      </p:par>
+    </p:tnLst>
+  </p:timing>
 </p:sld>
 </file>
 
@@ -6582,6 +6589,13 @@
   <p:clrMapOvr>
     <a:masterClrMapping/>
   </p:clrMapOvr>
+  <p:timing>
+    <p:tnLst>
+      <p:par>
+        <p:cTn id="1" dur="indefinite" restart="never" nodeType="tmRoot"/>
+      </p:par>
+    </p:tnLst>
+  </p:timing>
 </p:sld>
 </file>
 
@@ -6881,6 +6895,13 @@
   <p:clrMapOvr>
     <a:masterClrMapping/>
   </p:clrMapOvr>
+  <p:timing>
+    <p:tnLst>
+      <p:par>
+        <p:cTn id="1" dur="indefinite" restart="never" nodeType="tmRoot"/>
+      </p:par>
+    </p:tnLst>
+  </p:timing>
 </p:sld>
 </file>
 
@@ -8990,6 +9011,13 @@
   <p:clrMapOvr>
     <a:masterClrMapping/>
   </p:clrMapOvr>
+  <p:timing>
+    <p:tnLst>
+      <p:par>
+        <p:cTn id="1" dur="indefinite" restart="never" nodeType="tmRoot"/>
+      </p:par>
+    </p:tnLst>
+  </p:timing>
 </p:sld>
 </file>
 
@@ -9704,6 +9732,13 @@
   <p:clrMapOvr>
     <a:masterClrMapping/>
   </p:clrMapOvr>
+  <p:timing>
+    <p:tnLst>
+      <p:par>
+        <p:cTn id="1" dur="indefinite" restart="never" nodeType="tmRoot"/>
+      </p:par>
+    </p:tnLst>
+  </p:timing>
 </p:sld>
 </file>
 
@@ -9923,6 +9958,13 @@
   <p:clrMapOvr>
     <a:masterClrMapping/>
   </p:clrMapOvr>
+  <p:timing>
+    <p:tnLst>
+      <p:par>
+        <p:cTn id="1" dur="indefinite" restart="never" nodeType="tmRoot"/>
+      </p:par>
+    </p:tnLst>
+  </p:timing>
 </p:sld>
 </file>
 
@@ -10166,6 +10208,13 @@
   <p:clrMapOvr>
     <a:masterClrMapping/>
   </p:clrMapOvr>
+  <p:timing>
+    <p:tnLst>
+      <p:par>
+        <p:cTn id="1" dur="indefinite" restart="never" nodeType="tmRoot"/>
+      </p:par>
+    </p:tnLst>
+  </p:timing>
 </p:sld>
 </file>
 
@@ -10384,6 +10433,13 @@
   <p:clrMapOvr>
     <a:masterClrMapping/>
   </p:clrMapOvr>
+  <p:timing>
+    <p:tnLst>
+      <p:par>
+        <p:cTn id="1" dur="indefinite" restart="never" nodeType="tmRoot"/>
+      </p:par>
+    </p:tnLst>
+  </p:timing>
 </p:sld>
 </file>
 
@@ -10525,6 +10581,13 @@
   <p:clrMapOvr>
     <a:masterClrMapping/>
   </p:clrMapOvr>
+  <p:timing>
+    <p:tnLst>
+      <p:par>
+        <p:cTn id="1" dur="indefinite" restart="never" nodeType="tmRoot"/>
+      </p:par>
+    </p:tnLst>
+  </p:timing>
 </p:sld>
 </file>
 
@@ -10625,21 +10688,21 @@
                 <a:gridCol w="487722">
                   <a:extLst>
                     <a:ext uri="{9D8B030D-6E8A-4147-A177-3AD203B41FA5}">
-                      <a16:colId xmlns:a16="http://schemas.microsoft.com/office/drawing/2014/main" val="2712960937"/>
+                      <a16:colId xmlns:a16="http://schemas.microsoft.com/office/drawing/2014/main" xmlns="" val="2712960937"/>
                     </a:ext>
                   </a:extLst>
                 </a:gridCol>
                 <a:gridCol w="487722">
                   <a:extLst>
                     <a:ext uri="{9D8B030D-6E8A-4147-A177-3AD203B41FA5}">
-                      <a16:colId xmlns:a16="http://schemas.microsoft.com/office/drawing/2014/main" val="1352865225"/>
+                      <a16:colId xmlns:a16="http://schemas.microsoft.com/office/drawing/2014/main" xmlns="" val="1352865225"/>
                     </a:ext>
                   </a:extLst>
                 </a:gridCol>
                 <a:gridCol w="487722">
                   <a:extLst>
                     <a:ext uri="{9D8B030D-6E8A-4147-A177-3AD203B41FA5}">
-                      <a16:colId xmlns:a16="http://schemas.microsoft.com/office/drawing/2014/main" val="455385180"/>
+                      <a16:colId xmlns:a16="http://schemas.microsoft.com/office/drawing/2014/main" xmlns="" val="455385180"/>
                     </a:ext>
                   </a:extLst>
                 </a:gridCol>
@@ -10856,7 +10919,7 @@
                 </a:tc>
                 <a:extLst>
                   <a:ext uri="{0D108BD9-81ED-4DB2-BD59-A6C34878D82A}">
-                    <a16:rowId xmlns:a16="http://schemas.microsoft.com/office/drawing/2014/main" val="1301424847"/>
+                    <a16:rowId xmlns:a16="http://schemas.microsoft.com/office/drawing/2014/main" xmlns="" val="1301424847"/>
                   </a:ext>
                 </a:extLst>
               </a:tr>
@@ -11067,7 +11130,7 @@
                 </a:tc>
                 <a:extLst>
                   <a:ext uri="{0D108BD9-81ED-4DB2-BD59-A6C34878D82A}">
-                    <a16:rowId xmlns:a16="http://schemas.microsoft.com/office/drawing/2014/main" val="3667364987"/>
+                    <a16:rowId xmlns:a16="http://schemas.microsoft.com/office/drawing/2014/main" xmlns="" val="3667364987"/>
                   </a:ext>
                 </a:extLst>
               </a:tr>
@@ -11281,7 +11344,7 @@
                 </a:tc>
                 <a:extLst>
                   <a:ext uri="{0D108BD9-81ED-4DB2-BD59-A6C34878D82A}">
-                    <a16:rowId xmlns:a16="http://schemas.microsoft.com/office/drawing/2014/main" val="2169824223"/>
+                    <a16:rowId xmlns:a16="http://schemas.microsoft.com/office/drawing/2014/main" xmlns="" val="2169824223"/>
                   </a:ext>
                 </a:extLst>
               </a:tr>
@@ -11425,21 +11488,21 @@
                 <a:gridCol w="487722">
                   <a:extLst>
                     <a:ext uri="{9D8B030D-6E8A-4147-A177-3AD203B41FA5}">
-                      <a16:colId xmlns:a16="http://schemas.microsoft.com/office/drawing/2014/main" val="2712960937"/>
+                      <a16:colId xmlns:a16="http://schemas.microsoft.com/office/drawing/2014/main" xmlns="" val="2712960937"/>
                     </a:ext>
                   </a:extLst>
                 </a:gridCol>
                 <a:gridCol w="487722">
                   <a:extLst>
                     <a:ext uri="{9D8B030D-6E8A-4147-A177-3AD203B41FA5}">
-                      <a16:colId xmlns:a16="http://schemas.microsoft.com/office/drawing/2014/main" val="1352865225"/>
+                      <a16:colId xmlns:a16="http://schemas.microsoft.com/office/drawing/2014/main" xmlns="" val="1352865225"/>
                     </a:ext>
                   </a:extLst>
                 </a:gridCol>
                 <a:gridCol w="487722">
                   <a:extLst>
                     <a:ext uri="{9D8B030D-6E8A-4147-A177-3AD203B41FA5}">
-                      <a16:colId xmlns:a16="http://schemas.microsoft.com/office/drawing/2014/main" val="455385180"/>
+                      <a16:colId xmlns:a16="http://schemas.microsoft.com/office/drawing/2014/main" xmlns="" val="455385180"/>
                     </a:ext>
                   </a:extLst>
                 </a:gridCol>
@@ -11647,7 +11710,7 @@
                 </a:tc>
                 <a:extLst>
                   <a:ext uri="{0D108BD9-81ED-4DB2-BD59-A6C34878D82A}">
-                    <a16:rowId xmlns:a16="http://schemas.microsoft.com/office/drawing/2014/main" val="1301424847"/>
+                    <a16:rowId xmlns:a16="http://schemas.microsoft.com/office/drawing/2014/main" xmlns="" val="1301424847"/>
                   </a:ext>
                 </a:extLst>
               </a:tr>
@@ -11852,7 +11915,7 @@
                 </a:tc>
                 <a:extLst>
                   <a:ext uri="{0D108BD9-81ED-4DB2-BD59-A6C34878D82A}">
-                    <a16:rowId xmlns:a16="http://schemas.microsoft.com/office/drawing/2014/main" val="3667364987"/>
+                    <a16:rowId xmlns:a16="http://schemas.microsoft.com/office/drawing/2014/main" xmlns="" val="3667364987"/>
                   </a:ext>
                 </a:extLst>
               </a:tr>
@@ -12057,7 +12120,7 @@
                 </a:tc>
                 <a:extLst>
                   <a:ext uri="{0D108BD9-81ED-4DB2-BD59-A6C34878D82A}">
-                    <a16:rowId xmlns:a16="http://schemas.microsoft.com/office/drawing/2014/main" val="2169824223"/>
+                    <a16:rowId xmlns:a16="http://schemas.microsoft.com/office/drawing/2014/main" xmlns="" val="2169824223"/>
                   </a:ext>
                 </a:extLst>
               </a:tr>
@@ -12113,28 +12176,28 @@
                 <a:gridCol w="488720">
                   <a:extLst>
                     <a:ext uri="{9D8B030D-6E8A-4147-A177-3AD203B41FA5}">
-                      <a16:colId xmlns:a16="http://schemas.microsoft.com/office/drawing/2014/main" val="1726606313"/>
+                      <a16:colId xmlns:a16="http://schemas.microsoft.com/office/drawing/2014/main" xmlns="" val="1726606313"/>
                     </a:ext>
                   </a:extLst>
                 </a:gridCol>
                 <a:gridCol w="488720">
                   <a:extLst>
                     <a:ext uri="{9D8B030D-6E8A-4147-A177-3AD203B41FA5}">
-                      <a16:colId xmlns:a16="http://schemas.microsoft.com/office/drawing/2014/main" val="2000374804"/>
+                      <a16:colId xmlns:a16="http://schemas.microsoft.com/office/drawing/2014/main" xmlns="" val="2000374804"/>
                     </a:ext>
                   </a:extLst>
                 </a:gridCol>
                 <a:gridCol w="488720">
                   <a:extLst>
                     <a:ext uri="{9D8B030D-6E8A-4147-A177-3AD203B41FA5}">
-                      <a16:colId xmlns:a16="http://schemas.microsoft.com/office/drawing/2014/main" val="70356761"/>
+                      <a16:colId xmlns:a16="http://schemas.microsoft.com/office/drawing/2014/main" xmlns="" val="70356761"/>
                     </a:ext>
                   </a:extLst>
                 </a:gridCol>
                 <a:gridCol w="488720">
                   <a:extLst>
                     <a:ext uri="{9D8B030D-6E8A-4147-A177-3AD203B41FA5}">
-                      <a16:colId xmlns:a16="http://schemas.microsoft.com/office/drawing/2014/main" val="1011603094"/>
+                      <a16:colId xmlns:a16="http://schemas.microsoft.com/office/drawing/2014/main" xmlns="" val="1011603094"/>
                     </a:ext>
                   </a:extLst>
                 </a:gridCol>
@@ -12415,7 +12478,7 @@
                 </a:tc>
                 <a:extLst>
                   <a:ext uri="{0D108BD9-81ED-4DB2-BD59-A6C34878D82A}">
-                    <a16:rowId xmlns:a16="http://schemas.microsoft.com/office/drawing/2014/main" val="1583862762"/>
+                    <a16:rowId xmlns:a16="http://schemas.microsoft.com/office/drawing/2014/main" xmlns="" val="1583862762"/>
                   </a:ext>
                 </a:extLst>
               </a:tr>
@@ -12695,7 +12758,7 @@
                 </a:tc>
                 <a:extLst>
                   <a:ext uri="{0D108BD9-81ED-4DB2-BD59-A6C34878D82A}">
-                    <a16:rowId xmlns:a16="http://schemas.microsoft.com/office/drawing/2014/main" val="3367765930"/>
+                    <a16:rowId xmlns:a16="http://schemas.microsoft.com/office/drawing/2014/main" xmlns="" val="3367765930"/>
                   </a:ext>
                 </a:extLst>
               </a:tr>
@@ -12975,7 +13038,7 @@
                 </a:tc>
                 <a:extLst>
                   <a:ext uri="{0D108BD9-81ED-4DB2-BD59-A6C34878D82A}">
-                    <a16:rowId xmlns:a16="http://schemas.microsoft.com/office/drawing/2014/main" val="2433277315"/>
+                    <a16:rowId xmlns:a16="http://schemas.microsoft.com/office/drawing/2014/main" xmlns="" val="2433277315"/>
                   </a:ext>
                 </a:extLst>
               </a:tr>
@@ -13031,21 +13094,21 @@
                 <a:gridCol w="487722">
                   <a:extLst>
                     <a:ext uri="{9D8B030D-6E8A-4147-A177-3AD203B41FA5}">
-                      <a16:colId xmlns:a16="http://schemas.microsoft.com/office/drawing/2014/main" val="2712960937"/>
+                      <a16:colId xmlns:a16="http://schemas.microsoft.com/office/drawing/2014/main" xmlns="" val="2712960937"/>
                     </a:ext>
                   </a:extLst>
                 </a:gridCol>
                 <a:gridCol w="487722">
                   <a:extLst>
                     <a:ext uri="{9D8B030D-6E8A-4147-A177-3AD203B41FA5}">
-                      <a16:colId xmlns:a16="http://schemas.microsoft.com/office/drawing/2014/main" val="1352865225"/>
+                      <a16:colId xmlns:a16="http://schemas.microsoft.com/office/drawing/2014/main" xmlns="" val="1352865225"/>
                     </a:ext>
                   </a:extLst>
                 </a:gridCol>
                 <a:gridCol w="487722">
                   <a:extLst>
                     <a:ext uri="{9D8B030D-6E8A-4147-A177-3AD203B41FA5}">
-                      <a16:colId xmlns:a16="http://schemas.microsoft.com/office/drawing/2014/main" val="455385180"/>
+                      <a16:colId xmlns:a16="http://schemas.microsoft.com/office/drawing/2014/main" xmlns="" val="455385180"/>
                     </a:ext>
                   </a:extLst>
                 </a:gridCol>
@@ -13262,7 +13325,7 @@
                 </a:tc>
                 <a:extLst>
                   <a:ext uri="{0D108BD9-81ED-4DB2-BD59-A6C34878D82A}">
-                    <a16:rowId xmlns:a16="http://schemas.microsoft.com/office/drawing/2014/main" val="1301424847"/>
+                    <a16:rowId xmlns:a16="http://schemas.microsoft.com/office/drawing/2014/main" xmlns="" val="1301424847"/>
                   </a:ext>
                 </a:extLst>
               </a:tr>
@@ -13473,7 +13536,7 @@
                 </a:tc>
                 <a:extLst>
                   <a:ext uri="{0D108BD9-81ED-4DB2-BD59-A6C34878D82A}">
-                    <a16:rowId xmlns:a16="http://schemas.microsoft.com/office/drawing/2014/main" val="3667364987"/>
+                    <a16:rowId xmlns:a16="http://schemas.microsoft.com/office/drawing/2014/main" xmlns="" val="3667364987"/>
                   </a:ext>
                 </a:extLst>
               </a:tr>
@@ -13687,7 +13750,7 @@
                 </a:tc>
                 <a:extLst>
                   <a:ext uri="{0D108BD9-81ED-4DB2-BD59-A6C34878D82A}">
-                    <a16:rowId xmlns:a16="http://schemas.microsoft.com/office/drawing/2014/main" val="2169824223"/>
+                    <a16:rowId xmlns:a16="http://schemas.microsoft.com/office/drawing/2014/main" xmlns="" val="2169824223"/>
                   </a:ext>
                 </a:extLst>
               </a:tr>
@@ -13742,7 +13805,7 @@
                 <a:gridCol w="496324">
                   <a:extLst>
                     <a:ext uri="{9D8B030D-6E8A-4147-A177-3AD203B41FA5}">
-                      <a16:colId xmlns:a16="http://schemas.microsoft.com/office/drawing/2014/main" val="4131415336"/>
+                      <a16:colId xmlns:a16="http://schemas.microsoft.com/office/drawing/2014/main" xmlns="" val="4131415336"/>
                     </a:ext>
                   </a:extLst>
                 </a:gridCol>
@@ -13836,7 +13899,7 @@
                 </a:tc>
                 <a:extLst>
                   <a:ext uri="{0D108BD9-81ED-4DB2-BD59-A6C34878D82A}">
-                    <a16:rowId xmlns:a16="http://schemas.microsoft.com/office/drawing/2014/main" val="1706277807"/>
+                    <a16:rowId xmlns:a16="http://schemas.microsoft.com/office/drawing/2014/main" xmlns="" val="1706277807"/>
                   </a:ext>
                 </a:extLst>
               </a:tr>
@@ -14035,7 +14098,7 @@
           <p:cNvPr id="10" name="表 9">
             <a:extLst>
               <a:ext uri="{FF2B5EF4-FFF2-40B4-BE49-F238E27FC236}">
-                <a16:creationId xmlns:a16="http://schemas.microsoft.com/office/drawing/2014/main" id="{0A54A222-0D14-47A6-B417-50568EAF6495}"/>
+                <a16:creationId xmlns:a16="http://schemas.microsoft.com/office/drawing/2014/main" xmlns="" id="{0A54A222-0D14-47A6-B417-50568EAF6495}"/>
               </a:ext>
             </a:extLst>
           </p:cNvPr>
@@ -14064,42 +14127,42 @@
                 <a:gridCol w="493081">
                   <a:extLst>
                     <a:ext uri="{9D8B030D-6E8A-4147-A177-3AD203B41FA5}">
-                      <a16:colId xmlns:a16="http://schemas.microsoft.com/office/drawing/2014/main" val="2828972309"/>
+                      <a16:colId xmlns:a16="http://schemas.microsoft.com/office/drawing/2014/main" xmlns="" val="2828972309"/>
                     </a:ext>
                   </a:extLst>
                 </a:gridCol>
                 <a:gridCol w="493081">
                   <a:extLst>
                     <a:ext uri="{9D8B030D-6E8A-4147-A177-3AD203B41FA5}">
-                      <a16:colId xmlns:a16="http://schemas.microsoft.com/office/drawing/2014/main" val="2723691098"/>
+                      <a16:colId xmlns:a16="http://schemas.microsoft.com/office/drawing/2014/main" xmlns="" val="2723691098"/>
                     </a:ext>
                   </a:extLst>
                 </a:gridCol>
                 <a:gridCol w="493081">
                   <a:extLst>
                     <a:ext uri="{9D8B030D-6E8A-4147-A177-3AD203B41FA5}">
-                      <a16:colId xmlns:a16="http://schemas.microsoft.com/office/drawing/2014/main" val="878714757"/>
+                      <a16:colId xmlns:a16="http://schemas.microsoft.com/office/drawing/2014/main" xmlns="" val="878714757"/>
                     </a:ext>
                   </a:extLst>
                 </a:gridCol>
                 <a:gridCol w="493081">
                   <a:extLst>
                     <a:ext uri="{9D8B030D-6E8A-4147-A177-3AD203B41FA5}">
-                      <a16:colId xmlns:a16="http://schemas.microsoft.com/office/drawing/2014/main" val="1913135217"/>
+                      <a16:colId xmlns:a16="http://schemas.microsoft.com/office/drawing/2014/main" xmlns="" val="1913135217"/>
                     </a:ext>
                   </a:extLst>
                 </a:gridCol>
                 <a:gridCol w="493081">
                   <a:extLst>
                     <a:ext uri="{9D8B030D-6E8A-4147-A177-3AD203B41FA5}">
-                      <a16:colId xmlns:a16="http://schemas.microsoft.com/office/drawing/2014/main" val="4201542503"/>
+                      <a16:colId xmlns:a16="http://schemas.microsoft.com/office/drawing/2014/main" xmlns="" val="4201542503"/>
                     </a:ext>
                   </a:extLst>
                 </a:gridCol>
                 <a:gridCol w="493081">
                   <a:extLst>
                     <a:ext uri="{9D8B030D-6E8A-4147-A177-3AD203B41FA5}">
-                      <a16:colId xmlns:a16="http://schemas.microsoft.com/office/drawing/2014/main" val="810969331"/>
+                      <a16:colId xmlns:a16="http://schemas.microsoft.com/office/drawing/2014/main" xmlns="" val="810969331"/>
                     </a:ext>
                   </a:extLst>
                 </a:gridCol>
@@ -14431,7 +14494,7 @@
                 </a:tc>
                 <a:extLst>
                   <a:ext uri="{0D108BD9-81ED-4DB2-BD59-A6C34878D82A}">
-                    <a16:rowId xmlns:a16="http://schemas.microsoft.com/office/drawing/2014/main" val="758828915"/>
+                    <a16:rowId xmlns:a16="http://schemas.microsoft.com/office/drawing/2014/main" xmlns="" val="758828915"/>
                   </a:ext>
                 </a:extLst>
               </a:tr>
@@ -14771,7 +14834,7 @@
                 </a:tc>
                 <a:extLst>
                   <a:ext uri="{0D108BD9-81ED-4DB2-BD59-A6C34878D82A}">
-                    <a16:rowId xmlns:a16="http://schemas.microsoft.com/office/drawing/2014/main" val="999118659"/>
+                    <a16:rowId xmlns:a16="http://schemas.microsoft.com/office/drawing/2014/main" xmlns="" val="999118659"/>
                   </a:ext>
                 </a:extLst>
               </a:tr>
@@ -15108,7 +15171,7 @@
                 </a:tc>
                 <a:extLst>
                   <a:ext uri="{0D108BD9-81ED-4DB2-BD59-A6C34878D82A}">
-                    <a16:rowId xmlns:a16="http://schemas.microsoft.com/office/drawing/2014/main" val="2721425135"/>
+                    <a16:rowId xmlns:a16="http://schemas.microsoft.com/office/drawing/2014/main" xmlns="" val="2721425135"/>
                   </a:ext>
                 </a:extLst>
               </a:tr>
@@ -15448,7 +15511,7 @@
                 </a:tc>
                 <a:extLst>
                   <a:ext uri="{0D108BD9-81ED-4DB2-BD59-A6C34878D82A}">
-                    <a16:rowId xmlns:a16="http://schemas.microsoft.com/office/drawing/2014/main" val="2772929386"/>
+                    <a16:rowId xmlns:a16="http://schemas.microsoft.com/office/drawing/2014/main" xmlns="" val="2772929386"/>
                   </a:ext>
                 </a:extLst>
               </a:tr>
@@ -15779,7 +15842,7 @@
                 </a:tc>
                 <a:extLst>
                   <a:ext uri="{0D108BD9-81ED-4DB2-BD59-A6C34878D82A}">
-                    <a16:rowId xmlns:a16="http://schemas.microsoft.com/office/drawing/2014/main" val="110397529"/>
+                    <a16:rowId xmlns:a16="http://schemas.microsoft.com/office/drawing/2014/main" xmlns="" val="110397529"/>
                   </a:ext>
                 </a:extLst>
               </a:tr>
@@ -16110,7 +16173,7 @@
                 </a:tc>
                 <a:extLst>
                   <a:ext uri="{0D108BD9-81ED-4DB2-BD59-A6C34878D82A}">
-                    <a16:rowId xmlns:a16="http://schemas.microsoft.com/office/drawing/2014/main" val="2753846136"/>
+                    <a16:rowId xmlns:a16="http://schemas.microsoft.com/office/drawing/2014/main" xmlns="" val="2753846136"/>
                   </a:ext>
                 </a:extLst>
               </a:tr>
@@ -16307,42 +16370,42 @@
                 <a:gridCol w="493081">
                   <a:extLst>
                     <a:ext uri="{9D8B030D-6E8A-4147-A177-3AD203B41FA5}">
-                      <a16:colId xmlns:a16="http://schemas.microsoft.com/office/drawing/2014/main" val="2828972309"/>
+                      <a16:colId xmlns:a16="http://schemas.microsoft.com/office/drawing/2014/main" xmlns="" val="2828972309"/>
                     </a:ext>
                   </a:extLst>
                 </a:gridCol>
                 <a:gridCol w="493081">
                   <a:extLst>
                     <a:ext uri="{9D8B030D-6E8A-4147-A177-3AD203B41FA5}">
-                      <a16:colId xmlns:a16="http://schemas.microsoft.com/office/drawing/2014/main" val="2723691098"/>
+                      <a16:colId xmlns:a16="http://schemas.microsoft.com/office/drawing/2014/main" xmlns="" val="2723691098"/>
                     </a:ext>
                   </a:extLst>
                 </a:gridCol>
                 <a:gridCol w="493081">
                   <a:extLst>
                     <a:ext uri="{9D8B030D-6E8A-4147-A177-3AD203B41FA5}">
-                      <a16:colId xmlns:a16="http://schemas.microsoft.com/office/drawing/2014/main" val="878714757"/>
+                      <a16:colId xmlns:a16="http://schemas.microsoft.com/office/drawing/2014/main" xmlns="" val="878714757"/>
                     </a:ext>
                   </a:extLst>
                 </a:gridCol>
                 <a:gridCol w="493081">
                   <a:extLst>
                     <a:ext uri="{9D8B030D-6E8A-4147-A177-3AD203B41FA5}">
-                      <a16:colId xmlns:a16="http://schemas.microsoft.com/office/drawing/2014/main" val="1913135217"/>
+                      <a16:colId xmlns:a16="http://schemas.microsoft.com/office/drawing/2014/main" xmlns="" val="1913135217"/>
                     </a:ext>
                   </a:extLst>
                 </a:gridCol>
                 <a:gridCol w="493081">
                   <a:extLst>
                     <a:ext uri="{9D8B030D-6E8A-4147-A177-3AD203B41FA5}">
-                      <a16:colId xmlns:a16="http://schemas.microsoft.com/office/drawing/2014/main" val="4201542503"/>
+                      <a16:colId xmlns:a16="http://schemas.microsoft.com/office/drawing/2014/main" xmlns="" val="4201542503"/>
                     </a:ext>
                   </a:extLst>
                 </a:gridCol>
                 <a:gridCol w="493081">
                   <a:extLst>
                     <a:ext uri="{9D8B030D-6E8A-4147-A177-3AD203B41FA5}">
-                      <a16:colId xmlns:a16="http://schemas.microsoft.com/office/drawing/2014/main" val="810969331"/>
+                      <a16:colId xmlns:a16="http://schemas.microsoft.com/office/drawing/2014/main" xmlns="" val="810969331"/>
                     </a:ext>
                   </a:extLst>
                 </a:gridCol>
@@ -16674,7 +16737,7 @@
                 </a:tc>
                 <a:extLst>
                   <a:ext uri="{0D108BD9-81ED-4DB2-BD59-A6C34878D82A}">
-                    <a16:rowId xmlns:a16="http://schemas.microsoft.com/office/drawing/2014/main" val="758828915"/>
+                    <a16:rowId xmlns:a16="http://schemas.microsoft.com/office/drawing/2014/main" xmlns="" val="758828915"/>
                   </a:ext>
                 </a:extLst>
               </a:tr>
@@ -17014,7 +17077,7 @@
                 </a:tc>
                 <a:extLst>
                   <a:ext uri="{0D108BD9-81ED-4DB2-BD59-A6C34878D82A}">
-                    <a16:rowId xmlns:a16="http://schemas.microsoft.com/office/drawing/2014/main" val="999118659"/>
+                    <a16:rowId xmlns:a16="http://schemas.microsoft.com/office/drawing/2014/main" xmlns="" val="999118659"/>
                   </a:ext>
                 </a:extLst>
               </a:tr>
@@ -17351,7 +17414,7 @@
                 </a:tc>
                 <a:extLst>
                   <a:ext uri="{0D108BD9-81ED-4DB2-BD59-A6C34878D82A}">
-                    <a16:rowId xmlns:a16="http://schemas.microsoft.com/office/drawing/2014/main" val="2721425135"/>
+                    <a16:rowId xmlns:a16="http://schemas.microsoft.com/office/drawing/2014/main" xmlns="" val="2721425135"/>
                   </a:ext>
                 </a:extLst>
               </a:tr>
@@ -17691,7 +17754,7 @@
                 </a:tc>
                 <a:extLst>
                   <a:ext uri="{0D108BD9-81ED-4DB2-BD59-A6C34878D82A}">
-                    <a16:rowId xmlns:a16="http://schemas.microsoft.com/office/drawing/2014/main" val="2772929386"/>
+                    <a16:rowId xmlns:a16="http://schemas.microsoft.com/office/drawing/2014/main" xmlns="" val="2772929386"/>
                   </a:ext>
                 </a:extLst>
               </a:tr>
@@ -18022,7 +18085,7 @@
                 </a:tc>
                 <a:extLst>
                   <a:ext uri="{0D108BD9-81ED-4DB2-BD59-A6C34878D82A}">
-                    <a16:rowId xmlns:a16="http://schemas.microsoft.com/office/drawing/2014/main" val="110397529"/>
+                    <a16:rowId xmlns:a16="http://schemas.microsoft.com/office/drawing/2014/main" xmlns="" val="110397529"/>
                   </a:ext>
                 </a:extLst>
               </a:tr>
@@ -18353,7 +18416,7 @@
                 </a:tc>
                 <a:extLst>
                   <a:ext uri="{0D108BD9-81ED-4DB2-BD59-A6C34878D82A}">
-                    <a16:rowId xmlns:a16="http://schemas.microsoft.com/office/drawing/2014/main" val="2753846136"/>
+                    <a16:rowId xmlns:a16="http://schemas.microsoft.com/office/drawing/2014/main" xmlns="" val="2753846136"/>
                   </a:ext>
                 </a:extLst>
               </a:tr>
@@ -18376,7 +18439,7 @@
         </p:blipFill>
         <p:spPr>
           <a:xfrm>
-            <a:off x="3812963" y="4069168"/>
+            <a:off x="3812963" y="4069310"/>
             <a:ext cx="504230" cy="514906"/>
           </a:xfrm>
           <a:prstGeom prst="rect">
@@ -18414,11 +18477,15 @@
             <a:graphicFrameLocks noGrp="1"/>
           </p:cNvGraphicFramePr>
           <p:nvPr>
-            <p:extLst/>
+            <p:extLst>
+              <p:ext uri="{D42A27DB-BD31-4B8C-83A1-F6EECF244321}">
+                <p14:modId xmlns:p14="http://schemas.microsoft.com/office/powerpoint/2010/main" val="4181307199"/>
+              </p:ext>
+            </p:extLst>
           </p:nvPr>
         </p:nvGraphicFramePr>
         <p:xfrm>
-          <a:off x="3820869" y="4078608"/>
+          <a:off x="3316639" y="4078608"/>
           <a:ext cx="496324" cy="505466"/>
         </p:xfrm>
         <a:graphic>
@@ -18431,7 +18498,7 @@
                 <a:gridCol w="496324">
                   <a:extLst>
                     <a:ext uri="{9D8B030D-6E8A-4147-A177-3AD203B41FA5}">
-                      <a16:colId xmlns:a16="http://schemas.microsoft.com/office/drawing/2014/main" val="4131415336"/>
+                      <a16:colId xmlns:a16="http://schemas.microsoft.com/office/drawing/2014/main" xmlns="" val="4131415336"/>
                     </a:ext>
                   </a:extLst>
                 </a:gridCol>
@@ -18525,7 +18592,7 @@
                 </a:tc>
                 <a:extLst>
                   <a:ext uri="{0D108BD9-81ED-4DB2-BD59-A6C34878D82A}">
-                    <a16:rowId xmlns:a16="http://schemas.microsoft.com/office/drawing/2014/main" val="1706277807"/>
+                    <a16:rowId xmlns:a16="http://schemas.microsoft.com/office/drawing/2014/main" xmlns="" val="1706277807"/>
                   </a:ext>
                 </a:extLst>
               </a:tr>
@@ -18649,99 +18716,14 @@
                             </p:stCondLst>
                             <p:childTnLst>
                               <p:par>
-                                <p:cTn id="13" presetID="42" presetClass="path" presetSubtype="0" accel="50000" decel="50000" fill="hold" nodeType="clickEffect">
-                                  <p:stCondLst>
-                                    <p:cond delay="0"/>
-                                  </p:stCondLst>
-                                  <p:childTnLst>
-                                    <p:animMotion origin="layout" path="M 0.04115 -0.00093 L 0.08164 -0.00093 " pathEditMode="relative" rAng="0" ptsTypes="AA">
-                                      <p:cBhvr>
-                                        <p:cTn id="14" dur="2000" fill="hold"/>
-                                        <p:tgtEl>
-                                          <p:spTgt spid="19"/>
-                                        </p:tgtEl>
-                                        <p:attrNameLst>
-                                          <p:attrName>ppt_x</p:attrName>
-                                          <p:attrName>ppt_y</p:attrName>
-                                        </p:attrNameLst>
-                                      </p:cBhvr>
-                                      <p:rCtr x="2018" y="0"/>
-                                    </p:animMotion>
-                                  </p:childTnLst>
-                                </p:cTn>
-                              </p:par>
-                            </p:childTnLst>
-                          </p:cTn>
-                        </p:par>
-                      </p:childTnLst>
-                    </p:cTn>
-                  </p:par>
-                  <p:par>
-                    <p:cTn id="15" fill="hold">
-                      <p:stCondLst>
-                        <p:cond delay="indefinite"/>
-                      </p:stCondLst>
-                      <p:childTnLst>
-                        <p:par>
-                          <p:cTn id="16" fill="hold">
-                            <p:stCondLst>
-                              <p:cond delay="0"/>
-                            </p:stCondLst>
-                            <p:childTnLst>
-                              <p:par>
-                                <p:cTn id="17" presetID="1" presetClass="exit" presetSubtype="0" fill="hold" nodeType="clickEffect">
+                                <p:cTn id="13" presetID="10" presetClass="entr" presetSubtype="0" fill="hold" nodeType="clickEffect">
                                   <p:stCondLst>
                                     <p:cond delay="0"/>
                                   </p:stCondLst>
                                   <p:childTnLst>
                                     <p:set>
                                       <p:cBhvr>
-                                        <p:cTn id="18" dur="1" fill="hold">
-                                          <p:stCondLst>
-                                            <p:cond delay="0"/>
-                                          </p:stCondLst>
-                                        </p:cTn>
-                                        <p:tgtEl>
-                                          <p:spTgt spid="4"/>
-                                        </p:tgtEl>
-                                        <p:attrNameLst>
-                                          <p:attrName>style.visibility</p:attrName>
-                                        </p:attrNameLst>
-                                      </p:cBhvr>
-                                      <p:to>
-                                        <p:strVal val="hidden"/>
-                                      </p:to>
-                                    </p:set>
-                                  </p:childTnLst>
-                                </p:cTn>
-                              </p:par>
-                            </p:childTnLst>
-                          </p:cTn>
-                        </p:par>
-                      </p:childTnLst>
-                    </p:cTn>
-                  </p:par>
-                  <p:par>
-                    <p:cTn id="19" fill="hold">
-                      <p:stCondLst>
-                        <p:cond delay="indefinite"/>
-                      </p:stCondLst>
-                      <p:childTnLst>
-                        <p:par>
-                          <p:cTn id="20" fill="hold">
-                            <p:stCondLst>
-                              <p:cond delay="0"/>
-                            </p:stCondLst>
-                            <p:childTnLst>
-                              <p:par>
-                                <p:cTn id="21" presetID="14" presetClass="entr" presetSubtype="10" fill="hold" nodeType="clickEffect">
-                                  <p:stCondLst>
-                                    <p:cond delay="0"/>
-                                  </p:stCondLst>
-                                  <p:childTnLst>
-                                    <p:set>
-                                      <p:cBhvr>
-                                        <p:cTn id="22" dur="1" fill="hold">
+                                        <p:cTn id="14" dur="1" fill="hold">
                                           <p:stCondLst>
                                             <p:cond delay="0"/>
                                           </p:stCondLst>
@@ -18757,9 +18739,9 @@
                                         <p:strVal val="visible"/>
                                       </p:to>
                                     </p:set>
-                                    <p:animEffect transition="in" filter="randombar(horizontal)">
+                                    <p:animEffect transition="in" filter="fade">
                                       <p:cBhvr>
-                                        <p:cTn id="23" dur="500"/>
+                                        <p:cTn id="15" dur="500"/>
                                         <p:tgtEl>
                                           <p:spTgt spid="22"/>
                                         </p:tgtEl>

--- a/New_U-16.pptx
+++ b/New_U-16.pptx
@@ -7170,6 +7170,13 @@
   <p:clrMapOvr>
     <a:masterClrMapping/>
   </p:clrMapOvr>
+  <p:timing>
+    <p:tnLst>
+      <p:par>
+        <p:cTn id="1" dur="indefinite" restart="never" nodeType="tmRoot"/>
+      </p:par>
+    </p:tnLst>
+  </p:timing>
 </p:sld>
 </file>
 
@@ -7688,6 +7695,13 @@
   <p:clrMapOvr>
     <a:masterClrMapping/>
   </p:clrMapOvr>
+  <p:timing>
+    <p:tnLst>
+      <p:par>
+        <p:cTn id="1" dur="indefinite" restart="never" nodeType="tmRoot"/>
+      </p:par>
+    </p:tnLst>
+  </p:timing>
 </p:sld>
 </file>
 
@@ -7746,8 +7760,8 @@
         </p:nvSpPr>
         <p:spPr>
           <a:xfrm>
-            <a:off x="2600498" y="2028305"/>
-            <a:ext cx="7474527" cy="3300153"/>
+            <a:off x="1574569" y="2637905"/>
+            <a:ext cx="10414462" cy="4220095"/>
           </a:xfrm>
         </p:spPr>
         <p:txBody>
@@ -7760,30 +7774,52 @@
               <a:buNone/>
             </a:pPr>
             <a:r>
-              <a:rPr kumimoji="1" lang="ja-JP" altLang="en-US" sz="4800" dirty="0"/>
-              <a:t>相手が</a:t>
-            </a:r>
-            <a:endParaRPr kumimoji="1" lang="en-US" altLang="ja-JP" sz="4800" dirty="0"/>
+              <a:rPr kumimoji="1" lang="ja-JP" altLang="en-US" sz="4800" dirty="0" smtClean="0">
+                <a:solidFill>
+                  <a:schemeClr val="tx1"/>
+                </a:solidFill>
+              </a:rPr>
+              <a:t>相手の通信エラー、バグなどで</a:t>
+            </a:r>
+            <a:endParaRPr kumimoji="1" lang="en-US" altLang="ja-JP" sz="4800" dirty="0" smtClean="0">
+              <a:solidFill>
+                <a:schemeClr val="tx1"/>
+              </a:solidFill>
+            </a:endParaRPr>
           </a:p>
           <a:p>
             <a:pPr marL="0" indent="0">
               <a:buNone/>
             </a:pPr>
             <a:r>
-              <a:rPr kumimoji="1" lang="ja-JP" altLang="en-US" sz="4800" dirty="0"/>
-              <a:t>通信エラーやバグなどの</a:t>
-            </a:r>
-            <a:endParaRPr kumimoji="1" lang="en-US" altLang="ja-JP" sz="4800" dirty="0"/>
-          </a:p>
-          <a:p>
-            <a:pPr marL="0" indent="0">
-              <a:buNone/>
-            </a:pPr>
-            <a:r>
-              <a:rPr kumimoji="1" lang="ja-JP" altLang="en-US" sz="4800" dirty="0"/>
-              <a:t>試合が止まる原因を作る</a:t>
-            </a:r>
-            <a:endParaRPr kumimoji="1" lang="en-US" altLang="ja-JP" sz="4800" dirty="0"/>
+              <a:rPr kumimoji="1" lang="ja-JP" altLang="en-US" sz="4800" dirty="0" smtClean="0">
+                <a:solidFill>
+                  <a:schemeClr val="tx1"/>
+                </a:solidFill>
+              </a:rPr>
+              <a:t>試合</a:t>
+            </a:r>
+            <a:r>
+              <a:rPr kumimoji="1" lang="ja-JP" altLang="en-US" sz="4800" dirty="0">
+                <a:solidFill>
+                  <a:schemeClr val="tx1"/>
+                </a:solidFill>
+              </a:rPr>
+              <a:t>が</a:t>
+            </a:r>
+            <a:r>
+              <a:rPr kumimoji="1" lang="ja-JP" altLang="en-US" sz="4800" dirty="0" smtClean="0">
+                <a:solidFill>
+                  <a:schemeClr val="tx1"/>
+                </a:solidFill>
+              </a:rPr>
+              <a:t>止まる</a:t>
+            </a:r>
+            <a:endParaRPr kumimoji="1" lang="en-US" altLang="ja-JP" sz="4800" dirty="0">
+              <a:solidFill>
+                <a:schemeClr val="tx1"/>
+              </a:solidFill>
+            </a:endParaRPr>
           </a:p>
           <a:p>
             <a:endParaRPr kumimoji="1" lang="ja-JP" altLang="en-US" sz="3600" dirty="0"/>
@@ -7800,6 +7836,13 @@
   <p:clrMapOvr>
     <a:masterClrMapping/>
   </p:clrMapOvr>
+  <p:timing>
+    <p:tnLst>
+      <p:par>
+        <p:cTn id="1" dur="indefinite" restart="never" nodeType="tmRoot"/>
+      </p:par>
+    </p:tnLst>
+  </p:timing>
 </p:sld>
 </file>
 
@@ -7862,7 +7905,7 @@
           <a:lstStyle/>
           <a:p>
             <a:r>
-              <a:rPr lang="ja-JP" altLang="en-US" dirty="0">
+              <a:rPr lang="ja-JP" altLang="en-US" b="1" dirty="0">
                 <a:solidFill>
                   <a:schemeClr val="tx1"/>
                 </a:solidFill>
@@ -7871,7 +7914,7 @@
               </a:rPr>
               <a:t>引き分け条件</a:t>
             </a:r>
-            <a:endParaRPr kumimoji="1" lang="ja-JP" altLang="en-US" dirty="0">
+            <a:endParaRPr kumimoji="1" lang="ja-JP" altLang="en-US" b="1" dirty="0">
               <a:solidFill>
                 <a:schemeClr val="tx1"/>
               </a:solidFill>
@@ -7893,7 +7936,7 @@
         </p:nvSpPr>
         <p:spPr>
           <a:xfrm>
-            <a:off x="838200" y="2279311"/>
+            <a:off x="1693564" y="1756616"/>
             <a:ext cx="9147048" cy="906208"/>
           </a:xfrm>
         </p:spPr>
@@ -7907,14 +7950,68 @@
               <a:buNone/>
             </a:pPr>
             <a:r>
-              <a:rPr kumimoji="1" lang="ja-JP" altLang="en-US" sz="3200" dirty="0"/>
-              <a:t>残りターンが０になった時に</a:t>
-            </a:r>
-            <a:r>
-              <a:rPr lang="ja-JP" altLang="en-US" sz="3200" dirty="0"/>
-              <a:t>ハートの持っている数がプレイヤー同士で同じ場合</a:t>
-            </a:r>
-            <a:endParaRPr kumimoji="1" lang="ja-JP" altLang="en-US" sz="3200" dirty="0"/>
+              <a:rPr kumimoji="1" lang="ja-JP" altLang="en-US" sz="4400" dirty="0">
+                <a:solidFill>
+                  <a:schemeClr val="tx1"/>
+                </a:solidFill>
+              </a:rPr>
+              <a:t>残りターンが０になった時</a:t>
+            </a:r>
+            <a:r>
+              <a:rPr kumimoji="1" lang="ja-JP" altLang="en-US" sz="4400" dirty="0" smtClean="0">
+                <a:solidFill>
+                  <a:schemeClr val="tx1"/>
+                </a:solidFill>
+              </a:rPr>
+              <a:t>に</a:t>
+            </a:r>
+            <a:endParaRPr kumimoji="1" lang="en-US" altLang="ja-JP" sz="4400" dirty="0" smtClean="0">
+              <a:solidFill>
+                <a:schemeClr val="tx1"/>
+              </a:solidFill>
+            </a:endParaRPr>
+          </a:p>
+          <a:p>
+            <a:pPr marL="0" indent="0">
+              <a:buNone/>
+            </a:pPr>
+            <a:r>
+              <a:rPr lang="ja-JP" altLang="en-US" sz="4400" dirty="0" smtClean="0">
+                <a:solidFill>
+                  <a:schemeClr val="tx1"/>
+                </a:solidFill>
+              </a:rPr>
+              <a:t>ハートの</a:t>
+            </a:r>
+            <a:r>
+              <a:rPr lang="ja-JP" altLang="en-US" sz="4400" dirty="0">
+                <a:solidFill>
+                  <a:schemeClr val="tx1"/>
+                </a:solidFill>
+              </a:rPr>
+              <a:t>獲得</a:t>
+            </a:r>
+            <a:r>
+              <a:rPr lang="ja-JP" altLang="en-US" sz="4400" dirty="0" smtClean="0">
+                <a:solidFill>
+                  <a:schemeClr val="tx1"/>
+                </a:solidFill>
+              </a:rPr>
+              <a:t>数が同じ</a:t>
+            </a:r>
+            <a:r>
+              <a:rPr lang="ja-JP" altLang="en-US" sz="4400" dirty="0">
+                <a:solidFill>
+                  <a:schemeClr val="tx1"/>
+                </a:solidFill>
+              </a:rPr>
+              <a:t>場合</a:t>
+            </a:r>
+            <a:endParaRPr kumimoji="1" lang="ja-JP" altLang="en-US" sz="4400" dirty="0">
+              <a:solidFill>
+                <a:schemeClr val="tx1"/>
+              </a:solidFill>
+            </a:endParaRPr>
           </a:p>
         </p:txBody>
       </p:sp>
@@ -8255,6 +8352,13 @@
   <p:clrMapOvr>
     <a:masterClrMapping/>
   </p:clrMapOvr>
+  <p:timing>
+    <p:tnLst>
+      <p:par>
+        <p:cTn id="1" dur="indefinite" restart="never" nodeType="tmRoot"/>
+      </p:par>
+    </p:tnLst>
+  </p:timing>
 </p:sld>
 </file>
 
@@ -8332,18 +8436,86 @@
               <a:buNone/>
             </a:pPr>
             <a:r>
-              <a:rPr kumimoji="1" lang="ja-JP" altLang="en-US" sz="4400" dirty="0"/>
-              <a:t>二回ずつ同じマップで</a:t>
-            </a:r>
-            <a:endParaRPr kumimoji="1" lang="en-US" altLang="ja-JP" sz="4400" dirty="0"/>
+              <a:rPr kumimoji="1" lang="ja-JP" altLang="en-US" sz="4400" dirty="0" smtClean="0">
+                <a:solidFill>
+                  <a:schemeClr val="tx1"/>
+                </a:solidFill>
+              </a:rPr>
+              <a:t>同じ</a:t>
+            </a:r>
+            <a:r>
+              <a:rPr lang="ja-JP" altLang="en-US" sz="4400" dirty="0" smtClean="0">
+                <a:solidFill>
+                  <a:schemeClr val="tx1"/>
+                </a:solidFill>
+              </a:rPr>
+              <a:t>マップで</a:t>
+            </a:r>
+            <a:r>
+              <a:rPr kumimoji="1" lang="ja-JP" altLang="en-US" sz="4400" dirty="0" smtClean="0">
+                <a:solidFill>
+                  <a:schemeClr val="tx1"/>
+                </a:solidFill>
+              </a:rPr>
+              <a:t>先攻</a:t>
+            </a:r>
+            <a:r>
+              <a:rPr kumimoji="1" lang="ja-JP" altLang="en-US" sz="4400" dirty="0">
+                <a:solidFill>
+                  <a:schemeClr val="tx1"/>
+                </a:solidFill>
+              </a:rPr>
+              <a:t>と後攻を</a:t>
+            </a:r>
+            <a:r>
+              <a:rPr kumimoji="1" lang="ja-JP" altLang="en-US" sz="4400" dirty="0" smtClean="0">
+                <a:solidFill>
+                  <a:schemeClr val="tx1"/>
+                </a:solidFill>
+              </a:rPr>
+              <a:t>入れ替えて</a:t>
+            </a:r>
+            <a:endParaRPr kumimoji="1" lang="en-US" altLang="ja-JP" sz="4400" dirty="0" smtClean="0">
+              <a:solidFill>
+                <a:schemeClr val="tx1"/>
+              </a:solidFill>
+            </a:endParaRPr>
           </a:p>
           <a:p>
             <a:pPr marL="0" indent="0">
               <a:buNone/>
             </a:pPr>
             <a:r>
-              <a:rPr kumimoji="1" lang="ja-JP" altLang="en-US" sz="4400" dirty="0"/>
-              <a:t>先攻と後攻を入れ替えて試合をする</a:t>
+              <a:rPr lang="ja-JP" altLang="en-US" sz="4400" dirty="0" smtClean="0">
+                <a:solidFill>
+                  <a:schemeClr val="tx1"/>
+                </a:solidFill>
+              </a:rPr>
+              <a:t>二回</a:t>
+            </a:r>
+            <a:r>
+              <a:rPr lang="ja-JP" altLang="en-US" sz="4400" dirty="0">
+                <a:solidFill>
+                  <a:schemeClr val="tx1"/>
+                </a:solidFill>
+              </a:rPr>
+              <a:t>ずつ</a:t>
+            </a:r>
+            <a:r>
+              <a:rPr kumimoji="1" lang="ja-JP" altLang="en-US" sz="4400" dirty="0" smtClean="0">
+                <a:solidFill>
+                  <a:schemeClr val="tx1"/>
+                </a:solidFill>
+              </a:rPr>
+              <a:t>試合</a:t>
+            </a:r>
+            <a:r>
+              <a:rPr kumimoji="1" lang="ja-JP" altLang="en-US" sz="4400" dirty="0">
+                <a:solidFill>
+                  <a:schemeClr val="tx1"/>
+                </a:solidFill>
+              </a:rPr>
+              <a:t>をする</a:t>
             </a:r>
           </a:p>
         </p:txBody>
@@ -8399,6 +8571,13 @@
   <p:clrMapOvr>
     <a:masterClrMapping/>
   </p:clrMapOvr>
+  <p:timing>
+    <p:tnLst>
+      <p:par>
+        <p:cTn id="1" dur="indefinite" restart="never" nodeType="tmRoot"/>
+      </p:par>
+    </p:tnLst>
+  </p:timing>
 </p:sld>
 </file>
 
@@ -8462,13 +8641,13 @@
         </p:nvSpPr>
         <p:spPr>
           <a:xfrm>
-            <a:off x="2249382" y="2843058"/>
-            <a:ext cx="10972800" cy="3456384"/>
+            <a:off x="2127462" y="2385858"/>
+            <a:ext cx="6848898" cy="905982"/>
           </a:xfrm>
         </p:spPr>
         <p:txBody>
           <a:bodyPr>
-            <a:normAutofit/>
+            <a:normAutofit lnSpcReduction="10000"/>
           </a:bodyPr>
           <a:lstStyle/>
           <a:p>
@@ -8476,9 +8655,200 @@
               <a:buNone/>
             </a:pPr>
             <a:r>
-              <a:rPr kumimoji="1" lang="ja-JP" altLang="en-US" sz="5400" dirty="0"/>
-              <a:t>２回とも勝ったら勝利</a:t>
-            </a:r>
+              <a:rPr kumimoji="1" lang="ja-JP" altLang="en-US" sz="5400" dirty="0" smtClean="0">
+                <a:solidFill>
+                  <a:schemeClr val="tx1"/>
+                </a:solidFill>
+              </a:rPr>
+              <a:t>最大三回対戦を行う</a:t>
+            </a:r>
+            <a:endParaRPr kumimoji="1" lang="en-US" altLang="ja-JP" sz="5400" dirty="0" smtClean="0">
+              <a:solidFill>
+                <a:schemeClr val="tx1"/>
+              </a:solidFill>
+            </a:endParaRPr>
+          </a:p>
+          <a:p>
+            <a:pPr marL="0" indent="0">
+              <a:buNone/>
+            </a:pPr>
+            <a:endParaRPr kumimoji="1" lang="en-US" altLang="ja-JP" sz="5400" dirty="0" smtClean="0">
+              <a:solidFill>
+                <a:schemeClr val="tx1"/>
+              </a:solidFill>
+            </a:endParaRPr>
+          </a:p>
+          <a:p>
+            <a:pPr marL="0" indent="0">
+              <a:buNone/>
+            </a:pPr>
+            <a:endParaRPr lang="en-US" altLang="ja-JP" sz="5400" dirty="0">
+              <a:solidFill>
+                <a:schemeClr val="tx1"/>
+              </a:solidFill>
+            </a:endParaRPr>
+          </a:p>
+          <a:p>
+            <a:pPr marL="0" indent="0">
+              <a:buNone/>
+            </a:pPr>
+            <a:endParaRPr kumimoji="1" lang="ja-JP" altLang="en-US" sz="5400" dirty="0">
+              <a:solidFill>
+                <a:schemeClr val="tx1"/>
+              </a:solidFill>
+            </a:endParaRPr>
+          </a:p>
+        </p:txBody>
+      </p:sp>
+      <p:sp>
+        <p:nvSpPr>
+          <p:cNvPr id="4" name="テキスト ボックス 3"/>
+          <p:cNvSpPr txBox="1"/>
+          <p:nvPr/>
+        </p:nvSpPr>
+        <p:spPr>
+          <a:xfrm>
+            <a:off x="839374" y="3971031"/>
+            <a:ext cx="4075218" cy="830997"/>
+          </a:xfrm>
+          <a:prstGeom prst="rect">
+            <a:avLst/>
+          </a:prstGeom>
+          <a:noFill/>
+        </p:spPr>
+        <p:txBody>
+          <a:bodyPr wrap="square" rtlCol="0">
+            <a:spAutoFit/>
+          </a:bodyPr>
+          <a:lstStyle/>
+          <a:p>
+            <a:r>
+              <a:rPr kumimoji="1" lang="ja-JP" altLang="en-US" sz="4800" dirty="0" smtClean="0"/>
+              <a:t>先に二回勝つ</a:t>
+            </a:r>
+            <a:endParaRPr kumimoji="1" lang="ja-JP" altLang="en-US" sz="4800" dirty="0"/>
+          </a:p>
+        </p:txBody>
+      </p:sp>
+      <p:sp>
+        <p:nvSpPr>
+          <p:cNvPr id="5" name="右矢印 4"/>
+          <p:cNvSpPr/>
+          <p:nvPr/>
+        </p:nvSpPr>
+        <p:spPr>
+          <a:xfrm>
+            <a:off x="4914592" y="3971031"/>
+            <a:ext cx="1996440" cy="716280"/>
+          </a:xfrm>
+          <a:prstGeom prst="rightArrow">
+            <a:avLst/>
+          </a:prstGeom>
+          <a:solidFill>
+            <a:srgbClr val="0070C0"/>
+          </a:solidFill>
+        </p:spPr>
+        <p:style>
+          <a:lnRef idx="2">
+            <a:schemeClr val="accent1">
+              <a:shade val="50000"/>
+            </a:schemeClr>
+          </a:lnRef>
+          <a:fillRef idx="1">
+            <a:schemeClr val="accent1"/>
+          </a:fillRef>
+          <a:effectRef idx="0">
+            <a:schemeClr val="accent1"/>
+          </a:effectRef>
+          <a:fontRef idx="minor">
+            <a:schemeClr val="lt1"/>
+          </a:fontRef>
+        </p:style>
+        <p:txBody>
+          <a:bodyPr rtlCol="0" anchor="ctr"/>
+          <a:lstStyle/>
+          <a:p>
+            <a:pPr algn="ctr"/>
+            <a:endParaRPr kumimoji="1" lang="ja-JP" altLang="en-US"/>
+          </a:p>
+        </p:txBody>
+      </p:sp>
+      <p:sp>
+        <p:nvSpPr>
+          <p:cNvPr id="6" name="正方形/長方形 5"/>
+          <p:cNvSpPr/>
+          <p:nvPr/>
+        </p:nvSpPr>
+        <p:spPr>
+          <a:xfrm>
+            <a:off x="7119522" y="3601699"/>
+            <a:ext cx="2646878" cy="1569660"/>
+          </a:xfrm>
+          <a:prstGeom prst="rect">
+            <a:avLst/>
+          </a:prstGeom>
+          <a:noFill/>
+        </p:spPr>
+        <p:txBody>
+          <a:bodyPr wrap="none" lIns="91440" tIns="45720" rIns="91440" bIns="45720">
+            <a:spAutoFit/>
+          </a:bodyPr>
+          <a:lstStyle/>
+          <a:p>
+            <a:pPr algn="ctr"/>
+            <a:r>
+              <a:rPr lang="ja-JP" altLang="en-US" sz="9600" b="0" cap="none" spc="0" dirty="0" smtClean="0">
+                <a:ln w="0"/>
+                <a:gradFill>
+                  <a:gsLst>
+                    <a:gs pos="0">
+                      <a:schemeClr val="accent5">
+                        <a:lumMod val="50000"/>
+                      </a:schemeClr>
+                    </a:gs>
+                    <a:gs pos="50000">
+                      <a:schemeClr val="accent5"/>
+                    </a:gs>
+                    <a:gs pos="100000">
+                      <a:schemeClr val="accent5">
+                        <a:lumMod val="60000"/>
+                        <a:lumOff val="40000"/>
+                      </a:schemeClr>
+                    </a:gs>
+                  </a:gsLst>
+                  <a:lin ang="5400000"/>
+                </a:gradFill>
+                <a:effectLst>
+                  <a:reflection blurRad="6350" stA="53000" endA="300" endPos="35500" dir="5400000" sy="-90000" algn="bl" rotWithShape="0"/>
+                </a:effectLst>
+              </a:rPr>
+              <a:t>勝者</a:t>
+            </a:r>
+            <a:endParaRPr lang="ja-JP" altLang="en-US" sz="9600" b="0" cap="none" spc="0" dirty="0">
+              <a:ln w="0"/>
+              <a:gradFill>
+                <a:gsLst>
+                  <a:gs pos="0">
+                    <a:schemeClr val="accent5">
+                      <a:lumMod val="50000"/>
+                    </a:schemeClr>
+                  </a:gs>
+                  <a:gs pos="50000">
+                    <a:schemeClr val="accent5"/>
+                  </a:gs>
+                  <a:gs pos="100000">
+                    <a:schemeClr val="accent5">
+                      <a:lumMod val="60000"/>
+                      <a:lumOff val="40000"/>
+                    </a:schemeClr>
+                  </a:gs>
+                </a:gsLst>
+                <a:lin ang="5400000"/>
+              </a:gradFill>
+              <a:effectLst>
+                <a:reflection blurRad="6350" stA="53000" endA="300" endPos="35500" dir="5400000" sy="-90000" algn="bl" rotWithShape="0"/>
+              </a:effectLst>
+            </a:endParaRPr>
           </a:p>
         </p:txBody>
       </p:sp>
@@ -8492,6 +8862,13 @@
   <p:clrMapOvr>
     <a:masterClrMapping/>
   </p:clrMapOvr>
+  <p:timing>
+    <p:tnLst>
+      <p:par>
+        <p:cTn id="1" dur="indefinite" restart="never" nodeType="tmRoot"/>
+      </p:par>
+    </p:tnLst>
+  </p:timing>
 </p:sld>
 </file>
 
@@ -8524,12 +8901,14 @@
         </p:nvSpPr>
         <p:spPr>
           <a:xfrm>
-            <a:off x="839375" y="492659"/>
-            <a:ext cx="4334272" cy="1143000"/>
+            <a:off x="839374" y="492659"/>
+            <a:ext cx="6826346" cy="1143000"/>
           </a:xfrm>
         </p:spPr>
         <p:txBody>
-          <a:bodyPr/>
+          <a:bodyPr>
+            <a:normAutofit/>
+          </a:bodyPr>
           <a:lstStyle/>
           <a:p>
             <a:r>
@@ -8538,8 +8917,68 @@
                   <a:schemeClr val="tx1"/>
                 </a:solidFill>
               </a:rPr>
-              <a:t>対戦形式</a:t>
-            </a:r>
+              <a:t>対戦</a:t>
+            </a:r>
+            <a:r>
+              <a:rPr kumimoji="1" lang="ja-JP" altLang="en-US" b="1" dirty="0" smtClean="0">
+                <a:solidFill>
+                  <a:schemeClr val="tx1"/>
+                </a:solidFill>
+              </a:rPr>
+              <a:t>形式　</a:t>
+            </a:r>
+            <a:r>
+              <a:rPr lang="ja-JP" altLang="en-US" sz="2800" dirty="0" smtClean="0">
+                <a:solidFill>
+                  <a:schemeClr val="tx1"/>
+                </a:solidFill>
+              </a:rPr>
+              <a:t>一勝</a:t>
+            </a:r>
+            <a:r>
+              <a:rPr lang="ja-JP" altLang="en-US" sz="2800" dirty="0">
+                <a:solidFill>
+                  <a:schemeClr val="tx1"/>
+                </a:solidFill>
+              </a:rPr>
+              <a:t>一敗の</a:t>
+            </a:r>
+            <a:r>
+              <a:rPr lang="ja-JP" altLang="en-US" sz="2800" dirty="0" smtClean="0">
+                <a:solidFill>
+                  <a:schemeClr val="tx1"/>
+                </a:solidFill>
+              </a:rPr>
+              <a:t>ときは</a:t>
+            </a:r>
+            <a:r>
+              <a:rPr lang="ja-JP" altLang="en-US" sz="2800" dirty="0">
+                <a:solidFill>
+                  <a:schemeClr val="tx1"/>
+                </a:solidFill>
+              </a:rPr>
+              <a:t>・・・</a:t>
+            </a:r>
+            <a:r>
+              <a:rPr lang="en-US" altLang="ja-JP" sz="2800" dirty="0">
+                <a:solidFill>
+                  <a:schemeClr val="tx1"/>
+                </a:solidFill>
+              </a:rPr>
+              <a:t/>
+            </a:r>
+            <a:br>
+              <a:rPr lang="en-US" altLang="ja-JP" sz="2800" dirty="0">
+                <a:solidFill>
+                  <a:schemeClr val="tx1"/>
+                </a:solidFill>
+              </a:rPr>
+            </a:br>
+            <a:endParaRPr kumimoji="1" lang="ja-JP" altLang="en-US" sz="2800" b="1" dirty="0">
+              <a:solidFill>
+                <a:schemeClr val="tx1"/>
+              </a:solidFill>
+            </a:endParaRPr>
           </a:p>
         </p:txBody>
       </p:sp>
@@ -8555,7 +8994,7 @@
         </p:nvSpPr>
         <p:spPr>
           <a:xfrm>
-            <a:off x="1155654" y="1863152"/>
+            <a:off x="839374" y="1518531"/>
             <a:ext cx="11905323" cy="3456384"/>
           </a:xfrm>
         </p:spPr>
@@ -8568,49 +9007,63 @@
             <a:pPr marL="0" indent="0">
               <a:buNone/>
             </a:pPr>
-            <a:r>
-              <a:rPr kumimoji="1" lang="ja-JP" altLang="en-US" sz="4000" dirty="0"/>
-              <a:t>一勝</a:t>
-            </a:r>
-            <a:r>
-              <a:rPr lang="ja-JP" altLang="en-US" sz="4000" dirty="0"/>
-              <a:t>一敗のときは・・・</a:t>
-            </a:r>
-            <a:endParaRPr lang="en-US" altLang="ja-JP" sz="4000" dirty="0"/>
+            <a:endParaRPr lang="en-US" altLang="ja-JP" sz="4000" dirty="0">
+              <a:solidFill>
+                <a:schemeClr val="tx1"/>
+              </a:solidFill>
+            </a:endParaRPr>
           </a:p>
           <a:p>
             <a:pPr marL="0" indent="0">
               <a:buNone/>
             </a:pPr>
-            <a:endParaRPr lang="en-US" altLang="ja-JP" sz="4000" dirty="0"/>
+            <a:r>
+              <a:rPr lang="ja-JP" altLang="en-US" sz="4800" dirty="0">
+                <a:solidFill>
+                  <a:schemeClr val="tx1"/>
+                </a:solidFill>
+              </a:rPr>
+              <a:t>壁を置いて相手を埋めて</a:t>
+            </a:r>
+            <a:endParaRPr lang="en-US" altLang="ja-JP" sz="4800" dirty="0">
+              <a:solidFill>
+                <a:schemeClr val="tx1"/>
+              </a:solidFill>
+            </a:endParaRPr>
           </a:p>
           <a:p>
             <a:pPr marL="0" indent="0">
               <a:buNone/>
             </a:pPr>
             <a:r>
-              <a:rPr lang="ja-JP" altLang="en-US" sz="4800" dirty="0"/>
-              <a:t>壁を置いて相手を埋めて</a:t>
-            </a:r>
-            <a:endParaRPr lang="en-US" altLang="ja-JP" sz="4800" dirty="0"/>
-          </a:p>
-          <a:p>
-            <a:pPr marL="0" indent="0">
-              <a:buNone/>
-            </a:pPr>
-            <a:r>
-              <a:rPr lang="ja-JP" altLang="en-US" sz="4800" dirty="0"/>
+              <a:rPr lang="ja-JP" altLang="en-US" sz="4800" dirty="0">
+                <a:solidFill>
+                  <a:schemeClr val="tx1"/>
+                </a:solidFill>
+              </a:rPr>
               <a:t>勝った回数（</a:t>
             </a:r>
             <a:r>
-              <a:rPr lang="en-US" altLang="ja-JP" sz="4800" dirty="0"/>
+              <a:rPr lang="en-US" altLang="ja-JP" sz="4800" dirty="0">
+                <a:solidFill>
+                  <a:schemeClr val="tx1"/>
+                </a:solidFill>
+              </a:rPr>
               <a:t>put</a:t>
             </a:r>
             <a:r>
-              <a:rPr lang="ja-JP" altLang="en-US" sz="4800" dirty="0"/>
+              <a:rPr lang="ja-JP" altLang="en-US" sz="4800" dirty="0">
+                <a:solidFill>
+                  <a:schemeClr val="tx1"/>
+                </a:solidFill>
+              </a:rPr>
               <a:t>勝ち）の多い方が勝利</a:t>
             </a:r>
-            <a:endParaRPr kumimoji="1" lang="en-US" altLang="ja-JP" sz="4800" dirty="0"/>
+            <a:endParaRPr kumimoji="1" lang="en-US" altLang="ja-JP" sz="4800" dirty="0">
+              <a:solidFill>
+                <a:schemeClr val="tx1"/>
+              </a:solidFill>
+            </a:endParaRPr>
           </a:p>
         </p:txBody>
       </p:sp>
@@ -8637,7 +9090,7 @@
         </p:blipFill>
         <p:spPr bwMode="auto">
           <a:xfrm>
-            <a:off x="8699500" y="1646166"/>
+            <a:off x="4828540" y="4404606"/>
             <a:ext cx="2103438" cy="2152650"/>
           </a:xfrm>
           <a:prstGeom prst="rect">
@@ -8688,6 +9141,13 @@
   <p:clrMapOvr>
     <a:masterClrMapping/>
   </p:clrMapOvr>
+  <p:timing>
+    <p:tnLst>
+      <p:par>
+        <p:cTn id="1" dur="indefinite" restart="never" nodeType="tmRoot"/>
+      </p:par>
+    </p:tnLst>
+  </p:timing>
 </p:sld>
 </file>
 
@@ -8721,21 +9181,67 @@
         <p:spPr>
           <a:xfrm>
             <a:off x="839376" y="492661"/>
-            <a:ext cx="4334272" cy="1143000"/>
+            <a:ext cx="6856824" cy="635099"/>
           </a:xfrm>
         </p:spPr>
         <p:txBody>
-          <a:bodyPr/>
+          <a:bodyPr>
+            <a:normAutofit fontScale="90000"/>
+          </a:bodyPr>
           <a:lstStyle/>
           <a:p>
             <a:r>
-              <a:rPr kumimoji="1" lang="ja-JP" altLang="en-US" b="1" dirty="0">
+              <a:rPr kumimoji="1" lang="ja-JP" altLang="en-US" sz="4000" b="1" dirty="0">
                 <a:solidFill>
                   <a:schemeClr val="tx1"/>
                 </a:solidFill>
               </a:rPr>
-              <a:t>対戦形式</a:t>
-            </a:r>
+              <a:t>対戦</a:t>
+            </a:r>
+            <a:r>
+              <a:rPr kumimoji="1" lang="ja-JP" altLang="en-US" sz="4000" b="1" dirty="0" smtClean="0">
+                <a:solidFill>
+                  <a:schemeClr val="tx1"/>
+                </a:solidFill>
+              </a:rPr>
+              <a:t>形式</a:t>
+            </a:r>
+            <a:r>
+              <a:rPr kumimoji="1" lang="ja-JP" altLang="en-US" b="1" dirty="0" smtClean="0">
+                <a:solidFill>
+                  <a:schemeClr val="tx1"/>
+                </a:solidFill>
+              </a:rPr>
+              <a:t>　</a:t>
+            </a:r>
+            <a:r>
+              <a:rPr lang="ja-JP" altLang="en-US" sz="3100" dirty="0">
+                <a:solidFill>
+                  <a:schemeClr val="tx1"/>
+                </a:solidFill>
+              </a:rPr>
+              <a:t>一勝一敗のときは・・・</a:t>
+            </a:r>
+            <a:r>
+              <a:rPr lang="en-US" altLang="ja-JP" sz="3100" dirty="0">
+                <a:solidFill>
+                  <a:schemeClr val="tx1"/>
+                </a:solidFill>
+              </a:rPr>
+              <a:t/>
+            </a:r>
+            <a:br>
+              <a:rPr lang="en-US" altLang="ja-JP" sz="3100" dirty="0">
+                <a:solidFill>
+                  <a:schemeClr val="tx1"/>
+                </a:solidFill>
+              </a:rPr>
+            </a:br>
+            <a:endParaRPr kumimoji="1" lang="ja-JP" altLang="en-US" sz="3100" b="1" dirty="0">
+              <a:solidFill>
+                <a:schemeClr val="tx1"/>
+              </a:solidFill>
+            </a:endParaRPr>
           </a:p>
         </p:txBody>
       </p:sp>
@@ -8765,36 +9271,96 @@
               <a:buNone/>
             </a:pPr>
             <a:r>
-              <a:rPr lang="ja-JP" altLang="en-US" sz="4000" dirty="0"/>
+              <a:rPr lang="ja-JP" altLang="en-US" sz="4000" dirty="0">
+                <a:solidFill>
+                  <a:schemeClr val="tx1"/>
+                </a:solidFill>
+              </a:rPr>
               <a:t>どちらも相手を埋めて勝ったときは・・・</a:t>
             </a:r>
-            <a:endParaRPr lang="en-US" altLang="ja-JP" sz="4000" dirty="0"/>
+            <a:endParaRPr lang="en-US" altLang="ja-JP" sz="4000" dirty="0">
+              <a:solidFill>
+                <a:schemeClr val="tx1"/>
+              </a:solidFill>
+            </a:endParaRPr>
           </a:p>
           <a:p>
             <a:pPr marL="0" indent="0">
               <a:buNone/>
             </a:pPr>
-            <a:endParaRPr lang="en-US" altLang="ja-JP" sz="4000" dirty="0"/>
+            <a:endParaRPr lang="en-US" altLang="ja-JP" sz="4000" dirty="0">
+              <a:solidFill>
+                <a:schemeClr val="tx1"/>
+              </a:solidFill>
+            </a:endParaRPr>
           </a:p>
           <a:p>
             <a:pPr marL="0" indent="0">
               <a:buNone/>
             </a:pPr>
             <a:r>
-              <a:rPr lang="ja-JP" altLang="en-US" sz="4800" dirty="0"/>
+              <a:rPr lang="ja-JP" altLang="en-US" sz="4800" dirty="0">
+                <a:solidFill>
+                  <a:schemeClr val="tx1"/>
+                </a:solidFill>
+              </a:rPr>
               <a:t>　二試合の</a:t>
             </a:r>
-            <a:endParaRPr lang="en-US" altLang="ja-JP" sz="4800" dirty="0"/>
+            <a:endParaRPr lang="en-US" altLang="ja-JP" sz="4800" dirty="0">
+              <a:solidFill>
+                <a:schemeClr val="tx1"/>
+              </a:solidFill>
+            </a:endParaRPr>
           </a:p>
           <a:p>
             <a:pPr marL="0" indent="0">
               <a:buNone/>
             </a:pPr>
             <a:r>
-              <a:rPr lang="ja-JP" altLang="en-US" sz="4800" dirty="0"/>
-              <a:t>　合計ハート取得数の多い方が勝利</a:t>
-            </a:r>
-            <a:endParaRPr kumimoji="1" lang="en-US" altLang="ja-JP" sz="4800" dirty="0"/>
+              <a:rPr lang="ja-JP" altLang="en-US" sz="4800" dirty="0">
+                <a:solidFill>
+                  <a:schemeClr val="tx1"/>
+                </a:solidFill>
+              </a:rPr>
+              <a:t>　合計</a:t>
+            </a:r>
+            <a:r>
+              <a:rPr lang="ja-JP" altLang="en-US" sz="4800" dirty="0" smtClean="0">
+                <a:solidFill>
+                  <a:schemeClr val="tx1"/>
+                </a:solidFill>
+              </a:rPr>
+              <a:t>ハート</a:t>
+            </a:r>
+            <a:r>
+              <a:rPr lang="ja-JP" altLang="en-US" sz="4800" dirty="0">
+                <a:solidFill>
+                  <a:schemeClr val="tx1"/>
+                </a:solidFill>
+              </a:rPr>
+              <a:t>獲得</a:t>
+            </a:r>
+            <a:r>
+              <a:rPr lang="ja-JP" altLang="en-US" sz="4800" dirty="0" smtClean="0">
+                <a:solidFill>
+                  <a:schemeClr val="tx1"/>
+                </a:solidFill>
+              </a:rPr>
+              <a:t>数</a:t>
+            </a:r>
+            <a:r>
+              <a:rPr lang="ja-JP" altLang="en-US" sz="4800" dirty="0">
+                <a:solidFill>
+                  <a:schemeClr val="tx1"/>
+                </a:solidFill>
+              </a:rPr>
+              <a:t>の多い方が勝利</a:t>
+            </a:r>
+            <a:endParaRPr kumimoji="1" lang="en-US" altLang="ja-JP" sz="4800" dirty="0">
+              <a:solidFill>
+                <a:schemeClr val="tx1"/>
+              </a:solidFill>
+            </a:endParaRPr>
           </a:p>
         </p:txBody>
       </p:sp>
@@ -8872,6 +9438,13 @@
   <p:clrMapOvr>
     <a:masterClrMapping/>
   </p:clrMapOvr>
+  <p:timing>
+    <p:tnLst>
+      <p:par>
+        <p:cTn id="1" dur="indefinite" restart="never" nodeType="tmRoot"/>
+      </p:par>
+    </p:tnLst>
+  </p:timing>
 </p:sld>
 </file>
 
@@ -9051,11 +9624,13 @@
         <p:spPr>
           <a:xfrm>
             <a:off x="839374" y="506310"/>
-            <a:ext cx="3514262" cy="1143000"/>
+            <a:ext cx="7527386" cy="1143000"/>
           </a:xfrm>
         </p:spPr>
         <p:txBody>
-          <a:bodyPr/>
+          <a:bodyPr>
+            <a:normAutofit/>
+          </a:bodyPr>
           <a:lstStyle/>
           <a:p>
             <a:r>
@@ -9064,8 +9639,44 @@
                   <a:schemeClr val="tx1"/>
                 </a:solidFill>
               </a:rPr>
-              <a:t>対戦形式</a:t>
-            </a:r>
+              <a:t>対戦</a:t>
+            </a:r>
+            <a:r>
+              <a:rPr kumimoji="1" lang="ja-JP" altLang="en-US" b="1" dirty="0" smtClean="0">
+                <a:solidFill>
+                  <a:schemeClr val="tx1"/>
+                </a:solidFill>
+              </a:rPr>
+              <a:t>形式　</a:t>
+            </a:r>
+            <a:r>
+              <a:rPr lang="ja-JP" altLang="en-US" sz="2700" dirty="0">
+                <a:solidFill>
+                  <a:schemeClr val="tx1"/>
+                </a:solidFill>
+              </a:rPr>
+              <a:t>一勝一敗のときは・・・</a:t>
+            </a:r>
+            <a:r>
+              <a:rPr lang="en-US" altLang="ja-JP" sz="2700" dirty="0">
+                <a:solidFill>
+                  <a:schemeClr val="tx1"/>
+                </a:solidFill>
+              </a:rPr>
+              <a:t/>
+            </a:r>
+            <a:br>
+              <a:rPr lang="en-US" altLang="ja-JP" sz="2700" dirty="0">
+                <a:solidFill>
+                  <a:schemeClr val="tx1"/>
+                </a:solidFill>
+              </a:rPr>
+            </a:br>
+            <a:endParaRPr kumimoji="1" lang="ja-JP" altLang="en-US" sz="2700" b="1" dirty="0">
+              <a:solidFill>
+                <a:schemeClr val="tx1"/>
+              </a:solidFill>
+            </a:endParaRPr>
           </a:p>
         </p:txBody>
       </p:sp>
@@ -9095,26 +9706,78 @@
               <a:buNone/>
             </a:pPr>
             <a:r>
-              <a:rPr lang="ja-JP" altLang="en-US" sz="4000" dirty="0"/>
-              <a:t>アイテムの取得数も同じときは・・・</a:t>
-            </a:r>
-            <a:endParaRPr lang="en-US" altLang="ja-JP" sz="4000" dirty="0"/>
+              <a:rPr lang="ja-JP" altLang="en-US" sz="4000" dirty="0">
+                <a:solidFill>
+                  <a:schemeClr val="tx1"/>
+                </a:solidFill>
+              </a:rPr>
+              <a:t>アイテム</a:t>
+            </a:r>
+            <a:r>
+              <a:rPr lang="ja-JP" altLang="en-US" sz="4000" dirty="0" smtClean="0">
+                <a:solidFill>
+                  <a:schemeClr val="tx1"/>
+                </a:solidFill>
+              </a:rPr>
+              <a:t>の</a:t>
+            </a:r>
+            <a:r>
+              <a:rPr lang="ja-JP" altLang="en-US" sz="4000" dirty="0">
+                <a:solidFill>
+                  <a:schemeClr val="tx1"/>
+                </a:solidFill>
+              </a:rPr>
+              <a:t>獲得</a:t>
+            </a:r>
+            <a:r>
+              <a:rPr lang="ja-JP" altLang="en-US" sz="4000" dirty="0" smtClean="0">
+                <a:solidFill>
+                  <a:schemeClr val="tx1"/>
+                </a:solidFill>
+              </a:rPr>
+              <a:t>数</a:t>
+            </a:r>
+            <a:r>
+              <a:rPr lang="ja-JP" altLang="en-US" sz="4000" dirty="0">
+                <a:solidFill>
+                  <a:schemeClr val="tx1"/>
+                </a:solidFill>
+              </a:rPr>
+              <a:t>も同じときは・・・</a:t>
+            </a:r>
+            <a:endParaRPr lang="en-US" altLang="ja-JP" sz="4000" dirty="0">
+              <a:solidFill>
+                <a:schemeClr val="tx1"/>
+              </a:solidFill>
+            </a:endParaRPr>
           </a:p>
           <a:p>
             <a:pPr marL="0" indent="0">
               <a:buNone/>
             </a:pPr>
-            <a:endParaRPr lang="en-US" altLang="ja-JP" sz="4000" dirty="0"/>
+            <a:endParaRPr lang="en-US" altLang="ja-JP" sz="4000" dirty="0">
+              <a:solidFill>
+                <a:schemeClr val="tx1"/>
+              </a:solidFill>
+            </a:endParaRPr>
           </a:p>
           <a:p>
             <a:pPr marL="0" indent="0">
               <a:buNone/>
             </a:pPr>
             <a:r>
-              <a:rPr lang="ja-JP" altLang="en-US" sz="6000" dirty="0"/>
+              <a:rPr lang="ja-JP" altLang="en-US" sz="6000" dirty="0">
+                <a:solidFill>
+                  <a:schemeClr val="tx1"/>
+                </a:solidFill>
+              </a:rPr>
               <a:t>　違うマップで再試合</a:t>
             </a:r>
-            <a:endParaRPr lang="en-US" altLang="ja-JP" sz="6000" dirty="0"/>
+            <a:endParaRPr lang="en-US" altLang="ja-JP" sz="6000" dirty="0">
+              <a:solidFill>
+                <a:schemeClr val="tx1"/>
+              </a:solidFill>
+            </a:endParaRPr>
           </a:p>
         </p:txBody>
       </p:sp>
@@ -9128,6 +9791,13 @@
   <p:clrMapOvr>
     <a:masterClrMapping/>
   </p:clrMapOvr>
+  <p:timing>
+    <p:tnLst>
+      <p:par>
+        <p:cTn id="1" dur="indefinite" restart="never" nodeType="tmRoot"/>
+      </p:par>
+    </p:tnLst>
+  </p:timing>
 </p:sld>
 </file>
 
@@ -9169,7 +9839,7 @@
           <a:lstStyle/>
           <a:p>
             <a:r>
-              <a:rPr kumimoji="1" lang="ja-JP" altLang="en-US" dirty="0">
+              <a:rPr kumimoji="1" lang="ja-JP" altLang="en-US" b="1" dirty="0">
                 <a:solidFill>
                   <a:schemeClr val="tx1"/>
                 </a:solidFill>
@@ -9205,44 +9875,88 @@
               <a:buNone/>
             </a:pPr>
             <a:r>
-              <a:rPr lang="ja-JP" altLang="en-US" sz="4000" dirty="0"/>
+              <a:rPr lang="ja-JP" altLang="en-US" sz="4000" dirty="0">
+                <a:solidFill>
+                  <a:schemeClr val="tx1"/>
+                </a:solidFill>
+              </a:rPr>
               <a:t>通信エラーなどで試合が止まったら・・・</a:t>
             </a:r>
-            <a:endParaRPr lang="en-US" altLang="ja-JP" sz="4000" dirty="0"/>
+            <a:endParaRPr lang="en-US" altLang="ja-JP" sz="4000" dirty="0">
+              <a:solidFill>
+                <a:schemeClr val="tx1"/>
+              </a:solidFill>
+            </a:endParaRPr>
           </a:p>
           <a:p>
             <a:pPr marL="0" indent="0">
               <a:buNone/>
             </a:pPr>
-            <a:endParaRPr lang="en-US" altLang="ja-JP" sz="4000" dirty="0"/>
+            <a:endParaRPr lang="en-US" altLang="ja-JP" sz="4000" dirty="0">
+              <a:solidFill>
+                <a:schemeClr val="tx1"/>
+              </a:solidFill>
+            </a:endParaRPr>
           </a:p>
           <a:p>
             <a:pPr marL="0" indent="0">
               <a:buNone/>
             </a:pPr>
             <a:r>
-              <a:rPr lang="ja-JP" altLang="en-US" sz="6000" dirty="0"/>
-              <a:t>　　原因となった方は</a:t>
-            </a:r>
-            <a:endParaRPr lang="en-US" altLang="ja-JP" sz="6000" dirty="0"/>
+              <a:rPr lang="ja-JP" altLang="en-US" sz="6000" dirty="0">
+                <a:solidFill>
+                  <a:schemeClr val="tx1"/>
+                </a:solidFill>
+              </a:rPr>
+              <a:t>　　原因となった</a:t>
+            </a:r>
+            <a:r>
+              <a:rPr lang="ja-JP" altLang="en-US" sz="6000" dirty="0" smtClean="0">
+                <a:solidFill>
+                  <a:schemeClr val="tx1"/>
+                </a:solidFill>
+              </a:rPr>
+              <a:t>方が</a:t>
+            </a:r>
+            <a:endParaRPr lang="en-US" altLang="ja-JP" sz="6000" dirty="0">
+              <a:solidFill>
+                <a:schemeClr val="tx1"/>
+              </a:solidFill>
+            </a:endParaRPr>
           </a:p>
           <a:p>
             <a:pPr marL="0" indent="0">
               <a:buNone/>
             </a:pPr>
             <a:r>
-              <a:rPr lang="ja-JP" altLang="en-US" sz="6000" dirty="0"/>
+              <a:rPr lang="ja-JP" altLang="en-US" sz="6000" dirty="0">
+                <a:solidFill>
+                  <a:schemeClr val="tx1"/>
+                </a:solidFill>
+              </a:rPr>
               <a:t>　　</a:t>
             </a:r>
             <a:r>
-              <a:rPr lang="en-US" altLang="ja-JP" sz="6000" dirty="0"/>
+              <a:rPr lang="en-US" altLang="ja-JP" sz="6000" dirty="0">
+                <a:solidFill>
+                  <a:schemeClr val="tx1"/>
+                </a:solidFill>
+              </a:rPr>
               <a:t>put</a:t>
             </a:r>
             <a:r>
-              <a:rPr lang="ja-JP" altLang="en-US" sz="6000" dirty="0"/>
+              <a:rPr lang="ja-JP" altLang="en-US" sz="6000" dirty="0">
+                <a:solidFill>
+                  <a:schemeClr val="tx1"/>
+                </a:solidFill>
+              </a:rPr>
               <a:t>負け扱いとなる</a:t>
             </a:r>
-            <a:endParaRPr lang="en-US" altLang="ja-JP" sz="6000" dirty="0"/>
+            <a:endParaRPr lang="en-US" altLang="ja-JP" sz="6000" dirty="0">
+              <a:solidFill>
+                <a:schemeClr val="tx1"/>
+              </a:solidFill>
+            </a:endParaRPr>
           </a:p>
         </p:txBody>
       </p:sp>
@@ -9256,6 +9970,13 @@
   <p:clrMapOvr>
     <a:masterClrMapping/>
   </p:clrMapOvr>
+  <p:timing>
+    <p:tnLst>
+      <p:par>
+        <p:cTn id="1" dur="indefinite" restart="never" nodeType="tmRoot"/>
+      </p:par>
+    </p:tnLst>
+  </p:timing>
 </p:sld>
 </file>
 
@@ -9294,7 +10015,7 @@
           <a:lstStyle/>
           <a:p>
             <a:r>
-              <a:rPr kumimoji="1" lang="ja-JP" altLang="en-US" sz="6000" dirty="0">
+              <a:rPr kumimoji="1" lang="ja-JP" altLang="en-US" sz="6000" b="1" dirty="0">
                 <a:solidFill>
                   <a:schemeClr val="accent1">
                     <a:lumMod val="50000"/>
@@ -9318,7 +10039,7 @@
         </p:nvSpPr>
         <p:spPr>
           <a:xfrm>
-            <a:off x="838200" y="2021857"/>
+            <a:off x="1676400" y="2448577"/>
             <a:ext cx="9264588" cy="3624339"/>
           </a:xfrm>
         </p:spPr>
@@ -9332,29 +10053,79 @@
               <a:buNone/>
             </a:pPr>
             <a:r>
-              <a:rPr lang="en-US" altLang="ja-JP" sz="4400" dirty="0" err="1"/>
+              <a:rPr lang="en-US" altLang="ja-JP" sz="4400" dirty="0" err="1">
+                <a:solidFill>
+                  <a:schemeClr val="tx1"/>
+                </a:solidFill>
+              </a:rPr>
               <a:t>CHaser</a:t>
             </a:r>
             <a:r>
-              <a:rPr lang="ja-JP" altLang="en-US" sz="4400" dirty="0"/>
-              <a:t>は、簡単に見えて結構奥が深いゲームです。</a:t>
-            </a:r>
-            <a:endParaRPr lang="en-US" altLang="ja-JP" sz="4400" dirty="0"/>
+              <a:rPr lang="ja-JP" altLang="en-US" sz="4400" dirty="0">
+                <a:solidFill>
+                  <a:schemeClr val="tx1"/>
+                </a:solidFill>
+              </a:rPr>
+              <a:t>は</a:t>
+            </a:r>
+            <a:r>
+              <a:rPr lang="ja-JP" altLang="en-US" sz="4400" dirty="0" smtClean="0">
+                <a:solidFill>
+                  <a:schemeClr val="tx1"/>
+                </a:solidFill>
+              </a:rPr>
+              <a:t>、奥</a:t>
+            </a:r>
+            <a:r>
+              <a:rPr lang="ja-JP" altLang="en-US" sz="4400" dirty="0">
+                <a:solidFill>
+                  <a:schemeClr val="tx1"/>
+                </a:solidFill>
+              </a:rPr>
+              <a:t>が深いゲームです。</a:t>
+            </a:r>
+            <a:endParaRPr lang="en-US" altLang="ja-JP" sz="4400" dirty="0">
+              <a:solidFill>
+                <a:schemeClr val="tx1"/>
+              </a:solidFill>
+            </a:endParaRPr>
           </a:p>
           <a:p>
             <a:pPr marL="0" indent="0">
               <a:buNone/>
             </a:pPr>
             <a:r>
-              <a:rPr lang="ja-JP" altLang="en-US" sz="4400" dirty="0"/>
-              <a:t>様々な戦術を考え、コードにしていき、より良いプログラムを目指していくことができます。</a:t>
-            </a:r>
-            <a:endParaRPr lang="en-US" altLang="ja-JP" sz="4400" dirty="0"/>
-          </a:p>
-          <a:p>
-            <a:pPr marL="0" indent="0">
-              <a:buNone/>
-            </a:pPr>
+              <a:rPr lang="ja-JP" altLang="en-US" sz="4400" dirty="0" smtClean="0">
+                <a:solidFill>
+                  <a:schemeClr val="tx1"/>
+                </a:solidFill>
+              </a:rPr>
+              <a:t>本戦に向けて、</a:t>
+            </a:r>
+            <a:r>
+              <a:rPr lang="ja-JP" altLang="en-US" sz="4400" dirty="0" smtClean="0">
+                <a:solidFill>
+                  <a:schemeClr val="tx1"/>
+                </a:solidFill>
+              </a:rPr>
+              <a:t>様々</a:t>
+            </a:r>
+            <a:r>
+              <a:rPr lang="ja-JP" altLang="en-US" sz="4400" dirty="0">
+                <a:solidFill>
+                  <a:schemeClr val="tx1"/>
+                </a:solidFill>
+              </a:rPr>
+              <a:t>な戦術を考え</a:t>
+            </a:r>
+            <a:r>
+              <a:rPr lang="ja-JP" altLang="en-US" sz="4400" dirty="0" smtClean="0">
+                <a:solidFill>
+                  <a:schemeClr val="tx1"/>
+                </a:solidFill>
+              </a:rPr>
+              <a:t>、コードを書き換えて行きましょう。</a:t>
+            </a:r>
             <a:endParaRPr lang="en-US" altLang="ja-JP" sz="3200" dirty="0"/>
           </a:p>
         </p:txBody>
@@ -9369,6 +10140,13 @@
   <p:clrMapOvr>
     <a:masterClrMapping/>
   </p:clrMapOvr>
+  <p:timing>
+    <p:tnLst>
+      <p:par>
+        <p:cTn id="1" dur="indefinite" restart="never" nodeType="tmRoot"/>
+      </p:par>
+    </p:tnLst>
+  </p:timing>
 </p:sld>
 </file>
 
@@ -10397,7 +11175,7 @@
         </p:nvSpPr>
         <p:spPr>
           <a:xfrm>
-            <a:off x="6561457" y="4175487"/>
+            <a:off x="6656163" y="4163456"/>
             <a:ext cx="4099648" cy="369332"/>
           </a:xfrm>
           <a:prstGeom prst="rect">
@@ -10417,7 +11195,11 @@
             </a:r>
             <a:r>
               <a:rPr lang="ja-JP" altLang="en-US" dirty="0"/>
-              <a:t>１ターンずつ減る</a:t>
+              <a:t>１</a:t>
+            </a:r>
+            <a:r>
+              <a:rPr lang="ja-JP" altLang="en-US" dirty="0" smtClean="0"/>
+              <a:t>ターン減る</a:t>
             </a:r>
             <a:endParaRPr kumimoji="1" lang="ja-JP" altLang="en-US" dirty="0"/>
           </a:p>
@@ -10688,21 +11470,21 @@
                 <a:gridCol w="487722">
                   <a:extLst>
                     <a:ext uri="{9D8B030D-6E8A-4147-A177-3AD203B41FA5}">
-                      <a16:colId xmlns:a16="http://schemas.microsoft.com/office/drawing/2014/main" xmlns="" val="2712960937"/>
+                      <a16:colId xmlns="" xmlns:a16="http://schemas.microsoft.com/office/drawing/2014/main" val="2712960937"/>
                     </a:ext>
                   </a:extLst>
                 </a:gridCol>
                 <a:gridCol w="487722">
                   <a:extLst>
                     <a:ext uri="{9D8B030D-6E8A-4147-A177-3AD203B41FA5}">
-                      <a16:colId xmlns:a16="http://schemas.microsoft.com/office/drawing/2014/main" xmlns="" val="1352865225"/>
+                      <a16:colId xmlns="" xmlns:a16="http://schemas.microsoft.com/office/drawing/2014/main" val="1352865225"/>
                     </a:ext>
                   </a:extLst>
                 </a:gridCol>
                 <a:gridCol w="487722">
                   <a:extLst>
                     <a:ext uri="{9D8B030D-6E8A-4147-A177-3AD203B41FA5}">
-                      <a16:colId xmlns:a16="http://schemas.microsoft.com/office/drawing/2014/main" xmlns="" val="455385180"/>
+                      <a16:colId xmlns="" xmlns:a16="http://schemas.microsoft.com/office/drawing/2014/main" val="455385180"/>
                     </a:ext>
                   </a:extLst>
                 </a:gridCol>
@@ -10919,7 +11701,7 @@
                 </a:tc>
                 <a:extLst>
                   <a:ext uri="{0D108BD9-81ED-4DB2-BD59-A6C34878D82A}">
-                    <a16:rowId xmlns:a16="http://schemas.microsoft.com/office/drawing/2014/main" xmlns="" val="1301424847"/>
+                    <a16:rowId xmlns="" xmlns:a16="http://schemas.microsoft.com/office/drawing/2014/main" val="1301424847"/>
                   </a:ext>
                 </a:extLst>
               </a:tr>
@@ -11130,7 +11912,7 @@
                 </a:tc>
                 <a:extLst>
                   <a:ext uri="{0D108BD9-81ED-4DB2-BD59-A6C34878D82A}">
-                    <a16:rowId xmlns:a16="http://schemas.microsoft.com/office/drawing/2014/main" xmlns="" val="3667364987"/>
+                    <a16:rowId xmlns="" xmlns:a16="http://schemas.microsoft.com/office/drawing/2014/main" val="3667364987"/>
                   </a:ext>
                 </a:extLst>
               </a:tr>
@@ -11344,7 +12126,7 @@
                 </a:tc>
                 <a:extLst>
                   <a:ext uri="{0D108BD9-81ED-4DB2-BD59-A6C34878D82A}">
-                    <a16:rowId xmlns:a16="http://schemas.microsoft.com/office/drawing/2014/main" xmlns="" val="2169824223"/>
+                    <a16:rowId xmlns="" xmlns:a16="http://schemas.microsoft.com/office/drawing/2014/main" val="2169824223"/>
                   </a:ext>
                 </a:extLst>
               </a:tr>
@@ -11488,21 +12270,21 @@
                 <a:gridCol w="487722">
                   <a:extLst>
                     <a:ext uri="{9D8B030D-6E8A-4147-A177-3AD203B41FA5}">
-                      <a16:colId xmlns:a16="http://schemas.microsoft.com/office/drawing/2014/main" xmlns="" val="2712960937"/>
+                      <a16:colId xmlns="" xmlns:a16="http://schemas.microsoft.com/office/drawing/2014/main" val="2712960937"/>
                     </a:ext>
                   </a:extLst>
                 </a:gridCol>
                 <a:gridCol w="487722">
                   <a:extLst>
                     <a:ext uri="{9D8B030D-6E8A-4147-A177-3AD203B41FA5}">
-                      <a16:colId xmlns:a16="http://schemas.microsoft.com/office/drawing/2014/main" xmlns="" val="1352865225"/>
+                      <a16:colId xmlns="" xmlns:a16="http://schemas.microsoft.com/office/drawing/2014/main" val="1352865225"/>
                     </a:ext>
                   </a:extLst>
                 </a:gridCol>
                 <a:gridCol w="487722">
                   <a:extLst>
                     <a:ext uri="{9D8B030D-6E8A-4147-A177-3AD203B41FA5}">
-                      <a16:colId xmlns:a16="http://schemas.microsoft.com/office/drawing/2014/main" xmlns="" val="455385180"/>
+                      <a16:colId xmlns="" xmlns:a16="http://schemas.microsoft.com/office/drawing/2014/main" val="455385180"/>
                     </a:ext>
                   </a:extLst>
                 </a:gridCol>
@@ -11710,7 +12492,7 @@
                 </a:tc>
                 <a:extLst>
                   <a:ext uri="{0D108BD9-81ED-4DB2-BD59-A6C34878D82A}">
-                    <a16:rowId xmlns:a16="http://schemas.microsoft.com/office/drawing/2014/main" xmlns="" val="1301424847"/>
+                    <a16:rowId xmlns="" xmlns:a16="http://schemas.microsoft.com/office/drawing/2014/main" val="1301424847"/>
                   </a:ext>
                 </a:extLst>
               </a:tr>
@@ -11915,7 +12697,7 @@
                 </a:tc>
                 <a:extLst>
                   <a:ext uri="{0D108BD9-81ED-4DB2-BD59-A6C34878D82A}">
-                    <a16:rowId xmlns:a16="http://schemas.microsoft.com/office/drawing/2014/main" xmlns="" val="3667364987"/>
+                    <a16:rowId xmlns="" xmlns:a16="http://schemas.microsoft.com/office/drawing/2014/main" val="3667364987"/>
                   </a:ext>
                 </a:extLst>
               </a:tr>
@@ -12120,7 +12902,7 @@
                 </a:tc>
                 <a:extLst>
                   <a:ext uri="{0D108BD9-81ED-4DB2-BD59-A6C34878D82A}">
-                    <a16:rowId xmlns:a16="http://schemas.microsoft.com/office/drawing/2014/main" xmlns="" val="2169824223"/>
+                    <a16:rowId xmlns="" xmlns:a16="http://schemas.microsoft.com/office/drawing/2014/main" val="2169824223"/>
                   </a:ext>
                 </a:extLst>
               </a:tr>
@@ -12176,28 +12958,28 @@
                 <a:gridCol w="488720">
                   <a:extLst>
                     <a:ext uri="{9D8B030D-6E8A-4147-A177-3AD203B41FA5}">
-                      <a16:colId xmlns:a16="http://schemas.microsoft.com/office/drawing/2014/main" xmlns="" val="1726606313"/>
+                      <a16:colId xmlns="" xmlns:a16="http://schemas.microsoft.com/office/drawing/2014/main" val="1726606313"/>
                     </a:ext>
                   </a:extLst>
                 </a:gridCol>
                 <a:gridCol w="488720">
                   <a:extLst>
                     <a:ext uri="{9D8B030D-6E8A-4147-A177-3AD203B41FA5}">
-                      <a16:colId xmlns:a16="http://schemas.microsoft.com/office/drawing/2014/main" xmlns="" val="2000374804"/>
+                      <a16:colId xmlns="" xmlns:a16="http://schemas.microsoft.com/office/drawing/2014/main" val="2000374804"/>
                     </a:ext>
                   </a:extLst>
                 </a:gridCol>
                 <a:gridCol w="488720">
                   <a:extLst>
                     <a:ext uri="{9D8B030D-6E8A-4147-A177-3AD203B41FA5}">
-                      <a16:colId xmlns:a16="http://schemas.microsoft.com/office/drawing/2014/main" xmlns="" val="70356761"/>
+                      <a16:colId xmlns="" xmlns:a16="http://schemas.microsoft.com/office/drawing/2014/main" val="70356761"/>
                     </a:ext>
                   </a:extLst>
                 </a:gridCol>
                 <a:gridCol w="488720">
                   <a:extLst>
                     <a:ext uri="{9D8B030D-6E8A-4147-A177-3AD203B41FA5}">
-                      <a16:colId xmlns:a16="http://schemas.microsoft.com/office/drawing/2014/main" xmlns="" val="1011603094"/>
+                      <a16:colId xmlns="" xmlns:a16="http://schemas.microsoft.com/office/drawing/2014/main" val="1011603094"/>
                     </a:ext>
                   </a:extLst>
                 </a:gridCol>
@@ -12478,7 +13260,7 @@
                 </a:tc>
                 <a:extLst>
                   <a:ext uri="{0D108BD9-81ED-4DB2-BD59-A6C34878D82A}">
-                    <a16:rowId xmlns:a16="http://schemas.microsoft.com/office/drawing/2014/main" xmlns="" val="1583862762"/>
+                    <a16:rowId xmlns="" xmlns:a16="http://schemas.microsoft.com/office/drawing/2014/main" val="1583862762"/>
                   </a:ext>
                 </a:extLst>
               </a:tr>
@@ -12758,7 +13540,7 @@
                 </a:tc>
                 <a:extLst>
                   <a:ext uri="{0D108BD9-81ED-4DB2-BD59-A6C34878D82A}">
-                    <a16:rowId xmlns:a16="http://schemas.microsoft.com/office/drawing/2014/main" xmlns="" val="3367765930"/>
+                    <a16:rowId xmlns="" xmlns:a16="http://schemas.microsoft.com/office/drawing/2014/main" val="3367765930"/>
                   </a:ext>
                 </a:extLst>
               </a:tr>
@@ -13038,7 +13820,7 @@
                 </a:tc>
                 <a:extLst>
                   <a:ext uri="{0D108BD9-81ED-4DB2-BD59-A6C34878D82A}">
-                    <a16:rowId xmlns:a16="http://schemas.microsoft.com/office/drawing/2014/main" xmlns="" val="2433277315"/>
+                    <a16:rowId xmlns="" xmlns:a16="http://schemas.microsoft.com/office/drawing/2014/main" val="2433277315"/>
                   </a:ext>
                 </a:extLst>
               </a:tr>
@@ -13094,21 +13876,21 @@
                 <a:gridCol w="487722">
                   <a:extLst>
                     <a:ext uri="{9D8B030D-6E8A-4147-A177-3AD203B41FA5}">
-                      <a16:colId xmlns:a16="http://schemas.microsoft.com/office/drawing/2014/main" xmlns="" val="2712960937"/>
+                      <a16:colId xmlns="" xmlns:a16="http://schemas.microsoft.com/office/drawing/2014/main" val="2712960937"/>
                     </a:ext>
                   </a:extLst>
                 </a:gridCol>
                 <a:gridCol w="487722">
                   <a:extLst>
                     <a:ext uri="{9D8B030D-6E8A-4147-A177-3AD203B41FA5}">
-                      <a16:colId xmlns:a16="http://schemas.microsoft.com/office/drawing/2014/main" xmlns="" val="1352865225"/>
+                      <a16:colId xmlns="" xmlns:a16="http://schemas.microsoft.com/office/drawing/2014/main" val="1352865225"/>
                     </a:ext>
                   </a:extLst>
                 </a:gridCol>
                 <a:gridCol w="487722">
                   <a:extLst>
                     <a:ext uri="{9D8B030D-6E8A-4147-A177-3AD203B41FA5}">
-                      <a16:colId xmlns:a16="http://schemas.microsoft.com/office/drawing/2014/main" xmlns="" val="455385180"/>
+                      <a16:colId xmlns="" xmlns:a16="http://schemas.microsoft.com/office/drawing/2014/main" val="455385180"/>
                     </a:ext>
                   </a:extLst>
                 </a:gridCol>
@@ -13325,7 +14107,7 @@
                 </a:tc>
                 <a:extLst>
                   <a:ext uri="{0D108BD9-81ED-4DB2-BD59-A6C34878D82A}">
-                    <a16:rowId xmlns:a16="http://schemas.microsoft.com/office/drawing/2014/main" xmlns="" val="1301424847"/>
+                    <a16:rowId xmlns="" xmlns:a16="http://schemas.microsoft.com/office/drawing/2014/main" val="1301424847"/>
                   </a:ext>
                 </a:extLst>
               </a:tr>
@@ -13536,7 +14318,7 @@
                 </a:tc>
                 <a:extLst>
                   <a:ext uri="{0D108BD9-81ED-4DB2-BD59-A6C34878D82A}">
-                    <a16:rowId xmlns:a16="http://schemas.microsoft.com/office/drawing/2014/main" xmlns="" val="3667364987"/>
+                    <a16:rowId xmlns="" xmlns:a16="http://schemas.microsoft.com/office/drawing/2014/main" val="3667364987"/>
                   </a:ext>
                 </a:extLst>
               </a:tr>
@@ -13750,7 +14532,7 @@
                 </a:tc>
                 <a:extLst>
                   <a:ext uri="{0D108BD9-81ED-4DB2-BD59-A6C34878D82A}">
-                    <a16:rowId xmlns:a16="http://schemas.microsoft.com/office/drawing/2014/main" xmlns="" val="2169824223"/>
+                    <a16:rowId xmlns="" xmlns:a16="http://schemas.microsoft.com/office/drawing/2014/main" val="2169824223"/>
                   </a:ext>
                 </a:extLst>
               </a:tr>
@@ -13805,7 +14587,7 @@
                 <a:gridCol w="496324">
                   <a:extLst>
                     <a:ext uri="{9D8B030D-6E8A-4147-A177-3AD203B41FA5}">
-                      <a16:colId xmlns:a16="http://schemas.microsoft.com/office/drawing/2014/main" xmlns="" val="4131415336"/>
+                      <a16:colId xmlns="" xmlns:a16="http://schemas.microsoft.com/office/drawing/2014/main" val="4131415336"/>
                     </a:ext>
                   </a:extLst>
                 </a:gridCol>
@@ -13899,7 +14681,7 @@
                 </a:tc>
                 <a:extLst>
                   <a:ext uri="{0D108BD9-81ED-4DB2-BD59-A6C34878D82A}">
-                    <a16:rowId xmlns:a16="http://schemas.microsoft.com/office/drawing/2014/main" xmlns="" val="1706277807"/>
+                    <a16:rowId xmlns="" xmlns:a16="http://schemas.microsoft.com/office/drawing/2014/main" val="1706277807"/>
                   </a:ext>
                 </a:extLst>
               </a:tr>
@@ -13907,39 +14689,6 @@
           </a:graphicData>
         </a:graphic>
       </p:graphicFrame>
-      <p:sp>
-        <p:nvSpPr>
-          <p:cNvPr id="48" name="テキスト ボックス 47"/>
-          <p:cNvSpPr txBox="1"/>
-          <p:nvPr/>
-        </p:nvSpPr>
-        <p:spPr>
-          <a:xfrm>
-            <a:off x="4191774" y="6161147"/>
-            <a:ext cx="3074437" cy="400110"/>
-          </a:xfrm>
-          <a:prstGeom prst="rect">
-            <a:avLst/>
-          </a:prstGeom>
-          <a:noFill/>
-        </p:spPr>
-        <p:txBody>
-          <a:bodyPr wrap="square" rtlCol="0">
-            <a:spAutoFit/>
-          </a:bodyPr>
-          <a:lstStyle/>
-          <a:p>
-            <a:r>
-              <a:rPr kumimoji="1" lang="en-US" altLang="ja-JP" sz="2000" dirty="0"/>
-              <a:t>※</a:t>
-            </a:r>
-            <a:r>
-              <a:rPr kumimoji="1" lang="ja-JP" altLang="en-US" sz="2000" dirty="0"/>
-              <a:t>　これらは一例です！</a:t>
-            </a:r>
-          </a:p>
-        </p:txBody>
-      </p:sp>
     </p:spTree>
     <p:extLst>
       <p:ext uri="{BB962C8B-B14F-4D97-AF65-F5344CB8AC3E}">
@@ -14098,7 +14847,7 @@
           <p:cNvPr id="10" name="表 9">
             <a:extLst>
               <a:ext uri="{FF2B5EF4-FFF2-40B4-BE49-F238E27FC236}">
-                <a16:creationId xmlns:a16="http://schemas.microsoft.com/office/drawing/2014/main" xmlns="" id="{0A54A222-0D14-47A6-B417-50568EAF6495}"/>
+                <a16:creationId xmlns="" xmlns:a16="http://schemas.microsoft.com/office/drawing/2014/main" id="{0A54A222-0D14-47A6-B417-50568EAF6495}"/>
               </a:ext>
             </a:extLst>
           </p:cNvPr>
@@ -14108,13 +14857,13 @@
           <p:nvPr>
             <p:extLst>
               <p:ext uri="{D42A27DB-BD31-4B8C-83A1-F6EECF244321}">
-                <p14:modId xmlns:p14="http://schemas.microsoft.com/office/powerpoint/2010/main" val="1468604118"/>
+                <p14:modId xmlns:p14="http://schemas.microsoft.com/office/powerpoint/2010/main" val="3821762610"/>
               </p:ext>
             </p:extLst>
           </p:nvPr>
         </p:nvGraphicFramePr>
         <p:xfrm>
-          <a:off x="2837950" y="3005675"/>
+          <a:off x="4057150" y="3005675"/>
           <a:ext cx="2958486" cy="3156798"/>
         </p:xfrm>
         <a:graphic>
@@ -14127,42 +14876,42 @@
                 <a:gridCol w="493081">
                   <a:extLst>
                     <a:ext uri="{9D8B030D-6E8A-4147-A177-3AD203B41FA5}">
-                      <a16:colId xmlns:a16="http://schemas.microsoft.com/office/drawing/2014/main" xmlns="" val="2828972309"/>
+                      <a16:colId xmlns="" xmlns:a16="http://schemas.microsoft.com/office/drawing/2014/main" val="2828972309"/>
                     </a:ext>
                   </a:extLst>
                 </a:gridCol>
                 <a:gridCol w="493081">
                   <a:extLst>
                     <a:ext uri="{9D8B030D-6E8A-4147-A177-3AD203B41FA5}">
-                      <a16:colId xmlns:a16="http://schemas.microsoft.com/office/drawing/2014/main" xmlns="" val="2723691098"/>
+                      <a16:colId xmlns="" xmlns:a16="http://schemas.microsoft.com/office/drawing/2014/main" val="2723691098"/>
                     </a:ext>
                   </a:extLst>
                 </a:gridCol>
                 <a:gridCol w="493081">
                   <a:extLst>
                     <a:ext uri="{9D8B030D-6E8A-4147-A177-3AD203B41FA5}">
-                      <a16:colId xmlns:a16="http://schemas.microsoft.com/office/drawing/2014/main" xmlns="" val="878714757"/>
+                      <a16:colId xmlns="" xmlns:a16="http://schemas.microsoft.com/office/drawing/2014/main" val="878714757"/>
                     </a:ext>
                   </a:extLst>
                 </a:gridCol>
                 <a:gridCol w="493081">
                   <a:extLst>
                     <a:ext uri="{9D8B030D-6E8A-4147-A177-3AD203B41FA5}">
-                      <a16:colId xmlns:a16="http://schemas.microsoft.com/office/drawing/2014/main" xmlns="" val="1913135217"/>
+                      <a16:colId xmlns="" xmlns:a16="http://schemas.microsoft.com/office/drawing/2014/main" val="1913135217"/>
                     </a:ext>
                   </a:extLst>
                 </a:gridCol>
                 <a:gridCol w="493081">
                   <a:extLst>
                     <a:ext uri="{9D8B030D-6E8A-4147-A177-3AD203B41FA5}">
-                      <a16:colId xmlns:a16="http://schemas.microsoft.com/office/drawing/2014/main" xmlns="" val="4201542503"/>
+                      <a16:colId xmlns="" xmlns:a16="http://schemas.microsoft.com/office/drawing/2014/main" val="4201542503"/>
                     </a:ext>
                   </a:extLst>
                 </a:gridCol>
                 <a:gridCol w="493081">
                   <a:extLst>
                     <a:ext uri="{9D8B030D-6E8A-4147-A177-3AD203B41FA5}">
-                      <a16:colId xmlns:a16="http://schemas.microsoft.com/office/drawing/2014/main" xmlns="" val="810969331"/>
+                      <a16:colId xmlns="" xmlns:a16="http://schemas.microsoft.com/office/drawing/2014/main" val="810969331"/>
                     </a:ext>
                   </a:extLst>
                 </a:gridCol>
@@ -14494,7 +15243,7 @@
                 </a:tc>
                 <a:extLst>
                   <a:ext uri="{0D108BD9-81ED-4DB2-BD59-A6C34878D82A}">
-                    <a16:rowId xmlns:a16="http://schemas.microsoft.com/office/drawing/2014/main" xmlns="" val="758828915"/>
+                    <a16:rowId xmlns="" xmlns:a16="http://schemas.microsoft.com/office/drawing/2014/main" val="758828915"/>
                   </a:ext>
                 </a:extLst>
               </a:tr>
@@ -14834,7 +15583,7 @@
                 </a:tc>
                 <a:extLst>
                   <a:ext uri="{0D108BD9-81ED-4DB2-BD59-A6C34878D82A}">
-                    <a16:rowId xmlns:a16="http://schemas.microsoft.com/office/drawing/2014/main" xmlns="" val="999118659"/>
+                    <a16:rowId xmlns="" xmlns:a16="http://schemas.microsoft.com/office/drawing/2014/main" val="999118659"/>
                   </a:ext>
                 </a:extLst>
               </a:tr>
@@ -15171,7 +15920,7 @@
                 </a:tc>
                 <a:extLst>
                   <a:ext uri="{0D108BD9-81ED-4DB2-BD59-A6C34878D82A}">
-                    <a16:rowId xmlns:a16="http://schemas.microsoft.com/office/drawing/2014/main" xmlns="" val="2721425135"/>
+                    <a16:rowId xmlns="" xmlns:a16="http://schemas.microsoft.com/office/drawing/2014/main" val="2721425135"/>
                   </a:ext>
                 </a:extLst>
               </a:tr>
@@ -15511,7 +16260,7 @@
                 </a:tc>
                 <a:extLst>
                   <a:ext uri="{0D108BD9-81ED-4DB2-BD59-A6C34878D82A}">
-                    <a16:rowId xmlns:a16="http://schemas.microsoft.com/office/drawing/2014/main" xmlns="" val="2772929386"/>
+                    <a16:rowId xmlns="" xmlns:a16="http://schemas.microsoft.com/office/drawing/2014/main" val="2772929386"/>
                   </a:ext>
                 </a:extLst>
               </a:tr>
@@ -15842,7 +16591,7 @@
                 </a:tc>
                 <a:extLst>
                   <a:ext uri="{0D108BD9-81ED-4DB2-BD59-A6C34878D82A}">
-                    <a16:rowId xmlns:a16="http://schemas.microsoft.com/office/drawing/2014/main" xmlns="" val="110397529"/>
+                    <a16:rowId xmlns="" xmlns:a16="http://schemas.microsoft.com/office/drawing/2014/main" val="110397529"/>
                   </a:ext>
                 </a:extLst>
               </a:tr>
@@ -16173,7 +16922,7 @@
                 </a:tc>
                 <a:extLst>
                   <a:ext uri="{0D108BD9-81ED-4DB2-BD59-A6C34878D82A}">
-                    <a16:rowId xmlns:a16="http://schemas.microsoft.com/office/drawing/2014/main" xmlns="" val="2753846136"/>
+                    <a16:rowId xmlns="" xmlns:a16="http://schemas.microsoft.com/office/drawing/2014/main" val="2753846136"/>
                   </a:ext>
                 </a:extLst>
               </a:tr>
@@ -16218,7 +16967,7 @@
         <p:spPr>
           <a:xfrm>
             <a:off x="417095" y="1270000"/>
-            <a:ext cx="9560649" cy="1569660"/>
+            <a:ext cx="10479505" cy="1077218"/>
           </a:xfrm>
           <a:prstGeom prst="rect">
             <a:avLst/>
@@ -16249,6 +16998,21 @@
               <a:defRPr/>
             </a:pPr>
             <a:r>
+              <a:rPr kumimoji="1" lang="ja-JP" altLang="en-US" sz="2800" b="0" i="0" u="none" strike="noStrike" kern="1200" cap="none" spc="0" normalizeH="0" baseline="0" noProof="0" dirty="0">
+                <a:ln>
+                  <a:noFill/>
+                </a:ln>
+                <a:solidFill>
+                  <a:prstClr val="black"/>
+                </a:solidFill>
+                <a:effectLst/>
+                <a:uLnTx/>
+                <a:uFillTx/>
+                <a:latin typeface="+mn-ea"/>
+              </a:rPr>
+              <a:t>プレイヤー</a:t>
+            </a:r>
+            <a:r>
               <a:rPr kumimoji="1" lang="ja-JP" altLang="en-US" sz="3200" b="0" i="0" u="none" strike="noStrike" kern="1200" cap="none" spc="0" normalizeH="0" baseline="0" noProof="0" dirty="0">
                 <a:ln>
                   <a:noFill/>
@@ -16259,19 +17023,46 @@
                 <a:effectLst/>
                 <a:uLnTx/>
                 <a:uFillTx/>
-                <a:latin typeface="游ゴシック" panose="020F0502020204030204"/>
-                <a:ea typeface="游ゴシック" panose="020B0400000000000000" pitchFamily="50" charset="-128"/>
-                <a:cs typeface="+mn-cs"/>
+                <a:latin typeface="+mn-ea"/>
               </a:rPr>
-              <a:t>プレイヤーが動く先にハートがあると自動でハートを回収</a:t>
+              <a:t>が動く先にハートがある</a:t>
+            </a:r>
+            <a:r>
+              <a:rPr kumimoji="1" lang="ja-JP" altLang="en-US" sz="3200" b="0" i="0" u="none" strike="noStrike" kern="1200" cap="none" spc="0" normalizeH="0" baseline="0" noProof="0" dirty="0" smtClean="0">
+                <a:ln>
+                  <a:noFill/>
+                </a:ln>
+                <a:solidFill>
+                  <a:prstClr val="black"/>
+                </a:solidFill>
+                <a:effectLst/>
+                <a:uLnTx/>
+                <a:uFillTx/>
+                <a:latin typeface="+mn-ea"/>
+              </a:rPr>
+              <a:t>とハート</a:t>
+            </a:r>
+            <a:r>
+              <a:rPr kumimoji="1" lang="ja-JP" altLang="en-US" sz="3200" b="0" i="0" u="none" strike="noStrike" kern="1200" cap="none" spc="0" normalizeH="0" baseline="0" noProof="0" dirty="0">
+                <a:ln>
+                  <a:noFill/>
+                </a:ln>
+                <a:solidFill>
+                  <a:prstClr val="black"/>
+                </a:solidFill>
+                <a:effectLst/>
+                <a:uLnTx/>
+                <a:uFillTx/>
+                <a:latin typeface="+mn-ea"/>
+              </a:rPr>
+              <a:t>を回収</a:t>
             </a:r>
             <a:r>
               <a:rPr kumimoji="1" lang="ja-JP" altLang="en-US" sz="3200" dirty="0">
                 <a:solidFill>
                   <a:prstClr val="black"/>
                 </a:solidFill>
-                <a:latin typeface="游ゴシック" panose="020F0502020204030204"/>
-                <a:ea typeface="游ゴシック" panose="020B0400000000000000" pitchFamily="50" charset="-128"/>
+                <a:latin typeface="+mn-ea"/>
               </a:rPr>
               <a:t>する</a:t>
             </a:r>
@@ -16285,9 +17076,7 @@
               <a:effectLst/>
               <a:uLnTx/>
               <a:uFillTx/>
-              <a:latin typeface="游ゴシック" panose="020F0502020204030204"/>
-              <a:ea typeface="游ゴシック" panose="020B0400000000000000" pitchFamily="50" charset="-128"/>
-              <a:cs typeface="+mn-cs"/>
+              <a:latin typeface="+mn-ea"/>
             </a:endParaRPr>
           </a:p>
           <a:p>
@@ -16319,11 +17108,33 @@
                 <a:effectLst/>
                 <a:uLnTx/>
                 <a:uFillTx/>
-                <a:latin typeface="游ゴシック" panose="020F0502020204030204"/>
-                <a:ea typeface="游ゴシック" panose="020B0400000000000000" pitchFamily="50" charset="-128"/>
-                <a:cs typeface="+mn-cs"/>
+                <a:latin typeface="+mn-ea"/>
               </a:rPr>
-              <a:t>そのとき、自分のいた場所に必ず壁を置く</a:t>
+              <a:t>そのとき、自分のいた場所に必ず</a:t>
+            </a:r>
+            <a:r>
+              <a:rPr kumimoji="1" lang="ja-JP" altLang="en-US" sz="3200" b="0" i="0" u="none" strike="noStrike" kern="1200" cap="none" spc="0" normalizeH="0" baseline="0" noProof="0" dirty="0" smtClean="0">
+                <a:ln>
+                  <a:noFill/>
+                </a:ln>
+                <a:solidFill>
+                  <a:prstClr val="black"/>
+                </a:solidFill>
+                <a:effectLst/>
+                <a:uLnTx/>
+                <a:uFillTx/>
+                <a:latin typeface="+mn-ea"/>
+              </a:rPr>
+              <a:t>壁</a:t>
+            </a:r>
+            <a:r>
+              <a:rPr kumimoji="1" lang="ja-JP" altLang="en-US" sz="3200" smtClean="0">
+                <a:solidFill>
+                  <a:prstClr val="black"/>
+                </a:solidFill>
+                <a:latin typeface="+mn-ea"/>
+              </a:rPr>
+              <a:t>が設置される</a:t>
             </a:r>
             <a:endParaRPr kumimoji="1" lang="en-US" altLang="ja-JP" sz="3200" b="0" i="0" u="none" strike="noStrike" kern="1200" cap="none" spc="0" normalizeH="0" baseline="0" noProof="0" dirty="0">
               <a:ln>
@@ -16335,9 +17146,7 @@
               <a:effectLst/>
               <a:uLnTx/>
               <a:uFillTx/>
-              <a:latin typeface="游ゴシック" panose="020F0502020204030204"/>
-              <a:ea typeface="游ゴシック" panose="020B0400000000000000" pitchFamily="50" charset="-128"/>
-              <a:cs typeface="+mn-cs"/>
+              <a:latin typeface="+mn-ea"/>
             </a:endParaRPr>
           </a:p>
         </p:txBody>
@@ -16351,13 +17160,13 @@
           <p:nvPr>
             <p:extLst>
               <p:ext uri="{D42A27DB-BD31-4B8C-83A1-F6EECF244321}">
-                <p14:modId xmlns:p14="http://schemas.microsoft.com/office/powerpoint/2010/main" val="3174553947"/>
+                <p14:modId xmlns:p14="http://schemas.microsoft.com/office/powerpoint/2010/main" val="3994500395"/>
               </p:ext>
             </p:extLst>
           </p:nvPr>
         </p:nvGraphicFramePr>
         <p:xfrm>
-          <a:off x="2837950" y="3005675"/>
+          <a:off x="4057150" y="3005675"/>
           <a:ext cx="2958486" cy="3156798"/>
         </p:xfrm>
         <a:graphic>
@@ -16370,42 +17179,42 @@
                 <a:gridCol w="493081">
                   <a:extLst>
                     <a:ext uri="{9D8B030D-6E8A-4147-A177-3AD203B41FA5}">
-                      <a16:colId xmlns:a16="http://schemas.microsoft.com/office/drawing/2014/main" xmlns="" val="2828972309"/>
+                      <a16:colId xmlns="" xmlns:a16="http://schemas.microsoft.com/office/drawing/2014/main" val="2828972309"/>
                     </a:ext>
                   </a:extLst>
                 </a:gridCol>
                 <a:gridCol w="493081">
                   <a:extLst>
                     <a:ext uri="{9D8B030D-6E8A-4147-A177-3AD203B41FA5}">
-                      <a16:colId xmlns:a16="http://schemas.microsoft.com/office/drawing/2014/main" xmlns="" val="2723691098"/>
+                      <a16:colId xmlns="" xmlns:a16="http://schemas.microsoft.com/office/drawing/2014/main" val="2723691098"/>
                     </a:ext>
                   </a:extLst>
                 </a:gridCol>
                 <a:gridCol w="493081">
                   <a:extLst>
                     <a:ext uri="{9D8B030D-6E8A-4147-A177-3AD203B41FA5}">
-                      <a16:colId xmlns:a16="http://schemas.microsoft.com/office/drawing/2014/main" xmlns="" val="878714757"/>
+                      <a16:colId xmlns="" xmlns:a16="http://schemas.microsoft.com/office/drawing/2014/main" val="878714757"/>
                     </a:ext>
                   </a:extLst>
                 </a:gridCol>
                 <a:gridCol w="493081">
                   <a:extLst>
                     <a:ext uri="{9D8B030D-6E8A-4147-A177-3AD203B41FA5}">
-                      <a16:colId xmlns:a16="http://schemas.microsoft.com/office/drawing/2014/main" xmlns="" val="1913135217"/>
+                      <a16:colId xmlns="" xmlns:a16="http://schemas.microsoft.com/office/drawing/2014/main" val="1913135217"/>
                     </a:ext>
                   </a:extLst>
                 </a:gridCol>
                 <a:gridCol w="493081">
                   <a:extLst>
                     <a:ext uri="{9D8B030D-6E8A-4147-A177-3AD203B41FA5}">
-                      <a16:colId xmlns:a16="http://schemas.microsoft.com/office/drawing/2014/main" xmlns="" val="4201542503"/>
+                      <a16:colId xmlns="" xmlns:a16="http://schemas.microsoft.com/office/drawing/2014/main" val="4201542503"/>
                     </a:ext>
                   </a:extLst>
                 </a:gridCol>
                 <a:gridCol w="493081">
                   <a:extLst>
                     <a:ext uri="{9D8B030D-6E8A-4147-A177-3AD203B41FA5}">
-                      <a16:colId xmlns:a16="http://schemas.microsoft.com/office/drawing/2014/main" xmlns="" val="810969331"/>
+                      <a16:colId xmlns="" xmlns:a16="http://schemas.microsoft.com/office/drawing/2014/main" val="810969331"/>
                     </a:ext>
                   </a:extLst>
                 </a:gridCol>
@@ -16737,7 +17546,7 @@
                 </a:tc>
                 <a:extLst>
                   <a:ext uri="{0D108BD9-81ED-4DB2-BD59-A6C34878D82A}">
-                    <a16:rowId xmlns:a16="http://schemas.microsoft.com/office/drawing/2014/main" xmlns="" val="758828915"/>
+                    <a16:rowId xmlns="" xmlns:a16="http://schemas.microsoft.com/office/drawing/2014/main" val="758828915"/>
                   </a:ext>
                 </a:extLst>
               </a:tr>
@@ -17077,7 +17886,7 @@
                 </a:tc>
                 <a:extLst>
                   <a:ext uri="{0D108BD9-81ED-4DB2-BD59-A6C34878D82A}">
-                    <a16:rowId xmlns:a16="http://schemas.microsoft.com/office/drawing/2014/main" xmlns="" val="999118659"/>
+                    <a16:rowId xmlns="" xmlns:a16="http://schemas.microsoft.com/office/drawing/2014/main" val="999118659"/>
                   </a:ext>
                 </a:extLst>
               </a:tr>
@@ -17414,7 +18223,7 @@
                 </a:tc>
                 <a:extLst>
                   <a:ext uri="{0D108BD9-81ED-4DB2-BD59-A6C34878D82A}">
-                    <a16:rowId xmlns:a16="http://schemas.microsoft.com/office/drawing/2014/main" xmlns="" val="2721425135"/>
+                    <a16:rowId xmlns="" xmlns:a16="http://schemas.microsoft.com/office/drawing/2014/main" val="2721425135"/>
                   </a:ext>
                 </a:extLst>
               </a:tr>
@@ -17754,7 +18563,7 @@
                 </a:tc>
                 <a:extLst>
                   <a:ext uri="{0D108BD9-81ED-4DB2-BD59-A6C34878D82A}">
-                    <a16:rowId xmlns:a16="http://schemas.microsoft.com/office/drawing/2014/main" xmlns="" val="2772929386"/>
+                    <a16:rowId xmlns="" xmlns:a16="http://schemas.microsoft.com/office/drawing/2014/main" val="2772929386"/>
                   </a:ext>
                 </a:extLst>
               </a:tr>
@@ -18085,7 +18894,7 @@
                 </a:tc>
                 <a:extLst>
                   <a:ext uri="{0D108BD9-81ED-4DB2-BD59-A6C34878D82A}">
-                    <a16:rowId xmlns:a16="http://schemas.microsoft.com/office/drawing/2014/main" xmlns="" val="110397529"/>
+                    <a16:rowId xmlns="" xmlns:a16="http://schemas.microsoft.com/office/drawing/2014/main" val="110397529"/>
                   </a:ext>
                 </a:extLst>
               </a:tr>
@@ -18416,7 +19225,7 @@
                 </a:tc>
                 <a:extLst>
                   <a:ext uri="{0D108BD9-81ED-4DB2-BD59-A6C34878D82A}">
-                    <a16:rowId xmlns:a16="http://schemas.microsoft.com/office/drawing/2014/main" xmlns="" val="2753846136"/>
+                    <a16:rowId xmlns="" xmlns:a16="http://schemas.microsoft.com/office/drawing/2014/main" val="2753846136"/>
                   </a:ext>
                 </a:extLst>
               </a:tr>
@@ -18439,7 +19248,7 @@
         </p:blipFill>
         <p:spPr>
           <a:xfrm>
-            <a:off x="3812963" y="4069310"/>
+            <a:off x="5032163" y="4069310"/>
             <a:ext cx="504230" cy="514906"/>
           </a:xfrm>
           <a:prstGeom prst="rect">
@@ -18462,7 +19271,7 @@
         </p:blipFill>
         <p:spPr>
           <a:xfrm>
-            <a:off x="3342446" y="4069310"/>
+            <a:off x="4561646" y="4069310"/>
             <a:ext cx="470517" cy="514906"/>
           </a:xfrm>
           <a:prstGeom prst="rect">
@@ -18479,13 +19288,13 @@
           <p:nvPr>
             <p:extLst>
               <p:ext uri="{D42A27DB-BD31-4B8C-83A1-F6EECF244321}">
-                <p14:modId xmlns:p14="http://schemas.microsoft.com/office/powerpoint/2010/main" val="4181307199"/>
+                <p14:modId xmlns:p14="http://schemas.microsoft.com/office/powerpoint/2010/main" val="974673533"/>
               </p:ext>
             </p:extLst>
           </p:nvPr>
         </p:nvGraphicFramePr>
         <p:xfrm>
-          <a:off x="3316639" y="4078608"/>
+          <a:off x="4535839" y="4078608"/>
           <a:ext cx="496324" cy="505466"/>
         </p:xfrm>
         <a:graphic>
@@ -18498,7 +19307,7 @@
                 <a:gridCol w="496324">
                   <a:extLst>
                     <a:ext uri="{9D8B030D-6E8A-4147-A177-3AD203B41FA5}">
-                      <a16:colId xmlns:a16="http://schemas.microsoft.com/office/drawing/2014/main" xmlns="" val="4131415336"/>
+                      <a16:colId xmlns="" xmlns:a16="http://schemas.microsoft.com/office/drawing/2014/main" val="4131415336"/>
                     </a:ext>
                   </a:extLst>
                 </a:gridCol>
@@ -18592,7 +19401,7 @@
                 </a:tc>
                 <a:extLst>
                   <a:ext uri="{0D108BD9-81ED-4DB2-BD59-A6C34878D82A}">
-                    <a16:rowId xmlns:a16="http://schemas.microsoft.com/office/drawing/2014/main" xmlns="" val="1706277807"/>
+                    <a16:rowId xmlns="" xmlns:a16="http://schemas.microsoft.com/office/drawing/2014/main" val="1706277807"/>
                   </a:ext>
                 </a:extLst>
               </a:tr>

--- a/New_U-16.pptx
+++ b/New_U-16.pptx
@@ -7170,6 +7170,13 @@
   <p:clrMapOvr>
     <a:masterClrMapping/>
   </p:clrMapOvr>
+  <p:timing>
+    <p:tnLst>
+      <p:par>
+        <p:cTn id="1" dur="indefinite" restart="never" nodeType="tmRoot"/>
+      </p:par>
+    </p:tnLst>
+  </p:timing>
 </p:sld>
 </file>
 
@@ -7688,6 +7695,13 @@
   <p:clrMapOvr>
     <a:masterClrMapping/>
   </p:clrMapOvr>
+  <p:timing>
+    <p:tnLst>
+      <p:par>
+        <p:cTn id="1" dur="indefinite" restart="never" nodeType="tmRoot"/>
+      </p:par>
+    </p:tnLst>
+  </p:timing>
 </p:sld>
 </file>
 
@@ -7746,8 +7760,8 @@
         </p:nvSpPr>
         <p:spPr>
           <a:xfrm>
-            <a:off x="2600498" y="2028305"/>
-            <a:ext cx="7474527" cy="3300153"/>
+            <a:off x="1574569" y="2637905"/>
+            <a:ext cx="10414462" cy="4220095"/>
           </a:xfrm>
         </p:spPr>
         <p:txBody>
@@ -7760,30 +7774,52 @@
               <a:buNone/>
             </a:pPr>
             <a:r>
-              <a:rPr kumimoji="1" lang="ja-JP" altLang="en-US" sz="4800" dirty="0"/>
-              <a:t>相手が</a:t>
-            </a:r>
-            <a:endParaRPr kumimoji="1" lang="en-US" altLang="ja-JP" sz="4800" dirty="0"/>
+              <a:rPr kumimoji="1" lang="ja-JP" altLang="en-US" sz="4800" dirty="0" smtClean="0">
+                <a:solidFill>
+                  <a:schemeClr val="tx1"/>
+                </a:solidFill>
+              </a:rPr>
+              <a:t>相手の通信エラー、バグなどで</a:t>
+            </a:r>
+            <a:endParaRPr kumimoji="1" lang="en-US" altLang="ja-JP" sz="4800" dirty="0" smtClean="0">
+              <a:solidFill>
+                <a:schemeClr val="tx1"/>
+              </a:solidFill>
+            </a:endParaRPr>
           </a:p>
           <a:p>
             <a:pPr marL="0" indent="0">
               <a:buNone/>
             </a:pPr>
             <a:r>
-              <a:rPr kumimoji="1" lang="ja-JP" altLang="en-US" sz="4800" dirty="0"/>
-              <a:t>通信エラーやバグなどの</a:t>
-            </a:r>
-            <a:endParaRPr kumimoji="1" lang="en-US" altLang="ja-JP" sz="4800" dirty="0"/>
-          </a:p>
-          <a:p>
-            <a:pPr marL="0" indent="0">
-              <a:buNone/>
-            </a:pPr>
-            <a:r>
-              <a:rPr kumimoji="1" lang="ja-JP" altLang="en-US" sz="4800" dirty="0"/>
-              <a:t>試合が止まる原因を作る</a:t>
-            </a:r>
-            <a:endParaRPr kumimoji="1" lang="en-US" altLang="ja-JP" sz="4800" dirty="0"/>
+              <a:rPr kumimoji="1" lang="ja-JP" altLang="en-US" sz="4800" dirty="0" smtClean="0">
+                <a:solidFill>
+                  <a:schemeClr val="tx1"/>
+                </a:solidFill>
+              </a:rPr>
+              <a:t>試合</a:t>
+            </a:r>
+            <a:r>
+              <a:rPr kumimoji="1" lang="ja-JP" altLang="en-US" sz="4800" dirty="0">
+                <a:solidFill>
+                  <a:schemeClr val="tx1"/>
+                </a:solidFill>
+              </a:rPr>
+              <a:t>が</a:t>
+            </a:r>
+            <a:r>
+              <a:rPr kumimoji="1" lang="ja-JP" altLang="en-US" sz="4800" dirty="0" smtClean="0">
+                <a:solidFill>
+                  <a:schemeClr val="tx1"/>
+                </a:solidFill>
+              </a:rPr>
+              <a:t>止まる</a:t>
+            </a:r>
+            <a:endParaRPr kumimoji="1" lang="en-US" altLang="ja-JP" sz="4800" dirty="0">
+              <a:solidFill>
+                <a:schemeClr val="tx1"/>
+              </a:solidFill>
+            </a:endParaRPr>
           </a:p>
           <a:p>
             <a:endParaRPr kumimoji="1" lang="ja-JP" altLang="en-US" sz="3600" dirty="0"/>
@@ -7800,6 +7836,13 @@
   <p:clrMapOvr>
     <a:masterClrMapping/>
   </p:clrMapOvr>
+  <p:timing>
+    <p:tnLst>
+      <p:par>
+        <p:cTn id="1" dur="indefinite" restart="never" nodeType="tmRoot"/>
+      </p:par>
+    </p:tnLst>
+  </p:timing>
 </p:sld>
 </file>
 
@@ -7862,7 +7905,7 @@
           <a:lstStyle/>
           <a:p>
             <a:r>
-              <a:rPr lang="ja-JP" altLang="en-US" dirty="0">
+              <a:rPr lang="ja-JP" altLang="en-US" b="1" dirty="0">
                 <a:solidFill>
                   <a:schemeClr val="tx1"/>
                 </a:solidFill>
@@ -7871,7 +7914,7 @@
               </a:rPr>
               <a:t>引き分け条件</a:t>
             </a:r>
-            <a:endParaRPr kumimoji="1" lang="ja-JP" altLang="en-US" dirty="0">
+            <a:endParaRPr kumimoji="1" lang="ja-JP" altLang="en-US" b="1" dirty="0">
               <a:solidFill>
                 <a:schemeClr val="tx1"/>
               </a:solidFill>
@@ -7893,7 +7936,7 @@
         </p:nvSpPr>
         <p:spPr>
           <a:xfrm>
-            <a:off x="838200" y="2279311"/>
+            <a:off x="1693564" y="1756616"/>
             <a:ext cx="9147048" cy="906208"/>
           </a:xfrm>
         </p:spPr>
@@ -7907,14 +7950,68 @@
               <a:buNone/>
             </a:pPr>
             <a:r>
-              <a:rPr kumimoji="1" lang="ja-JP" altLang="en-US" sz="3200" dirty="0"/>
-              <a:t>残りターンが０になった時に</a:t>
-            </a:r>
-            <a:r>
-              <a:rPr lang="ja-JP" altLang="en-US" sz="3200" dirty="0"/>
-              <a:t>ハートの持っている数がプレイヤー同士で同じ場合</a:t>
-            </a:r>
-            <a:endParaRPr kumimoji="1" lang="ja-JP" altLang="en-US" sz="3200" dirty="0"/>
+              <a:rPr kumimoji="1" lang="ja-JP" altLang="en-US" sz="4400" dirty="0">
+                <a:solidFill>
+                  <a:schemeClr val="tx1"/>
+                </a:solidFill>
+              </a:rPr>
+              <a:t>残りターンが０になった時</a:t>
+            </a:r>
+            <a:r>
+              <a:rPr kumimoji="1" lang="ja-JP" altLang="en-US" sz="4400" dirty="0" smtClean="0">
+                <a:solidFill>
+                  <a:schemeClr val="tx1"/>
+                </a:solidFill>
+              </a:rPr>
+              <a:t>に</a:t>
+            </a:r>
+            <a:endParaRPr kumimoji="1" lang="en-US" altLang="ja-JP" sz="4400" dirty="0" smtClean="0">
+              <a:solidFill>
+                <a:schemeClr val="tx1"/>
+              </a:solidFill>
+            </a:endParaRPr>
+          </a:p>
+          <a:p>
+            <a:pPr marL="0" indent="0">
+              <a:buNone/>
+            </a:pPr>
+            <a:r>
+              <a:rPr lang="ja-JP" altLang="en-US" sz="4400" dirty="0" smtClean="0">
+                <a:solidFill>
+                  <a:schemeClr val="tx1"/>
+                </a:solidFill>
+              </a:rPr>
+              <a:t>ハートの</a:t>
+            </a:r>
+            <a:r>
+              <a:rPr lang="ja-JP" altLang="en-US" sz="4400" dirty="0">
+                <a:solidFill>
+                  <a:schemeClr val="tx1"/>
+                </a:solidFill>
+              </a:rPr>
+              <a:t>獲得</a:t>
+            </a:r>
+            <a:r>
+              <a:rPr lang="ja-JP" altLang="en-US" sz="4400" dirty="0" smtClean="0">
+                <a:solidFill>
+                  <a:schemeClr val="tx1"/>
+                </a:solidFill>
+              </a:rPr>
+              <a:t>数が同じ</a:t>
+            </a:r>
+            <a:r>
+              <a:rPr lang="ja-JP" altLang="en-US" sz="4400" dirty="0">
+                <a:solidFill>
+                  <a:schemeClr val="tx1"/>
+                </a:solidFill>
+              </a:rPr>
+              <a:t>場合</a:t>
+            </a:r>
+            <a:endParaRPr kumimoji="1" lang="ja-JP" altLang="en-US" sz="4400" dirty="0">
+              <a:solidFill>
+                <a:schemeClr val="tx1"/>
+              </a:solidFill>
+            </a:endParaRPr>
           </a:p>
         </p:txBody>
       </p:sp>
@@ -8255,6 +8352,13 @@
   <p:clrMapOvr>
     <a:masterClrMapping/>
   </p:clrMapOvr>
+  <p:timing>
+    <p:tnLst>
+      <p:par>
+        <p:cTn id="1" dur="indefinite" restart="never" nodeType="tmRoot"/>
+      </p:par>
+    </p:tnLst>
+  </p:timing>
 </p:sld>
 </file>
 
@@ -8332,18 +8436,86 @@
               <a:buNone/>
             </a:pPr>
             <a:r>
-              <a:rPr kumimoji="1" lang="ja-JP" altLang="en-US" sz="4400" dirty="0"/>
-              <a:t>二回ずつ同じマップで</a:t>
-            </a:r>
-            <a:endParaRPr kumimoji="1" lang="en-US" altLang="ja-JP" sz="4400" dirty="0"/>
+              <a:rPr kumimoji="1" lang="ja-JP" altLang="en-US" sz="4400" dirty="0" smtClean="0">
+                <a:solidFill>
+                  <a:schemeClr val="tx1"/>
+                </a:solidFill>
+              </a:rPr>
+              <a:t>同じ</a:t>
+            </a:r>
+            <a:r>
+              <a:rPr lang="ja-JP" altLang="en-US" sz="4400" dirty="0" smtClean="0">
+                <a:solidFill>
+                  <a:schemeClr val="tx1"/>
+                </a:solidFill>
+              </a:rPr>
+              <a:t>マップで</a:t>
+            </a:r>
+            <a:r>
+              <a:rPr kumimoji="1" lang="ja-JP" altLang="en-US" sz="4400" dirty="0" smtClean="0">
+                <a:solidFill>
+                  <a:schemeClr val="tx1"/>
+                </a:solidFill>
+              </a:rPr>
+              <a:t>先攻</a:t>
+            </a:r>
+            <a:r>
+              <a:rPr kumimoji="1" lang="ja-JP" altLang="en-US" sz="4400" dirty="0">
+                <a:solidFill>
+                  <a:schemeClr val="tx1"/>
+                </a:solidFill>
+              </a:rPr>
+              <a:t>と後攻を</a:t>
+            </a:r>
+            <a:r>
+              <a:rPr kumimoji="1" lang="ja-JP" altLang="en-US" sz="4400" dirty="0" smtClean="0">
+                <a:solidFill>
+                  <a:schemeClr val="tx1"/>
+                </a:solidFill>
+              </a:rPr>
+              <a:t>入れ替えて</a:t>
+            </a:r>
+            <a:endParaRPr kumimoji="1" lang="en-US" altLang="ja-JP" sz="4400" dirty="0" smtClean="0">
+              <a:solidFill>
+                <a:schemeClr val="tx1"/>
+              </a:solidFill>
+            </a:endParaRPr>
           </a:p>
           <a:p>
             <a:pPr marL="0" indent="0">
               <a:buNone/>
             </a:pPr>
             <a:r>
-              <a:rPr kumimoji="1" lang="ja-JP" altLang="en-US" sz="4400" dirty="0"/>
-              <a:t>先攻と後攻を入れ替えて試合をする</a:t>
+              <a:rPr lang="ja-JP" altLang="en-US" sz="4400" dirty="0" smtClean="0">
+                <a:solidFill>
+                  <a:schemeClr val="tx1"/>
+                </a:solidFill>
+              </a:rPr>
+              <a:t>二回</a:t>
+            </a:r>
+            <a:r>
+              <a:rPr lang="ja-JP" altLang="en-US" sz="4400" dirty="0">
+                <a:solidFill>
+                  <a:schemeClr val="tx1"/>
+                </a:solidFill>
+              </a:rPr>
+              <a:t>ずつ</a:t>
+            </a:r>
+            <a:r>
+              <a:rPr kumimoji="1" lang="ja-JP" altLang="en-US" sz="4400" dirty="0" smtClean="0">
+                <a:solidFill>
+                  <a:schemeClr val="tx1"/>
+                </a:solidFill>
+              </a:rPr>
+              <a:t>試合</a:t>
+            </a:r>
+            <a:r>
+              <a:rPr kumimoji="1" lang="ja-JP" altLang="en-US" sz="4400" dirty="0">
+                <a:solidFill>
+                  <a:schemeClr val="tx1"/>
+                </a:solidFill>
+              </a:rPr>
+              <a:t>をする</a:t>
             </a:r>
           </a:p>
         </p:txBody>
@@ -8399,6 +8571,13 @@
   <p:clrMapOvr>
     <a:masterClrMapping/>
   </p:clrMapOvr>
+  <p:timing>
+    <p:tnLst>
+      <p:par>
+        <p:cTn id="1" dur="indefinite" restart="never" nodeType="tmRoot"/>
+      </p:par>
+    </p:tnLst>
+  </p:timing>
 </p:sld>
 </file>
 
@@ -8462,13 +8641,13 @@
         </p:nvSpPr>
         <p:spPr>
           <a:xfrm>
-            <a:off x="2249382" y="2843058"/>
-            <a:ext cx="10972800" cy="3456384"/>
+            <a:off x="2127462" y="2385858"/>
+            <a:ext cx="6848898" cy="905982"/>
           </a:xfrm>
         </p:spPr>
         <p:txBody>
           <a:bodyPr>
-            <a:normAutofit/>
+            <a:normAutofit lnSpcReduction="10000"/>
           </a:bodyPr>
           <a:lstStyle/>
           <a:p>
@@ -8476,9 +8655,200 @@
               <a:buNone/>
             </a:pPr>
             <a:r>
-              <a:rPr kumimoji="1" lang="ja-JP" altLang="en-US" sz="5400" dirty="0"/>
-              <a:t>２回とも勝ったら勝利</a:t>
-            </a:r>
+              <a:rPr kumimoji="1" lang="ja-JP" altLang="en-US" sz="5400" dirty="0" smtClean="0">
+                <a:solidFill>
+                  <a:schemeClr val="tx1"/>
+                </a:solidFill>
+              </a:rPr>
+              <a:t>最大三回対戦を行う</a:t>
+            </a:r>
+            <a:endParaRPr kumimoji="1" lang="en-US" altLang="ja-JP" sz="5400" dirty="0" smtClean="0">
+              <a:solidFill>
+                <a:schemeClr val="tx1"/>
+              </a:solidFill>
+            </a:endParaRPr>
+          </a:p>
+          <a:p>
+            <a:pPr marL="0" indent="0">
+              <a:buNone/>
+            </a:pPr>
+            <a:endParaRPr kumimoji="1" lang="en-US" altLang="ja-JP" sz="5400" dirty="0" smtClean="0">
+              <a:solidFill>
+                <a:schemeClr val="tx1"/>
+              </a:solidFill>
+            </a:endParaRPr>
+          </a:p>
+          <a:p>
+            <a:pPr marL="0" indent="0">
+              <a:buNone/>
+            </a:pPr>
+            <a:endParaRPr lang="en-US" altLang="ja-JP" sz="5400" dirty="0">
+              <a:solidFill>
+                <a:schemeClr val="tx1"/>
+              </a:solidFill>
+            </a:endParaRPr>
+          </a:p>
+          <a:p>
+            <a:pPr marL="0" indent="0">
+              <a:buNone/>
+            </a:pPr>
+            <a:endParaRPr kumimoji="1" lang="ja-JP" altLang="en-US" sz="5400" dirty="0">
+              <a:solidFill>
+                <a:schemeClr val="tx1"/>
+              </a:solidFill>
+            </a:endParaRPr>
+          </a:p>
+        </p:txBody>
+      </p:sp>
+      <p:sp>
+        <p:nvSpPr>
+          <p:cNvPr id="4" name="テキスト ボックス 3"/>
+          <p:cNvSpPr txBox="1"/>
+          <p:nvPr/>
+        </p:nvSpPr>
+        <p:spPr>
+          <a:xfrm>
+            <a:off x="839374" y="3971031"/>
+            <a:ext cx="4075218" cy="830997"/>
+          </a:xfrm>
+          <a:prstGeom prst="rect">
+            <a:avLst/>
+          </a:prstGeom>
+          <a:noFill/>
+        </p:spPr>
+        <p:txBody>
+          <a:bodyPr wrap="square" rtlCol="0">
+            <a:spAutoFit/>
+          </a:bodyPr>
+          <a:lstStyle/>
+          <a:p>
+            <a:r>
+              <a:rPr kumimoji="1" lang="ja-JP" altLang="en-US" sz="4800" dirty="0" smtClean="0"/>
+              <a:t>先に二回勝つ</a:t>
+            </a:r>
+            <a:endParaRPr kumimoji="1" lang="ja-JP" altLang="en-US" sz="4800" dirty="0"/>
+          </a:p>
+        </p:txBody>
+      </p:sp>
+      <p:sp>
+        <p:nvSpPr>
+          <p:cNvPr id="5" name="右矢印 4"/>
+          <p:cNvSpPr/>
+          <p:nvPr/>
+        </p:nvSpPr>
+        <p:spPr>
+          <a:xfrm>
+            <a:off x="4914592" y="3971031"/>
+            <a:ext cx="1996440" cy="716280"/>
+          </a:xfrm>
+          <a:prstGeom prst="rightArrow">
+            <a:avLst/>
+          </a:prstGeom>
+          <a:solidFill>
+            <a:srgbClr val="0070C0"/>
+          </a:solidFill>
+        </p:spPr>
+        <p:style>
+          <a:lnRef idx="2">
+            <a:schemeClr val="accent1">
+              <a:shade val="50000"/>
+            </a:schemeClr>
+          </a:lnRef>
+          <a:fillRef idx="1">
+            <a:schemeClr val="accent1"/>
+          </a:fillRef>
+          <a:effectRef idx="0">
+            <a:schemeClr val="accent1"/>
+          </a:effectRef>
+          <a:fontRef idx="minor">
+            <a:schemeClr val="lt1"/>
+          </a:fontRef>
+        </p:style>
+        <p:txBody>
+          <a:bodyPr rtlCol="0" anchor="ctr"/>
+          <a:lstStyle/>
+          <a:p>
+            <a:pPr algn="ctr"/>
+            <a:endParaRPr kumimoji="1" lang="ja-JP" altLang="en-US"/>
+          </a:p>
+        </p:txBody>
+      </p:sp>
+      <p:sp>
+        <p:nvSpPr>
+          <p:cNvPr id="6" name="正方形/長方形 5"/>
+          <p:cNvSpPr/>
+          <p:nvPr/>
+        </p:nvSpPr>
+        <p:spPr>
+          <a:xfrm>
+            <a:off x="7119522" y="3601699"/>
+            <a:ext cx="2646878" cy="1569660"/>
+          </a:xfrm>
+          <a:prstGeom prst="rect">
+            <a:avLst/>
+          </a:prstGeom>
+          <a:noFill/>
+        </p:spPr>
+        <p:txBody>
+          <a:bodyPr wrap="none" lIns="91440" tIns="45720" rIns="91440" bIns="45720">
+            <a:spAutoFit/>
+          </a:bodyPr>
+          <a:lstStyle/>
+          <a:p>
+            <a:pPr algn="ctr"/>
+            <a:r>
+              <a:rPr lang="ja-JP" altLang="en-US" sz="9600" b="0" cap="none" spc="0" dirty="0" smtClean="0">
+                <a:ln w="0"/>
+                <a:gradFill>
+                  <a:gsLst>
+                    <a:gs pos="0">
+                      <a:schemeClr val="accent5">
+                        <a:lumMod val="50000"/>
+                      </a:schemeClr>
+                    </a:gs>
+                    <a:gs pos="50000">
+                      <a:schemeClr val="accent5"/>
+                    </a:gs>
+                    <a:gs pos="100000">
+                      <a:schemeClr val="accent5">
+                        <a:lumMod val="60000"/>
+                        <a:lumOff val="40000"/>
+                      </a:schemeClr>
+                    </a:gs>
+                  </a:gsLst>
+                  <a:lin ang="5400000"/>
+                </a:gradFill>
+                <a:effectLst>
+                  <a:reflection blurRad="6350" stA="53000" endA="300" endPos="35500" dir="5400000" sy="-90000" algn="bl" rotWithShape="0"/>
+                </a:effectLst>
+              </a:rPr>
+              <a:t>勝者</a:t>
+            </a:r>
+            <a:endParaRPr lang="ja-JP" altLang="en-US" sz="9600" b="0" cap="none" spc="0" dirty="0">
+              <a:ln w="0"/>
+              <a:gradFill>
+                <a:gsLst>
+                  <a:gs pos="0">
+                    <a:schemeClr val="accent5">
+                      <a:lumMod val="50000"/>
+                    </a:schemeClr>
+                  </a:gs>
+                  <a:gs pos="50000">
+                    <a:schemeClr val="accent5"/>
+                  </a:gs>
+                  <a:gs pos="100000">
+                    <a:schemeClr val="accent5">
+                      <a:lumMod val="60000"/>
+                      <a:lumOff val="40000"/>
+                    </a:schemeClr>
+                  </a:gs>
+                </a:gsLst>
+                <a:lin ang="5400000"/>
+              </a:gradFill>
+              <a:effectLst>
+                <a:reflection blurRad="6350" stA="53000" endA="300" endPos="35500" dir="5400000" sy="-90000" algn="bl" rotWithShape="0"/>
+              </a:effectLst>
+            </a:endParaRPr>
           </a:p>
         </p:txBody>
       </p:sp>
@@ -8492,6 +8862,13 @@
   <p:clrMapOvr>
     <a:masterClrMapping/>
   </p:clrMapOvr>
+  <p:timing>
+    <p:tnLst>
+      <p:par>
+        <p:cTn id="1" dur="indefinite" restart="never" nodeType="tmRoot"/>
+      </p:par>
+    </p:tnLst>
+  </p:timing>
 </p:sld>
 </file>
 
@@ -8524,12 +8901,14 @@
         </p:nvSpPr>
         <p:spPr>
           <a:xfrm>
-            <a:off x="839375" y="492659"/>
-            <a:ext cx="4334272" cy="1143000"/>
+            <a:off x="839374" y="492659"/>
+            <a:ext cx="6826346" cy="1143000"/>
           </a:xfrm>
         </p:spPr>
         <p:txBody>
-          <a:bodyPr/>
+          <a:bodyPr>
+            <a:normAutofit/>
+          </a:bodyPr>
           <a:lstStyle/>
           <a:p>
             <a:r>
@@ -8538,8 +8917,68 @@
                   <a:schemeClr val="tx1"/>
                 </a:solidFill>
               </a:rPr>
-              <a:t>対戦形式</a:t>
-            </a:r>
+              <a:t>対戦</a:t>
+            </a:r>
+            <a:r>
+              <a:rPr kumimoji="1" lang="ja-JP" altLang="en-US" b="1" dirty="0" smtClean="0">
+                <a:solidFill>
+                  <a:schemeClr val="tx1"/>
+                </a:solidFill>
+              </a:rPr>
+              <a:t>形式　</a:t>
+            </a:r>
+            <a:r>
+              <a:rPr lang="ja-JP" altLang="en-US" sz="2800" dirty="0" smtClean="0">
+                <a:solidFill>
+                  <a:schemeClr val="tx1"/>
+                </a:solidFill>
+              </a:rPr>
+              <a:t>一勝</a:t>
+            </a:r>
+            <a:r>
+              <a:rPr lang="ja-JP" altLang="en-US" sz="2800" dirty="0">
+                <a:solidFill>
+                  <a:schemeClr val="tx1"/>
+                </a:solidFill>
+              </a:rPr>
+              <a:t>一敗の</a:t>
+            </a:r>
+            <a:r>
+              <a:rPr lang="ja-JP" altLang="en-US" sz="2800" dirty="0" smtClean="0">
+                <a:solidFill>
+                  <a:schemeClr val="tx1"/>
+                </a:solidFill>
+              </a:rPr>
+              <a:t>ときは</a:t>
+            </a:r>
+            <a:r>
+              <a:rPr lang="ja-JP" altLang="en-US" sz="2800" dirty="0">
+                <a:solidFill>
+                  <a:schemeClr val="tx1"/>
+                </a:solidFill>
+              </a:rPr>
+              <a:t>・・・</a:t>
+            </a:r>
+            <a:r>
+              <a:rPr lang="en-US" altLang="ja-JP" sz="2800" dirty="0">
+                <a:solidFill>
+                  <a:schemeClr val="tx1"/>
+                </a:solidFill>
+              </a:rPr>
+              <a:t/>
+            </a:r>
+            <a:br>
+              <a:rPr lang="en-US" altLang="ja-JP" sz="2800" dirty="0">
+                <a:solidFill>
+                  <a:schemeClr val="tx1"/>
+                </a:solidFill>
+              </a:rPr>
+            </a:br>
+            <a:endParaRPr kumimoji="1" lang="ja-JP" altLang="en-US" sz="2800" b="1" dirty="0">
+              <a:solidFill>
+                <a:schemeClr val="tx1"/>
+              </a:solidFill>
+            </a:endParaRPr>
           </a:p>
         </p:txBody>
       </p:sp>
@@ -8555,7 +8994,7 @@
         </p:nvSpPr>
         <p:spPr>
           <a:xfrm>
-            <a:off x="1155654" y="1863152"/>
+            <a:off x="839374" y="1518531"/>
             <a:ext cx="11905323" cy="3456384"/>
           </a:xfrm>
         </p:spPr>
@@ -8568,49 +9007,63 @@
             <a:pPr marL="0" indent="0">
               <a:buNone/>
             </a:pPr>
-            <a:r>
-              <a:rPr kumimoji="1" lang="ja-JP" altLang="en-US" sz="4000" dirty="0"/>
-              <a:t>一勝</a:t>
-            </a:r>
-            <a:r>
-              <a:rPr lang="ja-JP" altLang="en-US" sz="4000" dirty="0"/>
-              <a:t>一敗のときは・・・</a:t>
-            </a:r>
-            <a:endParaRPr lang="en-US" altLang="ja-JP" sz="4000" dirty="0"/>
+            <a:endParaRPr lang="en-US" altLang="ja-JP" sz="4000" dirty="0">
+              <a:solidFill>
+                <a:schemeClr val="tx1"/>
+              </a:solidFill>
+            </a:endParaRPr>
           </a:p>
           <a:p>
             <a:pPr marL="0" indent="0">
               <a:buNone/>
             </a:pPr>
-            <a:endParaRPr lang="en-US" altLang="ja-JP" sz="4000" dirty="0"/>
+            <a:r>
+              <a:rPr lang="ja-JP" altLang="en-US" sz="4800" dirty="0">
+                <a:solidFill>
+                  <a:schemeClr val="tx1"/>
+                </a:solidFill>
+              </a:rPr>
+              <a:t>壁を置いて相手を埋めて</a:t>
+            </a:r>
+            <a:endParaRPr lang="en-US" altLang="ja-JP" sz="4800" dirty="0">
+              <a:solidFill>
+                <a:schemeClr val="tx1"/>
+              </a:solidFill>
+            </a:endParaRPr>
           </a:p>
           <a:p>
             <a:pPr marL="0" indent="0">
               <a:buNone/>
             </a:pPr>
             <a:r>
-              <a:rPr lang="ja-JP" altLang="en-US" sz="4800" dirty="0"/>
-              <a:t>壁を置いて相手を埋めて</a:t>
-            </a:r>
-            <a:endParaRPr lang="en-US" altLang="ja-JP" sz="4800" dirty="0"/>
-          </a:p>
-          <a:p>
-            <a:pPr marL="0" indent="0">
-              <a:buNone/>
-            </a:pPr>
-            <a:r>
-              <a:rPr lang="ja-JP" altLang="en-US" sz="4800" dirty="0"/>
+              <a:rPr lang="ja-JP" altLang="en-US" sz="4800" dirty="0">
+                <a:solidFill>
+                  <a:schemeClr val="tx1"/>
+                </a:solidFill>
+              </a:rPr>
               <a:t>勝った回数（</a:t>
             </a:r>
             <a:r>
-              <a:rPr lang="en-US" altLang="ja-JP" sz="4800" dirty="0"/>
+              <a:rPr lang="en-US" altLang="ja-JP" sz="4800" dirty="0">
+                <a:solidFill>
+                  <a:schemeClr val="tx1"/>
+                </a:solidFill>
+              </a:rPr>
               <a:t>put</a:t>
             </a:r>
             <a:r>
-              <a:rPr lang="ja-JP" altLang="en-US" sz="4800" dirty="0"/>
+              <a:rPr lang="ja-JP" altLang="en-US" sz="4800" dirty="0">
+                <a:solidFill>
+                  <a:schemeClr val="tx1"/>
+                </a:solidFill>
+              </a:rPr>
               <a:t>勝ち）の多い方が勝利</a:t>
             </a:r>
-            <a:endParaRPr kumimoji="1" lang="en-US" altLang="ja-JP" sz="4800" dirty="0"/>
+            <a:endParaRPr kumimoji="1" lang="en-US" altLang="ja-JP" sz="4800" dirty="0">
+              <a:solidFill>
+                <a:schemeClr val="tx1"/>
+              </a:solidFill>
+            </a:endParaRPr>
           </a:p>
         </p:txBody>
       </p:sp>
@@ -8637,7 +9090,7 @@
         </p:blipFill>
         <p:spPr bwMode="auto">
           <a:xfrm>
-            <a:off x="8699500" y="1646166"/>
+            <a:off x="4828540" y="4404606"/>
             <a:ext cx="2103438" cy="2152650"/>
           </a:xfrm>
           <a:prstGeom prst="rect">
@@ -8688,6 +9141,13 @@
   <p:clrMapOvr>
     <a:masterClrMapping/>
   </p:clrMapOvr>
+  <p:timing>
+    <p:tnLst>
+      <p:par>
+        <p:cTn id="1" dur="indefinite" restart="never" nodeType="tmRoot"/>
+      </p:par>
+    </p:tnLst>
+  </p:timing>
 </p:sld>
 </file>
 
@@ -8721,21 +9181,67 @@
         <p:spPr>
           <a:xfrm>
             <a:off x="839376" y="492661"/>
-            <a:ext cx="4334272" cy="1143000"/>
+            <a:ext cx="6856824" cy="635099"/>
           </a:xfrm>
         </p:spPr>
         <p:txBody>
-          <a:bodyPr/>
+          <a:bodyPr>
+            <a:normAutofit fontScale="90000"/>
+          </a:bodyPr>
           <a:lstStyle/>
           <a:p>
             <a:r>
-              <a:rPr kumimoji="1" lang="ja-JP" altLang="en-US" b="1" dirty="0">
+              <a:rPr kumimoji="1" lang="ja-JP" altLang="en-US" sz="4000" b="1" dirty="0">
                 <a:solidFill>
                   <a:schemeClr val="tx1"/>
                 </a:solidFill>
               </a:rPr>
-              <a:t>対戦形式</a:t>
-            </a:r>
+              <a:t>対戦</a:t>
+            </a:r>
+            <a:r>
+              <a:rPr kumimoji="1" lang="ja-JP" altLang="en-US" sz="4000" b="1" dirty="0" smtClean="0">
+                <a:solidFill>
+                  <a:schemeClr val="tx1"/>
+                </a:solidFill>
+              </a:rPr>
+              <a:t>形式</a:t>
+            </a:r>
+            <a:r>
+              <a:rPr kumimoji="1" lang="ja-JP" altLang="en-US" b="1" dirty="0" smtClean="0">
+                <a:solidFill>
+                  <a:schemeClr val="tx1"/>
+                </a:solidFill>
+              </a:rPr>
+              <a:t>　</a:t>
+            </a:r>
+            <a:r>
+              <a:rPr lang="ja-JP" altLang="en-US" sz="3100" dirty="0">
+                <a:solidFill>
+                  <a:schemeClr val="tx1"/>
+                </a:solidFill>
+              </a:rPr>
+              <a:t>一勝一敗のときは・・・</a:t>
+            </a:r>
+            <a:r>
+              <a:rPr lang="en-US" altLang="ja-JP" sz="3100" dirty="0">
+                <a:solidFill>
+                  <a:schemeClr val="tx1"/>
+                </a:solidFill>
+              </a:rPr>
+              <a:t/>
+            </a:r>
+            <a:br>
+              <a:rPr lang="en-US" altLang="ja-JP" sz="3100" dirty="0">
+                <a:solidFill>
+                  <a:schemeClr val="tx1"/>
+                </a:solidFill>
+              </a:rPr>
+            </a:br>
+            <a:endParaRPr kumimoji="1" lang="ja-JP" altLang="en-US" sz="3100" b="1" dirty="0">
+              <a:solidFill>
+                <a:schemeClr val="tx1"/>
+              </a:solidFill>
+            </a:endParaRPr>
           </a:p>
         </p:txBody>
       </p:sp>
@@ -8765,36 +9271,96 @@
               <a:buNone/>
             </a:pPr>
             <a:r>
-              <a:rPr lang="ja-JP" altLang="en-US" sz="4000" dirty="0"/>
+              <a:rPr lang="ja-JP" altLang="en-US" sz="4000" dirty="0">
+                <a:solidFill>
+                  <a:schemeClr val="tx1"/>
+                </a:solidFill>
+              </a:rPr>
               <a:t>どちらも相手を埋めて勝ったときは・・・</a:t>
             </a:r>
-            <a:endParaRPr lang="en-US" altLang="ja-JP" sz="4000" dirty="0"/>
+            <a:endParaRPr lang="en-US" altLang="ja-JP" sz="4000" dirty="0">
+              <a:solidFill>
+                <a:schemeClr val="tx1"/>
+              </a:solidFill>
+            </a:endParaRPr>
           </a:p>
           <a:p>
             <a:pPr marL="0" indent="0">
               <a:buNone/>
             </a:pPr>
-            <a:endParaRPr lang="en-US" altLang="ja-JP" sz="4000" dirty="0"/>
+            <a:endParaRPr lang="en-US" altLang="ja-JP" sz="4000" dirty="0">
+              <a:solidFill>
+                <a:schemeClr val="tx1"/>
+              </a:solidFill>
+            </a:endParaRPr>
           </a:p>
           <a:p>
             <a:pPr marL="0" indent="0">
               <a:buNone/>
             </a:pPr>
             <a:r>
-              <a:rPr lang="ja-JP" altLang="en-US" sz="4800" dirty="0"/>
+              <a:rPr lang="ja-JP" altLang="en-US" sz="4800" dirty="0">
+                <a:solidFill>
+                  <a:schemeClr val="tx1"/>
+                </a:solidFill>
+              </a:rPr>
               <a:t>　二試合の</a:t>
             </a:r>
-            <a:endParaRPr lang="en-US" altLang="ja-JP" sz="4800" dirty="0"/>
+            <a:endParaRPr lang="en-US" altLang="ja-JP" sz="4800" dirty="0">
+              <a:solidFill>
+                <a:schemeClr val="tx1"/>
+              </a:solidFill>
+            </a:endParaRPr>
           </a:p>
           <a:p>
             <a:pPr marL="0" indent="0">
               <a:buNone/>
             </a:pPr>
             <a:r>
-              <a:rPr lang="ja-JP" altLang="en-US" sz="4800" dirty="0"/>
-              <a:t>　合計ハート取得数の多い方が勝利</a:t>
-            </a:r>
-            <a:endParaRPr kumimoji="1" lang="en-US" altLang="ja-JP" sz="4800" dirty="0"/>
+              <a:rPr lang="ja-JP" altLang="en-US" sz="4800" dirty="0">
+                <a:solidFill>
+                  <a:schemeClr val="tx1"/>
+                </a:solidFill>
+              </a:rPr>
+              <a:t>　合計</a:t>
+            </a:r>
+            <a:r>
+              <a:rPr lang="ja-JP" altLang="en-US" sz="4800" dirty="0" smtClean="0">
+                <a:solidFill>
+                  <a:schemeClr val="tx1"/>
+                </a:solidFill>
+              </a:rPr>
+              <a:t>ハート</a:t>
+            </a:r>
+            <a:r>
+              <a:rPr lang="ja-JP" altLang="en-US" sz="4800" dirty="0">
+                <a:solidFill>
+                  <a:schemeClr val="tx1"/>
+                </a:solidFill>
+              </a:rPr>
+              <a:t>獲得</a:t>
+            </a:r>
+            <a:r>
+              <a:rPr lang="ja-JP" altLang="en-US" sz="4800" dirty="0" smtClean="0">
+                <a:solidFill>
+                  <a:schemeClr val="tx1"/>
+                </a:solidFill>
+              </a:rPr>
+              <a:t>数</a:t>
+            </a:r>
+            <a:r>
+              <a:rPr lang="ja-JP" altLang="en-US" sz="4800" dirty="0">
+                <a:solidFill>
+                  <a:schemeClr val="tx1"/>
+                </a:solidFill>
+              </a:rPr>
+              <a:t>の多い方が勝利</a:t>
+            </a:r>
+            <a:endParaRPr kumimoji="1" lang="en-US" altLang="ja-JP" sz="4800" dirty="0">
+              <a:solidFill>
+                <a:schemeClr val="tx1"/>
+              </a:solidFill>
+            </a:endParaRPr>
           </a:p>
         </p:txBody>
       </p:sp>
@@ -8872,6 +9438,13 @@
   <p:clrMapOvr>
     <a:masterClrMapping/>
   </p:clrMapOvr>
+  <p:timing>
+    <p:tnLst>
+      <p:par>
+        <p:cTn id="1" dur="indefinite" restart="never" nodeType="tmRoot"/>
+      </p:par>
+    </p:tnLst>
+  </p:timing>
 </p:sld>
 </file>
 
@@ -9051,11 +9624,13 @@
         <p:spPr>
           <a:xfrm>
             <a:off x="839374" y="506310"/>
-            <a:ext cx="3514262" cy="1143000"/>
+            <a:ext cx="7527386" cy="1143000"/>
           </a:xfrm>
         </p:spPr>
         <p:txBody>
-          <a:bodyPr/>
+          <a:bodyPr>
+            <a:normAutofit/>
+          </a:bodyPr>
           <a:lstStyle/>
           <a:p>
             <a:r>
@@ -9064,8 +9639,44 @@
                   <a:schemeClr val="tx1"/>
                 </a:solidFill>
               </a:rPr>
-              <a:t>対戦形式</a:t>
-            </a:r>
+              <a:t>対戦</a:t>
+            </a:r>
+            <a:r>
+              <a:rPr kumimoji="1" lang="ja-JP" altLang="en-US" b="1" dirty="0" smtClean="0">
+                <a:solidFill>
+                  <a:schemeClr val="tx1"/>
+                </a:solidFill>
+              </a:rPr>
+              <a:t>形式　</a:t>
+            </a:r>
+            <a:r>
+              <a:rPr lang="ja-JP" altLang="en-US" sz="2700" dirty="0">
+                <a:solidFill>
+                  <a:schemeClr val="tx1"/>
+                </a:solidFill>
+              </a:rPr>
+              <a:t>一勝一敗のときは・・・</a:t>
+            </a:r>
+            <a:r>
+              <a:rPr lang="en-US" altLang="ja-JP" sz="2700" dirty="0">
+                <a:solidFill>
+                  <a:schemeClr val="tx1"/>
+                </a:solidFill>
+              </a:rPr>
+              <a:t/>
+            </a:r>
+            <a:br>
+              <a:rPr lang="en-US" altLang="ja-JP" sz="2700" dirty="0">
+                <a:solidFill>
+                  <a:schemeClr val="tx1"/>
+                </a:solidFill>
+              </a:rPr>
+            </a:br>
+            <a:endParaRPr kumimoji="1" lang="ja-JP" altLang="en-US" sz="2700" b="1" dirty="0">
+              <a:solidFill>
+                <a:schemeClr val="tx1"/>
+              </a:solidFill>
+            </a:endParaRPr>
           </a:p>
         </p:txBody>
       </p:sp>
@@ -9095,26 +9706,78 @@
               <a:buNone/>
             </a:pPr>
             <a:r>
-              <a:rPr lang="ja-JP" altLang="en-US" sz="4000" dirty="0"/>
-              <a:t>アイテムの取得数も同じときは・・・</a:t>
-            </a:r>
-            <a:endParaRPr lang="en-US" altLang="ja-JP" sz="4000" dirty="0"/>
+              <a:rPr lang="ja-JP" altLang="en-US" sz="4000" dirty="0">
+                <a:solidFill>
+                  <a:schemeClr val="tx1"/>
+                </a:solidFill>
+              </a:rPr>
+              <a:t>アイテム</a:t>
+            </a:r>
+            <a:r>
+              <a:rPr lang="ja-JP" altLang="en-US" sz="4000" dirty="0" smtClean="0">
+                <a:solidFill>
+                  <a:schemeClr val="tx1"/>
+                </a:solidFill>
+              </a:rPr>
+              <a:t>の</a:t>
+            </a:r>
+            <a:r>
+              <a:rPr lang="ja-JP" altLang="en-US" sz="4000" dirty="0">
+                <a:solidFill>
+                  <a:schemeClr val="tx1"/>
+                </a:solidFill>
+              </a:rPr>
+              <a:t>獲得</a:t>
+            </a:r>
+            <a:r>
+              <a:rPr lang="ja-JP" altLang="en-US" sz="4000" dirty="0" smtClean="0">
+                <a:solidFill>
+                  <a:schemeClr val="tx1"/>
+                </a:solidFill>
+              </a:rPr>
+              <a:t>数</a:t>
+            </a:r>
+            <a:r>
+              <a:rPr lang="ja-JP" altLang="en-US" sz="4000" dirty="0">
+                <a:solidFill>
+                  <a:schemeClr val="tx1"/>
+                </a:solidFill>
+              </a:rPr>
+              <a:t>も同じときは・・・</a:t>
+            </a:r>
+            <a:endParaRPr lang="en-US" altLang="ja-JP" sz="4000" dirty="0">
+              <a:solidFill>
+                <a:schemeClr val="tx1"/>
+              </a:solidFill>
+            </a:endParaRPr>
           </a:p>
           <a:p>
             <a:pPr marL="0" indent="0">
               <a:buNone/>
             </a:pPr>
-            <a:endParaRPr lang="en-US" altLang="ja-JP" sz="4000" dirty="0"/>
+            <a:endParaRPr lang="en-US" altLang="ja-JP" sz="4000" dirty="0">
+              <a:solidFill>
+                <a:schemeClr val="tx1"/>
+              </a:solidFill>
+            </a:endParaRPr>
           </a:p>
           <a:p>
             <a:pPr marL="0" indent="0">
               <a:buNone/>
             </a:pPr>
             <a:r>
-              <a:rPr lang="ja-JP" altLang="en-US" sz="6000" dirty="0"/>
+              <a:rPr lang="ja-JP" altLang="en-US" sz="6000" dirty="0">
+                <a:solidFill>
+                  <a:schemeClr val="tx1"/>
+                </a:solidFill>
+              </a:rPr>
               <a:t>　違うマップで再試合</a:t>
             </a:r>
-            <a:endParaRPr lang="en-US" altLang="ja-JP" sz="6000" dirty="0"/>
+            <a:endParaRPr lang="en-US" altLang="ja-JP" sz="6000" dirty="0">
+              <a:solidFill>
+                <a:schemeClr val="tx1"/>
+              </a:solidFill>
+            </a:endParaRPr>
           </a:p>
         </p:txBody>
       </p:sp>
@@ -9128,6 +9791,13 @@
   <p:clrMapOvr>
     <a:masterClrMapping/>
   </p:clrMapOvr>
+  <p:timing>
+    <p:tnLst>
+      <p:par>
+        <p:cTn id="1" dur="indefinite" restart="never" nodeType="tmRoot"/>
+      </p:par>
+    </p:tnLst>
+  </p:timing>
 </p:sld>
 </file>
 
@@ -9169,7 +9839,7 @@
           <a:lstStyle/>
           <a:p>
             <a:r>
-              <a:rPr kumimoji="1" lang="ja-JP" altLang="en-US" dirty="0">
+              <a:rPr kumimoji="1" lang="ja-JP" altLang="en-US" b="1" dirty="0">
                 <a:solidFill>
                   <a:schemeClr val="tx1"/>
                 </a:solidFill>
@@ -9205,44 +9875,88 @@
               <a:buNone/>
             </a:pPr>
             <a:r>
-              <a:rPr lang="ja-JP" altLang="en-US" sz="4000" dirty="0"/>
+              <a:rPr lang="ja-JP" altLang="en-US" sz="4000" dirty="0">
+                <a:solidFill>
+                  <a:schemeClr val="tx1"/>
+                </a:solidFill>
+              </a:rPr>
               <a:t>通信エラーなどで試合が止まったら・・・</a:t>
             </a:r>
-            <a:endParaRPr lang="en-US" altLang="ja-JP" sz="4000" dirty="0"/>
+            <a:endParaRPr lang="en-US" altLang="ja-JP" sz="4000" dirty="0">
+              <a:solidFill>
+                <a:schemeClr val="tx1"/>
+              </a:solidFill>
+            </a:endParaRPr>
           </a:p>
           <a:p>
             <a:pPr marL="0" indent="0">
               <a:buNone/>
             </a:pPr>
-            <a:endParaRPr lang="en-US" altLang="ja-JP" sz="4000" dirty="0"/>
+            <a:endParaRPr lang="en-US" altLang="ja-JP" sz="4000" dirty="0">
+              <a:solidFill>
+                <a:schemeClr val="tx1"/>
+              </a:solidFill>
+            </a:endParaRPr>
           </a:p>
           <a:p>
             <a:pPr marL="0" indent="0">
               <a:buNone/>
             </a:pPr>
             <a:r>
-              <a:rPr lang="ja-JP" altLang="en-US" sz="6000" dirty="0"/>
-              <a:t>　　原因となった方は</a:t>
-            </a:r>
-            <a:endParaRPr lang="en-US" altLang="ja-JP" sz="6000" dirty="0"/>
+              <a:rPr lang="ja-JP" altLang="en-US" sz="6000" dirty="0">
+                <a:solidFill>
+                  <a:schemeClr val="tx1"/>
+                </a:solidFill>
+              </a:rPr>
+              <a:t>　　原因となった</a:t>
+            </a:r>
+            <a:r>
+              <a:rPr lang="ja-JP" altLang="en-US" sz="6000" dirty="0" smtClean="0">
+                <a:solidFill>
+                  <a:schemeClr val="tx1"/>
+                </a:solidFill>
+              </a:rPr>
+              <a:t>方が</a:t>
+            </a:r>
+            <a:endParaRPr lang="en-US" altLang="ja-JP" sz="6000" dirty="0">
+              <a:solidFill>
+                <a:schemeClr val="tx1"/>
+              </a:solidFill>
+            </a:endParaRPr>
           </a:p>
           <a:p>
             <a:pPr marL="0" indent="0">
               <a:buNone/>
             </a:pPr>
             <a:r>
-              <a:rPr lang="ja-JP" altLang="en-US" sz="6000" dirty="0"/>
+              <a:rPr lang="ja-JP" altLang="en-US" sz="6000" dirty="0">
+                <a:solidFill>
+                  <a:schemeClr val="tx1"/>
+                </a:solidFill>
+              </a:rPr>
               <a:t>　　</a:t>
             </a:r>
             <a:r>
-              <a:rPr lang="en-US" altLang="ja-JP" sz="6000" dirty="0"/>
+              <a:rPr lang="en-US" altLang="ja-JP" sz="6000" dirty="0">
+                <a:solidFill>
+                  <a:schemeClr val="tx1"/>
+                </a:solidFill>
+              </a:rPr>
               <a:t>put</a:t>
             </a:r>
             <a:r>
-              <a:rPr lang="ja-JP" altLang="en-US" sz="6000" dirty="0"/>
+              <a:rPr lang="ja-JP" altLang="en-US" sz="6000" dirty="0">
+                <a:solidFill>
+                  <a:schemeClr val="tx1"/>
+                </a:solidFill>
+              </a:rPr>
               <a:t>負け扱いとなる</a:t>
             </a:r>
-            <a:endParaRPr lang="en-US" altLang="ja-JP" sz="6000" dirty="0"/>
+            <a:endParaRPr lang="en-US" altLang="ja-JP" sz="6000" dirty="0">
+              <a:solidFill>
+                <a:schemeClr val="tx1"/>
+              </a:solidFill>
+            </a:endParaRPr>
           </a:p>
         </p:txBody>
       </p:sp>
@@ -9256,6 +9970,13 @@
   <p:clrMapOvr>
     <a:masterClrMapping/>
   </p:clrMapOvr>
+  <p:timing>
+    <p:tnLst>
+      <p:par>
+        <p:cTn id="1" dur="indefinite" restart="never" nodeType="tmRoot"/>
+      </p:par>
+    </p:tnLst>
+  </p:timing>
 </p:sld>
 </file>
 
@@ -9294,7 +10015,7 @@
           <a:lstStyle/>
           <a:p>
             <a:r>
-              <a:rPr kumimoji="1" lang="ja-JP" altLang="en-US" sz="6000" dirty="0">
+              <a:rPr kumimoji="1" lang="ja-JP" altLang="en-US" sz="6000" b="1" dirty="0">
                 <a:solidFill>
                   <a:schemeClr val="accent1">
                     <a:lumMod val="50000"/>
@@ -9318,7 +10039,7 @@
         </p:nvSpPr>
         <p:spPr>
           <a:xfrm>
-            <a:off x="838200" y="2021857"/>
+            <a:off x="1676400" y="2448577"/>
             <a:ext cx="9264588" cy="3624339"/>
           </a:xfrm>
         </p:spPr>
@@ -9332,29 +10053,79 @@
               <a:buNone/>
             </a:pPr>
             <a:r>
-              <a:rPr lang="en-US" altLang="ja-JP" sz="4400" dirty="0" err="1"/>
+              <a:rPr lang="en-US" altLang="ja-JP" sz="4400" dirty="0" err="1">
+                <a:solidFill>
+                  <a:schemeClr val="tx1"/>
+                </a:solidFill>
+              </a:rPr>
               <a:t>CHaser</a:t>
             </a:r>
             <a:r>
-              <a:rPr lang="ja-JP" altLang="en-US" sz="4400" dirty="0"/>
-              <a:t>は、簡単に見えて結構奥が深いゲームです。</a:t>
-            </a:r>
-            <a:endParaRPr lang="en-US" altLang="ja-JP" sz="4400" dirty="0"/>
+              <a:rPr lang="ja-JP" altLang="en-US" sz="4400" dirty="0">
+                <a:solidFill>
+                  <a:schemeClr val="tx1"/>
+                </a:solidFill>
+              </a:rPr>
+              <a:t>は</a:t>
+            </a:r>
+            <a:r>
+              <a:rPr lang="ja-JP" altLang="en-US" sz="4400" dirty="0" smtClean="0">
+                <a:solidFill>
+                  <a:schemeClr val="tx1"/>
+                </a:solidFill>
+              </a:rPr>
+              <a:t>、奥</a:t>
+            </a:r>
+            <a:r>
+              <a:rPr lang="ja-JP" altLang="en-US" sz="4400" dirty="0">
+                <a:solidFill>
+                  <a:schemeClr val="tx1"/>
+                </a:solidFill>
+              </a:rPr>
+              <a:t>が深いゲームです。</a:t>
+            </a:r>
+            <a:endParaRPr lang="en-US" altLang="ja-JP" sz="4400" dirty="0">
+              <a:solidFill>
+                <a:schemeClr val="tx1"/>
+              </a:solidFill>
+            </a:endParaRPr>
           </a:p>
           <a:p>
             <a:pPr marL="0" indent="0">
               <a:buNone/>
             </a:pPr>
             <a:r>
-              <a:rPr lang="ja-JP" altLang="en-US" sz="4400" dirty="0"/>
-              <a:t>様々な戦術を考え、コードにしていき、より良いプログラムを目指していくことができます。</a:t>
-            </a:r>
-            <a:endParaRPr lang="en-US" altLang="ja-JP" sz="4400" dirty="0"/>
-          </a:p>
-          <a:p>
-            <a:pPr marL="0" indent="0">
-              <a:buNone/>
-            </a:pPr>
+              <a:rPr lang="ja-JP" altLang="en-US" sz="4400" dirty="0" smtClean="0">
+                <a:solidFill>
+                  <a:schemeClr val="tx1"/>
+                </a:solidFill>
+              </a:rPr>
+              <a:t>本戦に向けて、</a:t>
+            </a:r>
+            <a:r>
+              <a:rPr lang="ja-JP" altLang="en-US" sz="4400" dirty="0" smtClean="0">
+                <a:solidFill>
+                  <a:schemeClr val="tx1"/>
+                </a:solidFill>
+              </a:rPr>
+              <a:t>様々</a:t>
+            </a:r>
+            <a:r>
+              <a:rPr lang="ja-JP" altLang="en-US" sz="4400" dirty="0">
+                <a:solidFill>
+                  <a:schemeClr val="tx1"/>
+                </a:solidFill>
+              </a:rPr>
+              <a:t>な戦術を考え</a:t>
+            </a:r>
+            <a:r>
+              <a:rPr lang="ja-JP" altLang="en-US" sz="4400" dirty="0" smtClean="0">
+                <a:solidFill>
+                  <a:schemeClr val="tx1"/>
+                </a:solidFill>
+              </a:rPr>
+              <a:t>、コードを書き換えて行きましょう。</a:t>
+            </a:r>
             <a:endParaRPr lang="en-US" altLang="ja-JP" sz="3200" dirty="0"/>
           </a:p>
         </p:txBody>
@@ -9369,6 +10140,13 @@
   <p:clrMapOvr>
     <a:masterClrMapping/>
   </p:clrMapOvr>
+  <p:timing>
+    <p:tnLst>
+      <p:par>
+        <p:cTn id="1" dur="indefinite" restart="never" nodeType="tmRoot"/>
+      </p:par>
+    </p:tnLst>
+  </p:timing>
 </p:sld>
 </file>
 
@@ -10397,7 +11175,7 @@
         </p:nvSpPr>
         <p:spPr>
           <a:xfrm>
-            <a:off x="6561457" y="4175487"/>
+            <a:off x="6656163" y="4163456"/>
             <a:ext cx="4099648" cy="369332"/>
           </a:xfrm>
           <a:prstGeom prst="rect">
@@ -10417,7 +11195,11 @@
             </a:r>
             <a:r>
               <a:rPr lang="ja-JP" altLang="en-US" dirty="0"/>
-              <a:t>１ターンずつ減る</a:t>
+              <a:t>１</a:t>
+            </a:r>
+            <a:r>
+              <a:rPr lang="ja-JP" altLang="en-US" dirty="0" smtClean="0"/>
+              <a:t>ターン減る</a:t>
             </a:r>
             <a:endParaRPr kumimoji="1" lang="ja-JP" altLang="en-US" dirty="0"/>
           </a:p>
@@ -10688,21 +11470,21 @@
                 <a:gridCol w="487722">
                   <a:extLst>
                     <a:ext uri="{9D8B030D-6E8A-4147-A177-3AD203B41FA5}">
-                      <a16:colId xmlns:a16="http://schemas.microsoft.com/office/drawing/2014/main" xmlns="" val="2712960937"/>
+                      <a16:colId xmlns="" xmlns:a16="http://schemas.microsoft.com/office/drawing/2014/main" val="2712960937"/>
                     </a:ext>
                   </a:extLst>
                 </a:gridCol>
                 <a:gridCol w="487722">
                   <a:extLst>
                     <a:ext uri="{9D8B030D-6E8A-4147-A177-3AD203B41FA5}">
-                      <a16:colId xmlns:a16="http://schemas.microsoft.com/office/drawing/2014/main" xmlns="" val="1352865225"/>
+                      <a16:colId xmlns="" xmlns:a16="http://schemas.microsoft.com/office/drawing/2014/main" val="1352865225"/>
                     </a:ext>
                   </a:extLst>
                 </a:gridCol>
                 <a:gridCol w="487722">
                   <a:extLst>
                     <a:ext uri="{9D8B030D-6E8A-4147-A177-3AD203B41FA5}">
-                      <a16:colId xmlns:a16="http://schemas.microsoft.com/office/drawing/2014/main" xmlns="" val="455385180"/>
+                      <a16:colId xmlns="" xmlns:a16="http://schemas.microsoft.com/office/drawing/2014/main" val="455385180"/>
                     </a:ext>
                   </a:extLst>
                 </a:gridCol>
@@ -10919,7 +11701,7 @@
                 </a:tc>
                 <a:extLst>
                   <a:ext uri="{0D108BD9-81ED-4DB2-BD59-A6C34878D82A}">
-                    <a16:rowId xmlns:a16="http://schemas.microsoft.com/office/drawing/2014/main" xmlns="" val="1301424847"/>
+                    <a16:rowId xmlns="" xmlns:a16="http://schemas.microsoft.com/office/drawing/2014/main" val="1301424847"/>
                   </a:ext>
                 </a:extLst>
               </a:tr>
@@ -11130,7 +11912,7 @@
                 </a:tc>
                 <a:extLst>
                   <a:ext uri="{0D108BD9-81ED-4DB2-BD59-A6C34878D82A}">
-                    <a16:rowId xmlns:a16="http://schemas.microsoft.com/office/drawing/2014/main" xmlns="" val="3667364987"/>
+                    <a16:rowId xmlns="" xmlns:a16="http://schemas.microsoft.com/office/drawing/2014/main" val="3667364987"/>
                   </a:ext>
                 </a:extLst>
               </a:tr>
@@ -11344,7 +12126,7 @@
                 </a:tc>
                 <a:extLst>
                   <a:ext uri="{0D108BD9-81ED-4DB2-BD59-A6C34878D82A}">
-                    <a16:rowId xmlns:a16="http://schemas.microsoft.com/office/drawing/2014/main" xmlns="" val="2169824223"/>
+                    <a16:rowId xmlns="" xmlns:a16="http://schemas.microsoft.com/office/drawing/2014/main" val="2169824223"/>
                   </a:ext>
                 </a:extLst>
               </a:tr>
@@ -11488,21 +12270,21 @@
                 <a:gridCol w="487722">
                   <a:extLst>
                     <a:ext uri="{9D8B030D-6E8A-4147-A177-3AD203B41FA5}">
-                      <a16:colId xmlns:a16="http://schemas.microsoft.com/office/drawing/2014/main" xmlns="" val="2712960937"/>
+                      <a16:colId xmlns="" xmlns:a16="http://schemas.microsoft.com/office/drawing/2014/main" val="2712960937"/>
                     </a:ext>
                   </a:extLst>
                 </a:gridCol>
                 <a:gridCol w="487722">
                   <a:extLst>
                     <a:ext uri="{9D8B030D-6E8A-4147-A177-3AD203B41FA5}">
-                      <a16:colId xmlns:a16="http://schemas.microsoft.com/office/drawing/2014/main" xmlns="" val="1352865225"/>
+                      <a16:colId xmlns="" xmlns:a16="http://schemas.microsoft.com/office/drawing/2014/main" val="1352865225"/>
                     </a:ext>
                   </a:extLst>
                 </a:gridCol>
                 <a:gridCol w="487722">
                   <a:extLst>
                     <a:ext uri="{9D8B030D-6E8A-4147-A177-3AD203B41FA5}">
-                      <a16:colId xmlns:a16="http://schemas.microsoft.com/office/drawing/2014/main" xmlns="" val="455385180"/>
+                      <a16:colId xmlns="" xmlns:a16="http://schemas.microsoft.com/office/drawing/2014/main" val="455385180"/>
                     </a:ext>
                   </a:extLst>
                 </a:gridCol>
@@ -11710,7 +12492,7 @@
                 </a:tc>
                 <a:extLst>
                   <a:ext uri="{0D108BD9-81ED-4DB2-BD59-A6C34878D82A}">
-                    <a16:rowId xmlns:a16="http://schemas.microsoft.com/office/drawing/2014/main" xmlns="" val="1301424847"/>
+                    <a16:rowId xmlns="" xmlns:a16="http://schemas.microsoft.com/office/drawing/2014/main" val="1301424847"/>
                   </a:ext>
                 </a:extLst>
               </a:tr>
@@ -11915,7 +12697,7 @@
                 </a:tc>
                 <a:extLst>
                   <a:ext uri="{0D108BD9-81ED-4DB2-BD59-A6C34878D82A}">
-                    <a16:rowId xmlns:a16="http://schemas.microsoft.com/office/drawing/2014/main" xmlns="" val="3667364987"/>
+                    <a16:rowId xmlns="" xmlns:a16="http://schemas.microsoft.com/office/drawing/2014/main" val="3667364987"/>
                   </a:ext>
                 </a:extLst>
               </a:tr>
@@ -12120,7 +12902,7 @@
                 </a:tc>
                 <a:extLst>
                   <a:ext uri="{0D108BD9-81ED-4DB2-BD59-A6C34878D82A}">
-                    <a16:rowId xmlns:a16="http://schemas.microsoft.com/office/drawing/2014/main" xmlns="" val="2169824223"/>
+                    <a16:rowId xmlns="" xmlns:a16="http://schemas.microsoft.com/office/drawing/2014/main" val="2169824223"/>
                   </a:ext>
                 </a:extLst>
               </a:tr>
@@ -12176,28 +12958,28 @@
                 <a:gridCol w="488720">
                   <a:extLst>
                     <a:ext uri="{9D8B030D-6E8A-4147-A177-3AD203B41FA5}">
-                      <a16:colId xmlns:a16="http://schemas.microsoft.com/office/drawing/2014/main" xmlns="" val="1726606313"/>
+                      <a16:colId xmlns="" xmlns:a16="http://schemas.microsoft.com/office/drawing/2014/main" val="1726606313"/>
                     </a:ext>
                   </a:extLst>
                 </a:gridCol>
                 <a:gridCol w="488720">
                   <a:extLst>
                     <a:ext uri="{9D8B030D-6E8A-4147-A177-3AD203B41FA5}">
-                      <a16:colId xmlns:a16="http://schemas.microsoft.com/office/drawing/2014/main" xmlns="" val="2000374804"/>
+                      <a16:colId xmlns="" xmlns:a16="http://schemas.microsoft.com/office/drawing/2014/main" val="2000374804"/>
                     </a:ext>
                   </a:extLst>
                 </a:gridCol>
                 <a:gridCol w="488720">
                   <a:extLst>
                     <a:ext uri="{9D8B030D-6E8A-4147-A177-3AD203B41FA5}">
-                      <a16:colId xmlns:a16="http://schemas.microsoft.com/office/drawing/2014/main" xmlns="" val="70356761"/>
+                      <a16:colId xmlns="" xmlns:a16="http://schemas.microsoft.com/office/drawing/2014/main" val="70356761"/>
                     </a:ext>
                   </a:extLst>
                 </a:gridCol>
                 <a:gridCol w="488720">
                   <a:extLst>
                     <a:ext uri="{9D8B030D-6E8A-4147-A177-3AD203B41FA5}">
-                      <a16:colId xmlns:a16="http://schemas.microsoft.com/office/drawing/2014/main" xmlns="" val="1011603094"/>
+                      <a16:colId xmlns="" xmlns:a16="http://schemas.microsoft.com/office/drawing/2014/main" val="1011603094"/>
                     </a:ext>
                   </a:extLst>
                 </a:gridCol>
@@ -12478,7 +13260,7 @@
                 </a:tc>
                 <a:extLst>
                   <a:ext uri="{0D108BD9-81ED-4DB2-BD59-A6C34878D82A}">
-                    <a16:rowId xmlns:a16="http://schemas.microsoft.com/office/drawing/2014/main" xmlns="" val="1583862762"/>
+                    <a16:rowId xmlns="" xmlns:a16="http://schemas.microsoft.com/office/drawing/2014/main" val="1583862762"/>
                   </a:ext>
                 </a:extLst>
               </a:tr>
@@ -12758,7 +13540,7 @@
                 </a:tc>
                 <a:extLst>
                   <a:ext uri="{0D108BD9-81ED-4DB2-BD59-A6C34878D82A}">
-                    <a16:rowId xmlns:a16="http://schemas.microsoft.com/office/drawing/2014/main" xmlns="" val="3367765930"/>
+                    <a16:rowId xmlns="" xmlns:a16="http://schemas.microsoft.com/office/drawing/2014/main" val="3367765930"/>
                   </a:ext>
                 </a:extLst>
               </a:tr>
@@ -13038,7 +13820,7 @@
                 </a:tc>
                 <a:extLst>
                   <a:ext uri="{0D108BD9-81ED-4DB2-BD59-A6C34878D82A}">
-                    <a16:rowId xmlns:a16="http://schemas.microsoft.com/office/drawing/2014/main" xmlns="" val="2433277315"/>
+                    <a16:rowId xmlns="" xmlns:a16="http://schemas.microsoft.com/office/drawing/2014/main" val="2433277315"/>
                   </a:ext>
                 </a:extLst>
               </a:tr>
@@ -13094,21 +13876,21 @@
                 <a:gridCol w="487722">
                   <a:extLst>
                     <a:ext uri="{9D8B030D-6E8A-4147-A177-3AD203B41FA5}">
-                      <a16:colId xmlns:a16="http://schemas.microsoft.com/office/drawing/2014/main" xmlns="" val="2712960937"/>
+                      <a16:colId xmlns="" xmlns:a16="http://schemas.microsoft.com/office/drawing/2014/main" val="2712960937"/>
                     </a:ext>
                   </a:extLst>
                 </a:gridCol>
                 <a:gridCol w="487722">
                   <a:extLst>
                     <a:ext uri="{9D8B030D-6E8A-4147-A177-3AD203B41FA5}">
-                      <a16:colId xmlns:a16="http://schemas.microsoft.com/office/drawing/2014/main" xmlns="" val="1352865225"/>
+                      <a16:colId xmlns="" xmlns:a16="http://schemas.microsoft.com/office/drawing/2014/main" val="1352865225"/>
                     </a:ext>
                   </a:extLst>
                 </a:gridCol>
                 <a:gridCol w="487722">
                   <a:extLst>
                     <a:ext uri="{9D8B030D-6E8A-4147-A177-3AD203B41FA5}">
-                      <a16:colId xmlns:a16="http://schemas.microsoft.com/office/drawing/2014/main" xmlns="" val="455385180"/>
+                      <a16:colId xmlns="" xmlns:a16="http://schemas.microsoft.com/office/drawing/2014/main" val="455385180"/>
                     </a:ext>
                   </a:extLst>
                 </a:gridCol>
@@ -13325,7 +14107,7 @@
                 </a:tc>
                 <a:extLst>
                   <a:ext uri="{0D108BD9-81ED-4DB2-BD59-A6C34878D82A}">
-                    <a16:rowId xmlns:a16="http://schemas.microsoft.com/office/drawing/2014/main" xmlns="" val="1301424847"/>
+                    <a16:rowId xmlns="" xmlns:a16="http://schemas.microsoft.com/office/drawing/2014/main" val="1301424847"/>
                   </a:ext>
                 </a:extLst>
               </a:tr>
@@ -13536,7 +14318,7 @@
                 </a:tc>
                 <a:extLst>
                   <a:ext uri="{0D108BD9-81ED-4DB2-BD59-A6C34878D82A}">
-                    <a16:rowId xmlns:a16="http://schemas.microsoft.com/office/drawing/2014/main" xmlns="" val="3667364987"/>
+                    <a16:rowId xmlns="" xmlns:a16="http://schemas.microsoft.com/office/drawing/2014/main" val="3667364987"/>
                   </a:ext>
                 </a:extLst>
               </a:tr>
@@ -13750,7 +14532,7 @@
                 </a:tc>
                 <a:extLst>
                   <a:ext uri="{0D108BD9-81ED-4DB2-BD59-A6C34878D82A}">
-                    <a16:rowId xmlns:a16="http://schemas.microsoft.com/office/drawing/2014/main" xmlns="" val="2169824223"/>
+                    <a16:rowId xmlns="" xmlns:a16="http://schemas.microsoft.com/office/drawing/2014/main" val="2169824223"/>
                   </a:ext>
                 </a:extLst>
               </a:tr>
@@ -13805,7 +14587,7 @@
                 <a:gridCol w="496324">
                   <a:extLst>
                     <a:ext uri="{9D8B030D-6E8A-4147-A177-3AD203B41FA5}">
-                      <a16:colId xmlns:a16="http://schemas.microsoft.com/office/drawing/2014/main" xmlns="" val="4131415336"/>
+                      <a16:colId xmlns="" xmlns:a16="http://schemas.microsoft.com/office/drawing/2014/main" val="4131415336"/>
                     </a:ext>
                   </a:extLst>
                 </a:gridCol>
@@ -13899,7 +14681,7 @@
                 </a:tc>
                 <a:extLst>
                   <a:ext uri="{0D108BD9-81ED-4DB2-BD59-A6C34878D82A}">
-                    <a16:rowId xmlns:a16="http://schemas.microsoft.com/office/drawing/2014/main" xmlns="" val="1706277807"/>
+                    <a16:rowId xmlns="" xmlns:a16="http://schemas.microsoft.com/office/drawing/2014/main" val="1706277807"/>
                   </a:ext>
                 </a:extLst>
               </a:tr>
@@ -13907,39 +14689,6 @@
           </a:graphicData>
         </a:graphic>
       </p:graphicFrame>
-      <p:sp>
-        <p:nvSpPr>
-          <p:cNvPr id="48" name="テキスト ボックス 47"/>
-          <p:cNvSpPr txBox="1"/>
-          <p:nvPr/>
-        </p:nvSpPr>
-        <p:spPr>
-          <a:xfrm>
-            <a:off x="4191774" y="6161147"/>
-            <a:ext cx="3074437" cy="400110"/>
-          </a:xfrm>
-          <a:prstGeom prst="rect">
-            <a:avLst/>
-          </a:prstGeom>
-          <a:noFill/>
-        </p:spPr>
-        <p:txBody>
-          <a:bodyPr wrap="square" rtlCol="0">
-            <a:spAutoFit/>
-          </a:bodyPr>
-          <a:lstStyle/>
-          <a:p>
-            <a:r>
-              <a:rPr kumimoji="1" lang="en-US" altLang="ja-JP" sz="2000" dirty="0"/>
-              <a:t>※</a:t>
-            </a:r>
-            <a:r>
-              <a:rPr kumimoji="1" lang="ja-JP" altLang="en-US" sz="2000" dirty="0"/>
-              <a:t>　これらは一例です！</a:t>
-            </a:r>
-          </a:p>
-        </p:txBody>
-      </p:sp>
     </p:spTree>
     <p:extLst>
       <p:ext uri="{BB962C8B-B14F-4D97-AF65-F5344CB8AC3E}">
@@ -14098,7 +14847,7 @@
           <p:cNvPr id="10" name="表 9">
             <a:extLst>
               <a:ext uri="{FF2B5EF4-FFF2-40B4-BE49-F238E27FC236}">
-                <a16:creationId xmlns:a16="http://schemas.microsoft.com/office/drawing/2014/main" xmlns="" id="{0A54A222-0D14-47A6-B417-50568EAF6495}"/>
+                <a16:creationId xmlns="" xmlns:a16="http://schemas.microsoft.com/office/drawing/2014/main" id="{0A54A222-0D14-47A6-B417-50568EAF6495}"/>
               </a:ext>
             </a:extLst>
           </p:cNvPr>
@@ -14108,13 +14857,13 @@
           <p:nvPr>
             <p:extLst>
               <p:ext uri="{D42A27DB-BD31-4B8C-83A1-F6EECF244321}">
-                <p14:modId xmlns:p14="http://schemas.microsoft.com/office/powerpoint/2010/main" val="1468604118"/>
+                <p14:modId xmlns:p14="http://schemas.microsoft.com/office/powerpoint/2010/main" val="3821762610"/>
               </p:ext>
             </p:extLst>
           </p:nvPr>
         </p:nvGraphicFramePr>
         <p:xfrm>
-          <a:off x="2837950" y="3005675"/>
+          <a:off x="4057150" y="3005675"/>
           <a:ext cx="2958486" cy="3156798"/>
         </p:xfrm>
         <a:graphic>
@@ -14127,42 +14876,42 @@
                 <a:gridCol w="493081">
                   <a:extLst>
                     <a:ext uri="{9D8B030D-6E8A-4147-A177-3AD203B41FA5}">
-                      <a16:colId xmlns:a16="http://schemas.microsoft.com/office/drawing/2014/main" xmlns="" val="2828972309"/>
+                      <a16:colId xmlns="" xmlns:a16="http://schemas.microsoft.com/office/drawing/2014/main" val="2828972309"/>
                     </a:ext>
                   </a:extLst>
                 </a:gridCol>
                 <a:gridCol w="493081">
                   <a:extLst>
                     <a:ext uri="{9D8B030D-6E8A-4147-A177-3AD203B41FA5}">
-                      <a16:colId xmlns:a16="http://schemas.microsoft.com/office/drawing/2014/main" xmlns="" val="2723691098"/>
+                      <a16:colId xmlns="" xmlns:a16="http://schemas.microsoft.com/office/drawing/2014/main" val="2723691098"/>
                     </a:ext>
                   </a:extLst>
                 </a:gridCol>
                 <a:gridCol w="493081">
                   <a:extLst>
                     <a:ext uri="{9D8B030D-6E8A-4147-A177-3AD203B41FA5}">
-                      <a16:colId xmlns:a16="http://schemas.microsoft.com/office/drawing/2014/main" xmlns="" val="878714757"/>
+                      <a16:colId xmlns="" xmlns:a16="http://schemas.microsoft.com/office/drawing/2014/main" val="878714757"/>
                     </a:ext>
                   </a:extLst>
                 </a:gridCol>
                 <a:gridCol w="493081">
                   <a:extLst>
                     <a:ext uri="{9D8B030D-6E8A-4147-A177-3AD203B41FA5}">
-                      <a16:colId xmlns:a16="http://schemas.microsoft.com/office/drawing/2014/main" xmlns="" val="1913135217"/>
+                      <a16:colId xmlns="" xmlns:a16="http://schemas.microsoft.com/office/drawing/2014/main" val="1913135217"/>
                     </a:ext>
                   </a:extLst>
                 </a:gridCol>
                 <a:gridCol w="493081">
                   <a:extLst>
                     <a:ext uri="{9D8B030D-6E8A-4147-A177-3AD203B41FA5}">
-                      <a16:colId xmlns:a16="http://schemas.microsoft.com/office/drawing/2014/main" xmlns="" val="4201542503"/>
+                      <a16:colId xmlns="" xmlns:a16="http://schemas.microsoft.com/office/drawing/2014/main" val="4201542503"/>
                     </a:ext>
                   </a:extLst>
                 </a:gridCol>
                 <a:gridCol w="493081">
                   <a:extLst>
                     <a:ext uri="{9D8B030D-6E8A-4147-A177-3AD203B41FA5}">
-                      <a16:colId xmlns:a16="http://schemas.microsoft.com/office/drawing/2014/main" xmlns="" val="810969331"/>
+                      <a16:colId xmlns="" xmlns:a16="http://schemas.microsoft.com/office/drawing/2014/main" val="810969331"/>
                     </a:ext>
                   </a:extLst>
                 </a:gridCol>
@@ -14494,7 +15243,7 @@
                 </a:tc>
                 <a:extLst>
                   <a:ext uri="{0D108BD9-81ED-4DB2-BD59-A6C34878D82A}">
-                    <a16:rowId xmlns:a16="http://schemas.microsoft.com/office/drawing/2014/main" xmlns="" val="758828915"/>
+                    <a16:rowId xmlns="" xmlns:a16="http://schemas.microsoft.com/office/drawing/2014/main" val="758828915"/>
                   </a:ext>
                 </a:extLst>
               </a:tr>
@@ -14834,7 +15583,7 @@
                 </a:tc>
                 <a:extLst>
                   <a:ext uri="{0D108BD9-81ED-4DB2-BD59-A6C34878D82A}">
-                    <a16:rowId xmlns:a16="http://schemas.microsoft.com/office/drawing/2014/main" xmlns="" val="999118659"/>
+                    <a16:rowId xmlns="" xmlns:a16="http://schemas.microsoft.com/office/drawing/2014/main" val="999118659"/>
                   </a:ext>
                 </a:extLst>
               </a:tr>
@@ -15171,7 +15920,7 @@
                 </a:tc>
                 <a:extLst>
                   <a:ext uri="{0D108BD9-81ED-4DB2-BD59-A6C34878D82A}">
-                    <a16:rowId xmlns:a16="http://schemas.microsoft.com/office/drawing/2014/main" xmlns="" val="2721425135"/>
+                    <a16:rowId xmlns="" xmlns:a16="http://schemas.microsoft.com/office/drawing/2014/main" val="2721425135"/>
                   </a:ext>
                 </a:extLst>
               </a:tr>
@@ -15511,7 +16260,7 @@
                 </a:tc>
                 <a:extLst>
                   <a:ext uri="{0D108BD9-81ED-4DB2-BD59-A6C34878D82A}">
-                    <a16:rowId xmlns:a16="http://schemas.microsoft.com/office/drawing/2014/main" xmlns="" val="2772929386"/>
+                    <a16:rowId xmlns="" xmlns:a16="http://schemas.microsoft.com/office/drawing/2014/main" val="2772929386"/>
                   </a:ext>
                 </a:extLst>
               </a:tr>
@@ -15842,7 +16591,7 @@
                 </a:tc>
                 <a:extLst>
                   <a:ext uri="{0D108BD9-81ED-4DB2-BD59-A6C34878D82A}">
-                    <a16:rowId xmlns:a16="http://schemas.microsoft.com/office/drawing/2014/main" xmlns="" val="110397529"/>
+                    <a16:rowId xmlns="" xmlns:a16="http://schemas.microsoft.com/office/drawing/2014/main" val="110397529"/>
                   </a:ext>
                 </a:extLst>
               </a:tr>
@@ -16173,7 +16922,7 @@
                 </a:tc>
                 <a:extLst>
                   <a:ext uri="{0D108BD9-81ED-4DB2-BD59-A6C34878D82A}">
-                    <a16:rowId xmlns:a16="http://schemas.microsoft.com/office/drawing/2014/main" xmlns="" val="2753846136"/>
+                    <a16:rowId xmlns="" xmlns:a16="http://schemas.microsoft.com/office/drawing/2014/main" val="2753846136"/>
                   </a:ext>
                 </a:extLst>
               </a:tr>
@@ -16218,7 +16967,7 @@
         <p:spPr>
           <a:xfrm>
             <a:off x="417095" y="1270000"/>
-            <a:ext cx="9560649" cy="1569660"/>
+            <a:ext cx="10479505" cy="1077218"/>
           </a:xfrm>
           <a:prstGeom prst="rect">
             <a:avLst/>
@@ -16249,6 +16998,21 @@
               <a:defRPr/>
             </a:pPr>
             <a:r>
+              <a:rPr kumimoji="1" lang="ja-JP" altLang="en-US" sz="2800" b="0" i="0" u="none" strike="noStrike" kern="1200" cap="none" spc="0" normalizeH="0" baseline="0" noProof="0" dirty="0">
+                <a:ln>
+                  <a:noFill/>
+                </a:ln>
+                <a:solidFill>
+                  <a:prstClr val="black"/>
+                </a:solidFill>
+                <a:effectLst/>
+                <a:uLnTx/>
+                <a:uFillTx/>
+                <a:latin typeface="+mn-ea"/>
+              </a:rPr>
+              <a:t>プレイヤー</a:t>
+            </a:r>
+            <a:r>
               <a:rPr kumimoji="1" lang="ja-JP" altLang="en-US" sz="3200" b="0" i="0" u="none" strike="noStrike" kern="1200" cap="none" spc="0" normalizeH="0" baseline="0" noProof="0" dirty="0">
                 <a:ln>
                   <a:noFill/>
@@ -16259,19 +17023,46 @@
                 <a:effectLst/>
                 <a:uLnTx/>
                 <a:uFillTx/>
-                <a:latin typeface="游ゴシック" panose="020F0502020204030204"/>
-                <a:ea typeface="游ゴシック" panose="020B0400000000000000" pitchFamily="50" charset="-128"/>
-                <a:cs typeface="+mn-cs"/>
+                <a:latin typeface="+mn-ea"/>
               </a:rPr>
-              <a:t>プレイヤーが動く先にハートがあると自動でハートを回収</a:t>
+              <a:t>が動く先にハートがある</a:t>
+            </a:r>
+            <a:r>
+              <a:rPr kumimoji="1" lang="ja-JP" altLang="en-US" sz="3200" b="0" i="0" u="none" strike="noStrike" kern="1200" cap="none" spc="0" normalizeH="0" baseline="0" noProof="0" dirty="0" smtClean="0">
+                <a:ln>
+                  <a:noFill/>
+                </a:ln>
+                <a:solidFill>
+                  <a:prstClr val="black"/>
+                </a:solidFill>
+                <a:effectLst/>
+                <a:uLnTx/>
+                <a:uFillTx/>
+                <a:latin typeface="+mn-ea"/>
+              </a:rPr>
+              <a:t>とハート</a:t>
+            </a:r>
+            <a:r>
+              <a:rPr kumimoji="1" lang="ja-JP" altLang="en-US" sz="3200" b="0" i="0" u="none" strike="noStrike" kern="1200" cap="none" spc="0" normalizeH="0" baseline="0" noProof="0" dirty="0">
+                <a:ln>
+                  <a:noFill/>
+                </a:ln>
+                <a:solidFill>
+                  <a:prstClr val="black"/>
+                </a:solidFill>
+                <a:effectLst/>
+                <a:uLnTx/>
+                <a:uFillTx/>
+                <a:latin typeface="+mn-ea"/>
+              </a:rPr>
+              <a:t>を回収</a:t>
             </a:r>
             <a:r>
               <a:rPr kumimoji="1" lang="ja-JP" altLang="en-US" sz="3200" dirty="0">
                 <a:solidFill>
                   <a:prstClr val="black"/>
                 </a:solidFill>
-                <a:latin typeface="游ゴシック" panose="020F0502020204030204"/>
-                <a:ea typeface="游ゴシック" panose="020B0400000000000000" pitchFamily="50" charset="-128"/>
+                <a:latin typeface="+mn-ea"/>
               </a:rPr>
               <a:t>する</a:t>
             </a:r>
@@ -16285,9 +17076,7 @@
               <a:effectLst/>
               <a:uLnTx/>
               <a:uFillTx/>
-              <a:latin typeface="游ゴシック" panose="020F0502020204030204"/>
-              <a:ea typeface="游ゴシック" panose="020B0400000000000000" pitchFamily="50" charset="-128"/>
-              <a:cs typeface="+mn-cs"/>
+              <a:latin typeface="+mn-ea"/>
             </a:endParaRPr>
           </a:p>
           <a:p>
@@ -16319,11 +17108,33 @@
                 <a:effectLst/>
                 <a:uLnTx/>
                 <a:uFillTx/>
-                <a:latin typeface="游ゴシック" panose="020F0502020204030204"/>
-                <a:ea typeface="游ゴシック" panose="020B0400000000000000" pitchFamily="50" charset="-128"/>
-                <a:cs typeface="+mn-cs"/>
+                <a:latin typeface="+mn-ea"/>
               </a:rPr>
-              <a:t>そのとき、自分のいた場所に必ず壁を置く</a:t>
+              <a:t>そのとき、自分のいた場所に必ず</a:t>
+            </a:r>
+            <a:r>
+              <a:rPr kumimoji="1" lang="ja-JP" altLang="en-US" sz="3200" b="0" i="0" u="none" strike="noStrike" kern="1200" cap="none" spc="0" normalizeH="0" baseline="0" noProof="0" dirty="0" smtClean="0">
+                <a:ln>
+                  <a:noFill/>
+                </a:ln>
+                <a:solidFill>
+                  <a:prstClr val="black"/>
+                </a:solidFill>
+                <a:effectLst/>
+                <a:uLnTx/>
+                <a:uFillTx/>
+                <a:latin typeface="+mn-ea"/>
+              </a:rPr>
+              <a:t>壁</a:t>
+            </a:r>
+            <a:r>
+              <a:rPr kumimoji="1" lang="ja-JP" altLang="en-US" sz="3200" dirty="0" smtClean="0">
+                <a:solidFill>
+                  <a:prstClr val="black"/>
+                </a:solidFill>
+                <a:latin typeface="+mn-ea"/>
+              </a:rPr>
+              <a:t>が設置される</a:t>
             </a:r>
             <a:endParaRPr kumimoji="1" lang="en-US" altLang="ja-JP" sz="3200" b="0" i="0" u="none" strike="noStrike" kern="1200" cap="none" spc="0" normalizeH="0" baseline="0" noProof="0" dirty="0">
               <a:ln>
@@ -16335,9 +17146,7 @@
               <a:effectLst/>
               <a:uLnTx/>
               <a:uFillTx/>
-              <a:latin typeface="游ゴシック" panose="020F0502020204030204"/>
-              <a:ea typeface="游ゴシック" panose="020B0400000000000000" pitchFamily="50" charset="-128"/>
-              <a:cs typeface="+mn-cs"/>
+              <a:latin typeface="+mn-ea"/>
             </a:endParaRPr>
           </a:p>
         </p:txBody>
@@ -16351,13 +17160,13 @@
           <p:nvPr>
             <p:extLst>
               <p:ext uri="{D42A27DB-BD31-4B8C-83A1-F6EECF244321}">
-                <p14:modId xmlns:p14="http://schemas.microsoft.com/office/powerpoint/2010/main" val="3174553947"/>
+                <p14:modId xmlns:p14="http://schemas.microsoft.com/office/powerpoint/2010/main" val="3994500395"/>
               </p:ext>
             </p:extLst>
           </p:nvPr>
         </p:nvGraphicFramePr>
         <p:xfrm>
-          <a:off x="2837950" y="3005675"/>
+          <a:off x="4057150" y="3005675"/>
           <a:ext cx="2958486" cy="3156798"/>
         </p:xfrm>
         <a:graphic>
@@ -16370,42 +17179,42 @@
                 <a:gridCol w="493081">
                   <a:extLst>
                     <a:ext uri="{9D8B030D-6E8A-4147-A177-3AD203B41FA5}">
-                      <a16:colId xmlns:a16="http://schemas.microsoft.com/office/drawing/2014/main" xmlns="" val="2828972309"/>
+                      <a16:colId xmlns="" xmlns:a16="http://schemas.microsoft.com/office/drawing/2014/main" val="2828972309"/>
                     </a:ext>
                   </a:extLst>
                 </a:gridCol>
                 <a:gridCol w="493081">
                   <a:extLst>
                     <a:ext uri="{9D8B030D-6E8A-4147-A177-3AD203B41FA5}">
-                      <a16:colId xmlns:a16="http://schemas.microsoft.com/office/drawing/2014/main" xmlns="" val="2723691098"/>
+                      <a16:colId xmlns="" xmlns:a16="http://schemas.microsoft.com/office/drawing/2014/main" val="2723691098"/>
                     </a:ext>
                   </a:extLst>
                 </a:gridCol>
                 <a:gridCol w="493081">
                   <a:extLst>
                     <a:ext uri="{9D8B030D-6E8A-4147-A177-3AD203B41FA5}">
-                      <a16:colId xmlns:a16="http://schemas.microsoft.com/office/drawing/2014/main" xmlns="" val="878714757"/>
+                      <a16:colId xmlns="" xmlns:a16="http://schemas.microsoft.com/office/drawing/2014/main" val="878714757"/>
                     </a:ext>
                   </a:extLst>
                 </a:gridCol>
                 <a:gridCol w="493081">
                   <a:extLst>
                     <a:ext uri="{9D8B030D-6E8A-4147-A177-3AD203B41FA5}">
-                      <a16:colId xmlns:a16="http://schemas.microsoft.com/office/drawing/2014/main" xmlns="" val="1913135217"/>
+                      <a16:colId xmlns="" xmlns:a16="http://schemas.microsoft.com/office/drawing/2014/main" val="1913135217"/>
                     </a:ext>
                   </a:extLst>
                 </a:gridCol>
                 <a:gridCol w="493081">
                   <a:extLst>
                     <a:ext uri="{9D8B030D-6E8A-4147-A177-3AD203B41FA5}">
-                      <a16:colId xmlns:a16="http://schemas.microsoft.com/office/drawing/2014/main" xmlns="" val="4201542503"/>
+                      <a16:colId xmlns="" xmlns:a16="http://schemas.microsoft.com/office/drawing/2014/main" val="4201542503"/>
                     </a:ext>
                   </a:extLst>
                 </a:gridCol>
                 <a:gridCol w="493081">
                   <a:extLst>
                     <a:ext uri="{9D8B030D-6E8A-4147-A177-3AD203B41FA5}">
-                      <a16:colId xmlns:a16="http://schemas.microsoft.com/office/drawing/2014/main" xmlns="" val="810969331"/>
+                      <a16:colId xmlns="" xmlns:a16="http://schemas.microsoft.com/office/drawing/2014/main" val="810969331"/>
                     </a:ext>
                   </a:extLst>
                 </a:gridCol>
@@ -16737,7 +17546,7 @@
                 </a:tc>
                 <a:extLst>
                   <a:ext uri="{0D108BD9-81ED-4DB2-BD59-A6C34878D82A}">
-                    <a16:rowId xmlns:a16="http://schemas.microsoft.com/office/drawing/2014/main" xmlns="" val="758828915"/>
+                    <a16:rowId xmlns="" xmlns:a16="http://schemas.microsoft.com/office/drawing/2014/main" val="758828915"/>
                   </a:ext>
                 </a:extLst>
               </a:tr>
@@ -17077,7 +17886,7 @@
                 </a:tc>
                 <a:extLst>
                   <a:ext uri="{0D108BD9-81ED-4DB2-BD59-A6C34878D82A}">
-                    <a16:rowId xmlns:a16="http://schemas.microsoft.com/office/drawing/2014/main" xmlns="" val="999118659"/>
+                    <a16:rowId xmlns="" xmlns:a16="http://schemas.microsoft.com/office/drawing/2014/main" val="999118659"/>
                   </a:ext>
                 </a:extLst>
               </a:tr>
@@ -17414,7 +18223,7 @@
                 </a:tc>
                 <a:extLst>
                   <a:ext uri="{0D108BD9-81ED-4DB2-BD59-A6C34878D82A}">
-                    <a16:rowId xmlns:a16="http://schemas.microsoft.com/office/drawing/2014/main" xmlns="" val="2721425135"/>
+                    <a16:rowId xmlns="" xmlns:a16="http://schemas.microsoft.com/office/drawing/2014/main" val="2721425135"/>
                   </a:ext>
                 </a:extLst>
               </a:tr>
@@ -17754,7 +18563,7 @@
                 </a:tc>
                 <a:extLst>
                   <a:ext uri="{0D108BD9-81ED-4DB2-BD59-A6C34878D82A}">
-                    <a16:rowId xmlns:a16="http://schemas.microsoft.com/office/drawing/2014/main" xmlns="" val="2772929386"/>
+                    <a16:rowId xmlns="" xmlns:a16="http://schemas.microsoft.com/office/drawing/2014/main" val="2772929386"/>
                   </a:ext>
                 </a:extLst>
               </a:tr>
@@ -18085,7 +18894,7 @@
                 </a:tc>
                 <a:extLst>
                   <a:ext uri="{0D108BD9-81ED-4DB2-BD59-A6C34878D82A}">
-                    <a16:rowId xmlns:a16="http://schemas.microsoft.com/office/drawing/2014/main" xmlns="" val="110397529"/>
+                    <a16:rowId xmlns="" xmlns:a16="http://schemas.microsoft.com/office/drawing/2014/main" val="110397529"/>
                   </a:ext>
                 </a:extLst>
               </a:tr>
@@ -18416,7 +19225,7 @@
                 </a:tc>
                 <a:extLst>
                   <a:ext uri="{0D108BD9-81ED-4DB2-BD59-A6C34878D82A}">
-                    <a16:rowId xmlns:a16="http://schemas.microsoft.com/office/drawing/2014/main" xmlns="" val="2753846136"/>
+                    <a16:rowId xmlns="" xmlns:a16="http://schemas.microsoft.com/office/drawing/2014/main" val="2753846136"/>
                   </a:ext>
                 </a:extLst>
               </a:tr>
@@ -18439,7 +19248,7 @@
         </p:blipFill>
         <p:spPr>
           <a:xfrm>
-            <a:off x="3812963" y="4069310"/>
+            <a:off x="5032163" y="4069310"/>
             <a:ext cx="504230" cy="514906"/>
           </a:xfrm>
           <a:prstGeom prst="rect">
@@ -18462,7 +19271,7 @@
         </p:blipFill>
         <p:spPr>
           <a:xfrm>
-            <a:off x="3342446" y="4069310"/>
+            <a:off x="4561646" y="4069310"/>
             <a:ext cx="470517" cy="514906"/>
           </a:xfrm>
           <a:prstGeom prst="rect">
@@ -18479,13 +19288,13 @@
           <p:nvPr>
             <p:extLst>
               <p:ext uri="{D42A27DB-BD31-4B8C-83A1-F6EECF244321}">
-                <p14:modId xmlns:p14="http://schemas.microsoft.com/office/powerpoint/2010/main" val="4181307199"/>
+                <p14:modId xmlns:p14="http://schemas.microsoft.com/office/powerpoint/2010/main" val="974673533"/>
               </p:ext>
             </p:extLst>
           </p:nvPr>
         </p:nvGraphicFramePr>
         <p:xfrm>
-          <a:off x="3316639" y="4078608"/>
+          <a:off x="4535839" y="4078608"/>
           <a:ext cx="496324" cy="505466"/>
         </p:xfrm>
         <a:graphic>
@@ -18498,7 +19307,7 @@
                 <a:gridCol w="496324">
                   <a:extLst>
                     <a:ext uri="{9D8B030D-6E8A-4147-A177-3AD203B41FA5}">
-                      <a16:colId xmlns:a16="http://schemas.microsoft.com/office/drawing/2014/main" xmlns="" val="4131415336"/>
+                      <a16:colId xmlns="" xmlns:a16="http://schemas.microsoft.com/office/drawing/2014/main" val="4131415336"/>
                     </a:ext>
                   </a:extLst>
                 </a:gridCol>
@@ -18592,7 +19401,7 @@
                 </a:tc>
                 <a:extLst>
                   <a:ext uri="{0D108BD9-81ED-4DB2-BD59-A6C34878D82A}">
-                    <a16:rowId xmlns:a16="http://schemas.microsoft.com/office/drawing/2014/main" xmlns="" val="1706277807"/>
+                    <a16:rowId xmlns="" xmlns:a16="http://schemas.microsoft.com/office/drawing/2014/main" val="1706277807"/>
                   </a:ext>
                 </a:extLst>
               </a:tr>

--- a/New_U-16.pptx
+++ b/New_U-16.pptx
@@ -127,7 +127,7 @@
   </p:defaultTextStyle>
   <p:extLst>
     <p:ext uri="{EFAFB233-063F-42B5-8137-9DF3F51BA10A}">
-      <p15:sldGuideLst xmlns:p15="http://schemas.microsoft.com/office/powerpoint/2012/main">
+      <p15:sldGuideLst xmlns="" xmlns:p15="http://schemas.microsoft.com/office/powerpoint/2012/main">
         <p15:guide id="1" orient="horz" pos="2160">
           <p15:clr>
             <a:srgbClr val="A4A3A4"/>
@@ -6241,6 +6241,35 @@
           <a:chExt cx="0" cy="0"/>
         </a:xfrm>
       </p:grpSpPr>
+      <p:pic>
+        <p:nvPicPr>
+          <p:cNvPr id="13" name="図 12"/>
+          <p:cNvPicPr>
+            <a:picLocks noChangeAspect="1"/>
+          </p:cNvPicPr>
+          <p:nvPr/>
+        </p:nvPicPr>
+        <p:blipFill rotWithShape="1">
+          <a:blip r:embed="rId2">
+            <a:extLst>
+              <a:ext uri="{28A0092B-C50C-407E-A947-70E740481C1C}">
+                <a14:useLocalDpi xmlns:a14="http://schemas.microsoft.com/office/drawing/2010/main" val="0"/>
+              </a:ext>
+            </a:extLst>
+          </a:blip>
+          <a:srcRect l="60906" t="2631" b="28810"/>
+          <a:stretch/>
+        </p:blipFill>
+        <p:spPr>
+          <a:xfrm>
+            <a:off x="2580356" y="1232559"/>
+            <a:ext cx="2269732" cy="2872940"/>
+          </a:xfrm>
+          <a:prstGeom prst="rect">
+            <a:avLst/>
+          </a:prstGeom>
+        </p:spPr>
+      </p:pic>
       <p:sp>
         <p:nvSpPr>
           <p:cNvPr id="2" name="タイトル 1"/>
@@ -6267,41 +6296,75 @@
           </a:p>
         </p:txBody>
       </p:sp>
-      <p:pic>
-        <p:nvPicPr>
-          <p:cNvPr id="4" name="コンテンツ プレースホルダー 3"/>
-          <p:cNvPicPr>
-            <a:picLocks noGrp="1" noChangeAspect="1"/>
-          </p:cNvPicPr>
-          <p:nvPr>
-            <p:ph idx="1"/>
-          </p:nvPr>
-        </p:nvPicPr>
-        <p:blipFill rotWithShape="1">
-          <a:blip r:embed="rId2"/>
-          <a:srcRect b="70511"/>
-          <a:stretch/>
-        </p:blipFill>
+      <p:sp>
+        <p:nvSpPr>
+          <p:cNvPr id="11" name="テキスト ボックス 10"/>
+          <p:cNvSpPr txBox="1"/>
+          <p:nvPr/>
+        </p:nvSpPr>
         <p:spPr>
           <a:xfrm>
-            <a:off x="1794942" y="1546327"/>
-            <a:ext cx="8647216" cy="2245404"/>
+            <a:off x="2679467" y="4709313"/>
+            <a:ext cx="6833062" cy="646331"/>
           </a:xfrm>
           <a:prstGeom prst="rect">
             <a:avLst/>
           </a:prstGeom>
+          <a:noFill/>
         </p:spPr>
-      </p:pic>
+        <p:txBody>
+          <a:bodyPr wrap="square" rtlCol="0">
+            <a:spAutoFit/>
+          </a:bodyPr>
+          <a:lstStyle/>
+          <a:p>
+            <a:r>
+              <a:rPr kumimoji="1" lang="ja-JP" altLang="en-US" sz="3600" dirty="0"/>
+              <a:t>ハートを相手より多く獲得する</a:t>
+            </a:r>
+          </a:p>
+        </p:txBody>
+      </p:sp>
       <p:sp>
         <p:nvSpPr>
-          <p:cNvPr id="6" name="正方形/長方形 5"/>
+          <p:cNvPr id="12" name="テキスト ボックス 11"/>
+          <p:cNvSpPr txBox="1"/>
+          <p:nvPr/>
+        </p:nvSpPr>
+        <p:spPr>
+          <a:xfrm>
+            <a:off x="4490298" y="4269996"/>
+            <a:ext cx="3807229" cy="400110"/>
+          </a:xfrm>
+          <a:prstGeom prst="rect">
+            <a:avLst/>
+          </a:prstGeom>
+          <a:noFill/>
+        </p:spPr>
+        <p:txBody>
+          <a:bodyPr wrap="square" rtlCol="0">
+            <a:spAutoFit/>
+          </a:bodyPr>
+          <a:lstStyle/>
+          <a:p>
+            <a:r>
+              <a:rPr lang="ja-JP" altLang="en-US" sz="2000" dirty="0"/>
+              <a:t>残りターンが０になったとき</a:t>
+            </a:r>
+            <a:endParaRPr kumimoji="1" lang="ja-JP" altLang="en-US" sz="2000" dirty="0"/>
+          </a:p>
+        </p:txBody>
+      </p:sp>
+      <p:sp>
+        <p:nvSpPr>
+          <p:cNvPr id="8" name="正方形/長方形 7"/>
           <p:cNvSpPr/>
           <p:nvPr/>
         </p:nvSpPr>
         <p:spPr>
           <a:xfrm>
-            <a:off x="1794942" y="1733265"/>
-            <a:ext cx="1043792" cy="385249"/>
+            <a:off x="3043889" y="2986269"/>
+            <a:ext cx="671333" cy="313515"/>
           </a:xfrm>
           <a:prstGeom prst="rect">
             <a:avLst/>
@@ -6340,118 +6403,13 @@
       </p:sp>
       <p:sp>
         <p:nvSpPr>
-          <p:cNvPr id="11" name="テキスト ボックス 10"/>
-          <p:cNvSpPr txBox="1"/>
-          <p:nvPr/>
-        </p:nvSpPr>
-        <p:spPr>
-          <a:xfrm>
-            <a:off x="2679467" y="4709313"/>
-            <a:ext cx="6833062" cy="646331"/>
-          </a:xfrm>
-          <a:prstGeom prst="rect">
-            <a:avLst/>
-          </a:prstGeom>
-          <a:noFill/>
-        </p:spPr>
-        <p:txBody>
-          <a:bodyPr wrap="square" rtlCol="0">
-            <a:spAutoFit/>
-          </a:bodyPr>
-          <a:lstStyle/>
-          <a:p>
-            <a:r>
-              <a:rPr kumimoji="1" lang="ja-JP" altLang="en-US" sz="3600" dirty="0"/>
-              <a:t>ハートを相手より多く獲得する</a:t>
-            </a:r>
-          </a:p>
-        </p:txBody>
-      </p:sp>
-      <p:sp>
-        <p:nvSpPr>
-          <p:cNvPr id="12" name="テキスト ボックス 11"/>
-          <p:cNvSpPr txBox="1"/>
-          <p:nvPr/>
-        </p:nvSpPr>
-        <p:spPr>
-          <a:xfrm>
-            <a:off x="4490298" y="4269996"/>
-            <a:ext cx="3807229" cy="400110"/>
-          </a:xfrm>
-          <a:prstGeom prst="rect">
-            <a:avLst/>
-          </a:prstGeom>
-          <a:noFill/>
-        </p:spPr>
-        <p:txBody>
-          <a:bodyPr wrap="square" rtlCol="0">
-            <a:spAutoFit/>
-          </a:bodyPr>
-          <a:lstStyle/>
-          <a:p>
-            <a:r>
-              <a:rPr lang="ja-JP" altLang="en-US" sz="2000" dirty="0"/>
-              <a:t>残りターンが０になったとき</a:t>
-            </a:r>
-            <a:endParaRPr kumimoji="1" lang="ja-JP" altLang="en-US" sz="2000" dirty="0"/>
-          </a:p>
-        </p:txBody>
-      </p:sp>
-      <p:sp>
-        <p:nvSpPr>
-          <p:cNvPr id="8" name="正方形/長方形 7"/>
-          <p:cNvSpPr/>
-          <p:nvPr/>
-        </p:nvSpPr>
-        <p:spPr>
-          <a:xfrm>
-            <a:off x="9035935" y="1721891"/>
-            <a:ext cx="1043899" cy="385249"/>
-          </a:xfrm>
-          <a:prstGeom prst="rect">
-            <a:avLst/>
-          </a:prstGeom>
-          <a:noFill/>
-          <a:ln w="38100">
-            <a:solidFill>
-              <a:srgbClr val="FF0000"/>
-            </a:solidFill>
-          </a:ln>
-        </p:spPr>
-        <p:style>
-          <a:lnRef idx="2">
-            <a:schemeClr val="accent1">
-              <a:shade val="50000"/>
-            </a:schemeClr>
-          </a:lnRef>
-          <a:fillRef idx="1">
-            <a:schemeClr val="accent1"/>
-          </a:fillRef>
-          <a:effectRef idx="0">
-            <a:schemeClr val="accent1"/>
-          </a:effectRef>
-          <a:fontRef idx="minor">
-            <a:schemeClr val="lt1"/>
-          </a:fontRef>
-        </p:style>
-        <p:txBody>
-          <a:bodyPr rtlCol="0" anchor="ctr"/>
-          <a:lstStyle/>
-          <a:p>
-            <a:pPr algn="ctr"/>
-            <a:endParaRPr kumimoji="1" lang="ja-JP" altLang="en-US"/>
-          </a:p>
-        </p:txBody>
-      </p:sp>
-      <p:sp>
-        <p:nvSpPr>
           <p:cNvPr id="3" name="テキスト ボックス 2"/>
           <p:cNvSpPr txBox="1"/>
           <p:nvPr/>
         </p:nvSpPr>
         <p:spPr>
           <a:xfrm>
-            <a:off x="4448546" y="2145809"/>
+            <a:off x="5050166" y="2522453"/>
             <a:ext cx="3985769" cy="523220"/>
           </a:xfrm>
           <a:prstGeom prst="rect">
@@ -6479,8 +6437,8 @@
           <p:nvPr/>
         </p:nvSpPr>
         <p:spPr>
-          <a:xfrm rot="20327689">
-            <a:off x="8226395" y="2081376"/>
+          <a:xfrm rot="20683072" flipH="1">
+            <a:off x="4135456" y="2847563"/>
             <a:ext cx="709685" cy="277412"/>
           </a:xfrm>
           <a:prstGeom prst="rightArrow">
@@ -6537,8 +6495,8 @@
           </a:stretch>
         </p:blipFill>
         <p:spPr bwMode="auto">
-          <a:xfrm flipH="1">
-            <a:off x="3715222" y="1932290"/>
+          <a:xfrm rot="21090505" flipH="1">
+            <a:off x="4133904" y="2306740"/>
             <a:ext cx="712788" cy="427037"/>
           </a:xfrm>
           <a:prstGeom prst="rect">
@@ -6579,6 +6537,52 @@
           </a:extLst>
         </p:spPr>
       </p:pic>
+      <p:sp>
+        <p:nvSpPr>
+          <p:cNvPr id="14" name="正方形/長方形 13"/>
+          <p:cNvSpPr/>
+          <p:nvPr/>
+        </p:nvSpPr>
+        <p:spPr>
+          <a:xfrm>
+            <a:off x="3043889" y="2307422"/>
+            <a:ext cx="671333" cy="313515"/>
+          </a:xfrm>
+          <a:prstGeom prst="rect">
+            <a:avLst/>
+          </a:prstGeom>
+          <a:noFill/>
+          <a:ln w="38100">
+            <a:solidFill>
+              <a:srgbClr val="FF0000"/>
+            </a:solidFill>
+          </a:ln>
+        </p:spPr>
+        <p:style>
+          <a:lnRef idx="2">
+            <a:schemeClr val="accent1">
+              <a:shade val="50000"/>
+            </a:schemeClr>
+          </a:lnRef>
+          <a:fillRef idx="1">
+            <a:schemeClr val="accent1"/>
+          </a:fillRef>
+          <a:effectRef idx="0">
+            <a:schemeClr val="accent1"/>
+          </a:effectRef>
+          <a:fontRef idx="minor">
+            <a:schemeClr val="lt1"/>
+          </a:fontRef>
+        </p:style>
+        <p:txBody>
+          <a:bodyPr rtlCol="0" anchor="ctr"/>
+          <a:lstStyle/>
+          <a:p>
+            <a:pPr algn="ctr"/>
+            <a:endParaRPr kumimoji="1" lang="ja-JP" altLang="en-US"/>
+          </a:p>
+        </p:txBody>
+      </p:sp>
     </p:spTree>
     <p:extLst>
       <p:ext uri="{BB962C8B-B14F-4D97-AF65-F5344CB8AC3E}">
@@ -6642,77 +6646,6 @@
           </a:p>
         </p:txBody>
       </p:sp>
-      <p:pic>
-        <p:nvPicPr>
-          <p:cNvPr id="8" name="図 7"/>
-          <p:cNvPicPr>
-            <a:picLocks noChangeAspect="1"/>
-          </p:cNvPicPr>
-          <p:nvPr/>
-        </p:nvPicPr>
-        <p:blipFill>
-          <a:blip r:embed="rId2"/>
-          <a:stretch>
-            <a:fillRect/>
-          </a:stretch>
-        </p:blipFill>
-        <p:spPr>
-          <a:xfrm>
-            <a:off x="7422150" y="1709488"/>
-            <a:ext cx="2103752" cy="2152225"/>
-          </a:xfrm>
-          <a:prstGeom prst="rect">
-            <a:avLst/>
-          </a:prstGeom>
-        </p:spPr>
-      </p:pic>
-      <p:pic>
-        <p:nvPicPr>
-          <p:cNvPr id="9" name="図 8"/>
-          <p:cNvPicPr>
-            <a:picLocks noChangeAspect="1"/>
-          </p:cNvPicPr>
-          <p:nvPr/>
-        </p:nvPicPr>
-        <p:blipFill>
-          <a:blip r:embed="rId3"/>
-          <a:stretch>
-            <a:fillRect/>
-          </a:stretch>
-        </p:blipFill>
-        <p:spPr>
-          <a:xfrm>
-            <a:off x="2316890" y="1690688"/>
-            <a:ext cx="2103302" cy="2158171"/>
-          </a:xfrm>
-          <a:prstGeom prst="rect">
-            <a:avLst/>
-          </a:prstGeom>
-        </p:spPr>
-      </p:pic>
-      <p:pic>
-        <p:nvPicPr>
-          <p:cNvPr id="10" name="図 9"/>
-          <p:cNvPicPr>
-            <a:picLocks noChangeAspect="1"/>
-          </p:cNvPicPr>
-          <p:nvPr/>
-        </p:nvPicPr>
-        <p:blipFill rotWithShape="1">
-          <a:blip r:embed="rId4"/>
-          <a:srcRect l="31892" t="32226" r="31711" b="32226"/>
-          <a:stretch/>
-        </p:blipFill>
-        <p:spPr>
-          <a:xfrm>
-            <a:off x="2984269" y="2401329"/>
-            <a:ext cx="768544" cy="768542"/>
-          </a:xfrm>
-          <a:prstGeom prst="rect">
-            <a:avLst/>
-          </a:prstGeom>
-        </p:spPr>
-      </p:pic>
       <p:sp>
         <p:nvSpPr>
           <p:cNvPr id="14" name="右矢印 13"/>
@@ -6885,6 +6818,334 @@
           </a:p>
         </p:txBody>
       </p:sp>
+      <p:pic>
+        <p:nvPicPr>
+          <p:cNvPr id="11" name="図 10"/>
+          <p:cNvPicPr>
+            <a:picLocks noChangeAspect="1"/>
+          </p:cNvPicPr>
+          <p:nvPr/>
+        </p:nvPicPr>
+        <p:blipFill>
+          <a:blip r:embed="rId2">
+            <a:extLst>
+              <a:ext uri="{28A0092B-C50C-407E-A947-70E740481C1C}">
+                <a14:useLocalDpi xmlns:a14="http://schemas.microsoft.com/office/drawing/2010/main" val="0"/>
+              </a:ext>
+            </a:extLst>
+          </a:blip>
+          <a:stretch>
+            <a:fillRect/>
+          </a:stretch>
+        </p:blipFill>
+        <p:spPr>
+          <a:xfrm>
+            <a:off x="2254790" y="1709488"/>
+            <a:ext cx="2227499" cy="2172273"/>
+          </a:xfrm>
+          <a:prstGeom prst="rect">
+            <a:avLst/>
+          </a:prstGeom>
+        </p:spPr>
+      </p:pic>
+      <p:pic>
+        <p:nvPicPr>
+          <p:cNvPr id="12" name="図 11"/>
+          <p:cNvPicPr>
+            <a:picLocks noChangeAspect="1"/>
+          </p:cNvPicPr>
+          <p:nvPr/>
+        </p:nvPicPr>
+        <p:blipFill>
+          <a:blip r:embed="rId2">
+            <a:extLst>
+              <a:ext uri="{28A0092B-C50C-407E-A947-70E740481C1C}">
+                <a14:useLocalDpi xmlns:a14="http://schemas.microsoft.com/office/drawing/2010/main" val="0"/>
+              </a:ext>
+            </a:extLst>
+          </a:blip>
+          <a:stretch>
+            <a:fillRect/>
+          </a:stretch>
+        </p:blipFill>
+        <p:spPr>
+          <a:xfrm>
+            <a:off x="7501591" y="1709486"/>
+            <a:ext cx="2227499" cy="2172273"/>
+          </a:xfrm>
+          <a:prstGeom prst="rect">
+            <a:avLst/>
+          </a:prstGeom>
+        </p:spPr>
+      </p:pic>
+      <p:pic>
+        <p:nvPicPr>
+          <p:cNvPr id="21" name="図 20"/>
+          <p:cNvPicPr>
+            <a:picLocks noChangeAspect="1"/>
+          </p:cNvPicPr>
+          <p:nvPr/>
+        </p:nvPicPr>
+        <p:blipFill>
+          <a:blip r:embed="rId3">
+            <a:extLst>
+              <a:ext uri="{28A0092B-C50C-407E-A947-70E740481C1C}">
+                <a14:useLocalDpi xmlns:a14="http://schemas.microsoft.com/office/drawing/2010/main" val="0"/>
+              </a:ext>
+            </a:extLst>
+          </a:blip>
+          <a:stretch>
+            <a:fillRect/>
+          </a:stretch>
+        </p:blipFill>
+        <p:spPr>
+          <a:xfrm>
+            <a:off x="2296691" y="2470619"/>
+            <a:ext cx="692772" cy="614048"/>
+          </a:xfrm>
+          <a:prstGeom prst="rect">
+            <a:avLst/>
+          </a:prstGeom>
+        </p:spPr>
+      </p:pic>
+      <p:pic>
+        <p:nvPicPr>
+          <p:cNvPr id="4" name="図 3"/>
+          <p:cNvPicPr>
+            <a:picLocks noChangeAspect="1"/>
+          </p:cNvPicPr>
+          <p:nvPr/>
+        </p:nvPicPr>
+        <p:blipFill>
+          <a:blip r:embed="rId4">
+            <a:extLst>
+              <a:ext uri="{28A0092B-C50C-407E-A947-70E740481C1C}">
+                <a14:useLocalDpi xmlns:a14="http://schemas.microsoft.com/office/drawing/2010/main" val="0"/>
+              </a:ext>
+            </a:extLst>
+          </a:blip>
+          <a:stretch>
+            <a:fillRect/>
+          </a:stretch>
+        </p:blipFill>
+        <p:spPr>
+          <a:xfrm>
+            <a:off x="8268954" y="2431257"/>
+            <a:ext cx="692772" cy="692772"/>
+          </a:xfrm>
+          <a:prstGeom prst="rect">
+            <a:avLst/>
+          </a:prstGeom>
+        </p:spPr>
+      </p:pic>
+      <p:pic>
+        <p:nvPicPr>
+          <p:cNvPr id="24" name="図 23"/>
+          <p:cNvPicPr>
+            <a:picLocks noChangeAspect="1"/>
+          </p:cNvPicPr>
+          <p:nvPr/>
+        </p:nvPicPr>
+        <p:blipFill>
+          <a:blip r:embed="rId3">
+            <a:extLst>
+              <a:ext uri="{28A0092B-C50C-407E-A947-70E740481C1C}">
+                <a14:useLocalDpi xmlns:a14="http://schemas.microsoft.com/office/drawing/2010/main" val="0"/>
+              </a:ext>
+            </a:extLst>
+          </a:blip>
+          <a:stretch>
+            <a:fillRect/>
+          </a:stretch>
+        </p:blipFill>
+        <p:spPr>
+          <a:xfrm>
+            <a:off x="2296691" y="3207801"/>
+            <a:ext cx="692772" cy="614048"/>
+          </a:xfrm>
+          <a:prstGeom prst="rect">
+            <a:avLst/>
+          </a:prstGeom>
+        </p:spPr>
+      </p:pic>
+      <p:pic>
+        <p:nvPicPr>
+          <p:cNvPr id="25" name="図 24"/>
+          <p:cNvPicPr>
+            <a:picLocks noChangeAspect="1"/>
+          </p:cNvPicPr>
+          <p:nvPr/>
+        </p:nvPicPr>
+        <p:blipFill>
+          <a:blip r:embed="rId3">
+            <a:extLst>
+              <a:ext uri="{28A0092B-C50C-407E-A947-70E740481C1C}">
+                <a14:useLocalDpi xmlns:a14="http://schemas.microsoft.com/office/drawing/2010/main" val="0"/>
+              </a:ext>
+            </a:extLst>
+          </a:blip>
+          <a:stretch>
+            <a:fillRect/>
+          </a:stretch>
+        </p:blipFill>
+        <p:spPr>
+          <a:xfrm>
+            <a:off x="3735693" y="3207801"/>
+            <a:ext cx="692772" cy="614048"/>
+          </a:xfrm>
+          <a:prstGeom prst="rect">
+            <a:avLst/>
+          </a:prstGeom>
+        </p:spPr>
+      </p:pic>
+      <p:pic>
+        <p:nvPicPr>
+          <p:cNvPr id="26" name="図 25"/>
+          <p:cNvPicPr>
+            <a:picLocks noChangeAspect="1"/>
+          </p:cNvPicPr>
+          <p:nvPr/>
+        </p:nvPicPr>
+        <p:blipFill>
+          <a:blip r:embed="rId3">
+            <a:extLst>
+              <a:ext uri="{28A0092B-C50C-407E-A947-70E740481C1C}">
+                <a14:useLocalDpi xmlns:a14="http://schemas.microsoft.com/office/drawing/2010/main" val="0"/>
+              </a:ext>
+            </a:extLst>
+          </a:blip>
+          <a:stretch>
+            <a:fillRect/>
+          </a:stretch>
+        </p:blipFill>
+        <p:spPr>
+          <a:xfrm>
+            <a:off x="7523812" y="2470619"/>
+            <a:ext cx="692772" cy="614048"/>
+          </a:xfrm>
+          <a:prstGeom prst="rect">
+            <a:avLst/>
+          </a:prstGeom>
+        </p:spPr>
+      </p:pic>
+      <p:pic>
+        <p:nvPicPr>
+          <p:cNvPr id="27" name="図 26"/>
+          <p:cNvPicPr>
+            <a:picLocks noChangeAspect="1"/>
+          </p:cNvPicPr>
+          <p:nvPr/>
+        </p:nvPicPr>
+        <p:blipFill>
+          <a:blip r:embed="rId3">
+            <a:extLst>
+              <a:ext uri="{28A0092B-C50C-407E-A947-70E740481C1C}">
+                <a14:useLocalDpi xmlns:a14="http://schemas.microsoft.com/office/drawing/2010/main" val="0"/>
+              </a:ext>
+            </a:extLst>
+          </a:blip>
+          <a:stretch>
+            <a:fillRect/>
+          </a:stretch>
+        </p:blipFill>
+        <p:spPr>
+          <a:xfrm>
+            <a:off x="7511082" y="3193006"/>
+            <a:ext cx="692772" cy="614048"/>
+          </a:xfrm>
+          <a:prstGeom prst="rect">
+            <a:avLst/>
+          </a:prstGeom>
+        </p:spPr>
+      </p:pic>
+      <p:pic>
+        <p:nvPicPr>
+          <p:cNvPr id="28" name="図 27"/>
+          <p:cNvPicPr>
+            <a:picLocks noChangeAspect="1"/>
+          </p:cNvPicPr>
+          <p:nvPr/>
+        </p:nvPicPr>
+        <p:blipFill>
+          <a:blip r:embed="rId3">
+            <a:extLst>
+              <a:ext uri="{28A0092B-C50C-407E-A947-70E740481C1C}">
+                <a14:useLocalDpi xmlns:a14="http://schemas.microsoft.com/office/drawing/2010/main" val="0"/>
+              </a:ext>
+            </a:extLst>
+          </a:blip>
+          <a:stretch>
+            <a:fillRect/>
+          </a:stretch>
+        </p:blipFill>
+        <p:spPr>
+          <a:xfrm>
+            <a:off x="8961726" y="3207801"/>
+            <a:ext cx="748874" cy="658505"/>
+          </a:xfrm>
+          <a:prstGeom prst="rect">
+            <a:avLst/>
+          </a:prstGeom>
+        </p:spPr>
+      </p:pic>
+      <p:pic>
+        <p:nvPicPr>
+          <p:cNvPr id="30" name="図 29"/>
+          <p:cNvPicPr>
+            <a:picLocks noChangeAspect="1"/>
+          </p:cNvPicPr>
+          <p:nvPr/>
+        </p:nvPicPr>
+        <p:blipFill rotWithShape="1">
+          <a:blip r:embed="rId5">
+            <a:extLst>
+              <a:ext uri="{28A0092B-C50C-407E-A947-70E740481C1C}">
+                <a14:useLocalDpi xmlns:a14="http://schemas.microsoft.com/office/drawing/2010/main" val="0"/>
+              </a:ext>
+            </a:extLst>
+          </a:blip>
+          <a:srcRect l="32033" t="32375" r="33984" b="33813"/>
+          <a:stretch/>
+        </p:blipFill>
+        <p:spPr>
+          <a:xfrm>
+            <a:off x="3734677" y="2442441"/>
+            <a:ext cx="690745" cy="681588"/>
+          </a:xfrm>
+          <a:prstGeom prst="rect">
+            <a:avLst/>
+          </a:prstGeom>
+        </p:spPr>
+      </p:pic>
+      <p:pic>
+        <p:nvPicPr>
+          <p:cNvPr id="31" name="図 30"/>
+          <p:cNvPicPr>
+            <a:picLocks noChangeAspect="1"/>
+          </p:cNvPicPr>
+          <p:nvPr/>
+        </p:nvPicPr>
+        <p:blipFill rotWithShape="1">
+          <a:blip r:embed="rId5">
+            <a:extLst>
+              <a:ext uri="{28A0092B-C50C-407E-A947-70E740481C1C}">
+                <a14:useLocalDpi xmlns:a14="http://schemas.microsoft.com/office/drawing/2010/main" val="0"/>
+              </a:ext>
+            </a:extLst>
+          </a:blip>
+          <a:srcRect l="32033" t="32375" r="33984" b="33813"/>
+          <a:stretch/>
+        </p:blipFill>
+        <p:spPr>
+          <a:xfrm>
+            <a:off x="8961726" y="2431257"/>
+            <a:ext cx="702079" cy="692772"/>
+          </a:xfrm>
+          <a:prstGeom prst="rect">
+            <a:avLst/>
+          </a:prstGeom>
+        </p:spPr>
+      </p:pic>
     </p:spTree>
     <p:extLst>
       <p:ext uri="{BB962C8B-B14F-4D97-AF65-F5344CB8AC3E}">
@@ -6948,126 +7209,6 @@
           </a:p>
         </p:txBody>
       </p:sp>
-      <p:pic>
-        <p:nvPicPr>
-          <p:cNvPr id="3" name="図 2"/>
-          <p:cNvPicPr>
-            <a:picLocks noChangeAspect="1"/>
-          </p:cNvPicPr>
-          <p:nvPr/>
-        </p:nvPicPr>
-        <p:blipFill>
-          <a:blip r:embed="rId2"/>
-          <a:stretch>
-            <a:fillRect/>
-          </a:stretch>
-        </p:blipFill>
-        <p:spPr>
-          <a:xfrm>
-            <a:off x="2309460" y="1784647"/>
-            <a:ext cx="2161492" cy="2217879"/>
-          </a:xfrm>
-          <a:prstGeom prst="rect">
-            <a:avLst/>
-          </a:prstGeom>
-        </p:spPr>
-      </p:pic>
-      <p:pic>
-        <p:nvPicPr>
-          <p:cNvPr id="5" name="図 4"/>
-          <p:cNvPicPr>
-            <a:picLocks noChangeAspect="1"/>
-          </p:cNvPicPr>
-          <p:nvPr/>
-        </p:nvPicPr>
-        <p:blipFill>
-          <a:blip r:embed="rId3"/>
-          <a:stretch>
-            <a:fillRect/>
-          </a:stretch>
-        </p:blipFill>
-        <p:spPr>
-          <a:xfrm>
-            <a:off x="3702789" y="2509504"/>
-            <a:ext cx="768163" cy="768163"/>
-          </a:xfrm>
-          <a:prstGeom prst="rect">
-            <a:avLst/>
-          </a:prstGeom>
-        </p:spPr>
-      </p:pic>
-      <p:pic>
-        <p:nvPicPr>
-          <p:cNvPr id="7" name="図 6"/>
-          <p:cNvPicPr>
-            <a:picLocks noChangeAspect="1"/>
-          </p:cNvPicPr>
-          <p:nvPr/>
-        </p:nvPicPr>
-        <p:blipFill>
-          <a:blip r:embed="rId4"/>
-          <a:stretch>
-            <a:fillRect/>
-          </a:stretch>
-        </p:blipFill>
-        <p:spPr>
-          <a:xfrm>
-            <a:off x="7380223" y="1784647"/>
-            <a:ext cx="2161492" cy="2221533"/>
-          </a:xfrm>
-          <a:prstGeom prst="rect">
-            <a:avLst/>
-          </a:prstGeom>
-        </p:spPr>
-      </p:pic>
-      <p:pic>
-        <p:nvPicPr>
-          <p:cNvPr id="11" name="図 10"/>
-          <p:cNvPicPr>
-            <a:picLocks noChangeAspect="1"/>
-          </p:cNvPicPr>
-          <p:nvPr/>
-        </p:nvPicPr>
-        <p:blipFill>
-          <a:blip r:embed="rId5"/>
-          <a:stretch>
-            <a:fillRect/>
-          </a:stretch>
-        </p:blipFill>
-        <p:spPr>
-          <a:xfrm>
-            <a:off x="4802159" y="2509504"/>
-            <a:ext cx="2371550" cy="975445"/>
-          </a:xfrm>
-          <a:prstGeom prst="rect">
-            <a:avLst/>
-          </a:prstGeom>
-        </p:spPr>
-      </p:pic>
-      <p:pic>
-        <p:nvPicPr>
-          <p:cNvPr id="12" name="図 11"/>
-          <p:cNvPicPr>
-            <a:picLocks noChangeAspect="1"/>
-          </p:cNvPicPr>
-          <p:nvPr/>
-        </p:nvPicPr>
-        <p:blipFill>
-          <a:blip r:embed="rId6"/>
-          <a:stretch>
-            <a:fillRect/>
-          </a:stretch>
-        </p:blipFill>
-        <p:spPr>
-          <a:xfrm>
-            <a:off x="2996979" y="2491214"/>
-            <a:ext cx="786453" cy="786453"/>
-          </a:xfrm>
-          <a:prstGeom prst="rect">
-            <a:avLst/>
-          </a:prstGeom>
-        </p:spPr>
-      </p:pic>
       <p:sp>
         <p:nvSpPr>
           <p:cNvPr id="13" name="テキスト ボックス 12"/>
@@ -7160,6 +7301,258 @@
           </a:p>
         </p:txBody>
       </p:sp>
+      <p:sp>
+        <p:nvSpPr>
+          <p:cNvPr id="14" name="右矢印 13"/>
+          <p:cNvSpPr/>
+          <p:nvPr/>
+        </p:nvSpPr>
+        <p:spPr>
+          <a:xfrm>
+            <a:off x="4744920" y="2442441"/>
+            <a:ext cx="2352502" cy="943110"/>
+          </a:xfrm>
+          <a:prstGeom prst="rightArrow">
+            <a:avLst/>
+          </a:prstGeom>
+          <a:solidFill>
+            <a:srgbClr val="FFFF00"/>
+          </a:solidFill>
+        </p:spPr>
+        <p:style>
+          <a:lnRef idx="2">
+            <a:schemeClr val="accent1">
+              <a:shade val="50000"/>
+            </a:schemeClr>
+          </a:lnRef>
+          <a:fillRef idx="1">
+            <a:schemeClr val="accent1"/>
+          </a:fillRef>
+          <a:effectRef idx="0">
+            <a:schemeClr val="accent1"/>
+          </a:effectRef>
+          <a:fontRef idx="minor">
+            <a:schemeClr val="lt1"/>
+          </a:fontRef>
+        </p:style>
+        <p:txBody>
+          <a:bodyPr rtlCol="0" anchor="ctr"/>
+          <a:lstStyle/>
+          <a:p>
+            <a:pPr algn="ctr"/>
+            <a:endParaRPr kumimoji="1" lang="ja-JP" altLang="en-US"/>
+          </a:p>
+        </p:txBody>
+      </p:sp>
+      <p:pic>
+        <p:nvPicPr>
+          <p:cNvPr id="16" name="図 15"/>
+          <p:cNvPicPr>
+            <a:picLocks noChangeAspect="1"/>
+          </p:cNvPicPr>
+          <p:nvPr/>
+        </p:nvPicPr>
+        <p:blipFill>
+          <a:blip r:embed="rId2">
+            <a:extLst>
+              <a:ext uri="{28A0092B-C50C-407E-A947-70E740481C1C}">
+                <a14:useLocalDpi xmlns:a14="http://schemas.microsoft.com/office/drawing/2010/main" val="0"/>
+              </a:ext>
+            </a:extLst>
+          </a:blip>
+          <a:stretch>
+            <a:fillRect/>
+          </a:stretch>
+        </p:blipFill>
+        <p:spPr>
+          <a:xfrm>
+            <a:off x="2254790" y="1709488"/>
+            <a:ext cx="2227499" cy="2172273"/>
+          </a:xfrm>
+          <a:prstGeom prst="rect">
+            <a:avLst/>
+          </a:prstGeom>
+        </p:spPr>
+      </p:pic>
+      <p:pic>
+        <p:nvPicPr>
+          <p:cNvPr id="17" name="図 16"/>
+          <p:cNvPicPr>
+            <a:picLocks noChangeAspect="1"/>
+          </p:cNvPicPr>
+          <p:nvPr/>
+        </p:nvPicPr>
+        <p:blipFill>
+          <a:blip r:embed="rId2">
+            <a:extLst>
+              <a:ext uri="{28A0092B-C50C-407E-A947-70E740481C1C}">
+                <a14:useLocalDpi xmlns:a14="http://schemas.microsoft.com/office/drawing/2010/main" val="0"/>
+              </a:ext>
+            </a:extLst>
+          </a:blip>
+          <a:stretch>
+            <a:fillRect/>
+          </a:stretch>
+        </p:blipFill>
+        <p:spPr>
+          <a:xfrm>
+            <a:off x="7501591" y="1709486"/>
+            <a:ext cx="2227499" cy="2172273"/>
+          </a:xfrm>
+          <a:prstGeom prst="rect">
+            <a:avLst/>
+          </a:prstGeom>
+        </p:spPr>
+      </p:pic>
+      <p:pic>
+        <p:nvPicPr>
+          <p:cNvPr id="18" name="図 17"/>
+          <p:cNvPicPr>
+            <a:picLocks noChangeAspect="1"/>
+          </p:cNvPicPr>
+          <p:nvPr/>
+        </p:nvPicPr>
+        <p:blipFill>
+          <a:blip r:embed="rId3">
+            <a:extLst>
+              <a:ext uri="{28A0092B-C50C-407E-A947-70E740481C1C}">
+                <a14:useLocalDpi xmlns:a14="http://schemas.microsoft.com/office/drawing/2010/main" val="0"/>
+              </a:ext>
+            </a:extLst>
+          </a:blip>
+          <a:stretch>
+            <a:fillRect/>
+          </a:stretch>
+        </p:blipFill>
+        <p:spPr>
+          <a:xfrm>
+            <a:off x="2296691" y="2470619"/>
+            <a:ext cx="692772" cy="614048"/>
+          </a:xfrm>
+          <a:prstGeom prst="rect">
+            <a:avLst/>
+          </a:prstGeom>
+        </p:spPr>
+      </p:pic>
+      <p:pic>
+        <p:nvPicPr>
+          <p:cNvPr id="20" name="図 19"/>
+          <p:cNvPicPr>
+            <a:picLocks noChangeAspect="1"/>
+          </p:cNvPicPr>
+          <p:nvPr/>
+        </p:nvPicPr>
+        <p:blipFill>
+          <a:blip r:embed="rId3">
+            <a:extLst>
+              <a:ext uri="{28A0092B-C50C-407E-A947-70E740481C1C}">
+                <a14:useLocalDpi xmlns:a14="http://schemas.microsoft.com/office/drawing/2010/main" val="0"/>
+              </a:ext>
+            </a:extLst>
+          </a:blip>
+          <a:stretch>
+            <a:fillRect/>
+          </a:stretch>
+        </p:blipFill>
+        <p:spPr>
+          <a:xfrm>
+            <a:off x="3011868" y="3207801"/>
+            <a:ext cx="692772" cy="614048"/>
+          </a:xfrm>
+          <a:prstGeom prst="rect">
+            <a:avLst/>
+          </a:prstGeom>
+        </p:spPr>
+      </p:pic>
+      <p:pic>
+        <p:nvPicPr>
+          <p:cNvPr id="24" name="図 23"/>
+          <p:cNvPicPr>
+            <a:picLocks noChangeAspect="1"/>
+          </p:cNvPicPr>
+          <p:nvPr/>
+        </p:nvPicPr>
+        <p:blipFill>
+          <a:blip r:embed="rId3">
+            <a:extLst>
+              <a:ext uri="{28A0092B-C50C-407E-A947-70E740481C1C}">
+                <a14:useLocalDpi xmlns:a14="http://schemas.microsoft.com/office/drawing/2010/main" val="0"/>
+              </a:ext>
+            </a:extLst>
+          </a:blip>
+          <a:stretch>
+            <a:fillRect/>
+          </a:stretch>
+        </p:blipFill>
+        <p:spPr>
+          <a:xfrm>
+            <a:off x="8268953" y="3193006"/>
+            <a:ext cx="692772" cy="614048"/>
+          </a:xfrm>
+          <a:prstGeom prst="rect">
+            <a:avLst/>
+          </a:prstGeom>
+        </p:spPr>
+      </p:pic>
+      <p:pic>
+        <p:nvPicPr>
+          <p:cNvPr id="29" name="図 28"/>
+          <p:cNvPicPr>
+            <a:picLocks noChangeAspect="1"/>
+          </p:cNvPicPr>
+          <p:nvPr/>
+        </p:nvPicPr>
+        <p:blipFill>
+          <a:blip r:embed="rId4">
+            <a:extLst>
+              <a:ext uri="{28A0092B-C50C-407E-A947-70E740481C1C}">
+                <a14:useLocalDpi xmlns:a14="http://schemas.microsoft.com/office/drawing/2010/main" val="0"/>
+              </a:ext>
+            </a:extLst>
+          </a:blip>
+          <a:stretch>
+            <a:fillRect/>
+          </a:stretch>
+        </p:blipFill>
+        <p:spPr>
+          <a:xfrm>
+            <a:off x="7546601" y="2442441"/>
+            <a:ext cx="692772" cy="692772"/>
+          </a:xfrm>
+          <a:prstGeom prst="rect">
+            <a:avLst/>
+          </a:prstGeom>
+        </p:spPr>
+      </p:pic>
+      <p:pic>
+        <p:nvPicPr>
+          <p:cNvPr id="30" name="図 29"/>
+          <p:cNvPicPr>
+            <a:picLocks noChangeAspect="1"/>
+          </p:cNvPicPr>
+          <p:nvPr/>
+        </p:nvPicPr>
+        <p:blipFill rotWithShape="1">
+          <a:blip r:embed="rId2">
+            <a:extLst>
+              <a:ext uri="{28A0092B-C50C-407E-A947-70E740481C1C}">
+                <a14:useLocalDpi xmlns:a14="http://schemas.microsoft.com/office/drawing/2010/main" val="0"/>
+              </a:ext>
+            </a:extLst>
+          </a:blip>
+          <a:srcRect r="67404" b="67954"/>
+          <a:stretch/>
+        </p:blipFill>
+        <p:spPr>
+          <a:xfrm>
+            <a:off x="8241580" y="2447564"/>
+            <a:ext cx="726080" cy="696119"/>
+          </a:xfrm>
+          <a:prstGeom prst="rect">
+            <a:avLst/>
+          </a:prstGeom>
+        </p:spPr>
+      </p:pic>
     </p:spTree>
     <p:extLst>
       <p:ext uri="{BB962C8B-B14F-4D97-AF65-F5344CB8AC3E}">
@@ -7170,6 +7563,13 @@
   <p:clrMapOvr>
     <a:masterClrMapping/>
   </p:clrMapOvr>
+  <p:timing>
+    <p:tnLst>
+      <p:par>
+        <p:cTn id="1" dur="indefinite" restart="never" nodeType="tmRoot"/>
+      </p:par>
+    </p:tnLst>
+  </p:timing>
 </p:sld>
 </file>
 
@@ -7190,30 +7590,6 @@
           <a:chExt cx="0" cy="0"/>
         </a:xfrm>
       </p:grpSpPr>
-      <p:pic>
-        <p:nvPicPr>
-          <p:cNvPr id="14" name="図 13"/>
-          <p:cNvPicPr>
-            <a:picLocks noChangeAspect="1"/>
-          </p:cNvPicPr>
-          <p:nvPr/>
-        </p:nvPicPr>
-        <p:blipFill>
-          <a:blip r:embed="rId2"/>
-          <a:stretch>
-            <a:fillRect/>
-          </a:stretch>
-        </p:blipFill>
-        <p:spPr>
-          <a:xfrm>
-            <a:off x="7504916" y="1777955"/>
-            <a:ext cx="2158171" cy="2219136"/>
-          </a:xfrm>
-          <a:prstGeom prst="rect">
-            <a:avLst/>
-          </a:prstGeom>
-        </p:spPr>
-      </p:pic>
       <p:sp>
         <p:nvSpPr>
           <p:cNvPr id="2" name="タイトル 1"/>
@@ -7240,78 +7616,6 @@
           </a:p>
         </p:txBody>
       </p:sp>
-      <p:pic>
-        <p:nvPicPr>
-          <p:cNvPr id="3" name="図 2"/>
-          <p:cNvPicPr>
-            <a:picLocks noChangeAspect="1"/>
-          </p:cNvPicPr>
-          <p:nvPr/>
-        </p:nvPicPr>
-        <p:blipFill>
-          <a:blip r:embed="rId3"/>
-          <a:stretch>
-            <a:fillRect/>
-          </a:stretch>
-        </p:blipFill>
-        <p:spPr>
-          <a:xfrm>
-            <a:off x="2309460" y="1784647"/>
-            <a:ext cx="2161492" cy="2217879"/>
-          </a:xfrm>
-          <a:prstGeom prst="rect">
-            <a:avLst/>
-          </a:prstGeom>
-        </p:spPr>
-      </p:pic>
-      <p:pic>
-        <p:nvPicPr>
-          <p:cNvPr id="5" name="図 4"/>
-          <p:cNvPicPr>
-            <a:picLocks noChangeAspect="1"/>
-          </p:cNvPicPr>
-          <p:nvPr/>
-        </p:nvPicPr>
-        <p:blipFill>
-          <a:blip r:embed="rId4"/>
-          <a:stretch>
-            <a:fillRect/>
-          </a:stretch>
-        </p:blipFill>
-        <p:spPr>
-          <a:xfrm>
-            <a:off x="2996374" y="2509504"/>
-            <a:ext cx="768163" cy="768163"/>
-          </a:xfrm>
-          <a:prstGeom prst="rect">
-            <a:avLst/>
-          </a:prstGeom>
-        </p:spPr>
-      </p:pic>
-      <p:pic>
-        <p:nvPicPr>
-          <p:cNvPr id="11" name="図 10"/>
-          <p:cNvPicPr>
-            <a:picLocks noChangeAspect="1"/>
-          </p:cNvPicPr>
-          <p:nvPr/>
-        </p:nvPicPr>
-        <p:blipFill>
-          <a:blip r:embed="rId5"/>
-          <a:stretch>
-            <a:fillRect/>
-          </a:stretch>
-        </p:blipFill>
-        <p:spPr>
-          <a:xfrm>
-            <a:off x="4802159" y="2509504"/>
-            <a:ext cx="2371550" cy="975445"/>
-          </a:xfrm>
-          <a:prstGeom prst="rect">
-            <a:avLst/>
-          </a:prstGeom>
-        </p:spPr>
-      </p:pic>
       <p:sp>
         <p:nvSpPr>
           <p:cNvPr id="13" name="テキスト ボックス 12"/>
@@ -7349,268 +7653,6 @@
           </a:p>
         </p:txBody>
       </p:sp>
-      <p:pic>
-        <p:nvPicPr>
-          <p:cNvPr id="4" name="図 3"/>
-          <p:cNvPicPr>
-            <a:picLocks noChangeAspect="1"/>
-          </p:cNvPicPr>
-          <p:nvPr/>
-        </p:nvPicPr>
-        <p:blipFill rotWithShape="1">
-          <a:blip r:embed="rId2"/>
-          <a:srcRect l="64894" t="65545"/>
-          <a:stretch/>
-        </p:blipFill>
-        <p:spPr>
-          <a:xfrm>
-            <a:off x="2309460" y="1784645"/>
-            <a:ext cx="686914" cy="764590"/>
-          </a:xfrm>
-          <a:prstGeom prst="rect">
-            <a:avLst/>
-          </a:prstGeom>
-        </p:spPr>
-      </p:pic>
-      <p:pic>
-        <p:nvPicPr>
-          <p:cNvPr id="6" name="図 5"/>
-          <p:cNvPicPr>
-            <a:picLocks noChangeAspect="1"/>
-          </p:cNvPicPr>
-          <p:nvPr/>
-        </p:nvPicPr>
-        <p:blipFill>
-          <a:blip r:embed="rId6"/>
-          <a:stretch>
-            <a:fillRect/>
-          </a:stretch>
-        </p:blipFill>
-        <p:spPr>
-          <a:xfrm>
-            <a:off x="3751290" y="1789621"/>
-            <a:ext cx="688908" cy="762066"/>
-          </a:xfrm>
-          <a:prstGeom prst="rect">
-            <a:avLst/>
-          </a:prstGeom>
-        </p:spPr>
-      </p:pic>
-      <p:pic>
-        <p:nvPicPr>
-          <p:cNvPr id="8" name="図 7"/>
-          <p:cNvPicPr>
-            <a:picLocks noChangeAspect="1"/>
-          </p:cNvPicPr>
-          <p:nvPr/>
-        </p:nvPicPr>
-        <p:blipFill>
-          <a:blip r:embed="rId6"/>
-          <a:stretch>
-            <a:fillRect/>
-          </a:stretch>
-        </p:blipFill>
-        <p:spPr>
-          <a:xfrm>
-            <a:off x="2316933" y="3235484"/>
-            <a:ext cx="688908" cy="762066"/>
-          </a:xfrm>
-          <a:prstGeom prst="rect">
-            <a:avLst/>
-          </a:prstGeom>
-        </p:spPr>
-      </p:pic>
-      <p:pic>
-        <p:nvPicPr>
-          <p:cNvPr id="9" name="図 8"/>
-          <p:cNvPicPr>
-            <a:picLocks noChangeAspect="1"/>
-          </p:cNvPicPr>
-          <p:nvPr/>
-        </p:nvPicPr>
-        <p:blipFill>
-          <a:blip r:embed="rId6"/>
-          <a:stretch>
-            <a:fillRect/>
-          </a:stretch>
-        </p:blipFill>
-        <p:spPr>
-          <a:xfrm>
-            <a:off x="3737738" y="2518297"/>
-            <a:ext cx="702459" cy="753273"/>
-          </a:xfrm>
-          <a:prstGeom prst="rect">
-            <a:avLst/>
-          </a:prstGeom>
-        </p:spPr>
-      </p:pic>
-      <p:pic>
-        <p:nvPicPr>
-          <p:cNvPr id="10" name="図 9"/>
-          <p:cNvPicPr>
-            <a:picLocks noChangeAspect="1"/>
-          </p:cNvPicPr>
-          <p:nvPr/>
-        </p:nvPicPr>
-        <p:blipFill rotWithShape="1">
-          <a:blip r:embed="rId7"/>
-          <a:srcRect l="32767" t="32197" r="32009" b="33036"/>
-          <a:stretch/>
-        </p:blipFill>
-        <p:spPr>
-          <a:xfrm>
-            <a:off x="3734667" y="3257646"/>
-            <a:ext cx="715723" cy="739904"/>
-          </a:xfrm>
-          <a:prstGeom prst="rect">
-            <a:avLst/>
-          </a:prstGeom>
-        </p:spPr>
-      </p:pic>
-      <p:pic>
-        <p:nvPicPr>
-          <p:cNvPr id="16" name="図 15"/>
-          <p:cNvPicPr>
-            <a:picLocks noChangeAspect="1"/>
-          </p:cNvPicPr>
-          <p:nvPr/>
-        </p:nvPicPr>
-        <p:blipFill>
-          <a:blip r:embed="rId4"/>
-          <a:stretch>
-            <a:fillRect/>
-          </a:stretch>
-        </p:blipFill>
-        <p:spPr>
-          <a:xfrm>
-            <a:off x="8180576" y="2510851"/>
-            <a:ext cx="768163" cy="768163"/>
-          </a:xfrm>
-          <a:prstGeom prst="rect">
-            <a:avLst/>
-          </a:prstGeom>
-        </p:spPr>
-      </p:pic>
-      <p:pic>
-        <p:nvPicPr>
-          <p:cNvPr id="17" name="図 16"/>
-          <p:cNvPicPr>
-            <a:picLocks noChangeAspect="1"/>
-          </p:cNvPicPr>
-          <p:nvPr/>
-        </p:nvPicPr>
-        <p:blipFill>
-          <a:blip r:embed="rId6"/>
-          <a:stretch>
-            <a:fillRect/>
-          </a:stretch>
-        </p:blipFill>
-        <p:spPr>
-          <a:xfrm>
-            <a:off x="7504915" y="1792774"/>
-            <a:ext cx="688908" cy="762066"/>
-          </a:xfrm>
-          <a:prstGeom prst="rect">
-            <a:avLst/>
-          </a:prstGeom>
-        </p:spPr>
-      </p:pic>
-      <p:pic>
-        <p:nvPicPr>
-          <p:cNvPr id="18" name="図 17"/>
-          <p:cNvPicPr>
-            <a:picLocks noChangeAspect="1"/>
-          </p:cNvPicPr>
-          <p:nvPr/>
-        </p:nvPicPr>
-        <p:blipFill>
-          <a:blip r:embed="rId6"/>
-          <a:stretch>
-            <a:fillRect/>
-          </a:stretch>
-        </p:blipFill>
-        <p:spPr>
-          <a:xfrm>
-            <a:off x="8935492" y="1777496"/>
-            <a:ext cx="688908" cy="762066"/>
-          </a:xfrm>
-          <a:prstGeom prst="rect">
-            <a:avLst/>
-          </a:prstGeom>
-        </p:spPr>
-      </p:pic>
-      <p:pic>
-        <p:nvPicPr>
-          <p:cNvPr id="19" name="図 18"/>
-          <p:cNvPicPr>
-            <a:picLocks noChangeAspect="1"/>
-          </p:cNvPicPr>
-          <p:nvPr/>
-        </p:nvPicPr>
-        <p:blipFill>
-          <a:blip r:embed="rId8"/>
-          <a:stretch>
-            <a:fillRect/>
-          </a:stretch>
-        </p:blipFill>
-        <p:spPr>
-          <a:xfrm>
-            <a:off x="7514383" y="3235484"/>
-            <a:ext cx="688908" cy="762066"/>
-          </a:xfrm>
-          <a:prstGeom prst="rect">
-            <a:avLst/>
-          </a:prstGeom>
-        </p:spPr>
-      </p:pic>
-      <p:pic>
-        <p:nvPicPr>
-          <p:cNvPr id="12" name="図 11"/>
-          <p:cNvPicPr>
-            <a:picLocks noChangeAspect="1"/>
-          </p:cNvPicPr>
-          <p:nvPr/>
-        </p:nvPicPr>
-        <p:blipFill>
-          <a:blip r:embed="rId9"/>
-          <a:stretch>
-            <a:fillRect/>
-          </a:stretch>
-        </p:blipFill>
-        <p:spPr>
-          <a:xfrm>
-            <a:off x="8893343" y="2492561"/>
-            <a:ext cx="786453" cy="786453"/>
-          </a:xfrm>
-          <a:prstGeom prst="rect">
-            <a:avLst/>
-          </a:prstGeom>
-        </p:spPr>
-      </p:pic>
-      <p:pic>
-        <p:nvPicPr>
-          <p:cNvPr id="22" name="図 21"/>
-          <p:cNvPicPr>
-            <a:picLocks noChangeAspect="1"/>
-          </p:cNvPicPr>
-          <p:nvPr/>
-        </p:nvPicPr>
-        <p:blipFill>
-          <a:blip r:embed="rId10"/>
-          <a:stretch>
-            <a:fillRect/>
-          </a:stretch>
-        </p:blipFill>
-        <p:spPr>
-          <a:xfrm>
-            <a:off x="8929923" y="3249844"/>
-            <a:ext cx="713294" cy="743776"/>
-          </a:xfrm>
-          <a:prstGeom prst="rect">
-            <a:avLst/>
-          </a:prstGeom>
-        </p:spPr>
-      </p:pic>
       <p:sp>
         <p:nvSpPr>
           <p:cNvPr id="23" name="テキスト ボックス 22"/>
@@ -7678,6 +7720,377 @@
           </a:p>
         </p:txBody>
       </p:sp>
+      <p:sp>
+        <p:nvSpPr>
+          <p:cNvPr id="21" name="右矢印 20"/>
+          <p:cNvSpPr/>
+          <p:nvPr/>
+        </p:nvSpPr>
+        <p:spPr>
+          <a:xfrm>
+            <a:off x="4744920" y="2442441"/>
+            <a:ext cx="2352502" cy="943110"/>
+          </a:xfrm>
+          <a:prstGeom prst="rightArrow">
+            <a:avLst/>
+          </a:prstGeom>
+          <a:solidFill>
+            <a:srgbClr val="FFFF00"/>
+          </a:solidFill>
+        </p:spPr>
+        <p:style>
+          <a:lnRef idx="2">
+            <a:schemeClr val="accent1">
+              <a:shade val="50000"/>
+            </a:schemeClr>
+          </a:lnRef>
+          <a:fillRef idx="1">
+            <a:schemeClr val="accent1"/>
+          </a:fillRef>
+          <a:effectRef idx="0">
+            <a:schemeClr val="accent1"/>
+          </a:effectRef>
+          <a:fontRef idx="minor">
+            <a:schemeClr val="lt1"/>
+          </a:fontRef>
+        </p:style>
+        <p:txBody>
+          <a:bodyPr rtlCol="0" anchor="ctr"/>
+          <a:lstStyle/>
+          <a:p>
+            <a:pPr algn="ctr"/>
+            <a:endParaRPr kumimoji="1" lang="ja-JP" altLang="en-US"/>
+          </a:p>
+        </p:txBody>
+      </p:sp>
+      <p:pic>
+        <p:nvPicPr>
+          <p:cNvPr id="25" name="図 24"/>
+          <p:cNvPicPr>
+            <a:picLocks noChangeAspect="1"/>
+          </p:cNvPicPr>
+          <p:nvPr/>
+        </p:nvPicPr>
+        <p:blipFill>
+          <a:blip r:embed="rId2">
+            <a:extLst>
+              <a:ext uri="{28A0092B-C50C-407E-A947-70E740481C1C}">
+                <a14:useLocalDpi xmlns:a14="http://schemas.microsoft.com/office/drawing/2010/main" val="0"/>
+              </a:ext>
+            </a:extLst>
+          </a:blip>
+          <a:stretch>
+            <a:fillRect/>
+          </a:stretch>
+        </p:blipFill>
+        <p:spPr>
+          <a:xfrm>
+            <a:off x="2254790" y="1709488"/>
+            <a:ext cx="2227499" cy="2172273"/>
+          </a:xfrm>
+          <a:prstGeom prst="rect">
+            <a:avLst/>
+          </a:prstGeom>
+        </p:spPr>
+      </p:pic>
+      <p:pic>
+        <p:nvPicPr>
+          <p:cNvPr id="26" name="図 25"/>
+          <p:cNvPicPr>
+            <a:picLocks noChangeAspect="1"/>
+          </p:cNvPicPr>
+          <p:nvPr/>
+        </p:nvPicPr>
+        <p:blipFill>
+          <a:blip r:embed="rId2">
+            <a:extLst>
+              <a:ext uri="{28A0092B-C50C-407E-A947-70E740481C1C}">
+                <a14:useLocalDpi xmlns:a14="http://schemas.microsoft.com/office/drawing/2010/main" val="0"/>
+              </a:ext>
+            </a:extLst>
+          </a:blip>
+          <a:stretch>
+            <a:fillRect/>
+          </a:stretch>
+        </p:blipFill>
+        <p:spPr>
+          <a:xfrm>
+            <a:off x="7501591" y="1709486"/>
+            <a:ext cx="2227499" cy="2172273"/>
+          </a:xfrm>
+          <a:prstGeom prst="rect">
+            <a:avLst/>
+          </a:prstGeom>
+        </p:spPr>
+      </p:pic>
+      <p:pic>
+        <p:nvPicPr>
+          <p:cNvPr id="27" name="図 26"/>
+          <p:cNvPicPr>
+            <a:picLocks noChangeAspect="1"/>
+          </p:cNvPicPr>
+          <p:nvPr/>
+        </p:nvPicPr>
+        <p:blipFill>
+          <a:blip r:embed="rId3">
+            <a:extLst>
+              <a:ext uri="{28A0092B-C50C-407E-A947-70E740481C1C}">
+                <a14:useLocalDpi xmlns:a14="http://schemas.microsoft.com/office/drawing/2010/main" val="0"/>
+              </a:ext>
+            </a:extLst>
+          </a:blip>
+          <a:stretch>
+            <a:fillRect/>
+          </a:stretch>
+        </p:blipFill>
+        <p:spPr>
+          <a:xfrm>
+            <a:off x="2296691" y="2470619"/>
+            <a:ext cx="692772" cy="614048"/>
+          </a:xfrm>
+          <a:prstGeom prst="rect">
+            <a:avLst/>
+          </a:prstGeom>
+        </p:spPr>
+      </p:pic>
+      <p:pic>
+        <p:nvPicPr>
+          <p:cNvPr id="28" name="図 27"/>
+          <p:cNvPicPr>
+            <a:picLocks noChangeAspect="1"/>
+          </p:cNvPicPr>
+          <p:nvPr/>
+        </p:nvPicPr>
+        <p:blipFill>
+          <a:blip r:embed="rId3">
+            <a:extLst>
+              <a:ext uri="{28A0092B-C50C-407E-A947-70E740481C1C}">
+                <a14:useLocalDpi xmlns:a14="http://schemas.microsoft.com/office/drawing/2010/main" val="0"/>
+              </a:ext>
+            </a:extLst>
+          </a:blip>
+          <a:stretch>
+            <a:fillRect/>
+          </a:stretch>
+        </p:blipFill>
+        <p:spPr>
+          <a:xfrm>
+            <a:off x="3011868" y="3207801"/>
+            <a:ext cx="692772" cy="614048"/>
+          </a:xfrm>
+          <a:prstGeom prst="rect">
+            <a:avLst/>
+          </a:prstGeom>
+        </p:spPr>
+      </p:pic>
+      <p:pic>
+        <p:nvPicPr>
+          <p:cNvPr id="29" name="図 28"/>
+          <p:cNvPicPr>
+            <a:picLocks noChangeAspect="1"/>
+          </p:cNvPicPr>
+          <p:nvPr/>
+        </p:nvPicPr>
+        <p:blipFill>
+          <a:blip r:embed="rId3">
+            <a:extLst>
+              <a:ext uri="{28A0092B-C50C-407E-A947-70E740481C1C}">
+                <a14:useLocalDpi xmlns:a14="http://schemas.microsoft.com/office/drawing/2010/main" val="0"/>
+              </a:ext>
+            </a:extLst>
+          </a:blip>
+          <a:stretch>
+            <a:fillRect/>
+          </a:stretch>
+        </p:blipFill>
+        <p:spPr>
+          <a:xfrm>
+            <a:off x="2989462" y="1722636"/>
+            <a:ext cx="737585" cy="678397"/>
+          </a:xfrm>
+          <a:prstGeom prst="rect">
+            <a:avLst/>
+          </a:prstGeom>
+        </p:spPr>
+      </p:pic>
+      <p:pic>
+        <p:nvPicPr>
+          <p:cNvPr id="30" name="図 29"/>
+          <p:cNvPicPr>
+            <a:picLocks noChangeAspect="1"/>
+          </p:cNvPicPr>
+          <p:nvPr/>
+        </p:nvPicPr>
+        <p:blipFill>
+          <a:blip r:embed="rId3">
+            <a:extLst>
+              <a:ext uri="{28A0092B-C50C-407E-A947-70E740481C1C}">
+                <a14:useLocalDpi xmlns:a14="http://schemas.microsoft.com/office/drawing/2010/main" val="0"/>
+              </a:ext>
+            </a:extLst>
+          </a:blip>
+          <a:stretch>
+            <a:fillRect/>
+          </a:stretch>
+        </p:blipFill>
+        <p:spPr>
+          <a:xfrm>
+            <a:off x="7523812" y="2470619"/>
+            <a:ext cx="692772" cy="614048"/>
+          </a:xfrm>
+          <a:prstGeom prst="rect">
+            <a:avLst/>
+          </a:prstGeom>
+        </p:spPr>
+      </p:pic>
+      <p:pic>
+        <p:nvPicPr>
+          <p:cNvPr id="31" name="図 30"/>
+          <p:cNvPicPr>
+            <a:picLocks noChangeAspect="1"/>
+          </p:cNvPicPr>
+          <p:nvPr/>
+        </p:nvPicPr>
+        <p:blipFill>
+          <a:blip r:embed="rId3">
+            <a:extLst>
+              <a:ext uri="{28A0092B-C50C-407E-A947-70E740481C1C}">
+                <a14:useLocalDpi xmlns:a14="http://schemas.microsoft.com/office/drawing/2010/main" val="0"/>
+              </a:ext>
+            </a:extLst>
+          </a:blip>
+          <a:stretch>
+            <a:fillRect/>
+          </a:stretch>
+        </p:blipFill>
+        <p:spPr>
+          <a:xfrm>
+            <a:off x="8268953" y="3193006"/>
+            <a:ext cx="692772" cy="614048"/>
+          </a:xfrm>
+          <a:prstGeom prst="rect">
+            <a:avLst/>
+          </a:prstGeom>
+        </p:spPr>
+      </p:pic>
+      <p:pic>
+        <p:nvPicPr>
+          <p:cNvPr id="32" name="図 31"/>
+          <p:cNvPicPr>
+            <a:picLocks noChangeAspect="1"/>
+          </p:cNvPicPr>
+          <p:nvPr/>
+        </p:nvPicPr>
+        <p:blipFill>
+          <a:blip r:embed="rId3">
+            <a:extLst>
+              <a:ext uri="{28A0092B-C50C-407E-A947-70E740481C1C}">
+                <a14:useLocalDpi xmlns:a14="http://schemas.microsoft.com/office/drawing/2010/main" val="0"/>
+              </a:ext>
+            </a:extLst>
+          </a:blip>
+          <a:stretch>
+            <a:fillRect/>
+          </a:stretch>
+        </p:blipFill>
+        <p:spPr>
+          <a:xfrm>
+            <a:off x="8984132" y="2470619"/>
+            <a:ext cx="692772" cy="614048"/>
+          </a:xfrm>
+          <a:prstGeom prst="rect">
+            <a:avLst/>
+          </a:prstGeom>
+        </p:spPr>
+      </p:pic>
+      <p:pic>
+        <p:nvPicPr>
+          <p:cNvPr id="33" name="図 32"/>
+          <p:cNvPicPr>
+            <a:picLocks noChangeAspect="1"/>
+          </p:cNvPicPr>
+          <p:nvPr/>
+        </p:nvPicPr>
+        <p:blipFill>
+          <a:blip r:embed="rId3">
+            <a:extLst>
+              <a:ext uri="{28A0092B-C50C-407E-A947-70E740481C1C}">
+                <a14:useLocalDpi xmlns:a14="http://schemas.microsoft.com/office/drawing/2010/main" val="0"/>
+              </a:ext>
+            </a:extLst>
+          </a:blip>
+          <a:stretch>
+            <a:fillRect/>
+          </a:stretch>
+        </p:blipFill>
+        <p:spPr>
+          <a:xfrm>
+            <a:off x="8246547" y="1722636"/>
+            <a:ext cx="737585" cy="678397"/>
+          </a:xfrm>
+          <a:prstGeom prst="rect">
+            <a:avLst/>
+          </a:prstGeom>
+        </p:spPr>
+      </p:pic>
+      <p:pic>
+        <p:nvPicPr>
+          <p:cNvPr id="34" name="図 33"/>
+          <p:cNvPicPr>
+            <a:picLocks noChangeAspect="1"/>
+          </p:cNvPicPr>
+          <p:nvPr/>
+        </p:nvPicPr>
+        <p:blipFill rotWithShape="1">
+          <a:blip r:embed="rId4">
+            <a:extLst>
+              <a:ext uri="{28A0092B-C50C-407E-A947-70E740481C1C}">
+                <a14:useLocalDpi xmlns:a14="http://schemas.microsoft.com/office/drawing/2010/main" val="0"/>
+              </a:ext>
+            </a:extLst>
+          </a:blip>
+          <a:srcRect l="32033" t="32375" r="33984" b="33813"/>
+          <a:stretch/>
+        </p:blipFill>
+        <p:spPr>
+          <a:xfrm>
+            <a:off x="3727047" y="3172161"/>
+            <a:ext cx="690745" cy="681588"/>
+          </a:xfrm>
+          <a:prstGeom prst="rect">
+            <a:avLst/>
+          </a:prstGeom>
+        </p:spPr>
+      </p:pic>
+      <p:pic>
+        <p:nvPicPr>
+          <p:cNvPr id="35" name="図 34"/>
+          <p:cNvPicPr>
+            <a:picLocks noChangeAspect="1"/>
+          </p:cNvPicPr>
+          <p:nvPr/>
+        </p:nvPicPr>
+        <p:blipFill rotWithShape="1">
+          <a:blip r:embed="rId4">
+            <a:extLst>
+              <a:ext uri="{28A0092B-C50C-407E-A947-70E740481C1C}">
+                <a14:useLocalDpi xmlns:a14="http://schemas.microsoft.com/office/drawing/2010/main" val="0"/>
+              </a:ext>
+            </a:extLst>
+          </a:blip>
+          <a:srcRect l="32033" t="32375" r="33984" b="33813"/>
+          <a:stretch/>
+        </p:blipFill>
+        <p:spPr>
+          <a:xfrm>
+            <a:off x="8993849" y="3174031"/>
+            <a:ext cx="690745" cy="681588"/>
+          </a:xfrm>
+          <a:prstGeom prst="rect">
+            <a:avLst/>
+          </a:prstGeom>
+        </p:spPr>
+      </p:pic>
     </p:spTree>
     <p:extLst>
       <p:ext uri="{BB962C8B-B14F-4D97-AF65-F5344CB8AC3E}">
@@ -7688,6 +8101,13 @@
   <p:clrMapOvr>
     <a:masterClrMapping/>
   </p:clrMapOvr>
+  <p:timing>
+    <p:tnLst>
+      <p:par>
+        <p:cTn id="1" dur="indefinite" restart="never" nodeType="tmRoot"/>
+      </p:par>
+    </p:tnLst>
+  </p:timing>
 </p:sld>
 </file>
 
@@ -7760,30 +8180,54 @@
               <a:buNone/>
             </a:pPr>
             <a:r>
-              <a:rPr kumimoji="1" lang="ja-JP" altLang="en-US" sz="4800" dirty="0"/>
+              <a:rPr kumimoji="1" lang="ja-JP" altLang="en-US" sz="4800" dirty="0">
+                <a:solidFill>
+                  <a:schemeClr val="tx1"/>
+                </a:solidFill>
+              </a:rPr>
               <a:t>相手が</a:t>
             </a:r>
-            <a:endParaRPr kumimoji="1" lang="en-US" altLang="ja-JP" sz="4800" dirty="0"/>
+            <a:endParaRPr kumimoji="1" lang="en-US" altLang="ja-JP" sz="4800" dirty="0">
+              <a:solidFill>
+                <a:schemeClr val="tx1"/>
+              </a:solidFill>
+            </a:endParaRPr>
           </a:p>
           <a:p>
             <a:pPr marL="0" indent="0">
               <a:buNone/>
             </a:pPr>
             <a:r>
-              <a:rPr kumimoji="1" lang="ja-JP" altLang="en-US" sz="4800" dirty="0"/>
+              <a:rPr kumimoji="1" lang="ja-JP" altLang="en-US" sz="4800" dirty="0">
+                <a:solidFill>
+                  <a:schemeClr val="tx1"/>
+                </a:solidFill>
+              </a:rPr>
               <a:t>通信エラーやバグなどの</a:t>
             </a:r>
-            <a:endParaRPr kumimoji="1" lang="en-US" altLang="ja-JP" sz="4800" dirty="0"/>
+            <a:endParaRPr kumimoji="1" lang="en-US" altLang="ja-JP" sz="4800" dirty="0">
+              <a:solidFill>
+                <a:schemeClr val="tx1"/>
+              </a:solidFill>
+            </a:endParaRPr>
           </a:p>
           <a:p>
             <a:pPr marL="0" indent="0">
               <a:buNone/>
             </a:pPr>
             <a:r>
-              <a:rPr kumimoji="1" lang="ja-JP" altLang="en-US" sz="4800" dirty="0"/>
+              <a:rPr kumimoji="1" lang="ja-JP" altLang="en-US" sz="4800" dirty="0">
+                <a:solidFill>
+                  <a:schemeClr val="tx1"/>
+                </a:solidFill>
+              </a:rPr>
               <a:t>試合が止まる原因を作る</a:t>
             </a:r>
-            <a:endParaRPr kumimoji="1" lang="en-US" altLang="ja-JP" sz="4800" dirty="0"/>
+            <a:endParaRPr kumimoji="1" lang="en-US" altLang="ja-JP" sz="4800" dirty="0">
+              <a:solidFill>
+                <a:schemeClr val="tx1"/>
+              </a:solidFill>
+            </a:endParaRPr>
           </a:p>
           <a:p>
             <a:endParaRPr kumimoji="1" lang="ja-JP" altLang="en-US" sz="3600" dirty="0"/>
@@ -7800,6 +8244,13 @@
   <p:clrMapOvr>
     <a:masterClrMapping/>
   </p:clrMapOvr>
+  <p:timing>
+    <p:tnLst>
+      <p:par>
+        <p:cTn id="1" dur="indefinite" restart="never" nodeType="tmRoot"/>
+      </p:par>
+    </p:tnLst>
+  </p:timing>
 </p:sld>
 </file>
 
@@ -7822,22 +8273,27 @@
       </p:grpSpPr>
       <p:pic>
         <p:nvPicPr>
-          <p:cNvPr id="8" name="図 7"/>
+          <p:cNvPr id="27" name="図 26"/>
           <p:cNvPicPr>
             <a:picLocks noChangeAspect="1"/>
           </p:cNvPicPr>
           <p:nvPr/>
         </p:nvPicPr>
-        <p:blipFill>
-          <a:blip r:embed="rId2"/>
-          <a:stretch>
-            <a:fillRect/>
-          </a:stretch>
+        <p:blipFill rotWithShape="1">
+          <a:blip r:embed="rId2">
+            <a:extLst>
+              <a:ext uri="{28A0092B-C50C-407E-A947-70E740481C1C}">
+                <a14:useLocalDpi xmlns:a14="http://schemas.microsoft.com/office/drawing/2010/main" val="0"/>
+              </a:ext>
+            </a:extLst>
+          </a:blip>
+          <a:srcRect l="60906" t="2631" b="28810"/>
+          <a:stretch/>
         </p:blipFill>
         <p:spPr>
           <a:xfrm>
-            <a:off x="2229336" y="3774142"/>
-            <a:ext cx="6364776" cy="1688738"/>
+            <a:off x="819126" y="1863314"/>
+            <a:ext cx="2889809" cy="3657810"/>
           </a:xfrm>
           <a:prstGeom prst="rect">
             <a:avLst/>
@@ -7862,7 +8318,7 @@
           <a:lstStyle/>
           <a:p>
             <a:r>
-              <a:rPr lang="ja-JP" altLang="en-US" dirty="0">
+              <a:rPr lang="ja-JP" altLang="en-US" b="1" dirty="0">
                 <a:solidFill>
                   <a:schemeClr val="tx1"/>
                 </a:solidFill>
@@ -7871,7 +8327,7 @@
               </a:rPr>
               <a:t>引き分け条件</a:t>
             </a:r>
-            <a:endParaRPr kumimoji="1" lang="ja-JP" altLang="en-US" dirty="0">
+            <a:endParaRPr kumimoji="1" lang="ja-JP" altLang="en-US" b="1" dirty="0">
               <a:solidFill>
                 <a:schemeClr val="tx1"/>
               </a:solidFill>
@@ -7893,8 +8349,8 @@
         </p:nvSpPr>
         <p:spPr>
           <a:xfrm>
-            <a:off x="838200" y="2279311"/>
-            <a:ext cx="9147048" cy="906208"/>
+            <a:off x="3680769" y="2856292"/>
+            <a:ext cx="9147048" cy="3050360"/>
           </a:xfrm>
         </p:spPr>
         <p:txBody>
@@ -7907,112 +8363,83 @@
               <a:buNone/>
             </a:pPr>
             <a:r>
-              <a:rPr kumimoji="1" lang="ja-JP" altLang="en-US" sz="3200" dirty="0"/>
-              <a:t>残りターンが０になった時に</a:t>
-            </a:r>
-            <a:r>
-              <a:rPr lang="ja-JP" altLang="en-US" sz="3200" dirty="0"/>
-              <a:t>ハートの持っている数がプレイヤー同士で同じ場合</a:t>
-            </a:r>
-            <a:endParaRPr kumimoji="1" lang="ja-JP" altLang="en-US" sz="3200" dirty="0"/>
-          </a:p>
-        </p:txBody>
-      </p:sp>
-      <p:sp>
-        <p:nvSpPr>
-          <p:cNvPr id="10" name="正方形/長方形 9"/>
-          <p:cNvSpPr/>
-          <p:nvPr/>
-        </p:nvSpPr>
-        <p:spPr>
-          <a:xfrm>
-            <a:off x="2229336" y="3971412"/>
-            <a:ext cx="710737" cy="182880"/>
-          </a:xfrm>
-          <a:prstGeom prst="rect">
-            <a:avLst/>
-          </a:prstGeom>
-          <a:solidFill>
-            <a:schemeClr val="bg1"/>
-          </a:solidFill>
-          <a:ln>
-            <a:solidFill>
-              <a:schemeClr val="bg1"/>
-            </a:solidFill>
-          </a:ln>
-        </p:spPr>
-        <p:style>
-          <a:lnRef idx="2">
-            <a:schemeClr val="accent1">
-              <a:shade val="50000"/>
-            </a:schemeClr>
-          </a:lnRef>
-          <a:fillRef idx="1">
-            <a:schemeClr val="accent1"/>
-          </a:fillRef>
-          <a:effectRef idx="0">
-            <a:schemeClr val="accent1"/>
-          </a:effectRef>
-          <a:fontRef idx="minor">
-            <a:schemeClr val="lt1"/>
-          </a:fontRef>
-        </p:style>
-        <p:txBody>
-          <a:bodyPr rtlCol="0" anchor="ctr"/>
-          <a:lstStyle/>
-          <a:p>
-            <a:pPr algn="ctr"/>
-            <a:endParaRPr kumimoji="1" lang="ja-JP" altLang="en-US">
-              <a:ln>
+              <a:rPr kumimoji="1" lang="ja-JP" altLang="en-US" sz="3200" dirty="0">
                 <a:solidFill>
-                  <a:schemeClr val="bg1"/>
+                  <a:schemeClr val="tx1"/>
                 </a:solidFill>
-              </a:ln>
+              </a:rPr>
+              <a:t>残り</a:t>
+            </a:r>
+            <a:r>
+              <a:rPr kumimoji="1" lang="ja-JP" altLang="en-US" sz="3200" dirty="0" smtClean="0">
+                <a:solidFill>
+                  <a:schemeClr val="tx1"/>
+                </a:solidFill>
+              </a:rPr>
+              <a:t>ターン数が</a:t>
+            </a:r>
+            <a:r>
+              <a:rPr kumimoji="1" lang="ja-JP" altLang="en-US" sz="3200" dirty="0">
+                <a:solidFill>
+                  <a:schemeClr val="tx1"/>
+                </a:solidFill>
+              </a:rPr>
+              <a:t>０になった時に</a:t>
+            </a:r>
+            <a:r>
+              <a:rPr lang="ja-JP" altLang="en-US" sz="3200" dirty="0" smtClean="0">
+                <a:solidFill>
+                  <a:schemeClr val="tx1"/>
+                </a:solidFill>
+              </a:rPr>
+              <a:t>ハート</a:t>
+            </a:r>
+            <a:endParaRPr lang="en-US" altLang="ja-JP" sz="3200" dirty="0" smtClean="0">
               <a:solidFill>
-                <a:schemeClr val="bg1"/>
+                <a:schemeClr val="tx1"/>
               </a:solidFill>
             </a:endParaRPr>
           </a:p>
-        </p:txBody>
-      </p:sp>
-      <p:sp>
-        <p:nvSpPr>
-          <p:cNvPr id="6" name="テキスト ボックス 5"/>
-          <p:cNvSpPr txBox="1"/>
-          <p:nvPr/>
-        </p:nvSpPr>
-        <p:spPr>
-          <a:xfrm>
-            <a:off x="2147179" y="3893575"/>
-            <a:ext cx="1024128" cy="338554"/>
-          </a:xfrm>
-          <a:prstGeom prst="rect">
-            <a:avLst/>
-          </a:prstGeom>
-          <a:noFill/>
-        </p:spPr>
-        <p:txBody>
-          <a:bodyPr wrap="square" rtlCol="0">
-            <a:spAutoFit/>
-          </a:bodyPr>
-          <a:lstStyle/>
-          <a:p>
-            <a:r>
-              <a:rPr kumimoji="1" lang="en-US" altLang="ja-JP" sz="1600" dirty="0">
+          <a:p>
+            <a:pPr marL="0" indent="0">
+              <a:buNone/>
+            </a:pPr>
+            <a:r>
+              <a:rPr lang="ja-JP" altLang="en-US" sz="3200" dirty="0" smtClean="0">
                 <a:solidFill>
-                  <a:srgbClr val="0322FF"/>
+                  <a:schemeClr val="tx1"/>
                 </a:solidFill>
-                <a:latin typeface="HGS明朝E" panose="02020900000000000000" pitchFamily="18" charset="-128"/>
-                <a:ea typeface="HGS明朝E" panose="02020900000000000000" pitchFamily="18" charset="-128"/>
               </a:rPr>
-              <a:t>Cool: 5</a:t>
-            </a:r>
-            <a:endParaRPr kumimoji="1" lang="ja-JP" altLang="en-US" sz="1600" dirty="0">
+              <a:t>の取得数</a:t>
+            </a:r>
+            <a:r>
+              <a:rPr lang="ja-JP" altLang="en-US" sz="3200" dirty="0">
+                <a:solidFill>
+                  <a:schemeClr val="tx1"/>
+                </a:solidFill>
+              </a:rPr>
+              <a:t>がプレイヤー同士</a:t>
+            </a:r>
+            <a:r>
+              <a:rPr lang="ja-JP" altLang="en-US" sz="3200" dirty="0" smtClean="0">
+                <a:solidFill>
+                  <a:schemeClr val="tx1"/>
+                </a:solidFill>
+              </a:rPr>
+              <a:t>で同じ</a:t>
+            </a:r>
+            <a:r>
+              <a:rPr lang="ja-JP" altLang="en-US" sz="3200" dirty="0">
+                <a:solidFill>
+                  <a:schemeClr val="tx1"/>
+                </a:solidFill>
+              </a:rPr>
+              <a:t>場合</a:t>
+            </a:r>
+            <a:endParaRPr kumimoji="1" lang="ja-JP" altLang="en-US" sz="3200" dirty="0">
               <a:solidFill>
-                <a:srgbClr val="0322FF"/>
+                <a:schemeClr val="tx1"/>
               </a:solidFill>
-              <a:latin typeface="HGS明朝E" panose="02020900000000000000" pitchFamily="18" charset="-128"/>
-              <a:ea typeface="HGS明朝E" panose="02020900000000000000" pitchFamily="18" charset="-128"/>
             </a:endParaRPr>
           </a:p>
         </p:txBody>
@@ -8041,58 +8468,6 @@
           </a:prstGeom>
         </p:spPr>
       </p:pic>
-      <p:sp>
-        <p:nvSpPr>
-          <p:cNvPr id="12" name="テキスト ボックス 11"/>
-          <p:cNvSpPr txBox="1"/>
-          <p:nvPr/>
-        </p:nvSpPr>
-        <p:spPr>
-          <a:xfrm>
-            <a:off x="7462304" y="3893575"/>
-            <a:ext cx="1024128" cy="338554"/>
-          </a:xfrm>
-          <a:prstGeom prst="rect">
-            <a:avLst/>
-          </a:prstGeom>
-          <a:noFill/>
-        </p:spPr>
-        <p:txBody>
-          <a:bodyPr wrap="square" rtlCol="0">
-            <a:spAutoFit/>
-          </a:bodyPr>
-          <a:lstStyle/>
-          <a:p>
-            <a:r>
-              <a:rPr lang="en-US" altLang="ja-JP" sz="1600" dirty="0">
-                <a:solidFill>
-                  <a:srgbClr val="FF0000"/>
-                </a:solidFill>
-                <a:latin typeface="HGS明朝E" panose="02020900000000000000" pitchFamily="18" charset="-128"/>
-                <a:ea typeface="HGS明朝E" panose="02020900000000000000" pitchFamily="18" charset="-128"/>
-              </a:rPr>
-              <a:t>Hot</a:t>
-            </a:r>
-            <a:r>
-              <a:rPr kumimoji="1" lang="en-US" altLang="ja-JP" sz="1600" dirty="0">
-                <a:solidFill>
-                  <a:srgbClr val="FF0000"/>
-                </a:solidFill>
-                <a:latin typeface="HGS明朝E" panose="02020900000000000000" pitchFamily="18" charset="-128"/>
-                <a:ea typeface="HGS明朝E" panose="02020900000000000000" pitchFamily="18" charset="-128"/>
-              </a:rPr>
-              <a:t>: 5</a:t>
-            </a:r>
-            <a:endParaRPr kumimoji="1" lang="ja-JP" altLang="en-US" sz="1600" dirty="0">
-              <a:solidFill>
-                <a:srgbClr val="FF0000"/>
-              </a:solidFill>
-              <a:latin typeface="HGS明朝E" panose="02020900000000000000" pitchFamily="18" charset="-128"/>
-              <a:ea typeface="HGS明朝E" panose="02020900000000000000" pitchFamily="18" charset="-128"/>
-            </a:endParaRPr>
-          </a:p>
-        </p:txBody>
-      </p:sp>
       <p:pic>
         <p:nvPicPr>
           <p:cNvPr id="13" name="図 12"/>
@@ -8119,56 +8494,20 @@
       </p:pic>
       <p:sp>
         <p:nvSpPr>
-          <p:cNvPr id="14" name="テキスト ボックス 13"/>
-          <p:cNvSpPr txBox="1"/>
+          <p:cNvPr id="28" name="正方形/長方形 27"/>
+          <p:cNvSpPr/>
           <p:nvPr/>
         </p:nvSpPr>
         <p:spPr>
           <a:xfrm>
-            <a:off x="5242960" y="3893575"/>
-            <a:ext cx="1024128" cy="338554"/>
+            <a:off x="1465559" y="4068956"/>
+            <a:ext cx="798471" cy="399165"/>
           </a:xfrm>
           <a:prstGeom prst="rect">
             <a:avLst/>
           </a:prstGeom>
           <a:noFill/>
-        </p:spPr>
-        <p:txBody>
-          <a:bodyPr wrap="square" rtlCol="0">
-            <a:spAutoFit/>
-          </a:bodyPr>
-          <a:lstStyle/>
-          <a:p>
-            <a:r>
-              <a:rPr lang="ja-JP" altLang="en-US" sz="1600" dirty="0">
-                <a:latin typeface="HGS明朝E" panose="02020900000000000000" pitchFamily="18" charset="-128"/>
-                <a:ea typeface="HGS明朝E" panose="02020900000000000000" pitchFamily="18" charset="-128"/>
-              </a:rPr>
-              <a:t>０</a:t>
-            </a:r>
-            <a:endParaRPr kumimoji="1" lang="ja-JP" altLang="en-US" sz="1600" dirty="0">
-              <a:latin typeface="HGS明朝E" panose="02020900000000000000" pitchFamily="18" charset="-128"/>
-              <a:ea typeface="HGS明朝E" panose="02020900000000000000" pitchFamily="18" charset="-128"/>
-            </a:endParaRPr>
-          </a:p>
-        </p:txBody>
-      </p:sp>
-      <p:sp>
-        <p:nvSpPr>
-          <p:cNvPr id="18" name="正方形/長方形 17"/>
-          <p:cNvSpPr/>
-          <p:nvPr/>
-        </p:nvSpPr>
-        <p:spPr>
-          <a:xfrm>
-            <a:off x="2229336" y="3957131"/>
-            <a:ext cx="911820" cy="240249"/>
-          </a:xfrm>
-          <a:prstGeom prst="rect">
-            <a:avLst/>
-          </a:prstGeom>
-          <a:noFill/>
-          <a:ln w="28575">
+          <a:ln w="38100">
             <a:solidFill>
               <a:srgbClr val="FF0000"/>
             </a:solidFill>
@@ -8201,20 +8540,20 @@
       </p:sp>
       <p:sp>
         <p:nvSpPr>
-          <p:cNvPr id="19" name="正方形/長方形 18"/>
+          <p:cNvPr id="31" name="正方形/長方形 30"/>
           <p:cNvSpPr/>
           <p:nvPr/>
         </p:nvSpPr>
         <p:spPr>
           <a:xfrm>
-            <a:off x="7528806" y="3954935"/>
-            <a:ext cx="911820" cy="240249"/>
+            <a:off x="1465559" y="3217859"/>
+            <a:ext cx="798471" cy="399165"/>
           </a:xfrm>
           <a:prstGeom prst="rect">
             <a:avLst/>
           </a:prstGeom>
           <a:noFill/>
-          <a:ln w="28575">
+          <a:ln w="38100">
             <a:solidFill>
               <a:srgbClr val="FF0000"/>
             </a:solidFill>
@@ -8245,6 +8584,71 @@
           </a:p>
         </p:txBody>
       </p:sp>
+      <p:pic>
+        <p:nvPicPr>
+          <p:cNvPr id="32" name="図 31"/>
+          <p:cNvPicPr>
+            <a:picLocks noChangeAspect="1"/>
+          </p:cNvPicPr>
+          <p:nvPr/>
+        </p:nvPicPr>
+        <p:blipFill rotWithShape="1">
+          <a:blip r:embed="rId2">
+            <a:extLst>
+              <a:ext uri="{28A0092B-C50C-407E-A947-70E740481C1C}">
+                <a14:useLocalDpi xmlns:a14="http://schemas.microsoft.com/office/drawing/2010/main" val="0"/>
+              </a:ext>
+            </a:extLst>
+          </a:blip>
+          <a:srcRect l="85187" t="44895" r="6201" b="49470"/>
+          <a:stretch/>
+        </p:blipFill>
+        <p:spPr>
+          <a:xfrm>
+            <a:off x="2650603" y="1874679"/>
+            <a:ext cx="636607" cy="300649"/>
+          </a:xfrm>
+          <a:prstGeom prst="rect">
+            <a:avLst/>
+          </a:prstGeom>
+        </p:spPr>
+      </p:pic>
+      <p:sp>
+        <p:nvSpPr>
+          <p:cNvPr id="14" name="テキスト ボックス 13"/>
+          <p:cNvSpPr txBox="1"/>
+          <p:nvPr/>
+        </p:nvSpPr>
+        <p:spPr>
+          <a:xfrm>
+            <a:off x="2567608" y="1916832"/>
+            <a:ext cx="625404" cy="307777"/>
+          </a:xfrm>
+          <a:prstGeom prst="rect">
+            <a:avLst/>
+          </a:prstGeom>
+          <a:noFill/>
+        </p:spPr>
+        <p:txBody>
+          <a:bodyPr wrap="square" rtlCol="0">
+            <a:spAutoFit/>
+          </a:bodyPr>
+          <a:lstStyle/>
+          <a:p>
+            <a:r>
+              <a:rPr lang="ja-JP" altLang="en-US" sz="1400" dirty="0">
+                <a:latin typeface="HGｺﾞｼｯｸE" panose="020B0909000000000000" pitchFamily="49" charset="-128"/>
+                <a:ea typeface="HGｺﾞｼｯｸE" panose="020B0909000000000000" pitchFamily="49" charset="-128"/>
+              </a:rPr>
+              <a:t>０</a:t>
+            </a:r>
+            <a:endParaRPr kumimoji="1" lang="ja-JP" altLang="en-US" sz="1400" dirty="0">
+              <a:latin typeface="HGｺﾞｼｯｸE" panose="020B0909000000000000" pitchFamily="49" charset="-128"/>
+              <a:ea typeface="HGｺﾞｼｯｸE" panose="020B0909000000000000" pitchFamily="49" charset="-128"/>
+            </a:endParaRPr>
+          </a:p>
+        </p:txBody>
+      </p:sp>
     </p:spTree>
     <p:extLst>
       <p:ext uri="{BB962C8B-B14F-4D97-AF65-F5344CB8AC3E}">
@@ -8255,6 +8659,13 @@
   <p:clrMapOvr>
     <a:masterClrMapping/>
   </p:clrMapOvr>
+  <p:timing>
+    <p:tnLst>
+      <p:par>
+        <p:cTn id="1" dur="indefinite" restart="never" nodeType="tmRoot"/>
+      </p:par>
+    </p:tnLst>
+  </p:timing>
 </p:sld>
 </file>
 
@@ -8318,7 +8729,7 @@
         </p:nvSpPr>
         <p:spPr>
           <a:xfrm>
-            <a:off x="1635890" y="2423449"/>
+            <a:off x="2122026" y="2654943"/>
             <a:ext cx="10972800" cy="3456384"/>
           </a:xfrm>
         </p:spPr>
@@ -8332,18 +8743,78 @@
               <a:buNone/>
             </a:pPr>
             <a:r>
-              <a:rPr kumimoji="1" lang="ja-JP" altLang="en-US" sz="4400" dirty="0"/>
-              <a:t>二回ずつ同じマップで</a:t>
-            </a:r>
-            <a:endParaRPr kumimoji="1" lang="en-US" altLang="ja-JP" sz="4400" dirty="0"/>
+              <a:rPr kumimoji="1" lang="ja-JP" altLang="en-US" sz="4400" dirty="0" smtClean="0">
+                <a:solidFill>
+                  <a:schemeClr val="tx1"/>
+                </a:solidFill>
+              </a:rPr>
+              <a:t>同じ</a:t>
+            </a:r>
+            <a:r>
+              <a:rPr kumimoji="1" lang="ja-JP" altLang="en-US" sz="4400" dirty="0">
+                <a:solidFill>
+                  <a:schemeClr val="tx1"/>
+                </a:solidFill>
+              </a:rPr>
+              <a:t>マップ</a:t>
+            </a:r>
+            <a:r>
+              <a:rPr kumimoji="1" lang="ja-JP" altLang="en-US" sz="4400" dirty="0" smtClean="0">
+                <a:solidFill>
+                  <a:schemeClr val="tx1"/>
+                </a:solidFill>
+              </a:rPr>
+              <a:t>で先攻</a:t>
+            </a:r>
+            <a:r>
+              <a:rPr kumimoji="1" lang="ja-JP" altLang="en-US" sz="4400" dirty="0">
+                <a:solidFill>
+                  <a:schemeClr val="tx1"/>
+                </a:solidFill>
+              </a:rPr>
+              <a:t>と後攻</a:t>
+            </a:r>
+            <a:r>
+              <a:rPr kumimoji="1" lang="ja-JP" altLang="en-US" sz="4400" dirty="0" smtClean="0">
+                <a:solidFill>
+                  <a:schemeClr val="tx1"/>
+                </a:solidFill>
+              </a:rPr>
+              <a:t>を</a:t>
+            </a:r>
+            <a:endParaRPr kumimoji="1" lang="en-US" altLang="ja-JP" sz="4400" dirty="0" smtClean="0">
+              <a:solidFill>
+                <a:schemeClr val="tx1"/>
+              </a:solidFill>
+            </a:endParaRPr>
           </a:p>
           <a:p>
             <a:pPr marL="0" indent="0">
               <a:buNone/>
             </a:pPr>
             <a:r>
-              <a:rPr kumimoji="1" lang="ja-JP" altLang="en-US" sz="4400" dirty="0"/>
-              <a:t>先攻と後攻を入れ替えて試合をする</a:t>
+              <a:rPr lang="ja-JP" altLang="en-US" sz="4400" dirty="0" smtClean="0">
+                <a:solidFill>
+                  <a:schemeClr val="tx1"/>
+                </a:solidFill>
+              </a:rPr>
+              <a:t>入れ替えて</a:t>
+            </a:r>
+            <a:r>
+              <a:rPr lang="ja-JP" altLang="en-US" sz="4400" dirty="0">
+                <a:solidFill>
+                  <a:schemeClr val="tx1"/>
+                </a:solidFill>
+              </a:rPr>
+              <a:t>二回ずつ試合</a:t>
+            </a:r>
+            <a:r>
+              <a:rPr kumimoji="1" lang="ja-JP" altLang="en-US" sz="4400" dirty="0">
+                <a:solidFill>
+                  <a:schemeClr val="tx1"/>
+                </a:solidFill>
+              </a:rPr>
+              <a:t>をする</a:t>
             </a:r>
           </a:p>
         </p:txBody>
@@ -8356,7 +8827,7 @@
         </p:nvSpPr>
         <p:spPr>
           <a:xfrm>
-            <a:off x="3667485" y="4286884"/>
+            <a:off x="3667485" y="4529596"/>
             <a:ext cx="6336704" cy="523220"/>
           </a:xfrm>
           <a:prstGeom prst="rect">
@@ -8399,6 +8870,13 @@
   <p:clrMapOvr>
     <a:masterClrMapping/>
   </p:clrMapOvr>
+  <p:timing>
+    <p:tnLst>
+      <p:par>
+        <p:cTn id="1" dur="indefinite" restart="never" nodeType="tmRoot"/>
+      </p:par>
+    </p:tnLst>
+  </p:timing>
 </p:sld>
 </file>
 
@@ -8462,8 +8940,8 @@
         </p:nvSpPr>
         <p:spPr>
           <a:xfrm>
-            <a:off x="2249382" y="2843058"/>
-            <a:ext cx="10972800" cy="3456384"/>
+            <a:off x="3370462" y="2117422"/>
+            <a:ext cx="6219499" cy="1740517"/>
           </a:xfrm>
         </p:spPr>
         <p:txBody>
@@ -8476,9 +8954,148 @@
               <a:buNone/>
             </a:pPr>
             <a:r>
-              <a:rPr kumimoji="1" lang="ja-JP" altLang="en-US" sz="5400" dirty="0"/>
-              <a:t>２回とも勝ったら勝利</a:t>
-            </a:r>
+              <a:rPr kumimoji="1" lang="ja-JP" altLang="en-US" sz="5400" dirty="0" smtClean="0">
+                <a:solidFill>
+                  <a:schemeClr val="tx1"/>
+                </a:solidFill>
+              </a:rPr>
+              <a:t>最大三回対戦</a:t>
+            </a:r>
+            <a:endParaRPr kumimoji="1" lang="ja-JP" altLang="en-US" sz="5400" dirty="0">
+              <a:solidFill>
+                <a:schemeClr val="tx1"/>
+              </a:solidFill>
+            </a:endParaRPr>
+          </a:p>
+        </p:txBody>
+      </p:sp>
+      <p:sp>
+        <p:nvSpPr>
+          <p:cNvPr id="4" name="テキスト ボックス 3"/>
+          <p:cNvSpPr txBox="1"/>
+          <p:nvPr/>
+        </p:nvSpPr>
+        <p:spPr>
+          <a:xfrm>
+            <a:off x="381962" y="4166885"/>
+            <a:ext cx="4502553" cy="923330"/>
+          </a:xfrm>
+          <a:prstGeom prst="rect">
+            <a:avLst/>
+          </a:prstGeom>
+          <a:noFill/>
+        </p:spPr>
+        <p:txBody>
+          <a:bodyPr wrap="square" rtlCol="0">
+            <a:spAutoFit/>
+          </a:bodyPr>
+          <a:lstStyle/>
+          <a:p>
+            <a:r>
+              <a:rPr kumimoji="1" lang="ja-JP" altLang="en-US" sz="5400" dirty="0" smtClean="0"/>
+              <a:t>先に二回勝つ</a:t>
+            </a:r>
+            <a:endParaRPr kumimoji="1" lang="ja-JP" altLang="en-US" sz="5400" dirty="0"/>
+          </a:p>
+        </p:txBody>
+      </p:sp>
+      <p:sp>
+        <p:nvSpPr>
+          <p:cNvPr id="5" name="右矢印 4"/>
+          <p:cNvSpPr/>
+          <p:nvPr/>
+        </p:nvSpPr>
+        <p:spPr>
+          <a:xfrm>
+            <a:off x="5197030" y="4340506"/>
+            <a:ext cx="1620457" cy="532436"/>
+          </a:xfrm>
+          <a:prstGeom prst="rightArrow">
+            <a:avLst/>
+          </a:prstGeom>
+          <a:solidFill>
+            <a:srgbClr val="00B0F0"/>
+          </a:solidFill>
+        </p:spPr>
+        <p:style>
+          <a:lnRef idx="2">
+            <a:schemeClr val="accent1">
+              <a:shade val="50000"/>
+            </a:schemeClr>
+          </a:lnRef>
+          <a:fillRef idx="1">
+            <a:schemeClr val="accent1"/>
+          </a:fillRef>
+          <a:effectRef idx="0">
+            <a:schemeClr val="accent1"/>
+          </a:effectRef>
+          <a:fontRef idx="minor">
+            <a:schemeClr val="lt1"/>
+          </a:fontRef>
+        </p:style>
+        <p:txBody>
+          <a:bodyPr rtlCol="0" anchor="ctr"/>
+          <a:lstStyle/>
+          <a:p>
+            <a:pPr algn="ctr"/>
+            <a:endParaRPr kumimoji="1" lang="ja-JP" altLang="en-US"/>
+          </a:p>
+        </p:txBody>
+      </p:sp>
+      <p:sp>
+        <p:nvSpPr>
+          <p:cNvPr id="7" name="正方形/長方形 6"/>
+          <p:cNvSpPr/>
+          <p:nvPr/>
+        </p:nvSpPr>
+        <p:spPr>
+          <a:xfrm>
+            <a:off x="7417761" y="3684319"/>
+            <a:ext cx="3138349" cy="1446550"/>
+          </a:xfrm>
+          <a:prstGeom prst="rect">
+            <a:avLst/>
+          </a:prstGeom>
+          <a:noFill/>
+        </p:spPr>
+        <p:txBody>
+          <a:bodyPr wrap="square" lIns="91440" tIns="45720" rIns="91440" bIns="45720">
+            <a:spAutoFit/>
+          </a:bodyPr>
+          <a:lstStyle/>
+          <a:p>
+            <a:pPr algn="ctr"/>
+            <a:r>
+              <a:rPr lang="ja-JP" altLang="en-US" sz="8800" b="1" dirty="0">
+                <a:ln w="10541" cmpd="sng">
+                  <a:solidFill>
+                    <a:srgbClr val="C00000"/>
+                  </a:solidFill>
+                  <a:prstDash val="solid"/>
+                </a:ln>
+                <a:solidFill>
+                  <a:srgbClr val="C00000"/>
+                </a:solidFill>
+                <a:effectLst>
+                  <a:reflection blurRad="6350" stA="60000" endA="900" endPos="60000" dist="29997" dir="5400000" sy="-100000" algn="bl" rotWithShape="0"/>
+                </a:effectLst>
+              </a:rPr>
+              <a:t>勝者</a:t>
+            </a:r>
+            <a:endParaRPr lang="ja-JP" altLang="en-US" sz="8800" b="1" cap="none" spc="0" dirty="0">
+              <a:ln w="10541" cmpd="sng">
+                <a:solidFill>
+                  <a:srgbClr val="C00000"/>
+                </a:solidFill>
+                <a:prstDash val="solid"/>
+              </a:ln>
+              <a:solidFill>
+                <a:srgbClr val="C00000"/>
+              </a:solidFill>
+              <a:effectLst>
+                <a:reflection blurRad="6350" stA="60000" endA="900" endPos="60000" dist="29997" dir="5400000" sy="-100000" algn="bl" rotWithShape="0"/>
+              </a:effectLst>
+            </a:endParaRPr>
           </a:p>
         </p:txBody>
       </p:sp>
@@ -8492,6 +9109,13 @@
   <p:clrMapOvr>
     <a:masterClrMapping/>
   </p:clrMapOvr>
+  <p:timing>
+    <p:tnLst>
+      <p:par>
+        <p:cTn id="1" dur="indefinite" restart="never" nodeType="tmRoot"/>
+      </p:par>
+    </p:tnLst>
+  </p:timing>
 </p:sld>
 </file>
 
@@ -8512,6 +9136,185 @@
           <a:chExt cx="0" cy="0"/>
         </a:xfrm>
       </p:grpSpPr>
+      <p:pic>
+        <p:nvPicPr>
+          <p:cNvPr id="11" name="図 10"/>
+          <p:cNvPicPr>
+            <a:picLocks noChangeAspect="1"/>
+          </p:cNvPicPr>
+          <p:nvPr/>
+        </p:nvPicPr>
+        <p:blipFill>
+          <a:blip r:embed="rId2">
+            <a:extLst>
+              <a:ext uri="{28A0092B-C50C-407E-A947-70E740481C1C}">
+                <a14:useLocalDpi xmlns:a14="http://schemas.microsoft.com/office/drawing/2010/main" val="0"/>
+              </a:ext>
+            </a:extLst>
+          </a:blip>
+          <a:stretch>
+            <a:fillRect/>
+          </a:stretch>
+        </p:blipFill>
+        <p:spPr>
+          <a:xfrm>
+            <a:off x="8637469" y="1626543"/>
+            <a:ext cx="2227499" cy="2172273"/>
+          </a:xfrm>
+          <a:prstGeom prst="rect">
+            <a:avLst/>
+          </a:prstGeom>
+        </p:spPr>
+      </p:pic>
+      <p:pic>
+        <p:nvPicPr>
+          <p:cNvPr id="12" name="図 11"/>
+          <p:cNvPicPr>
+            <a:picLocks noChangeAspect="1"/>
+          </p:cNvPicPr>
+          <p:nvPr/>
+        </p:nvPicPr>
+        <p:blipFill>
+          <a:blip r:embed="rId3">
+            <a:extLst>
+              <a:ext uri="{28A0092B-C50C-407E-A947-70E740481C1C}">
+                <a14:useLocalDpi xmlns:a14="http://schemas.microsoft.com/office/drawing/2010/main" val="0"/>
+              </a:ext>
+            </a:extLst>
+          </a:blip>
+          <a:stretch>
+            <a:fillRect/>
+          </a:stretch>
+        </p:blipFill>
+        <p:spPr>
+          <a:xfrm>
+            <a:off x="9404832" y="2348314"/>
+            <a:ext cx="692772" cy="692772"/>
+          </a:xfrm>
+          <a:prstGeom prst="rect">
+            <a:avLst/>
+          </a:prstGeom>
+        </p:spPr>
+      </p:pic>
+      <p:pic>
+        <p:nvPicPr>
+          <p:cNvPr id="13" name="図 12"/>
+          <p:cNvPicPr>
+            <a:picLocks noChangeAspect="1"/>
+          </p:cNvPicPr>
+          <p:nvPr/>
+        </p:nvPicPr>
+        <p:blipFill>
+          <a:blip r:embed="rId4">
+            <a:extLst>
+              <a:ext uri="{28A0092B-C50C-407E-A947-70E740481C1C}">
+                <a14:useLocalDpi xmlns:a14="http://schemas.microsoft.com/office/drawing/2010/main" val="0"/>
+              </a:ext>
+            </a:extLst>
+          </a:blip>
+          <a:stretch>
+            <a:fillRect/>
+          </a:stretch>
+        </p:blipFill>
+        <p:spPr>
+          <a:xfrm>
+            <a:off x="8659690" y="2387676"/>
+            <a:ext cx="692772" cy="614048"/>
+          </a:xfrm>
+          <a:prstGeom prst="rect">
+            <a:avLst/>
+          </a:prstGeom>
+        </p:spPr>
+      </p:pic>
+      <p:pic>
+        <p:nvPicPr>
+          <p:cNvPr id="14" name="図 13"/>
+          <p:cNvPicPr>
+            <a:picLocks noChangeAspect="1"/>
+          </p:cNvPicPr>
+          <p:nvPr/>
+        </p:nvPicPr>
+        <p:blipFill>
+          <a:blip r:embed="rId4">
+            <a:extLst>
+              <a:ext uri="{28A0092B-C50C-407E-A947-70E740481C1C}">
+                <a14:useLocalDpi xmlns:a14="http://schemas.microsoft.com/office/drawing/2010/main" val="0"/>
+              </a:ext>
+            </a:extLst>
+          </a:blip>
+          <a:stretch>
+            <a:fillRect/>
+          </a:stretch>
+        </p:blipFill>
+        <p:spPr>
+          <a:xfrm>
+            <a:off x="8646960" y="3110063"/>
+            <a:ext cx="692772" cy="614048"/>
+          </a:xfrm>
+          <a:prstGeom prst="rect">
+            <a:avLst/>
+          </a:prstGeom>
+        </p:spPr>
+      </p:pic>
+      <p:pic>
+        <p:nvPicPr>
+          <p:cNvPr id="15" name="図 14"/>
+          <p:cNvPicPr>
+            <a:picLocks noChangeAspect="1"/>
+          </p:cNvPicPr>
+          <p:nvPr/>
+        </p:nvPicPr>
+        <p:blipFill>
+          <a:blip r:embed="rId4">
+            <a:extLst>
+              <a:ext uri="{28A0092B-C50C-407E-A947-70E740481C1C}">
+                <a14:useLocalDpi xmlns:a14="http://schemas.microsoft.com/office/drawing/2010/main" val="0"/>
+              </a:ext>
+            </a:extLst>
+          </a:blip>
+          <a:stretch>
+            <a:fillRect/>
+          </a:stretch>
+        </p:blipFill>
+        <p:spPr>
+          <a:xfrm>
+            <a:off x="10097604" y="3124858"/>
+            <a:ext cx="748874" cy="658505"/>
+          </a:xfrm>
+          <a:prstGeom prst="rect">
+            <a:avLst/>
+          </a:prstGeom>
+        </p:spPr>
+      </p:pic>
+      <p:pic>
+        <p:nvPicPr>
+          <p:cNvPr id="16" name="図 15"/>
+          <p:cNvPicPr>
+            <a:picLocks noChangeAspect="1"/>
+          </p:cNvPicPr>
+          <p:nvPr/>
+        </p:nvPicPr>
+        <p:blipFill rotWithShape="1">
+          <a:blip r:embed="rId5">
+            <a:extLst>
+              <a:ext uri="{28A0092B-C50C-407E-A947-70E740481C1C}">
+                <a14:useLocalDpi xmlns:a14="http://schemas.microsoft.com/office/drawing/2010/main" val="0"/>
+              </a:ext>
+            </a:extLst>
+          </a:blip>
+          <a:srcRect l="32033" t="32375" r="33984" b="33813"/>
+          <a:stretch/>
+        </p:blipFill>
+        <p:spPr>
+          <a:xfrm>
+            <a:off x="10097604" y="2348314"/>
+            <a:ext cx="702079" cy="692772"/>
+          </a:xfrm>
+          <a:prstGeom prst="rect">
+            <a:avLst/>
+          </a:prstGeom>
+        </p:spPr>
+      </p:pic>
       <p:sp>
         <p:nvSpPr>
           <p:cNvPr id="2" name="タイトル 1"/>
@@ -8569,14 +9372,26 @@
               <a:buNone/>
             </a:pPr>
             <a:r>
-              <a:rPr kumimoji="1" lang="ja-JP" altLang="en-US" sz="4000" dirty="0"/>
+              <a:rPr kumimoji="1" lang="ja-JP" altLang="en-US" sz="4000" dirty="0">
+                <a:solidFill>
+                  <a:schemeClr val="tx1"/>
+                </a:solidFill>
+              </a:rPr>
               <a:t>一勝</a:t>
             </a:r>
             <a:r>
-              <a:rPr lang="ja-JP" altLang="en-US" sz="4000" dirty="0"/>
+              <a:rPr lang="ja-JP" altLang="en-US" sz="4000" dirty="0">
+                <a:solidFill>
+                  <a:schemeClr val="tx1"/>
+                </a:solidFill>
+              </a:rPr>
               <a:t>一敗のときは・・・</a:t>
             </a:r>
-            <a:endParaRPr lang="en-US" altLang="ja-JP" sz="4000" dirty="0"/>
+            <a:endParaRPr lang="en-US" altLang="ja-JP" sz="4000" dirty="0">
+              <a:solidFill>
+                <a:schemeClr val="tx1"/>
+              </a:solidFill>
+            </a:endParaRPr>
           </a:p>
           <a:p>
             <a:pPr marL="0" indent="0">
@@ -8589,95 +9404,55 @@
               <a:buNone/>
             </a:pPr>
             <a:r>
-              <a:rPr lang="ja-JP" altLang="en-US" sz="4800" dirty="0"/>
+              <a:rPr lang="ja-JP" altLang="en-US" sz="4800" dirty="0">
+                <a:solidFill>
+                  <a:schemeClr val="tx1"/>
+                </a:solidFill>
+              </a:rPr>
               <a:t>壁を置いて相手を埋めて</a:t>
             </a:r>
-            <a:endParaRPr lang="en-US" altLang="ja-JP" sz="4800" dirty="0"/>
+            <a:endParaRPr lang="en-US" altLang="ja-JP" sz="4800" dirty="0">
+              <a:solidFill>
+                <a:schemeClr val="tx1"/>
+              </a:solidFill>
+            </a:endParaRPr>
           </a:p>
           <a:p>
             <a:pPr marL="0" indent="0">
               <a:buNone/>
             </a:pPr>
             <a:r>
-              <a:rPr lang="ja-JP" altLang="en-US" sz="4800" dirty="0"/>
-              <a:t>勝った回数（</a:t>
-            </a:r>
-            <a:r>
-              <a:rPr lang="en-US" altLang="ja-JP" sz="4800" dirty="0"/>
-              <a:t>put</a:t>
-            </a:r>
-            <a:r>
-              <a:rPr lang="ja-JP" altLang="en-US" sz="4800" dirty="0"/>
-              <a:t>勝ち）の多い方が勝利</a:t>
-            </a:r>
-            <a:endParaRPr kumimoji="1" lang="en-US" altLang="ja-JP" sz="4800" dirty="0"/>
-          </a:p>
-        </p:txBody>
-      </p:sp>
-      <p:pic>
-        <p:nvPicPr>
-          <p:cNvPr id="1026" name="Picture 2"/>
-          <p:cNvPicPr>
-            <a:picLocks noChangeAspect="1" noChangeArrowheads="1"/>
-          </p:cNvPicPr>
-          <p:nvPr/>
-        </p:nvPicPr>
-        <p:blipFill>
-          <a:blip r:embed="rId2">
-            <a:extLst>
-              <a:ext uri="{28A0092B-C50C-407E-A947-70E740481C1C}">
-                <a14:useLocalDpi xmlns:a14="http://schemas.microsoft.com/office/drawing/2010/main" val="0"/>
-              </a:ext>
-            </a:extLst>
-          </a:blip>
-          <a:srcRect/>
-          <a:stretch>
-            <a:fillRect/>
-          </a:stretch>
-        </p:blipFill>
-        <p:spPr bwMode="auto">
-          <a:xfrm>
-            <a:off x="8699500" y="1646166"/>
-            <a:ext cx="2103438" cy="2152650"/>
-          </a:xfrm>
-          <a:prstGeom prst="rect">
-            <a:avLst/>
-          </a:prstGeom>
-          <a:noFill/>
-          <a:ln>
-            <a:noFill/>
-          </a:ln>
-          <a:effectLst/>
-          <a:extLst>
-            <a:ext uri="{909E8E84-426E-40DD-AFC4-6F175D3DCCD1}">
-              <a14:hiddenFill xmlns:a14="http://schemas.microsoft.com/office/drawing/2010/main">
-                <a:solidFill>
-                  <a:schemeClr val="accent1"/>
-                </a:solidFill>
-              </a14:hiddenFill>
-            </a:ext>
-            <a:ext uri="{91240B29-F687-4F45-9708-019B960494DF}">
-              <a14:hiddenLine xmlns:a14="http://schemas.microsoft.com/office/drawing/2010/main" w="9525">
+              <a:rPr lang="ja-JP" altLang="en-US" sz="4800" dirty="0">
                 <a:solidFill>
                   <a:schemeClr val="tx1"/>
                 </a:solidFill>
-                <a:miter lim="800000"/>
-                <a:headEnd/>
-                <a:tailEnd/>
-              </a14:hiddenLine>
-            </a:ext>
-            <a:ext uri="{AF507438-7753-43E0-B8FC-AC1667EBCBE1}">
-              <a14:hiddenEffects xmlns:a14="http://schemas.microsoft.com/office/drawing/2010/main">
-                <a:effectLst>
-                  <a:outerShdw dist="35921" dir="2700000" algn="ctr" rotWithShape="0">
-                    <a:schemeClr val="bg2"/>
-                  </a:outerShdw>
-                </a:effectLst>
-              </a14:hiddenEffects>
-            </a:ext>
-          </a:extLst>
-        </p:spPr>
-      </p:pic>
+              </a:rPr>
+              <a:t>勝った回数（</a:t>
+            </a:r>
+            <a:r>
+              <a:rPr lang="en-US" altLang="ja-JP" sz="4800" dirty="0">
+                <a:solidFill>
+                  <a:schemeClr val="tx1"/>
+                </a:solidFill>
+              </a:rPr>
+              <a:t>put</a:t>
+            </a:r>
+            <a:r>
+              <a:rPr lang="ja-JP" altLang="en-US" sz="4800" dirty="0">
+                <a:solidFill>
+                  <a:schemeClr val="tx1"/>
+                </a:solidFill>
+              </a:rPr>
+              <a:t>勝ち）の多い方が勝利</a:t>
+            </a:r>
+            <a:endParaRPr kumimoji="1" lang="en-US" altLang="ja-JP" sz="4800" dirty="0">
+              <a:solidFill>
+                <a:schemeClr val="tx1"/>
+              </a:solidFill>
+            </a:endParaRPr>
+          </a:p>
+        </p:txBody>
+      </p:sp>
     </p:spTree>
     <p:extLst>
       <p:ext uri="{BB962C8B-B14F-4D97-AF65-F5344CB8AC3E}">
@@ -8688,6 +9463,13 @@
   <p:clrMapOvr>
     <a:masterClrMapping/>
   </p:clrMapOvr>
+  <p:timing>
+    <p:tnLst>
+      <p:par>
+        <p:cTn id="1" dur="indefinite" restart="never" nodeType="tmRoot"/>
+      </p:par>
+    </p:tnLst>
+  </p:timing>
 </p:sld>
 </file>
 
@@ -8708,6 +9490,36 @@
           <a:chExt cx="0" cy="0"/>
         </a:xfrm>
       </p:grpSpPr>
+      <p:pic>
+        <p:nvPicPr>
+          <p:cNvPr id="5" name="図 4"/>
+          <p:cNvPicPr>
+            <a:picLocks noChangeAspect="1"/>
+          </p:cNvPicPr>
+          <p:nvPr/>
+        </p:nvPicPr>
+        <p:blipFill>
+          <a:blip r:embed="rId2">
+            <a:extLst>
+              <a:ext uri="{28A0092B-C50C-407E-A947-70E740481C1C}">
+                <a14:useLocalDpi xmlns:a14="http://schemas.microsoft.com/office/drawing/2010/main" val="0"/>
+              </a:ext>
+            </a:extLst>
+          </a:blip>
+          <a:stretch>
+            <a:fillRect/>
+          </a:stretch>
+        </p:blipFill>
+        <p:spPr>
+          <a:xfrm>
+            <a:off x="9300192" y="2802932"/>
+            <a:ext cx="1011237" cy="1011237"/>
+          </a:xfrm>
+          <a:prstGeom prst="rect">
+            <a:avLst/>
+          </a:prstGeom>
+        </p:spPr>
+      </p:pic>
       <p:sp>
         <p:nvSpPr>
           <p:cNvPr id="2" name="タイトル 1"/>
@@ -8765,10 +9577,18 @@
               <a:buNone/>
             </a:pPr>
             <a:r>
-              <a:rPr lang="ja-JP" altLang="en-US" sz="4000" dirty="0"/>
+              <a:rPr lang="ja-JP" altLang="en-US" sz="4000" dirty="0">
+                <a:solidFill>
+                  <a:schemeClr val="tx1"/>
+                </a:solidFill>
+              </a:rPr>
               <a:t>どちらも相手を埋めて勝ったときは・・・</a:t>
             </a:r>
-            <a:endParaRPr lang="en-US" altLang="ja-JP" sz="4000" dirty="0"/>
+            <a:endParaRPr lang="en-US" altLang="ja-JP" sz="4000" dirty="0">
+              <a:solidFill>
+                <a:schemeClr val="tx1"/>
+              </a:solidFill>
+            </a:endParaRPr>
           </a:p>
           <a:p>
             <a:pPr marL="0" indent="0">
@@ -8782,86 +9602,42 @@
             </a:pPr>
             <a:r>
               <a:rPr lang="ja-JP" altLang="en-US" sz="4800" dirty="0"/>
-              <a:t>　二試合の</a:t>
-            </a:r>
-            <a:endParaRPr lang="en-US" altLang="ja-JP" sz="4800" dirty="0"/>
+              <a:t>　</a:t>
+            </a:r>
+            <a:r>
+              <a:rPr lang="ja-JP" altLang="en-US" sz="4800" dirty="0">
+                <a:solidFill>
+                  <a:schemeClr val="tx1"/>
+                </a:solidFill>
+              </a:rPr>
+              <a:t>二試合の</a:t>
+            </a:r>
+            <a:endParaRPr lang="en-US" altLang="ja-JP" sz="4800" dirty="0">
+              <a:solidFill>
+                <a:schemeClr val="tx1"/>
+              </a:solidFill>
+            </a:endParaRPr>
           </a:p>
           <a:p>
             <a:pPr marL="0" indent="0">
               <a:buNone/>
             </a:pPr>
             <a:r>
-              <a:rPr lang="ja-JP" altLang="en-US" sz="4800" dirty="0"/>
-              <a:t>　合計ハート取得数の多い方が勝利</a:t>
-            </a:r>
-            <a:endParaRPr kumimoji="1" lang="en-US" altLang="ja-JP" sz="4800" dirty="0"/>
-          </a:p>
-        </p:txBody>
-      </p:sp>
-      <p:pic>
-        <p:nvPicPr>
-          <p:cNvPr id="2050" name="Picture 2"/>
-          <p:cNvPicPr>
-            <a:picLocks noChangeAspect="1" noChangeArrowheads="1"/>
-          </p:cNvPicPr>
-          <p:nvPr/>
-        </p:nvPicPr>
-        <p:blipFill>
-          <a:blip r:embed="rId2">
-            <a:extLst>
-              <a:ext uri="{28A0092B-C50C-407E-A947-70E740481C1C}">
-                <a14:useLocalDpi xmlns:a14="http://schemas.microsoft.com/office/drawing/2010/main" val="0"/>
-              </a:ext>
-            </a:extLst>
-          </a:blip>
-          <a:srcRect/>
-          <a:stretch>
-            <a:fillRect/>
-          </a:stretch>
-        </p:blipFill>
-        <p:spPr bwMode="auto">
-          <a:xfrm>
-            <a:off x="9300192" y="2802933"/>
-            <a:ext cx="1011238" cy="1011237"/>
-          </a:xfrm>
-          <a:prstGeom prst="rect">
-            <a:avLst/>
-          </a:prstGeom>
-          <a:noFill/>
-          <a:ln>
-            <a:noFill/>
-          </a:ln>
-          <a:effectLst/>
-          <a:extLst>
-            <a:ext uri="{909E8E84-426E-40DD-AFC4-6F175D3DCCD1}">
-              <a14:hiddenFill xmlns:a14="http://schemas.microsoft.com/office/drawing/2010/main">
-                <a:solidFill>
-                  <a:schemeClr val="accent1"/>
-                </a:solidFill>
-              </a14:hiddenFill>
-            </a:ext>
-            <a:ext uri="{91240B29-F687-4F45-9708-019B960494DF}">
-              <a14:hiddenLine xmlns:a14="http://schemas.microsoft.com/office/drawing/2010/main" w="9525">
+              <a:rPr lang="ja-JP" altLang="en-US" sz="4800" dirty="0">
                 <a:solidFill>
                   <a:schemeClr val="tx1"/>
                 </a:solidFill>
-                <a:miter lim="800000"/>
-                <a:headEnd/>
-                <a:tailEnd/>
-              </a14:hiddenLine>
-            </a:ext>
-            <a:ext uri="{AF507438-7753-43E0-B8FC-AC1667EBCBE1}">
-              <a14:hiddenEffects xmlns:a14="http://schemas.microsoft.com/office/drawing/2010/main">
-                <a:effectLst>
-                  <a:outerShdw dist="35921" dir="2700000" algn="ctr" rotWithShape="0">
-                    <a:schemeClr val="bg2"/>
-                  </a:outerShdw>
-                </a:effectLst>
-              </a14:hiddenEffects>
-            </a:ext>
-          </a:extLst>
-        </p:spPr>
-      </p:pic>
+              </a:rPr>
+              <a:t>　合計ハート取得数の多い方が勝利</a:t>
+            </a:r>
+            <a:endParaRPr kumimoji="1" lang="en-US" altLang="ja-JP" sz="4800" dirty="0">
+              <a:solidFill>
+                <a:schemeClr val="tx1"/>
+              </a:solidFill>
+            </a:endParaRPr>
+          </a:p>
+        </p:txBody>
+      </p:sp>
     </p:spTree>
     <p:extLst>
       <p:ext uri="{BB962C8B-B14F-4D97-AF65-F5344CB8AC3E}">
@@ -8872,6 +9648,13 @@
   <p:clrMapOvr>
     <a:masterClrMapping/>
   </p:clrMapOvr>
+  <p:timing>
+    <p:tnLst>
+      <p:par>
+        <p:cTn id="1" dur="indefinite" restart="never" nodeType="tmRoot"/>
+      </p:par>
+    </p:tnLst>
+  </p:timing>
 </p:sld>
 </file>
 
@@ -8948,30 +9731,6 @@
           </a:p>
         </p:txBody>
       </p:sp>
-      <p:pic>
-        <p:nvPicPr>
-          <p:cNvPr id="4" name="図 3"/>
-          <p:cNvPicPr>
-            <a:picLocks noChangeAspect="1"/>
-          </p:cNvPicPr>
-          <p:nvPr/>
-        </p:nvPicPr>
-        <p:blipFill>
-          <a:blip r:embed="rId2"/>
-          <a:stretch>
-            <a:fillRect/>
-          </a:stretch>
-        </p:blipFill>
-        <p:spPr>
-          <a:xfrm>
-            <a:off x="3511137" y="2217558"/>
-            <a:ext cx="4460769" cy="3925184"/>
-          </a:xfrm>
-          <a:prstGeom prst="rect">
-            <a:avLst/>
-          </a:prstGeom>
-        </p:spPr>
-      </p:pic>
       <p:sp>
         <p:nvSpPr>
           <p:cNvPr id="5" name="テキスト ボックス 4"/>
@@ -9001,6 +9760,35 @@
           </a:p>
         </p:txBody>
       </p:sp>
+      <p:pic>
+        <p:nvPicPr>
+          <p:cNvPr id="6" name="図 5"/>
+          <p:cNvPicPr>
+            <a:picLocks noChangeAspect="1"/>
+          </p:cNvPicPr>
+          <p:nvPr/>
+        </p:nvPicPr>
+        <p:blipFill rotWithShape="1">
+          <a:blip r:embed="rId2">
+            <a:extLst>
+              <a:ext uri="{28A0092B-C50C-407E-A947-70E740481C1C}">
+                <a14:useLocalDpi xmlns:a14="http://schemas.microsoft.com/office/drawing/2010/main" val="0"/>
+              </a:ext>
+            </a:extLst>
+          </a:blip>
+          <a:srcRect t="2631" b="4855"/>
+          <a:stretch/>
+        </p:blipFill>
+        <p:spPr>
+          <a:xfrm>
+            <a:off x="2940930" y="2167556"/>
+            <a:ext cx="5805833" cy="3876735"/>
+          </a:xfrm>
+          <a:prstGeom prst="rect">
+            <a:avLst/>
+          </a:prstGeom>
+        </p:spPr>
+      </p:pic>
     </p:spTree>
     <p:extLst>
       <p:ext uri="{BB962C8B-B14F-4D97-AF65-F5344CB8AC3E}">
@@ -9095,10 +9883,18 @@
               <a:buNone/>
             </a:pPr>
             <a:r>
-              <a:rPr lang="ja-JP" altLang="en-US" sz="4000" dirty="0"/>
+              <a:rPr lang="ja-JP" altLang="en-US" sz="4000" dirty="0">
+                <a:solidFill>
+                  <a:schemeClr val="tx1"/>
+                </a:solidFill>
+              </a:rPr>
               <a:t>アイテムの取得数も同じときは・・・</a:t>
             </a:r>
-            <a:endParaRPr lang="en-US" altLang="ja-JP" sz="4000" dirty="0"/>
+            <a:endParaRPr lang="en-US" altLang="ja-JP" sz="4000" dirty="0">
+              <a:solidFill>
+                <a:schemeClr val="tx1"/>
+              </a:solidFill>
+            </a:endParaRPr>
           </a:p>
           <a:p>
             <a:pPr marL="0" indent="0">
@@ -9112,9 +9908,21 @@
             </a:pPr>
             <a:r>
               <a:rPr lang="ja-JP" altLang="en-US" sz="6000" dirty="0"/>
-              <a:t>　違うマップで再試合</a:t>
-            </a:r>
-            <a:endParaRPr lang="en-US" altLang="ja-JP" sz="6000" dirty="0"/>
+              <a:t>　</a:t>
+            </a:r>
+            <a:r>
+              <a:rPr lang="ja-JP" altLang="en-US" sz="6000" dirty="0">
+                <a:solidFill>
+                  <a:schemeClr val="tx1"/>
+                </a:solidFill>
+              </a:rPr>
+              <a:t>違うマップで再試合</a:t>
+            </a:r>
+            <a:endParaRPr lang="en-US" altLang="ja-JP" sz="6000" dirty="0">
+              <a:solidFill>
+                <a:schemeClr val="tx1"/>
+              </a:solidFill>
+            </a:endParaRPr>
           </a:p>
         </p:txBody>
       </p:sp>
@@ -9128,6 +9936,13 @@
   <p:clrMapOvr>
     <a:masterClrMapping/>
   </p:clrMapOvr>
+  <p:timing>
+    <p:tnLst>
+      <p:par>
+        <p:cTn id="1" dur="indefinite" restart="never" nodeType="tmRoot"/>
+      </p:par>
+    </p:tnLst>
+  </p:timing>
 </p:sld>
 </file>
 
@@ -9169,7 +9984,7 @@
           <a:lstStyle/>
           <a:p>
             <a:r>
-              <a:rPr kumimoji="1" lang="ja-JP" altLang="en-US" dirty="0">
+              <a:rPr kumimoji="1" lang="ja-JP" altLang="en-US" b="1" dirty="0">
                 <a:solidFill>
                   <a:schemeClr val="tx1"/>
                 </a:solidFill>
@@ -9205,10 +10020,18 @@
               <a:buNone/>
             </a:pPr>
             <a:r>
-              <a:rPr lang="ja-JP" altLang="en-US" sz="4000" dirty="0"/>
+              <a:rPr lang="ja-JP" altLang="en-US" sz="4000" dirty="0">
+                <a:solidFill>
+                  <a:schemeClr val="tx1"/>
+                </a:solidFill>
+              </a:rPr>
               <a:t>通信エラーなどで試合が止まったら・・・</a:t>
             </a:r>
-            <a:endParaRPr lang="en-US" altLang="ja-JP" sz="4000" dirty="0"/>
+            <a:endParaRPr lang="en-US" altLang="ja-JP" sz="4000" dirty="0">
+              <a:solidFill>
+                <a:schemeClr val="tx1"/>
+              </a:solidFill>
+            </a:endParaRPr>
           </a:p>
           <a:p>
             <a:pPr marL="0" indent="0">
@@ -9222,27 +10045,63 @@
             </a:pPr>
             <a:r>
               <a:rPr lang="ja-JP" altLang="en-US" sz="6000" dirty="0"/>
-              <a:t>　　原因となった方は</a:t>
-            </a:r>
-            <a:endParaRPr lang="en-US" altLang="ja-JP" sz="6000" dirty="0"/>
+              <a:t>　　</a:t>
+            </a:r>
+            <a:r>
+              <a:rPr lang="ja-JP" altLang="en-US" sz="6000" dirty="0">
+                <a:solidFill>
+                  <a:schemeClr val="tx1"/>
+                </a:solidFill>
+              </a:rPr>
+              <a:t>原因となった</a:t>
+            </a:r>
+            <a:r>
+              <a:rPr lang="ja-JP" altLang="en-US" sz="6000" dirty="0" smtClean="0">
+                <a:solidFill>
+                  <a:schemeClr val="tx1"/>
+                </a:solidFill>
+              </a:rPr>
+              <a:t>方が</a:t>
+            </a:r>
+            <a:endParaRPr lang="en-US" altLang="ja-JP" sz="6000" dirty="0">
+              <a:solidFill>
+                <a:schemeClr val="tx1"/>
+              </a:solidFill>
+            </a:endParaRPr>
           </a:p>
           <a:p>
             <a:pPr marL="0" indent="0">
               <a:buNone/>
             </a:pPr>
             <a:r>
-              <a:rPr lang="ja-JP" altLang="en-US" sz="6000" dirty="0"/>
+              <a:rPr lang="ja-JP" altLang="en-US" sz="6000" dirty="0">
+                <a:solidFill>
+                  <a:schemeClr val="tx1"/>
+                </a:solidFill>
+              </a:rPr>
               <a:t>　　</a:t>
             </a:r>
             <a:r>
-              <a:rPr lang="en-US" altLang="ja-JP" sz="6000" dirty="0"/>
+              <a:rPr lang="en-US" altLang="ja-JP" sz="6000" dirty="0">
+                <a:solidFill>
+                  <a:schemeClr val="tx1"/>
+                </a:solidFill>
+              </a:rPr>
               <a:t>put</a:t>
             </a:r>
             <a:r>
-              <a:rPr lang="ja-JP" altLang="en-US" sz="6000" dirty="0"/>
+              <a:rPr lang="ja-JP" altLang="en-US" sz="6000" dirty="0">
+                <a:solidFill>
+                  <a:schemeClr val="tx1"/>
+                </a:solidFill>
+              </a:rPr>
               <a:t>負け扱いとなる</a:t>
             </a:r>
-            <a:endParaRPr lang="en-US" altLang="ja-JP" sz="6000" dirty="0"/>
+            <a:endParaRPr lang="en-US" altLang="ja-JP" sz="6000" dirty="0">
+              <a:solidFill>
+                <a:schemeClr val="tx1"/>
+              </a:solidFill>
+            </a:endParaRPr>
           </a:p>
         </p:txBody>
       </p:sp>
@@ -9256,6 +10115,13 @@
   <p:clrMapOvr>
     <a:masterClrMapping/>
   </p:clrMapOvr>
+  <p:timing>
+    <p:tnLst>
+      <p:par>
+        <p:cTn id="1" dur="indefinite" restart="never" nodeType="tmRoot"/>
+      </p:par>
+    </p:tnLst>
+  </p:timing>
 </p:sld>
 </file>
 
@@ -9286,7 +10152,12 @@
             <p:ph type="title"/>
           </p:nvPr>
         </p:nvSpPr>
-        <p:spPr/>
+        <p:spPr>
+          <a:xfrm>
+            <a:off x="619461" y="875818"/>
+            <a:ext cx="8596668" cy="1320800"/>
+          </a:xfrm>
+        </p:spPr>
         <p:txBody>
           <a:bodyPr>
             <a:normAutofit/>
@@ -9294,11 +10165,9 @@
           <a:lstStyle/>
           <a:p>
             <a:r>
-              <a:rPr kumimoji="1" lang="ja-JP" altLang="en-US" sz="6000" dirty="0">
+              <a:rPr kumimoji="1" lang="ja-JP" altLang="en-US" sz="6000" b="1" dirty="0">
                 <a:solidFill>
-                  <a:schemeClr val="accent1">
-                    <a:lumMod val="50000"/>
-                  </a:schemeClr>
+                  <a:schemeClr val="tx1"/>
                 </a:solidFill>
               </a:rPr>
               <a:t>最後に</a:t>
@@ -9318,7 +10187,7 @@
         </p:nvSpPr>
         <p:spPr>
           <a:xfrm>
-            <a:off x="838200" y="2021857"/>
+            <a:off x="1150717" y="2438546"/>
             <a:ext cx="9264588" cy="3624339"/>
           </a:xfrm>
         </p:spPr>
@@ -9332,24 +10201,76 @@
               <a:buNone/>
             </a:pPr>
             <a:r>
-              <a:rPr lang="en-US" altLang="ja-JP" sz="4400" dirty="0" err="1"/>
+              <a:rPr lang="en-US" altLang="ja-JP" sz="4400" dirty="0" err="1">
+                <a:solidFill>
+                  <a:schemeClr val="tx1"/>
+                </a:solidFill>
+              </a:rPr>
               <a:t>CHaser</a:t>
             </a:r>
             <a:r>
-              <a:rPr lang="ja-JP" altLang="en-US" sz="4400" dirty="0"/>
-              <a:t>は、簡単に見えて結構奥が深いゲームです。</a:t>
-            </a:r>
-            <a:endParaRPr lang="en-US" altLang="ja-JP" sz="4400" dirty="0"/>
+              <a:rPr lang="ja-JP" altLang="en-US" sz="4400" dirty="0">
+                <a:solidFill>
+                  <a:schemeClr val="tx1"/>
+                </a:solidFill>
+              </a:rPr>
+              <a:t>は</a:t>
+            </a:r>
+            <a:r>
+              <a:rPr lang="ja-JP" altLang="en-US" sz="4400" dirty="0" smtClean="0">
+                <a:solidFill>
+                  <a:schemeClr val="tx1"/>
+                </a:solidFill>
+              </a:rPr>
+              <a:t>、奥</a:t>
+            </a:r>
+            <a:r>
+              <a:rPr lang="ja-JP" altLang="en-US" sz="4400" dirty="0">
+                <a:solidFill>
+                  <a:schemeClr val="tx1"/>
+                </a:solidFill>
+              </a:rPr>
+              <a:t>が深いゲームです。</a:t>
+            </a:r>
+            <a:endParaRPr lang="en-US" altLang="ja-JP" sz="4400" dirty="0">
+              <a:solidFill>
+                <a:schemeClr val="tx1"/>
+              </a:solidFill>
+            </a:endParaRPr>
           </a:p>
           <a:p>
             <a:pPr marL="0" indent="0">
               <a:buNone/>
             </a:pPr>
             <a:r>
-              <a:rPr lang="ja-JP" altLang="en-US" sz="4400" dirty="0"/>
-              <a:t>様々な戦術を考え、コードにしていき、より良いプログラムを目指していくことができます。</a:t>
-            </a:r>
-            <a:endParaRPr lang="en-US" altLang="ja-JP" sz="4400" dirty="0"/>
+              <a:rPr lang="ja-JP" altLang="en-US" sz="4400" dirty="0" smtClean="0">
+                <a:solidFill>
+                  <a:schemeClr val="tx1"/>
+                </a:solidFill>
+              </a:rPr>
+              <a:t>本戦に向けて様々</a:t>
+            </a:r>
+            <a:r>
+              <a:rPr lang="ja-JP" altLang="en-US" sz="4400" dirty="0">
+                <a:solidFill>
+                  <a:schemeClr val="tx1"/>
+                </a:solidFill>
+              </a:rPr>
+              <a:t>な戦術を考え、</a:t>
+            </a:r>
+            <a:r>
+              <a:rPr lang="ja-JP" altLang="en-US" sz="4400" dirty="0" smtClean="0">
+                <a:solidFill>
+                  <a:schemeClr val="tx1"/>
+                </a:solidFill>
+              </a:rPr>
+              <a:t>コード書いていきましょう。</a:t>
+            </a:r>
+            <a:endParaRPr lang="en-US" altLang="ja-JP" sz="4400" dirty="0">
+              <a:solidFill>
+                <a:schemeClr val="tx1"/>
+              </a:solidFill>
+            </a:endParaRPr>
           </a:p>
           <a:p>
             <a:pPr marL="0" indent="0">
@@ -9369,6 +10290,13 @@
   <p:clrMapOvr>
     <a:masterClrMapping/>
   </p:clrMapOvr>
+  <p:timing>
+    <p:tnLst>
+      <p:par>
+        <p:cTn id="1" dur="indefinite" restart="never" nodeType="tmRoot"/>
+      </p:par>
+    </p:tnLst>
+  </p:timing>
 </p:sld>
 </file>
 
@@ -9389,6 +10317,35 @@
           <a:chExt cx="0" cy="0"/>
         </a:xfrm>
       </p:grpSpPr>
+      <p:pic>
+        <p:nvPicPr>
+          <p:cNvPr id="3" name="図 2"/>
+          <p:cNvPicPr>
+            <a:picLocks noChangeAspect="1"/>
+          </p:cNvPicPr>
+          <p:nvPr/>
+        </p:nvPicPr>
+        <p:blipFill rotWithShape="1">
+          <a:blip r:embed="rId2">
+            <a:extLst>
+              <a:ext uri="{28A0092B-C50C-407E-A947-70E740481C1C}">
+                <a14:useLocalDpi xmlns:a14="http://schemas.microsoft.com/office/drawing/2010/main" val="0"/>
+              </a:ext>
+            </a:extLst>
+          </a:blip>
+          <a:srcRect t="2631" b="4855"/>
+          <a:stretch/>
+        </p:blipFill>
+        <p:spPr>
+          <a:xfrm>
+            <a:off x="642360" y="1797166"/>
+            <a:ext cx="5805833" cy="3876735"/>
+          </a:xfrm>
+          <a:prstGeom prst="rect">
+            <a:avLst/>
+          </a:prstGeom>
+        </p:spPr>
+      </p:pic>
       <p:sp>
         <p:nvSpPr>
           <p:cNvPr id="2" name="タイトル 1"/>
@@ -9401,7 +10358,7 @@
         </p:nvSpPr>
         <p:spPr>
           <a:xfrm>
-            <a:off x="6579846" y="4229199"/>
+            <a:off x="7090528" y="4347557"/>
             <a:ext cx="4124498" cy="1325563"/>
           </a:xfrm>
         </p:spPr>
@@ -9422,79 +10379,6 @@
           </a:p>
         </p:txBody>
       </p:sp>
-      <p:pic>
-        <p:nvPicPr>
-          <p:cNvPr id="4" name="コンテンツ プレースホルダー 3"/>
-          <p:cNvPicPr>
-            <a:picLocks noGrp="1" noChangeAspect="1"/>
-          </p:cNvPicPr>
-          <p:nvPr>
-            <p:ph idx="1"/>
-          </p:nvPr>
-        </p:nvPicPr>
-        <p:blipFill>
-          <a:blip r:embed="rId2"/>
-          <a:stretch>
-            <a:fillRect/>
-          </a:stretch>
-        </p:blipFill>
-        <p:spPr>
-          <a:xfrm>
-            <a:off x="759623" y="1690688"/>
-            <a:ext cx="4391321" cy="3864074"/>
-          </a:xfrm>
-          <a:prstGeom prst="rect">
-            <a:avLst/>
-          </a:prstGeom>
-        </p:spPr>
-      </p:pic>
-      <p:pic>
-        <p:nvPicPr>
-          <p:cNvPr id="5" name="図 4"/>
-          <p:cNvPicPr>
-            <a:picLocks noChangeAspect="1"/>
-          </p:cNvPicPr>
-          <p:nvPr/>
-        </p:nvPicPr>
-        <p:blipFill>
-          <a:blip r:embed="rId3"/>
-          <a:stretch>
-            <a:fillRect/>
-          </a:stretch>
-        </p:blipFill>
-        <p:spPr>
-          <a:xfrm>
-            <a:off x="6367170" y="2666510"/>
-            <a:ext cx="1457358" cy="1525454"/>
-          </a:xfrm>
-          <a:prstGeom prst="rect">
-            <a:avLst/>
-          </a:prstGeom>
-        </p:spPr>
-      </p:pic>
-      <p:pic>
-        <p:nvPicPr>
-          <p:cNvPr id="6" name="図 5"/>
-          <p:cNvPicPr>
-            <a:picLocks noChangeAspect="1"/>
-          </p:cNvPicPr>
-          <p:nvPr/>
-        </p:nvPicPr>
-        <p:blipFill rotWithShape="1">
-          <a:blip r:embed="rId4"/>
-          <a:srcRect t="2005" r="1098"/>
-          <a:stretch/>
-        </p:blipFill>
-        <p:spPr>
-          <a:xfrm>
-            <a:off x="8919580" y="2666510"/>
-            <a:ext cx="1529518" cy="1562689"/>
-          </a:xfrm>
-          <a:prstGeom prst="rect">
-            <a:avLst/>
-          </a:prstGeom>
-        </p:spPr>
-      </p:pic>
       <p:sp>
         <p:nvSpPr>
           <p:cNvPr id="7" name="テキスト ボックス 6"/>
@@ -9503,7 +10387,7 @@
         </p:nvSpPr>
         <p:spPr>
           <a:xfrm>
-            <a:off x="6197137" y="2106055"/>
+            <a:off x="6633579" y="2106055"/>
             <a:ext cx="2286001" cy="523220"/>
           </a:xfrm>
           <a:prstGeom prst="rect">
@@ -9536,7 +10420,7 @@
         </p:nvSpPr>
         <p:spPr>
           <a:xfrm>
-            <a:off x="8767478" y="2106055"/>
+            <a:off x="9059580" y="2106055"/>
             <a:ext cx="2155446" cy="523220"/>
           </a:xfrm>
           <a:prstGeom prst="rect">
@@ -9629,7 +10513,7 @@
         </p:nvSpPr>
         <p:spPr>
           <a:xfrm>
-            <a:off x="7340138" y="5106231"/>
+            <a:off x="7776579" y="5106231"/>
             <a:ext cx="3782290" cy="369332"/>
           </a:xfrm>
           <a:prstGeom prst="rect">
@@ -9658,7 +10542,7 @@
         </p:nvSpPr>
         <p:spPr>
           <a:xfrm>
-            <a:off x="1338350" y="4347557"/>
+            <a:off x="2322198" y="4273585"/>
             <a:ext cx="631768" cy="633984"/>
           </a:xfrm>
           <a:prstGeom prst="ellipse">
@@ -9707,15 +10591,75 @@
           <p:nvPr/>
         </p:nvPicPr>
         <p:blipFill>
-          <a:blip r:embed="rId5"/>
+          <a:blip r:embed="rId3"/>
           <a:stretch>
             <a:fillRect/>
           </a:stretch>
         </p:blipFill>
         <p:spPr>
           <a:xfrm>
-            <a:off x="3399020" y="4307902"/>
+            <a:off x="1969032" y="1797166"/>
             <a:ext cx="707197" cy="713294"/>
+          </a:xfrm>
+          <a:prstGeom prst="rect">
+            <a:avLst/>
+          </a:prstGeom>
+        </p:spPr>
+      </p:pic>
+      <p:pic>
+        <p:nvPicPr>
+          <p:cNvPr id="12" name="図 11"/>
+          <p:cNvPicPr>
+            <a:picLocks noChangeAspect="1"/>
+          </p:cNvPicPr>
+          <p:nvPr/>
+        </p:nvPicPr>
+        <p:blipFill>
+          <a:blip r:embed="rId4">
+            <a:extLst>
+              <a:ext uri="{28A0092B-C50C-407E-A947-70E740481C1C}">
+                <a14:useLocalDpi xmlns:a14="http://schemas.microsoft.com/office/drawing/2010/main" val="0"/>
+              </a:ext>
+            </a:extLst>
+          </a:blip>
+          <a:stretch>
+            <a:fillRect/>
+          </a:stretch>
+        </p:blipFill>
+        <p:spPr>
+          <a:xfrm>
+            <a:off x="9231283" y="2629275"/>
+            <a:ext cx="1518100" cy="1480462"/>
+          </a:xfrm>
+          <a:prstGeom prst="rect">
+            <a:avLst/>
+          </a:prstGeom>
+        </p:spPr>
+      </p:pic>
+      <p:pic>
+        <p:nvPicPr>
+          <p:cNvPr id="13" name="図 12"/>
+          <p:cNvPicPr>
+            <a:picLocks noChangeAspect="1"/>
+          </p:cNvPicPr>
+          <p:nvPr/>
+        </p:nvPicPr>
+        <p:blipFill>
+          <a:blip r:embed="rId5">
+            <a:extLst>
+              <a:ext uri="{28A0092B-C50C-407E-A947-70E740481C1C}">
+                <a14:useLocalDpi xmlns:a14="http://schemas.microsoft.com/office/drawing/2010/main" val="0"/>
+              </a:ext>
+            </a:extLst>
+          </a:blip>
+          <a:stretch>
+            <a:fillRect/>
+          </a:stretch>
+        </p:blipFill>
+        <p:spPr>
+          <a:xfrm>
+            <a:off x="6750982" y="2629275"/>
+            <a:ext cx="1502404" cy="1489987"/>
           </a:xfrm>
           <a:prstGeom prst="rect">
             <a:avLst/>
@@ -9761,24 +10705,27 @@
       </p:grpSpPr>
       <p:pic>
         <p:nvPicPr>
-          <p:cNvPr id="4" name="コンテンツ プレースホルダー 3"/>
+          <p:cNvPr id="13" name="図 12"/>
           <p:cNvPicPr>
-            <a:picLocks noGrp="1" noChangeAspect="1"/>
+            <a:picLocks noChangeAspect="1"/>
           </p:cNvPicPr>
-          <p:nvPr>
-            <p:ph idx="1"/>
-          </p:nvPr>
+          <p:nvPr/>
         </p:nvPicPr>
-        <p:blipFill>
-          <a:blip r:embed="rId2"/>
-          <a:stretch>
-            <a:fillRect/>
-          </a:stretch>
+        <p:blipFill rotWithShape="1">
+          <a:blip r:embed="rId2">
+            <a:extLst>
+              <a:ext uri="{28A0092B-C50C-407E-A947-70E740481C1C}">
+                <a14:useLocalDpi xmlns:a14="http://schemas.microsoft.com/office/drawing/2010/main" val="0"/>
+              </a:ext>
+            </a:extLst>
+          </a:blip>
+          <a:srcRect t="2631" b="4855"/>
+          <a:stretch/>
         </p:blipFill>
         <p:spPr>
           <a:xfrm>
-            <a:off x="759623" y="1690688"/>
-            <a:ext cx="4391321" cy="3864074"/>
+            <a:off x="642360" y="1797166"/>
+            <a:ext cx="5805833" cy="3876735"/>
           </a:xfrm>
           <a:prstGeom prst="rect">
             <a:avLst/>
@@ -9837,30 +10784,6 @@
           </a:p>
         </p:txBody>
       </p:sp>
-      <p:pic>
-        <p:nvPicPr>
-          <p:cNvPr id="9" name="図 8"/>
-          <p:cNvPicPr>
-            <a:picLocks noChangeAspect="1"/>
-          </p:cNvPicPr>
-          <p:nvPr/>
-        </p:nvPicPr>
-        <p:blipFill>
-          <a:blip r:embed="rId3"/>
-          <a:stretch>
-            <a:fillRect/>
-          </a:stretch>
-        </p:blipFill>
-        <p:spPr>
-          <a:xfrm>
-            <a:off x="7419902" y="2570017"/>
-            <a:ext cx="2284616" cy="2284616"/>
-          </a:xfrm>
-          <a:prstGeom prst="rect">
-            <a:avLst/>
-          </a:prstGeom>
-        </p:spPr>
-      </p:pic>
       <p:sp>
         <p:nvSpPr>
           <p:cNvPr id="12" name="テキスト ボックス 11"/>
@@ -9933,15 +10856,75 @@
           <p:nvPr/>
         </p:nvPicPr>
         <p:blipFill>
-          <a:blip r:embed="rId4"/>
+          <a:blip r:embed="rId3"/>
           <a:stretch>
             <a:fillRect/>
           </a:stretch>
         </p:blipFill>
         <p:spPr>
           <a:xfrm>
-            <a:off x="3090641" y="2707969"/>
-            <a:ext cx="707197" cy="713294"/>
+            <a:off x="2711624" y="2996952"/>
+            <a:ext cx="616068" cy="629511"/>
+          </a:xfrm>
+          <a:prstGeom prst="rect">
+            <a:avLst/>
+          </a:prstGeom>
+        </p:spPr>
+      </p:pic>
+      <p:pic>
+        <p:nvPicPr>
+          <p:cNvPr id="3" name="図 2"/>
+          <p:cNvPicPr>
+            <a:picLocks noChangeAspect="1"/>
+          </p:cNvPicPr>
+          <p:nvPr/>
+        </p:nvPicPr>
+        <p:blipFill>
+          <a:blip r:embed="rId4">
+            <a:extLst>
+              <a:ext uri="{28A0092B-C50C-407E-A947-70E740481C1C}">
+                <a14:useLocalDpi xmlns:a14="http://schemas.microsoft.com/office/drawing/2010/main" val="0"/>
+              </a:ext>
+            </a:extLst>
+          </a:blip>
+          <a:stretch>
+            <a:fillRect/>
+          </a:stretch>
+        </p:blipFill>
+        <p:spPr>
+          <a:xfrm>
+            <a:off x="7385177" y="2566869"/>
+            <a:ext cx="2303655" cy="2284616"/>
+          </a:xfrm>
+          <a:prstGeom prst="rect">
+            <a:avLst/>
+          </a:prstGeom>
+        </p:spPr>
+      </p:pic>
+      <p:pic>
+        <p:nvPicPr>
+          <p:cNvPr id="4" name="図 3"/>
+          <p:cNvPicPr>
+            <a:picLocks noChangeAspect="1"/>
+          </p:cNvPicPr>
+          <p:nvPr/>
+        </p:nvPicPr>
+        <p:blipFill>
+          <a:blip r:embed="rId5">
+            <a:extLst>
+              <a:ext uri="{28A0092B-C50C-407E-A947-70E740481C1C}">
+                <a14:useLocalDpi xmlns:a14="http://schemas.microsoft.com/office/drawing/2010/main" val="0"/>
+              </a:ext>
+            </a:extLst>
+          </a:blip>
+          <a:stretch>
+            <a:fillRect/>
+          </a:stretch>
+        </p:blipFill>
+        <p:spPr>
+          <a:xfrm>
+            <a:off x="8137004" y="3335533"/>
+            <a:ext cx="810226" cy="810226"/>
           </a:xfrm>
           <a:prstGeom prst="rect">
             <a:avLst/>
@@ -9987,24 +10970,27 @@
       </p:grpSpPr>
       <p:pic>
         <p:nvPicPr>
-          <p:cNvPr id="4" name="コンテンツ プレースホルダー 3"/>
+          <p:cNvPr id="13" name="図 12"/>
           <p:cNvPicPr>
-            <a:picLocks noGrp="1" noChangeAspect="1"/>
+            <a:picLocks noChangeAspect="1"/>
           </p:cNvPicPr>
-          <p:nvPr>
-            <p:ph idx="1"/>
-          </p:nvPr>
+          <p:nvPr/>
         </p:nvPicPr>
-        <p:blipFill>
-          <a:blip r:embed="rId2"/>
-          <a:stretch>
-            <a:fillRect/>
-          </a:stretch>
+        <p:blipFill rotWithShape="1">
+          <a:blip r:embed="rId2">
+            <a:extLst>
+              <a:ext uri="{28A0092B-C50C-407E-A947-70E740481C1C}">
+                <a14:useLocalDpi xmlns:a14="http://schemas.microsoft.com/office/drawing/2010/main" val="0"/>
+              </a:ext>
+            </a:extLst>
+          </a:blip>
+          <a:srcRect t="2631" b="4855"/>
+          <a:stretch/>
         </p:blipFill>
         <p:spPr>
           <a:xfrm>
-            <a:off x="759623" y="1690688"/>
-            <a:ext cx="4391321" cy="3864074"/>
+            <a:off x="642360" y="1797166"/>
+            <a:ext cx="5805833" cy="3876735"/>
           </a:xfrm>
           <a:prstGeom prst="rect">
             <a:avLst/>
@@ -10122,53 +11108,6 @@
           </a:p>
         </p:txBody>
       </p:sp>
-      <p:pic>
-        <p:nvPicPr>
-          <p:cNvPr id="3" name="図 2"/>
-          <p:cNvPicPr>
-            <a:picLocks noChangeAspect="1"/>
-          </p:cNvPicPr>
-          <p:nvPr/>
-        </p:nvPicPr>
-        <p:blipFill>
-          <a:blip r:embed="rId3"/>
-          <a:stretch>
-            <a:fillRect/>
-          </a:stretch>
-        </p:blipFill>
-        <p:spPr>
-          <a:xfrm>
-            <a:off x="7494716" y="2628877"/>
-            <a:ext cx="2227313" cy="2216604"/>
-          </a:xfrm>
-          <a:prstGeom prst="rect">
-            <a:avLst/>
-          </a:prstGeom>
-        </p:spPr>
-      </p:pic>
-      <p:pic>
-        <p:nvPicPr>
-          <p:cNvPr id="2" name="図 1"/>
-          <p:cNvPicPr>
-            <a:picLocks noChangeAspect="1"/>
-          </p:cNvPicPr>
-          <p:nvPr/>
-        </p:nvPicPr>
-        <p:blipFill rotWithShape="1">
-          <a:blip r:embed="rId4"/>
-          <a:srcRect l="32813" t="33760" r="33112" b="32825"/>
-          <a:stretch/>
-        </p:blipFill>
-        <p:spPr>
-          <a:xfrm>
-            <a:off x="8205204" y="3334011"/>
-            <a:ext cx="806335" cy="806335"/>
-          </a:xfrm>
-          <a:prstGeom prst="rect">
-            <a:avLst/>
-          </a:prstGeom>
-        </p:spPr>
-      </p:pic>
       <p:sp>
         <p:nvSpPr>
           <p:cNvPr id="5" name="テキスト ボックス 4"/>
@@ -10198,6 +11137,66 @@
           </a:p>
         </p:txBody>
       </p:sp>
+      <p:pic>
+        <p:nvPicPr>
+          <p:cNvPr id="15" name="図 14"/>
+          <p:cNvPicPr>
+            <a:picLocks noChangeAspect="1"/>
+          </p:cNvPicPr>
+          <p:nvPr/>
+        </p:nvPicPr>
+        <p:blipFill>
+          <a:blip r:embed="rId3">
+            <a:extLst>
+              <a:ext uri="{28A0092B-C50C-407E-A947-70E740481C1C}">
+                <a14:useLocalDpi xmlns:a14="http://schemas.microsoft.com/office/drawing/2010/main" val="0"/>
+              </a:ext>
+            </a:extLst>
+          </a:blip>
+          <a:stretch>
+            <a:fillRect/>
+          </a:stretch>
+        </p:blipFill>
+        <p:spPr>
+          <a:xfrm>
+            <a:off x="7385177" y="2566869"/>
+            <a:ext cx="2303655" cy="2284616"/>
+          </a:xfrm>
+          <a:prstGeom prst="rect">
+            <a:avLst/>
+          </a:prstGeom>
+        </p:spPr>
+      </p:pic>
+      <p:pic>
+        <p:nvPicPr>
+          <p:cNvPr id="4" name="図 3"/>
+          <p:cNvPicPr>
+            <a:picLocks noChangeAspect="1"/>
+          </p:cNvPicPr>
+          <p:nvPr/>
+        </p:nvPicPr>
+        <p:blipFill>
+          <a:blip r:embed="rId4">
+            <a:extLst>
+              <a:ext uri="{28A0092B-C50C-407E-A947-70E740481C1C}">
+                <a14:useLocalDpi xmlns:a14="http://schemas.microsoft.com/office/drawing/2010/main" val="0"/>
+              </a:ext>
+            </a:extLst>
+          </a:blip>
+          <a:stretch>
+            <a:fillRect/>
+          </a:stretch>
+        </p:blipFill>
+        <p:spPr>
+          <a:xfrm>
+            <a:off x="8094307" y="3316786"/>
+            <a:ext cx="885394" cy="784781"/>
+          </a:xfrm>
+          <a:prstGeom prst="rect">
+            <a:avLst/>
+          </a:prstGeom>
+        </p:spPr>
+      </p:pic>
     </p:spTree>
     <p:extLst>
       <p:ext uri="{BB962C8B-B14F-4D97-AF65-F5344CB8AC3E}">
@@ -10237,24 +11236,27 @@
       </p:grpSpPr>
       <p:pic>
         <p:nvPicPr>
-          <p:cNvPr id="4" name="コンテンツ プレースホルダー 3"/>
+          <p:cNvPr id="9" name="図 8"/>
           <p:cNvPicPr>
-            <a:picLocks noGrp="1" noChangeAspect="1"/>
+            <a:picLocks noChangeAspect="1"/>
           </p:cNvPicPr>
-          <p:nvPr>
-            <p:ph idx="1"/>
-          </p:nvPr>
+          <p:nvPr/>
         </p:nvPicPr>
-        <p:blipFill>
-          <a:blip r:embed="rId2"/>
-          <a:stretch>
-            <a:fillRect/>
-          </a:stretch>
+        <p:blipFill rotWithShape="1">
+          <a:blip r:embed="rId2">
+            <a:extLst>
+              <a:ext uri="{28A0092B-C50C-407E-A947-70E740481C1C}">
+                <a14:useLocalDpi xmlns:a14="http://schemas.microsoft.com/office/drawing/2010/main" val="0"/>
+              </a:ext>
+            </a:extLst>
+          </a:blip>
+          <a:srcRect t="2631" b="4855"/>
+          <a:stretch/>
         </p:blipFill>
         <p:spPr>
           <a:xfrm>
-            <a:off x="755073" y="1690688"/>
-            <a:ext cx="4391321" cy="3864074"/>
+            <a:off x="642360" y="1797166"/>
+            <a:ext cx="5805833" cy="3876735"/>
           </a:xfrm>
           <a:prstGeom prst="rect">
             <a:avLst/>
@@ -10329,31 +11331,8 @@
         </p:blipFill>
         <p:spPr>
           <a:xfrm>
-            <a:off x="2335591" y="1584596"/>
+            <a:off x="4986193" y="1690688"/>
             <a:ext cx="1230283" cy="613996"/>
-          </a:xfrm>
-          <a:prstGeom prst="rect">
-            <a:avLst/>
-          </a:prstGeom>
-        </p:spPr>
-      </p:pic>
-      <p:pic>
-        <p:nvPicPr>
-          <p:cNvPr id="7" name="図 6"/>
-          <p:cNvPicPr>
-            <a:picLocks noChangeAspect="1"/>
-          </p:cNvPicPr>
-          <p:nvPr/>
-        </p:nvPicPr>
-        <p:blipFill rotWithShape="1">
-          <a:blip r:embed="rId4"/>
-          <a:srcRect l="39710" t="642" r="41163" b="89250"/>
-          <a:stretch/>
-        </p:blipFill>
-        <p:spPr>
-          <a:xfrm>
-            <a:off x="6342609" y="1511291"/>
-            <a:ext cx="4537345" cy="2111433"/>
           </a:xfrm>
           <a:prstGeom prst="rect">
             <a:avLst/>
@@ -10368,7 +11347,7 @@
         </p:nvSpPr>
         <p:spPr>
           <a:xfrm>
-            <a:off x="6971189" y="3299558"/>
+            <a:off x="7384081" y="3956386"/>
             <a:ext cx="3469596" cy="646331"/>
           </a:xfrm>
           <a:prstGeom prst="rect">
@@ -10397,8 +11376,8 @@
         </p:nvSpPr>
         <p:spPr>
           <a:xfrm>
-            <a:off x="6561457" y="4175487"/>
-            <a:ext cx="4099648" cy="369332"/>
+            <a:off x="7069055" y="4731071"/>
+            <a:ext cx="4099648" cy="646331"/>
           </a:xfrm>
           <a:prstGeom prst="rect">
             <a:avLst/>
@@ -10417,12 +11396,60 @@
             </a:r>
             <a:r>
               <a:rPr lang="ja-JP" altLang="en-US" dirty="0"/>
-              <a:t>１ターンずつ減る</a:t>
+              <a:t>１</a:t>
+            </a:r>
+            <a:r>
+              <a:rPr lang="ja-JP" altLang="en-US" dirty="0" smtClean="0"/>
+              <a:t>ターン減る</a:t>
+            </a:r>
+            <a:endParaRPr lang="en-US" altLang="ja-JP" dirty="0" smtClean="0"/>
+          </a:p>
+          <a:p>
+            <a:r>
+              <a:rPr kumimoji="1" lang="en-US" altLang="ja-JP" dirty="0"/>
+              <a:t>	</a:t>
+            </a:r>
+            <a:r>
+              <a:rPr kumimoji="1" lang="en-US" altLang="ja-JP" dirty="0" smtClean="0"/>
+              <a:t>	</a:t>
+            </a:r>
+            <a:r>
+              <a:rPr kumimoji="1" lang="ja-JP" altLang="en-US" dirty="0" smtClean="0"/>
+              <a:t>　 ０で対戦終了</a:t>
             </a:r>
             <a:endParaRPr kumimoji="1" lang="ja-JP" altLang="en-US" dirty="0"/>
           </a:p>
         </p:txBody>
       </p:sp>
+      <p:pic>
+        <p:nvPicPr>
+          <p:cNvPr id="11" name="図 10"/>
+          <p:cNvPicPr>
+            <a:picLocks noChangeAspect="1"/>
+          </p:cNvPicPr>
+          <p:nvPr/>
+        </p:nvPicPr>
+        <p:blipFill rotWithShape="1">
+          <a:blip r:embed="rId2">
+            <a:extLst>
+              <a:ext uri="{28A0092B-C50C-407E-A947-70E740481C1C}">
+                <a14:useLocalDpi xmlns:a14="http://schemas.microsoft.com/office/drawing/2010/main" val="0"/>
+              </a:ext>
+            </a:extLst>
+          </a:blip>
+          <a:srcRect l="79015" t="2631" r="9622" b="90583"/>
+          <a:stretch/>
+        </p:blipFill>
+        <p:spPr>
+          <a:xfrm>
+            <a:off x="7050773" y="2224422"/>
+            <a:ext cx="3506160" cy="1511111"/>
+          </a:xfrm>
+          <a:prstGeom prst="rect">
+            <a:avLst/>
+          </a:prstGeom>
+        </p:spPr>
+      </p:pic>
     </p:spTree>
     <p:extLst>
       <p:ext uri="{BB962C8B-B14F-4D97-AF65-F5344CB8AC3E}">
@@ -11352,29 +12379,6 @@
           </a:graphicData>
         </a:graphic>
       </p:graphicFrame>
-      <p:pic>
-        <p:nvPicPr>
-          <p:cNvPr id="18" name="図 17"/>
-          <p:cNvPicPr>
-            <a:picLocks noChangeAspect="1"/>
-          </p:cNvPicPr>
-          <p:nvPr/>
-        </p:nvPicPr>
-        <p:blipFill rotWithShape="1">
-          <a:blip r:embed="rId2"/>
-          <a:srcRect l="35040" t="33422" r="32803" b="32930"/>
-          <a:stretch/>
-        </p:blipFill>
-        <p:spPr>
-          <a:xfrm>
-            <a:off x="8692170" y="2009222"/>
-            <a:ext cx="470517" cy="514906"/>
-          </a:xfrm>
-          <a:prstGeom prst="rect">
-            <a:avLst/>
-          </a:prstGeom>
-        </p:spPr>
-      </p:pic>
       <p:sp>
         <p:nvSpPr>
           <p:cNvPr id="28" name="テキスト ボックス 27"/>
@@ -12128,30 +13132,6 @@
           </a:graphicData>
         </a:graphic>
       </p:graphicFrame>
-      <p:pic>
-        <p:nvPicPr>
-          <p:cNvPr id="33" name="図 32"/>
-          <p:cNvPicPr>
-            <a:picLocks noChangeAspect="1"/>
-          </p:cNvPicPr>
-          <p:nvPr/>
-        </p:nvPicPr>
-        <p:blipFill>
-          <a:blip r:embed="rId3"/>
-          <a:stretch>
-            <a:fillRect/>
-          </a:stretch>
-        </p:blipFill>
-        <p:spPr>
-          <a:xfrm>
-            <a:off x="1317186" y="4639167"/>
-            <a:ext cx="475529" cy="512108"/>
-          </a:xfrm>
-          <a:prstGeom prst="rect">
-            <a:avLst/>
-          </a:prstGeom>
-        </p:spPr>
-      </p:pic>
       <p:graphicFrame>
         <p:nvGraphicFramePr>
           <p:cNvPr id="41" name="表 40"/>
@@ -13046,30 +14026,6 @@
           </a:graphicData>
         </a:graphic>
       </p:graphicFrame>
-      <p:pic>
-        <p:nvPicPr>
-          <p:cNvPr id="42" name="図 41"/>
-          <p:cNvPicPr>
-            <a:picLocks noChangeAspect="1"/>
-          </p:cNvPicPr>
-          <p:nvPr/>
-        </p:nvPicPr>
-        <p:blipFill>
-          <a:blip r:embed="rId3"/>
-          <a:stretch>
-            <a:fillRect/>
-          </a:stretch>
-        </p:blipFill>
-        <p:spPr>
-          <a:xfrm>
-            <a:off x="5195596" y="4614078"/>
-            <a:ext cx="475529" cy="512108"/>
-          </a:xfrm>
-          <a:prstGeom prst="rect">
-            <a:avLst/>
-          </a:prstGeom>
-        </p:spPr>
-      </p:pic>
       <p:graphicFrame>
         <p:nvGraphicFramePr>
           <p:cNvPr id="44" name="表 43"/>
@@ -13758,29 +14714,6 @@
           </a:graphicData>
         </a:graphic>
       </p:graphicFrame>
-      <p:pic>
-        <p:nvPicPr>
-          <p:cNvPr id="45" name="図 44"/>
-          <p:cNvPicPr>
-            <a:picLocks noChangeAspect="1"/>
-          </p:cNvPicPr>
-          <p:nvPr/>
-        </p:nvPicPr>
-        <p:blipFill rotWithShape="1">
-          <a:blip r:embed="rId2"/>
-          <a:srcRect l="35040" t="33422" r="32803" b="32930"/>
-          <a:stretch/>
-        </p:blipFill>
-        <p:spPr>
-          <a:xfrm>
-            <a:off x="7926934" y="4612679"/>
-            <a:ext cx="470517" cy="514906"/>
-          </a:xfrm>
-          <a:prstGeom prst="rect">
-            <a:avLst/>
-          </a:prstGeom>
-        </p:spPr>
-      </p:pic>
       <p:graphicFrame>
         <p:nvGraphicFramePr>
           <p:cNvPr id="46" name="表 45"/>
@@ -13907,39 +14840,122 @@
           </a:graphicData>
         </a:graphic>
       </p:graphicFrame>
-      <p:sp>
-        <p:nvSpPr>
-          <p:cNvPr id="48" name="テキスト ボックス 47"/>
-          <p:cNvSpPr txBox="1"/>
+      <p:pic>
+        <p:nvPicPr>
+          <p:cNvPr id="15" name="図 14"/>
+          <p:cNvPicPr>
+            <a:picLocks noChangeAspect="1"/>
+          </p:cNvPicPr>
           <p:nvPr/>
-        </p:nvSpPr>
+        </p:nvPicPr>
+        <p:blipFill rotWithShape="1">
+          <a:blip r:embed="rId2">
+            <a:extLst>
+              <a:ext uri="{28A0092B-C50C-407E-A947-70E740481C1C}">
+                <a14:useLocalDpi xmlns:a14="http://schemas.microsoft.com/office/drawing/2010/main" val="0"/>
+              </a:ext>
+            </a:extLst>
+          </a:blip>
+          <a:srcRect l="32033" t="32375" r="33984" b="33813"/>
+          <a:stretch/>
+        </p:blipFill>
         <p:spPr>
           <a:xfrm>
-            <a:off x="4191774" y="6161147"/>
-            <a:ext cx="3074437" cy="400110"/>
+            <a:off x="7895217" y="4618300"/>
+            <a:ext cx="510569" cy="503800"/>
           </a:xfrm>
           <a:prstGeom prst="rect">
             <a:avLst/>
           </a:prstGeom>
-          <a:noFill/>
         </p:spPr>
-        <p:txBody>
-          <a:bodyPr wrap="square" rtlCol="0">
-            <a:spAutoFit/>
-          </a:bodyPr>
-          <a:lstStyle/>
-          <a:p>
-            <a:r>
-              <a:rPr kumimoji="1" lang="en-US" altLang="ja-JP" sz="2000" dirty="0"/>
-              <a:t>※</a:t>
-            </a:r>
-            <a:r>
-              <a:rPr kumimoji="1" lang="ja-JP" altLang="en-US" sz="2000" dirty="0"/>
-              <a:t>　これらは一例です！</a:t>
-            </a:r>
-          </a:p>
-        </p:txBody>
-      </p:sp>
+      </p:pic>
+      <p:pic>
+        <p:nvPicPr>
+          <p:cNvPr id="16" name="図 15"/>
+          <p:cNvPicPr>
+            <a:picLocks noChangeAspect="1"/>
+          </p:cNvPicPr>
+          <p:nvPr/>
+        </p:nvPicPr>
+        <p:blipFill rotWithShape="1">
+          <a:blip r:embed="rId2">
+            <a:extLst>
+              <a:ext uri="{28A0092B-C50C-407E-A947-70E740481C1C}">
+                <a14:useLocalDpi xmlns:a14="http://schemas.microsoft.com/office/drawing/2010/main" val="0"/>
+              </a:ext>
+            </a:extLst>
+          </a:blip>
+          <a:srcRect l="32033" t="32375" r="33984" b="33813"/>
+          <a:stretch/>
+        </p:blipFill>
+        <p:spPr>
+          <a:xfrm>
+            <a:off x="5155697" y="4618300"/>
+            <a:ext cx="510569" cy="503800"/>
+          </a:xfrm>
+          <a:prstGeom prst="rect">
+            <a:avLst/>
+          </a:prstGeom>
+        </p:spPr>
+      </p:pic>
+      <p:pic>
+        <p:nvPicPr>
+          <p:cNvPr id="17" name="図 16"/>
+          <p:cNvPicPr>
+            <a:picLocks noChangeAspect="1"/>
+          </p:cNvPicPr>
+          <p:nvPr/>
+        </p:nvPicPr>
+        <p:blipFill rotWithShape="1">
+          <a:blip r:embed="rId2">
+            <a:extLst>
+              <a:ext uri="{28A0092B-C50C-407E-A947-70E740481C1C}">
+                <a14:useLocalDpi xmlns:a14="http://schemas.microsoft.com/office/drawing/2010/main" val="0"/>
+              </a:ext>
+            </a:extLst>
+          </a:blip>
+          <a:srcRect l="32033" t="32375" r="33984" b="33813"/>
+          <a:stretch/>
+        </p:blipFill>
+        <p:spPr>
+          <a:xfrm>
+            <a:off x="1308104" y="4645912"/>
+            <a:ext cx="510569" cy="503800"/>
+          </a:xfrm>
+          <a:prstGeom prst="rect">
+            <a:avLst/>
+          </a:prstGeom>
+        </p:spPr>
+      </p:pic>
+      <p:pic>
+        <p:nvPicPr>
+          <p:cNvPr id="19" name="図 18"/>
+          <p:cNvPicPr>
+            <a:picLocks noChangeAspect="1"/>
+          </p:cNvPicPr>
+          <p:nvPr/>
+        </p:nvPicPr>
+        <p:blipFill rotWithShape="1">
+          <a:blip r:embed="rId2">
+            <a:extLst>
+              <a:ext uri="{28A0092B-C50C-407E-A947-70E740481C1C}">
+                <a14:useLocalDpi xmlns:a14="http://schemas.microsoft.com/office/drawing/2010/main" val="0"/>
+              </a:ext>
+            </a:extLst>
+          </a:blip>
+          <a:srcRect l="32033" t="32375" r="33984" b="33813"/>
+          <a:stretch/>
+        </p:blipFill>
+        <p:spPr>
+          <a:xfrm>
+            <a:off x="8646289" y="1993590"/>
+            <a:ext cx="510569" cy="503800"/>
+          </a:xfrm>
+          <a:prstGeom prst="rect">
+            <a:avLst/>
+          </a:prstGeom>
+        </p:spPr>
+      </p:pic>
     </p:spTree>
     <p:extLst>
       <p:ext uri="{BB962C8B-B14F-4D97-AF65-F5344CB8AC3E}">
@@ -13971,23 +14987,23 @@
                             </p:stCondLst>
                             <p:childTnLst>
                               <p:par>
-                                <p:cTn id="5" presetID="42" presetClass="path" presetSubtype="0" accel="50000" decel="50000" fill="hold" nodeType="clickEffect">
+                                <p:cTn id="5" presetID="63" presetClass="path" presetSubtype="0" accel="50000" decel="50000" fill="hold" nodeType="clickEffect">
                                   <p:stCondLst>
                                     <p:cond delay="0"/>
                                   </p:stCondLst>
                                   <p:childTnLst>
-                                    <p:animMotion origin="layout" path="M 3.95833E-6 1.11111E-6 L -0.03933 1.11111E-6 " pathEditMode="relative" rAng="0" ptsTypes="AA">
+                                    <p:animMotion origin="layout" path="M -0.00469 -0.00324 L 0.0392 -0.00046 " pathEditMode="relative" rAng="0" ptsTypes="AA">
                                       <p:cBhvr>
                                         <p:cTn id="6" dur="2000" fill="hold"/>
                                         <p:tgtEl>
-                                          <p:spTgt spid="33"/>
+                                          <p:spTgt spid="17"/>
                                         </p:tgtEl>
                                         <p:attrNameLst>
                                           <p:attrName>ppt_x</p:attrName>
                                           <p:attrName>ppt_y</p:attrName>
                                         </p:attrNameLst>
                                       </p:cBhvr>
-                                      <p:rCtr x="-1966" y="0"/>
+                                      <p:rCtr x="2188" y="139"/>
                                     </p:animMotion>
                                   </p:childTnLst>
                                 </p:cTn>
@@ -14095,20 +15111,14 @@
       </p:grpSpPr>
       <p:graphicFrame>
         <p:nvGraphicFramePr>
-          <p:cNvPr id="10" name="表 9">
-            <a:extLst>
-              <a:ext uri="{FF2B5EF4-FFF2-40B4-BE49-F238E27FC236}">
-                <a16:creationId xmlns:a16="http://schemas.microsoft.com/office/drawing/2014/main" xmlns="" id="{0A54A222-0D14-47A6-B417-50568EAF6495}"/>
-              </a:ext>
-            </a:extLst>
-          </p:cNvPr>
+          <p:cNvPr id="4" name="表 3"/>
           <p:cNvGraphicFramePr>
             <a:graphicFrameLocks noGrp="1"/>
           </p:cNvGraphicFramePr>
           <p:nvPr>
             <p:extLst>
               <p:ext uri="{D42A27DB-BD31-4B8C-83A1-F6EECF244321}">
-                <p14:modId xmlns:p14="http://schemas.microsoft.com/office/powerpoint/2010/main" val="1468604118"/>
+                <p14:modId xmlns:p14="http://schemas.microsoft.com/office/powerpoint/2010/main" val="1736217027"/>
               </p:ext>
             </p:extLst>
           </p:nvPr>
@@ -14443,2249 +15453,6 @@
                     <a:bodyPr/>
                     <a:lstStyle/>
                     <a:p>
-                      <a:endParaRPr kumimoji="1" lang="ja-JP" altLang="en-US">
-                        <a:solidFill>
-                          <a:srgbClr val="00B050"/>
-                        </a:solidFill>
-                      </a:endParaRPr>
-                    </a:p>
-                  </a:txBody>
-                  <a:tcPr>
-                    <a:lnL w="12700" cap="flat" cmpd="sng" algn="ctr">
-                      <a:solidFill>
-                        <a:schemeClr val="tx1"/>
-                      </a:solidFill>
-                      <a:prstDash val="solid"/>
-                      <a:round/>
-                      <a:headEnd type="none" w="med" len="med"/>
-                      <a:tailEnd type="none" w="med" len="med"/>
-                    </a:lnL>
-                    <a:lnR w="12700" cap="flat" cmpd="sng" algn="ctr">
-                      <a:solidFill>
-                        <a:schemeClr val="tx1"/>
-                      </a:solidFill>
-                      <a:prstDash val="solid"/>
-                      <a:round/>
-                      <a:headEnd type="none" w="med" len="med"/>
-                      <a:tailEnd type="none" w="med" len="med"/>
-                    </a:lnR>
-                    <a:lnT w="12700" cap="flat" cmpd="sng" algn="ctr">
-                      <a:solidFill>
-                        <a:schemeClr val="tx1"/>
-                      </a:solidFill>
-                      <a:prstDash val="solid"/>
-                      <a:round/>
-                      <a:headEnd type="none" w="med" len="med"/>
-                      <a:tailEnd type="none" w="med" len="med"/>
-                    </a:lnT>
-                    <a:lnB w="12700" cap="flat" cmpd="sng" algn="ctr">
-                      <a:solidFill>
-                        <a:schemeClr val="tx1"/>
-                      </a:solidFill>
-                      <a:prstDash val="solid"/>
-                      <a:round/>
-                      <a:headEnd type="none" w="med" len="med"/>
-                      <a:tailEnd type="none" w="med" len="med"/>
-                    </a:lnB>
-                    <a:solidFill>
-                      <a:schemeClr val="bg1"/>
-                    </a:solidFill>
-                  </a:tcPr>
-                </a:tc>
-                <a:extLst>
-                  <a:ext uri="{0D108BD9-81ED-4DB2-BD59-A6C34878D82A}">
-                    <a16:rowId xmlns:a16="http://schemas.microsoft.com/office/drawing/2014/main" xmlns="" val="758828915"/>
-                  </a:ext>
-                </a:extLst>
-              </a:tr>
-              <a:tr h="526133">
-                <a:tc>
-                  <a:txBody>
-                    <a:bodyPr/>
-                    <a:lstStyle/>
-                    <a:p>
-                      <a:endParaRPr kumimoji="1" lang="ja-JP" altLang="en-US" dirty="0">
-                        <a:solidFill>
-                          <a:srgbClr val="00B050"/>
-                        </a:solidFill>
-                      </a:endParaRPr>
-                    </a:p>
-                  </a:txBody>
-                  <a:tcPr>
-                    <a:lnL w="12700" cap="flat" cmpd="sng" algn="ctr">
-                      <a:solidFill>
-                        <a:schemeClr val="tx1"/>
-                      </a:solidFill>
-                      <a:prstDash val="solid"/>
-                      <a:round/>
-                      <a:headEnd type="none" w="med" len="med"/>
-                      <a:tailEnd type="none" w="med" len="med"/>
-                    </a:lnL>
-                    <a:lnR w="12700" cap="flat" cmpd="sng" algn="ctr">
-                      <a:solidFill>
-                        <a:schemeClr val="tx1"/>
-                      </a:solidFill>
-                      <a:prstDash val="solid"/>
-                      <a:round/>
-                      <a:headEnd type="none" w="med" len="med"/>
-                      <a:tailEnd type="none" w="med" len="med"/>
-                    </a:lnR>
-                    <a:lnT w="12700" cap="flat" cmpd="sng" algn="ctr">
-                      <a:solidFill>
-                        <a:schemeClr val="tx1"/>
-                      </a:solidFill>
-                      <a:prstDash val="solid"/>
-                      <a:round/>
-                      <a:headEnd type="none" w="med" len="med"/>
-                      <a:tailEnd type="none" w="med" len="med"/>
-                    </a:lnT>
-                    <a:lnB w="12700" cap="flat" cmpd="sng" algn="ctr">
-                      <a:solidFill>
-                        <a:schemeClr val="tx1"/>
-                      </a:solidFill>
-                      <a:prstDash val="solid"/>
-                      <a:round/>
-                      <a:headEnd type="none" w="med" len="med"/>
-                      <a:tailEnd type="none" w="med" len="med"/>
-                    </a:lnB>
-                    <a:solidFill>
-                      <a:schemeClr val="bg1"/>
-                    </a:solidFill>
-                  </a:tcPr>
-                </a:tc>
-                <a:tc>
-                  <a:txBody>
-                    <a:bodyPr/>
-                    <a:lstStyle/>
-                    <a:p>
-                      <a:endParaRPr kumimoji="1" lang="ja-JP" altLang="en-US" dirty="0">
-                        <a:solidFill>
-                          <a:srgbClr val="00B050"/>
-                        </a:solidFill>
-                      </a:endParaRPr>
-                    </a:p>
-                  </a:txBody>
-                  <a:tcPr>
-                    <a:lnL w="12700" cap="flat" cmpd="sng" algn="ctr">
-                      <a:solidFill>
-                        <a:schemeClr val="tx1"/>
-                      </a:solidFill>
-                      <a:prstDash val="solid"/>
-                      <a:round/>
-                      <a:headEnd type="none" w="med" len="med"/>
-                      <a:tailEnd type="none" w="med" len="med"/>
-                    </a:lnL>
-                    <a:lnR w="12700" cap="flat" cmpd="sng" algn="ctr">
-                      <a:solidFill>
-                        <a:schemeClr val="tx1"/>
-                      </a:solidFill>
-                      <a:prstDash val="solid"/>
-                      <a:round/>
-                      <a:headEnd type="none" w="med" len="med"/>
-                      <a:tailEnd type="none" w="med" len="med"/>
-                    </a:lnR>
-                    <a:lnT w="12700" cap="flat" cmpd="sng" algn="ctr">
-                      <a:solidFill>
-                        <a:schemeClr val="tx1"/>
-                      </a:solidFill>
-                      <a:prstDash val="solid"/>
-                      <a:round/>
-                      <a:headEnd type="none" w="med" len="med"/>
-                      <a:tailEnd type="none" w="med" len="med"/>
-                    </a:lnT>
-                    <a:lnB w="12700" cap="flat" cmpd="sng" algn="ctr">
-                      <a:solidFill>
-                        <a:schemeClr val="tx1"/>
-                      </a:solidFill>
-                      <a:prstDash val="solid"/>
-                      <a:round/>
-                      <a:headEnd type="none" w="med" len="med"/>
-                      <a:tailEnd type="none" w="med" len="med"/>
-                    </a:lnB>
-                    <a:solidFill>
-                      <a:schemeClr val="bg1"/>
-                    </a:solidFill>
-                  </a:tcPr>
-                </a:tc>
-                <a:tc>
-                  <a:txBody>
-                    <a:bodyPr/>
-                    <a:lstStyle/>
-                    <a:p>
-                      <a:r>
-                        <a:rPr kumimoji="1" lang="ja-JP" altLang="en-US" dirty="0">
-                          <a:solidFill>
-                            <a:srgbClr val="00B050"/>
-                          </a:solidFill>
-                        </a:rPr>
-                        <a:t>１</a:t>
-                      </a:r>
-                    </a:p>
-                  </a:txBody>
-                  <a:tcPr>
-                    <a:lnL w="12700" cap="flat" cmpd="sng" algn="ctr">
-                      <a:solidFill>
-                        <a:schemeClr val="tx1"/>
-                      </a:solidFill>
-                      <a:prstDash val="solid"/>
-                      <a:round/>
-                      <a:headEnd type="none" w="med" len="med"/>
-                      <a:tailEnd type="none" w="med" len="med"/>
-                    </a:lnL>
-                    <a:lnR w="12700" cap="flat" cmpd="sng" algn="ctr">
-                      <a:solidFill>
-                        <a:schemeClr val="tx1"/>
-                      </a:solidFill>
-                      <a:prstDash val="solid"/>
-                      <a:round/>
-                      <a:headEnd type="none" w="med" len="med"/>
-                      <a:tailEnd type="none" w="med" len="med"/>
-                    </a:lnR>
-                    <a:lnT w="12700" cap="flat" cmpd="sng" algn="ctr">
-                      <a:solidFill>
-                        <a:schemeClr val="tx1"/>
-                      </a:solidFill>
-                      <a:prstDash val="solid"/>
-                      <a:round/>
-                      <a:headEnd type="none" w="med" len="med"/>
-                      <a:tailEnd type="none" w="med" len="med"/>
-                    </a:lnT>
-                    <a:lnB w="12700" cap="flat" cmpd="sng" algn="ctr">
-                      <a:solidFill>
-                        <a:schemeClr val="tx1"/>
-                      </a:solidFill>
-                      <a:prstDash val="solid"/>
-                      <a:round/>
-                      <a:headEnd type="none" w="med" len="med"/>
-                      <a:tailEnd type="none" w="med" len="med"/>
-                    </a:lnB>
-                    <a:solidFill>
-                      <a:schemeClr val="bg1"/>
-                    </a:solidFill>
-                  </a:tcPr>
-                </a:tc>
-                <a:tc>
-                  <a:txBody>
-                    <a:bodyPr/>
-                    <a:lstStyle/>
-                    <a:p>
-                      <a:r>
-                        <a:rPr kumimoji="1" lang="ja-JP" altLang="en-US" dirty="0">
-                          <a:solidFill>
-                            <a:srgbClr val="00B050"/>
-                          </a:solidFill>
-                        </a:rPr>
-                        <a:t>２</a:t>
-                      </a:r>
-                    </a:p>
-                  </a:txBody>
-                  <a:tcPr>
-                    <a:lnL w="12700" cap="flat" cmpd="sng" algn="ctr">
-                      <a:solidFill>
-                        <a:schemeClr val="tx1"/>
-                      </a:solidFill>
-                      <a:prstDash val="solid"/>
-                      <a:round/>
-                      <a:headEnd type="none" w="med" len="med"/>
-                      <a:tailEnd type="none" w="med" len="med"/>
-                    </a:lnL>
-                    <a:lnR w="12700" cap="flat" cmpd="sng" algn="ctr">
-                      <a:solidFill>
-                        <a:schemeClr val="tx1"/>
-                      </a:solidFill>
-                      <a:prstDash val="solid"/>
-                      <a:round/>
-                      <a:headEnd type="none" w="med" len="med"/>
-                      <a:tailEnd type="none" w="med" len="med"/>
-                    </a:lnR>
-                    <a:lnT w="12700" cap="flat" cmpd="sng" algn="ctr">
-                      <a:solidFill>
-                        <a:schemeClr val="tx1"/>
-                      </a:solidFill>
-                      <a:prstDash val="solid"/>
-                      <a:round/>
-                      <a:headEnd type="none" w="med" len="med"/>
-                      <a:tailEnd type="none" w="med" len="med"/>
-                    </a:lnT>
-                    <a:lnB w="12700" cap="flat" cmpd="sng" algn="ctr">
-                      <a:solidFill>
-                        <a:schemeClr val="tx1"/>
-                      </a:solidFill>
-                      <a:prstDash val="solid"/>
-                      <a:round/>
-                      <a:headEnd type="none" w="med" len="med"/>
-                      <a:tailEnd type="none" w="med" len="med"/>
-                    </a:lnB>
-                    <a:solidFill>
-                      <a:schemeClr val="bg1"/>
-                    </a:solidFill>
-                  </a:tcPr>
-                </a:tc>
-                <a:tc>
-                  <a:txBody>
-                    <a:bodyPr/>
-                    <a:lstStyle/>
-                    <a:p>
-                      <a:r>
-                        <a:rPr kumimoji="1" lang="ja-JP" altLang="en-US" dirty="0">
-                          <a:solidFill>
-                            <a:srgbClr val="00B050"/>
-                          </a:solidFill>
-                        </a:rPr>
-                        <a:t>３</a:t>
-                      </a:r>
-                    </a:p>
-                  </a:txBody>
-                  <a:tcPr>
-                    <a:lnL w="12700" cap="flat" cmpd="sng" algn="ctr">
-                      <a:solidFill>
-                        <a:schemeClr val="tx1"/>
-                      </a:solidFill>
-                      <a:prstDash val="solid"/>
-                      <a:round/>
-                      <a:headEnd type="none" w="med" len="med"/>
-                      <a:tailEnd type="none" w="med" len="med"/>
-                    </a:lnL>
-                    <a:lnR w="12700" cap="flat" cmpd="sng" algn="ctr">
-                      <a:solidFill>
-                        <a:schemeClr val="tx1"/>
-                      </a:solidFill>
-                      <a:prstDash val="solid"/>
-                      <a:round/>
-                      <a:headEnd type="none" w="med" len="med"/>
-                      <a:tailEnd type="none" w="med" len="med"/>
-                    </a:lnR>
-                    <a:lnT w="12700" cap="flat" cmpd="sng" algn="ctr">
-                      <a:solidFill>
-                        <a:schemeClr val="tx1"/>
-                      </a:solidFill>
-                      <a:prstDash val="solid"/>
-                      <a:round/>
-                      <a:headEnd type="none" w="med" len="med"/>
-                      <a:tailEnd type="none" w="med" len="med"/>
-                    </a:lnT>
-                    <a:lnB w="12700" cap="flat" cmpd="sng" algn="ctr">
-                      <a:solidFill>
-                        <a:schemeClr val="tx1"/>
-                      </a:solidFill>
-                      <a:prstDash val="solid"/>
-                      <a:round/>
-                      <a:headEnd type="none" w="med" len="med"/>
-                      <a:tailEnd type="none" w="med" len="med"/>
-                    </a:lnB>
-                    <a:solidFill>
-                      <a:schemeClr val="bg1"/>
-                    </a:solidFill>
-                  </a:tcPr>
-                </a:tc>
-                <a:tc>
-                  <a:txBody>
-                    <a:bodyPr/>
-                    <a:lstStyle/>
-                    <a:p>
-                      <a:endParaRPr kumimoji="1" lang="ja-JP" altLang="en-US">
-                        <a:solidFill>
-                          <a:srgbClr val="00B050"/>
-                        </a:solidFill>
-                      </a:endParaRPr>
-                    </a:p>
-                  </a:txBody>
-                  <a:tcPr>
-                    <a:lnL w="12700" cap="flat" cmpd="sng" algn="ctr">
-                      <a:solidFill>
-                        <a:schemeClr val="tx1"/>
-                      </a:solidFill>
-                      <a:prstDash val="solid"/>
-                      <a:round/>
-                      <a:headEnd type="none" w="med" len="med"/>
-                      <a:tailEnd type="none" w="med" len="med"/>
-                    </a:lnL>
-                    <a:lnR w="12700" cap="flat" cmpd="sng" algn="ctr">
-                      <a:solidFill>
-                        <a:schemeClr val="tx1"/>
-                      </a:solidFill>
-                      <a:prstDash val="solid"/>
-                      <a:round/>
-                      <a:headEnd type="none" w="med" len="med"/>
-                      <a:tailEnd type="none" w="med" len="med"/>
-                    </a:lnR>
-                    <a:lnT w="12700" cap="flat" cmpd="sng" algn="ctr">
-                      <a:solidFill>
-                        <a:schemeClr val="tx1"/>
-                      </a:solidFill>
-                      <a:prstDash val="solid"/>
-                      <a:round/>
-                      <a:headEnd type="none" w="med" len="med"/>
-                      <a:tailEnd type="none" w="med" len="med"/>
-                    </a:lnT>
-                    <a:lnB w="12700" cap="flat" cmpd="sng" algn="ctr">
-                      <a:solidFill>
-                        <a:schemeClr val="tx1"/>
-                      </a:solidFill>
-                      <a:prstDash val="solid"/>
-                      <a:round/>
-                      <a:headEnd type="none" w="med" len="med"/>
-                      <a:tailEnd type="none" w="med" len="med"/>
-                    </a:lnB>
-                    <a:solidFill>
-                      <a:schemeClr val="bg1"/>
-                    </a:solidFill>
-                  </a:tcPr>
-                </a:tc>
-                <a:extLst>
-                  <a:ext uri="{0D108BD9-81ED-4DB2-BD59-A6C34878D82A}">
-                    <a16:rowId xmlns:a16="http://schemas.microsoft.com/office/drawing/2014/main" xmlns="" val="999118659"/>
-                  </a:ext>
-                </a:extLst>
-              </a:tr>
-              <a:tr h="526133">
-                <a:tc>
-                  <a:txBody>
-                    <a:bodyPr/>
-                    <a:lstStyle/>
-                    <a:p>
-                      <a:endParaRPr kumimoji="1" lang="ja-JP" altLang="en-US" dirty="0">
-                        <a:solidFill>
-                          <a:srgbClr val="00B050"/>
-                        </a:solidFill>
-                      </a:endParaRPr>
-                    </a:p>
-                  </a:txBody>
-                  <a:tcPr>
-                    <a:lnL w="12700" cap="flat" cmpd="sng" algn="ctr">
-                      <a:solidFill>
-                        <a:schemeClr val="tx1"/>
-                      </a:solidFill>
-                      <a:prstDash val="solid"/>
-                      <a:round/>
-                      <a:headEnd type="none" w="med" len="med"/>
-                      <a:tailEnd type="none" w="med" len="med"/>
-                    </a:lnL>
-                    <a:lnR w="12700" cap="flat" cmpd="sng" algn="ctr">
-                      <a:solidFill>
-                        <a:schemeClr val="tx1"/>
-                      </a:solidFill>
-                      <a:prstDash val="solid"/>
-                      <a:round/>
-                      <a:headEnd type="none" w="med" len="med"/>
-                      <a:tailEnd type="none" w="med" len="med"/>
-                    </a:lnR>
-                    <a:lnT w="12700" cap="flat" cmpd="sng" algn="ctr">
-                      <a:solidFill>
-                        <a:schemeClr val="tx1"/>
-                      </a:solidFill>
-                      <a:prstDash val="solid"/>
-                      <a:round/>
-                      <a:headEnd type="none" w="med" len="med"/>
-                      <a:tailEnd type="none" w="med" len="med"/>
-                    </a:lnT>
-                    <a:lnB w="12700" cap="flat" cmpd="sng" algn="ctr">
-                      <a:solidFill>
-                        <a:schemeClr val="tx1"/>
-                      </a:solidFill>
-                      <a:prstDash val="solid"/>
-                      <a:round/>
-                      <a:headEnd type="none" w="med" len="med"/>
-                      <a:tailEnd type="none" w="med" len="med"/>
-                    </a:lnB>
-                    <a:solidFill>
-                      <a:schemeClr val="bg1"/>
-                    </a:solidFill>
-                  </a:tcPr>
-                </a:tc>
-                <a:tc>
-                  <a:txBody>
-                    <a:bodyPr/>
-                    <a:lstStyle/>
-                    <a:p>
-                      <a:endParaRPr kumimoji="1" lang="ja-JP" altLang="en-US" dirty="0">
-                        <a:solidFill>
-                          <a:srgbClr val="00B050"/>
-                        </a:solidFill>
-                      </a:endParaRPr>
-                    </a:p>
-                  </a:txBody>
-                  <a:tcPr>
-                    <a:lnL w="12700" cap="flat" cmpd="sng" algn="ctr">
-                      <a:solidFill>
-                        <a:schemeClr val="tx1"/>
-                      </a:solidFill>
-                      <a:prstDash val="solid"/>
-                      <a:round/>
-                      <a:headEnd type="none" w="med" len="med"/>
-                      <a:tailEnd type="none" w="med" len="med"/>
-                    </a:lnL>
-                    <a:lnR w="12700" cap="flat" cmpd="sng" algn="ctr">
-                      <a:solidFill>
-                        <a:schemeClr val="tx1"/>
-                      </a:solidFill>
-                      <a:prstDash val="solid"/>
-                      <a:round/>
-                      <a:headEnd type="none" w="med" len="med"/>
-                      <a:tailEnd type="none" w="med" len="med"/>
-                    </a:lnR>
-                    <a:lnT w="12700" cap="flat" cmpd="sng" algn="ctr">
-                      <a:solidFill>
-                        <a:schemeClr val="tx1"/>
-                      </a:solidFill>
-                      <a:prstDash val="solid"/>
-                      <a:round/>
-                      <a:headEnd type="none" w="med" len="med"/>
-                      <a:tailEnd type="none" w="med" len="med"/>
-                    </a:lnT>
-                    <a:lnB w="12700" cap="flat" cmpd="sng" algn="ctr">
-                      <a:solidFill>
-                        <a:schemeClr val="tx1"/>
-                      </a:solidFill>
-                      <a:prstDash val="solid"/>
-                      <a:round/>
-                      <a:headEnd type="none" w="med" len="med"/>
-                      <a:tailEnd type="none" w="med" len="med"/>
-                    </a:lnB>
-                    <a:solidFill>
-                      <a:schemeClr val="bg1"/>
-                    </a:solidFill>
-                  </a:tcPr>
-                </a:tc>
-                <a:tc>
-                  <a:txBody>
-                    <a:bodyPr/>
-                    <a:lstStyle/>
-                    <a:p>
-                      <a:r>
-                        <a:rPr kumimoji="1" lang="ja-JP" altLang="en-US" dirty="0">
-                          <a:solidFill>
-                            <a:srgbClr val="00B050"/>
-                          </a:solidFill>
-                        </a:rPr>
-                        <a:t>４</a:t>
-                      </a:r>
-                    </a:p>
-                  </a:txBody>
-                  <a:tcPr>
-                    <a:lnL w="12700" cap="flat" cmpd="sng" algn="ctr">
-                      <a:solidFill>
-                        <a:schemeClr val="tx1"/>
-                      </a:solidFill>
-                      <a:prstDash val="solid"/>
-                      <a:round/>
-                      <a:headEnd type="none" w="med" len="med"/>
-                      <a:tailEnd type="none" w="med" len="med"/>
-                    </a:lnL>
-                    <a:lnR w="12700" cap="flat" cmpd="sng" algn="ctr">
-                      <a:solidFill>
-                        <a:schemeClr val="tx1"/>
-                      </a:solidFill>
-                      <a:prstDash val="solid"/>
-                      <a:round/>
-                      <a:headEnd type="none" w="med" len="med"/>
-                      <a:tailEnd type="none" w="med" len="med"/>
-                    </a:lnR>
-                    <a:lnT w="12700" cap="flat" cmpd="sng" algn="ctr">
-                      <a:solidFill>
-                        <a:schemeClr val="tx1"/>
-                      </a:solidFill>
-                      <a:prstDash val="solid"/>
-                      <a:round/>
-                      <a:headEnd type="none" w="med" len="med"/>
-                      <a:tailEnd type="none" w="med" len="med"/>
-                    </a:lnT>
-                    <a:lnB w="12700" cap="flat" cmpd="sng" algn="ctr">
-                      <a:solidFill>
-                        <a:schemeClr val="tx1"/>
-                      </a:solidFill>
-                      <a:prstDash val="solid"/>
-                      <a:round/>
-                      <a:headEnd type="none" w="med" len="med"/>
-                      <a:tailEnd type="none" w="med" len="med"/>
-                    </a:lnB>
-                    <a:solidFill>
-                      <a:schemeClr val="bg1"/>
-                    </a:solidFill>
-                  </a:tcPr>
-                </a:tc>
-                <a:tc>
-                  <a:txBody>
-                    <a:bodyPr/>
-                    <a:lstStyle/>
-                    <a:p>
-                      <a:endParaRPr kumimoji="1" lang="ja-JP" altLang="en-US" dirty="0">
-                        <a:solidFill>
-                          <a:srgbClr val="00B050"/>
-                        </a:solidFill>
-                      </a:endParaRPr>
-                    </a:p>
-                  </a:txBody>
-                  <a:tcPr>
-                    <a:lnL w="12700" cap="flat" cmpd="sng" algn="ctr">
-                      <a:solidFill>
-                        <a:schemeClr val="tx1"/>
-                      </a:solidFill>
-                      <a:prstDash val="solid"/>
-                      <a:round/>
-                      <a:headEnd type="none" w="med" len="med"/>
-                      <a:tailEnd type="none" w="med" len="med"/>
-                    </a:lnL>
-                    <a:lnR w="12700" cap="flat" cmpd="sng" algn="ctr">
-                      <a:solidFill>
-                        <a:schemeClr val="tx1"/>
-                      </a:solidFill>
-                      <a:prstDash val="solid"/>
-                      <a:round/>
-                      <a:headEnd type="none" w="med" len="med"/>
-                      <a:tailEnd type="none" w="med" len="med"/>
-                    </a:lnR>
-                    <a:lnT w="12700" cap="flat" cmpd="sng" algn="ctr">
-                      <a:solidFill>
-                        <a:schemeClr val="tx1"/>
-                      </a:solidFill>
-                      <a:prstDash val="solid"/>
-                      <a:round/>
-                      <a:headEnd type="none" w="med" len="med"/>
-                      <a:tailEnd type="none" w="med" len="med"/>
-                    </a:lnT>
-                    <a:lnB w="12700" cap="flat" cmpd="sng" algn="ctr">
-                      <a:solidFill>
-                        <a:schemeClr val="tx1"/>
-                      </a:solidFill>
-                      <a:prstDash val="solid"/>
-                      <a:round/>
-                      <a:headEnd type="none" w="med" len="med"/>
-                      <a:tailEnd type="none" w="med" len="med"/>
-                    </a:lnB>
-                    <a:solidFill>
-                      <a:schemeClr val="bg1"/>
-                    </a:solidFill>
-                  </a:tcPr>
-                </a:tc>
-                <a:tc>
-                  <a:txBody>
-                    <a:bodyPr/>
-                    <a:lstStyle/>
-                    <a:p>
-                      <a:r>
-                        <a:rPr kumimoji="1" lang="ja-JP" altLang="en-US" dirty="0">
-                          <a:solidFill>
-                            <a:srgbClr val="00B050"/>
-                          </a:solidFill>
-                        </a:rPr>
-                        <a:t>６</a:t>
-                      </a:r>
-                    </a:p>
-                  </a:txBody>
-                  <a:tcPr>
-                    <a:lnL w="12700" cap="flat" cmpd="sng" algn="ctr">
-                      <a:solidFill>
-                        <a:schemeClr val="tx1"/>
-                      </a:solidFill>
-                      <a:prstDash val="solid"/>
-                      <a:round/>
-                      <a:headEnd type="none" w="med" len="med"/>
-                      <a:tailEnd type="none" w="med" len="med"/>
-                    </a:lnL>
-                    <a:lnR w="12700" cap="flat" cmpd="sng" algn="ctr">
-                      <a:solidFill>
-                        <a:schemeClr val="tx1"/>
-                      </a:solidFill>
-                      <a:prstDash val="solid"/>
-                      <a:round/>
-                      <a:headEnd type="none" w="med" len="med"/>
-                      <a:tailEnd type="none" w="med" len="med"/>
-                    </a:lnR>
-                    <a:lnT w="12700" cap="flat" cmpd="sng" algn="ctr">
-                      <a:solidFill>
-                        <a:schemeClr val="tx1"/>
-                      </a:solidFill>
-                      <a:prstDash val="solid"/>
-                      <a:round/>
-                      <a:headEnd type="none" w="med" len="med"/>
-                      <a:tailEnd type="none" w="med" len="med"/>
-                    </a:lnT>
-                    <a:lnB w="12700" cap="flat" cmpd="sng" algn="ctr">
-                      <a:solidFill>
-                        <a:schemeClr val="tx1"/>
-                      </a:solidFill>
-                      <a:prstDash val="solid"/>
-                      <a:round/>
-                      <a:headEnd type="none" w="med" len="med"/>
-                      <a:tailEnd type="none" w="med" len="med"/>
-                    </a:lnB>
-                    <a:solidFill>
-                      <a:schemeClr val="bg1"/>
-                    </a:solidFill>
-                  </a:tcPr>
-                </a:tc>
-                <a:tc>
-                  <a:txBody>
-                    <a:bodyPr/>
-                    <a:lstStyle/>
-                    <a:p>
-                      <a:endParaRPr kumimoji="1" lang="ja-JP" altLang="en-US">
-                        <a:solidFill>
-                          <a:srgbClr val="00B050"/>
-                        </a:solidFill>
-                      </a:endParaRPr>
-                    </a:p>
-                  </a:txBody>
-                  <a:tcPr>
-                    <a:lnL w="12700" cap="flat" cmpd="sng" algn="ctr">
-                      <a:solidFill>
-                        <a:schemeClr val="tx1"/>
-                      </a:solidFill>
-                      <a:prstDash val="solid"/>
-                      <a:round/>
-                      <a:headEnd type="none" w="med" len="med"/>
-                      <a:tailEnd type="none" w="med" len="med"/>
-                    </a:lnL>
-                    <a:lnR w="12700" cap="flat" cmpd="sng" algn="ctr">
-                      <a:solidFill>
-                        <a:schemeClr val="tx1"/>
-                      </a:solidFill>
-                      <a:prstDash val="solid"/>
-                      <a:round/>
-                      <a:headEnd type="none" w="med" len="med"/>
-                      <a:tailEnd type="none" w="med" len="med"/>
-                    </a:lnR>
-                    <a:lnT w="12700" cap="flat" cmpd="sng" algn="ctr">
-                      <a:solidFill>
-                        <a:schemeClr val="tx1"/>
-                      </a:solidFill>
-                      <a:prstDash val="solid"/>
-                      <a:round/>
-                      <a:headEnd type="none" w="med" len="med"/>
-                      <a:tailEnd type="none" w="med" len="med"/>
-                    </a:lnT>
-                    <a:lnB w="12700" cap="flat" cmpd="sng" algn="ctr">
-                      <a:solidFill>
-                        <a:schemeClr val="tx1"/>
-                      </a:solidFill>
-                      <a:prstDash val="solid"/>
-                      <a:round/>
-                      <a:headEnd type="none" w="med" len="med"/>
-                      <a:tailEnd type="none" w="med" len="med"/>
-                    </a:lnB>
-                    <a:solidFill>
-                      <a:schemeClr val="bg1"/>
-                    </a:solidFill>
-                  </a:tcPr>
-                </a:tc>
-                <a:extLst>
-                  <a:ext uri="{0D108BD9-81ED-4DB2-BD59-A6C34878D82A}">
-                    <a16:rowId xmlns:a16="http://schemas.microsoft.com/office/drawing/2014/main" xmlns="" val="2721425135"/>
-                  </a:ext>
-                </a:extLst>
-              </a:tr>
-              <a:tr h="526133">
-                <a:tc>
-                  <a:txBody>
-                    <a:bodyPr/>
-                    <a:lstStyle/>
-                    <a:p>
-                      <a:endParaRPr kumimoji="1" lang="ja-JP" altLang="en-US" dirty="0">
-                        <a:solidFill>
-                          <a:srgbClr val="00B050"/>
-                        </a:solidFill>
-                      </a:endParaRPr>
-                    </a:p>
-                  </a:txBody>
-                  <a:tcPr>
-                    <a:lnL w="12700" cap="flat" cmpd="sng" algn="ctr">
-                      <a:solidFill>
-                        <a:schemeClr val="tx1"/>
-                      </a:solidFill>
-                      <a:prstDash val="solid"/>
-                      <a:round/>
-                      <a:headEnd type="none" w="med" len="med"/>
-                      <a:tailEnd type="none" w="med" len="med"/>
-                    </a:lnL>
-                    <a:lnR w="12700" cap="flat" cmpd="sng" algn="ctr">
-                      <a:solidFill>
-                        <a:schemeClr val="tx1"/>
-                      </a:solidFill>
-                      <a:prstDash val="solid"/>
-                      <a:round/>
-                      <a:headEnd type="none" w="med" len="med"/>
-                      <a:tailEnd type="none" w="med" len="med"/>
-                    </a:lnR>
-                    <a:lnT w="12700" cap="flat" cmpd="sng" algn="ctr">
-                      <a:solidFill>
-                        <a:schemeClr val="tx1"/>
-                      </a:solidFill>
-                      <a:prstDash val="solid"/>
-                      <a:round/>
-                      <a:headEnd type="none" w="med" len="med"/>
-                      <a:tailEnd type="none" w="med" len="med"/>
-                    </a:lnT>
-                    <a:lnB w="12700" cap="flat" cmpd="sng" algn="ctr">
-                      <a:solidFill>
-                        <a:schemeClr val="tx1"/>
-                      </a:solidFill>
-                      <a:prstDash val="solid"/>
-                      <a:round/>
-                      <a:headEnd type="none" w="med" len="med"/>
-                      <a:tailEnd type="none" w="med" len="med"/>
-                    </a:lnB>
-                    <a:solidFill>
-                      <a:schemeClr val="bg1"/>
-                    </a:solidFill>
-                  </a:tcPr>
-                </a:tc>
-                <a:tc>
-                  <a:txBody>
-                    <a:bodyPr/>
-                    <a:lstStyle/>
-                    <a:p>
-                      <a:endParaRPr kumimoji="1" lang="ja-JP" altLang="en-US" dirty="0">
-                        <a:solidFill>
-                          <a:srgbClr val="00B050"/>
-                        </a:solidFill>
-                      </a:endParaRPr>
-                    </a:p>
-                  </a:txBody>
-                  <a:tcPr>
-                    <a:lnL w="12700" cap="flat" cmpd="sng" algn="ctr">
-                      <a:solidFill>
-                        <a:schemeClr val="tx1"/>
-                      </a:solidFill>
-                      <a:prstDash val="solid"/>
-                      <a:round/>
-                      <a:headEnd type="none" w="med" len="med"/>
-                      <a:tailEnd type="none" w="med" len="med"/>
-                    </a:lnL>
-                    <a:lnR w="12700" cap="flat" cmpd="sng" algn="ctr">
-                      <a:solidFill>
-                        <a:schemeClr val="tx1"/>
-                      </a:solidFill>
-                      <a:prstDash val="solid"/>
-                      <a:round/>
-                      <a:headEnd type="none" w="med" len="med"/>
-                      <a:tailEnd type="none" w="med" len="med"/>
-                    </a:lnR>
-                    <a:lnT w="12700" cap="flat" cmpd="sng" algn="ctr">
-                      <a:solidFill>
-                        <a:schemeClr val="tx1"/>
-                      </a:solidFill>
-                      <a:prstDash val="solid"/>
-                      <a:round/>
-                      <a:headEnd type="none" w="med" len="med"/>
-                      <a:tailEnd type="none" w="med" len="med"/>
-                    </a:lnT>
-                    <a:lnB w="12700" cap="flat" cmpd="sng" algn="ctr">
-                      <a:solidFill>
-                        <a:schemeClr val="tx1"/>
-                      </a:solidFill>
-                      <a:prstDash val="solid"/>
-                      <a:round/>
-                      <a:headEnd type="none" w="med" len="med"/>
-                      <a:tailEnd type="none" w="med" len="med"/>
-                    </a:lnB>
-                    <a:solidFill>
-                      <a:schemeClr val="bg1"/>
-                    </a:solidFill>
-                  </a:tcPr>
-                </a:tc>
-                <a:tc>
-                  <a:txBody>
-                    <a:bodyPr/>
-                    <a:lstStyle/>
-                    <a:p>
-                      <a:r>
-                        <a:rPr kumimoji="1" lang="ja-JP" altLang="en-US" dirty="0">
-                          <a:solidFill>
-                            <a:srgbClr val="00B050"/>
-                          </a:solidFill>
-                        </a:rPr>
-                        <a:t>７</a:t>
-                      </a:r>
-                    </a:p>
-                  </a:txBody>
-                  <a:tcPr>
-                    <a:lnL w="12700" cap="flat" cmpd="sng" algn="ctr">
-                      <a:solidFill>
-                        <a:schemeClr val="tx1"/>
-                      </a:solidFill>
-                      <a:prstDash val="solid"/>
-                      <a:round/>
-                      <a:headEnd type="none" w="med" len="med"/>
-                      <a:tailEnd type="none" w="med" len="med"/>
-                    </a:lnL>
-                    <a:lnR w="12700" cap="flat" cmpd="sng" algn="ctr">
-                      <a:solidFill>
-                        <a:schemeClr val="tx1"/>
-                      </a:solidFill>
-                      <a:prstDash val="solid"/>
-                      <a:round/>
-                      <a:headEnd type="none" w="med" len="med"/>
-                      <a:tailEnd type="none" w="med" len="med"/>
-                    </a:lnR>
-                    <a:lnT w="12700" cap="flat" cmpd="sng" algn="ctr">
-                      <a:solidFill>
-                        <a:schemeClr val="tx1"/>
-                      </a:solidFill>
-                      <a:prstDash val="solid"/>
-                      <a:round/>
-                      <a:headEnd type="none" w="med" len="med"/>
-                      <a:tailEnd type="none" w="med" len="med"/>
-                    </a:lnT>
-                    <a:lnB w="12700" cap="flat" cmpd="sng" algn="ctr">
-                      <a:solidFill>
-                        <a:schemeClr val="tx1"/>
-                      </a:solidFill>
-                      <a:prstDash val="solid"/>
-                      <a:round/>
-                      <a:headEnd type="none" w="med" len="med"/>
-                      <a:tailEnd type="none" w="med" len="med"/>
-                    </a:lnB>
-                    <a:solidFill>
-                      <a:schemeClr val="bg1"/>
-                    </a:solidFill>
-                  </a:tcPr>
-                </a:tc>
-                <a:tc>
-                  <a:txBody>
-                    <a:bodyPr/>
-                    <a:lstStyle/>
-                    <a:p>
-                      <a:r>
-                        <a:rPr kumimoji="1" lang="ja-JP" altLang="en-US" dirty="0">
-                          <a:solidFill>
-                            <a:srgbClr val="00B050"/>
-                          </a:solidFill>
-                        </a:rPr>
-                        <a:t>８</a:t>
-                      </a:r>
-                    </a:p>
-                  </a:txBody>
-                  <a:tcPr>
-                    <a:lnL w="12700" cap="flat" cmpd="sng" algn="ctr">
-                      <a:solidFill>
-                        <a:schemeClr val="tx1"/>
-                      </a:solidFill>
-                      <a:prstDash val="solid"/>
-                      <a:round/>
-                      <a:headEnd type="none" w="med" len="med"/>
-                      <a:tailEnd type="none" w="med" len="med"/>
-                    </a:lnL>
-                    <a:lnR w="12700" cap="flat" cmpd="sng" algn="ctr">
-                      <a:solidFill>
-                        <a:schemeClr val="tx1"/>
-                      </a:solidFill>
-                      <a:prstDash val="solid"/>
-                      <a:round/>
-                      <a:headEnd type="none" w="med" len="med"/>
-                      <a:tailEnd type="none" w="med" len="med"/>
-                    </a:lnR>
-                    <a:lnT w="12700" cap="flat" cmpd="sng" algn="ctr">
-                      <a:solidFill>
-                        <a:schemeClr val="tx1"/>
-                      </a:solidFill>
-                      <a:prstDash val="solid"/>
-                      <a:round/>
-                      <a:headEnd type="none" w="med" len="med"/>
-                      <a:tailEnd type="none" w="med" len="med"/>
-                    </a:lnT>
-                    <a:lnB w="12700" cap="flat" cmpd="sng" algn="ctr">
-                      <a:solidFill>
-                        <a:schemeClr val="tx1"/>
-                      </a:solidFill>
-                      <a:prstDash val="solid"/>
-                      <a:round/>
-                      <a:headEnd type="none" w="med" len="med"/>
-                      <a:tailEnd type="none" w="med" len="med"/>
-                    </a:lnB>
-                    <a:solidFill>
-                      <a:schemeClr val="bg1"/>
-                    </a:solidFill>
-                  </a:tcPr>
-                </a:tc>
-                <a:tc>
-                  <a:txBody>
-                    <a:bodyPr/>
-                    <a:lstStyle/>
-                    <a:p>
-                      <a:r>
-                        <a:rPr kumimoji="1" lang="ja-JP" altLang="en-US" dirty="0">
-                          <a:solidFill>
-                            <a:srgbClr val="00B050"/>
-                          </a:solidFill>
-                        </a:rPr>
-                        <a:t>９</a:t>
-                      </a:r>
-                    </a:p>
-                  </a:txBody>
-                  <a:tcPr>
-                    <a:lnL w="12700" cap="flat" cmpd="sng" algn="ctr">
-                      <a:solidFill>
-                        <a:schemeClr val="tx1"/>
-                      </a:solidFill>
-                      <a:prstDash val="solid"/>
-                      <a:round/>
-                      <a:headEnd type="none" w="med" len="med"/>
-                      <a:tailEnd type="none" w="med" len="med"/>
-                    </a:lnL>
-                    <a:lnR w="12700" cap="flat" cmpd="sng" algn="ctr">
-                      <a:solidFill>
-                        <a:schemeClr val="tx1"/>
-                      </a:solidFill>
-                      <a:prstDash val="solid"/>
-                      <a:round/>
-                      <a:headEnd type="none" w="med" len="med"/>
-                      <a:tailEnd type="none" w="med" len="med"/>
-                    </a:lnR>
-                    <a:lnT w="12700" cap="flat" cmpd="sng" algn="ctr">
-                      <a:solidFill>
-                        <a:schemeClr val="tx1"/>
-                      </a:solidFill>
-                      <a:prstDash val="solid"/>
-                      <a:round/>
-                      <a:headEnd type="none" w="med" len="med"/>
-                      <a:tailEnd type="none" w="med" len="med"/>
-                    </a:lnT>
-                    <a:lnB w="12700" cap="flat" cmpd="sng" algn="ctr">
-                      <a:solidFill>
-                        <a:schemeClr val="tx1"/>
-                      </a:solidFill>
-                      <a:prstDash val="solid"/>
-                      <a:round/>
-                      <a:headEnd type="none" w="med" len="med"/>
-                      <a:tailEnd type="none" w="med" len="med"/>
-                    </a:lnB>
-                    <a:solidFill>
-                      <a:schemeClr val="bg1"/>
-                    </a:solidFill>
-                  </a:tcPr>
-                </a:tc>
-                <a:tc>
-                  <a:txBody>
-                    <a:bodyPr/>
-                    <a:lstStyle/>
-                    <a:p>
-                      <a:endParaRPr kumimoji="1" lang="ja-JP" altLang="en-US">
-                        <a:solidFill>
-                          <a:srgbClr val="00B050"/>
-                        </a:solidFill>
-                      </a:endParaRPr>
-                    </a:p>
-                  </a:txBody>
-                  <a:tcPr>
-                    <a:lnL w="12700" cap="flat" cmpd="sng" algn="ctr">
-                      <a:solidFill>
-                        <a:schemeClr val="tx1"/>
-                      </a:solidFill>
-                      <a:prstDash val="solid"/>
-                      <a:round/>
-                      <a:headEnd type="none" w="med" len="med"/>
-                      <a:tailEnd type="none" w="med" len="med"/>
-                    </a:lnL>
-                    <a:lnR w="12700" cap="flat" cmpd="sng" algn="ctr">
-                      <a:solidFill>
-                        <a:schemeClr val="tx1"/>
-                      </a:solidFill>
-                      <a:prstDash val="solid"/>
-                      <a:round/>
-                      <a:headEnd type="none" w="med" len="med"/>
-                      <a:tailEnd type="none" w="med" len="med"/>
-                    </a:lnR>
-                    <a:lnT w="12700" cap="flat" cmpd="sng" algn="ctr">
-                      <a:solidFill>
-                        <a:schemeClr val="tx1"/>
-                      </a:solidFill>
-                      <a:prstDash val="solid"/>
-                      <a:round/>
-                      <a:headEnd type="none" w="med" len="med"/>
-                      <a:tailEnd type="none" w="med" len="med"/>
-                    </a:lnT>
-                    <a:lnB w="12700" cap="flat" cmpd="sng" algn="ctr">
-                      <a:solidFill>
-                        <a:schemeClr val="tx1"/>
-                      </a:solidFill>
-                      <a:prstDash val="solid"/>
-                      <a:round/>
-                      <a:headEnd type="none" w="med" len="med"/>
-                      <a:tailEnd type="none" w="med" len="med"/>
-                    </a:lnB>
-                    <a:solidFill>
-                      <a:schemeClr val="bg1"/>
-                    </a:solidFill>
-                  </a:tcPr>
-                </a:tc>
-                <a:extLst>
-                  <a:ext uri="{0D108BD9-81ED-4DB2-BD59-A6C34878D82A}">
-                    <a16:rowId xmlns:a16="http://schemas.microsoft.com/office/drawing/2014/main" xmlns="" val="2772929386"/>
-                  </a:ext>
-                </a:extLst>
-              </a:tr>
-              <a:tr h="526133">
-                <a:tc>
-                  <a:txBody>
-                    <a:bodyPr/>
-                    <a:lstStyle/>
-                    <a:p>
-                      <a:endParaRPr kumimoji="1" lang="ja-JP" altLang="en-US">
-                        <a:solidFill>
-                          <a:srgbClr val="00B050"/>
-                        </a:solidFill>
-                      </a:endParaRPr>
-                    </a:p>
-                  </a:txBody>
-                  <a:tcPr>
-                    <a:lnL w="12700" cap="flat" cmpd="sng" algn="ctr">
-                      <a:solidFill>
-                        <a:schemeClr val="tx1"/>
-                      </a:solidFill>
-                      <a:prstDash val="solid"/>
-                      <a:round/>
-                      <a:headEnd type="none" w="med" len="med"/>
-                      <a:tailEnd type="none" w="med" len="med"/>
-                    </a:lnL>
-                    <a:lnR w="12700" cap="flat" cmpd="sng" algn="ctr">
-                      <a:solidFill>
-                        <a:schemeClr val="tx1"/>
-                      </a:solidFill>
-                      <a:prstDash val="solid"/>
-                      <a:round/>
-                      <a:headEnd type="none" w="med" len="med"/>
-                      <a:tailEnd type="none" w="med" len="med"/>
-                    </a:lnR>
-                    <a:lnT w="12700" cap="flat" cmpd="sng" algn="ctr">
-                      <a:solidFill>
-                        <a:schemeClr val="tx1"/>
-                      </a:solidFill>
-                      <a:prstDash val="solid"/>
-                      <a:round/>
-                      <a:headEnd type="none" w="med" len="med"/>
-                      <a:tailEnd type="none" w="med" len="med"/>
-                    </a:lnT>
-                    <a:lnB w="12700" cap="flat" cmpd="sng" algn="ctr">
-                      <a:solidFill>
-                        <a:schemeClr val="tx1"/>
-                      </a:solidFill>
-                      <a:prstDash val="solid"/>
-                      <a:round/>
-                      <a:headEnd type="none" w="med" len="med"/>
-                      <a:tailEnd type="none" w="med" len="med"/>
-                    </a:lnB>
-                    <a:solidFill>
-                      <a:schemeClr val="bg1"/>
-                    </a:solidFill>
-                  </a:tcPr>
-                </a:tc>
-                <a:tc>
-                  <a:txBody>
-                    <a:bodyPr/>
-                    <a:lstStyle/>
-                    <a:p>
-                      <a:endParaRPr kumimoji="1" lang="ja-JP" altLang="en-US">
-                        <a:solidFill>
-                          <a:srgbClr val="00B050"/>
-                        </a:solidFill>
-                      </a:endParaRPr>
-                    </a:p>
-                  </a:txBody>
-                  <a:tcPr>
-                    <a:lnL w="12700" cap="flat" cmpd="sng" algn="ctr">
-                      <a:solidFill>
-                        <a:schemeClr val="tx1"/>
-                      </a:solidFill>
-                      <a:prstDash val="solid"/>
-                      <a:round/>
-                      <a:headEnd type="none" w="med" len="med"/>
-                      <a:tailEnd type="none" w="med" len="med"/>
-                    </a:lnL>
-                    <a:lnR w="12700" cap="flat" cmpd="sng" algn="ctr">
-                      <a:solidFill>
-                        <a:schemeClr val="tx1"/>
-                      </a:solidFill>
-                      <a:prstDash val="solid"/>
-                      <a:round/>
-                      <a:headEnd type="none" w="med" len="med"/>
-                      <a:tailEnd type="none" w="med" len="med"/>
-                    </a:lnR>
-                    <a:lnT w="12700" cap="flat" cmpd="sng" algn="ctr">
-                      <a:solidFill>
-                        <a:schemeClr val="tx1"/>
-                      </a:solidFill>
-                      <a:prstDash val="solid"/>
-                      <a:round/>
-                      <a:headEnd type="none" w="med" len="med"/>
-                      <a:tailEnd type="none" w="med" len="med"/>
-                    </a:lnT>
-                    <a:lnB w="12700" cap="flat" cmpd="sng" algn="ctr">
-                      <a:solidFill>
-                        <a:schemeClr val="tx1"/>
-                      </a:solidFill>
-                      <a:prstDash val="solid"/>
-                      <a:round/>
-                      <a:headEnd type="none" w="med" len="med"/>
-                      <a:tailEnd type="none" w="med" len="med"/>
-                    </a:lnB>
-                    <a:solidFill>
-                      <a:schemeClr val="bg1"/>
-                    </a:solidFill>
-                  </a:tcPr>
-                </a:tc>
-                <a:tc>
-                  <a:txBody>
-                    <a:bodyPr/>
-                    <a:lstStyle/>
-                    <a:p>
-                      <a:endParaRPr kumimoji="1" lang="ja-JP" altLang="en-US">
-                        <a:solidFill>
-                          <a:srgbClr val="00B050"/>
-                        </a:solidFill>
-                      </a:endParaRPr>
-                    </a:p>
-                  </a:txBody>
-                  <a:tcPr>
-                    <a:lnL w="12700" cap="flat" cmpd="sng" algn="ctr">
-                      <a:solidFill>
-                        <a:schemeClr val="tx1"/>
-                      </a:solidFill>
-                      <a:prstDash val="solid"/>
-                      <a:round/>
-                      <a:headEnd type="none" w="med" len="med"/>
-                      <a:tailEnd type="none" w="med" len="med"/>
-                    </a:lnL>
-                    <a:lnR w="12700" cap="flat" cmpd="sng" algn="ctr">
-                      <a:solidFill>
-                        <a:schemeClr val="tx1"/>
-                      </a:solidFill>
-                      <a:prstDash val="solid"/>
-                      <a:round/>
-                      <a:headEnd type="none" w="med" len="med"/>
-                      <a:tailEnd type="none" w="med" len="med"/>
-                    </a:lnR>
-                    <a:lnT w="12700" cap="flat" cmpd="sng" algn="ctr">
-                      <a:solidFill>
-                        <a:schemeClr val="tx1"/>
-                      </a:solidFill>
-                      <a:prstDash val="solid"/>
-                      <a:round/>
-                      <a:headEnd type="none" w="med" len="med"/>
-                      <a:tailEnd type="none" w="med" len="med"/>
-                    </a:lnT>
-                    <a:lnB w="12700" cap="flat" cmpd="sng" algn="ctr">
-                      <a:solidFill>
-                        <a:schemeClr val="tx1"/>
-                      </a:solidFill>
-                      <a:prstDash val="solid"/>
-                      <a:round/>
-                      <a:headEnd type="none" w="med" len="med"/>
-                      <a:tailEnd type="none" w="med" len="med"/>
-                    </a:lnB>
-                    <a:solidFill>
-                      <a:schemeClr val="bg1"/>
-                    </a:solidFill>
-                  </a:tcPr>
-                </a:tc>
-                <a:tc>
-                  <a:txBody>
-                    <a:bodyPr/>
-                    <a:lstStyle/>
-                    <a:p>
-                      <a:endParaRPr kumimoji="1" lang="ja-JP" altLang="en-US">
-                        <a:solidFill>
-                          <a:srgbClr val="00B050"/>
-                        </a:solidFill>
-                      </a:endParaRPr>
-                    </a:p>
-                  </a:txBody>
-                  <a:tcPr>
-                    <a:lnL w="12700" cap="flat" cmpd="sng" algn="ctr">
-                      <a:solidFill>
-                        <a:schemeClr val="tx1"/>
-                      </a:solidFill>
-                      <a:prstDash val="solid"/>
-                      <a:round/>
-                      <a:headEnd type="none" w="med" len="med"/>
-                      <a:tailEnd type="none" w="med" len="med"/>
-                    </a:lnL>
-                    <a:lnR w="12700" cap="flat" cmpd="sng" algn="ctr">
-                      <a:solidFill>
-                        <a:schemeClr val="tx1"/>
-                      </a:solidFill>
-                      <a:prstDash val="solid"/>
-                      <a:round/>
-                      <a:headEnd type="none" w="med" len="med"/>
-                      <a:tailEnd type="none" w="med" len="med"/>
-                    </a:lnR>
-                    <a:lnT w="12700" cap="flat" cmpd="sng" algn="ctr">
-                      <a:solidFill>
-                        <a:schemeClr val="tx1"/>
-                      </a:solidFill>
-                      <a:prstDash val="solid"/>
-                      <a:round/>
-                      <a:headEnd type="none" w="med" len="med"/>
-                      <a:tailEnd type="none" w="med" len="med"/>
-                    </a:lnT>
-                    <a:lnB w="12700" cap="flat" cmpd="sng" algn="ctr">
-                      <a:solidFill>
-                        <a:schemeClr val="tx1"/>
-                      </a:solidFill>
-                      <a:prstDash val="solid"/>
-                      <a:round/>
-                      <a:headEnd type="none" w="med" len="med"/>
-                      <a:tailEnd type="none" w="med" len="med"/>
-                    </a:lnB>
-                    <a:solidFill>
-                      <a:schemeClr val="bg1"/>
-                    </a:solidFill>
-                  </a:tcPr>
-                </a:tc>
-                <a:tc>
-                  <a:txBody>
-                    <a:bodyPr/>
-                    <a:lstStyle/>
-                    <a:p>
-                      <a:endParaRPr kumimoji="1" lang="ja-JP" altLang="en-US">
-                        <a:solidFill>
-                          <a:srgbClr val="00B050"/>
-                        </a:solidFill>
-                      </a:endParaRPr>
-                    </a:p>
-                  </a:txBody>
-                  <a:tcPr>
-                    <a:lnL w="12700" cap="flat" cmpd="sng" algn="ctr">
-                      <a:solidFill>
-                        <a:schemeClr val="tx1"/>
-                      </a:solidFill>
-                      <a:prstDash val="solid"/>
-                      <a:round/>
-                      <a:headEnd type="none" w="med" len="med"/>
-                      <a:tailEnd type="none" w="med" len="med"/>
-                    </a:lnL>
-                    <a:lnR w="12700" cap="flat" cmpd="sng" algn="ctr">
-                      <a:solidFill>
-                        <a:schemeClr val="tx1"/>
-                      </a:solidFill>
-                      <a:prstDash val="solid"/>
-                      <a:round/>
-                      <a:headEnd type="none" w="med" len="med"/>
-                      <a:tailEnd type="none" w="med" len="med"/>
-                    </a:lnR>
-                    <a:lnT w="12700" cap="flat" cmpd="sng" algn="ctr">
-                      <a:solidFill>
-                        <a:schemeClr val="tx1"/>
-                      </a:solidFill>
-                      <a:prstDash val="solid"/>
-                      <a:round/>
-                      <a:headEnd type="none" w="med" len="med"/>
-                      <a:tailEnd type="none" w="med" len="med"/>
-                    </a:lnT>
-                    <a:lnB w="12700" cap="flat" cmpd="sng" algn="ctr">
-                      <a:solidFill>
-                        <a:schemeClr val="tx1"/>
-                      </a:solidFill>
-                      <a:prstDash val="solid"/>
-                      <a:round/>
-                      <a:headEnd type="none" w="med" len="med"/>
-                      <a:tailEnd type="none" w="med" len="med"/>
-                    </a:lnB>
-                    <a:solidFill>
-                      <a:schemeClr val="bg1"/>
-                    </a:solidFill>
-                  </a:tcPr>
-                </a:tc>
-                <a:tc>
-                  <a:txBody>
-                    <a:bodyPr/>
-                    <a:lstStyle/>
-                    <a:p>
-                      <a:endParaRPr kumimoji="1" lang="ja-JP" altLang="en-US">
-                        <a:solidFill>
-                          <a:srgbClr val="00B050"/>
-                        </a:solidFill>
-                      </a:endParaRPr>
-                    </a:p>
-                  </a:txBody>
-                  <a:tcPr>
-                    <a:lnL w="12700" cap="flat" cmpd="sng" algn="ctr">
-                      <a:solidFill>
-                        <a:schemeClr val="tx1"/>
-                      </a:solidFill>
-                      <a:prstDash val="solid"/>
-                      <a:round/>
-                      <a:headEnd type="none" w="med" len="med"/>
-                      <a:tailEnd type="none" w="med" len="med"/>
-                    </a:lnL>
-                    <a:lnR w="12700" cap="flat" cmpd="sng" algn="ctr">
-                      <a:solidFill>
-                        <a:schemeClr val="tx1"/>
-                      </a:solidFill>
-                      <a:prstDash val="solid"/>
-                      <a:round/>
-                      <a:headEnd type="none" w="med" len="med"/>
-                      <a:tailEnd type="none" w="med" len="med"/>
-                    </a:lnR>
-                    <a:lnT w="12700" cap="flat" cmpd="sng" algn="ctr">
-                      <a:solidFill>
-                        <a:schemeClr val="tx1"/>
-                      </a:solidFill>
-                      <a:prstDash val="solid"/>
-                      <a:round/>
-                      <a:headEnd type="none" w="med" len="med"/>
-                      <a:tailEnd type="none" w="med" len="med"/>
-                    </a:lnT>
-                    <a:lnB w="12700" cap="flat" cmpd="sng" algn="ctr">
-                      <a:solidFill>
-                        <a:schemeClr val="tx1"/>
-                      </a:solidFill>
-                      <a:prstDash val="solid"/>
-                      <a:round/>
-                      <a:headEnd type="none" w="med" len="med"/>
-                      <a:tailEnd type="none" w="med" len="med"/>
-                    </a:lnB>
-                    <a:solidFill>
-                      <a:schemeClr val="bg1"/>
-                    </a:solidFill>
-                  </a:tcPr>
-                </a:tc>
-                <a:extLst>
-                  <a:ext uri="{0D108BD9-81ED-4DB2-BD59-A6C34878D82A}">
-                    <a16:rowId xmlns:a16="http://schemas.microsoft.com/office/drawing/2014/main" xmlns="" val="110397529"/>
-                  </a:ext>
-                </a:extLst>
-              </a:tr>
-              <a:tr h="526133">
-                <a:tc>
-                  <a:txBody>
-                    <a:bodyPr/>
-                    <a:lstStyle/>
-                    <a:p>
-                      <a:endParaRPr kumimoji="1" lang="ja-JP" altLang="en-US">
-                        <a:solidFill>
-                          <a:srgbClr val="00B050"/>
-                        </a:solidFill>
-                      </a:endParaRPr>
-                    </a:p>
-                  </a:txBody>
-                  <a:tcPr>
-                    <a:lnL w="12700" cap="flat" cmpd="sng" algn="ctr">
-                      <a:solidFill>
-                        <a:schemeClr val="tx1"/>
-                      </a:solidFill>
-                      <a:prstDash val="solid"/>
-                      <a:round/>
-                      <a:headEnd type="none" w="med" len="med"/>
-                      <a:tailEnd type="none" w="med" len="med"/>
-                    </a:lnL>
-                    <a:lnR w="12700" cap="flat" cmpd="sng" algn="ctr">
-                      <a:solidFill>
-                        <a:schemeClr val="tx1"/>
-                      </a:solidFill>
-                      <a:prstDash val="solid"/>
-                      <a:round/>
-                      <a:headEnd type="none" w="med" len="med"/>
-                      <a:tailEnd type="none" w="med" len="med"/>
-                    </a:lnR>
-                    <a:lnT w="12700" cap="flat" cmpd="sng" algn="ctr">
-                      <a:solidFill>
-                        <a:schemeClr val="tx1"/>
-                      </a:solidFill>
-                      <a:prstDash val="solid"/>
-                      <a:round/>
-                      <a:headEnd type="none" w="med" len="med"/>
-                      <a:tailEnd type="none" w="med" len="med"/>
-                    </a:lnT>
-                    <a:lnB w="12700" cap="flat" cmpd="sng" algn="ctr">
-                      <a:solidFill>
-                        <a:schemeClr val="tx1"/>
-                      </a:solidFill>
-                      <a:prstDash val="solid"/>
-                      <a:round/>
-                      <a:headEnd type="none" w="med" len="med"/>
-                      <a:tailEnd type="none" w="med" len="med"/>
-                    </a:lnB>
-                    <a:solidFill>
-                      <a:schemeClr val="bg1"/>
-                    </a:solidFill>
-                  </a:tcPr>
-                </a:tc>
-                <a:tc>
-                  <a:txBody>
-                    <a:bodyPr/>
-                    <a:lstStyle/>
-                    <a:p>
-                      <a:endParaRPr kumimoji="1" lang="ja-JP" altLang="en-US">
-                        <a:solidFill>
-                          <a:srgbClr val="00B050"/>
-                        </a:solidFill>
-                      </a:endParaRPr>
-                    </a:p>
-                  </a:txBody>
-                  <a:tcPr>
-                    <a:lnL w="12700" cap="flat" cmpd="sng" algn="ctr">
-                      <a:solidFill>
-                        <a:schemeClr val="tx1"/>
-                      </a:solidFill>
-                      <a:prstDash val="solid"/>
-                      <a:round/>
-                      <a:headEnd type="none" w="med" len="med"/>
-                      <a:tailEnd type="none" w="med" len="med"/>
-                    </a:lnL>
-                    <a:lnR w="12700" cap="flat" cmpd="sng" algn="ctr">
-                      <a:solidFill>
-                        <a:schemeClr val="tx1"/>
-                      </a:solidFill>
-                      <a:prstDash val="solid"/>
-                      <a:round/>
-                      <a:headEnd type="none" w="med" len="med"/>
-                      <a:tailEnd type="none" w="med" len="med"/>
-                    </a:lnR>
-                    <a:lnT w="12700" cap="flat" cmpd="sng" algn="ctr">
-                      <a:solidFill>
-                        <a:schemeClr val="tx1"/>
-                      </a:solidFill>
-                      <a:prstDash val="solid"/>
-                      <a:round/>
-                      <a:headEnd type="none" w="med" len="med"/>
-                      <a:tailEnd type="none" w="med" len="med"/>
-                    </a:lnT>
-                    <a:lnB w="12700" cap="flat" cmpd="sng" algn="ctr">
-                      <a:solidFill>
-                        <a:schemeClr val="tx1"/>
-                      </a:solidFill>
-                      <a:prstDash val="solid"/>
-                      <a:round/>
-                      <a:headEnd type="none" w="med" len="med"/>
-                      <a:tailEnd type="none" w="med" len="med"/>
-                    </a:lnB>
-                    <a:solidFill>
-                      <a:schemeClr val="bg1"/>
-                    </a:solidFill>
-                  </a:tcPr>
-                </a:tc>
-                <a:tc>
-                  <a:txBody>
-                    <a:bodyPr/>
-                    <a:lstStyle/>
-                    <a:p>
-                      <a:endParaRPr kumimoji="1" lang="ja-JP" altLang="en-US">
-                        <a:solidFill>
-                          <a:srgbClr val="00B050"/>
-                        </a:solidFill>
-                      </a:endParaRPr>
-                    </a:p>
-                  </a:txBody>
-                  <a:tcPr>
-                    <a:lnL w="12700" cap="flat" cmpd="sng" algn="ctr">
-                      <a:solidFill>
-                        <a:schemeClr val="tx1"/>
-                      </a:solidFill>
-                      <a:prstDash val="solid"/>
-                      <a:round/>
-                      <a:headEnd type="none" w="med" len="med"/>
-                      <a:tailEnd type="none" w="med" len="med"/>
-                    </a:lnL>
-                    <a:lnR w="12700" cap="flat" cmpd="sng" algn="ctr">
-                      <a:solidFill>
-                        <a:schemeClr val="tx1"/>
-                      </a:solidFill>
-                      <a:prstDash val="solid"/>
-                      <a:round/>
-                      <a:headEnd type="none" w="med" len="med"/>
-                      <a:tailEnd type="none" w="med" len="med"/>
-                    </a:lnR>
-                    <a:lnT w="12700" cap="flat" cmpd="sng" algn="ctr">
-                      <a:solidFill>
-                        <a:schemeClr val="tx1"/>
-                      </a:solidFill>
-                      <a:prstDash val="solid"/>
-                      <a:round/>
-                      <a:headEnd type="none" w="med" len="med"/>
-                      <a:tailEnd type="none" w="med" len="med"/>
-                    </a:lnT>
-                    <a:lnB w="12700" cap="flat" cmpd="sng" algn="ctr">
-                      <a:solidFill>
-                        <a:schemeClr val="tx1"/>
-                      </a:solidFill>
-                      <a:prstDash val="solid"/>
-                      <a:round/>
-                      <a:headEnd type="none" w="med" len="med"/>
-                      <a:tailEnd type="none" w="med" len="med"/>
-                    </a:lnB>
-                    <a:solidFill>
-                      <a:schemeClr val="bg1"/>
-                    </a:solidFill>
-                  </a:tcPr>
-                </a:tc>
-                <a:tc>
-                  <a:txBody>
-                    <a:bodyPr/>
-                    <a:lstStyle/>
-                    <a:p>
-                      <a:endParaRPr kumimoji="1" lang="ja-JP" altLang="en-US">
-                        <a:solidFill>
-                          <a:srgbClr val="00B050"/>
-                        </a:solidFill>
-                      </a:endParaRPr>
-                    </a:p>
-                  </a:txBody>
-                  <a:tcPr>
-                    <a:lnL w="12700" cap="flat" cmpd="sng" algn="ctr">
-                      <a:solidFill>
-                        <a:schemeClr val="tx1"/>
-                      </a:solidFill>
-                      <a:prstDash val="solid"/>
-                      <a:round/>
-                      <a:headEnd type="none" w="med" len="med"/>
-                      <a:tailEnd type="none" w="med" len="med"/>
-                    </a:lnL>
-                    <a:lnR w="12700" cap="flat" cmpd="sng" algn="ctr">
-                      <a:solidFill>
-                        <a:schemeClr val="tx1"/>
-                      </a:solidFill>
-                      <a:prstDash val="solid"/>
-                      <a:round/>
-                      <a:headEnd type="none" w="med" len="med"/>
-                      <a:tailEnd type="none" w="med" len="med"/>
-                    </a:lnR>
-                    <a:lnT w="12700" cap="flat" cmpd="sng" algn="ctr">
-                      <a:solidFill>
-                        <a:schemeClr val="tx1"/>
-                      </a:solidFill>
-                      <a:prstDash val="solid"/>
-                      <a:round/>
-                      <a:headEnd type="none" w="med" len="med"/>
-                      <a:tailEnd type="none" w="med" len="med"/>
-                    </a:lnT>
-                    <a:lnB w="12700" cap="flat" cmpd="sng" algn="ctr">
-                      <a:solidFill>
-                        <a:schemeClr val="tx1"/>
-                      </a:solidFill>
-                      <a:prstDash val="solid"/>
-                      <a:round/>
-                      <a:headEnd type="none" w="med" len="med"/>
-                      <a:tailEnd type="none" w="med" len="med"/>
-                    </a:lnB>
-                    <a:solidFill>
-                      <a:schemeClr val="bg1"/>
-                    </a:solidFill>
-                  </a:tcPr>
-                </a:tc>
-                <a:tc>
-                  <a:txBody>
-                    <a:bodyPr/>
-                    <a:lstStyle/>
-                    <a:p>
-                      <a:endParaRPr kumimoji="1" lang="ja-JP" altLang="en-US">
-                        <a:solidFill>
-                          <a:srgbClr val="00B050"/>
-                        </a:solidFill>
-                      </a:endParaRPr>
-                    </a:p>
-                  </a:txBody>
-                  <a:tcPr>
-                    <a:lnL w="12700" cap="flat" cmpd="sng" algn="ctr">
-                      <a:solidFill>
-                        <a:schemeClr val="tx1"/>
-                      </a:solidFill>
-                      <a:prstDash val="solid"/>
-                      <a:round/>
-                      <a:headEnd type="none" w="med" len="med"/>
-                      <a:tailEnd type="none" w="med" len="med"/>
-                    </a:lnL>
-                    <a:lnR w="12700" cap="flat" cmpd="sng" algn="ctr">
-                      <a:solidFill>
-                        <a:schemeClr val="tx1"/>
-                      </a:solidFill>
-                      <a:prstDash val="solid"/>
-                      <a:round/>
-                      <a:headEnd type="none" w="med" len="med"/>
-                      <a:tailEnd type="none" w="med" len="med"/>
-                    </a:lnR>
-                    <a:lnT w="12700" cap="flat" cmpd="sng" algn="ctr">
-                      <a:solidFill>
-                        <a:schemeClr val="tx1"/>
-                      </a:solidFill>
-                      <a:prstDash val="solid"/>
-                      <a:round/>
-                      <a:headEnd type="none" w="med" len="med"/>
-                      <a:tailEnd type="none" w="med" len="med"/>
-                    </a:lnT>
-                    <a:lnB w="12700" cap="flat" cmpd="sng" algn="ctr">
-                      <a:solidFill>
-                        <a:schemeClr val="tx1"/>
-                      </a:solidFill>
-                      <a:prstDash val="solid"/>
-                      <a:round/>
-                      <a:headEnd type="none" w="med" len="med"/>
-                      <a:tailEnd type="none" w="med" len="med"/>
-                    </a:lnB>
-                    <a:solidFill>
-                      <a:schemeClr val="bg1"/>
-                    </a:solidFill>
-                  </a:tcPr>
-                </a:tc>
-                <a:tc>
-                  <a:txBody>
-                    <a:bodyPr/>
-                    <a:lstStyle/>
-                    <a:p>
-                      <a:endParaRPr kumimoji="1" lang="ja-JP" altLang="en-US" dirty="0">
-                        <a:solidFill>
-                          <a:srgbClr val="00B050"/>
-                        </a:solidFill>
-                      </a:endParaRPr>
-                    </a:p>
-                  </a:txBody>
-                  <a:tcPr>
-                    <a:lnL w="12700" cap="flat" cmpd="sng" algn="ctr">
-                      <a:solidFill>
-                        <a:schemeClr val="tx1"/>
-                      </a:solidFill>
-                      <a:prstDash val="solid"/>
-                      <a:round/>
-                      <a:headEnd type="none" w="med" len="med"/>
-                      <a:tailEnd type="none" w="med" len="med"/>
-                    </a:lnL>
-                    <a:lnR w="12700" cap="flat" cmpd="sng" algn="ctr">
-                      <a:solidFill>
-                        <a:schemeClr val="tx1"/>
-                      </a:solidFill>
-                      <a:prstDash val="solid"/>
-                      <a:round/>
-                      <a:headEnd type="none" w="med" len="med"/>
-                      <a:tailEnd type="none" w="med" len="med"/>
-                    </a:lnR>
-                    <a:lnT w="12700" cap="flat" cmpd="sng" algn="ctr">
-                      <a:solidFill>
-                        <a:schemeClr val="tx1"/>
-                      </a:solidFill>
-                      <a:prstDash val="solid"/>
-                      <a:round/>
-                      <a:headEnd type="none" w="med" len="med"/>
-                      <a:tailEnd type="none" w="med" len="med"/>
-                    </a:lnT>
-                    <a:lnB w="12700" cap="flat" cmpd="sng" algn="ctr">
-                      <a:solidFill>
-                        <a:schemeClr val="tx1"/>
-                      </a:solidFill>
-                      <a:prstDash val="solid"/>
-                      <a:round/>
-                      <a:headEnd type="none" w="med" len="med"/>
-                      <a:tailEnd type="none" w="med" len="med"/>
-                    </a:lnB>
-                    <a:solidFill>
-                      <a:schemeClr val="bg1"/>
-                    </a:solidFill>
-                  </a:tcPr>
-                </a:tc>
-                <a:extLst>
-                  <a:ext uri="{0D108BD9-81ED-4DB2-BD59-A6C34878D82A}">
-                    <a16:rowId xmlns:a16="http://schemas.microsoft.com/office/drawing/2014/main" xmlns="" val="2753846136"/>
-                  </a:ext>
-                </a:extLst>
-              </a:tr>
-            </a:tbl>
-          </a:graphicData>
-        </a:graphic>
-      </p:graphicFrame>
-      <p:sp>
-        <p:nvSpPr>
-          <p:cNvPr id="2" name="タイトル 1"/>
-          <p:cNvSpPr>
-            <a:spLocks noGrp="1"/>
-          </p:cNvSpPr>
-          <p:nvPr>
-            <p:ph type="title"/>
-          </p:nvPr>
-        </p:nvSpPr>
-        <p:spPr/>
-        <p:txBody>
-          <a:bodyPr/>
-          <a:lstStyle/>
-          <a:p>
-            <a:r>
-              <a:rPr kumimoji="1" lang="ja-JP" altLang="en-US" dirty="0">
-                <a:solidFill>
-                  <a:schemeClr val="tx1"/>
-                </a:solidFill>
-                <a:latin typeface="+mn-ea"/>
-                <a:ea typeface="+mn-ea"/>
-              </a:rPr>
-              <a:t>補足</a:t>
-            </a:r>
-          </a:p>
-        </p:txBody>
-      </p:sp>
-      <p:sp>
-        <p:nvSpPr>
-          <p:cNvPr id="3" name="テキスト ボックス 2"/>
-          <p:cNvSpPr txBox="1"/>
-          <p:nvPr/>
-        </p:nvSpPr>
-        <p:spPr>
-          <a:xfrm>
-            <a:off x="417095" y="1270000"/>
-            <a:ext cx="9560649" cy="1569660"/>
-          </a:xfrm>
-          <a:prstGeom prst="rect">
-            <a:avLst/>
-          </a:prstGeom>
-          <a:noFill/>
-        </p:spPr>
-        <p:txBody>
-          <a:bodyPr wrap="square" rtlCol="0">
-            <a:spAutoFit/>
-          </a:bodyPr>
-          <a:lstStyle/>
-          <a:p>
-            <a:pPr marL="0" marR="0" lvl="0" indent="0" algn="l" defTabSz="914400" rtl="0" eaLnBrk="1" fontAlgn="auto" latinLnBrk="0" hangingPunct="1">
-              <a:lnSpc>
-                <a:spcPct val="100000"/>
-              </a:lnSpc>
-              <a:spcBef>
-                <a:spcPts val="0"/>
-              </a:spcBef>
-              <a:spcAft>
-                <a:spcPts val="0"/>
-              </a:spcAft>
-              <a:buClrTx/>
-              <a:buSzTx/>
-              <a:buFontTx/>
-              <a:buNone/>
-              <a:tabLst/>
-              <a:defRPr/>
-            </a:pPr>
-            <a:r>
-              <a:rPr kumimoji="1" lang="ja-JP" altLang="en-US" sz="3200" b="0" i="0" u="none" strike="noStrike" kern="1200" cap="none" spc="0" normalizeH="0" baseline="0" noProof="0" dirty="0">
-                <a:ln>
-                  <a:noFill/>
-                </a:ln>
-                <a:solidFill>
-                  <a:prstClr val="black"/>
-                </a:solidFill>
-                <a:effectLst/>
-                <a:uLnTx/>
-                <a:uFillTx/>
-                <a:latin typeface="游ゴシック" panose="020F0502020204030204"/>
-                <a:ea typeface="游ゴシック" panose="020B0400000000000000" pitchFamily="50" charset="-128"/>
-                <a:cs typeface="+mn-cs"/>
-              </a:rPr>
-              <a:t>プレイヤーが動く先にハートがあると自動でハートを回収</a:t>
-            </a:r>
-            <a:r>
-              <a:rPr kumimoji="1" lang="ja-JP" altLang="en-US" sz="3200" dirty="0">
-                <a:solidFill>
-                  <a:prstClr val="black"/>
-                </a:solidFill>
-                <a:latin typeface="游ゴシック" panose="020F0502020204030204"/>
-                <a:ea typeface="游ゴシック" panose="020B0400000000000000" pitchFamily="50" charset="-128"/>
-              </a:rPr>
-              <a:t>する</a:t>
-            </a:r>
-            <a:endParaRPr kumimoji="1" lang="en-US" altLang="ja-JP" sz="3200" b="0" i="0" u="none" strike="noStrike" kern="1200" cap="none" spc="0" normalizeH="0" baseline="0" noProof="0" dirty="0">
-              <a:ln>
-                <a:noFill/>
-              </a:ln>
-              <a:solidFill>
-                <a:prstClr val="black"/>
-              </a:solidFill>
-              <a:effectLst/>
-              <a:uLnTx/>
-              <a:uFillTx/>
-              <a:latin typeface="游ゴシック" panose="020F0502020204030204"/>
-              <a:ea typeface="游ゴシック" panose="020B0400000000000000" pitchFamily="50" charset="-128"/>
-              <a:cs typeface="+mn-cs"/>
-            </a:endParaRPr>
-          </a:p>
-          <a:p>
-            <a:pPr marL="0" marR="0" lvl="0" indent="0" algn="l" defTabSz="914400" rtl="0" eaLnBrk="1" fontAlgn="auto" latinLnBrk="0" hangingPunct="1">
-              <a:lnSpc>
-                <a:spcPct val="100000"/>
-              </a:lnSpc>
-              <a:spcBef>
-                <a:spcPts val="0"/>
-              </a:spcBef>
-              <a:spcAft>
-                <a:spcPts val="0"/>
-              </a:spcAft>
-              <a:buClrTx/>
-              <a:buSzTx/>
-              <a:buFontTx/>
-              <a:buNone/>
-              <a:tabLst/>
-              <a:defRPr/>
-            </a:pPr>
-            <a:r>
-              <a:rPr kumimoji="1" lang="ja-JP" altLang="en-US" sz="3200" b="0" i="0" u="none" strike="noStrike" kern="1200" cap="none" spc="0" normalizeH="0" baseline="0" noProof="0" dirty="0">
-                <a:ln>
-                  <a:noFill/>
-                </a:ln>
-                <a:solidFill>
-                  <a:prstClr val="black"/>
-                </a:solidFill>
-                <a:effectLst/>
-                <a:uLnTx/>
-                <a:uFillTx/>
-                <a:latin typeface="游ゴシック" panose="020F0502020204030204"/>
-                <a:ea typeface="游ゴシック" panose="020B0400000000000000" pitchFamily="50" charset="-128"/>
-                <a:cs typeface="+mn-cs"/>
-              </a:rPr>
-              <a:t>そのとき、自分のいた場所に必ず壁を置く</a:t>
-            </a:r>
-            <a:endParaRPr kumimoji="1" lang="en-US" altLang="ja-JP" sz="3200" b="0" i="0" u="none" strike="noStrike" kern="1200" cap="none" spc="0" normalizeH="0" baseline="0" noProof="0" dirty="0">
-              <a:ln>
-                <a:noFill/>
-              </a:ln>
-              <a:solidFill>
-                <a:prstClr val="black"/>
-              </a:solidFill>
-              <a:effectLst/>
-              <a:uLnTx/>
-              <a:uFillTx/>
-              <a:latin typeface="游ゴシック" panose="020F0502020204030204"/>
-              <a:ea typeface="游ゴシック" panose="020B0400000000000000" pitchFamily="50" charset="-128"/>
-              <a:cs typeface="+mn-cs"/>
-            </a:endParaRPr>
-          </a:p>
-        </p:txBody>
-      </p:sp>
-      <p:graphicFrame>
-        <p:nvGraphicFramePr>
-          <p:cNvPr id="4" name="表 3"/>
-          <p:cNvGraphicFramePr>
-            <a:graphicFrameLocks noGrp="1"/>
-          </p:cNvGraphicFramePr>
-          <p:nvPr>
-            <p:extLst>
-              <p:ext uri="{D42A27DB-BD31-4B8C-83A1-F6EECF244321}">
-                <p14:modId xmlns:p14="http://schemas.microsoft.com/office/powerpoint/2010/main" val="3174553947"/>
-              </p:ext>
-            </p:extLst>
-          </p:nvPr>
-        </p:nvGraphicFramePr>
-        <p:xfrm>
-          <a:off x="2837950" y="3005675"/>
-          <a:ext cx="2958486" cy="3156798"/>
-        </p:xfrm>
-        <a:graphic>
-          <a:graphicData uri="http://schemas.openxmlformats.org/drawingml/2006/table">
-            <a:tbl>
-              <a:tblPr firstRow="1" bandRow="1">
-                <a:tableStyleId>{5C22544A-7EE6-4342-B048-85BDC9FD1C3A}</a:tableStyleId>
-              </a:tblPr>
-              <a:tblGrid>
-                <a:gridCol w="493081">
-                  <a:extLst>
-                    <a:ext uri="{9D8B030D-6E8A-4147-A177-3AD203B41FA5}">
-                      <a16:colId xmlns:a16="http://schemas.microsoft.com/office/drawing/2014/main" xmlns="" val="2828972309"/>
-                    </a:ext>
-                  </a:extLst>
-                </a:gridCol>
-                <a:gridCol w="493081">
-                  <a:extLst>
-                    <a:ext uri="{9D8B030D-6E8A-4147-A177-3AD203B41FA5}">
-                      <a16:colId xmlns:a16="http://schemas.microsoft.com/office/drawing/2014/main" xmlns="" val="2723691098"/>
-                    </a:ext>
-                  </a:extLst>
-                </a:gridCol>
-                <a:gridCol w="493081">
-                  <a:extLst>
-                    <a:ext uri="{9D8B030D-6E8A-4147-A177-3AD203B41FA5}">
-                      <a16:colId xmlns:a16="http://schemas.microsoft.com/office/drawing/2014/main" xmlns="" val="878714757"/>
-                    </a:ext>
-                  </a:extLst>
-                </a:gridCol>
-                <a:gridCol w="493081">
-                  <a:extLst>
-                    <a:ext uri="{9D8B030D-6E8A-4147-A177-3AD203B41FA5}">
-                      <a16:colId xmlns:a16="http://schemas.microsoft.com/office/drawing/2014/main" xmlns="" val="1913135217"/>
-                    </a:ext>
-                  </a:extLst>
-                </a:gridCol>
-                <a:gridCol w="493081">
-                  <a:extLst>
-                    <a:ext uri="{9D8B030D-6E8A-4147-A177-3AD203B41FA5}">
-                      <a16:colId xmlns:a16="http://schemas.microsoft.com/office/drawing/2014/main" xmlns="" val="4201542503"/>
-                    </a:ext>
-                  </a:extLst>
-                </a:gridCol>
-                <a:gridCol w="493081">
-                  <a:extLst>
-                    <a:ext uri="{9D8B030D-6E8A-4147-A177-3AD203B41FA5}">
-                      <a16:colId xmlns:a16="http://schemas.microsoft.com/office/drawing/2014/main" xmlns="" val="810969331"/>
-                    </a:ext>
-                  </a:extLst>
-                </a:gridCol>
-              </a:tblGrid>
-              <a:tr h="526133">
-                <a:tc>
-                  <a:txBody>
-                    <a:bodyPr/>
-                    <a:lstStyle/>
-                    <a:p>
-                      <a:endParaRPr kumimoji="1" lang="ja-JP" altLang="en-US" dirty="0">
-                        <a:solidFill>
-                          <a:srgbClr val="00B050"/>
-                        </a:solidFill>
-                      </a:endParaRPr>
-                    </a:p>
-                  </a:txBody>
-                  <a:tcPr>
-                    <a:lnL w="12700" cap="flat" cmpd="sng" algn="ctr">
-                      <a:solidFill>
-                        <a:schemeClr val="tx1"/>
-                      </a:solidFill>
-                      <a:prstDash val="solid"/>
-                      <a:round/>
-                      <a:headEnd type="none" w="med" len="med"/>
-                      <a:tailEnd type="none" w="med" len="med"/>
-                    </a:lnL>
-                    <a:lnR w="12700" cap="flat" cmpd="sng" algn="ctr">
-                      <a:solidFill>
-                        <a:schemeClr val="tx1"/>
-                      </a:solidFill>
-                      <a:prstDash val="solid"/>
-                      <a:round/>
-                      <a:headEnd type="none" w="med" len="med"/>
-                      <a:tailEnd type="none" w="med" len="med"/>
-                    </a:lnR>
-                    <a:lnT w="12700" cap="flat" cmpd="sng" algn="ctr">
-                      <a:solidFill>
-                        <a:schemeClr val="tx1"/>
-                      </a:solidFill>
-                      <a:prstDash val="solid"/>
-                      <a:round/>
-                      <a:headEnd type="none" w="med" len="med"/>
-                      <a:tailEnd type="none" w="med" len="med"/>
-                    </a:lnT>
-                    <a:lnB w="12700" cap="flat" cmpd="sng" algn="ctr">
-                      <a:solidFill>
-                        <a:schemeClr val="tx1"/>
-                      </a:solidFill>
-                      <a:prstDash val="solid"/>
-                      <a:round/>
-                      <a:headEnd type="none" w="med" len="med"/>
-                      <a:tailEnd type="none" w="med" len="med"/>
-                    </a:lnB>
-                    <a:solidFill>
-                      <a:schemeClr val="bg1"/>
-                    </a:solidFill>
-                  </a:tcPr>
-                </a:tc>
-                <a:tc>
-                  <a:txBody>
-                    <a:bodyPr/>
-                    <a:lstStyle/>
-                    <a:p>
-                      <a:endParaRPr kumimoji="1" lang="ja-JP" altLang="en-US" dirty="0">
-                        <a:solidFill>
-                          <a:srgbClr val="00B050"/>
-                        </a:solidFill>
-                      </a:endParaRPr>
-                    </a:p>
-                  </a:txBody>
-                  <a:tcPr>
-                    <a:lnL w="12700" cap="flat" cmpd="sng" algn="ctr">
-                      <a:solidFill>
-                        <a:schemeClr val="tx1"/>
-                      </a:solidFill>
-                      <a:prstDash val="solid"/>
-                      <a:round/>
-                      <a:headEnd type="none" w="med" len="med"/>
-                      <a:tailEnd type="none" w="med" len="med"/>
-                    </a:lnL>
-                    <a:lnR w="12700" cap="flat" cmpd="sng" algn="ctr">
-                      <a:solidFill>
-                        <a:schemeClr val="tx1"/>
-                      </a:solidFill>
-                      <a:prstDash val="solid"/>
-                      <a:round/>
-                      <a:headEnd type="none" w="med" len="med"/>
-                      <a:tailEnd type="none" w="med" len="med"/>
-                    </a:lnR>
-                    <a:lnT w="12700" cap="flat" cmpd="sng" algn="ctr">
-                      <a:solidFill>
-                        <a:schemeClr val="tx1"/>
-                      </a:solidFill>
-                      <a:prstDash val="solid"/>
-                      <a:round/>
-                      <a:headEnd type="none" w="med" len="med"/>
-                      <a:tailEnd type="none" w="med" len="med"/>
-                    </a:lnT>
-                    <a:lnB w="12700" cap="flat" cmpd="sng" algn="ctr">
-                      <a:solidFill>
-                        <a:schemeClr val="tx1"/>
-                      </a:solidFill>
-                      <a:prstDash val="solid"/>
-                      <a:round/>
-                      <a:headEnd type="none" w="med" len="med"/>
-                      <a:tailEnd type="none" w="med" len="med"/>
-                    </a:lnB>
-                    <a:solidFill>
-                      <a:schemeClr val="bg1"/>
-                    </a:solidFill>
-                  </a:tcPr>
-                </a:tc>
-                <a:tc>
-                  <a:txBody>
-                    <a:bodyPr/>
-                    <a:lstStyle/>
-                    <a:p>
-                      <a:endParaRPr kumimoji="1" lang="ja-JP" altLang="en-US">
-                        <a:solidFill>
-                          <a:srgbClr val="00B050"/>
-                        </a:solidFill>
-                      </a:endParaRPr>
-                    </a:p>
-                  </a:txBody>
-                  <a:tcPr>
-                    <a:lnL w="12700" cap="flat" cmpd="sng" algn="ctr">
-                      <a:solidFill>
-                        <a:schemeClr val="tx1"/>
-                      </a:solidFill>
-                      <a:prstDash val="solid"/>
-                      <a:round/>
-                      <a:headEnd type="none" w="med" len="med"/>
-                      <a:tailEnd type="none" w="med" len="med"/>
-                    </a:lnL>
-                    <a:lnR w="12700" cap="flat" cmpd="sng" algn="ctr">
-                      <a:solidFill>
-                        <a:schemeClr val="tx1"/>
-                      </a:solidFill>
-                      <a:prstDash val="solid"/>
-                      <a:round/>
-                      <a:headEnd type="none" w="med" len="med"/>
-                      <a:tailEnd type="none" w="med" len="med"/>
-                    </a:lnR>
-                    <a:lnT w="12700" cap="flat" cmpd="sng" algn="ctr">
-                      <a:solidFill>
-                        <a:schemeClr val="tx1"/>
-                      </a:solidFill>
-                      <a:prstDash val="solid"/>
-                      <a:round/>
-                      <a:headEnd type="none" w="med" len="med"/>
-                      <a:tailEnd type="none" w="med" len="med"/>
-                    </a:lnT>
-                    <a:lnB w="12700" cap="flat" cmpd="sng" algn="ctr">
-                      <a:solidFill>
-                        <a:schemeClr val="tx1"/>
-                      </a:solidFill>
-                      <a:prstDash val="solid"/>
-                      <a:round/>
-                      <a:headEnd type="none" w="med" len="med"/>
-                      <a:tailEnd type="none" w="med" len="med"/>
-                    </a:lnB>
-                    <a:solidFill>
-                      <a:schemeClr val="bg1"/>
-                    </a:solidFill>
-                  </a:tcPr>
-                </a:tc>
-                <a:tc>
-                  <a:txBody>
-                    <a:bodyPr/>
-                    <a:lstStyle/>
-                    <a:p>
-                      <a:endParaRPr kumimoji="1" lang="ja-JP" altLang="en-US" dirty="0">
-                        <a:solidFill>
-                          <a:srgbClr val="00B050"/>
-                        </a:solidFill>
-                      </a:endParaRPr>
-                    </a:p>
-                  </a:txBody>
-                  <a:tcPr>
-                    <a:lnL w="12700" cap="flat" cmpd="sng" algn="ctr">
-                      <a:solidFill>
-                        <a:schemeClr val="tx1"/>
-                      </a:solidFill>
-                      <a:prstDash val="solid"/>
-                      <a:round/>
-                      <a:headEnd type="none" w="med" len="med"/>
-                      <a:tailEnd type="none" w="med" len="med"/>
-                    </a:lnL>
-                    <a:lnR w="12700" cap="flat" cmpd="sng" algn="ctr">
-                      <a:solidFill>
-                        <a:schemeClr val="tx1"/>
-                      </a:solidFill>
-                      <a:prstDash val="solid"/>
-                      <a:round/>
-                      <a:headEnd type="none" w="med" len="med"/>
-                      <a:tailEnd type="none" w="med" len="med"/>
-                    </a:lnR>
-                    <a:lnT w="12700" cap="flat" cmpd="sng" algn="ctr">
-                      <a:solidFill>
-                        <a:schemeClr val="tx1"/>
-                      </a:solidFill>
-                      <a:prstDash val="solid"/>
-                      <a:round/>
-                      <a:headEnd type="none" w="med" len="med"/>
-                      <a:tailEnd type="none" w="med" len="med"/>
-                    </a:lnT>
-                    <a:lnB w="12700" cap="flat" cmpd="sng" algn="ctr">
-                      <a:solidFill>
-                        <a:schemeClr val="tx1"/>
-                      </a:solidFill>
-                      <a:prstDash val="solid"/>
-                      <a:round/>
-                      <a:headEnd type="none" w="med" len="med"/>
-                      <a:tailEnd type="none" w="med" len="med"/>
-                    </a:lnB>
-                    <a:solidFill>
-                      <a:schemeClr val="bg1"/>
-                    </a:solidFill>
-                  </a:tcPr>
-                </a:tc>
-                <a:tc>
-                  <a:txBody>
-                    <a:bodyPr/>
-                    <a:lstStyle/>
-                    <a:p>
-                      <a:endParaRPr kumimoji="1" lang="ja-JP" altLang="en-US" dirty="0">
-                        <a:solidFill>
-                          <a:srgbClr val="00B050"/>
-                        </a:solidFill>
-                      </a:endParaRPr>
-                    </a:p>
-                  </a:txBody>
-                  <a:tcPr>
-                    <a:lnL w="12700" cap="flat" cmpd="sng" algn="ctr">
-                      <a:solidFill>
-                        <a:schemeClr val="tx1"/>
-                      </a:solidFill>
-                      <a:prstDash val="solid"/>
-                      <a:round/>
-                      <a:headEnd type="none" w="med" len="med"/>
-                      <a:tailEnd type="none" w="med" len="med"/>
-                    </a:lnL>
-                    <a:lnR w="12700" cap="flat" cmpd="sng" algn="ctr">
-                      <a:solidFill>
-                        <a:schemeClr val="tx1"/>
-                      </a:solidFill>
-                      <a:prstDash val="solid"/>
-                      <a:round/>
-                      <a:headEnd type="none" w="med" len="med"/>
-                      <a:tailEnd type="none" w="med" len="med"/>
-                    </a:lnR>
-                    <a:lnT w="12700" cap="flat" cmpd="sng" algn="ctr">
-                      <a:solidFill>
-                        <a:schemeClr val="tx1"/>
-                      </a:solidFill>
-                      <a:prstDash val="solid"/>
-                      <a:round/>
-                      <a:headEnd type="none" w="med" len="med"/>
-                      <a:tailEnd type="none" w="med" len="med"/>
-                    </a:lnT>
-                    <a:lnB w="12700" cap="flat" cmpd="sng" algn="ctr">
-                      <a:solidFill>
-                        <a:schemeClr val="tx1"/>
-                      </a:solidFill>
-                      <a:prstDash val="solid"/>
-                      <a:round/>
-                      <a:headEnd type="none" w="med" len="med"/>
-                      <a:tailEnd type="none" w="med" len="med"/>
-                    </a:lnB>
-                    <a:solidFill>
-                      <a:schemeClr val="bg1"/>
-                    </a:solidFill>
-                  </a:tcPr>
-                </a:tc>
-                <a:tc>
-                  <a:txBody>
-                    <a:bodyPr/>
-                    <a:lstStyle/>
-                    <a:p>
                       <a:endParaRPr kumimoji="1" lang="ja-JP" altLang="en-US" dirty="0">
                         <a:solidFill>
                           <a:srgbClr val="00B050"/>
@@ -16972,7 +15739,7 @@
                     <a:bodyPr/>
                     <a:lstStyle/>
                     <a:p>
-                      <a:endParaRPr kumimoji="1" lang="ja-JP" altLang="en-US">
+                      <a:endParaRPr kumimoji="1" lang="ja-JP" altLang="en-US" dirty="0">
                         <a:solidFill>
                           <a:srgbClr val="00B050"/>
                         </a:solidFill>
@@ -18257,7 +17024,7 @@
                     <a:bodyPr/>
                     <a:lstStyle/>
                     <a:p>
-                      <a:endParaRPr kumimoji="1" lang="ja-JP" altLang="en-US">
+                      <a:endParaRPr kumimoji="1" lang="ja-JP" altLang="en-US" dirty="0">
                         <a:solidFill>
                           <a:srgbClr val="00B050"/>
                         </a:solidFill>
@@ -18426,50 +17193,213 @@
       </p:graphicFrame>
       <p:pic>
         <p:nvPicPr>
-          <p:cNvPr id="21" name="図 20"/>
+          <p:cNvPr id="12" name="図 11"/>
           <p:cNvPicPr>
             <a:picLocks noChangeAspect="1"/>
           </p:cNvPicPr>
           <p:nvPr/>
         </p:nvPicPr>
-        <p:blipFill rotWithShape="1">
-          <a:blip r:embed="rId2"/>
-          <a:srcRect l="32221" t="33803" r="33735" b="33534"/>
-          <a:stretch/>
+        <p:blipFill>
+          <a:blip r:embed="rId2">
+            <a:extLst>
+              <a:ext uri="{28A0092B-C50C-407E-A947-70E740481C1C}">
+                <a14:useLocalDpi xmlns:a14="http://schemas.microsoft.com/office/drawing/2010/main" val="0"/>
+              </a:ext>
+            </a:extLst>
+          </a:blip>
+          <a:stretch>
+            <a:fillRect/>
+          </a:stretch>
         </p:blipFill>
         <p:spPr>
           <a:xfrm>
             <a:off x="3812963" y="4069310"/>
-            <a:ext cx="504230" cy="514906"/>
+            <a:ext cx="503800" cy="503800"/>
           </a:xfrm>
           <a:prstGeom prst="rect">
             <a:avLst/>
           </a:prstGeom>
         </p:spPr>
       </p:pic>
-      <p:pic>
-        <p:nvPicPr>
-          <p:cNvPr id="19" name="図 18"/>
-          <p:cNvPicPr>
-            <a:picLocks noChangeAspect="1"/>
-          </p:cNvPicPr>
+      <p:sp>
+        <p:nvSpPr>
+          <p:cNvPr id="2" name="タイトル 1"/>
+          <p:cNvSpPr>
+            <a:spLocks noGrp="1"/>
+          </p:cNvSpPr>
+          <p:nvPr>
+            <p:ph type="title"/>
+          </p:nvPr>
+        </p:nvSpPr>
+        <p:spPr/>
+        <p:txBody>
+          <a:bodyPr/>
+          <a:lstStyle/>
+          <a:p>
+            <a:r>
+              <a:rPr kumimoji="1" lang="ja-JP" altLang="en-US" dirty="0">
+                <a:solidFill>
+                  <a:schemeClr val="tx1"/>
+                </a:solidFill>
+                <a:latin typeface="+mn-ea"/>
+                <a:ea typeface="+mn-ea"/>
+              </a:rPr>
+              <a:t>補足</a:t>
+            </a:r>
+          </a:p>
+        </p:txBody>
+      </p:sp>
+      <p:sp>
+        <p:nvSpPr>
+          <p:cNvPr id="3" name="テキスト ボックス 2"/>
+          <p:cNvSpPr txBox="1"/>
           <p:nvPr/>
-        </p:nvPicPr>
-        <p:blipFill rotWithShape="1">
-          <a:blip r:embed="rId3"/>
-          <a:srcRect l="35040" t="33422" r="32803" b="32930"/>
-          <a:stretch/>
-        </p:blipFill>
+        </p:nvSpPr>
         <p:spPr>
           <a:xfrm>
-            <a:off x="3342446" y="4069310"/>
-            <a:ext cx="470517" cy="514906"/>
+            <a:off x="417095" y="1270000"/>
+            <a:ext cx="9560649" cy="1077218"/>
           </a:xfrm>
           <a:prstGeom prst="rect">
             <a:avLst/>
           </a:prstGeom>
+          <a:noFill/>
         </p:spPr>
-      </p:pic>
+        <p:txBody>
+          <a:bodyPr wrap="square" rtlCol="0">
+            <a:spAutoFit/>
+          </a:bodyPr>
+          <a:lstStyle/>
+          <a:p>
+            <a:pPr marL="0" marR="0" lvl="0" indent="0" algn="l" defTabSz="914400" rtl="0" eaLnBrk="1" fontAlgn="auto" latinLnBrk="0" hangingPunct="1">
+              <a:lnSpc>
+                <a:spcPct val="100000"/>
+              </a:lnSpc>
+              <a:spcBef>
+                <a:spcPts val="0"/>
+              </a:spcBef>
+              <a:spcAft>
+                <a:spcPts val="0"/>
+              </a:spcAft>
+              <a:buClrTx/>
+              <a:buSzTx/>
+              <a:buFontTx/>
+              <a:buNone/>
+              <a:tabLst/>
+              <a:defRPr/>
+            </a:pPr>
+            <a:r>
+              <a:rPr kumimoji="1" lang="ja-JP" altLang="en-US" sz="3200" b="0" i="0" u="none" strike="noStrike" kern="1200" cap="none" spc="0" normalizeH="0" baseline="0" noProof="0" dirty="0">
+                <a:ln>
+                  <a:noFill/>
+                </a:ln>
+                <a:effectLst/>
+                <a:uLnTx/>
+                <a:uFillTx/>
+                <a:latin typeface="游ゴシック" panose="020F0502020204030204"/>
+                <a:ea typeface="游ゴシック" panose="020B0400000000000000" pitchFamily="50" charset="-128"/>
+                <a:cs typeface="+mn-cs"/>
+              </a:rPr>
+              <a:t>プレイヤーが動く先にハートがある</a:t>
+            </a:r>
+            <a:r>
+              <a:rPr kumimoji="1" lang="ja-JP" altLang="en-US" sz="3200" b="0" i="0" u="none" strike="noStrike" kern="1200" cap="none" spc="0" normalizeH="0" baseline="0" noProof="0" dirty="0" smtClean="0">
+                <a:ln>
+                  <a:noFill/>
+                </a:ln>
+                <a:effectLst/>
+                <a:uLnTx/>
+                <a:uFillTx/>
+                <a:latin typeface="游ゴシック" panose="020F0502020204030204"/>
+                <a:ea typeface="游ゴシック" panose="020B0400000000000000" pitchFamily="50" charset="-128"/>
+                <a:cs typeface="+mn-cs"/>
+              </a:rPr>
+              <a:t>と回収</a:t>
+            </a:r>
+            <a:r>
+              <a:rPr kumimoji="1" lang="ja-JP" altLang="en-US" sz="3200" dirty="0">
+                <a:latin typeface="游ゴシック" panose="020F0502020204030204"/>
+                <a:ea typeface="游ゴシック" panose="020B0400000000000000" pitchFamily="50" charset="-128"/>
+              </a:rPr>
+              <a:t>する</a:t>
+            </a:r>
+            <a:endParaRPr kumimoji="1" lang="en-US" altLang="ja-JP" sz="3200" b="0" i="0" u="none" strike="noStrike" kern="1200" cap="none" spc="0" normalizeH="0" baseline="0" noProof="0" dirty="0">
+              <a:ln>
+                <a:noFill/>
+              </a:ln>
+              <a:effectLst/>
+              <a:uLnTx/>
+              <a:uFillTx/>
+              <a:latin typeface="游ゴシック" panose="020F0502020204030204"/>
+              <a:ea typeface="游ゴシック" panose="020B0400000000000000" pitchFamily="50" charset="-128"/>
+            </a:endParaRPr>
+          </a:p>
+          <a:p>
+            <a:pPr marL="0" marR="0" lvl="0" indent="0" algn="l" defTabSz="914400" rtl="0" eaLnBrk="1" fontAlgn="auto" latinLnBrk="0" hangingPunct="1">
+              <a:lnSpc>
+                <a:spcPct val="100000"/>
+              </a:lnSpc>
+              <a:spcBef>
+                <a:spcPts val="0"/>
+              </a:spcBef>
+              <a:spcAft>
+                <a:spcPts val="0"/>
+              </a:spcAft>
+              <a:buClrTx/>
+              <a:buSzTx/>
+              <a:buFontTx/>
+              <a:buNone/>
+              <a:tabLst/>
+              <a:defRPr/>
+            </a:pPr>
+            <a:r>
+              <a:rPr kumimoji="1" lang="ja-JP" altLang="en-US" sz="3200" b="0" i="0" u="none" strike="noStrike" kern="1200" cap="none" spc="0" normalizeH="0" baseline="0" noProof="0" dirty="0">
+                <a:ln>
+                  <a:noFill/>
+                </a:ln>
+                <a:effectLst/>
+                <a:uLnTx/>
+                <a:uFillTx/>
+                <a:latin typeface="游ゴシック" panose="020F0502020204030204"/>
+                <a:ea typeface="游ゴシック" panose="020B0400000000000000" pitchFamily="50" charset="-128"/>
+                <a:cs typeface="+mn-cs"/>
+              </a:rPr>
+              <a:t>そのとき、自分のいた場所に必ず</a:t>
+            </a:r>
+            <a:r>
+              <a:rPr kumimoji="1" lang="ja-JP" altLang="en-US" sz="3200" b="0" i="0" u="none" strike="noStrike" kern="1200" cap="none" spc="0" normalizeH="0" baseline="0" noProof="0" dirty="0" smtClean="0">
+                <a:ln>
+                  <a:noFill/>
+                </a:ln>
+                <a:effectLst/>
+                <a:uLnTx/>
+                <a:uFillTx/>
+                <a:latin typeface="游ゴシック" panose="020F0502020204030204"/>
+                <a:ea typeface="游ゴシック" panose="020B0400000000000000" pitchFamily="50" charset="-128"/>
+                <a:cs typeface="+mn-cs"/>
+              </a:rPr>
+              <a:t>壁</a:t>
+            </a:r>
+            <a:r>
+              <a:rPr kumimoji="1" lang="ja-JP" altLang="en-US" sz="3200" dirty="0" smtClean="0">
+                <a:latin typeface="游ゴシック" panose="020F0502020204030204"/>
+                <a:ea typeface="游ゴシック" panose="020B0400000000000000" pitchFamily="50" charset="-128"/>
+              </a:rPr>
+              <a:t>が設置される</a:t>
+            </a:r>
+            <a:endParaRPr kumimoji="1" lang="en-US" altLang="ja-JP" sz="3200" b="0" i="0" u="none" strike="noStrike" kern="1200" cap="none" spc="0" normalizeH="0" baseline="0" noProof="0" dirty="0">
+              <a:ln>
+                <a:noFill/>
+              </a:ln>
+              <a:effectLst/>
+              <a:uLnTx/>
+              <a:uFillTx/>
+              <a:latin typeface="游ゴシック" panose="020F0502020204030204"/>
+              <a:ea typeface="游ゴシック" panose="020B0400000000000000" pitchFamily="50" charset="-128"/>
+            </a:endParaRPr>
+          </a:p>
+        </p:txBody>
+      </p:sp>
       <p:graphicFrame>
         <p:nvGraphicFramePr>
           <p:cNvPr id="22" name="表 21"/>
@@ -18479,13 +17409,13 @@
           <p:nvPr>
             <p:extLst>
               <p:ext uri="{D42A27DB-BD31-4B8C-83A1-F6EECF244321}">
-                <p14:modId xmlns:p14="http://schemas.microsoft.com/office/powerpoint/2010/main" val="4181307199"/>
+                <p14:modId xmlns:p14="http://schemas.microsoft.com/office/powerpoint/2010/main" val="1005246181"/>
               </p:ext>
             </p:extLst>
           </p:nvPr>
         </p:nvGraphicFramePr>
         <p:xfrm>
-          <a:off x="3316639" y="4078608"/>
+          <a:off x="3316639" y="4091435"/>
           <a:ext cx="496324" cy="505466"/>
         </p:xfrm>
         <a:graphic>
@@ -18600,6 +17530,35 @@
           </a:graphicData>
         </a:graphic>
       </p:graphicFrame>
+      <p:pic>
+        <p:nvPicPr>
+          <p:cNvPr id="11" name="図 10"/>
+          <p:cNvPicPr>
+            <a:picLocks noChangeAspect="1"/>
+          </p:cNvPicPr>
+          <p:nvPr/>
+        </p:nvPicPr>
+        <p:blipFill rotWithShape="1">
+          <a:blip r:embed="rId3">
+            <a:extLst>
+              <a:ext uri="{28A0092B-C50C-407E-A947-70E740481C1C}">
+                <a14:useLocalDpi xmlns:a14="http://schemas.microsoft.com/office/drawing/2010/main" val="0"/>
+              </a:ext>
+            </a:extLst>
+          </a:blip>
+          <a:srcRect l="32033" t="32375" r="33984" b="33813"/>
+          <a:stretch/>
+        </p:blipFill>
+        <p:spPr>
+          <a:xfrm>
+            <a:off x="3302394" y="4069310"/>
+            <a:ext cx="510569" cy="503800"/>
+          </a:xfrm>
+          <a:prstGeom prst="rect">
+            <a:avLst/>
+          </a:prstGeom>
+        </p:spPr>
+      </p:pic>
     </p:spTree>
     <p:extLst>
       <p:ext uri="{BB962C8B-B14F-4D97-AF65-F5344CB8AC3E}">
@@ -18631,23 +17590,23 @@
                             </p:stCondLst>
                             <p:childTnLst>
                               <p:par>
-                                <p:cTn id="5" presetID="42" presetClass="path" presetSubtype="0" accel="50000" decel="50000" fill="hold" nodeType="clickEffect">
+                                <p:cTn id="5" presetID="63" presetClass="path" presetSubtype="0" accel="50000" decel="50000" fill="hold" nodeType="clickEffect">
                                   <p:stCondLst>
                                     <p:cond delay="0"/>
                                   </p:stCondLst>
                                   <p:childTnLst>
-                                    <p:animMotion origin="layout" path="M 6.25E-7 2.96296E-6 L 0.04115 -0.00093 " pathEditMode="relative" rAng="0" ptsTypes="AA">
+                                    <p:animMotion origin="layout" path="M -0.00469 -0.00324 L 0.0392 -0.00046 " pathEditMode="relative" rAng="0" ptsTypes="AA">
                                       <p:cBhvr>
                                         <p:cTn id="6" dur="2000" fill="hold"/>
                                         <p:tgtEl>
-                                          <p:spTgt spid="19"/>
+                                          <p:spTgt spid="11"/>
                                         </p:tgtEl>
                                         <p:attrNameLst>
                                           <p:attrName>ppt_x</p:attrName>
                                           <p:attrName>ppt_y</p:attrName>
                                         </p:attrNameLst>
                                       </p:cBhvr>
-                                      <p:rCtr x="2057" y="-46"/>
+                                      <p:rCtr x="2188" y="139"/>
                                     </p:animMotion>
                                   </p:childTnLst>
                                 </p:cTn>
@@ -18671,7 +17630,7 @@
                             </p:stCondLst>
                             <p:childTnLst>
                               <p:par>
-                                <p:cTn id="9" presetID="1" presetClass="exit" presetSubtype="0" fill="hold" nodeType="clickEffect">
+                                <p:cTn id="9" presetID="10" presetClass="entr" presetSubtype="0" fill="hold" nodeType="clickEffect">
                                   <p:stCondLst>
                                     <p:cond delay="0"/>
                                   </p:stCondLst>
@@ -18679,51 +17638,6 @@
                                     <p:set>
                                       <p:cBhvr>
                                         <p:cTn id="10" dur="1" fill="hold">
-                                          <p:stCondLst>
-                                            <p:cond delay="0"/>
-                                          </p:stCondLst>
-                                        </p:cTn>
-                                        <p:tgtEl>
-                                          <p:spTgt spid="21"/>
-                                        </p:tgtEl>
-                                        <p:attrNameLst>
-                                          <p:attrName>style.visibility</p:attrName>
-                                        </p:attrNameLst>
-                                      </p:cBhvr>
-                                      <p:to>
-                                        <p:strVal val="hidden"/>
-                                      </p:to>
-                                    </p:set>
-                                  </p:childTnLst>
-                                </p:cTn>
-                              </p:par>
-                            </p:childTnLst>
-                          </p:cTn>
-                        </p:par>
-                      </p:childTnLst>
-                    </p:cTn>
-                  </p:par>
-                  <p:par>
-                    <p:cTn id="11" fill="hold">
-                      <p:stCondLst>
-                        <p:cond delay="indefinite"/>
-                      </p:stCondLst>
-                      <p:childTnLst>
-                        <p:par>
-                          <p:cTn id="12" fill="hold">
-                            <p:stCondLst>
-                              <p:cond delay="0"/>
-                            </p:stCondLst>
-                            <p:childTnLst>
-                              <p:par>
-                                <p:cTn id="13" presetID="10" presetClass="entr" presetSubtype="0" fill="hold" nodeType="clickEffect">
-                                  <p:stCondLst>
-                                    <p:cond delay="0"/>
-                                  </p:stCondLst>
-                                  <p:childTnLst>
-                                    <p:set>
-                                      <p:cBhvr>
-                                        <p:cTn id="14" dur="1" fill="hold">
                                           <p:stCondLst>
                                             <p:cond delay="0"/>
                                           </p:stCondLst>
@@ -18741,7 +17655,7 @@
                                     </p:set>
                                     <p:animEffect transition="in" filter="fade">
                                       <p:cBhvr>
-                                        <p:cTn id="15" dur="500"/>
+                                        <p:cTn id="11" dur="500"/>
                                         <p:tgtEl>
                                           <p:spTgt spid="22"/>
                                         </p:tgtEl>
@@ -19032,7 +17946,7 @@
   <a:extraClrSchemeLst/>
   <a:extLst>
     <a:ext uri="{05A4C25C-085E-4340-85A3-A5531E510DB2}">
-      <thm15:themeFamily xmlns:thm15="http://schemas.microsoft.com/office/thememl/2012/main" name="Facet" id="{C0C680CD-088A-49FC-A102-D699147F32B2}" vid="{CFBC31BA-B70F-4F30-BCAA-4F3011E16C4D}"/>
+      <thm15:themeFamily xmlns="" xmlns:thm15="http://schemas.microsoft.com/office/thememl/2012/main" name="Facet" id="{C0C680CD-088A-49FC-A102-D699147F32B2}" vid="{CFBC31BA-B70F-4F30-BCAA-4F3011E16C4D}"/>
     </a:ext>
   </a:extLst>
 </a:theme>
